--- a/edit.pptx
+++ b/edit.pptx
@@ -6,6 +6,8 @@
   </p:sldMasterIdLst>
   <p:sldIdLst>
     <p:sldId id="256" r:id="rId2"/>
+    <p:sldId id="257" r:id="rId3"/>
+    <p:sldId id="258" r:id="rId4"/>
   </p:sldIdLst>
   <p:sldSz cx="9144000" cy="6858000" type="screen4x3"/>
   <p:notesSz cx="6858000" cy="9144000"/>
@@ -288,7 +290,8 @@
           <a:p>
             <a:fld id="{7C7AA252-F4C5-436B-85A4-11EA8E3892CE}" type="datetimeFigureOut">
               <a:rPr lang="ko-KR" altLang="en-US" smtClean="0"/>
-              <a:t>2021-10-13</a:t>
+              <a:pPr/>
+              <a:t>2021-10-15</a:t>
             </a:fld>
             <a:endParaRPr lang="ko-KR" altLang="en-US"/>
           </a:p>
@@ -330,6 +333,7 @@
           <a:p>
             <a:fld id="{8DDE32B3-4328-4D72-9FC9-0F7C772ACAEB}" type="slidenum">
               <a:rPr lang="ko-KR" altLang="en-US" smtClean="0"/>
+              <a:pPr/>
               <a:t>‹#›</a:t>
             </a:fld>
             <a:endParaRPr lang="ko-KR" altLang="en-US"/>
@@ -453,7 +457,8 @@
           <a:p>
             <a:fld id="{7C7AA252-F4C5-436B-85A4-11EA8E3892CE}" type="datetimeFigureOut">
               <a:rPr lang="ko-KR" altLang="en-US" smtClean="0"/>
-              <a:t>2021-10-13</a:t>
+              <a:pPr/>
+              <a:t>2021-10-15</a:t>
             </a:fld>
             <a:endParaRPr lang="ko-KR" altLang="en-US"/>
           </a:p>
@@ -495,6 +500,7 @@
           <a:p>
             <a:fld id="{8DDE32B3-4328-4D72-9FC9-0F7C772ACAEB}" type="slidenum">
               <a:rPr lang="ko-KR" altLang="en-US" smtClean="0"/>
+              <a:pPr/>
               <a:t>‹#›</a:t>
             </a:fld>
             <a:endParaRPr lang="ko-KR" altLang="en-US"/>
@@ -628,7 +634,8 @@
           <a:p>
             <a:fld id="{7C7AA252-F4C5-436B-85A4-11EA8E3892CE}" type="datetimeFigureOut">
               <a:rPr lang="ko-KR" altLang="en-US" smtClean="0"/>
-              <a:t>2021-10-13</a:t>
+              <a:pPr/>
+              <a:t>2021-10-15</a:t>
             </a:fld>
             <a:endParaRPr lang="ko-KR" altLang="en-US"/>
           </a:p>
@@ -670,6 +677,7 @@
           <a:p>
             <a:fld id="{8DDE32B3-4328-4D72-9FC9-0F7C772ACAEB}" type="slidenum">
               <a:rPr lang="ko-KR" altLang="en-US" smtClean="0"/>
+              <a:pPr/>
               <a:t>‹#›</a:t>
             </a:fld>
             <a:endParaRPr lang="ko-KR" altLang="en-US"/>
@@ -793,7 +801,8 @@
           <a:p>
             <a:fld id="{7C7AA252-F4C5-436B-85A4-11EA8E3892CE}" type="datetimeFigureOut">
               <a:rPr lang="ko-KR" altLang="en-US" smtClean="0"/>
-              <a:t>2021-10-13</a:t>
+              <a:pPr/>
+              <a:t>2021-10-15</a:t>
             </a:fld>
             <a:endParaRPr lang="ko-KR" altLang="en-US"/>
           </a:p>
@@ -835,6 +844,7 @@
           <a:p>
             <a:fld id="{8DDE32B3-4328-4D72-9FC9-0F7C772ACAEB}" type="slidenum">
               <a:rPr lang="ko-KR" altLang="en-US" smtClean="0"/>
+              <a:pPr/>
               <a:t>‹#›</a:t>
             </a:fld>
             <a:endParaRPr lang="ko-KR" altLang="en-US"/>
@@ -1034,7 +1044,8 @@
           <a:p>
             <a:fld id="{7C7AA252-F4C5-436B-85A4-11EA8E3892CE}" type="datetimeFigureOut">
               <a:rPr lang="ko-KR" altLang="en-US" smtClean="0"/>
-              <a:t>2021-10-13</a:t>
+              <a:pPr/>
+              <a:t>2021-10-15</a:t>
             </a:fld>
             <a:endParaRPr lang="ko-KR" altLang="en-US"/>
           </a:p>
@@ -1076,6 +1087,7 @@
           <a:p>
             <a:fld id="{8DDE32B3-4328-4D72-9FC9-0F7C772ACAEB}" type="slidenum">
               <a:rPr lang="ko-KR" altLang="en-US" smtClean="0"/>
+              <a:pPr/>
               <a:t>‹#›</a:t>
             </a:fld>
             <a:endParaRPr lang="ko-KR" altLang="en-US"/>
@@ -1317,7 +1329,8 @@
           <a:p>
             <a:fld id="{7C7AA252-F4C5-436B-85A4-11EA8E3892CE}" type="datetimeFigureOut">
               <a:rPr lang="ko-KR" altLang="en-US" smtClean="0"/>
-              <a:t>2021-10-13</a:t>
+              <a:pPr/>
+              <a:t>2021-10-15</a:t>
             </a:fld>
             <a:endParaRPr lang="ko-KR" altLang="en-US"/>
           </a:p>
@@ -1359,6 +1372,7 @@
           <a:p>
             <a:fld id="{8DDE32B3-4328-4D72-9FC9-0F7C772ACAEB}" type="slidenum">
               <a:rPr lang="ko-KR" altLang="en-US" smtClean="0"/>
+              <a:pPr/>
               <a:t>‹#›</a:t>
             </a:fld>
             <a:endParaRPr lang="ko-KR" altLang="en-US"/>
@@ -1734,7 +1748,8 @@
           <a:p>
             <a:fld id="{7C7AA252-F4C5-436B-85A4-11EA8E3892CE}" type="datetimeFigureOut">
               <a:rPr lang="ko-KR" altLang="en-US" smtClean="0"/>
-              <a:t>2021-10-13</a:t>
+              <a:pPr/>
+              <a:t>2021-10-15</a:t>
             </a:fld>
             <a:endParaRPr lang="ko-KR" altLang="en-US"/>
           </a:p>
@@ -1776,6 +1791,7 @@
           <a:p>
             <a:fld id="{8DDE32B3-4328-4D72-9FC9-0F7C772ACAEB}" type="slidenum">
               <a:rPr lang="ko-KR" altLang="en-US" smtClean="0"/>
+              <a:pPr/>
               <a:t>‹#›</a:t>
             </a:fld>
             <a:endParaRPr lang="ko-KR" altLang="en-US"/>
@@ -1847,7 +1863,8 @@
           <a:p>
             <a:fld id="{7C7AA252-F4C5-436B-85A4-11EA8E3892CE}" type="datetimeFigureOut">
               <a:rPr lang="ko-KR" altLang="en-US" smtClean="0"/>
-              <a:t>2021-10-13</a:t>
+              <a:pPr/>
+              <a:t>2021-10-15</a:t>
             </a:fld>
             <a:endParaRPr lang="ko-KR" altLang="en-US"/>
           </a:p>
@@ -1889,6 +1906,7 @@
           <a:p>
             <a:fld id="{8DDE32B3-4328-4D72-9FC9-0F7C772ACAEB}" type="slidenum">
               <a:rPr lang="ko-KR" altLang="en-US" smtClean="0"/>
+              <a:pPr/>
               <a:t>‹#›</a:t>
             </a:fld>
             <a:endParaRPr lang="ko-KR" altLang="en-US"/>
@@ -1937,7 +1955,8 @@
           <a:p>
             <a:fld id="{7C7AA252-F4C5-436B-85A4-11EA8E3892CE}" type="datetimeFigureOut">
               <a:rPr lang="ko-KR" altLang="en-US" smtClean="0"/>
-              <a:t>2021-10-13</a:t>
+              <a:pPr/>
+              <a:t>2021-10-15</a:t>
             </a:fld>
             <a:endParaRPr lang="ko-KR" altLang="en-US"/>
           </a:p>
@@ -1979,6 +1998,7 @@
           <a:p>
             <a:fld id="{8DDE32B3-4328-4D72-9FC9-0F7C772ACAEB}" type="slidenum">
               <a:rPr lang="ko-KR" altLang="en-US" smtClean="0"/>
+              <a:pPr/>
               <a:t>‹#›</a:t>
             </a:fld>
             <a:endParaRPr lang="ko-KR" altLang="en-US"/>
@@ -2209,7 +2229,8 @@
           <a:p>
             <a:fld id="{7C7AA252-F4C5-436B-85A4-11EA8E3892CE}" type="datetimeFigureOut">
               <a:rPr lang="ko-KR" altLang="en-US" smtClean="0"/>
-              <a:t>2021-10-13</a:t>
+              <a:pPr/>
+              <a:t>2021-10-15</a:t>
             </a:fld>
             <a:endParaRPr lang="ko-KR" altLang="en-US"/>
           </a:p>
@@ -2251,6 +2272,7 @@
           <a:p>
             <a:fld id="{8DDE32B3-4328-4D72-9FC9-0F7C772ACAEB}" type="slidenum">
               <a:rPr lang="ko-KR" altLang="en-US" smtClean="0"/>
+              <a:pPr/>
               <a:t>‹#›</a:t>
             </a:fld>
             <a:endParaRPr lang="ko-KR" altLang="en-US"/>
@@ -2457,7 +2479,8 @@
           <a:p>
             <a:fld id="{7C7AA252-F4C5-436B-85A4-11EA8E3892CE}" type="datetimeFigureOut">
               <a:rPr lang="ko-KR" altLang="en-US" smtClean="0"/>
-              <a:t>2021-10-13</a:t>
+              <a:pPr/>
+              <a:t>2021-10-15</a:t>
             </a:fld>
             <a:endParaRPr lang="ko-KR" altLang="en-US"/>
           </a:p>
@@ -2499,6 +2522,7 @@
           <a:p>
             <a:fld id="{8DDE32B3-4328-4D72-9FC9-0F7C772ACAEB}" type="slidenum">
               <a:rPr lang="ko-KR" altLang="en-US" smtClean="0"/>
+              <a:pPr/>
               <a:t>‹#›</a:t>
             </a:fld>
             <a:endParaRPr lang="ko-KR" altLang="en-US"/>
@@ -2665,7 +2689,8 @@
           <a:p>
             <a:fld id="{7C7AA252-F4C5-436B-85A4-11EA8E3892CE}" type="datetimeFigureOut">
               <a:rPr lang="ko-KR" altLang="en-US" smtClean="0"/>
-              <a:t>2021-10-13</a:t>
+              <a:pPr/>
+              <a:t>2021-10-15</a:t>
             </a:fld>
             <a:endParaRPr lang="ko-KR" altLang="en-US"/>
           </a:p>
@@ -2743,6 +2768,7 @@
           <a:p>
             <a:fld id="{8DDE32B3-4328-4D72-9FC9-0F7C772ACAEB}" type="slidenum">
               <a:rPr lang="ko-KR" altLang="en-US" smtClean="0"/>
+              <a:pPr/>
               <a:t>‹#›</a:t>
             </a:fld>
             <a:endParaRPr lang="ko-KR" altLang="en-US"/>
@@ -3621,6 +3647,1997 @@
 </p:sld>
 </file>
 
+<file path=ppt/slides/slide2.xml><?xml version="1.0" encoding="utf-8"?>
+<p:sld xmlns:a="http://schemas.openxmlformats.org/drawingml/2006/main" xmlns:r="http://schemas.openxmlformats.org/officeDocument/2006/relationships" xmlns:p="http://schemas.openxmlformats.org/presentationml/2006/main">
+  <p:cSld>
+    <p:spTree>
+      <p:nvGrpSpPr>
+        <p:cNvPr id="1" name=""/>
+        <p:cNvGrpSpPr/>
+        <p:nvPr/>
+      </p:nvGrpSpPr>
+      <p:grpSpPr>
+        <a:xfrm>
+          <a:off x="0" y="0"/>
+          <a:ext cx="0" cy="0"/>
+          <a:chOff x="0" y="0"/>
+          <a:chExt cx="0" cy="0"/>
+        </a:xfrm>
+      </p:grpSpPr>
+      <p:pic>
+        <p:nvPicPr>
+          <p:cNvPr id="1026" name="Picture 2"/>
+          <p:cNvPicPr>
+            <a:picLocks noChangeAspect="1" noChangeArrowheads="1"/>
+          </p:cNvPicPr>
+          <p:nvPr/>
+        </p:nvPicPr>
+        <p:blipFill>
+          <a:blip r:embed="rId2" cstate="print"/>
+          <a:srcRect/>
+          <a:stretch>
+            <a:fillRect/>
+          </a:stretch>
+        </p:blipFill>
+        <p:spPr bwMode="auto">
+          <a:xfrm>
+            <a:off x="611559" y="1124744"/>
+            <a:ext cx="6075377" cy="3744416"/>
+          </a:xfrm>
+          <a:prstGeom prst="rect">
+            <a:avLst/>
+          </a:prstGeom>
+          <a:noFill/>
+          <a:ln w="9525">
+            <a:noFill/>
+            <a:miter lim="800000"/>
+            <a:headEnd/>
+            <a:tailEnd/>
+          </a:ln>
+        </p:spPr>
+      </p:pic>
+      <p:pic>
+        <p:nvPicPr>
+          <p:cNvPr id="1027" name="Picture 3"/>
+          <p:cNvPicPr>
+            <a:picLocks noChangeAspect="1" noChangeArrowheads="1"/>
+          </p:cNvPicPr>
+          <p:nvPr/>
+        </p:nvPicPr>
+        <p:blipFill>
+          <a:blip r:embed="rId3" cstate="print"/>
+          <a:srcRect/>
+          <a:stretch>
+            <a:fillRect/>
+          </a:stretch>
+        </p:blipFill>
+        <p:spPr bwMode="auto">
+          <a:xfrm>
+            <a:off x="611560" y="692697"/>
+            <a:ext cx="6048672" cy="432048"/>
+          </a:xfrm>
+          <a:prstGeom prst="rect">
+            <a:avLst/>
+          </a:prstGeom>
+          <a:noFill/>
+          <a:ln w="9525">
+            <a:noFill/>
+            <a:miter lim="800000"/>
+            <a:headEnd/>
+            <a:tailEnd/>
+          </a:ln>
+        </p:spPr>
+      </p:pic>
+      <p:sp>
+        <p:nvSpPr>
+          <p:cNvPr id="7" name="직사각형 6"/>
+          <p:cNvSpPr/>
+          <p:nvPr/>
+        </p:nvSpPr>
+        <p:spPr>
+          <a:xfrm>
+            <a:off x="6372200" y="1628800"/>
+            <a:ext cx="432048" cy="288032"/>
+          </a:xfrm>
+          <a:prstGeom prst="rect">
+            <a:avLst/>
+          </a:prstGeom>
+          <a:solidFill>
+            <a:schemeClr val="bg1"/>
+          </a:solidFill>
+          <a:ln>
+            <a:noFill/>
+          </a:ln>
+        </p:spPr>
+        <p:style>
+          <a:lnRef idx="2">
+            <a:schemeClr val="accent1">
+              <a:shade val="50000"/>
+            </a:schemeClr>
+          </a:lnRef>
+          <a:fillRef idx="1">
+            <a:schemeClr val="accent1"/>
+          </a:fillRef>
+          <a:effectRef idx="0">
+            <a:schemeClr val="accent1"/>
+          </a:effectRef>
+          <a:fontRef idx="minor">
+            <a:schemeClr val="lt1"/>
+          </a:fontRef>
+        </p:style>
+        <p:txBody>
+          <a:bodyPr rtlCol="0" anchor="ctr"/>
+          <a:lstStyle/>
+          <a:p>
+            <a:pPr algn="ctr"/>
+            <a:endParaRPr lang="ko-KR" altLang="en-US"/>
+          </a:p>
+        </p:txBody>
+      </p:sp>
+    </p:spTree>
+  </p:cSld>
+  <p:clrMapOvr>
+    <a:masterClrMapping/>
+  </p:clrMapOvr>
+</p:sld>
+</file>
+
+<file path=ppt/slides/slide3.xml><?xml version="1.0" encoding="utf-8"?>
+<p:sld xmlns:a="http://schemas.openxmlformats.org/drawingml/2006/main" xmlns:r="http://schemas.openxmlformats.org/officeDocument/2006/relationships" xmlns:p="http://schemas.openxmlformats.org/presentationml/2006/main">
+  <p:cSld>
+    <p:spTree>
+      <p:nvGrpSpPr>
+        <p:cNvPr id="1" name=""/>
+        <p:cNvGrpSpPr/>
+        <p:nvPr/>
+      </p:nvGrpSpPr>
+      <p:grpSpPr>
+        <a:xfrm>
+          <a:off x="0" y="0"/>
+          <a:ext cx="0" cy="0"/>
+          <a:chOff x="0" y="0"/>
+          <a:chExt cx="0" cy="0"/>
+        </a:xfrm>
+      </p:grpSpPr>
+      <p:sp>
+        <p:nvSpPr>
+          <p:cNvPr id="61" name="직사각형 60"/>
+          <p:cNvSpPr/>
+          <p:nvPr/>
+        </p:nvSpPr>
+        <p:spPr>
+          <a:xfrm>
+            <a:off x="5292080" y="4149080"/>
+            <a:ext cx="3456384" cy="1800200"/>
+          </a:xfrm>
+          <a:prstGeom prst="rect">
+            <a:avLst/>
+          </a:prstGeom>
+          <a:solidFill>
+            <a:schemeClr val="accent1">
+              <a:lumMod val="20000"/>
+              <a:lumOff val="80000"/>
+            </a:schemeClr>
+          </a:solidFill>
+          <a:ln>
+            <a:noFill/>
+          </a:ln>
+        </p:spPr>
+        <p:style>
+          <a:lnRef idx="2">
+            <a:schemeClr val="accent1">
+              <a:shade val="50000"/>
+            </a:schemeClr>
+          </a:lnRef>
+          <a:fillRef idx="1">
+            <a:schemeClr val="accent1"/>
+          </a:fillRef>
+          <a:effectRef idx="0">
+            <a:schemeClr val="accent1"/>
+          </a:effectRef>
+          <a:fontRef idx="minor">
+            <a:schemeClr val="lt1"/>
+          </a:fontRef>
+        </p:style>
+        <p:txBody>
+          <a:bodyPr rtlCol="0" anchor="ctr"/>
+          <a:lstStyle/>
+          <a:p>
+            <a:pPr algn="ctr"/>
+            <a:endParaRPr lang="ko-KR" altLang="en-US"/>
+          </a:p>
+        </p:txBody>
+      </p:sp>
+      <p:sp>
+        <p:nvSpPr>
+          <p:cNvPr id="24" name="직사각형 23"/>
+          <p:cNvSpPr/>
+          <p:nvPr/>
+        </p:nvSpPr>
+        <p:spPr>
+          <a:xfrm>
+            <a:off x="5292080" y="764704"/>
+            <a:ext cx="3456384" cy="2880320"/>
+          </a:xfrm>
+          <a:prstGeom prst="rect">
+            <a:avLst/>
+          </a:prstGeom>
+          <a:solidFill>
+            <a:schemeClr val="accent1">
+              <a:lumMod val="20000"/>
+              <a:lumOff val="80000"/>
+            </a:schemeClr>
+          </a:solidFill>
+          <a:ln>
+            <a:noFill/>
+          </a:ln>
+        </p:spPr>
+        <p:style>
+          <a:lnRef idx="2">
+            <a:schemeClr val="accent1">
+              <a:shade val="50000"/>
+            </a:schemeClr>
+          </a:lnRef>
+          <a:fillRef idx="1">
+            <a:schemeClr val="accent1"/>
+          </a:fillRef>
+          <a:effectRef idx="0">
+            <a:schemeClr val="accent1"/>
+          </a:effectRef>
+          <a:fontRef idx="minor">
+            <a:schemeClr val="lt1"/>
+          </a:fontRef>
+        </p:style>
+        <p:txBody>
+          <a:bodyPr rtlCol="0" anchor="ctr"/>
+          <a:lstStyle/>
+          <a:p>
+            <a:pPr algn="ctr"/>
+            <a:endParaRPr lang="ko-KR" altLang="en-US"/>
+          </a:p>
+        </p:txBody>
+      </p:sp>
+      <p:pic>
+        <p:nvPicPr>
+          <p:cNvPr id="2050" name="Picture 2"/>
+          <p:cNvPicPr>
+            <a:picLocks noChangeAspect="1" noChangeArrowheads="1"/>
+          </p:cNvPicPr>
+          <p:nvPr/>
+        </p:nvPicPr>
+        <p:blipFill>
+          <a:blip r:embed="rId2" cstate="print"/>
+          <a:srcRect/>
+          <a:stretch>
+            <a:fillRect/>
+          </a:stretch>
+        </p:blipFill>
+        <p:spPr bwMode="auto">
+          <a:xfrm>
+            <a:off x="5508104" y="908720"/>
+            <a:ext cx="3149352" cy="2420646"/>
+          </a:xfrm>
+          <a:prstGeom prst="rect">
+            <a:avLst/>
+          </a:prstGeom>
+          <a:noFill/>
+          <a:ln w="9525">
+            <a:noFill/>
+            <a:miter lim="800000"/>
+            <a:headEnd/>
+            <a:tailEnd/>
+          </a:ln>
+        </p:spPr>
+      </p:pic>
+      <p:pic>
+        <p:nvPicPr>
+          <p:cNvPr id="5" name="Picture 2"/>
+          <p:cNvPicPr>
+            <a:picLocks noChangeAspect="1" noChangeArrowheads="1"/>
+          </p:cNvPicPr>
+          <p:nvPr/>
+        </p:nvPicPr>
+        <p:blipFill>
+          <a:blip r:embed="rId3" cstate="print"/>
+          <a:srcRect/>
+          <a:stretch>
+            <a:fillRect/>
+          </a:stretch>
+        </p:blipFill>
+        <p:spPr bwMode="auto">
+          <a:xfrm>
+            <a:off x="1979712" y="4437112"/>
+            <a:ext cx="505319" cy="576064"/>
+          </a:xfrm>
+          <a:prstGeom prst="rect">
+            <a:avLst/>
+          </a:prstGeom>
+          <a:noFill/>
+          <a:ln w="9525">
+            <a:noFill/>
+            <a:miter lim="800000"/>
+            <a:headEnd/>
+            <a:tailEnd/>
+          </a:ln>
+        </p:spPr>
+      </p:pic>
+      <p:pic>
+        <p:nvPicPr>
+          <p:cNvPr id="2051" name="Picture 3"/>
+          <p:cNvPicPr>
+            <a:picLocks noChangeAspect="1" noChangeArrowheads="1"/>
+          </p:cNvPicPr>
+          <p:nvPr/>
+        </p:nvPicPr>
+        <p:blipFill>
+          <a:blip r:embed="rId4" cstate="print"/>
+          <a:srcRect/>
+          <a:stretch>
+            <a:fillRect/>
+          </a:stretch>
+        </p:blipFill>
+        <p:spPr bwMode="auto">
+          <a:xfrm>
+            <a:off x="2627784" y="4437112"/>
+            <a:ext cx="624883" cy="576064"/>
+          </a:xfrm>
+          <a:prstGeom prst="rect">
+            <a:avLst/>
+          </a:prstGeom>
+          <a:noFill/>
+          <a:ln w="9525">
+            <a:noFill/>
+            <a:miter lim="800000"/>
+            <a:headEnd/>
+            <a:tailEnd/>
+          </a:ln>
+        </p:spPr>
+      </p:pic>
+      <p:pic>
+        <p:nvPicPr>
+          <p:cNvPr id="7" name="Picture 3" descr="C:\Users\webme\Downloads\the-server-15-128.png"/>
+          <p:cNvPicPr>
+            <a:picLocks noChangeAspect="1" noChangeArrowheads="1"/>
+          </p:cNvPicPr>
+          <p:nvPr/>
+        </p:nvPicPr>
+        <p:blipFill>
+          <a:blip r:embed="rId5" cstate="print"/>
+          <a:srcRect/>
+          <a:stretch>
+            <a:fillRect/>
+          </a:stretch>
+        </p:blipFill>
+        <p:spPr bwMode="auto">
+          <a:xfrm>
+            <a:off x="2339752" y="188640"/>
+            <a:ext cx="1219200" cy="1219200"/>
+          </a:xfrm>
+          <a:prstGeom prst="rect">
+            <a:avLst/>
+          </a:prstGeom>
+          <a:noFill/>
+        </p:spPr>
+      </p:pic>
+      <p:pic>
+        <p:nvPicPr>
+          <p:cNvPr id="8" name="Picture 3" descr="C:\Users\webme\Downloads\the-server-15-128.png"/>
+          <p:cNvPicPr>
+            <a:picLocks noChangeAspect="1" noChangeArrowheads="1"/>
+          </p:cNvPicPr>
+          <p:nvPr/>
+        </p:nvPicPr>
+        <p:blipFill>
+          <a:blip r:embed="rId5" cstate="print"/>
+          <a:srcRect/>
+          <a:stretch>
+            <a:fillRect/>
+          </a:stretch>
+        </p:blipFill>
+        <p:spPr bwMode="auto">
+          <a:xfrm>
+            <a:off x="2339752" y="1531531"/>
+            <a:ext cx="1219200" cy="1219200"/>
+          </a:xfrm>
+          <a:prstGeom prst="rect">
+            <a:avLst/>
+          </a:prstGeom>
+          <a:noFill/>
+        </p:spPr>
+      </p:pic>
+      <p:pic>
+        <p:nvPicPr>
+          <p:cNvPr id="9" name="Picture 3" descr="C:\Users\webme\Downloads\the-server-15-128.png"/>
+          <p:cNvPicPr>
+            <a:picLocks noChangeAspect="1" noChangeArrowheads="1"/>
+          </p:cNvPicPr>
+          <p:nvPr/>
+        </p:nvPicPr>
+        <p:blipFill>
+          <a:blip r:embed="rId5" cstate="print"/>
+          <a:srcRect/>
+          <a:stretch>
+            <a:fillRect/>
+          </a:stretch>
+        </p:blipFill>
+        <p:spPr bwMode="auto">
+          <a:xfrm>
+            <a:off x="2339752" y="2827675"/>
+            <a:ext cx="1219200" cy="1219200"/>
+          </a:xfrm>
+          <a:prstGeom prst="rect">
+            <a:avLst/>
+          </a:prstGeom>
+          <a:noFill/>
+        </p:spPr>
+      </p:pic>
+      <p:pic>
+        <p:nvPicPr>
+          <p:cNvPr id="12" name="그림 11" descr="3630px-Nginx_logo.png"/>
+          <p:cNvPicPr>
+            <a:picLocks noChangeAspect="1"/>
+          </p:cNvPicPr>
+          <p:nvPr/>
+        </p:nvPicPr>
+        <p:blipFill>
+          <a:blip r:embed="rId6" cstate="print"/>
+          <a:stretch>
+            <a:fillRect/>
+          </a:stretch>
+        </p:blipFill>
+        <p:spPr>
+          <a:xfrm>
+            <a:off x="1835696" y="404664"/>
+            <a:ext cx="733062" cy="504055"/>
+          </a:xfrm>
+          <a:prstGeom prst="rect">
+            <a:avLst/>
+          </a:prstGeom>
+        </p:spPr>
+      </p:pic>
+      <p:pic>
+        <p:nvPicPr>
+          <p:cNvPr id="13" name="그림 12" descr="tomcat.png"/>
+          <p:cNvPicPr>
+            <a:picLocks noChangeAspect="1"/>
+          </p:cNvPicPr>
+          <p:nvPr/>
+        </p:nvPicPr>
+        <p:blipFill>
+          <a:blip r:embed="rId7" cstate="print"/>
+          <a:stretch>
+            <a:fillRect/>
+          </a:stretch>
+        </p:blipFill>
+        <p:spPr>
+          <a:xfrm>
+            <a:off x="1763688" y="620688"/>
+            <a:ext cx="812801" cy="812801"/>
+          </a:xfrm>
+          <a:prstGeom prst="rect">
+            <a:avLst/>
+          </a:prstGeom>
+        </p:spPr>
+      </p:pic>
+      <p:pic>
+        <p:nvPicPr>
+          <p:cNvPr id="14" name="그림 13" descr="3630px-Nginx_logo.png"/>
+          <p:cNvPicPr>
+            <a:picLocks noChangeAspect="1"/>
+          </p:cNvPicPr>
+          <p:nvPr/>
+        </p:nvPicPr>
+        <p:blipFill>
+          <a:blip r:embed="rId6" cstate="print"/>
+          <a:stretch>
+            <a:fillRect/>
+          </a:stretch>
+        </p:blipFill>
+        <p:spPr>
+          <a:xfrm>
+            <a:off x="1835696" y="1675547"/>
+            <a:ext cx="733062" cy="504055"/>
+          </a:xfrm>
+          <a:prstGeom prst="rect">
+            <a:avLst/>
+          </a:prstGeom>
+        </p:spPr>
+      </p:pic>
+      <p:pic>
+        <p:nvPicPr>
+          <p:cNvPr id="15" name="그림 14" descr="tomcat.png"/>
+          <p:cNvPicPr>
+            <a:picLocks noChangeAspect="1"/>
+          </p:cNvPicPr>
+          <p:nvPr/>
+        </p:nvPicPr>
+        <p:blipFill>
+          <a:blip r:embed="rId7" cstate="print"/>
+          <a:stretch>
+            <a:fillRect/>
+          </a:stretch>
+        </p:blipFill>
+        <p:spPr>
+          <a:xfrm>
+            <a:off x="1763688" y="1891571"/>
+            <a:ext cx="812801" cy="812801"/>
+          </a:xfrm>
+          <a:prstGeom prst="rect">
+            <a:avLst/>
+          </a:prstGeom>
+        </p:spPr>
+      </p:pic>
+      <p:pic>
+        <p:nvPicPr>
+          <p:cNvPr id="16" name="그림 15" descr="3630px-Nginx_logo.png"/>
+          <p:cNvPicPr>
+            <a:picLocks noChangeAspect="1"/>
+          </p:cNvPicPr>
+          <p:nvPr/>
+        </p:nvPicPr>
+        <p:blipFill>
+          <a:blip r:embed="rId6" cstate="print"/>
+          <a:stretch>
+            <a:fillRect/>
+          </a:stretch>
+        </p:blipFill>
+        <p:spPr>
+          <a:xfrm>
+            <a:off x="1835696" y="2971691"/>
+            <a:ext cx="733062" cy="504055"/>
+          </a:xfrm>
+          <a:prstGeom prst="rect">
+            <a:avLst/>
+          </a:prstGeom>
+        </p:spPr>
+      </p:pic>
+      <p:pic>
+        <p:nvPicPr>
+          <p:cNvPr id="17" name="그림 16" descr="tomcat.png"/>
+          <p:cNvPicPr>
+            <a:picLocks noChangeAspect="1"/>
+          </p:cNvPicPr>
+          <p:nvPr/>
+        </p:nvPicPr>
+        <p:blipFill>
+          <a:blip r:embed="rId7" cstate="print"/>
+          <a:stretch>
+            <a:fillRect/>
+          </a:stretch>
+        </p:blipFill>
+        <p:spPr>
+          <a:xfrm>
+            <a:off x="1763688" y="3187715"/>
+            <a:ext cx="812801" cy="812801"/>
+          </a:xfrm>
+          <a:prstGeom prst="rect">
+            <a:avLst/>
+          </a:prstGeom>
+        </p:spPr>
+      </p:pic>
+      <p:pic>
+        <p:nvPicPr>
+          <p:cNvPr id="2054" name="Picture 6"/>
+          <p:cNvPicPr>
+            <a:picLocks noChangeAspect="1" noChangeArrowheads="1"/>
+          </p:cNvPicPr>
+          <p:nvPr/>
+        </p:nvPicPr>
+        <p:blipFill>
+          <a:blip r:embed="rId8" cstate="print"/>
+          <a:srcRect/>
+          <a:stretch>
+            <a:fillRect/>
+          </a:stretch>
+        </p:blipFill>
+        <p:spPr bwMode="auto">
+          <a:xfrm>
+            <a:off x="5940152" y="4293096"/>
+            <a:ext cx="1440160" cy="446946"/>
+          </a:xfrm>
+          <a:prstGeom prst="rect">
+            <a:avLst/>
+          </a:prstGeom>
+          <a:noFill/>
+          <a:ln w="9525">
+            <a:noFill/>
+            <a:miter lim="800000"/>
+            <a:headEnd/>
+            <a:tailEnd/>
+          </a:ln>
+        </p:spPr>
+      </p:pic>
+      <p:pic>
+        <p:nvPicPr>
+          <p:cNvPr id="2055" name="Picture 7"/>
+          <p:cNvPicPr>
+            <a:picLocks noChangeAspect="1" noChangeArrowheads="1"/>
+          </p:cNvPicPr>
+          <p:nvPr/>
+        </p:nvPicPr>
+        <p:blipFill>
+          <a:blip r:embed="rId9" cstate="print"/>
+          <a:srcRect/>
+          <a:stretch>
+            <a:fillRect/>
+          </a:stretch>
+        </p:blipFill>
+        <p:spPr bwMode="auto">
+          <a:xfrm>
+            <a:off x="1907704" y="5229200"/>
+            <a:ext cx="1152128" cy="365851"/>
+          </a:xfrm>
+          <a:prstGeom prst="rect">
+            <a:avLst/>
+          </a:prstGeom>
+          <a:noFill/>
+          <a:ln w="9525">
+            <a:noFill/>
+            <a:miter lim="800000"/>
+            <a:headEnd/>
+            <a:tailEnd/>
+          </a:ln>
+        </p:spPr>
+      </p:pic>
+      <p:pic>
+        <p:nvPicPr>
+          <p:cNvPr id="2056" name="Picture 8"/>
+          <p:cNvPicPr>
+            <a:picLocks noChangeAspect="1" noChangeArrowheads="1"/>
+          </p:cNvPicPr>
+          <p:nvPr/>
+        </p:nvPicPr>
+        <p:blipFill>
+          <a:blip r:embed="rId10" cstate="print"/>
+          <a:srcRect/>
+          <a:stretch>
+            <a:fillRect/>
+          </a:stretch>
+        </p:blipFill>
+        <p:spPr bwMode="auto">
+          <a:xfrm>
+            <a:off x="1907704" y="5805264"/>
+            <a:ext cx="1224136" cy="312078"/>
+          </a:xfrm>
+          <a:prstGeom prst="rect">
+            <a:avLst/>
+          </a:prstGeom>
+          <a:noFill/>
+          <a:ln w="9525">
+            <a:noFill/>
+            <a:miter lim="800000"/>
+            <a:headEnd/>
+            <a:tailEnd/>
+          </a:ln>
+        </p:spPr>
+      </p:pic>
+      <p:sp>
+        <p:nvSpPr>
+          <p:cNvPr id="21" name="TextBox 20"/>
+          <p:cNvSpPr txBox="1"/>
+          <p:nvPr/>
+        </p:nvSpPr>
+        <p:spPr>
+          <a:xfrm>
+            <a:off x="2339752" y="1196752"/>
+            <a:ext cx="1296144" cy="246221"/>
+          </a:xfrm>
+          <a:prstGeom prst="rect">
+            <a:avLst/>
+          </a:prstGeom>
+          <a:noFill/>
+        </p:spPr>
+        <p:txBody>
+          <a:bodyPr wrap="square" rtlCol="0">
+            <a:spAutoFit/>
+          </a:bodyPr>
+          <a:lstStyle/>
+          <a:p>
+            <a:r>
+              <a:rPr lang="ko-KR" altLang="en-US" sz="1000" dirty="0" smtClean="0"/>
+              <a:t>솔루션 </a:t>
+            </a:r>
+            <a:r>
+              <a:rPr lang="ko-KR" altLang="en-US" sz="1000" dirty="0" smtClean="0"/>
+              <a:t>가맹점</a:t>
+            </a:r>
+            <a:r>
+              <a:rPr lang="ko-KR" altLang="en-US" sz="1000" dirty="0"/>
+              <a:t> </a:t>
+            </a:r>
+            <a:r>
+              <a:rPr lang="ko-KR" altLang="en-US" sz="1000" dirty="0" smtClean="0"/>
+              <a:t>서</a:t>
+            </a:r>
+            <a:r>
+              <a:rPr lang="ko-KR" altLang="en-US" sz="1000" dirty="0" smtClean="0"/>
+              <a:t>버</a:t>
+            </a:r>
+          </a:p>
+        </p:txBody>
+      </p:sp>
+      <p:sp>
+        <p:nvSpPr>
+          <p:cNvPr id="22" name="TextBox 21"/>
+          <p:cNvSpPr txBox="1"/>
+          <p:nvPr/>
+        </p:nvSpPr>
+        <p:spPr>
+          <a:xfrm>
+            <a:off x="2339752" y="2534707"/>
+            <a:ext cx="1296144" cy="246221"/>
+          </a:xfrm>
+          <a:prstGeom prst="rect">
+            <a:avLst/>
+          </a:prstGeom>
+          <a:noFill/>
+        </p:spPr>
+        <p:txBody>
+          <a:bodyPr wrap="square" rtlCol="0">
+            <a:spAutoFit/>
+          </a:bodyPr>
+          <a:lstStyle/>
+          <a:p>
+            <a:r>
+              <a:rPr lang="ko-KR" altLang="en-US" sz="1000" dirty="0" smtClean="0"/>
+              <a:t>우편서비스 서</a:t>
+            </a:r>
+            <a:r>
+              <a:rPr lang="ko-KR" altLang="en-US" sz="1000" dirty="0" smtClean="0"/>
+              <a:t>버</a:t>
+            </a:r>
+          </a:p>
+        </p:txBody>
+      </p:sp>
+      <p:sp>
+        <p:nvSpPr>
+          <p:cNvPr id="23" name="TextBox 22"/>
+          <p:cNvSpPr txBox="1"/>
+          <p:nvPr/>
+        </p:nvSpPr>
+        <p:spPr>
+          <a:xfrm>
+            <a:off x="2339752" y="3830851"/>
+            <a:ext cx="1296144" cy="246221"/>
+          </a:xfrm>
+          <a:prstGeom prst="rect">
+            <a:avLst/>
+          </a:prstGeom>
+          <a:noFill/>
+        </p:spPr>
+        <p:txBody>
+          <a:bodyPr wrap="square" rtlCol="0">
+            <a:spAutoFit/>
+          </a:bodyPr>
+          <a:lstStyle/>
+          <a:p>
+            <a:r>
+              <a:rPr lang="ko-KR" altLang="en-US" sz="1000" dirty="0" smtClean="0"/>
+              <a:t>영업점 서버</a:t>
+            </a:r>
+            <a:endParaRPr lang="ko-KR" altLang="en-US" sz="1000" dirty="0" smtClean="0"/>
+          </a:p>
+        </p:txBody>
+      </p:sp>
+      <p:sp>
+        <p:nvSpPr>
+          <p:cNvPr id="25" name="TextBox 24"/>
+          <p:cNvSpPr txBox="1"/>
+          <p:nvPr/>
+        </p:nvSpPr>
+        <p:spPr>
+          <a:xfrm>
+            <a:off x="6300192" y="3356992"/>
+            <a:ext cx="1296144" cy="246221"/>
+          </a:xfrm>
+          <a:prstGeom prst="rect">
+            <a:avLst/>
+          </a:prstGeom>
+          <a:noFill/>
+        </p:spPr>
+        <p:txBody>
+          <a:bodyPr wrap="square" rtlCol="0">
+            <a:spAutoFit/>
+          </a:bodyPr>
+          <a:lstStyle/>
+          <a:p>
+            <a:r>
+              <a:rPr lang="en-US" altLang="ko-KR" sz="1000" dirty="0" smtClean="0"/>
+              <a:t>Redis </a:t>
+            </a:r>
+            <a:r>
+              <a:rPr lang="ko-KR" altLang="en-US" sz="1000" dirty="0" smtClean="0"/>
+              <a:t>세션 서</a:t>
+            </a:r>
+            <a:r>
+              <a:rPr lang="ko-KR" altLang="en-US" sz="1000" dirty="0" smtClean="0"/>
+              <a:t>버</a:t>
+            </a:r>
+          </a:p>
+        </p:txBody>
+      </p:sp>
+      <p:cxnSp>
+        <p:nvCxnSpPr>
+          <p:cNvPr id="27" name="직선 화살표 연결선 26"/>
+          <p:cNvCxnSpPr>
+            <a:stCxn id="7" idx="3"/>
+            <a:endCxn id="24" idx="1"/>
+          </p:cNvCxnSpPr>
+          <p:nvPr/>
+        </p:nvCxnSpPr>
+        <p:spPr>
+          <a:xfrm>
+            <a:off x="3558952" y="798240"/>
+            <a:ext cx="1733128" cy="1406624"/>
+          </a:xfrm>
+          <a:prstGeom prst="straightConnector1">
+            <a:avLst/>
+          </a:prstGeom>
+          <a:ln w="9525">
+            <a:solidFill>
+              <a:schemeClr val="accent3">
+                <a:lumMod val="50000"/>
+              </a:schemeClr>
+            </a:solidFill>
+            <a:headEnd type="arrow"/>
+            <a:tailEnd type="arrow"/>
+          </a:ln>
+        </p:spPr>
+        <p:style>
+          <a:lnRef idx="1">
+            <a:schemeClr val="accent1"/>
+          </a:lnRef>
+          <a:fillRef idx="0">
+            <a:schemeClr val="accent1"/>
+          </a:fillRef>
+          <a:effectRef idx="0">
+            <a:schemeClr val="accent1"/>
+          </a:effectRef>
+          <a:fontRef idx="minor">
+            <a:schemeClr val="tx1"/>
+          </a:fontRef>
+        </p:style>
+      </p:cxnSp>
+      <p:cxnSp>
+        <p:nvCxnSpPr>
+          <p:cNvPr id="28" name="직선 화살표 연결선 27"/>
+          <p:cNvCxnSpPr>
+            <a:stCxn id="8" idx="3"/>
+            <a:endCxn id="24" idx="1"/>
+          </p:cNvCxnSpPr>
+          <p:nvPr/>
+        </p:nvCxnSpPr>
+        <p:spPr>
+          <a:xfrm>
+            <a:off x="3558952" y="2141131"/>
+            <a:ext cx="1733128" cy="63733"/>
+          </a:xfrm>
+          <a:prstGeom prst="straightConnector1">
+            <a:avLst/>
+          </a:prstGeom>
+          <a:ln w="9525">
+            <a:solidFill>
+              <a:schemeClr val="accent3">
+                <a:lumMod val="50000"/>
+              </a:schemeClr>
+            </a:solidFill>
+            <a:headEnd type="arrow"/>
+            <a:tailEnd type="arrow"/>
+          </a:ln>
+        </p:spPr>
+        <p:style>
+          <a:lnRef idx="1">
+            <a:schemeClr val="accent1"/>
+          </a:lnRef>
+          <a:fillRef idx="0">
+            <a:schemeClr val="accent1"/>
+          </a:fillRef>
+          <a:effectRef idx="0">
+            <a:schemeClr val="accent1"/>
+          </a:effectRef>
+          <a:fontRef idx="minor">
+            <a:schemeClr val="tx1"/>
+          </a:fontRef>
+        </p:style>
+      </p:cxnSp>
+      <p:cxnSp>
+        <p:nvCxnSpPr>
+          <p:cNvPr id="31" name="직선 화살표 연결선 30"/>
+          <p:cNvCxnSpPr>
+            <a:stCxn id="9" idx="3"/>
+            <a:endCxn id="24" idx="1"/>
+          </p:cNvCxnSpPr>
+          <p:nvPr/>
+        </p:nvCxnSpPr>
+        <p:spPr>
+          <a:xfrm flipV="1">
+            <a:off x="3558952" y="2204864"/>
+            <a:ext cx="1733128" cy="1232411"/>
+          </a:xfrm>
+          <a:prstGeom prst="straightConnector1">
+            <a:avLst/>
+          </a:prstGeom>
+          <a:ln w="9525">
+            <a:solidFill>
+              <a:schemeClr val="accent3">
+                <a:lumMod val="50000"/>
+              </a:schemeClr>
+            </a:solidFill>
+            <a:headEnd type="arrow"/>
+            <a:tailEnd type="arrow"/>
+          </a:ln>
+        </p:spPr>
+        <p:style>
+          <a:lnRef idx="1">
+            <a:schemeClr val="accent1"/>
+          </a:lnRef>
+          <a:fillRef idx="0">
+            <a:schemeClr val="accent1"/>
+          </a:fillRef>
+          <a:effectRef idx="0">
+            <a:schemeClr val="accent1"/>
+          </a:effectRef>
+          <a:fontRef idx="minor">
+            <a:schemeClr val="tx1"/>
+          </a:fontRef>
+        </p:style>
+      </p:cxnSp>
+      <p:cxnSp>
+        <p:nvCxnSpPr>
+          <p:cNvPr id="35" name="Shape 34"/>
+          <p:cNvCxnSpPr>
+            <a:stCxn id="2054" idx="1"/>
+            <a:endCxn id="7" idx="3"/>
+          </p:cNvCxnSpPr>
+          <p:nvPr/>
+        </p:nvCxnSpPr>
+        <p:spPr>
+          <a:xfrm rot="10800000">
+            <a:off x="3558952" y="798241"/>
+            <a:ext cx="2381200" cy="3718329"/>
+          </a:xfrm>
+          <a:prstGeom prst="bentConnector3">
+            <a:avLst>
+              <a:gd name="adj1" fmla="val 50000"/>
+            </a:avLst>
+          </a:prstGeom>
+          <a:ln>
+            <a:tailEnd type="arrow"/>
+          </a:ln>
+        </p:spPr>
+        <p:style>
+          <a:lnRef idx="1">
+            <a:schemeClr val="accent1"/>
+          </a:lnRef>
+          <a:fillRef idx="0">
+            <a:schemeClr val="accent1"/>
+          </a:fillRef>
+          <a:effectRef idx="0">
+            <a:schemeClr val="accent1"/>
+          </a:effectRef>
+          <a:fontRef idx="minor">
+            <a:schemeClr val="tx1"/>
+          </a:fontRef>
+        </p:style>
+      </p:cxnSp>
+      <p:cxnSp>
+        <p:nvCxnSpPr>
+          <p:cNvPr id="37" name="Shape 34"/>
+          <p:cNvCxnSpPr>
+            <a:stCxn id="2054" idx="1"/>
+            <a:endCxn id="8" idx="3"/>
+          </p:cNvCxnSpPr>
+          <p:nvPr/>
+        </p:nvCxnSpPr>
+        <p:spPr>
+          <a:xfrm rot="10800000">
+            <a:off x="3558952" y="2141131"/>
+            <a:ext cx="2381200" cy="2375438"/>
+          </a:xfrm>
+          <a:prstGeom prst="bentConnector3">
+            <a:avLst>
+              <a:gd name="adj1" fmla="val 50000"/>
+            </a:avLst>
+          </a:prstGeom>
+          <a:ln>
+            <a:tailEnd type="arrow"/>
+          </a:ln>
+        </p:spPr>
+        <p:style>
+          <a:lnRef idx="1">
+            <a:schemeClr val="accent1"/>
+          </a:lnRef>
+          <a:fillRef idx="0">
+            <a:schemeClr val="accent1"/>
+          </a:fillRef>
+          <a:effectRef idx="0">
+            <a:schemeClr val="accent1"/>
+          </a:effectRef>
+          <a:fontRef idx="minor">
+            <a:schemeClr val="tx1"/>
+          </a:fontRef>
+        </p:style>
+      </p:cxnSp>
+      <p:cxnSp>
+        <p:nvCxnSpPr>
+          <p:cNvPr id="41" name="Shape 34"/>
+          <p:cNvCxnSpPr>
+            <a:stCxn id="2054" idx="1"/>
+            <a:endCxn id="9" idx="3"/>
+          </p:cNvCxnSpPr>
+          <p:nvPr/>
+        </p:nvCxnSpPr>
+        <p:spPr>
+          <a:xfrm rot="10800000">
+            <a:off x="3558952" y="3437275"/>
+            <a:ext cx="2381200" cy="1079294"/>
+          </a:xfrm>
+          <a:prstGeom prst="bentConnector3">
+            <a:avLst>
+              <a:gd name="adj1" fmla="val 50000"/>
+            </a:avLst>
+          </a:prstGeom>
+          <a:ln>
+            <a:tailEnd type="arrow"/>
+          </a:ln>
+        </p:spPr>
+        <p:style>
+          <a:lnRef idx="1">
+            <a:schemeClr val="accent1"/>
+          </a:lnRef>
+          <a:fillRef idx="0">
+            <a:schemeClr val="accent1"/>
+          </a:fillRef>
+          <a:effectRef idx="0">
+            <a:schemeClr val="accent1"/>
+          </a:effectRef>
+          <a:fontRef idx="minor">
+            <a:schemeClr val="tx1"/>
+          </a:fontRef>
+        </p:style>
+      </p:cxnSp>
+      <p:sp>
+        <p:nvSpPr>
+          <p:cNvPr id="44" name="TextBox 43"/>
+          <p:cNvSpPr txBox="1"/>
+          <p:nvPr/>
+        </p:nvSpPr>
+        <p:spPr>
+          <a:xfrm>
+            <a:off x="6588224" y="5661248"/>
+            <a:ext cx="1296144" cy="246221"/>
+          </a:xfrm>
+          <a:prstGeom prst="rect">
+            <a:avLst/>
+          </a:prstGeom>
+          <a:noFill/>
+        </p:spPr>
+        <p:txBody>
+          <a:bodyPr wrap="square" rtlCol="0">
+            <a:spAutoFit/>
+          </a:bodyPr>
+          <a:lstStyle/>
+          <a:p>
+            <a:r>
+              <a:rPr lang="ko-KR" altLang="en-US" sz="1000" dirty="0" smtClean="0"/>
+              <a:t>모니터링 서버</a:t>
+            </a:r>
+            <a:endParaRPr lang="ko-KR" altLang="en-US" sz="1000" dirty="0" smtClean="0"/>
+          </a:p>
+        </p:txBody>
+      </p:sp>
+      <p:pic>
+        <p:nvPicPr>
+          <p:cNvPr id="2057" name="Picture 9"/>
+          <p:cNvPicPr>
+            <a:picLocks noChangeAspect="1" noChangeArrowheads="1"/>
+          </p:cNvPicPr>
+          <p:nvPr/>
+        </p:nvPicPr>
+        <p:blipFill>
+          <a:blip r:embed="rId11" cstate="print"/>
+          <a:srcRect/>
+          <a:stretch>
+            <a:fillRect/>
+          </a:stretch>
+        </p:blipFill>
+        <p:spPr bwMode="auto">
+          <a:xfrm>
+            <a:off x="5940152" y="5301208"/>
+            <a:ext cx="1368152" cy="337762"/>
+          </a:xfrm>
+          <a:prstGeom prst="rect">
+            <a:avLst/>
+          </a:prstGeom>
+          <a:noFill/>
+          <a:ln w="9525">
+            <a:noFill/>
+            <a:miter lim="800000"/>
+            <a:headEnd/>
+            <a:tailEnd/>
+          </a:ln>
+        </p:spPr>
+      </p:pic>
+      <p:sp>
+        <p:nvSpPr>
+          <p:cNvPr id="65" name="TextBox 64"/>
+          <p:cNvSpPr txBox="1"/>
+          <p:nvPr/>
+        </p:nvSpPr>
+        <p:spPr>
+          <a:xfrm>
+            <a:off x="4283968" y="3789040"/>
+            <a:ext cx="2232248" cy="400110"/>
+          </a:xfrm>
+          <a:prstGeom prst="rect">
+            <a:avLst/>
+          </a:prstGeom>
+          <a:noFill/>
+        </p:spPr>
+        <p:txBody>
+          <a:bodyPr wrap="square" rtlCol="0">
+            <a:spAutoFit/>
+          </a:bodyPr>
+          <a:lstStyle/>
+          <a:p>
+            <a:r>
+              <a:rPr lang="en-US" altLang="ko-KR" sz="1000" dirty="0" smtClean="0"/>
+              <a:t>HTTP </a:t>
+            </a:r>
+            <a:r>
+              <a:rPr lang="en-US" altLang="ko-KR" sz="1000" dirty="0" smtClean="0"/>
+              <a:t>pull </a:t>
+            </a:r>
+            <a:r>
+              <a:rPr lang="ko-KR" altLang="en-US" sz="1000" dirty="0" smtClean="0"/>
+              <a:t>방식으로 데이터를 수집</a:t>
+            </a:r>
+            <a:endParaRPr lang="en-US" altLang="ko-KR" sz="1000" dirty="0" smtClean="0"/>
+          </a:p>
+          <a:p>
+            <a:endParaRPr lang="ko-KR" altLang="en-US" sz="1000" dirty="0" smtClean="0"/>
+          </a:p>
+        </p:txBody>
+      </p:sp>
+      <p:sp>
+        <p:nvSpPr>
+          <p:cNvPr id="69" name="위쪽/아래쪽 화살표 68"/>
+          <p:cNvSpPr/>
+          <p:nvPr/>
+        </p:nvSpPr>
+        <p:spPr>
+          <a:xfrm>
+            <a:off x="2123728" y="4005064"/>
+            <a:ext cx="216024" cy="288032"/>
+          </a:xfrm>
+          <a:prstGeom prst="upDownArrow">
+            <a:avLst>
+              <a:gd name="adj1" fmla="val 50000"/>
+              <a:gd name="adj2" fmla="val 50000"/>
+            </a:avLst>
+          </a:prstGeom>
+          <a:ln>
+            <a:noFill/>
+          </a:ln>
+        </p:spPr>
+        <p:style>
+          <a:lnRef idx="2">
+            <a:schemeClr val="accent1">
+              <a:shade val="50000"/>
+            </a:schemeClr>
+          </a:lnRef>
+          <a:fillRef idx="1">
+            <a:schemeClr val="accent1"/>
+          </a:fillRef>
+          <a:effectRef idx="0">
+            <a:schemeClr val="accent1"/>
+          </a:effectRef>
+          <a:fontRef idx="minor">
+            <a:schemeClr val="lt1"/>
+          </a:fontRef>
+        </p:style>
+        <p:txBody>
+          <a:bodyPr rtlCol="0" anchor="ctr"/>
+          <a:lstStyle/>
+          <a:p>
+            <a:pPr algn="ctr"/>
+            <a:endParaRPr lang="ko-KR" altLang="en-US"/>
+          </a:p>
+        </p:txBody>
+      </p:sp>
+      <p:pic>
+        <p:nvPicPr>
+          <p:cNvPr id="76" name="그림 75" descr="1688502.png"/>
+          <p:cNvPicPr>
+            <a:picLocks noChangeAspect="1"/>
+          </p:cNvPicPr>
+          <p:nvPr/>
+        </p:nvPicPr>
+        <p:blipFill>
+          <a:blip r:embed="rId12" cstate="print"/>
+          <a:stretch>
+            <a:fillRect/>
+          </a:stretch>
+        </p:blipFill>
+        <p:spPr>
+          <a:xfrm>
+            <a:off x="251520" y="4365104"/>
+            <a:ext cx="802522" cy="802522"/>
+          </a:xfrm>
+          <a:prstGeom prst="rect">
+            <a:avLst/>
+          </a:prstGeom>
+        </p:spPr>
+      </p:pic>
+      <p:pic>
+        <p:nvPicPr>
+          <p:cNvPr id="77" name="Picture 6"/>
+          <p:cNvPicPr>
+            <a:picLocks noChangeAspect="1" noChangeArrowheads="1"/>
+          </p:cNvPicPr>
+          <p:nvPr/>
+        </p:nvPicPr>
+        <p:blipFill>
+          <a:blip r:embed="rId13" cstate="print"/>
+          <a:srcRect/>
+          <a:stretch>
+            <a:fillRect/>
+          </a:stretch>
+        </p:blipFill>
+        <p:spPr bwMode="auto">
+          <a:xfrm>
+            <a:off x="107504" y="1340768"/>
+            <a:ext cx="909363" cy="710840"/>
+          </a:xfrm>
+          <a:prstGeom prst="rect">
+            <a:avLst/>
+          </a:prstGeom>
+          <a:noFill/>
+          <a:ln w="9525">
+            <a:noFill/>
+            <a:miter lim="800000"/>
+            <a:headEnd/>
+            <a:tailEnd/>
+          </a:ln>
+        </p:spPr>
+      </p:pic>
+      <p:sp>
+        <p:nvSpPr>
+          <p:cNvPr id="78" name="TextBox 77"/>
+          <p:cNvSpPr txBox="1"/>
+          <p:nvPr/>
+        </p:nvSpPr>
+        <p:spPr>
+          <a:xfrm>
+            <a:off x="323528" y="1124744"/>
+            <a:ext cx="492443" cy="276999"/>
+          </a:xfrm>
+          <a:prstGeom prst="rect">
+            <a:avLst/>
+          </a:prstGeom>
+          <a:noFill/>
+        </p:spPr>
+        <p:txBody>
+          <a:bodyPr wrap="none" rtlCol="0">
+            <a:spAutoFit/>
+          </a:bodyPr>
+          <a:lstStyle/>
+          <a:p>
+            <a:r>
+              <a:rPr lang="ko-KR" altLang="en-US" sz="1200" dirty="0" smtClean="0"/>
+              <a:t>회원</a:t>
+            </a:r>
+            <a:endParaRPr lang="ko-KR" altLang="en-US" sz="1200" dirty="0"/>
+          </a:p>
+        </p:txBody>
+      </p:sp>
+      <p:sp>
+        <p:nvSpPr>
+          <p:cNvPr id="79" name="위쪽/아래쪽 화살표 78"/>
+          <p:cNvSpPr/>
+          <p:nvPr/>
+        </p:nvSpPr>
+        <p:spPr>
+          <a:xfrm rot="5400000">
+            <a:off x="1367644" y="1736812"/>
+            <a:ext cx="216024" cy="288032"/>
+          </a:xfrm>
+          <a:prstGeom prst="upDownArrow">
+            <a:avLst>
+              <a:gd name="adj1" fmla="val 50000"/>
+              <a:gd name="adj2" fmla="val 50000"/>
+            </a:avLst>
+          </a:prstGeom>
+          <a:ln>
+            <a:noFill/>
+          </a:ln>
+        </p:spPr>
+        <p:style>
+          <a:lnRef idx="2">
+            <a:schemeClr val="accent1">
+              <a:shade val="50000"/>
+            </a:schemeClr>
+          </a:lnRef>
+          <a:fillRef idx="1">
+            <a:schemeClr val="accent1"/>
+          </a:fillRef>
+          <a:effectRef idx="0">
+            <a:schemeClr val="accent1"/>
+          </a:effectRef>
+          <a:fontRef idx="minor">
+            <a:schemeClr val="lt1"/>
+          </a:fontRef>
+        </p:style>
+        <p:txBody>
+          <a:bodyPr rtlCol="0" anchor="ctr"/>
+          <a:lstStyle/>
+          <a:p>
+            <a:pPr algn="ctr"/>
+            <a:endParaRPr lang="ko-KR" altLang="en-US"/>
+          </a:p>
+        </p:txBody>
+      </p:sp>
+      <p:pic>
+        <p:nvPicPr>
+          <p:cNvPr id="2058" name="Picture 10"/>
+          <p:cNvPicPr>
+            <a:picLocks noChangeAspect="1" noChangeArrowheads="1"/>
+          </p:cNvPicPr>
+          <p:nvPr/>
+        </p:nvPicPr>
+        <p:blipFill>
+          <a:blip r:embed="rId14" cstate="print"/>
+          <a:srcRect/>
+          <a:stretch>
+            <a:fillRect/>
+          </a:stretch>
+        </p:blipFill>
+        <p:spPr bwMode="auto">
+          <a:xfrm>
+            <a:off x="5924897" y="4869160"/>
+            <a:ext cx="1095375" cy="304800"/>
+          </a:xfrm>
+          <a:prstGeom prst="rect">
+            <a:avLst/>
+          </a:prstGeom>
+          <a:noFill/>
+          <a:ln w="9525">
+            <a:noFill/>
+            <a:miter lim="800000"/>
+            <a:headEnd/>
+            <a:tailEnd/>
+          </a:ln>
+        </p:spPr>
+      </p:pic>
+      <p:cxnSp>
+        <p:nvCxnSpPr>
+          <p:cNvPr id="86" name="직선 연결선 85"/>
+          <p:cNvCxnSpPr>
+            <a:stCxn id="2054" idx="2"/>
+          </p:cNvCxnSpPr>
+          <p:nvPr/>
+        </p:nvCxnSpPr>
+        <p:spPr>
+          <a:xfrm>
+            <a:off x="6660232" y="4740042"/>
+            <a:ext cx="0" cy="129118"/>
+          </a:xfrm>
+          <a:prstGeom prst="line">
+            <a:avLst/>
+          </a:prstGeom>
+          <a:ln>
+            <a:solidFill>
+              <a:srgbClr val="FF0000"/>
+            </a:solidFill>
+          </a:ln>
+        </p:spPr>
+        <p:style>
+          <a:lnRef idx="1">
+            <a:schemeClr val="accent1"/>
+          </a:lnRef>
+          <a:fillRef idx="0">
+            <a:schemeClr val="accent1"/>
+          </a:fillRef>
+          <a:effectRef idx="0">
+            <a:schemeClr val="accent1"/>
+          </a:effectRef>
+          <a:fontRef idx="minor">
+            <a:schemeClr val="tx1"/>
+          </a:fontRef>
+        </p:style>
+      </p:cxnSp>
+      <p:cxnSp>
+        <p:nvCxnSpPr>
+          <p:cNvPr id="89" name="직선 연결선 88"/>
+          <p:cNvCxnSpPr/>
+          <p:nvPr/>
+        </p:nvCxnSpPr>
+        <p:spPr>
+          <a:xfrm>
+            <a:off x="7164288" y="4725144"/>
+            <a:ext cx="0" cy="576064"/>
+          </a:xfrm>
+          <a:prstGeom prst="line">
+            <a:avLst/>
+          </a:prstGeom>
+        </p:spPr>
+        <p:style>
+          <a:lnRef idx="1">
+            <a:schemeClr val="accent1"/>
+          </a:lnRef>
+          <a:fillRef idx="0">
+            <a:schemeClr val="accent1"/>
+          </a:fillRef>
+          <a:effectRef idx="0">
+            <a:schemeClr val="accent1"/>
+          </a:effectRef>
+          <a:fontRef idx="minor">
+            <a:schemeClr val="tx1"/>
+          </a:fontRef>
+        </p:style>
+      </p:cxnSp>
+      <p:cxnSp>
+        <p:nvCxnSpPr>
+          <p:cNvPr id="94" name="꺾인 연결선 93"/>
+          <p:cNvCxnSpPr>
+            <a:stCxn id="2058" idx="1"/>
+            <a:endCxn id="2055" idx="3"/>
+          </p:cNvCxnSpPr>
+          <p:nvPr/>
+        </p:nvCxnSpPr>
+        <p:spPr>
+          <a:xfrm rot="10800000" flipV="1">
+            <a:off x="3059833" y="5021560"/>
+            <a:ext cx="2865065" cy="390566"/>
+          </a:xfrm>
+          <a:prstGeom prst="bentConnector3">
+            <a:avLst>
+              <a:gd name="adj1" fmla="val 50000"/>
+            </a:avLst>
+          </a:prstGeom>
+          <a:ln>
+            <a:solidFill>
+              <a:srgbClr val="FF0000"/>
+            </a:solidFill>
+            <a:tailEnd type="arrow"/>
+          </a:ln>
+        </p:spPr>
+        <p:style>
+          <a:lnRef idx="1">
+            <a:schemeClr val="accent1"/>
+          </a:lnRef>
+          <a:fillRef idx="0">
+            <a:schemeClr val="accent1"/>
+          </a:fillRef>
+          <a:effectRef idx="0">
+            <a:schemeClr val="accent1"/>
+          </a:effectRef>
+          <a:fontRef idx="minor">
+            <a:schemeClr val="tx1"/>
+          </a:fontRef>
+        </p:style>
+      </p:cxnSp>
+      <p:cxnSp>
+        <p:nvCxnSpPr>
+          <p:cNvPr id="95" name="꺾인 연결선 94"/>
+          <p:cNvCxnSpPr>
+            <a:stCxn id="2055" idx="1"/>
+            <a:endCxn id="76" idx="3"/>
+          </p:cNvCxnSpPr>
+          <p:nvPr/>
+        </p:nvCxnSpPr>
+        <p:spPr>
+          <a:xfrm rot="10800000">
+            <a:off x="1054042" y="4766366"/>
+            <a:ext cx="853662" cy="645761"/>
+          </a:xfrm>
+          <a:prstGeom prst="bentConnector3">
+            <a:avLst>
+              <a:gd name="adj1" fmla="val 50000"/>
+            </a:avLst>
+          </a:prstGeom>
+          <a:ln>
+            <a:solidFill>
+              <a:srgbClr val="FF0000"/>
+            </a:solidFill>
+            <a:tailEnd type="arrow"/>
+          </a:ln>
+        </p:spPr>
+        <p:style>
+          <a:lnRef idx="1">
+            <a:schemeClr val="accent1"/>
+          </a:lnRef>
+          <a:fillRef idx="0">
+            <a:schemeClr val="accent1"/>
+          </a:fillRef>
+          <a:effectRef idx="0">
+            <a:schemeClr val="accent1"/>
+          </a:effectRef>
+          <a:fontRef idx="minor">
+            <a:schemeClr val="tx1"/>
+          </a:fontRef>
+        </p:style>
+      </p:cxnSp>
+      <p:cxnSp>
+        <p:nvCxnSpPr>
+          <p:cNvPr id="98" name="꺾인 연결선 97"/>
+          <p:cNvCxnSpPr>
+            <a:stCxn id="76" idx="2"/>
+            <a:endCxn id="2056" idx="1"/>
+          </p:cNvCxnSpPr>
+          <p:nvPr/>
+        </p:nvCxnSpPr>
+        <p:spPr>
+          <a:xfrm rot="16200000" flipH="1">
+            <a:off x="883404" y="4937002"/>
+            <a:ext cx="793677" cy="1254923"/>
+          </a:xfrm>
+          <a:prstGeom prst="bentConnector2">
+            <a:avLst/>
+          </a:prstGeom>
+          <a:ln>
+            <a:solidFill>
+              <a:srgbClr val="0070C0"/>
+            </a:solidFill>
+            <a:tailEnd type="arrow"/>
+          </a:ln>
+        </p:spPr>
+        <p:style>
+          <a:lnRef idx="1">
+            <a:schemeClr val="accent1"/>
+          </a:lnRef>
+          <a:fillRef idx="0">
+            <a:schemeClr val="accent1"/>
+          </a:fillRef>
+          <a:effectRef idx="0">
+            <a:schemeClr val="accent1"/>
+          </a:effectRef>
+          <a:fontRef idx="minor">
+            <a:schemeClr val="tx1"/>
+          </a:fontRef>
+        </p:style>
+      </p:cxnSp>
+      <p:cxnSp>
+        <p:nvCxnSpPr>
+          <p:cNvPr id="106" name="Shape 105"/>
+          <p:cNvCxnSpPr>
+            <a:stCxn id="9" idx="3"/>
+            <a:endCxn id="2055" idx="3"/>
+          </p:cNvCxnSpPr>
+          <p:nvPr/>
+        </p:nvCxnSpPr>
+        <p:spPr>
+          <a:xfrm flipH="1">
+            <a:off x="3059832" y="3437275"/>
+            <a:ext cx="499120" cy="1974851"/>
+          </a:xfrm>
+          <a:prstGeom prst="bentConnector3">
+            <a:avLst>
+              <a:gd name="adj1" fmla="val -45801"/>
+            </a:avLst>
+          </a:prstGeom>
+          <a:ln>
+            <a:solidFill>
+              <a:srgbClr val="FF0000"/>
+            </a:solidFill>
+          </a:ln>
+        </p:spPr>
+        <p:style>
+          <a:lnRef idx="1">
+            <a:schemeClr val="accent1"/>
+          </a:lnRef>
+          <a:fillRef idx="0">
+            <a:schemeClr val="accent1"/>
+          </a:fillRef>
+          <a:effectRef idx="0">
+            <a:schemeClr val="accent1"/>
+          </a:effectRef>
+          <a:fontRef idx="minor">
+            <a:schemeClr val="tx1"/>
+          </a:fontRef>
+        </p:style>
+      </p:cxnSp>
+      <p:cxnSp>
+        <p:nvCxnSpPr>
+          <p:cNvPr id="112" name="Shape 105"/>
+          <p:cNvCxnSpPr>
+            <a:stCxn id="8" idx="3"/>
+            <a:endCxn id="2055" idx="3"/>
+          </p:cNvCxnSpPr>
+          <p:nvPr/>
+        </p:nvCxnSpPr>
+        <p:spPr>
+          <a:xfrm flipH="1">
+            <a:off x="3059832" y="2141131"/>
+            <a:ext cx="499120" cy="3270995"/>
+          </a:xfrm>
+          <a:prstGeom prst="bentConnector3">
+            <a:avLst>
+              <a:gd name="adj1" fmla="val -45801"/>
+            </a:avLst>
+          </a:prstGeom>
+          <a:ln>
+            <a:solidFill>
+              <a:srgbClr val="FF0000"/>
+            </a:solidFill>
+          </a:ln>
+        </p:spPr>
+        <p:style>
+          <a:lnRef idx="1">
+            <a:schemeClr val="accent1"/>
+          </a:lnRef>
+          <a:fillRef idx="0">
+            <a:schemeClr val="accent1"/>
+          </a:fillRef>
+          <a:effectRef idx="0">
+            <a:schemeClr val="accent1"/>
+          </a:effectRef>
+          <a:fontRef idx="minor">
+            <a:schemeClr val="tx1"/>
+          </a:fontRef>
+        </p:style>
+      </p:cxnSp>
+      <p:cxnSp>
+        <p:nvCxnSpPr>
+          <p:cNvPr id="115" name="Shape 105"/>
+          <p:cNvCxnSpPr>
+            <a:stCxn id="7" idx="3"/>
+            <a:endCxn id="2055" idx="3"/>
+          </p:cNvCxnSpPr>
+          <p:nvPr/>
+        </p:nvCxnSpPr>
+        <p:spPr>
+          <a:xfrm flipH="1">
+            <a:off x="3059832" y="798240"/>
+            <a:ext cx="499120" cy="4613886"/>
+          </a:xfrm>
+          <a:prstGeom prst="bentConnector3">
+            <a:avLst>
+              <a:gd name="adj1" fmla="val -45801"/>
+            </a:avLst>
+          </a:prstGeom>
+          <a:ln>
+            <a:solidFill>
+              <a:srgbClr val="FF0000"/>
+            </a:solidFill>
+          </a:ln>
+        </p:spPr>
+        <p:style>
+          <a:lnRef idx="1">
+            <a:schemeClr val="accent1"/>
+          </a:lnRef>
+          <a:fillRef idx="0">
+            <a:schemeClr val="accent1"/>
+          </a:fillRef>
+          <a:effectRef idx="0">
+            <a:schemeClr val="accent1"/>
+          </a:effectRef>
+          <a:fontRef idx="minor">
+            <a:schemeClr val="tx1"/>
+          </a:fontRef>
+        </p:style>
+      </p:cxnSp>
+      <p:sp>
+        <p:nvSpPr>
+          <p:cNvPr id="118" name="TextBox 117"/>
+          <p:cNvSpPr txBox="1"/>
+          <p:nvPr/>
+        </p:nvSpPr>
+        <p:spPr>
+          <a:xfrm>
+            <a:off x="253261" y="4077072"/>
+            <a:ext cx="646331" cy="276999"/>
+          </a:xfrm>
+          <a:prstGeom prst="rect">
+            <a:avLst/>
+          </a:prstGeom>
+          <a:noFill/>
+        </p:spPr>
+        <p:txBody>
+          <a:bodyPr wrap="none" rtlCol="0">
+            <a:spAutoFit/>
+          </a:bodyPr>
+          <a:lstStyle/>
+          <a:p>
+            <a:r>
+              <a:rPr lang="ko-KR" altLang="en-US" sz="1200" smtClean="0"/>
+              <a:t>개발자</a:t>
+            </a:r>
+            <a:endParaRPr lang="ko-KR" altLang="en-US" sz="1200" dirty="0"/>
+          </a:p>
+        </p:txBody>
+      </p:sp>
+      <p:cxnSp>
+        <p:nvCxnSpPr>
+          <p:cNvPr id="121" name="꺾인 연결선 97"/>
+          <p:cNvCxnSpPr/>
+          <p:nvPr/>
+        </p:nvCxnSpPr>
+        <p:spPr>
+          <a:xfrm rot="16200000" flipH="1">
+            <a:off x="3361612" y="2417574"/>
+            <a:ext cx="471344" cy="5971447"/>
+          </a:xfrm>
+          <a:prstGeom prst="bentConnector3">
+            <a:avLst>
+              <a:gd name="adj1" fmla="val 260628"/>
+            </a:avLst>
+          </a:prstGeom>
+          <a:ln>
+            <a:solidFill>
+              <a:srgbClr val="0070C0"/>
+            </a:solidFill>
+            <a:tailEnd type="arrow"/>
+          </a:ln>
+        </p:spPr>
+        <p:style>
+          <a:lnRef idx="1">
+            <a:schemeClr val="accent1"/>
+          </a:lnRef>
+          <a:fillRef idx="0">
+            <a:schemeClr val="accent1"/>
+          </a:fillRef>
+          <a:effectRef idx="0">
+            <a:schemeClr val="accent1"/>
+          </a:effectRef>
+          <a:fontRef idx="minor">
+            <a:schemeClr val="tx1"/>
+          </a:fontRef>
+        </p:style>
+      </p:cxnSp>
+      <p:cxnSp>
+        <p:nvCxnSpPr>
+          <p:cNvPr id="136" name="꺾인 연결선 135"/>
+          <p:cNvCxnSpPr>
+            <a:stCxn id="9" idx="3"/>
+            <a:endCxn id="2056" idx="3"/>
+          </p:cNvCxnSpPr>
+          <p:nvPr/>
+        </p:nvCxnSpPr>
+        <p:spPr>
+          <a:xfrm flipH="1">
+            <a:off x="3131840" y="3437275"/>
+            <a:ext cx="427112" cy="2524028"/>
+          </a:xfrm>
+          <a:prstGeom prst="bentConnector3">
+            <a:avLst>
+              <a:gd name="adj1" fmla="val -53522"/>
+            </a:avLst>
+          </a:prstGeom>
+          <a:ln>
+            <a:solidFill>
+              <a:srgbClr val="FF0000"/>
+            </a:solidFill>
+            <a:tailEnd type="arrow"/>
+          </a:ln>
+        </p:spPr>
+        <p:style>
+          <a:lnRef idx="1">
+            <a:schemeClr val="accent1"/>
+          </a:lnRef>
+          <a:fillRef idx="0">
+            <a:schemeClr val="accent1"/>
+          </a:fillRef>
+          <a:effectRef idx="0">
+            <a:schemeClr val="accent1"/>
+          </a:effectRef>
+          <a:fontRef idx="minor">
+            <a:schemeClr val="tx1"/>
+          </a:fontRef>
+        </p:style>
+      </p:cxnSp>
+      <p:pic>
+        <p:nvPicPr>
+          <p:cNvPr id="149" name="그림 148" descr="Centos-logo.png"/>
+          <p:cNvPicPr>
+            <a:picLocks noChangeAspect="1"/>
+          </p:cNvPicPr>
+          <p:nvPr/>
+        </p:nvPicPr>
+        <p:blipFill>
+          <a:blip r:embed="rId15" cstate="print"/>
+          <a:stretch>
+            <a:fillRect/>
+          </a:stretch>
+        </p:blipFill>
+        <p:spPr>
+          <a:xfrm>
+            <a:off x="7956376" y="3305558"/>
+            <a:ext cx="792088" cy="339466"/>
+          </a:xfrm>
+          <a:prstGeom prst="rect">
+            <a:avLst/>
+          </a:prstGeom>
+        </p:spPr>
+      </p:pic>
+      <p:pic>
+        <p:nvPicPr>
+          <p:cNvPr id="150" name="그림 149" descr="Centos-logo.png"/>
+          <p:cNvPicPr>
+            <a:picLocks noChangeAspect="1"/>
+          </p:cNvPicPr>
+          <p:nvPr/>
+        </p:nvPicPr>
+        <p:blipFill>
+          <a:blip r:embed="rId15" cstate="print"/>
+          <a:stretch>
+            <a:fillRect/>
+          </a:stretch>
+        </p:blipFill>
+        <p:spPr>
+          <a:xfrm>
+            <a:off x="7956376" y="5589240"/>
+            <a:ext cx="792088" cy="339466"/>
+          </a:xfrm>
+          <a:prstGeom prst="rect">
+            <a:avLst/>
+          </a:prstGeom>
+        </p:spPr>
+      </p:pic>
+      <p:pic>
+        <p:nvPicPr>
+          <p:cNvPr id="2059" name="Picture 11"/>
+          <p:cNvPicPr>
+            <a:picLocks noChangeAspect="1" noChangeArrowheads="1"/>
+          </p:cNvPicPr>
+          <p:nvPr/>
+        </p:nvPicPr>
+        <p:blipFill>
+          <a:blip r:embed="rId16" cstate="print"/>
+          <a:srcRect/>
+          <a:stretch>
+            <a:fillRect/>
+          </a:stretch>
+        </p:blipFill>
+        <p:spPr bwMode="auto">
+          <a:xfrm>
+            <a:off x="2499010" y="188640"/>
+            <a:ext cx="920862" cy="197743"/>
+          </a:xfrm>
+          <a:prstGeom prst="rect">
+            <a:avLst/>
+          </a:prstGeom>
+          <a:noFill/>
+          <a:ln w="9525">
+            <a:noFill/>
+            <a:miter lim="800000"/>
+            <a:headEnd/>
+            <a:tailEnd/>
+          </a:ln>
+        </p:spPr>
+      </p:pic>
+      <p:pic>
+        <p:nvPicPr>
+          <p:cNvPr id="155" name="Picture 11"/>
+          <p:cNvPicPr>
+            <a:picLocks noChangeAspect="1" noChangeArrowheads="1"/>
+          </p:cNvPicPr>
+          <p:nvPr/>
+        </p:nvPicPr>
+        <p:blipFill>
+          <a:blip r:embed="rId16" cstate="print"/>
+          <a:srcRect/>
+          <a:stretch>
+            <a:fillRect/>
+          </a:stretch>
+        </p:blipFill>
+        <p:spPr bwMode="auto">
+          <a:xfrm>
+            <a:off x="2499010" y="1526595"/>
+            <a:ext cx="920862" cy="197743"/>
+          </a:xfrm>
+          <a:prstGeom prst="rect">
+            <a:avLst/>
+          </a:prstGeom>
+          <a:noFill/>
+          <a:ln w="9525">
+            <a:noFill/>
+            <a:miter lim="800000"/>
+            <a:headEnd/>
+            <a:tailEnd/>
+          </a:ln>
+        </p:spPr>
+      </p:pic>
+      <p:pic>
+        <p:nvPicPr>
+          <p:cNvPr id="156" name="Picture 11"/>
+          <p:cNvPicPr>
+            <a:picLocks noChangeAspect="1" noChangeArrowheads="1"/>
+          </p:cNvPicPr>
+          <p:nvPr/>
+        </p:nvPicPr>
+        <p:blipFill>
+          <a:blip r:embed="rId16" cstate="print"/>
+          <a:srcRect/>
+          <a:stretch>
+            <a:fillRect/>
+          </a:stretch>
+        </p:blipFill>
+        <p:spPr bwMode="auto">
+          <a:xfrm>
+            <a:off x="2499010" y="2871217"/>
+            <a:ext cx="920862" cy="197743"/>
+          </a:xfrm>
+          <a:prstGeom prst="rect">
+            <a:avLst/>
+          </a:prstGeom>
+          <a:noFill/>
+          <a:ln w="9525">
+            <a:noFill/>
+            <a:miter lim="800000"/>
+            <a:headEnd/>
+            <a:tailEnd/>
+          </a:ln>
+        </p:spPr>
+      </p:pic>
+      <p:sp>
+        <p:nvSpPr>
+          <p:cNvPr id="173" name="TextBox 172"/>
+          <p:cNvSpPr txBox="1"/>
+          <p:nvPr/>
+        </p:nvSpPr>
+        <p:spPr>
+          <a:xfrm>
+            <a:off x="971600" y="5373216"/>
+            <a:ext cx="1080120" cy="246221"/>
+          </a:xfrm>
+          <a:prstGeom prst="rect">
+            <a:avLst/>
+          </a:prstGeom>
+          <a:noFill/>
+        </p:spPr>
+        <p:txBody>
+          <a:bodyPr wrap="square" rtlCol="0">
+            <a:spAutoFit/>
+          </a:bodyPr>
+          <a:lstStyle/>
+          <a:p>
+            <a:r>
+              <a:rPr lang="ko-KR" altLang="en-US" sz="1000" dirty="0" smtClean="0"/>
+              <a:t>오류 발생 알람</a:t>
+            </a:r>
+            <a:endParaRPr lang="ko-KR" altLang="en-US" sz="1000" dirty="0" smtClean="0"/>
+          </a:p>
+        </p:txBody>
+      </p:sp>
+      <p:sp>
+        <p:nvSpPr>
+          <p:cNvPr id="174" name="TextBox 173"/>
+          <p:cNvSpPr txBox="1"/>
+          <p:nvPr/>
+        </p:nvSpPr>
+        <p:spPr>
+          <a:xfrm>
+            <a:off x="251520" y="6021288"/>
+            <a:ext cx="1368152" cy="246221"/>
+          </a:xfrm>
+          <a:prstGeom prst="rect">
+            <a:avLst/>
+          </a:prstGeom>
+          <a:noFill/>
+        </p:spPr>
+        <p:txBody>
+          <a:bodyPr wrap="square" rtlCol="0">
+            <a:spAutoFit/>
+          </a:bodyPr>
+          <a:lstStyle/>
+          <a:p>
+            <a:r>
+              <a:rPr lang="ko-KR" altLang="en-US" sz="1000" smtClean="0"/>
+              <a:t>로그 및 데이터 확인</a:t>
+            </a:r>
+            <a:endParaRPr lang="ko-KR" altLang="en-US" sz="1000" dirty="0" smtClean="0"/>
+          </a:p>
+        </p:txBody>
+      </p:sp>
+    </p:spTree>
+  </p:cSld>
+  <p:clrMapOvr>
+    <a:masterClrMapping/>
+  </p:clrMapOvr>
+</p:sld>
+</file>
+
 <file path=ppt/theme/theme1.xml><?xml version="1.0" encoding="utf-8"?>
 <a:theme xmlns:a="http://schemas.openxmlformats.org/drawingml/2006/main" name="Office 테마">
   <a:themeElements>

--- a/edit.pptx
+++ b/edit.pptx
@@ -6,8 +6,12 @@
   </p:sldMasterIdLst>
   <p:sldIdLst>
     <p:sldId id="256" r:id="rId2"/>
-    <p:sldId id="257" r:id="rId3"/>
-    <p:sldId id="258" r:id="rId4"/>
+    <p:sldId id="258" r:id="rId3"/>
+    <p:sldId id="259" r:id="rId4"/>
+    <p:sldId id="261" r:id="rId5"/>
+    <p:sldId id="260" r:id="rId6"/>
+    <p:sldId id="264" r:id="rId7"/>
+    <p:sldId id="263" r:id="rId8"/>
   </p:sldIdLst>
   <p:sldSz cx="9144000" cy="6858000" type="screen4x3"/>
   <p:notesSz cx="6858000" cy="9144000"/>
@@ -293,7 +297,7 @@
               <a:pPr/>
               <a:t>2021-10-15</a:t>
             </a:fld>
-            <a:endParaRPr lang="ko-KR" altLang="en-US"/>
+            <a:endParaRPr lang="ko-KR" altLang="en-US" dirty="0"/>
           </a:p>
         </p:txBody>
       </p:sp>
@@ -312,7 +316,7 @@
           <a:bodyPr/>
           <a:lstStyle/>
           <a:p>
-            <a:endParaRPr lang="ko-KR" altLang="en-US"/>
+            <a:endParaRPr lang="ko-KR" altLang="en-US" dirty="0"/>
           </a:p>
         </p:txBody>
       </p:sp>
@@ -336,7 +340,7 @@
               <a:pPr/>
               <a:t>‹#›</a:t>
             </a:fld>
-            <a:endParaRPr lang="ko-KR" altLang="en-US"/>
+            <a:endParaRPr lang="ko-KR" altLang="en-US" dirty="0"/>
           </a:p>
         </p:txBody>
       </p:sp>
@@ -460,7 +464,7 @@
               <a:pPr/>
               <a:t>2021-10-15</a:t>
             </a:fld>
-            <a:endParaRPr lang="ko-KR" altLang="en-US"/>
+            <a:endParaRPr lang="ko-KR" altLang="en-US" dirty="0"/>
           </a:p>
         </p:txBody>
       </p:sp>
@@ -479,7 +483,7 @@
           <a:bodyPr/>
           <a:lstStyle/>
           <a:p>
-            <a:endParaRPr lang="ko-KR" altLang="en-US"/>
+            <a:endParaRPr lang="ko-KR" altLang="en-US" dirty="0"/>
           </a:p>
         </p:txBody>
       </p:sp>
@@ -503,7 +507,7 @@
               <a:pPr/>
               <a:t>‹#›</a:t>
             </a:fld>
-            <a:endParaRPr lang="ko-KR" altLang="en-US"/>
+            <a:endParaRPr lang="ko-KR" altLang="en-US" dirty="0"/>
           </a:p>
         </p:txBody>
       </p:sp>
@@ -637,7 +641,7 @@
               <a:pPr/>
               <a:t>2021-10-15</a:t>
             </a:fld>
-            <a:endParaRPr lang="ko-KR" altLang="en-US"/>
+            <a:endParaRPr lang="ko-KR" altLang="en-US" dirty="0"/>
           </a:p>
         </p:txBody>
       </p:sp>
@@ -656,7 +660,7 @@
           <a:bodyPr/>
           <a:lstStyle/>
           <a:p>
-            <a:endParaRPr lang="ko-KR" altLang="en-US"/>
+            <a:endParaRPr lang="ko-KR" altLang="en-US" dirty="0"/>
           </a:p>
         </p:txBody>
       </p:sp>
@@ -680,7 +684,7 @@
               <a:pPr/>
               <a:t>‹#›</a:t>
             </a:fld>
-            <a:endParaRPr lang="ko-KR" altLang="en-US"/>
+            <a:endParaRPr lang="ko-KR" altLang="en-US" dirty="0"/>
           </a:p>
         </p:txBody>
       </p:sp>
@@ -804,7 +808,7 @@
               <a:pPr/>
               <a:t>2021-10-15</a:t>
             </a:fld>
-            <a:endParaRPr lang="ko-KR" altLang="en-US"/>
+            <a:endParaRPr lang="ko-KR" altLang="en-US" dirty="0"/>
           </a:p>
         </p:txBody>
       </p:sp>
@@ -823,7 +827,7 @@
           <a:bodyPr/>
           <a:lstStyle/>
           <a:p>
-            <a:endParaRPr lang="ko-KR" altLang="en-US"/>
+            <a:endParaRPr lang="ko-KR" altLang="en-US" dirty="0"/>
           </a:p>
         </p:txBody>
       </p:sp>
@@ -847,7 +851,7 @@
               <a:pPr/>
               <a:t>‹#›</a:t>
             </a:fld>
-            <a:endParaRPr lang="ko-KR" altLang="en-US"/>
+            <a:endParaRPr lang="ko-KR" altLang="en-US" dirty="0"/>
           </a:p>
         </p:txBody>
       </p:sp>
@@ -1047,7 +1051,7 @@
               <a:pPr/>
               <a:t>2021-10-15</a:t>
             </a:fld>
-            <a:endParaRPr lang="ko-KR" altLang="en-US"/>
+            <a:endParaRPr lang="ko-KR" altLang="en-US" dirty="0"/>
           </a:p>
         </p:txBody>
       </p:sp>
@@ -1066,7 +1070,7 @@
           <a:bodyPr/>
           <a:lstStyle/>
           <a:p>
-            <a:endParaRPr lang="ko-KR" altLang="en-US"/>
+            <a:endParaRPr lang="ko-KR" altLang="en-US" dirty="0"/>
           </a:p>
         </p:txBody>
       </p:sp>
@@ -1090,7 +1094,7 @@
               <a:pPr/>
               <a:t>‹#›</a:t>
             </a:fld>
-            <a:endParaRPr lang="ko-KR" altLang="en-US"/>
+            <a:endParaRPr lang="ko-KR" altLang="en-US" dirty="0"/>
           </a:p>
         </p:txBody>
       </p:sp>
@@ -1332,7 +1336,7 @@
               <a:pPr/>
               <a:t>2021-10-15</a:t>
             </a:fld>
-            <a:endParaRPr lang="ko-KR" altLang="en-US"/>
+            <a:endParaRPr lang="ko-KR" altLang="en-US" dirty="0"/>
           </a:p>
         </p:txBody>
       </p:sp>
@@ -1351,7 +1355,7 @@
           <a:bodyPr/>
           <a:lstStyle/>
           <a:p>
-            <a:endParaRPr lang="ko-KR" altLang="en-US"/>
+            <a:endParaRPr lang="ko-KR" altLang="en-US" dirty="0"/>
           </a:p>
         </p:txBody>
       </p:sp>
@@ -1375,7 +1379,7 @@
               <a:pPr/>
               <a:t>‹#›</a:t>
             </a:fld>
-            <a:endParaRPr lang="ko-KR" altLang="en-US"/>
+            <a:endParaRPr lang="ko-KR" altLang="en-US" dirty="0"/>
           </a:p>
         </p:txBody>
       </p:sp>
@@ -1751,7 +1755,7 @@
               <a:pPr/>
               <a:t>2021-10-15</a:t>
             </a:fld>
-            <a:endParaRPr lang="ko-KR" altLang="en-US"/>
+            <a:endParaRPr lang="ko-KR" altLang="en-US" dirty="0"/>
           </a:p>
         </p:txBody>
       </p:sp>
@@ -1770,7 +1774,7 @@
           <a:bodyPr/>
           <a:lstStyle/>
           <a:p>
-            <a:endParaRPr lang="ko-KR" altLang="en-US"/>
+            <a:endParaRPr lang="ko-KR" altLang="en-US" dirty="0"/>
           </a:p>
         </p:txBody>
       </p:sp>
@@ -1794,7 +1798,7 @@
               <a:pPr/>
               <a:t>‹#›</a:t>
             </a:fld>
-            <a:endParaRPr lang="ko-KR" altLang="en-US"/>
+            <a:endParaRPr lang="ko-KR" altLang="en-US" dirty="0"/>
           </a:p>
         </p:txBody>
       </p:sp>
@@ -1866,7 +1870,7 @@
               <a:pPr/>
               <a:t>2021-10-15</a:t>
             </a:fld>
-            <a:endParaRPr lang="ko-KR" altLang="en-US"/>
+            <a:endParaRPr lang="ko-KR" altLang="en-US" dirty="0"/>
           </a:p>
         </p:txBody>
       </p:sp>
@@ -1885,7 +1889,7 @@
           <a:bodyPr/>
           <a:lstStyle/>
           <a:p>
-            <a:endParaRPr lang="ko-KR" altLang="en-US"/>
+            <a:endParaRPr lang="ko-KR" altLang="en-US" dirty="0"/>
           </a:p>
         </p:txBody>
       </p:sp>
@@ -1909,7 +1913,7 @@
               <a:pPr/>
               <a:t>‹#›</a:t>
             </a:fld>
-            <a:endParaRPr lang="ko-KR" altLang="en-US"/>
+            <a:endParaRPr lang="ko-KR" altLang="en-US" dirty="0"/>
           </a:p>
         </p:txBody>
       </p:sp>
@@ -1958,7 +1962,7 @@
               <a:pPr/>
               <a:t>2021-10-15</a:t>
             </a:fld>
-            <a:endParaRPr lang="ko-KR" altLang="en-US"/>
+            <a:endParaRPr lang="ko-KR" altLang="en-US" dirty="0"/>
           </a:p>
         </p:txBody>
       </p:sp>
@@ -1977,7 +1981,7 @@
           <a:bodyPr/>
           <a:lstStyle/>
           <a:p>
-            <a:endParaRPr lang="ko-KR" altLang="en-US"/>
+            <a:endParaRPr lang="ko-KR" altLang="en-US" dirty="0"/>
           </a:p>
         </p:txBody>
       </p:sp>
@@ -2001,7 +2005,7 @@
               <a:pPr/>
               <a:t>‹#›</a:t>
             </a:fld>
-            <a:endParaRPr lang="ko-KR" altLang="en-US"/>
+            <a:endParaRPr lang="ko-KR" altLang="en-US" dirty="0"/>
           </a:p>
         </p:txBody>
       </p:sp>
@@ -2232,7 +2236,7 @@
               <a:pPr/>
               <a:t>2021-10-15</a:t>
             </a:fld>
-            <a:endParaRPr lang="ko-KR" altLang="en-US"/>
+            <a:endParaRPr lang="ko-KR" altLang="en-US" dirty="0"/>
           </a:p>
         </p:txBody>
       </p:sp>
@@ -2251,7 +2255,7 @@
           <a:bodyPr/>
           <a:lstStyle/>
           <a:p>
-            <a:endParaRPr lang="ko-KR" altLang="en-US"/>
+            <a:endParaRPr lang="ko-KR" altLang="en-US" dirty="0"/>
           </a:p>
         </p:txBody>
       </p:sp>
@@ -2275,7 +2279,7 @@
               <a:pPr/>
               <a:t>‹#›</a:t>
             </a:fld>
-            <a:endParaRPr lang="ko-KR" altLang="en-US"/>
+            <a:endParaRPr lang="ko-KR" altLang="en-US" dirty="0"/>
           </a:p>
         </p:txBody>
       </p:sp>
@@ -2393,7 +2397,7 @@
             </a:lvl9pPr>
           </a:lstStyle>
           <a:p>
-            <a:endParaRPr lang="ko-KR" altLang="en-US"/>
+            <a:endParaRPr lang="ko-KR" altLang="en-US" dirty="0"/>
           </a:p>
         </p:txBody>
       </p:sp>
@@ -2482,7 +2486,7 @@
               <a:pPr/>
               <a:t>2021-10-15</a:t>
             </a:fld>
-            <a:endParaRPr lang="ko-KR" altLang="en-US"/>
+            <a:endParaRPr lang="ko-KR" altLang="en-US" dirty="0"/>
           </a:p>
         </p:txBody>
       </p:sp>
@@ -2501,7 +2505,7 @@
           <a:bodyPr/>
           <a:lstStyle/>
           <a:p>
-            <a:endParaRPr lang="ko-KR" altLang="en-US"/>
+            <a:endParaRPr lang="ko-KR" altLang="en-US" dirty="0"/>
           </a:p>
         </p:txBody>
       </p:sp>
@@ -2525,7 +2529,7 @@
               <a:pPr/>
               <a:t>‹#›</a:t>
             </a:fld>
-            <a:endParaRPr lang="ko-KR" altLang="en-US"/>
+            <a:endParaRPr lang="ko-KR" altLang="en-US" dirty="0"/>
           </a:p>
         </p:txBody>
       </p:sp>
@@ -2692,7 +2696,7 @@
               <a:pPr/>
               <a:t>2021-10-15</a:t>
             </a:fld>
-            <a:endParaRPr lang="ko-KR" altLang="en-US"/>
+            <a:endParaRPr lang="ko-KR" altLang="en-US" dirty="0"/>
           </a:p>
         </p:txBody>
       </p:sp>
@@ -2729,7 +2733,7 @@
             </a:lvl1pPr>
           </a:lstStyle>
           <a:p>
-            <a:endParaRPr lang="ko-KR" altLang="en-US"/>
+            <a:endParaRPr lang="ko-KR" altLang="en-US" dirty="0"/>
           </a:p>
         </p:txBody>
       </p:sp>
@@ -2771,7 +2775,7 @@
               <a:pPr/>
               <a:t>‹#›</a:t>
             </a:fld>
-            <a:endParaRPr lang="ko-KR" altLang="en-US"/>
+            <a:endParaRPr lang="ko-KR" altLang="en-US" dirty="0"/>
           </a:p>
         </p:txBody>
       </p:sp>
@@ -3666,7 +3670,7 @@
       </p:grpSpPr>
       <p:pic>
         <p:nvPicPr>
-          <p:cNvPr id="1026" name="Picture 2"/>
+          <p:cNvPr id="2050" name="Picture 2"/>
           <p:cNvPicPr>
             <a:picLocks noChangeAspect="1" noChangeArrowheads="1"/>
           </p:cNvPicPr>
@@ -3681,8 +3685,8 @@
         </p:blipFill>
         <p:spPr bwMode="auto">
           <a:xfrm>
-            <a:off x="611559" y="1124744"/>
-            <a:ext cx="6075377" cy="3744416"/>
+            <a:off x="5508104" y="908720"/>
+            <a:ext cx="3149352" cy="2420646"/>
           </a:xfrm>
           <a:prstGeom prst="rect">
             <a:avLst/>
@@ -3698,7 +3702,7 @@
       </p:pic>
       <p:pic>
         <p:nvPicPr>
-          <p:cNvPr id="1027" name="Picture 3"/>
+          <p:cNvPr id="5" name="Picture 2"/>
           <p:cNvPicPr>
             <a:picLocks noChangeAspect="1" noChangeArrowheads="1"/>
           </p:cNvPicPr>
@@ -3713,8 +3717,8 @@
         </p:blipFill>
         <p:spPr bwMode="auto">
           <a:xfrm>
-            <a:off x="611560" y="692697"/>
-            <a:ext cx="6048672" cy="432048"/>
+            <a:off x="1979712" y="4437112"/>
+            <a:ext cx="505319" cy="576064"/>
           </a:xfrm>
           <a:prstGeom prst="rect">
             <a:avLst/>
@@ -3728,23 +3732,773 @@
           </a:ln>
         </p:spPr>
       </p:pic>
-      <p:sp>
-        <p:nvSpPr>
-          <p:cNvPr id="7" name="직사각형 6"/>
+      <p:pic>
+        <p:nvPicPr>
+          <p:cNvPr id="2051" name="Picture 3"/>
+          <p:cNvPicPr>
+            <a:picLocks noChangeAspect="1" noChangeArrowheads="1"/>
+          </p:cNvPicPr>
+          <p:nvPr/>
+        </p:nvPicPr>
+        <p:blipFill>
+          <a:blip r:embed="rId4" cstate="print"/>
+          <a:srcRect/>
+          <a:stretch>
+            <a:fillRect/>
+          </a:stretch>
+        </p:blipFill>
+        <p:spPr bwMode="auto">
+          <a:xfrm>
+            <a:off x="2722981" y="4437112"/>
+            <a:ext cx="624883" cy="576064"/>
+          </a:xfrm>
+          <a:prstGeom prst="rect">
+            <a:avLst/>
+          </a:prstGeom>
+          <a:noFill/>
+          <a:ln w="9525">
+            <a:noFill/>
+            <a:miter lim="800000"/>
+            <a:headEnd/>
+            <a:tailEnd/>
+          </a:ln>
+        </p:spPr>
+      </p:pic>
+      <p:pic>
+        <p:nvPicPr>
+          <p:cNvPr id="7" name="Picture 3" descr="C:\Users\webme\Downloads\the-server-15-128.png"/>
+          <p:cNvPicPr>
+            <a:picLocks noChangeAspect="1" noChangeArrowheads="1"/>
+          </p:cNvPicPr>
+          <p:nvPr/>
+        </p:nvPicPr>
+        <p:blipFill>
+          <a:blip r:embed="rId5" cstate="print"/>
+          <a:srcRect/>
+          <a:stretch>
+            <a:fillRect/>
+          </a:stretch>
+        </p:blipFill>
+        <p:spPr bwMode="auto">
+          <a:xfrm>
+            <a:off x="2339752" y="188640"/>
+            <a:ext cx="1219200" cy="1219200"/>
+          </a:xfrm>
+          <a:prstGeom prst="rect">
+            <a:avLst/>
+          </a:prstGeom>
+          <a:noFill/>
+        </p:spPr>
+      </p:pic>
+      <p:pic>
+        <p:nvPicPr>
+          <p:cNvPr id="8" name="Picture 3" descr="C:\Users\webme\Downloads\the-server-15-128.png"/>
+          <p:cNvPicPr>
+            <a:picLocks noChangeAspect="1" noChangeArrowheads="1"/>
+          </p:cNvPicPr>
+          <p:nvPr/>
+        </p:nvPicPr>
+        <p:blipFill>
+          <a:blip r:embed="rId5" cstate="print"/>
+          <a:srcRect/>
+          <a:stretch>
+            <a:fillRect/>
+          </a:stretch>
+        </p:blipFill>
+        <p:spPr bwMode="auto">
+          <a:xfrm>
+            <a:off x="2339752" y="1531531"/>
+            <a:ext cx="1219200" cy="1219200"/>
+          </a:xfrm>
+          <a:prstGeom prst="rect">
+            <a:avLst/>
+          </a:prstGeom>
+          <a:noFill/>
+        </p:spPr>
+      </p:pic>
+      <p:pic>
+        <p:nvPicPr>
+          <p:cNvPr id="9" name="Picture 3" descr="C:\Users\webme\Downloads\the-server-15-128.png"/>
+          <p:cNvPicPr>
+            <a:picLocks noChangeAspect="1" noChangeArrowheads="1"/>
+          </p:cNvPicPr>
+          <p:nvPr/>
+        </p:nvPicPr>
+        <p:blipFill>
+          <a:blip r:embed="rId5" cstate="print"/>
+          <a:srcRect/>
+          <a:stretch>
+            <a:fillRect/>
+          </a:stretch>
+        </p:blipFill>
+        <p:spPr bwMode="auto">
+          <a:xfrm>
+            <a:off x="2339752" y="2827675"/>
+            <a:ext cx="1219200" cy="1219200"/>
+          </a:xfrm>
+          <a:prstGeom prst="rect">
+            <a:avLst/>
+          </a:prstGeom>
+          <a:noFill/>
+        </p:spPr>
+      </p:pic>
+      <p:pic>
+        <p:nvPicPr>
+          <p:cNvPr id="12" name="그림 11" descr="3630px-Nginx_logo.png"/>
+          <p:cNvPicPr>
+            <a:picLocks noChangeAspect="1"/>
+          </p:cNvPicPr>
+          <p:nvPr/>
+        </p:nvPicPr>
+        <p:blipFill>
+          <a:blip r:embed="rId6" cstate="print"/>
+          <a:stretch>
+            <a:fillRect/>
+          </a:stretch>
+        </p:blipFill>
+        <p:spPr>
+          <a:xfrm>
+            <a:off x="1835696" y="404664"/>
+            <a:ext cx="733062" cy="504055"/>
+          </a:xfrm>
+          <a:prstGeom prst="rect">
+            <a:avLst/>
+          </a:prstGeom>
+        </p:spPr>
+      </p:pic>
+      <p:pic>
+        <p:nvPicPr>
+          <p:cNvPr id="13" name="그림 12" descr="tomcat.png"/>
+          <p:cNvPicPr>
+            <a:picLocks noChangeAspect="1"/>
+          </p:cNvPicPr>
+          <p:nvPr/>
+        </p:nvPicPr>
+        <p:blipFill>
+          <a:blip r:embed="rId7" cstate="print"/>
+          <a:stretch>
+            <a:fillRect/>
+          </a:stretch>
+        </p:blipFill>
+        <p:spPr>
+          <a:xfrm>
+            <a:off x="1763688" y="620688"/>
+            <a:ext cx="812801" cy="812801"/>
+          </a:xfrm>
+          <a:prstGeom prst="rect">
+            <a:avLst/>
+          </a:prstGeom>
+        </p:spPr>
+      </p:pic>
+      <p:pic>
+        <p:nvPicPr>
+          <p:cNvPr id="14" name="그림 13" descr="3630px-Nginx_logo.png"/>
+          <p:cNvPicPr>
+            <a:picLocks noChangeAspect="1"/>
+          </p:cNvPicPr>
+          <p:nvPr/>
+        </p:nvPicPr>
+        <p:blipFill>
+          <a:blip r:embed="rId6" cstate="print"/>
+          <a:stretch>
+            <a:fillRect/>
+          </a:stretch>
+        </p:blipFill>
+        <p:spPr>
+          <a:xfrm>
+            <a:off x="1835696" y="1675547"/>
+            <a:ext cx="733062" cy="504055"/>
+          </a:xfrm>
+          <a:prstGeom prst="rect">
+            <a:avLst/>
+          </a:prstGeom>
+        </p:spPr>
+      </p:pic>
+      <p:pic>
+        <p:nvPicPr>
+          <p:cNvPr id="15" name="그림 14" descr="tomcat.png"/>
+          <p:cNvPicPr>
+            <a:picLocks noChangeAspect="1"/>
+          </p:cNvPicPr>
+          <p:nvPr/>
+        </p:nvPicPr>
+        <p:blipFill>
+          <a:blip r:embed="rId7" cstate="print"/>
+          <a:stretch>
+            <a:fillRect/>
+          </a:stretch>
+        </p:blipFill>
+        <p:spPr>
+          <a:xfrm>
+            <a:off x="1763688" y="1891571"/>
+            <a:ext cx="812801" cy="812801"/>
+          </a:xfrm>
+          <a:prstGeom prst="rect">
+            <a:avLst/>
+          </a:prstGeom>
+        </p:spPr>
+      </p:pic>
+      <p:pic>
+        <p:nvPicPr>
+          <p:cNvPr id="16" name="그림 15" descr="3630px-Nginx_logo.png"/>
+          <p:cNvPicPr>
+            <a:picLocks noChangeAspect="1"/>
+          </p:cNvPicPr>
+          <p:nvPr/>
+        </p:nvPicPr>
+        <p:blipFill>
+          <a:blip r:embed="rId6" cstate="print"/>
+          <a:stretch>
+            <a:fillRect/>
+          </a:stretch>
+        </p:blipFill>
+        <p:spPr>
+          <a:xfrm>
+            <a:off x="1835696" y="2971691"/>
+            <a:ext cx="733062" cy="504055"/>
+          </a:xfrm>
+          <a:prstGeom prst="rect">
+            <a:avLst/>
+          </a:prstGeom>
+        </p:spPr>
+      </p:pic>
+      <p:pic>
+        <p:nvPicPr>
+          <p:cNvPr id="17" name="그림 16" descr="tomcat.png"/>
+          <p:cNvPicPr>
+            <a:picLocks noChangeAspect="1"/>
+          </p:cNvPicPr>
+          <p:nvPr/>
+        </p:nvPicPr>
+        <p:blipFill>
+          <a:blip r:embed="rId7" cstate="print"/>
+          <a:stretch>
+            <a:fillRect/>
+          </a:stretch>
+        </p:blipFill>
+        <p:spPr>
+          <a:xfrm>
+            <a:off x="1763688" y="3187715"/>
+            <a:ext cx="812801" cy="812801"/>
+          </a:xfrm>
+          <a:prstGeom prst="rect">
+            <a:avLst/>
+          </a:prstGeom>
+        </p:spPr>
+      </p:pic>
+      <p:pic>
+        <p:nvPicPr>
+          <p:cNvPr id="2054" name="Picture 6"/>
+          <p:cNvPicPr>
+            <a:picLocks noChangeAspect="1" noChangeArrowheads="1"/>
+          </p:cNvPicPr>
+          <p:nvPr/>
+        </p:nvPicPr>
+        <p:blipFill>
+          <a:blip r:embed="rId8" cstate="print"/>
+          <a:srcRect/>
+          <a:stretch>
+            <a:fillRect/>
+          </a:stretch>
+        </p:blipFill>
+        <p:spPr bwMode="auto">
+          <a:xfrm>
+            <a:off x="5940152" y="4293096"/>
+            <a:ext cx="1440160" cy="446946"/>
+          </a:xfrm>
+          <a:prstGeom prst="rect">
+            <a:avLst/>
+          </a:prstGeom>
+          <a:noFill/>
+          <a:ln w="9525">
+            <a:noFill/>
+            <a:miter lim="800000"/>
+            <a:headEnd/>
+            <a:tailEnd/>
+          </a:ln>
+        </p:spPr>
+      </p:pic>
+      <p:pic>
+        <p:nvPicPr>
+          <p:cNvPr id="2055" name="Picture 7"/>
+          <p:cNvPicPr>
+            <a:picLocks noChangeAspect="1" noChangeArrowheads="1"/>
+          </p:cNvPicPr>
+          <p:nvPr/>
+        </p:nvPicPr>
+        <p:blipFill>
+          <a:blip r:embed="rId9" cstate="print"/>
+          <a:srcRect/>
+          <a:stretch>
+            <a:fillRect/>
+          </a:stretch>
+        </p:blipFill>
+        <p:spPr bwMode="auto">
+          <a:xfrm>
+            <a:off x="1907704" y="5229200"/>
+            <a:ext cx="1152128" cy="365851"/>
+          </a:xfrm>
+          <a:prstGeom prst="rect">
+            <a:avLst/>
+          </a:prstGeom>
+          <a:noFill/>
+          <a:ln w="9525">
+            <a:noFill/>
+            <a:miter lim="800000"/>
+            <a:headEnd/>
+            <a:tailEnd/>
+          </a:ln>
+        </p:spPr>
+      </p:pic>
+      <p:pic>
+        <p:nvPicPr>
+          <p:cNvPr id="2056" name="Picture 8"/>
+          <p:cNvPicPr>
+            <a:picLocks noChangeAspect="1" noChangeArrowheads="1"/>
+          </p:cNvPicPr>
+          <p:nvPr/>
+        </p:nvPicPr>
+        <p:blipFill>
+          <a:blip r:embed="rId10" cstate="print"/>
+          <a:srcRect/>
+          <a:stretch>
+            <a:fillRect/>
+          </a:stretch>
+        </p:blipFill>
+        <p:spPr bwMode="auto">
+          <a:xfrm>
+            <a:off x="1907704" y="5805264"/>
+            <a:ext cx="1224136" cy="312078"/>
+          </a:xfrm>
+          <a:prstGeom prst="rect">
+            <a:avLst/>
+          </a:prstGeom>
+          <a:noFill/>
+          <a:ln w="9525">
+            <a:noFill/>
+            <a:miter lim="800000"/>
+            <a:headEnd/>
+            <a:tailEnd/>
+          </a:ln>
+        </p:spPr>
+      </p:pic>
+      <p:sp>
+        <p:nvSpPr>
+          <p:cNvPr id="21" name="TextBox 20"/>
+          <p:cNvSpPr txBox="1"/>
+          <p:nvPr/>
+        </p:nvSpPr>
+        <p:spPr>
+          <a:xfrm>
+            <a:off x="2339752" y="1196752"/>
+            <a:ext cx="1296144" cy="246221"/>
+          </a:xfrm>
+          <a:prstGeom prst="rect">
+            <a:avLst/>
+          </a:prstGeom>
+          <a:noFill/>
+        </p:spPr>
+        <p:txBody>
+          <a:bodyPr wrap="square" rtlCol="0">
+            <a:spAutoFit/>
+          </a:bodyPr>
+          <a:lstStyle/>
+          <a:p>
+            <a:r>
+              <a:rPr lang="ko-KR" altLang="en-US" sz="1000" dirty="0" smtClean="0"/>
+              <a:t>가맹점 서</a:t>
+            </a:r>
+            <a:r>
+              <a:rPr lang="ko-KR" altLang="en-US" sz="1000" dirty="0" smtClean="0"/>
+              <a:t>버</a:t>
+            </a:r>
+          </a:p>
+        </p:txBody>
+      </p:sp>
+      <p:sp>
+        <p:nvSpPr>
+          <p:cNvPr id="22" name="TextBox 21"/>
+          <p:cNvSpPr txBox="1"/>
+          <p:nvPr/>
+        </p:nvSpPr>
+        <p:spPr>
+          <a:xfrm>
+            <a:off x="2339752" y="2534707"/>
+            <a:ext cx="1296144" cy="246221"/>
+          </a:xfrm>
+          <a:prstGeom prst="rect">
+            <a:avLst/>
+          </a:prstGeom>
+          <a:noFill/>
+        </p:spPr>
+        <p:txBody>
+          <a:bodyPr wrap="square" rtlCol="0">
+            <a:spAutoFit/>
+          </a:bodyPr>
+          <a:lstStyle/>
+          <a:p>
+            <a:r>
+              <a:rPr lang="ko-KR" altLang="en-US" sz="1000" dirty="0" smtClean="0"/>
+              <a:t>우편서비스 서</a:t>
+            </a:r>
+            <a:r>
+              <a:rPr lang="ko-KR" altLang="en-US" sz="1000" dirty="0" smtClean="0"/>
+              <a:t>버</a:t>
+            </a:r>
+          </a:p>
+        </p:txBody>
+      </p:sp>
+      <p:sp>
+        <p:nvSpPr>
+          <p:cNvPr id="23" name="TextBox 22"/>
+          <p:cNvSpPr txBox="1"/>
+          <p:nvPr/>
+        </p:nvSpPr>
+        <p:spPr>
+          <a:xfrm>
+            <a:off x="2339752" y="3830851"/>
+            <a:ext cx="1296144" cy="246221"/>
+          </a:xfrm>
+          <a:prstGeom prst="rect">
+            <a:avLst/>
+          </a:prstGeom>
+          <a:noFill/>
+        </p:spPr>
+        <p:txBody>
+          <a:bodyPr wrap="square" rtlCol="0">
+            <a:spAutoFit/>
+          </a:bodyPr>
+          <a:lstStyle/>
+          <a:p>
+            <a:r>
+              <a:rPr lang="ko-KR" altLang="en-US" sz="1000" dirty="0" smtClean="0"/>
+              <a:t>영업점 서버</a:t>
+            </a:r>
+            <a:endParaRPr lang="ko-KR" altLang="en-US" sz="1000" dirty="0" smtClean="0"/>
+          </a:p>
+        </p:txBody>
+      </p:sp>
+      <p:sp>
+        <p:nvSpPr>
+          <p:cNvPr id="25" name="TextBox 24"/>
+          <p:cNvSpPr txBox="1"/>
+          <p:nvPr/>
+        </p:nvSpPr>
+        <p:spPr>
+          <a:xfrm>
+            <a:off x="6300192" y="3356992"/>
+            <a:ext cx="1296144" cy="246221"/>
+          </a:xfrm>
+          <a:prstGeom prst="rect">
+            <a:avLst/>
+          </a:prstGeom>
+          <a:noFill/>
+        </p:spPr>
+        <p:txBody>
+          <a:bodyPr wrap="square" rtlCol="0">
+            <a:spAutoFit/>
+          </a:bodyPr>
+          <a:lstStyle/>
+          <a:p>
+            <a:r>
+              <a:rPr lang="en-US" altLang="ko-KR" sz="1000" dirty="0" smtClean="0"/>
+              <a:t>Redis </a:t>
+            </a:r>
+            <a:r>
+              <a:rPr lang="ko-KR" altLang="en-US" sz="1000" dirty="0" smtClean="0"/>
+              <a:t>세션 서</a:t>
+            </a:r>
+            <a:r>
+              <a:rPr lang="ko-KR" altLang="en-US" sz="1000" dirty="0" smtClean="0"/>
+              <a:t>버</a:t>
+            </a:r>
+          </a:p>
+        </p:txBody>
+      </p:sp>
+      <p:cxnSp>
+        <p:nvCxnSpPr>
+          <p:cNvPr id="28" name="직선 화살표 연결선 27"/>
+          <p:cNvCxnSpPr/>
+          <p:nvPr/>
+        </p:nvCxnSpPr>
+        <p:spPr>
+          <a:xfrm>
+            <a:off x="3558952" y="2321152"/>
+            <a:ext cx="1805136" cy="27728"/>
+          </a:xfrm>
+          <a:prstGeom prst="straightConnector1">
+            <a:avLst/>
+          </a:prstGeom>
+          <a:ln w="9525">
+            <a:solidFill>
+              <a:schemeClr val="accent3">
+                <a:lumMod val="50000"/>
+              </a:schemeClr>
+            </a:solidFill>
+            <a:headEnd type="arrow"/>
+            <a:tailEnd type="arrow"/>
+          </a:ln>
+        </p:spPr>
+        <p:style>
+          <a:lnRef idx="1">
+            <a:schemeClr val="accent1"/>
+          </a:lnRef>
+          <a:fillRef idx="0">
+            <a:schemeClr val="accent1"/>
+          </a:fillRef>
+          <a:effectRef idx="0">
+            <a:schemeClr val="accent1"/>
+          </a:effectRef>
+          <a:fontRef idx="minor">
+            <a:schemeClr val="tx1"/>
+          </a:fontRef>
+        </p:style>
+      </p:cxnSp>
+      <p:cxnSp>
+        <p:nvCxnSpPr>
+          <p:cNvPr id="35" name="Shape 34"/>
+          <p:cNvCxnSpPr/>
+          <p:nvPr/>
+        </p:nvCxnSpPr>
+        <p:spPr>
+          <a:xfrm rot="10800000">
+            <a:off x="3558952" y="862798"/>
+            <a:ext cx="2381200" cy="3718329"/>
+          </a:xfrm>
+          <a:prstGeom prst="bentConnector3">
+            <a:avLst>
+              <a:gd name="adj1" fmla="val 50000"/>
+            </a:avLst>
+          </a:prstGeom>
+          <a:ln>
+            <a:tailEnd type="arrow"/>
+          </a:ln>
+        </p:spPr>
+        <p:style>
+          <a:lnRef idx="1">
+            <a:schemeClr val="accent1"/>
+          </a:lnRef>
+          <a:fillRef idx="0">
+            <a:schemeClr val="accent1"/>
+          </a:fillRef>
+          <a:effectRef idx="0">
+            <a:schemeClr val="accent1"/>
+          </a:effectRef>
+          <a:fontRef idx="minor">
+            <a:schemeClr val="tx1"/>
+          </a:fontRef>
+        </p:style>
+      </p:cxnSp>
+      <p:cxnSp>
+        <p:nvCxnSpPr>
+          <p:cNvPr id="37" name="Shape 34"/>
+          <p:cNvCxnSpPr/>
+          <p:nvPr/>
+        </p:nvCxnSpPr>
+        <p:spPr>
+          <a:xfrm rot="10800000">
+            <a:off x="3558952" y="2205689"/>
+            <a:ext cx="2381200" cy="2375438"/>
+          </a:xfrm>
+          <a:prstGeom prst="bentConnector3">
+            <a:avLst>
+              <a:gd name="adj1" fmla="val 50000"/>
+            </a:avLst>
+          </a:prstGeom>
+          <a:ln>
+            <a:tailEnd type="arrow"/>
+          </a:ln>
+        </p:spPr>
+        <p:style>
+          <a:lnRef idx="1">
+            <a:schemeClr val="accent1"/>
+          </a:lnRef>
+          <a:fillRef idx="0">
+            <a:schemeClr val="accent1"/>
+          </a:fillRef>
+          <a:effectRef idx="0">
+            <a:schemeClr val="accent1"/>
+          </a:effectRef>
+          <a:fontRef idx="minor">
+            <a:schemeClr val="tx1"/>
+          </a:fontRef>
+        </p:style>
+      </p:cxnSp>
+      <p:cxnSp>
+        <p:nvCxnSpPr>
+          <p:cNvPr id="41" name="Shape 34"/>
+          <p:cNvCxnSpPr/>
+          <p:nvPr/>
+        </p:nvCxnSpPr>
+        <p:spPr>
+          <a:xfrm rot="10800000">
+            <a:off x="3558952" y="3501833"/>
+            <a:ext cx="2381200" cy="1079294"/>
+          </a:xfrm>
+          <a:prstGeom prst="bentConnector3">
+            <a:avLst>
+              <a:gd name="adj1" fmla="val 50000"/>
+            </a:avLst>
+          </a:prstGeom>
+          <a:ln>
+            <a:tailEnd type="arrow"/>
+          </a:ln>
+        </p:spPr>
+        <p:style>
+          <a:lnRef idx="1">
+            <a:schemeClr val="accent1"/>
+          </a:lnRef>
+          <a:fillRef idx="0">
+            <a:schemeClr val="accent1"/>
+          </a:fillRef>
+          <a:effectRef idx="0">
+            <a:schemeClr val="accent1"/>
+          </a:effectRef>
+          <a:fontRef idx="minor">
+            <a:schemeClr val="tx1"/>
+          </a:fontRef>
+        </p:style>
+      </p:cxnSp>
+      <p:sp>
+        <p:nvSpPr>
+          <p:cNvPr id="44" name="TextBox 43"/>
+          <p:cNvSpPr txBox="1"/>
+          <p:nvPr/>
+        </p:nvSpPr>
+        <p:spPr>
+          <a:xfrm>
+            <a:off x="6588224" y="5661248"/>
+            <a:ext cx="1296144" cy="246221"/>
+          </a:xfrm>
+          <a:prstGeom prst="rect">
+            <a:avLst/>
+          </a:prstGeom>
+          <a:noFill/>
+        </p:spPr>
+        <p:txBody>
+          <a:bodyPr wrap="square" rtlCol="0">
+            <a:spAutoFit/>
+          </a:bodyPr>
+          <a:lstStyle/>
+          <a:p>
+            <a:r>
+              <a:rPr lang="ko-KR" altLang="en-US" sz="1000" dirty="0" smtClean="0"/>
+              <a:t>모니터링 서버</a:t>
+            </a:r>
+            <a:endParaRPr lang="ko-KR" altLang="en-US" sz="1000" dirty="0" smtClean="0"/>
+          </a:p>
+        </p:txBody>
+      </p:sp>
+      <p:pic>
+        <p:nvPicPr>
+          <p:cNvPr id="2057" name="Picture 9"/>
+          <p:cNvPicPr>
+            <a:picLocks noChangeAspect="1" noChangeArrowheads="1"/>
+          </p:cNvPicPr>
+          <p:nvPr/>
+        </p:nvPicPr>
+        <p:blipFill>
+          <a:blip r:embed="rId11" cstate="print"/>
+          <a:srcRect/>
+          <a:stretch>
+            <a:fillRect/>
+          </a:stretch>
+        </p:blipFill>
+        <p:spPr bwMode="auto">
+          <a:xfrm>
+            <a:off x="5940152" y="5301208"/>
+            <a:ext cx="1368152" cy="337762"/>
+          </a:xfrm>
+          <a:prstGeom prst="rect">
+            <a:avLst/>
+          </a:prstGeom>
+          <a:noFill/>
+          <a:ln w="9525">
+            <a:noFill/>
+            <a:miter lim="800000"/>
+            <a:headEnd/>
+            <a:tailEnd/>
+          </a:ln>
+        </p:spPr>
+      </p:pic>
+      <p:sp>
+        <p:nvSpPr>
+          <p:cNvPr id="65" name="TextBox 64"/>
+          <p:cNvSpPr txBox="1"/>
+          <p:nvPr/>
+        </p:nvSpPr>
+        <p:spPr>
+          <a:xfrm>
+            <a:off x="4716016" y="3717032"/>
+            <a:ext cx="2232248" cy="400110"/>
+          </a:xfrm>
+          <a:prstGeom prst="rect">
+            <a:avLst/>
+          </a:prstGeom>
+          <a:noFill/>
+        </p:spPr>
+        <p:txBody>
+          <a:bodyPr wrap="square" rtlCol="0">
+            <a:spAutoFit/>
+          </a:bodyPr>
+          <a:lstStyle/>
+          <a:p>
+            <a:r>
+              <a:rPr lang="en-US" altLang="ko-KR" sz="1000" dirty="0" smtClean="0">
+                <a:solidFill>
+                  <a:srgbClr val="0070C0"/>
+                </a:solidFill>
+              </a:rPr>
+              <a:t>HTTP </a:t>
+            </a:r>
+            <a:r>
+              <a:rPr lang="en-US" altLang="ko-KR" sz="1000" dirty="0" smtClean="0">
+                <a:solidFill>
+                  <a:srgbClr val="0070C0"/>
+                </a:solidFill>
+              </a:rPr>
+              <a:t>pull </a:t>
+            </a:r>
+            <a:r>
+              <a:rPr lang="ko-KR" altLang="en-US" sz="1000" dirty="0" smtClean="0">
+                <a:solidFill>
+                  <a:srgbClr val="0070C0"/>
+                </a:solidFill>
+              </a:rPr>
+              <a:t>방식으로 데이터를 수집</a:t>
+            </a:r>
+            <a:endParaRPr lang="en-US" altLang="ko-KR" sz="1000" dirty="0" smtClean="0">
+              <a:solidFill>
+                <a:srgbClr val="0070C0"/>
+              </a:solidFill>
+            </a:endParaRPr>
+          </a:p>
+          <a:p>
+            <a:endParaRPr lang="ko-KR" altLang="en-US" sz="1000" dirty="0" smtClean="0">
+              <a:solidFill>
+                <a:srgbClr val="0070C0"/>
+              </a:solidFill>
+            </a:endParaRPr>
+          </a:p>
+        </p:txBody>
+      </p:sp>
+      <p:sp>
+        <p:nvSpPr>
+          <p:cNvPr id="69" name="위쪽/아래쪽 화살표 68"/>
           <p:cNvSpPr/>
           <p:nvPr/>
         </p:nvSpPr>
         <p:spPr>
           <a:xfrm>
-            <a:off x="6372200" y="1628800"/>
-            <a:ext cx="432048" cy="288032"/>
-          </a:xfrm>
-          <a:prstGeom prst="rect">
-            <a:avLst/>
-          </a:prstGeom>
-          <a:solidFill>
-            <a:schemeClr val="bg1"/>
-          </a:solidFill>
+            <a:off x="2627784" y="4077072"/>
+            <a:ext cx="216024" cy="288032"/>
+          </a:xfrm>
+          <a:prstGeom prst="upDownArrow">
+            <a:avLst>
+              <a:gd name="adj1" fmla="val 50000"/>
+              <a:gd name="adj2" fmla="val 50000"/>
+            </a:avLst>
+          </a:prstGeom>
           <a:ln>
             <a:noFill/>
           </a:ln>
@@ -3770,10 +4524,1183 @@
           <a:lstStyle/>
           <a:p>
             <a:pPr algn="ctr"/>
-            <a:endParaRPr lang="ko-KR" altLang="en-US"/>
-          </a:p>
-        </p:txBody>
-      </p:sp>
+            <a:endParaRPr lang="ko-KR" altLang="en-US" dirty="0"/>
+          </a:p>
+        </p:txBody>
+      </p:sp>
+      <p:pic>
+        <p:nvPicPr>
+          <p:cNvPr id="76" name="그림 75" descr="1688502.png"/>
+          <p:cNvPicPr>
+            <a:picLocks noChangeAspect="1"/>
+          </p:cNvPicPr>
+          <p:nvPr/>
+        </p:nvPicPr>
+        <p:blipFill>
+          <a:blip r:embed="rId12" cstate="print"/>
+          <a:stretch>
+            <a:fillRect/>
+          </a:stretch>
+        </p:blipFill>
+        <p:spPr>
+          <a:xfrm>
+            <a:off x="251520" y="4365104"/>
+            <a:ext cx="802522" cy="802522"/>
+          </a:xfrm>
+          <a:prstGeom prst="rect">
+            <a:avLst/>
+          </a:prstGeom>
+        </p:spPr>
+      </p:pic>
+      <p:pic>
+        <p:nvPicPr>
+          <p:cNvPr id="77" name="Picture 6"/>
+          <p:cNvPicPr>
+            <a:picLocks noChangeAspect="1" noChangeArrowheads="1"/>
+          </p:cNvPicPr>
+          <p:nvPr/>
+        </p:nvPicPr>
+        <p:blipFill>
+          <a:blip r:embed="rId13" cstate="print"/>
+          <a:srcRect/>
+          <a:stretch>
+            <a:fillRect/>
+          </a:stretch>
+        </p:blipFill>
+        <p:spPr bwMode="auto">
+          <a:xfrm>
+            <a:off x="107504" y="1340768"/>
+            <a:ext cx="909363" cy="710840"/>
+          </a:xfrm>
+          <a:prstGeom prst="rect">
+            <a:avLst/>
+          </a:prstGeom>
+          <a:noFill/>
+          <a:ln w="9525">
+            <a:noFill/>
+            <a:miter lim="800000"/>
+            <a:headEnd/>
+            <a:tailEnd/>
+          </a:ln>
+        </p:spPr>
+      </p:pic>
+      <p:sp>
+        <p:nvSpPr>
+          <p:cNvPr id="78" name="TextBox 77"/>
+          <p:cNvSpPr txBox="1"/>
+          <p:nvPr/>
+        </p:nvSpPr>
+        <p:spPr>
+          <a:xfrm>
+            <a:off x="323528" y="1124744"/>
+            <a:ext cx="492443" cy="276999"/>
+          </a:xfrm>
+          <a:prstGeom prst="rect">
+            <a:avLst/>
+          </a:prstGeom>
+          <a:noFill/>
+        </p:spPr>
+        <p:txBody>
+          <a:bodyPr wrap="none" rtlCol="0">
+            <a:spAutoFit/>
+          </a:bodyPr>
+          <a:lstStyle/>
+          <a:p>
+            <a:r>
+              <a:rPr lang="ko-KR" altLang="en-US" sz="1200" dirty="0" smtClean="0"/>
+              <a:t>회원</a:t>
+            </a:r>
+            <a:endParaRPr lang="ko-KR" altLang="en-US" sz="1200" dirty="0"/>
+          </a:p>
+        </p:txBody>
+      </p:sp>
+      <p:pic>
+        <p:nvPicPr>
+          <p:cNvPr id="2058" name="Picture 10"/>
+          <p:cNvPicPr>
+            <a:picLocks noChangeAspect="1" noChangeArrowheads="1"/>
+          </p:cNvPicPr>
+          <p:nvPr/>
+        </p:nvPicPr>
+        <p:blipFill>
+          <a:blip r:embed="rId14" cstate="print"/>
+          <a:srcRect/>
+          <a:stretch>
+            <a:fillRect/>
+          </a:stretch>
+        </p:blipFill>
+        <p:spPr bwMode="auto">
+          <a:xfrm>
+            <a:off x="5924897" y="4869160"/>
+            <a:ext cx="1095375" cy="304800"/>
+          </a:xfrm>
+          <a:prstGeom prst="rect">
+            <a:avLst/>
+          </a:prstGeom>
+          <a:noFill/>
+          <a:ln w="9525">
+            <a:noFill/>
+            <a:miter lim="800000"/>
+            <a:headEnd/>
+            <a:tailEnd/>
+          </a:ln>
+        </p:spPr>
+      </p:pic>
+      <p:cxnSp>
+        <p:nvCxnSpPr>
+          <p:cNvPr id="86" name="직선 연결선 85"/>
+          <p:cNvCxnSpPr>
+            <a:stCxn id="2054" idx="2"/>
+          </p:cNvCxnSpPr>
+          <p:nvPr/>
+        </p:nvCxnSpPr>
+        <p:spPr>
+          <a:xfrm>
+            <a:off x="6660232" y="4740042"/>
+            <a:ext cx="0" cy="129118"/>
+          </a:xfrm>
+          <a:prstGeom prst="line">
+            <a:avLst/>
+          </a:prstGeom>
+          <a:ln>
+            <a:solidFill>
+              <a:srgbClr val="FF0000"/>
+            </a:solidFill>
+          </a:ln>
+        </p:spPr>
+        <p:style>
+          <a:lnRef idx="1">
+            <a:schemeClr val="accent1"/>
+          </a:lnRef>
+          <a:fillRef idx="0">
+            <a:schemeClr val="accent1"/>
+          </a:fillRef>
+          <a:effectRef idx="0">
+            <a:schemeClr val="accent1"/>
+          </a:effectRef>
+          <a:fontRef idx="minor">
+            <a:schemeClr val="tx1"/>
+          </a:fontRef>
+        </p:style>
+      </p:cxnSp>
+      <p:cxnSp>
+        <p:nvCxnSpPr>
+          <p:cNvPr id="89" name="직선 연결선 88"/>
+          <p:cNvCxnSpPr/>
+          <p:nvPr/>
+        </p:nvCxnSpPr>
+        <p:spPr>
+          <a:xfrm>
+            <a:off x="7164288" y="4725144"/>
+            <a:ext cx="0" cy="576064"/>
+          </a:xfrm>
+          <a:prstGeom prst="line">
+            <a:avLst/>
+          </a:prstGeom>
+        </p:spPr>
+        <p:style>
+          <a:lnRef idx="1">
+            <a:schemeClr val="accent1"/>
+          </a:lnRef>
+          <a:fillRef idx="0">
+            <a:schemeClr val="accent1"/>
+          </a:fillRef>
+          <a:effectRef idx="0">
+            <a:schemeClr val="accent1"/>
+          </a:effectRef>
+          <a:fontRef idx="minor">
+            <a:schemeClr val="tx1"/>
+          </a:fontRef>
+        </p:style>
+      </p:cxnSp>
+      <p:cxnSp>
+        <p:nvCxnSpPr>
+          <p:cNvPr id="94" name="꺾인 연결선 93"/>
+          <p:cNvCxnSpPr>
+            <a:stCxn id="2058" idx="1"/>
+            <a:endCxn id="2055" idx="3"/>
+          </p:cNvCxnSpPr>
+          <p:nvPr/>
+        </p:nvCxnSpPr>
+        <p:spPr>
+          <a:xfrm rot="10800000" flipV="1">
+            <a:off x="3059833" y="5021560"/>
+            <a:ext cx="2865065" cy="390566"/>
+          </a:xfrm>
+          <a:prstGeom prst="bentConnector3">
+            <a:avLst>
+              <a:gd name="adj1" fmla="val 50000"/>
+            </a:avLst>
+          </a:prstGeom>
+          <a:ln>
+            <a:solidFill>
+              <a:srgbClr val="FF0000"/>
+            </a:solidFill>
+            <a:tailEnd type="arrow"/>
+          </a:ln>
+        </p:spPr>
+        <p:style>
+          <a:lnRef idx="1">
+            <a:schemeClr val="accent1"/>
+          </a:lnRef>
+          <a:fillRef idx="0">
+            <a:schemeClr val="accent1"/>
+          </a:fillRef>
+          <a:effectRef idx="0">
+            <a:schemeClr val="accent1"/>
+          </a:effectRef>
+          <a:fontRef idx="minor">
+            <a:schemeClr val="tx1"/>
+          </a:fontRef>
+        </p:style>
+      </p:cxnSp>
+      <p:cxnSp>
+        <p:nvCxnSpPr>
+          <p:cNvPr id="95" name="꺾인 연결선 94"/>
+          <p:cNvCxnSpPr>
+            <a:stCxn id="2055" idx="1"/>
+            <a:endCxn id="76" idx="3"/>
+          </p:cNvCxnSpPr>
+          <p:nvPr/>
+        </p:nvCxnSpPr>
+        <p:spPr>
+          <a:xfrm rot="10800000">
+            <a:off x="1054042" y="4766366"/>
+            <a:ext cx="853662" cy="645761"/>
+          </a:xfrm>
+          <a:prstGeom prst="bentConnector3">
+            <a:avLst>
+              <a:gd name="adj1" fmla="val 50000"/>
+            </a:avLst>
+          </a:prstGeom>
+          <a:ln>
+            <a:solidFill>
+              <a:srgbClr val="FF0000"/>
+            </a:solidFill>
+            <a:tailEnd type="arrow"/>
+          </a:ln>
+        </p:spPr>
+        <p:style>
+          <a:lnRef idx="1">
+            <a:schemeClr val="accent1"/>
+          </a:lnRef>
+          <a:fillRef idx="0">
+            <a:schemeClr val="accent1"/>
+          </a:fillRef>
+          <a:effectRef idx="0">
+            <a:schemeClr val="accent1"/>
+          </a:effectRef>
+          <a:fontRef idx="minor">
+            <a:schemeClr val="tx1"/>
+          </a:fontRef>
+        </p:style>
+      </p:cxnSp>
+      <p:cxnSp>
+        <p:nvCxnSpPr>
+          <p:cNvPr id="98" name="꺾인 연결선 97"/>
+          <p:cNvCxnSpPr>
+            <a:stCxn id="76" idx="2"/>
+            <a:endCxn id="2056" idx="1"/>
+          </p:cNvCxnSpPr>
+          <p:nvPr/>
+        </p:nvCxnSpPr>
+        <p:spPr>
+          <a:xfrm rot="16200000" flipH="1">
+            <a:off x="883404" y="4937002"/>
+            <a:ext cx="793677" cy="1254923"/>
+          </a:xfrm>
+          <a:prstGeom prst="bentConnector2">
+            <a:avLst/>
+          </a:prstGeom>
+          <a:ln>
+            <a:solidFill>
+              <a:srgbClr val="0070C0"/>
+            </a:solidFill>
+            <a:tailEnd type="arrow"/>
+          </a:ln>
+        </p:spPr>
+        <p:style>
+          <a:lnRef idx="1">
+            <a:schemeClr val="accent1"/>
+          </a:lnRef>
+          <a:fillRef idx="0">
+            <a:schemeClr val="accent1"/>
+          </a:fillRef>
+          <a:effectRef idx="0">
+            <a:schemeClr val="accent1"/>
+          </a:effectRef>
+          <a:fontRef idx="minor">
+            <a:schemeClr val="tx1"/>
+          </a:fontRef>
+        </p:style>
+      </p:cxnSp>
+      <p:cxnSp>
+        <p:nvCxnSpPr>
+          <p:cNvPr id="106" name="Shape 105"/>
+          <p:cNvCxnSpPr>
+            <a:stCxn id="9" idx="3"/>
+            <a:endCxn id="2055" idx="3"/>
+          </p:cNvCxnSpPr>
+          <p:nvPr/>
+        </p:nvCxnSpPr>
+        <p:spPr>
+          <a:xfrm flipH="1">
+            <a:off x="3059832" y="3437275"/>
+            <a:ext cx="499120" cy="1974851"/>
+          </a:xfrm>
+          <a:prstGeom prst="bentConnector3">
+            <a:avLst>
+              <a:gd name="adj1" fmla="val -45801"/>
+            </a:avLst>
+          </a:prstGeom>
+          <a:ln>
+            <a:solidFill>
+              <a:srgbClr val="FF0000"/>
+            </a:solidFill>
+          </a:ln>
+        </p:spPr>
+        <p:style>
+          <a:lnRef idx="1">
+            <a:schemeClr val="accent1"/>
+          </a:lnRef>
+          <a:fillRef idx="0">
+            <a:schemeClr val="accent1"/>
+          </a:fillRef>
+          <a:effectRef idx="0">
+            <a:schemeClr val="accent1"/>
+          </a:effectRef>
+          <a:fontRef idx="minor">
+            <a:schemeClr val="tx1"/>
+          </a:fontRef>
+        </p:style>
+      </p:cxnSp>
+      <p:cxnSp>
+        <p:nvCxnSpPr>
+          <p:cNvPr id="112" name="Shape 105"/>
+          <p:cNvCxnSpPr>
+            <a:stCxn id="8" idx="3"/>
+            <a:endCxn id="2055" idx="3"/>
+          </p:cNvCxnSpPr>
+          <p:nvPr/>
+        </p:nvCxnSpPr>
+        <p:spPr>
+          <a:xfrm flipH="1">
+            <a:off x="3059832" y="2141131"/>
+            <a:ext cx="499120" cy="3270995"/>
+          </a:xfrm>
+          <a:prstGeom prst="bentConnector3">
+            <a:avLst>
+              <a:gd name="adj1" fmla="val -45801"/>
+            </a:avLst>
+          </a:prstGeom>
+          <a:ln>
+            <a:solidFill>
+              <a:srgbClr val="FF0000"/>
+            </a:solidFill>
+          </a:ln>
+        </p:spPr>
+        <p:style>
+          <a:lnRef idx="1">
+            <a:schemeClr val="accent1"/>
+          </a:lnRef>
+          <a:fillRef idx="0">
+            <a:schemeClr val="accent1"/>
+          </a:fillRef>
+          <a:effectRef idx="0">
+            <a:schemeClr val="accent1"/>
+          </a:effectRef>
+          <a:fontRef idx="minor">
+            <a:schemeClr val="tx1"/>
+          </a:fontRef>
+        </p:style>
+      </p:cxnSp>
+      <p:cxnSp>
+        <p:nvCxnSpPr>
+          <p:cNvPr id="115" name="Shape 105"/>
+          <p:cNvCxnSpPr>
+            <a:stCxn id="7" idx="3"/>
+            <a:endCxn id="2055" idx="3"/>
+          </p:cNvCxnSpPr>
+          <p:nvPr/>
+        </p:nvCxnSpPr>
+        <p:spPr>
+          <a:xfrm flipH="1">
+            <a:off x="3059832" y="798240"/>
+            <a:ext cx="499120" cy="4613886"/>
+          </a:xfrm>
+          <a:prstGeom prst="bentConnector3">
+            <a:avLst>
+              <a:gd name="adj1" fmla="val -45801"/>
+            </a:avLst>
+          </a:prstGeom>
+          <a:ln>
+            <a:solidFill>
+              <a:srgbClr val="FF0000"/>
+            </a:solidFill>
+          </a:ln>
+        </p:spPr>
+        <p:style>
+          <a:lnRef idx="1">
+            <a:schemeClr val="accent1"/>
+          </a:lnRef>
+          <a:fillRef idx="0">
+            <a:schemeClr val="accent1"/>
+          </a:fillRef>
+          <a:effectRef idx="0">
+            <a:schemeClr val="accent1"/>
+          </a:effectRef>
+          <a:fontRef idx="minor">
+            <a:schemeClr val="tx1"/>
+          </a:fontRef>
+        </p:style>
+      </p:cxnSp>
+      <p:sp>
+        <p:nvSpPr>
+          <p:cNvPr id="118" name="TextBox 117"/>
+          <p:cNvSpPr txBox="1"/>
+          <p:nvPr/>
+        </p:nvSpPr>
+        <p:spPr>
+          <a:xfrm>
+            <a:off x="253261" y="4077072"/>
+            <a:ext cx="646331" cy="276999"/>
+          </a:xfrm>
+          <a:prstGeom prst="rect">
+            <a:avLst/>
+          </a:prstGeom>
+          <a:noFill/>
+        </p:spPr>
+        <p:txBody>
+          <a:bodyPr wrap="none" rtlCol="0">
+            <a:spAutoFit/>
+          </a:bodyPr>
+          <a:lstStyle/>
+          <a:p>
+            <a:r>
+              <a:rPr lang="ko-KR" altLang="en-US" sz="1200" dirty="0" smtClean="0"/>
+              <a:t>개발자</a:t>
+            </a:r>
+            <a:endParaRPr lang="ko-KR" altLang="en-US" sz="1200" dirty="0"/>
+          </a:p>
+        </p:txBody>
+      </p:sp>
+      <p:cxnSp>
+        <p:nvCxnSpPr>
+          <p:cNvPr id="121" name="꺾인 연결선 97"/>
+          <p:cNvCxnSpPr>
+            <a:stCxn id="76" idx="2"/>
+            <a:endCxn id="2057" idx="2"/>
+          </p:cNvCxnSpPr>
+          <p:nvPr/>
+        </p:nvCxnSpPr>
+        <p:spPr>
+          <a:xfrm rot="16200000" flipH="1">
+            <a:off x="3402832" y="2417574"/>
+            <a:ext cx="471344" cy="5971447"/>
+          </a:xfrm>
+          <a:prstGeom prst="bentConnector3">
+            <a:avLst>
+              <a:gd name="adj1" fmla="val 235711"/>
+            </a:avLst>
+          </a:prstGeom>
+          <a:ln>
+            <a:solidFill>
+              <a:srgbClr val="0070C0"/>
+            </a:solidFill>
+            <a:tailEnd type="arrow"/>
+          </a:ln>
+        </p:spPr>
+        <p:style>
+          <a:lnRef idx="1">
+            <a:schemeClr val="accent1"/>
+          </a:lnRef>
+          <a:fillRef idx="0">
+            <a:schemeClr val="accent1"/>
+          </a:fillRef>
+          <a:effectRef idx="0">
+            <a:schemeClr val="accent1"/>
+          </a:effectRef>
+          <a:fontRef idx="minor">
+            <a:schemeClr val="tx1"/>
+          </a:fontRef>
+        </p:style>
+      </p:cxnSp>
+      <p:cxnSp>
+        <p:nvCxnSpPr>
+          <p:cNvPr id="136" name="꺾인 연결선 135"/>
+          <p:cNvCxnSpPr>
+            <a:stCxn id="9" idx="3"/>
+            <a:endCxn id="2056" idx="3"/>
+          </p:cNvCxnSpPr>
+          <p:nvPr/>
+        </p:nvCxnSpPr>
+        <p:spPr>
+          <a:xfrm flipH="1">
+            <a:off x="3131840" y="3437275"/>
+            <a:ext cx="427112" cy="2524028"/>
+          </a:xfrm>
+          <a:prstGeom prst="bentConnector3">
+            <a:avLst>
+              <a:gd name="adj1" fmla="val -53522"/>
+            </a:avLst>
+          </a:prstGeom>
+          <a:ln>
+            <a:solidFill>
+              <a:srgbClr val="FF0000"/>
+            </a:solidFill>
+            <a:tailEnd type="arrow"/>
+          </a:ln>
+        </p:spPr>
+        <p:style>
+          <a:lnRef idx="1">
+            <a:schemeClr val="accent1"/>
+          </a:lnRef>
+          <a:fillRef idx="0">
+            <a:schemeClr val="accent1"/>
+          </a:fillRef>
+          <a:effectRef idx="0">
+            <a:schemeClr val="accent1"/>
+          </a:effectRef>
+          <a:fontRef idx="minor">
+            <a:schemeClr val="tx1"/>
+          </a:fontRef>
+        </p:style>
+      </p:cxnSp>
+      <p:pic>
+        <p:nvPicPr>
+          <p:cNvPr id="149" name="그림 148" descr="Centos-logo.png"/>
+          <p:cNvPicPr>
+            <a:picLocks noChangeAspect="1"/>
+          </p:cNvPicPr>
+          <p:nvPr/>
+        </p:nvPicPr>
+        <p:blipFill>
+          <a:blip r:embed="rId15" cstate="print"/>
+          <a:stretch>
+            <a:fillRect/>
+          </a:stretch>
+        </p:blipFill>
+        <p:spPr>
+          <a:xfrm>
+            <a:off x="7956376" y="3305558"/>
+            <a:ext cx="792088" cy="339466"/>
+          </a:xfrm>
+          <a:prstGeom prst="rect">
+            <a:avLst/>
+          </a:prstGeom>
+        </p:spPr>
+      </p:pic>
+      <p:pic>
+        <p:nvPicPr>
+          <p:cNvPr id="150" name="그림 149" descr="Centos-logo.png"/>
+          <p:cNvPicPr>
+            <a:picLocks noChangeAspect="1"/>
+          </p:cNvPicPr>
+          <p:nvPr/>
+        </p:nvPicPr>
+        <p:blipFill>
+          <a:blip r:embed="rId15" cstate="print"/>
+          <a:stretch>
+            <a:fillRect/>
+          </a:stretch>
+        </p:blipFill>
+        <p:spPr>
+          <a:xfrm>
+            <a:off x="7956376" y="5609814"/>
+            <a:ext cx="792088" cy="339466"/>
+          </a:xfrm>
+          <a:prstGeom prst="rect">
+            <a:avLst/>
+          </a:prstGeom>
+        </p:spPr>
+      </p:pic>
+      <p:pic>
+        <p:nvPicPr>
+          <p:cNvPr id="2059" name="Picture 11"/>
+          <p:cNvPicPr>
+            <a:picLocks noChangeAspect="1" noChangeArrowheads="1"/>
+          </p:cNvPicPr>
+          <p:nvPr/>
+        </p:nvPicPr>
+        <p:blipFill>
+          <a:blip r:embed="rId16" cstate="print"/>
+          <a:srcRect/>
+          <a:stretch>
+            <a:fillRect/>
+          </a:stretch>
+        </p:blipFill>
+        <p:spPr bwMode="auto">
+          <a:xfrm>
+            <a:off x="2499010" y="188640"/>
+            <a:ext cx="920862" cy="197743"/>
+          </a:xfrm>
+          <a:prstGeom prst="rect">
+            <a:avLst/>
+          </a:prstGeom>
+          <a:noFill/>
+          <a:ln w="9525">
+            <a:noFill/>
+            <a:miter lim="800000"/>
+            <a:headEnd/>
+            <a:tailEnd/>
+          </a:ln>
+        </p:spPr>
+      </p:pic>
+      <p:pic>
+        <p:nvPicPr>
+          <p:cNvPr id="155" name="Picture 11"/>
+          <p:cNvPicPr>
+            <a:picLocks noChangeAspect="1" noChangeArrowheads="1"/>
+          </p:cNvPicPr>
+          <p:nvPr/>
+        </p:nvPicPr>
+        <p:blipFill>
+          <a:blip r:embed="rId16" cstate="print"/>
+          <a:srcRect/>
+          <a:stretch>
+            <a:fillRect/>
+          </a:stretch>
+        </p:blipFill>
+        <p:spPr bwMode="auto">
+          <a:xfrm>
+            <a:off x="2499010" y="1526595"/>
+            <a:ext cx="920862" cy="197743"/>
+          </a:xfrm>
+          <a:prstGeom prst="rect">
+            <a:avLst/>
+          </a:prstGeom>
+          <a:noFill/>
+          <a:ln w="9525">
+            <a:noFill/>
+            <a:miter lim="800000"/>
+            <a:headEnd/>
+            <a:tailEnd/>
+          </a:ln>
+        </p:spPr>
+      </p:pic>
+      <p:pic>
+        <p:nvPicPr>
+          <p:cNvPr id="156" name="Picture 11"/>
+          <p:cNvPicPr>
+            <a:picLocks noChangeAspect="1" noChangeArrowheads="1"/>
+          </p:cNvPicPr>
+          <p:nvPr/>
+        </p:nvPicPr>
+        <p:blipFill>
+          <a:blip r:embed="rId16" cstate="print"/>
+          <a:srcRect/>
+          <a:stretch>
+            <a:fillRect/>
+          </a:stretch>
+        </p:blipFill>
+        <p:spPr bwMode="auto">
+          <a:xfrm>
+            <a:off x="2499010" y="2871217"/>
+            <a:ext cx="920862" cy="197743"/>
+          </a:xfrm>
+          <a:prstGeom prst="rect">
+            <a:avLst/>
+          </a:prstGeom>
+          <a:noFill/>
+          <a:ln w="9525">
+            <a:noFill/>
+            <a:miter lim="800000"/>
+            <a:headEnd/>
+            <a:tailEnd/>
+          </a:ln>
+        </p:spPr>
+      </p:pic>
+      <p:sp>
+        <p:nvSpPr>
+          <p:cNvPr id="173" name="TextBox 172"/>
+          <p:cNvSpPr txBox="1"/>
+          <p:nvPr/>
+        </p:nvSpPr>
+        <p:spPr>
+          <a:xfrm>
+            <a:off x="971600" y="5373216"/>
+            <a:ext cx="1080120" cy="246221"/>
+          </a:xfrm>
+          <a:prstGeom prst="rect">
+            <a:avLst/>
+          </a:prstGeom>
+          <a:noFill/>
+        </p:spPr>
+        <p:txBody>
+          <a:bodyPr wrap="square" rtlCol="0">
+            <a:spAutoFit/>
+          </a:bodyPr>
+          <a:lstStyle/>
+          <a:p>
+            <a:r>
+              <a:rPr lang="ko-KR" altLang="en-US" sz="1000" dirty="0" smtClean="0">
+                <a:solidFill>
+                  <a:srgbClr val="FF0000"/>
+                </a:solidFill>
+              </a:rPr>
+              <a:t>오류 발생 알람</a:t>
+            </a:r>
+            <a:endParaRPr lang="ko-KR" altLang="en-US" sz="1000" dirty="0" smtClean="0">
+              <a:solidFill>
+                <a:srgbClr val="FF0000"/>
+              </a:solidFill>
+            </a:endParaRPr>
+          </a:p>
+        </p:txBody>
+      </p:sp>
+      <p:sp>
+        <p:nvSpPr>
+          <p:cNvPr id="174" name="TextBox 173"/>
+          <p:cNvSpPr txBox="1"/>
+          <p:nvPr/>
+        </p:nvSpPr>
+        <p:spPr>
+          <a:xfrm>
+            <a:off x="611560" y="6063099"/>
+            <a:ext cx="1368152" cy="246221"/>
+          </a:xfrm>
+          <a:prstGeom prst="rect">
+            <a:avLst/>
+          </a:prstGeom>
+          <a:noFill/>
+        </p:spPr>
+        <p:txBody>
+          <a:bodyPr wrap="square" rtlCol="0">
+            <a:spAutoFit/>
+          </a:bodyPr>
+          <a:lstStyle/>
+          <a:p>
+            <a:r>
+              <a:rPr lang="ko-KR" altLang="en-US" sz="1000" dirty="0" smtClean="0">
+                <a:solidFill>
+                  <a:srgbClr val="0070C0"/>
+                </a:solidFill>
+              </a:rPr>
+              <a:t>로그 및 데이터 확인</a:t>
+            </a:r>
+            <a:endParaRPr lang="ko-KR" altLang="en-US" sz="1000" dirty="0" smtClean="0">
+              <a:solidFill>
+                <a:srgbClr val="0070C0"/>
+              </a:solidFill>
+            </a:endParaRPr>
+          </a:p>
+        </p:txBody>
+      </p:sp>
+      <p:sp>
+        <p:nvSpPr>
+          <p:cNvPr id="175" name="모서리가 둥근 직사각형 174"/>
+          <p:cNvSpPr/>
+          <p:nvPr/>
+        </p:nvSpPr>
+        <p:spPr>
+          <a:xfrm>
+            <a:off x="1907704" y="188640"/>
+            <a:ext cx="1656184" cy="3888432"/>
+          </a:xfrm>
+          <a:prstGeom prst="roundRect">
+            <a:avLst/>
+          </a:prstGeom>
+          <a:noFill/>
+          <a:ln w="12700">
+            <a:solidFill>
+              <a:schemeClr val="tx1"/>
+            </a:solidFill>
+            <a:prstDash val="sysDot"/>
+          </a:ln>
+        </p:spPr>
+        <p:style>
+          <a:lnRef idx="2">
+            <a:schemeClr val="accent1">
+              <a:shade val="50000"/>
+            </a:schemeClr>
+          </a:lnRef>
+          <a:fillRef idx="1">
+            <a:schemeClr val="accent1"/>
+          </a:fillRef>
+          <a:effectRef idx="0">
+            <a:schemeClr val="accent1"/>
+          </a:effectRef>
+          <a:fontRef idx="minor">
+            <a:schemeClr val="lt1"/>
+          </a:fontRef>
+        </p:style>
+        <p:txBody>
+          <a:bodyPr rtlCol="0" anchor="ctr"/>
+          <a:lstStyle/>
+          <a:p>
+            <a:pPr algn="ctr"/>
+            <a:endParaRPr lang="ko-KR" altLang="en-US" dirty="0"/>
+          </a:p>
+        </p:txBody>
+      </p:sp>
+      <p:sp>
+        <p:nvSpPr>
+          <p:cNvPr id="176" name="모서리가 둥근 직사각형 175"/>
+          <p:cNvSpPr/>
+          <p:nvPr/>
+        </p:nvSpPr>
+        <p:spPr>
+          <a:xfrm>
+            <a:off x="1907704" y="4365104"/>
+            <a:ext cx="1584176" cy="720080"/>
+          </a:xfrm>
+          <a:prstGeom prst="roundRect">
+            <a:avLst/>
+          </a:prstGeom>
+          <a:noFill/>
+          <a:ln w="12700">
+            <a:solidFill>
+              <a:schemeClr val="tx1"/>
+            </a:solidFill>
+            <a:prstDash val="sysDot"/>
+          </a:ln>
+        </p:spPr>
+        <p:style>
+          <a:lnRef idx="2">
+            <a:schemeClr val="accent1">
+              <a:shade val="50000"/>
+            </a:schemeClr>
+          </a:lnRef>
+          <a:fillRef idx="1">
+            <a:schemeClr val="accent1"/>
+          </a:fillRef>
+          <a:effectRef idx="0">
+            <a:schemeClr val="accent1"/>
+          </a:effectRef>
+          <a:fontRef idx="minor">
+            <a:schemeClr val="lt1"/>
+          </a:fontRef>
+        </p:style>
+        <p:txBody>
+          <a:bodyPr rtlCol="0" anchor="ctr"/>
+          <a:lstStyle/>
+          <a:p>
+            <a:pPr algn="ctr"/>
+            <a:endParaRPr lang="ko-KR" altLang="en-US" dirty="0"/>
+          </a:p>
+        </p:txBody>
+      </p:sp>
+      <p:pic>
+        <p:nvPicPr>
+          <p:cNvPr id="177" name="그림 176" descr="pngegg.png"/>
+          <p:cNvPicPr>
+            <a:picLocks noChangeAspect="1"/>
+          </p:cNvPicPr>
+          <p:nvPr/>
+        </p:nvPicPr>
+        <p:blipFill>
+          <a:blip r:embed="rId17" cstate="print"/>
+          <a:stretch>
+            <a:fillRect/>
+          </a:stretch>
+        </p:blipFill>
+        <p:spPr>
+          <a:xfrm>
+            <a:off x="1043608" y="1484784"/>
+            <a:ext cx="648072" cy="648072"/>
+          </a:xfrm>
+          <a:prstGeom prst="rect">
+            <a:avLst/>
+          </a:prstGeom>
+        </p:spPr>
+      </p:pic>
+      <p:cxnSp>
+        <p:nvCxnSpPr>
+          <p:cNvPr id="179" name="직선 연결선 178"/>
+          <p:cNvCxnSpPr>
+            <a:endCxn id="177" idx="1"/>
+          </p:cNvCxnSpPr>
+          <p:nvPr/>
+        </p:nvCxnSpPr>
+        <p:spPr>
+          <a:xfrm>
+            <a:off x="755576" y="1772816"/>
+            <a:ext cx="288032" cy="36004"/>
+          </a:xfrm>
+          <a:prstGeom prst="line">
+            <a:avLst/>
+          </a:prstGeom>
+        </p:spPr>
+        <p:style>
+          <a:lnRef idx="1">
+            <a:schemeClr val="accent1"/>
+          </a:lnRef>
+          <a:fillRef idx="0">
+            <a:schemeClr val="accent1"/>
+          </a:fillRef>
+          <a:effectRef idx="0">
+            <a:schemeClr val="accent1"/>
+          </a:effectRef>
+          <a:fontRef idx="minor">
+            <a:schemeClr val="tx1"/>
+          </a:fontRef>
+        </p:style>
+      </p:cxnSp>
+      <p:cxnSp>
+        <p:nvCxnSpPr>
+          <p:cNvPr id="187" name="직선 연결선 186"/>
+          <p:cNvCxnSpPr>
+            <a:stCxn id="177" idx="3"/>
+          </p:cNvCxnSpPr>
+          <p:nvPr/>
+        </p:nvCxnSpPr>
+        <p:spPr>
+          <a:xfrm flipV="1">
+            <a:off x="1691680" y="1772816"/>
+            <a:ext cx="216024" cy="36004"/>
+          </a:xfrm>
+          <a:prstGeom prst="line">
+            <a:avLst/>
+          </a:prstGeom>
+        </p:spPr>
+        <p:style>
+          <a:lnRef idx="1">
+            <a:schemeClr val="accent1"/>
+          </a:lnRef>
+          <a:fillRef idx="0">
+            <a:schemeClr val="accent1"/>
+          </a:fillRef>
+          <a:effectRef idx="0">
+            <a:schemeClr val="accent1"/>
+          </a:effectRef>
+          <a:fontRef idx="minor">
+            <a:schemeClr val="tx1"/>
+          </a:fontRef>
+        </p:style>
+      </p:cxnSp>
+      <p:sp>
+        <p:nvSpPr>
+          <p:cNvPr id="188" name="모서리가 둥근 직사각형 187"/>
+          <p:cNvSpPr/>
+          <p:nvPr/>
+        </p:nvSpPr>
+        <p:spPr>
+          <a:xfrm>
+            <a:off x="5364088" y="692696"/>
+            <a:ext cx="3384376" cy="2952328"/>
+          </a:xfrm>
+          <a:prstGeom prst="roundRect">
+            <a:avLst/>
+          </a:prstGeom>
+          <a:noFill/>
+          <a:ln w="12700">
+            <a:solidFill>
+              <a:schemeClr val="tx1"/>
+            </a:solidFill>
+            <a:prstDash val="sysDot"/>
+          </a:ln>
+        </p:spPr>
+        <p:style>
+          <a:lnRef idx="2">
+            <a:schemeClr val="accent1">
+              <a:shade val="50000"/>
+            </a:schemeClr>
+          </a:lnRef>
+          <a:fillRef idx="1">
+            <a:schemeClr val="accent1"/>
+          </a:fillRef>
+          <a:effectRef idx="0">
+            <a:schemeClr val="accent1"/>
+          </a:effectRef>
+          <a:fontRef idx="minor">
+            <a:schemeClr val="lt1"/>
+          </a:fontRef>
+        </p:style>
+        <p:txBody>
+          <a:bodyPr rtlCol="0" anchor="ctr"/>
+          <a:lstStyle/>
+          <a:p>
+            <a:pPr algn="ctr"/>
+            <a:endParaRPr lang="ko-KR" altLang="en-US" dirty="0"/>
+          </a:p>
+        </p:txBody>
+      </p:sp>
+      <p:sp>
+        <p:nvSpPr>
+          <p:cNvPr id="189" name="모서리가 둥근 직사각형 188"/>
+          <p:cNvSpPr/>
+          <p:nvPr/>
+        </p:nvSpPr>
+        <p:spPr>
+          <a:xfrm>
+            <a:off x="5364088" y="4221088"/>
+            <a:ext cx="3384376" cy="1728192"/>
+          </a:xfrm>
+          <a:prstGeom prst="roundRect">
+            <a:avLst/>
+          </a:prstGeom>
+          <a:noFill/>
+          <a:ln w="12700">
+            <a:solidFill>
+              <a:schemeClr val="tx1"/>
+            </a:solidFill>
+            <a:prstDash val="sysDot"/>
+          </a:ln>
+        </p:spPr>
+        <p:style>
+          <a:lnRef idx="2">
+            <a:schemeClr val="accent1">
+              <a:shade val="50000"/>
+            </a:schemeClr>
+          </a:lnRef>
+          <a:fillRef idx="1">
+            <a:schemeClr val="accent1"/>
+          </a:fillRef>
+          <a:effectRef idx="0">
+            <a:schemeClr val="accent1"/>
+          </a:effectRef>
+          <a:fontRef idx="minor">
+            <a:schemeClr val="lt1"/>
+          </a:fontRef>
+        </p:style>
+        <p:txBody>
+          <a:bodyPr rtlCol="0" anchor="ctr"/>
+          <a:lstStyle/>
+          <a:p>
+            <a:pPr algn="ctr"/>
+            <a:endParaRPr lang="ko-KR" altLang="en-US" dirty="0"/>
+          </a:p>
+        </p:txBody>
+      </p:sp>
+      <p:cxnSp>
+        <p:nvCxnSpPr>
+          <p:cNvPr id="194" name="직선 화살표 연결선 193"/>
+          <p:cNvCxnSpPr/>
+          <p:nvPr/>
+        </p:nvCxnSpPr>
+        <p:spPr>
+          <a:xfrm flipH="1" flipV="1">
+            <a:off x="3563888" y="908720"/>
+            <a:ext cx="1584176" cy="1440160"/>
+          </a:xfrm>
+          <a:prstGeom prst="straightConnector1">
+            <a:avLst/>
+          </a:prstGeom>
+          <a:ln>
+            <a:solidFill>
+              <a:schemeClr val="accent3">
+                <a:lumMod val="50000"/>
+              </a:schemeClr>
+            </a:solidFill>
+            <a:tailEnd type="arrow"/>
+          </a:ln>
+        </p:spPr>
+        <p:style>
+          <a:lnRef idx="1">
+            <a:schemeClr val="accent1"/>
+          </a:lnRef>
+          <a:fillRef idx="0">
+            <a:schemeClr val="accent1"/>
+          </a:fillRef>
+          <a:effectRef idx="0">
+            <a:schemeClr val="accent1"/>
+          </a:effectRef>
+          <a:fontRef idx="minor">
+            <a:schemeClr val="tx1"/>
+          </a:fontRef>
+        </p:style>
+      </p:cxnSp>
+      <p:cxnSp>
+        <p:nvCxnSpPr>
+          <p:cNvPr id="196" name="직선 화살표 연결선 195"/>
+          <p:cNvCxnSpPr/>
+          <p:nvPr/>
+        </p:nvCxnSpPr>
+        <p:spPr>
+          <a:xfrm flipH="1">
+            <a:off x="3563888" y="2348880"/>
+            <a:ext cx="1584176" cy="1008112"/>
+          </a:xfrm>
+          <a:prstGeom prst="straightConnector1">
+            <a:avLst/>
+          </a:prstGeom>
+          <a:ln>
+            <a:solidFill>
+              <a:schemeClr val="accent3">
+                <a:lumMod val="50000"/>
+              </a:schemeClr>
+            </a:solidFill>
+            <a:tailEnd type="arrow"/>
+          </a:ln>
+        </p:spPr>
+        <p:style>
+          <a:lnRef idx="1">
+            <a:schemeClr val="accent1"/>
+          </a:lnRef>
+          <a:fillRef idx="0">
+            <a:schemeClr val="accent1"/>
+          </a:fillRef>
+          <a:effectRef idx="0">
+            <a:schemeClr val="accent1"/>
+          </a:effectRef>
+          <a:fontRef idx="minor">
+            <a:schemeClr val="tx1"/>
+          </a:fontRef>
+        </p:style>
+      </p:cxnSp>
+      <p:pic>
+        <p:nvPicPr>
+          <p:cNvPr id="203" name="그림 202" descr="pngegg.png"/>
+          <p:cNvPicPr>
+            <a:picLocks noChangeAspect="1"/>
+          </p:cNvPicPr>
+          <p:nvPr/>
+        </p:nvPicPr>
+        <p:blipFill>
+          <a:blip r:embed="rId17" cstate="print"/>
+          <a:stretch>
+            <a:fillRect/>
+          </a:stretch>
+        </p:blipFill>
+        <p:spPr>
+          <a:xfrm>
+            <a:off x="35496" y="5445224"/>
+            <a:ext cx="648072" cy="648072"/>
+          </a:xfrm>
+          <a:prstGeom prst="rect">
+            <a:avLst/>
+          </a:prstGeom>
+        </p:spPr>
+      </p:pic>
+      <p:cxnSp>
+        <p:nvCxnSpPr>
+          <p:cNvPr id="210" name="Shape 34"/>
+          <p:cNvCxnSpPr>
+            <a:stCxn id="2054" idx="1"/>
+            <a:endCxn id="188" idx="2"/>
+          </p:cNvCxnSpPr>
+          <p:nvPr/>
+        </p:nvCxnSpPr>
+        <p:spPr>
+          <a:xfrm rot="10800000" flipH="1">
+            <a:off x="5940152" y="3645025"/>
+            <a:ext cx="1116124" cy="871545"/>
+          </a:xfrm>
+          <a:prstGeom prst="bentConnector4">
+            <a:avLst>
+              <a:gd name="adj1" fmla="val -20482"/>
+              <a:gd name="adj2" fmla="val 62821"/>
+            </a:avLst>
+          </a:prstGeom>
+          <a:ln>
+            <a:tailEnd type="arrow"/>
+          </a:ln>
+        </p:spPr>
+        <p:style>
+          <a:lnRef idx="1">
+            <a:schemeClr val="accent1"/>
+          </a:lnRef>
+          <a:fillRef idx="0">
+            <a:schemeClr val="accent1"/>
+          </a:fillRef>
+          <a:effectRef idx="0">
+            <a:schemeClr val="accent1"/>
+          </a:effectRef>
+          <a:fontRef idx="minor">
+            <a:schemeClr val="tx1"/>
+          </a:fontRef>
+        </p:style>
+      </p:cxnSp>
     </p:spTree>
   </p:cSld>
   <p:clrMapOvr>
@@ -3799,107 +5726,9 @@
           <a:chExt cx="0" cy="0"/>
         </a:xfrm>
       </p:grpSpPr>
-      <p:sp>
-        <p:nvSpPr>
-          <p:cNvPr id="61" name="직사각형 60"/>
-          <p:cNvSpPr/>
-          <p:nvPr/>
-        </p:nvSpPr>
-        <p:spPr>
-          <a:xfrm>
-            <a:off x="5292080" y="4149080"/>
-            <a:ext cx="3456384" cy="1800200"/>
-          </a:xfrm>
-          <a:prstGeom prst="rect">
-            <a:avLst/>
-          </a:prstGeom>
-          <a:solidFill>
-            <a:schemeClr val="accent1">
-              <a:lumMod val="20000"/>
-              <a:lumOff val="80000"/>
-            </a:schemeClr>
-          </a:solidFill>
-          <a:ln>
-            <a:noFill/>
-          </a:ln>
-        </p:spPr>
-        <p:style>
-          <a:lnRef idx="2">
-            <a:schemeClr val="accent1">
-              <a:shade val="50000"/>
-            </a:schemeClr>
-          </a:lnRef>
-          <a:fillRef idx="1">
-            <a:schemeClr val="accent1"/>
-          </a:fillRef>
-          <a:effectRef idx="0">
-            <a:schemeClr val="accent1"/>
-          </a:effectRef>
-          <a:fontRef idx="minor">
-            <a:schemeClr val="lt1"/>
-          </a:fontRef>
-        </p:style>
-        <p:txBody>
-          <a:bodyPr rtlCol="0" anchor="ctr"/>
-          <a:lstStyle/>
-          <a:p>
-            <a:pPr algn="ctr"/>
-            <a:endParaRPr lang="ko-KR" altLang="en-US"/>
-          </a:p>
-        </p:txBody>
-      </p:sp>
-      <p:sp>
-        <p:nvSpPr>
-          <p:cNvPr id="24" name="직사각형 23"/>
-          <p:cNvSpPr/>
-          <p:nvPr/>
-        </p:nvSpPr>
-        <p:spPr>
-          <a:xfrm>
-            <a:off x="5292080" y="764704"/>
-            <a:ext cx="3456384" cy="2880320"/>
-          </a:xfrm>
-          <a:prstGeom prst="rect">
-            <a:avLst/>
-          </a:prstGeom>
-          <a:solidFill>
-            <a:schemeClr val="accent1">
-              <a:lumMod val="20000"/>
-              <a:lumOff val="80000"/>
-            </a:schemeClr>
-          </a:solidFill>
-          <a:ln>
-            <a:noFill/>
-          </a:ln>
-        </p:spPr>
-        <p:style>
-          <a:lnRef idx="2">
-            <a:schemeClr val="accent1">
-              <a:shade val="50000"/>
-            </a:schemeClr>
-          </a:lnRef>
-          <a:fillRef idx="1">
-            <a:schemeClr val="accent1"/>
-          </a:fillRef>
-          <a:effectRef idx="0">
-            <a:schemeClr val="accent1"/>
-          </a:effectRef>
-          <a:fontRef idx="minor">
-            <a:schemeClr val="lt1"/>
-          </a:fontRef>
-        </p:style>
-        <p:txBody>
-          <a:bodyPr rtlCol="0" anchor="ctr"/>
-          <a:lstStyle/>
-          <a:p>
-            <a:pPr algn="ctr"/>
-            <a:endParaRPr lang="ko-KR" altLang="en-US"/>
-          </a:p>
-        </p:txBody>
-      </p:sp>
       <p:pic>
         <p:nvPicPr>
-          <p:cNvPr id="2050" name="Picture 2"/>
+          <p:cNvPr id="4098" name="Picture 2"/>
           <p:cNvPicPr>
             <a:picLocks noChangeAspect="1" noChangeArrowheads="1"/>
           </p:cNvPicPr>
@@ -3914,8 +5743,8 @@
         </p:blipFill>
         <p:spPr bwMode="auto">
           <a:xfrm>
-            <a:off x="5508104" y="908720"/>
-            <a:ext cx="3149352" cy="2420646"/>
+            <a:off x="4932040" y="548680"/>
+            <a:ext cx="1133475" cy="523875"/>
           </a:xfrm>
           <a:prstGeom prst="rect">
             <a:avLst/>
@@ -3931,7 +5760,7 @@
       </p:pic>
       <p:pic>
         <p:nvPicPr>
-          <p:cNvPr id="5" name="Picture 2"/>
+          <p:cNvPr id="6" name="Picture 3" descr="C:\Users\webme\OneDrive\바탕 화면\lahan_logo.png"/>
           <p:cNvPicPr>
             <a:picLocks noChangeAspect="1" noChangeArrowheads="1"/>
           </p:cNvPicPr>
@@ -3946,8 +5775,1209 @@
         </p:blipFill>
         <p:spPr bwMode="auto">
           <a:xfrm>
-            <a:off x="1979712" y="4437112"/>
-            <a:ext cx="505319" cy="576064"/>
+            <a:off x="971600" y="476672"/>
+            <a:ext cx="940792" cy="436796"/>
+          </a:xfrm>
+          <a:prstGeom prst="rect">
+            <a:avLst/>
+          </a:prstGeom>
+          <a:noFill/>
+        </p:spPr>
+      </p:pic>
+      <p:sp>
+        <p:nvSpPr>
+          <p:cNvPr id="7" name="직사각형 6"/>
+          <p:cNvSpPr/>
+          <p:nvPr/>
+        </p:nvSpPr>
+        <p:spPr>
+          <a:xfrm>
+            <a:off x="899592" y="1340768"/>
+            <a:ext cx="1080120" cy="504056"/>
+          </a:xfrm>
+          <a:prstGeom prst="rect">
+            <a:avLst/>
+          </a:prstGeom>
+          <a:noFill/>
+          <a:ln w="12700">
+            <a:solidFill>
+              <a:schemeClr val="tx1">
+                <a:lumMod val="75000"/>
+                <a:lumOff val="25000"/>
+              </a:schemeClr>
+            </a:solidFill>
+          </a:ln>
+        </p:spPr>
+        <p:style>
+          <a:lnRef idx="2">
+            <a:schemeClr val="accent1">
+              <a:shade val="50000"/>
+            </a:schemeClr>
+          </a:lnRef>
+          <a:fillRef idx="1">
+            <a:schemeClr val="accent1"/>
+          </a:fillRef>
+          <a:effectRef idx="0">
+            <a:schemeClr val="accent1"/>
+          </a:effectRef>
+          <a:fontRef idx="minor">
+            <a:schemeClr val="lt1"/>
+          </a:fontRef>
+        </p:style>
+        <p:txBody>
+          <a:bodyPr rtlCol="0" anchor="ctr"/>
+          <a:lstStyle/>
+          <a:p>
+            <a:pPr algn="ctr"/>
+            <a:r>
+              <a:rPr lang="ko-KR" altLang="en-US" sz="1000" dirty="0" smtClean="0">
+                <a:solidFill>
+                  <a:srgbClr val="0070C0"/>
+                </a:solidFill>
+              </a:rPr>
+              <a:t>회원 등</a:t>
+            </a:r>
+            <a:r>
+              <a:rPr lang="ko-KR" altLang="en-US" sz="1000" dirty="0" smtClean="0">
+                <a:solidFill>
+                  <a:srgbClr val="0070C0"/>
+                </a:solidFill>
+              </a:rPr>
+              <a:t>록</a:t>
+            </a:r>
+            <a:endParaRPr lang="ko-KR" altLang="en-US" sz="1000" dirty="0">
+              <a:solidFill>
+                <a:srgbClr val="0070C0"/>
+              </a:solidFill>
+            </a:endParaRPr>
+          </a:p>
+        </p:txBody>
+      </p:sp>
+      <p:sp>
+        <p:nvSpPr>
+          <p:cNvPr id="8" name="TextBox 7"/>
+          <p:cNvSpPr txBox="1"/>
+          <p:nvPr/>
+        </p:nvSpPr>
+        <p:spPr>
+          <a:xfrm>
+            <a:off x="827584" y="908720"/>
+            <a:ext cx="1316386" cy="276999"/>
+          </a:xfrm>
+          <a:prstGeom prst="rect">
+            <a:avLst/>
+          </a:prstGeom>
+          <a:noFill/>
+        </p:spPr>
+        <p:txBody>
+          <a:bodyPr wrap="none" rtlCol="0">
+            <a:spAutoFit/>
+          </a:bodyPr>
+          <a:lstStyle/>
+          <a:p>
+            <a:r>
+              <a:rPr lang="ko-KR" altLang="en-US" sz="1200" dirty="0" smtClean="0"/>
+              <a:t>멤버십 백오피스</a:t>
+            </a:r>
+            <a:endParaRPr lang="ko-KR" altLang="en-US" sz="1200" dirty="0"/>
+          </a:p>
+        </p:txBody>
+      </p:sp>
+      <p:sp>
+        <p:nvSpPr>
+          <p:cNvPr id="11" name="직사각형 10"/>
+          <p:cNvSpPr/>
+          <p:nvPr/>
+        </p:nvSpPr>
+        <p:spPr>
+          <a:xfrm>
+            <a:off x="899592" y="5013176"/>
+            <a:ext cx="1080120" cy="504056"/>
+          </a:xfrm>
+          <a:prstGeom prst="rect">
+            <a:avLst/>
+          </a:prstGeom>
+          <a:noFill/>
+          <a:ln w="12700">
+            <a:solidFill>
+              <a:schemeClr val="tx1">
+                <a:lumMod val="75000"/>
+                <a:lumOff val="25000"/>
+              </a:schemeClr>
+            </a:solidFill>
+          </a:ln>
+        </p:spPr>
+        <p:style>
+          <a:lnRef idx="2">
+            <a:schemeClr val="accent1">
+              <a:shade val="50000"/>
+            </a:schemeClr>
+          </a:lnRef>
+          <a:fillRef idx="1">
+            <a:schemeClr val="accent1"/>
+          </a:fillRef>
+          <a:effectRef idx="0">
+            <a:schemeClr val="accent1"/>
+          </a:effectRef>
+          <a:fontRef idx="minor">
+            <a:schemeClr val="lt1"/>
+          </a:fontRef>
+        </p:style>
+        <p:txBody>
+          <a:bodyPr rtlCol="0" anchor="ctr"/>
+          <a:lstStyle/>
+          <a:p>
+            <a:pPr algn="ctr"/>
+            <a:r>
+              <a:rPr lang="ko-KR" altLang="en-US" sz="1000" dirty="0" smtClean="0">
+                <a:solidFill>
+                  <a:srgbClr val="0070C0"/>
+                </a:solidFill>
+              </a:rPr>
+              <a:t>멤버십 </a:t>
+            </a:r>
+            <a:r>
+              <a:rPr lang="en-US" altLang="ko-KR" sz="1000" dirty="0" smtClean="0">
+                <a:solidFill>
+                  <a:srgbClr val="0070C0"/>
+                </a:solidFill>
+              </a:rPr>
+              <a:t>DB </a:t>
+            </a:r>
+            <a:r>
+              <a:rPr lang="ko-KR" altLang="en-US" sz="1000" dirty="0" smtClean="0">
+                <a:solidFill>
+                  <a:srgbClr val="0070C0"/>
+                </a:solidFill>
+              </a:rPr>
+              <a:t>등록</a:t>
+            </a:r>
+            <a:endParaRPr lang="ko-KR" altLang="en-US" sz="1000" dirty="0">
+              <a:solidFill>
+                <a:srgbClr val="0070C0"/>
+              </a:solidFill>
+            </a:endParaRPr>
+          </a:p>
+        </p:txBody>
+      </p:sp>
+      <p:cxnSp>
+        <p:nvCxnSpPr>
+          <p:cNvPr id="13" name="직선 연결선 12"/>
+          <p:cNvCxnSpPr>
+            <a:stCxn id="7" idx="2"/>
+            <a:endCxn id="11" idx="0"/>
+          </p:cNvCxnSpPr>
+          <p:nvPr/>
+        </p:nvCxnSpPr>
+        <p:spPr>
+          <a:xfrm>
+            <a:off x="1439652" y="1844824"/>
+            <a:ext cx="0" cy="3168352"/>
+          </a:xfrm>
+          <a:prstGeom prst="line">
+            <a:avLst/>
+          </a:prstGeom>
+        </p:spPr>
+        <p:style>
+          <a:lnRef idx="1">
+            <a:schemeClr val="accent1"/>
+          </a:lnRef>
+          <a:fillRef idx="0">
+            <a:schemeClr val="accent1"/>
+          </a:fillRef>
+          <a:effectRef idx="0">
+            <a:schemeClr val="accent1"/>
+          </a:effectRef>
+          <a:fontRef idx="minor">
+            <a:schemeClr val="tx1"/>
+          </a:fontRef>
+        </p:style>
+      </p:cxnSp>
+      <p:sp>
+        <p:nvSpPr>
+          <p:cNvPr id="16" name="직사각형 15"/>
+          <p:cNvSpPr/>
+          <p:nvPr/>
+        </p:nvSpPr>
+        <p:spPr>
+          <a:xfrm>
+            <a:off x="4355976" y="1988840"/>
+            <a:ext cx="2304256" cy="432048"/>
+          </a:xfrm>
+          <a:prstGeom prst="rect">
+            <a:avLst/>
+          </a:prstGeom>
+          <a:noFill/>
+          <a:ln w="12700">
+            <a:solidFill>
+              <a:schemeClr val="tx1">
+                <a:lumMod val="75000"/>
+                <a:lumOff val="25000"/>
+              </a:schemeClr>
+            </a:solidFill>
+          </a:ln>
+        </p:spPr>
+        <p:style>
+          <a:lnRef idx="2">
+            <a:schemeClr val="accent1">
+              <a:shade val="50000"/>
+            </a:schemeClr>
+          </a:lnRef>
+          <a:fillRef idx="1">
+            <a:schemeClr val="accent1"/>
+          </a:fillRef>
+          <a:effectRef idx="0">
+            <a:schemeClr val="accent1"/>
+          </a:effectRef>
+          <a:fontRef idx="minor">
+            <a:schemeClr val="lt1"/>
+          </a:fontRef>
+        </p:style>
+        <p:txBody>
+          <a:bodyPr rtlCol="0" anchor="ctr"/>
+          <a:lstStyle/>
+          <a:p>
+            <a:pPr algn="ctr"/>
+            <a:r>
+              <a:rPr lang="ko-KR" altLang="en-US" sz="1000" dirty="0" smtClean="0">
+                <a:solidFill>
+                  <a:srgbClr val="0070C0"/>
+                </a:solidFill>
+              </a:rPr>
+              <a:t>회원 정보 조회 프로시저</a:t>
+            </a:r>
+            <a:endParaRPr lang="en-US" altLang="ko-KR" sz="1000" dirty="0" smtClean="0">
+              <a:solidFill>
+                <a:srgbClr val="0070C0"/>
+              </a:solidFill>
+            </a:endParaRPr>
+          </a:p>
+          <a:p>
+            <a:pPr algn="ctr"/>
+            <a:r>
+              <a:rPr lang="en-US" altLang="ko-KR" sz="1000" dirty="0" smtClean="0">
+                <a:solidFill>
+                  <a:srgbClr val="0070C0"/>
+                </a:solidFill>
+              </a:rPr>
+              <a:t>PR_CHECK_PNT_MEMBER</a:t>
+            </a:r>
+            <a:endParaRPr lang="ko-KR" altLang="en-US" sz="1000" dirty="0">
+              <a:solidFill>
+                <a:srgbClr val="0070C0"/>
+              </a:solidFill>
+            </a:endParaRPr>
+          </a:p>
+        </p:txBody>
+      </p:sp>
+      <p:cxnSp>
+        <p:nvCxnSpPr>
+          <p:cNvPr id="18" name="직선 화살표 연결선 17"/>
+          <p:cNvCxnSpPr/>
+          <p:nvPr/>
+        </p:nvCxnSpPr>
+        <p:spPr>
+          <a:xfrm>
+            <a:off x="1475656" y="2132856"/>
+            <a:ext cx="2880320" cy="0"/>
+          </a:xfrm>
+          <a:prstGeom prst="straightConnector1">
+            <a:avLst/>
+          </a:prstGeom>
+          <a:ln>
+            <a:solidFill>
+              <a:schemeClr val="tx1"/>
+            </a:solidFill>
+            <a:tailEnd type="arrow"/>
+          </a:ln>
+        </p:spPr>
+        <p:style>
+          <a:lnRef idx="1">
+            <a:schemeClr val="accent1"/>
+          </a:lnRef>
+          <a:fillRef idx="0">
+            <a:schemeClr val="accent1"/>
+          </a:fillRef>
+          <a:effectRef idx="0">
+            <a:schemeClr val="accent1"/>
+          </a:effectRef>
+          <a:fontRef idx="minor">
+            <a:schemeClr val="tx1"/>
+          </a:fontRef>
+        </p:style>
+      </p:cxnSp>
+      <p:sp>
+        <p:nvSpPr>
+          <p:cNvPr id="19" name="TextBox 18"/>
+          <p:cNvSpPr txBox="1"/>
+          <p:nvPr/>
+        </p:nvSpPr>
+        <p:spPr>
+          <a:xfrm>
+            <a:off x="2152035" y="1886635"/>
+            <a:ext cx="1915909" cy="246221"/>
+          </a:xfrm>
+          <a:prstGeom prst="rect">
+            <a:avLst/>
+          </a:prstGeom>
+          <a:noFill/>
+        </p:spPr>
+        <p:txBody>
+          <a:bodyPr wrap="none" rtlCol="0">
+            <a:spAutoFit/>
+          </a:bodyPr>
+          <a:lstStyle/>
+          <a:p>
+            <a:r>
+              <a:rPr lang="ko-KR" altLang="en-US" sz="1000" dirty="0" smtClean="0"/>
+              <a:t>회원 이름</a:t>
+            </a:r>
+            <a:r>
+              <a:rPr lang="en-US" altLang="ko-KR" sz="1000" dirty="0" smtClean="0"/>
+              <a:t>, </a:t>
+            </a:r>
+            <a:r>
+              <a:rPr lang="ko-KR" altLang="en-US" sz="1000" dirty="0" smtClean="0"/>
+              <a:t>휴대폰번호</a:t>
+            </a:r>
+            <a:r>
+              <a:rPr lang="en-US" altLang="ko-KR" sz="1000" dirty="0" smtClean="0"/>
+              <a:t>, </a:t>
+            </a:r>
+            <a:r>
+              <a:rPr lang="ko-KR" altLang="en-US" sz="1000" dirty="0" smtClean="0"/>
+              <a:t>이메일</a:t>
+            </a:r>
+            <a:endParaRPr lang="ko-KR" altLang="en-US" sz="1000" dirty="0"/>
+          </a:p>
+        </p:txBody>
+      </p:sp>
+      <p:cxnSp>
+        <p:nvCxnSpPr>
+          <p:cNvPr id="21" name="직선 화살표 연결선 20"/>
+          <p:cNvCxnSpPr/>
+          <p:nvPr/>
+        </p:nvCxnSpPr>
+        <p:spPr>
+          <a:xfrm flipH="1">
+            <a:off x="1475656" y="2276872"/>
+            <a:ext cx="2808312" cy="0"/>
+          </a:xfrm>
+          <a:prstGeom prst="straightConnector1">
+            <a:avLst/>
+          </a:prstGeom>
+          <a:ln>
+            <a:solidFill>
+              <a:schemeClr val="tx1"/>
+            </a:solidFill>
+            <a:tailEnd type="arrow"/>
+          </a:ln>
+        </p:spPr>
+        <p:style>
+          <a:lnRef idx="1">
+            <a:schemeClr val="accent1"/>
+          </a:lnRef>
+          <a:fillRef idx="0">
+            <a:schemeClr val="accent1"/>
+          </a:fillRef>
+          <a:effectRef idx="0">
+            <a:schemeClr val="accent1"/>
+          </a:effectRef>
+          <a:fontRef idx="minor">
+            <a:schemeClr val="tx1"/>
+          </a:fontRef>
+        </p:style>
+      </p:cxnSp>
+      <p:sp>
+        <p:nvSpPr>
+          <p:cNvPr id="22" name="TextBox 21"/>
+          <p:cNvSpPr txBox="1"/>
+          <p:nvPr/>
+        </p:nvSpPr>
+        <p:spPr>
+          <a:xfrm>
+            <a:off x="2173305" y="2276872"/>
+            <a:ext cx="1428596" cy="246221"/>
+          </a:xfrm>
+          <a:prstGeom prst="rect">
+            <a:avLst/>
+          </a:prstGeom>
+          <a:noFill/>
+        </p:spPr>
+        <p:txBody>
+          <a:bodyPr wrap="none" rtlCol="0">
+            <a:spAutoFit/>
+          </a:bodyPr>
+          <a:lstStyle/>
+          <a:p>
+            <a:r>
+              <a:rPr lang="ko-KR" altLang="en-US" sz="1000" dirty="0" smtClean="0"/>
+              <a:t>고객번호 및 조회결과</a:t>
+            </a:r>
+            <a:endParaRPr lang="ko-KR" altLang="en-US" sz="1000" dirty="0"/>
+          </a:p>
+        </p:txBody>
+      </p:sp>
+      <p:cxnSp>
+        <p:nvCxnSpPr>
+          <p:cNvPr id="23" name="직선 연결선 22"/>
+          <p:cNvCxnSpPr>
+            <a:endCxn id="16" idx="0"/>
+          </p:cNvCxnSpPr>
+          <p:nvPr/>
+        </p:nvCxnSpPr>
+        <p:spPr>
+          <a:xfrm>
+            <a:off x="5508104" y="1124744"/>
+            <a:ext cx="0" cy="864096"/>
+          </a:xfrm>
+          <a:prstGeom prst="line">
+            <a:avLst/>
+          </a:prstGeom>
+        </p:spPr>
+        <p:style>
+          <a:lnRef idx="1">
+            <a:schemeClr val="accent1"/>
+          </a:lnRef>
+          <a:fillRef idx="0">
+            <a:schemeClr val="accent1"/>
+          </a:fillRef>
+          <a:effectRef idx="0">
+            <a:schemeClr val="accent1"/>
+          </a:effectRef>
+          <a:fontRef idx="minor">
+            <a:schemeClr val="tx1"/>
+          </a:fontRef>
+        </p:style>
+      </p:cxnSp>
+      <p:cxnSp>
+        <p:nvCxnSpPr>
+          <p:cNvPr id="25" name="직선 연결선 24"/>
+          <p:cNvCxnSpPr/>
+          <p:nvPr/>
+        </p:nvCxnSpPr>
+        <p:spPr>
+          <a:xfrm>
+            <a:off x="1475656" y="1124744"/>
+            <a:ext cx="0" cy="216024"/>
+          </a:xfrm>
+          <a:prstGeom prst="line">
+            <a:avLst/>
+          </a:prstGeom>
+        </p:spPr>
+        <p:style>
+          <a:lnRef idx="1">
+            <a:schemeClr val="accent1"/>
+          </a:lnRef>
+          <a:fillRef idx="0">
+            <a:schemeClr val="accent1"/>
+          </a:fillRef>
+          <a:effectRef idx="0">
+            <a:schemeClr val="accent1"/>
+          </a:effectRef>
+          <a:fontRef idx="minor">
+            <a:schemeClr val="tx1"/>
+          </a:fontRef>
+        </p:style>
+      </p:cxnSp>
+      <p:sp>
+        <p:nvSpPr>
+          <p:cNvPr id="34" name="직사각형 33"/>
+          <p:cNvSpPr/>
+          <p:nvPr/>
+        </p:nvSpPr>
+        <p:spPr>
+          <a:xfrm>
+            <a:off x="4355976" y="3459197"/>
+            <a:ext cx="2304256" cy="432048"/>
+          </a:xfrm>
+          <a:prstGeom prst="rect">
+            <a:avLst/>
+          </a:prstGeom>
+          <a:noFill/>
+          <a:ln w="12700">
+            <a:solidFill>
+              <a:schemeClr val="tx1">
+                <a:lumMod val="75000"/>
+                <a:lumOff val="25000"/>
+              </a:schemeClr>
+            </a:solidFill>
+          </a:ln>
+        </p:spPr>
+        <p:style>
+          <a:lnRef idx="2">
+            <a:schemeClr val="accent1">
+              <a:shade val="50000"/>
+            </a:schemeClr>
+          </a:lnRef>
+          <a:fillRef idx="1">
+            <a:schemeClr val="accent1"/>
+          </a:fillRef>
+          <a:effectRef idx="0">
+            <a:schemeClr val="accent1"/>
+          </a:effectRef>
+          <a:fontRef idx="minor">
+            <a:schemeClr val="lt1"/>
+          </a:fontRef>
+        </p:style>
+        <p:txBody>
+          <a:bodyPr rtlCol="0" anchor="ctr"/>
+          <a:lstStyle/>
+          <a:p>
+            <a:pPr algn="ctr"/>
+            <a:r>
+              <a:rPr lang="ko-KR" altLang="en-US" sz="1000" dirty="0" smtClean="0">
+                <a:solidFill>
+                  <a:srgbClr val="0070C0"/>
+                </a:solidFill>
+              </a:rPr>
+              <a:t>회원 등록 프로시저</a:t>
+            </a:r>
+            <a:endParaRPr lang="en-US" altLang="ko-KR" sz="1000" dirty="0" smtClean="0">
+              <a:solidFill>
+                <a:srgbClr val="0070C0"/>
+              </a:solidFill>
+            </a:endParaRPr>
+          </a:p>
+          <a:p>
+            <a:pPr algn="ctr"/>
+            <a:r>
+              <a:rPr lang="en-US" altLang="ko-KR" sz="1000" dirty="0" smtClean="0">
+                <a:solidFill>
+                  <a:srgbClr val="0070C0"/>
+                </a:solidFill>
+              </a:rPr>
+              <a:t>PR_SAVE_PNT_CUSTOMER</a:t>
+            </a:r>
+            <a:endParaRPr lang="ko-KR" altLang="en-US" sz="1000" dirty="0">
+              <a:solidFill>
+                <a:srgbClr val="0070C0"/>
+              </a:solidFill>
+            </a:endParaRPr>
+          </a:p>
+        </p:txBody>
+      </p:sp>
+      <p:cxnSp>
+        <p:nvCxnSpPr>
+          <p:cNvPr id="35" name="직선 연결선 34"/>
+          <p:cNvCxnSpPr>
+            <a:endCxn id="34" idx="0"/>
+          </p:cNvCxnSpPr>
+          <p:nvPr/>
+        </p:nvCxnSpPr>
+        <p:spPr>
+          <a:xfrm>
+            <a:off x="5508104" y="2420888"/>
+            <a:ext cx="0" cy="1038309"/>
+          </a:xfrm>
+          <a:prstGeom prst="line">
+            <a:avLst/>
+          </a:prstGeom>
+        </p:spPr>
+        <p:style>
+          <a:lnRef idx="1">
+            <a:schemeClr val="accent1"/>
+          </a:lnRef>
+          <a:fillRef idx="0">
+            <a:schemeClr val="accent1"/>
+          </a:fillRef>
+          <a:effectRef idx="0">
+            <a:schemeClr val="accent1"/>
+          </a:effectRef>
+          <a:fontRef idx="minor">
+            <a:schemeClr val="tx1"/>
+          </a:fontRef>
+        </p:style>
+      </p:cxnSp>
+      <p:cxnSp>
+        <p:nvCxnSpPr>
+          <p:cNvPr id="37" name="직선 화살표 연결선 36"/>
+          <p:cNvCxnSpPr/>
+          <p:nvPr/>
+        </p:nvCxnSpPr>
+        <p:spPr>
+          <a:xfrm>
+            <a:off x="1475656" y="3603213"/>
+            <a:ext cx="2880320" cy="0"/>
+          </a:xfrm>
+          <a:prstGeom prst="straightConnector1">
+            <a:avLst/>
+          </a:prstGeom>
+          <a:ln>
+            <a:solidFill>
+              <a:schemeClr val="tx1"/>
+            </a:solidFill>
+            <a:tailEnd type="arrow"/>
+          </a:ln>
+        </p:spPr>
+        <p:style>
+          <a:lnRef idx="1">
+            <a:schemeClr val="accent1"/>
+          </a:lnRef>
+          <a:fillRef idx="0">
+            <a:schemeClr val="accent1"/>
+          </a:fillRef>
+          <a:effectRef idx="0">
+            <a:schemeClr val="accent1"/>
+          </a:effectRef>
+          <a:fontRef idx="minor">
+            <a:schemeClr val="tx1"/>
+          </a:fontRef>
+        </p:style>
+      </p:cxnSp>
+      <p:cxnSp>
+        <p:nvCxnSpPr>
+          <p:cNvPr id="38" name="직선 화살표 연결선 37"/>
+          <p:cNvCxnSpPr/>
+          <p:nvPr/>
+        </p:nvCxnSpPr>
+        <p:spPr>
+          <a:xfrm flipH="1">
+            <a:off x="1475656" y="3747229"/>
+            <a:ext cx="2808312" cy="0"/>
+          </a:xfrm>
+          <a:prstGeom prst="straightConnector1">
+            <a:avLst/>
+          </a:prstGeom>
+          <a:ln>
+            <a:solidFill>
+              <a:schemeClr val="tx1"/>
+            </a:solidFill>
+            <a:tailEnd type="arrow"/>
+          </a:ln>
+        </p:spPr>
+        <p:style>
+          <a:lnRef idx="1">
+            <a:schemeClr val="accent1"/>
+          </a:lnRef>
+          <a:fillRef idx="0">
+            <a:schemeClr val="accent1"/>
+          </a:fillRef>
+          <a:effectRef idx="0">
+            <a:schemeClr val="accent1"/>
+          </a:effectRef>
+          <a:fontRef idx="minor">
+            <a:schemeClr val="tx1"/>
+          </a:fontRef>
+        </p:style>
+      </p:cxnSp>
+      <p:sp>
+        <p:nvSpPr>
+          <p:cNvPr id="39" name="TextBox 38"/>
+          <p:cNvSpPr txBox="1"/>
+          <p:nvPr/>
+        </p:nvSpPr>
+        <p:spPr>
+          <a:xfrm>
+            <a:off x="2195736" y="3356992"/>
+            <a:ext cx="1428596" cy="246221"/>
+          </a:xfrm>
+          <a:prstGeom prst="rect">
+            <a:avLst/>
+          </a:prstGeom>
+          <a:noFill/>
+        </p:spPr>
+        <p:txBody>
+          <a:bodyPr wrap="none" rtlCol="0">
+            <a:spAutoFit/>
+          </a:bodyPr>
+          <a:lstStyle/>
+          <a:p>
+            <a:r>
+              <a:rPr lang="ko-KR" altLang="en-US" sz="1000" dirty="0" smtClean="0"/>
+              <a:t>고객번호 및 회원정보</a:t>
+            </a:r>
+            <a:endParaRPr lang="ko-KR" altLang="en-US" sz="1000" dirty="0"/>
+          </a:p>
+        </p:txBody>
+      </p:sp>
+      <p:sp>
+        <p:nvSpPr>
+          <p:cNvPr id="40" name="TextBox 39"/>
+          <p:cNvSpPr txBox="1"/>
+          <p:nvPr/>
+        </p:nvSpPr>
+        <p:spPr>
+          <a:xfrm>
+            <a:off x="2195736" y="3747229"/>
+            <a:ext cx="742511" cy="246221"/>
+          </a:xfrm>
+          <a:prstGeom prst="rect">
+            <a:avLst/>
+          </a:prstGeom>
+          <a:noFill/>
+        </p:spPr>
+        <p:txBody>
+          <a:bodyPr wrap="none" rtlCol="0">
+            <a:spAutoFit/>
+          </a:bodyPr>
+          <a:lstStyle/>
+          <a:p>
+            <a:r>
+              <a:rPr lang="ko-KR" altLang="en-US" sz="1000" dirty="0" smtClean="0"/>
+              <a:t>처리 결과</a:t>
+            </a:r>
+            <a:endParaRPr lang="ko-KR" altLang="en-US" sz="1000" dirty="0"/>
+          </a:p>
+        </p:txBody>
+      </p:sp>
+      <p:sp>
+        <p:nvSpPr>
+          <p:cNvPr id="47" name="TextBox 46"/>
+          <p:cNvSpPr txBox="1"/>
+          <p:nvPr/>
+        </p:nvSpPr>
+        <p:spPr>
+          <a:xfrm>
+            <a:off x="1175446" y="3212976"/>
+            <a:ext cx="372218" cy="246221"/>
+          </a:xfrm>
+          <a:prstGeom prst="rect">
+            <a:avLst/>
+          </a:prstGeom>
+          <a:noFill/>
+        </p:spPr>
+        <p:txBody>
+          <a:bodyPr wrap="none" rtlCol="0">
+            <a:spAutoFit/>
+          </a:bodyPr>
+          <a:lstStyle/>
+          <a:p>
+            <a:r>
+              <a:rPr lang="en-US" altLang="ko-KR" sz="1000" dirty="0" smtClean="0"/>
+              <a:t>yes</a:t>
+            </a:r>
+            <a:endParaRPr lang="ko-KR" altLang="en-US" sz="1000" dirty="0"/>
+          </a:p>
+        </p:txBody>
+      </p:sp>
+      <p:sp>
+        <p:nvSpPr>
+          <p:cNvPr id="48" name="TextBox 47"/>
+          <p:cNvSpPr txBox="1"/>
+          <p:nvPr/>
+        </p:nvSpPr>
+        <p:spPr>
+          <a:xfrm>
+            <a:off x="107504" y="2780928"/>
+            <a:ext cx="335348" cy="246221"/>
+          </a:xfrm>
+          <a:prstGeom prst="rect">
+            <a:avLst/>
+          </a:prstGeom>
+          <a:noFill/>
+        </p:spPr>
+        <p:txBody>
+          <a:bodyPr wrap="none" rtlCol="0">
+            <a:spAutoFit/>
+          </a:bodyPr>
+          <a:lstStyle/>
+          <a:p>
+            <a:r>
+              <a:rPr lang="en-US" altLang="ko-KR" sz="1000" dirty="0" smtClean="0"/>
+              <a:t>no</a:t>
+            </a:r>
+            <a:endParaRPr lang="ko-KR" altLang="en-US" sz="1000" dirty="0"/>
+          </a:p>
+        </p:txBody>
+      </p:sp>
+      <p:cxnSp>
+        <p:nvCxnSpPr>
+          <p:cNvPr id="50" name="꺾인 연결선 49"/>
+          <p:cNvCxnSpPr>
+            <a:stCxn id="53" idx="1"/>
+            <a:endCxn id="7" idx="1"/>
+          </p:cNvCxnSpPr>
+          <p:nvPr/>
+        </p:nvCxnSpPr>
+        <p:spPr>
+          <a:xfrm rot="10800000" flipH="1">
+            <a:off x="611560" y="1592796"/>
+            <a:ext cx="288032" cy="1296144"/>
+          </a:xfrm>
+          <a:prstGeom prst="bentConnector3">
+            <a:avLst>
+              <a:gd name="adj1" fmla="val -79366"/>
+            </a:avLst>
+          </a:prstGeom>
+          <a:ln>
+            <a:solidFill>
+              <a:schemeClr val="tx1">
+                <a:lumMod val="85000"/>
+                <a:lumOff val="15000"/>
+              </a:schemeClr>
+            </a:solidFill>
+            <a:tailEnd type="arrow"/>
+          </a:ln>
+        </p:spPr>
+        <p:style>
+          <a:lnRef idx="1">
+            <a:schemeClr val="accent1"/>
+          </a:lnRef>
+          <a:fillRef idx="0">
+            <a:schemeClr val="accent1"/>
+          </a:fillRef>
+          <a:effectRef idx="0">
+            <a:schemeClr val="accent1"/>
+          </a:effectRef>
+          <a:fontRef idx="minor">
+            <a:schemeClr val="tx1"/>
+          </a:fontRef>
+        </p:style>
+      </p:cxnSp>
+      <p:sp>
+        <p:nvSpPr>
+          <p:cNvPr id="52" name="순서도: 판단 51"/>
+          <p:cNvSpPr/>
+          <p:nvPr/>
+        </p:nvSpPr>
+        <p:spPr>
+          <a:xfrm>
+            <a:off x="611560" y="3933056"/>
+            <a:ext cx="1728192" cy="648072"/>
+          </a:xfrm>
+          <a:prstGeom prst="flowChartDecision">
+            <a:avLst/>
+          </a:prstGeom>
+          <a:solidFill>
+            <a:schemeClr val="bg1"/>
+          </a:solidFill>
+          <a:ln w="12700">
+            <a:solidFill>
+              <a:schemeClr val="tx1">
+                <a:lumMod val="85000"/>
+                <a:lumOff val="15000"/>
+              </a:schemeClr>
+            </a:solidFill>
+          </a:ln>
+        </p:spPr>
+        <p:style>
+          <a:lnRef idx="2">
+            <a:schemeClr val="accent1">
+              <a:shade val="50000"/>
+            </a:schemeClr>
+          </a:lnRef>
+          <a:fillRef idx="1">
+            <a:schemeClr val="accent1"/>
+          </a:fillRef>
+          <a:effectRef idx="0">
+            <a:schemeClr val="accent1"/>
+          </a:effectRef>
+          <a:fontRef idx="minor">
+            <a:schemeClr val="lt1"/>
+          </a:fontRef>
+        </p:style>
+        <p:txBody>
+          <a:bodyPr rtlCol="0" anchor="ctr"/>
+          <a:lstStyle/>
+          <a:p>
+            <a:pPr algn="ctr"/>
+            <a:r>
+              <a:rPr lang="ko-KR" altLang="en-US" sz="1000" dirty="0" smtClean="0">
+                <a:solidFill>
+                  <a:srgbClr val="0070C0"/>
+                </a:solidFill>
+              </a:rPr>
+              <a:t>처리결과가 정상인가</a:t>
+            </a:r>
+            <a:r>
+              <a:rPr lang="en-US" altLang="ko-KR" sz="1000" dirty="0" smtClean="0">
+                <a:solidFill>
+                  <a:srgbClr val="0070C0"/>
+                </a:solidFill>
+              </a:rPr>
+              <a:t>?</a:t>
+            </a:r>
+            <a:endParaRPr lang="ko-KR" altLang="en-US" sz="1000" dirty="0">
+              <a:solidFill>
+                <a:srgbClr val="0070C0"/>
+              </a:solidFill>
+            </a:endParaRPr>
+          </a:p>
+        </p:txBody>
+      </p:sp>
+      <p:sp>
+        <p:nvSpPr>
+          <p:cNvPr id="53" name="순서도: 판단 52"/>
+          <p:cNvSpPr/>
+          <p:nvPr/>
+        </p:nvSpPr>
+        <p:spPr>
+          <a:xfrm>
+            <a:off x="611560" y="2564904"/>
+            <a:ext cx="1728192" cy="648072"/>
+          </a:xfrm>
+          <a:prstGeom prst="flowChartDecision">
+            <a:avLst/>
+          </a:prstGeom>
+          <a:solidFill>
+            <a:schemeClr val="bg1"/>
+          </a:solidFill>
+          <a:ln w="12700">
+            <a:solidFill>
+              <a:schemeClr val="tx1">
+                <a:lumMod val="85000"/>
+                <a:lumOff val="15000"/>
+              </a:schemeClr>
+            </a:solidFill>
+          </a:ln>
+        </p:spPr>
+        <p:style>
+          <a:lnRef idx="2">
+            <a:schemeClr val="accent1">
+              <a:shade val="50000"/>
+            </a:schemeClr>
+          </a:lnRef>
+          <a:fillRef idx="1">
+            <a:schemeClr val="accent1"/>
+          </a:fillRef>
+          <a:effectRef idx="0">
+            <a:schemeClr val="accent1"/>
+          </a:effectRef>
+          <a:fontRef idx="minor">
+            <a:schemeClr val="lt1"/>
+          </a:fontRef>
+        </p:style>
+        <p:txBody>
+          <a:bodyPr rtlCol="0" anchor="ctr"/>
+          <a:lstStyle/>
+          <a:p>
+            <a:pPr algn="ctr"/>
+            <a:r>
+              <a:rPr lang="ko-KR" altLang="en-US" sz="1000" dirty="0" smtClean="0">
+                <a:solidFill>
+                  <a:srgbClr val="0070C0"/>
+                </a:solidFill>
+              </a:rPr>
+              <a:t>신규회원</a:t>
+            </a:r>
+            <a:r>
+              <a:rPr lang="en-US" altLang="ko-KR" sz="1000" dirty="0" smtClean="0">
+                <a:solidFill>
+                  <a:srgbClr val="0070C0"/>
+                </a:solidFill>
+              </a:rPr>
+              <a:t>?</a:t>
+            </a:r>
+            <a:endParaRPr lang="ko-KR" altLang="en-US" sz="1000" dirty="0">
+              <a:solidFill>
+                <a:srgbClr val="0070C0"/>
+              </a:solidFill>
+            </a:endParaRPr>
+          </a:p>
+        </p:txBody>
+      </p:sp>
+      <p:sp>
+        <p:nvSpPr>
+          <p:cNvPr id="56" name="TextBox 55"/>
+          <p:cNvSpPr txBox="1"/>
+          <p:nvPr/>
+        </p:nvSpPr>
+        <p:spPr>
+          <a:xfrm>
+            <a:off x="1175446" y="4581128"/>
+            <a:ext cx="372218" cy="246221"/>
+          </a:xfrm>
+          <a:prstGeom prst="rect">
+            <a:avLst/>
+          </a:prstGeom>
+          <a:noFill/>
+        </p:spPr>
+        <p:txBody>
+          <a:bodyPr wrap="none" rtlCol="0">
+            <a:spAutoFit/>
+          </a:bodyPr>
+          <a:lstStyle/>
+          <a:p>
+            <a:r>
+              <a:rPr lang="en-US" altLang="ko-KR" sz="1000" dirty="0" smtClean="0"/>
+              <a:t>yes</a:t>
+            </a:r>
+            <a:endParaRPr lang="ko-KR" altLang="en-US" sz="1000" dirty="0"/>
+          </a:p>
+        </p:txBody>
+      </p:sp>
+      <p:cxnSp>
+        <p:nvCxnSpPr>
+          <p:cNvPr id="57" name="꺾인 연결선 56"/>
+          <p:cNvCxnSpPr>
+            <a:stCxn id="52" idx="1"/>
+            <a:endCxn id="7" idx="1"/>
+          </p:cNvCxnSpPr>
+          <p:nvPr/>
+        </p:nvCxnSpPr>
+        <p:spPr>
+          <a:xfrm rot="10800000" flipH="1">
+            <a:off x="611560" y="1592796"/>
+            <a:ext cx="288032" cy="2664296"/>
+          </a:xfrm>
+          <a:prstGeom prst="bentConnector3">
+            <a:avLst>
+              <a:gd name="adj1" fmla="val -79366"/>
+            </a:avLst>
+          </a:prstGeom>
+          <a:ln>
+            <a:solidFill>
+              <a:schemeClr val="tx1">
+                <a:lumMod val="85000"/>
+                <a:lumOff val="15000"/>
+              </a:schemeClr>
+            </a:solidFill>
+            <a:tailEnd type="arrow"/>
+          </a:ln>
+        </p:spPr>
+        <p:style>
+          <a:lnRef idx="1">
+            <a:schemeClr val="accent1"/>
+          </a:lnRef>
+          <a:fillRef idx="0">
+            <a:schemeClr val="accent1"/>
+          </a:fillRef>
+          <a:effectRef idx="0">
+            <a:schemeClr val="accent1"/>
+          </a:effectRef>
+          <a:fontRef idx="minor">
+            <a:schemeClr val="tx1"/>
+          </a:fontRef>
+        </p:style>
+      </p:cxnSp>
+      <p:sp>
+        <p:nvSpPr>
+          <p:cNvPr id="60" name="순서도: 수행의 시작/종료 59"/>
+          <p:cNvSpPr/>
+          <p:nvPr/>
+        </p:nvSpPr>
+        <p:spPr>
+          <a:xfrm>
+            <a:off x="1115616" y="5805264"/>
+            <a:ext cx="720080" cy="288032"/>
+          </a:xfrm>
+          <a:prstGeom prst="flowChartTerminator">
+            <a:avLst/>
+          </a:prstGeom>
+          <a:noFill/>
+          <a:ln w="12700">
+            <a:solidFill>
+              <a:schemeClr val="tx1">
+                <a:lumMod val="75000"/>
+                <a:lumOff val="25000"/>
+              </a:schemeClr>
+            </a:solidFill>
+          </a:ln>
+        </p:spPr>
+        <p:style>
+          <a:lnRef idx="2">
+            <a:schemeClr val="accent1">
+              <a:shade val="50000"/>
+            </a:schemeClr>
+          </a:lnRef>
+          <a:fillRef idx="1">
+            <a:schemeClr val="accent1"/>
+          </a:fillRef>
+          <a:effectRef idx="0">
+            <a:schemeClr val="accent1"/>
+          </a:effectRef>
+          <a:fontRef idx="minor">
+            <a:schemeClr val="lt1"/>
+          </a:fontRef>
+        </p:style>
+        <p:txBody>
+          <a:bodyPr rtlCol="0" anchor="ctr"/>
+          <a:lstStyle/>
+          <a:p>
+            <a:pPr algn="ctr"/>
+            <a:r>
+              <a:rPr lang="en-US" altLang="ko-KR" sz="1000" dirty="0" smtClean="0">
+                <a:solidFill>
+                  <a:schemeClr val="tx1"/>
+                </a:solidFill>
+              </a:rPr>
+              <a:t>END</a:t>
+            </a:r>
+            <a:endParaRPr lang="ko-KR" altLang="en-US" sz="1000" dirty="0">
+              <a:solidFill>
+                <a:schemeClr val="tx1"/>
+              </a:solidFill>
+            </a:endParaRPr>
+          </a:p>
+        </p:txBody>
+      </p:sp>
+      <p:cxnSp>
+        <p:nvCxnSpPr>
+          <p:cNvPr id="61" name="직선 연결선 60"/>
+          <p:cNvCxnSpPr>
+            <a:endCxn id="60" idx="0"/>
+          </p:cNvCxnSpPr>
+          <p:nvPr/>
+        </p:nvCxnSpPr>
+        <p:spPr>
+          <a:xfrm>
+            <a:off x="1475656" y="5517232"/>
+            <a:ext cx="0" cy="288032"/>
+          </a:xfrm>
+          <a:prstGeom prst="line">
+            <a:avLst/>
+          </a:prstGeom>
+        </p:spPr>
+        <p:style>
+          <a:lnRef idx="1">
+            <a:schemeClr val="accent1"/>
+          </a:lnRef>
+          <a:fillRef idx="0">
+            <a:schemeClr val="accent1"/>
+          </a:fillRef>
+          <a:effectRef idx="0">
+            <a:schemeClr val="accent1"/>
+          </a:effectRef>
+          <a:fontRef idx="minor">
+            <a:schemeClr val="tx1"/>
+          </a:fontRef>
+        </p:style>
+      </p:cxnSp>
+    </p:spTree>
+  </p:cSld>
+  <p:clrMapOvr>
+    <a:masterClrMapping/>
+  </p:clrMapOvr>
+</p:sld>
+</file>
+
+<file path=ppt/slides/slide4.xml><?xml version="1.0" encoding="utf-8"?>
+<p:sld xmlns:a="http://schemas.openxmlformats.org/drawingml/2006/main" xmlns:r="http://schemas.openxmlformats.org/officeDocument/2006/relationships" xmlns:p="http://schemas.openxmlformats.org/presentationml/2006/main">
+  <p:cSld>
+    <p:spTree>
+      <p:nvGrpSpPr>
+        <p:cNvPr id="1" name=""/>
+        <p:cNvGrpSpPr/>
+        <p:nvPr/>
+      </p:nvGrpSpPr>
+      <p:grpSpPr>
+        <a:xfrm>
+          <a:off x="0" y="0"/>
+          <a:ext cx="0" cy="0"/>
+          <a:chOff x="0" y="0"/>
+          <a:chExt cx="0" cy="0"/>
+        </a:xfrm>
+      </p:grpSpPr>
+      <p:pic>
+        <p:nvPicPr>
+          <p:cNvPr id="4098" name="Picture 2"/>
+          <p:cNvPicPr>
+            <a:picLocks noChangeAspect="1" noChangeArrowheads="1"/>
+          </p:cNvPicPr>
+          <p:nvPr/>
+        </p:nvPicPr>
+        <p:blipFill>
+          <a:blip r:embed="rId2" cstate="print"/>
+          <a:srcRect/>
+          <a:stretch>
+            <a:fillRect/>
+          </a:stretch>
+        </p:blipFill>
+        <p:spPr bwMode="auto">
+          <a:xfrm>
+            <a:off x="4932040" y="548680"/>
+            <a:ext cx="1133475" cy="523875"/>
           </a:xfrm>
           <a:prstGeom prst="rect">
             <a:avLst/>
@@ -3963,7 +6993,1918 @@
       </p:pic>
       <p:pic>
         <p:nvPicPr>
-          <p:cNvPr id="2051" name="Picture 3"/>
+          <p:cNvPr id="6" name="Picture 3" descr="C:\Users\webme\OneDrive\바탕 화면\lahan_logo.png"/>
+          <p:cNvPicPr>
+            <a:picLocks noChangeAspect="1" noChangeArrowheads="1"/>
+          </p:cNvPicPr>
+          <p:nvPr/>
+        </p:nvPicPr>
+        <p:blipFill>
+          <a:blip r:embed="rId3" cstate="print"/>
+          <a:srcRect/>
+          <a:stretch>
+            <a:fillRect/>
+          </a:stretch>
+        </p:blipFill>
+        <p:spPr bwMode="auto">
+          <a:xfrm>
+            <a:off x="971600" y="476672"/>
+            <a:ext cx="940792" cy="436796"/>
+          </a:xfrm>
+          <a:prstGeom prst="rect">
+            <a:avLst/>
+          </a:prstGeom>
+          <a:noFill/>
+        </p:spPr>
+      </p:pic>
+      <p:sp>
+        <p:nvSpPr>
+          <p:cNvPr id="7" name="직사각형 6"/>
+          <p:cNvSpPr/>
+          <p:nvPr/>
+        </p:nvSpPr>
+        <p:spPr>
+          <a:xfrm>
+            <a:off x="899592" y="1340768"/>
+            <a:ext cx="1080120" cy="504056"/>
+          </a:xfrm>
+          <a:prstGeom prst="rect">
+            <a:avLst/>
+          </a:prstGeom>
+          <a:noFill/>
+          <a:ln w="12700">
+            <a:solidFill>
+              <a:schemeClr val="tx1">
+                <a:lumMod val="75000"/>
+                <a:lumOff val="25000"/>
+              </a:schemeClr>
+            </a:solidFill>
+          </a:ln>
+        </p:spPr>
+        <p:style>
+          <a:lnRef idx="2">
+            <a:schemeClr val="accent1">
+              <a:shade val="50000"/>
+            </a:schemeClr>
+          </a:lnRef>
+          <a:fillRef idx="1">
+            <a:schemeClr val="accent1"/>
+          </a:fillRef>
+          <a:effectRef idx="0">
+            <a:schemeClr val="accent1"/>
+          </a:effectRef>
+          <a:fontRef idx="minor">
+            <a:schemeClr val="lt1"/>
+          </a:fontRef>
+        </p:style>
+        <p:txBody>
+          <a:bodyPr rtlCol="0" anchor="ctr"/>
+          <a:lstStyle/>
+          <a:p>
+            <a:pPr algn="ctr"/>
+            <a:r>
+              <a:rPr lang="ko-KR" altLang="en-US" sz="1000" dirty="0" smtClean="0">
+                <a:solidFill>
+                  <a:srgbClr val="0070C0"/>
+                </a:solidFill>
+              </a:rPr>
+              <a:t>회원 수정</a:t>
+            </a:r>
+            <a:endParaRPr lang="ko-KR" altLang="en-US" sz="1000" dirty="0">
+              <a:solidFill>
+                <a:srgbClr val="0070C0"/>
+              </a:solidFill>
+            </a:endParaRPr>
+          </a:p>
+        </p:txBody>
+      </p:sp>
+      <p:sp>
+        <p:nvSpPr>
+          <p:cNvPr id="8" name="TextBox 7"/>
+          <p:cNvSpPr txBox="1"/>
+          <p:nvPr/>
+        </p:nvSpPr>
+        <p:spPr>
+          <a:xfrm>
+            <a:off x="827584" y="908720"/>
+            <a:ext cx="1316386" cy="276999"/>
+          </a:xfrm>
+          <a:prstGeom prst="rect">
+            <a:avLst/>
+          </a:prstGeom>
+          <a:noFill/>
+        </p:spPr>
+        <p:txBody>
+          <a:bodyPr wrap="none" rtlCol="0">
+            <a:spAutoFit/>
+          </a:bodyPr>
+          <a:lstStyle/>
+          <a:p>
+            <a:r>
+              <a:rPr lang="ko-KR" altLang="en-US" sz="1200" dirty="0" smtClean="0"/>
+              <a:t>멤버십 백오피스</a:t>
+            </a:r>
+            <a:endParaRPr lang="ko-KR" altLang="en-US" sz="1200" dirty="0"/>
+          </a:p>
+        </p:txBody>
+      </p:sp>
+      <p:sp>
+        <p:nvSpPr>
+          <p:cNvPr id="11" name="직사각형 10"/>
+          <p:cNvSpPr/>
+          <p:nvPr/>
+        </p:nvSpPr>
+        <p:spPr>
+          <a:xfrm>
+            <a:off x="899592" y="3861048"/>
+            <a:ext cx="1080120" cy="504056"/>
+          </a:xfrm>
+          <a:prstGeom prst="rect">
+            <a:avLst/>
+          </a:prstGeom>
+          <a:noFill/>
+          <a:ln w="12700">
+            <a:solidFill>
+              <a:schemeClr val="tx1">
+                <a:lumMod val="75000"/>
+                <a:lumOff val="25000"/>
+              </a:schemeClr>
+            </a:solidFill>
+          </a:ln>
+        </p:spPr>
+        <p:style>
+          <a:lnRef idx="2">
+            <a:schemeClr val="accent1">
+              <a:shade val="50000"/>
+            </a:schemeClr>
+          </a:lnRef>
+          <a:fillRef idx="1">
+            <a:schemeClr val="accent1"/>
+          </a:fillRef>
+          <a:effectRef idx="0">
+            <a:schemeClr val="accent1"/>
+          </a:effectRef>
+          <a:fontRef idx="minor">
+            <a:schemeClr val="lt1"/>
+          </a:fontRef>
+        </p:style>
+        <p:txBody>
+          <a:bodyPr rtlCol="0" anchor="ctr"/>
+          <a:lstStyle/>
+          <a:p>
+            <a:pPr algn="ctr"/>
+            <a:r>
+              <a:rPr lang="ko-KR" altLang="en-US" sz="1000" dirty="0" smtClean="0">
+                <a:solidFill>
+                  <a:srgbClr val="0070C0"/>
+                </a:solidFill>
+              </a:rPr>
+              <a:t>멤버십 </a:t>
+            </a:r>
+            <a:r>
+              <a:rPr lang="en-US" altLang="ko-KR" sz="1000" dirty="0" smtClean="0">
+                <a:solidFill>
+                  <a:srgbClr val="0070C0"/>
+                </a:solidFill>
+              </a:rPr>
+              <a:t>DB </a:t>
+            </a:r>
+            <a:r>
+              <a:rPr lang="ko-KR" altLang="en-US" sz="1000" dirty="0" smtClean="0">
+                <a:solidFill>
+                  <a:srgbClr val="0070C0"/>
+                </a:solidFill>
+              </a:rPr>
+              <a:t>수정</a:t>
+            </a:r>
+            <a:endParaRPr lang="ko-KR" altLang="en-US" sz="1000" dirty="0">
+              <a:solidFill>
+                <a:srgbClr val="0070C0"/>
+              </a:solidFill>
+            </a:endParaRPr>
+          </a:p>
+        </p:txBody>
+      </p:sp>
+      <p:cxnSp>
+        <p:nvCxnSpPr>
+          <p:cNvPr id="13" name="직선 연결선 12"/>
+          <p:cNvCxnSpPr>
+            <a:stCxn id="7" idx="2"/>
+            <a:endCxn id="11" idx="0"/>
+          </p:cNvCxnSpPr>
+          <p:nvPr/>
+        </p:nvCxnSpPr>
+        <p:spPr>
+          <a:xfrm>
+            <a:off x="1439652" y="1844824"/>
+            <a:ext cx="0" cy="2016224"/>
+          </a:xfrm>
+          <a:prstGeom prst="line">
+            <a:avLst/>
+          </a:prstGeom>
+        </p:spPr>
+        <p:style>
+          <a:lnRef idx="1">
+            <a:schemeClr val="accent1"/>
+          </a:lnRef>
+          <a:fillRef idx="0">
+            <a:schemeClr val="accent1"/>
+          </a:fillRef>
+          <a:effectRef idx="0">
+            <a:schemeClr val="accent1"/>
+          </a:effectRef>
+          <a:fontRef idx="minor">
+            <a:schemeClr val="tx1"/>
+          </a:fontRef>
+        </p:style>
+      </p:cxnSp>
+      <p:cxnSp>
+        <p:nvCxnSpPr>
+          <p:cNvPr id="25" name="직선 연결선 24"/>
+          <p:cNvCxnSpPr/>
+          <p:nvPr/>
+        </p:nvCxnSpPr>
+        <p:spPr>
+          <a:xfrm>
+            <a:off x="1475656" y="1124744"/>
+            <a:ext cx="0" cy="216024"/>
+          </a:xfrm>
+          <a:prstGeom prst="line">
+            <a:avLst/>
+          </a:prstGeom>
+        </p:spPr>
+        <p:style>
+          <a:lnRef idx="1">
+            <a:schemeClr val="accent1"/>
+          </a:lnRef>
+          <a:fillRef idx="0">
+            <a:schemeClr val="accent1"/>
+          </a:fillRef>
+          <a:effectRef idx="0">
+            <a:schemeClr val="accent1"/>
+          </a:effectRef>
+          <a:fontRef idx="minor">
+            <a:schemeClr val="tx1"/>
+          </a:fontRef>
+        </p:style>
+      </p:cxnSp>
+      <p:sp>
+        <p:nvSpPr>
+          <p:cNvPr id="34" name="직사각형 33"/>
+          <p:cNvSpPr/>
+          <p:nvPr/>
+        </p:nvSpPr>
+        <p:spPr>
+          <a:xfrm>
+            <a:off x="4355976" y="2091045"/>
+            <a:ext cx="2304256" cy="432048"/>
+          </a:xfrm>
+          <a:prstGeom prst="rect">
+            <a:avLst/>
+          </a:prstGeom>
+          <a:noFill/>
+          <a:ln w="12700">
+            <a:solidFill>
+              <a:schemeClr val="tx1">
+                <a:lumMod val="75000"/>
+                <a:lumOff val="25000"/>
+              </a:schemeClr>
+            </a:solidFill>
+          </a:ln>
+        </p:spPr>
+        <p:style>
+          <a:lnRef idx="2">
+            <a:schemeClr val="accent1">
+              <a:shade val="50000"/>
+            </a:schemeClr>
+          </a:lnRef>
+          <a:fillRef idx="1">
+            <a:schemeClr val="accent1"/>
+          </a:fillRef>
+          <a:effectRef idx="0">
+            <a:schemeClr val="accent1"/>
+          </a:effectRef>
+          <a:fontRef idx="minor">
+            <a:schemeClr val="lt1"/>
+          </a:fontRef>
+        </p:style>
+        <p:txBody>
+          <a:bodyPr rtlCol="0" anchor="ctr"/>
+          <a:lstStyle/>
+          <a:p>
+            <a:pPr algn="ctr"/>
+            <a:r>
+              <a:rPr lang="ko-KR" altLang="en-US" sz="1000" dirty="0" smtClean="0">
+                <a:solidFill>
+                  <a:srgbClr val="0070C0"/>
+                </a:solidFill>
+              </a:rPr>
+              <a:t>회원 수정 프로시저</a:t>
+            </a:r>
+            <a:endParaRPr lang="en-US" altLang="ko-KR" sz="1000" dirty="0" smtClean="0">
+              <a:solidFill>
+                <a:srgbClr val="0070C0"/>
+              </a:solidFill>
+            </a:endParaRPr>
+          </a:p>
+          <a:p>
+            <a:pPr algn="ctr"/>
+            <a:r>
+              <a:rPr lang="en-US" altLang="ko-KR" sz="1000" dirty="0" smtClean="0">
+                <a:solidFill>
+                  <a:srgbClr val="0070C0"/>
+                </a:solidFill>
+              </a:rPr>
+              <a:t>PR_SAVE_PNT_CUSTOMER</a:t>
+            </a:r>
+            <a:endParaRPr lang="ko-KR" altLang="en-US" sz="1000" dirty="0">
+              <a:solidFill>
+                <a:srgbClr val="0070C0"/>
+              </a:solidFill>
+            </a:endParaRPr>
+          </a:p>
+        </p:txBody>
+      </p:sp>
+      <p:cxnSp>
+        <p:nvCxnSpPr>
+          <p:cNvPr id="35" name="직선 연결선 34"/>
+          <p:cNvCxnSpPr>
+            <a:endCxn id="34" idx="0"/>
+          </p:cNvCxnSpPr>
+          <p:nvPr/>
+        </p:nvCxnSpPr>
+        <p:spPr>
+          <a:xfrm>
+            <a:off x="5508104" y="1052736"/>
+            <a:ext cx="0" cy="1038309"/>
+          </a:xfrm>
+          <a:prstGeom prst="line">
+            <a:avLst/>
+          </a:prstGeom>
+        </p:spPr>
+        <p:style>
+          <a:lnRef idx="1">
+            <a:schemeClr val="accent1"/>
+          </a:lnRef>
+          <a:fillRef idx="0">
+            <a:schemeClr val="accent1"/>
+          </a:fillRef>
+          <a:effectRef idx="0">
+            <a:schemeClr val="accent1"/>
+          </a:effectRef>
+          <a:fontRef idx="minor">
+            <a:schemeClr val="tx1"/>
+          </a:fontRef>
+        </p:style>
+      </p:cxnSp>
+      <p:cxnSp>
+        <p:nvCxnSpPr>
+          <p:cNvPr id="37" name="직선 화살표 연결선 36"/>
+          <p:cNvCxnSpPr/>
+          <p:nvPr/>
+        </p:nvCxnSpPr>
+        <p:spPr>
+          <a:xfrm>
+            <a:off x="1475656" y="2235061"/>
+            <a:ext cx="2880320" cy="0"/>
+          </a:xfrm>
+          <a:prstGeom prst="straightConnector1">
+            <a:avLst/>
+          </a:prstGeom>
+          <a:ln>
+            <a:solidFill>
+              <a:schemeClr val="tx1"/>
+            </a:solidFill>
+            <a:tailEnd type="arrow"/>
+          </a:ln>
+        </p:spPr>
+        <p:style>
+          <a:lnRef idx="1">
+            <a:schemeClr val="accent1"/>
+          </a:lnRef>
+          <a:fillRef idx="0">
+            <a:schemeClr val="accent1"/>
+          </a:fillRef>
+          <a:effectRef idx="0">
+            <a:schemeClr val="accent1"/>
+          </a:effectRef>
+          <a:fontRef idx="minor">
+            <a:schemeClr val="tx1"/>
+          </a:fontRef>
+        </p:style>
+      </p:cxnSp>
+      <p:cxnSp>
+        <p:nvCxnSpPr>
+          <p:cNvPr id="38" name="직선 화살표 연결선 37"/>
+          <p:cNvCxnSpPr/>
+          <p:nvPr/>
+        </p:nvCxnSpPr>
+        <p:spPr>
+          <a:xfrm flipH="1">
+            <a:off x="1475656" y="2379077"/>
+            <a:ext cx="2808312" cy="0"/>
+          </a:xfrm>
+          <a:prstGeom prst="straightConnector1">
+            <a:avLst/>
+          </a:prstGeom>
+          <a:ln>
+            <a:solidFill>
+              <a:schemeClr val="tx1"/>
+            </a:solidFill>
+            <a:tailEnd type="arrow"/>
+          </a:ln>
+        </p:spPr>
+        <p:style>
+          <a:lnRef idx="1">
+            <a:schemeClr val="accent1"/>
+          </a:lnRef>
+          <a:fillRef idx="0">
+            <a:schemeClr val="accent1"/>
+          </a:fillRef>
+          <a:effectRef idx="0">
+            <a:schemeClr val="accent1"/>
+          </a:effectRef>
+          <a:fontRef idx="minor">
+            <a:schemeClr val="tx1"/>
+          </a:fontRef>
+        </p:style>
+      </p:cxnSp>
+      <p:sp>
+        <p:nvSpPr>
+          <p:cNvPr id="39" name="TextBox 38"/>
+          <p:cNvSpPr txBox="1"/>
+          <p:nvPr/>
+        </p:nvSpPr>
+        <p:spPr>
+          <a:xfrm>
+            <a:off x="2195736" y="1988840"/>
+            <a:ext cx="1428596" cy="246221"/>
+          </a:xfrm>
+          <a:prstGeom prst="rect">
+            <a:avLst/>
+          </a:prstGeom>
+          <a:noFill/>
+        </p:spPr>
+        <p:txBody>
+          <a:bodyPr wrap="none" rtlCol="0">
+            <a:spAutoFit/>
+          </a:bodyPr>
+          <a:lstStyle/>
+          <a:p>
+            <a:r>
+              <a:rPr lang="ko-KR" altLang="en-US" sz="1000" dirty="0" smtClean="0"/>
+              <a:t>고객번호 및 회원정보</a:t>
+            </a:r>
+            <a:endParaRPr lang="ko-KR" altLang="en-US" sz="1000" dirty="0"/>
+          </a:p>
+        </p:txBody>
+      </p:sp>
+      <p:sp>
+        <p:nvSpPr>
+          <p:cNvPr id="40" name="TextBox 39"/>
+          <p:cNvSpPr txBox="1"/>
+          <p:nvPr/>
+        </p:nvSpPr>
+        <p:spPr>
+          <a:xfrm>
+            <a:off x="2195736" y="2379077"/>
+            <a:ext cx="742511" cy="246221"/>
+          </a:xfrm>
+          <a:prstGeom prst="rect">
+            <a:avLst/>
+          </a:prstGeom>
+          <a:noFill/>
+        </p:spPr>
+        <p:txBody>
+          <a:bodyPr wrap="none" rtlCol="0">
+            <a:spAutoFit/>
+          </a:bodyPr>
+          <a:lstStyle/>
+          <a:p>
+            <a:r>
+              <a:rPr lang="ko-KR" altLang="en-US" sz="1000" dirty="0" smtClean="0"/>
+              <a:t>처리 결과</a:t>
+            </a:r>
+            <a:endParaRPr lang="ko-KR" altLang="en-US" sz="1000" dirty="0"/>
+          </a:p>
+        </p:txBody>
+      </p:sp>
+      <p:sp>
+        <p:nvSpPr>
+          <p:cNvPr id="48" name="TextBox 47"/>
+          <p:cNvSpPr txBox="1"/>
+          <p:nvPr/>
+        </p:nvSpPr>
+        <p:spPr>
+          <a:xfrm>
+            <a:off x="107504" y="2780928"/>
+            <a:ext cx="335348" cy="246221"/>
+          </a:xfrm>
+          <a:prstGeom prst="rect">
+            <a:avLst/>
+          </a:prstGeom>
+          <a:noFill/>
+        </p:spPr>
+        <p:txBody>
+          <a:bodyPr wrap="none" rtlCol="0">
+            <a:spAutoFit/>
+          </a:bodyPr>
+          <a:lstStyle/>
+          <a:p>
+            <a:r>
+              <a:rPr lang="en-US" altLang="ko-KR" sz="1000" dirty="0" smtClean="0"/>
+              <a:t>no</a:t>
+            </a:r>
+            <a:endParaRPr lang="ko-KR" altLang="en-US" sz="1000" dirty="0"/>
+          </a:p>
+        </p:txBody>
+      </p:sp>
+      <p:sp>
+        <p:nvSpPr>
+          <p:cNvPr id="52" name="순서도: 판단 51"/>
+          <p:cNvSpPr/>
+          <p:nvPr/>
+        </p:nvSpPr>
+        <p:spPr>
+          <a:xfrm>
+            <a:off x="611560" y="2852936"/>
+            <a:ext cx="1728192" cy="648072"/>
+          </a:xfrm>
+          <a:prstGeom prst="flowChartDecision">
+            <a:avLst/>
+          </a:prstGeom>
+          <a:solidFill>
+            <a:schemeClr val="bg1"/>
+          </a:solidFill>
+          <a:ln w="12700">
+            <a:solidFill>
+              <a:schemeClr val="tx1">
+                <a:lumMod val="85000"/>
+                <a:lumOff val="15000"/>
+              </a:schemeClr>
+            </a:solidFill>
+          </a:ln>
+        </p:spPr>
+        <p:style>
+          <a:lnRef idx="2">
+            <a:schemeClr val="accent1">
+              <a:shade val="50000"/>
+            </a:schemeClr>
+          </a:lnRef>
+          <a:fillRef idx="1">
+            <a:schemeClr val="accent1"/>
+          </a:fillRef>
+          <a:effectRef idx="0">
+            <a:schemeClr val="accent1"/>
+          </a:effectRef>
+          <a:fontRef idx="minor">
+            <a:schemeClr val="lt1"/>
+          </a:fontRef>
+        </p:style>
+        <p:txBody>
+          <a:bodyPr rtlCol="0" anchor="ctr"/>
+          <a:lstStyle/>
+          <a:p>
+            <a:pPr algn="ctr"/>
+            <a:r>
+              <a:rPr lang="ko-KR" altLang="en-US" sz="1000" dirty="0" smtClean="0">
+                <a:solidFill>
+                  <a:srgbClr val="0070C0"/>
+                </a:solidFill>
+              </a:rPr>
+              <a:t>처리결과가 정상인가</a:t>
+            </a:r>
+            <a:r>
+              <a:rPr lang="en-US" altLang="ko-KR" sz="1000" dirty="0" smtClean="0">
+                <a:solidFill>
+                  <a:srgbClr val="0070C0"/>
+                </a:solidFill>
+              </a:rPr>
+              <a:t>?</a:t>
+            </a:r>
+            <a:endParaRPr lang="ko-KR" altLang="en-US" sz="1000" dirty="0">
+              <a:solidFill>
+                <a:srgbClr val="0070C0"/>
+              </a:solidFill>
+            </a:endParaRPr>
+          </a:p>
+        </p:txBody>
+      </p:sp>
+      <p:sp>
+        <p:nvSpPr>
+          <p:cNvPr id="56" name="TextBox 55"/>
+          <p:cNvSpPr txBox="1"/>
+          <p:nvPr/>
+        </p:nvSpPr>
+        <p:spPr>
+          <a:xfrm>
+            <a:off x="1175446" y="3470811"/>
+            <a:ext cx="372218" cy="246221"/>
+          </a:xfrm>
+          <a:prstGeom prst="rect">
+            <a:avLst/>
+          </a:prstGeom>
+          <a:noFill/>
+        </p:spPr>
+        <p:txBody>
+          <a:bodyPr wrap="none" rtlCol="0">
+            <a:spAutoFit/>
+          </a:bodyPr>
+          <a:lstStyle/>
+          <a:p>
+            <a:r>
+              <a:rPr lang="en-US" altLang="ko-KR" sz="1000" dirty="0" smtClean="0"/>
+              <a:t>yes</a:t>
+            </a:r>
+            <a:endParaRPr lang="ko-KR" altLang="en-US" sz="1000" dirty="0"/>
+          </a:p>
+        </p:txBody>
+      </p:sp>
+      <p:cxnSp>
+        <p:nvCxnSpPr>
+          <p:cNvPr id="57" name="꺾인 연결선 56"/>
+          <p:cNvCxnSpPr>
+            <a:stCxn id="52" idx="1"/>
+            <a:endCxn id="7" idx="1"/>
+          </p:cNvCxnSpPr>
+          <p:nvPr/>
+        </p:nvCxnSpPr>
+        <p:spPr>
+          <a:xfrm rot="10800000" flipH="1">
+            <a:off x="611560" y="1592796"/>
+            <a:ext cx="288032" cy="1584176"/>
+          </a:xfrm>
+          <a:prstGeom prst="bentConnector3">
+            <a:avLst>
+              <a:gd name="adj1" fmla="val -79366"/>
+            </a:avLst>
+          </a:prstGeom>
+          <a:ln>
+            <a:solidFill>
+              <a:schemeClr val="tx1">
+                <a:lumMod val="85000"/>
+                <a:lumOff val="15000"/>
+              </a:schemeClr>
+            </a:solidFill>
+            <a:tailEnd type="arrow"/>
+          </a:ln>
+        </p:spPr>
+        <p:style>
+          <a:lnRef idx="1">
+            <a:schemeClr val="accent1"/>
+          </a:lnRef>
+          <a:fillRef idx="0">
+            <a:schemeClr val="accent1"/>
+          </a:fillRef>
+          <a:effectRef idx="0">
+            <a:schemeClr val="accent1"/>
+          </a:effectRef>
+          <a:fontRef idx="minor">
+            <a:schemeClr val="tx1"/>
+          </a:fontRef>
+        </p:style>
+      </p:cxnSp>
+      <p:sp>
+        <p:nvSpPr>
+          <p:cNvPr id="60" name="순서도: 수행의 시작/종료 59"/>
+          <p:cNvSpPr/>
+          <p:nvPr/>
+        </p:nvSpPr>
+        <p:spPr>
+          <a:xfrm>
+            <a:off x="1115616" y="4653136"/>
+            <a:ext cx="720080" cy="288032"/>
+          </a:xfrm>
+          <a:prstGeom prst="flowChartTerminator">
+            <a:avLst/>
+          </a:prstGeom>
+          <a:noFill/>
+          <a:ln w="12700">
+            <a:solidFill>
+              <a:schemeClr val="tx1">
+                <a:lumMod val="75000"/>
+                <a:lumOff val="25000"/>
+              </a:schemeClr>
+            </a:solidFill>
+          </a:ln>
+        </p:spPr>
+        <p:style>
+          <a:lnRef idx="2">
+            <a:schemeClr val="accent1">
+              <a:shade val="50000"/>
+            </a:schemeClr>
+          </a:lnRef>
+          <a:fillRef idx="1">
+            <a:schemeClr val="accent1"/>
+          </a:fillRef>
+          <a:effectRef idx="0">
+            <a:schemeClr val="accent1"/>
+          </a:effectRef>
+          <a:fontRef idx="minor">
+            <a:schemeClr val="lt1"/>
+          </a:fontRef>
+        </p:style>
+        <p:txBody>
+          <a:bodyPr rtlCol="0" anchor="ctr"/>
+          <a:lstStyle/>
+          <a:p>
+            <a:pPr algn="ctr"/>
+            <a:r>
+              <a:rPr lang="en-US" altLang="ko-KR" sz="1000" dirty="0" smtClean="0">
+                <a:solidFill>
+                  <a:schemeClr val="tx1"/>
+                </a:solidFill>
+              </a:rPr>
+              <a:t>END</a:t>
+            </a:r>
+            <a:endParaRPr lang="ko-KR" altLang="en-US" sz="1000" dirty="0">
+              <a:solidFill>
+                <a:schemeClr val="tx1"/>
+              </a:solidFill>
+            </a:endParaRPr>
+          </a:p>
+        </p:txBody>
+      </p:sp>
+      <p:cxnSp>
+        <p:nvCxnSpPr>
+          <p:cNvPr id="61" name="직선 연결선 60"/>
+          <p:cNvCxnSpPr>
+            <a:endCxn id="60" idx="0"/>
+          </p:cNvCxnSpPr>
+          <p:nvPr/>
+        </p:nvCxnSpPr>
+        <p:spPr>
+          <a:xfrm>
+            <a:off x="1475656" y="4365104"/>
+            <a:ext cx="0" cy="288032"/>
+          </a:xfrm>
+          <a:prstGeom prst="line">
+            <a:avLst/>
+          </a:prstGeom>
+        </p:spPr>
+        <p:style>
+          <a:lnRef idx="1">
+            <a:schemeClr val="accent1"/>
+          </a:lnRef>
+          <a:fillRef idx="0">
+            <a:schemeClr val="accent1"/>
+          </a:fillRef>
+          <a:effectRef idx="0">
+            <a:schemeClr val="accent1"/>
+          </a:effectRef>
+          <a:fontRef idx="minor">
+            <a:schemeClr val="tx1"/>
+          </a:fontRef>
+        </p:style>
+      </p:cxnSp>
+    </p:spTree>
+  </p:cSld>
+  <p:clrMapOvr>
+    <a:masterClrMapping/>
+  </p:clrMapOvr>
+</p:sld>
+</file>
+
+<file path=ppt/slides/slide5.xml><?xml version="1.0" encoding="utf-8"?>
+<p:sld xmlns:a="http://schemas.openxmlformats.org/drawingml/2006/main" xmlns:r="http://schemas.openxmlformats.org/officeDocument/2006/relationships" xmlns:p="http://schemas.openxmlformats.org/presentationml/2006/main">
+  <p:cSld>
+    <p:spTree>
+      <p:nvGrpSpPr>
+        <p:cNvPr id="1" name=""/>
+        <p:cNvGrpSpPr/>
+        <p:nvPr/>
+      </p:nvGrpSpPr>
+      <p:grpSpPr>
+        <a:xfrm>
+          <a:off x="0" y="0"/>
+          <a:ext cx="0" cy="0"/>
+          <a:chOff x="0" y="0"/>
+          <a:chExt cx="0" cy="0"/>
+        </a:xfrm>
+      </p:grpSpPr>
+      <p:pic>
+        <p:nvPicPr>
+          <p:cNvPr id="4098" name="Picture 2"/>
+          <p:cNvPicPr>
+            <a:picLocks noChangeAspect="1" noChangeArrowheads="1"/>
+          </p:cNvPicPr>
+          <p:nvPr/>
+        </p:nvPicPr>
+        <p:blipFill>
+          <a:blip r:embed="rId2" cstate="print"/>
+          <a:srcRect/>
+          <a:stretch>
+            <a:fillRect/>
+          </a:stretch>
+        </p:blipFill>
+        <p:spPr bwMode="auto">
+          <a:xfrm>
+            <a:off x="4932040" y="548680"/>
+            <a:ext cx="1133475" cy="523875"/>
+          </a:xfrm>
+          <a:prstGeom prst="rect">
+            <a:avLst/>
+          </a:prstGeom>
+          <a:noFill/>
+          <a:ln w="9525">
+            <a:noFill/>
+            <a:miter lim="800000"/>
+            <a:headEnd/>
+            <a:tailEnd/>
+          </a:ln>
+        </p:spPr>
+      </p:pic>
+      <p:pic>
+        <p:nvPicPr>
+          <p:cNvPr id="6" name="Picture 3" descr="C:\Users\webme\OneDrive\바탕 화면\lahan_logo.png"/>
+          <p:cNvPicPr>
+            <a:picLocks noChangeAspect="1" noChangeArrowheads="1"/>
+          </p:cNvPicPr>
+          <p:nvPr/>
+        </p:nvPicPr>
+        <p:blipFill>
+          <a:blip r:embed="rId3" cstate="print"/>
+          <a:srcRect/>
+          <a:stretch>
+            <a:fillRect/>
+          </a:stretch>
+        </p:blipFill>
+        <p:spPr bwMode="auto">
+          <a:xfrm>
+            <a:off x="971600" y="476672"/>
+            <a:ext cx="940792" cy="436796"/>
+          </a:xfrm>
+          <a:prstGeom prst="rect">
+            <a:avLst/>
+          </a:prstGeom>
+          <a:noFill/>
+        </p:spPr>
+      </p:pic>
+      <p:sp>
+        <p:nvSpPr>
+          <p:cNvPr id="7" name="직사각형 6"/>
+          <p:cNvSpPr/>
+          <p:nvPr/>
+        </p:nvSpPr>
+        <p:spPr>
+          <a:xfrm>
+            <a:off x="899592" y="1340768"/>
+            <a:ext cx="1080120" cy="504056"/>
+          </a:xfrm>
+          <a:prstGeom prst="rect">
+            <a:avLst/>
+          </a:prstGeom>
+          <a:noFill/>
+          <a:ln w="12700">
+            <a:solidFill>
+              <a:schemeClr val="tx1">
+                <a:lumMod val="75000"/>
+                <a:lumOff val="25000"/>
+              </a:schemeClr>
+            </a:solidFill>
+          </a:ln>
+        </p:spPr>
+        <p:style>
+          <a:lnRef idx="2">
+            <a:schemeClr val="accent1">
+              <a:shade val="50000"/>
+            </a:schemeClr>
+          </a:lnRef>
+          <a:fillRef idx="1">
+            <a:schemeClr val="accent1"/>
+          </a:fillRef>
+          <a:effectRef idx="0">
+            <a:schemeClr val="accent1"/>
+          </a:effectRef>
+          <a:fontRef idx="minor">
+            <a:schemeClr val="lt1"/>
+          </a:fontRef>
+        </p:style>
+        <p:txBody>
+          <a:bodyPr rtlCol="0" anchor="ctr"/>
+          <a:lstStyle/>
+          <a:p>
+            <a:pPr algn="ctr"/>
+            <a:r>
+              <a:rPr lang="ko-KR" altLang="en-US" sz="1000" dirty="0" smtClean="0">
+                <a:solidFill>
+                  <a:srgbClr val="0070C0"/>
+                </a:solidFill>
+              </a:rPr>
+              <a:t>회원 </a:t>
+            </a:r>
+            <a:endParaRPr lang="en-US" altLang="ko-KR" sz="1000" dirty="0" smtClean="0">
+              <a:solidFill>
+                <a:srgbClr val="0070C0"/>
+              </a:solidFill>
+            </a:endParaRPr>
+          </a:p>
+          <a:p>
+            <a:pPr algn="ctr"/>
+            <a:r>
+              <a:rPr lang="ko-KR" altLang="en-US" sz="1000" dirty="0" smtClean="0">
+                <a:solidFill>
+                  <a:srgbClr val="0070C0"/>
+                </a:solidFill>
+              </a:rPr>
+              <a:t>휴면</a:t>
+            </a:r>
+            <a:r>
+              <a:rPr lang="en-US" altLang="ko-KR" sz="1000" dirty="0" smtClean="0">
+                <a:solidFill>
+                  <a:srgbClr val="0070C0"/>
+                </a:solidFill>
+              </a:rPr>
+              <a:t>/</a:t>
+            </a:r>
+            <a:r>
+              <a:rPr lang="ko-KR" altLang="en-US" sz="1000" dirty="0" smtClean="0">
+                <a:solidFill>
+                  <a:srgbClr val="0070C0"/>
+                </a:solidFill>
+              </a:rPr>
+              <a:t>복귀</a:t>
+            </a:r>
+            <a:r>
+              <a:rPr lang="en-US" altLang="ko-KR" sz="1000" dirty="0" smtClean="0">
+                <a:solidFill>
+                  <a:srgbClr val="0070C0"/>
+                </a:solidFill>
+              </a:rPr>
+              <a:t>/</a:t>
+            </a:r>
+            <a:r>
+              <a:rPr lang="ko-KR" altLang="en-US" sz="1000" dirty="0" smtClean="0">
+                <a:solidFill>
+                  <a:srgbClr val="0070C0"/>
+                </a:solidFill>
+              </a:rPr>
+              <a:t>탈퇴</a:t>
+            </a:r>
+            <a:endParaRPr lang="ko-KR" altLang="en-US" sz="1000" dirty="0">
+              <a:solidFill>
+                <a:srgbClr val="0070C0"/>
+              </a:solidFill>
+            </a:endParaRPr>
+          </a:p>
+        </p:txBody>
+      </p:sp>
+      <p:sp>
+        <p:nvSpPr>
+          <p:cNvPr id="8" name="TextBox 7"/>
+          <p:cNvSpPr txBox="1"/>
+          <p:nvPr/>
+        </p:nvSpPr>
+        <p:spPr>
+          <a:xfrm>
+            <a:off x="827584" y="908720"/>
+            <a:ext cx="1316386" cy="276999"/>
+          </a:xfrm>
+          <a:prstGeom prst="rect">
+            <a:avLst/>
+          </a:prstGeom>
+          <a:noFill/>
+        </p:spPr>
+        <p:txBody>
+          <a:bodyPr wrap="none" rtlCol="0">
+            <a:spAutoFit/>
+          </a:bodyPr>
+          <a:lstStyle/>
+          <a:p>
+            <a:r>
+              <a:rPr lang="ko-KR" altLang="en-US" sz="1200" dirty="0" smtClean="0"/>
+              <a:t>멤버십 백오피스</a:t>
+            </a:r>
+            <a:endParaRPr lang="ko-KR" altLang="en-US" sz="1200" dirty="0"/>
+          </a:p>
+        </p:txBody>
+      </p:sp>
+      <p:sp>
+        <p:nvSpPr>
+          <p:cNvPr id="11" name="직사각형 10"/>
+          <p:cNvSpPr/>
+          <p:nvPr/>
+        </p:nvSpPr>
+        <p:spPr>
+          <a:xfrm>
+            <a:off x="899592" y="3861048"/>
+            <a:ext cx="1080120" cy="504056"/>
+          </a:xfrm>
+          <a:prstGeom prst="rect">
+            <a:avLst/>
+          </a:prstGeom>
+          <a:noFill/>
+          <a:ln w="12700">
+            <a:solidFill>
+              <a:schemeClr val="tx1">
+                <a:lumMod val="75000"/>
+                <a:lumOff val="25000"/>
+              </a:schemeClr>
+            </a:solidFill>
+          </a:ln>
+        </p:spPr>
+        <p:style>
+          <a:lnRef idx="2">
+            <a:schemeClr val="accent1">
+              <a:shade val="50000"/>
+            </a:schemeClr>
+          </a:lnRef>
+          <a:fillRef idx="1">
+            <a:schemeClr val="accent1"/>
+          </a:fillRef>
+          <a:effectRef idx="0">
+            <a:schemeClr val="accent1"/>
+          </a:effectRef>
+          <a:fontRef idx="minor">
+            <a:schemeClr val="lt1"/>
+          </a:fontRef>
+        </p:style>
+        <p:txBody>
+          <a:bodyPr rtlCol="0" anchor="ctr"/>
+          <a:lstStyle/>
+          <a:p>
+            <a:pPr algn="ctr"/>
+            <a:r>
+              <a:rPr lang="ko-KR" altLang="en-US" sz="1000" dirty="0" smtClean="0">
+                <a:solidFill>
+                  <a:srgbClr val="0070C0"/>
+                </a:solidFill>
+              </a:rPr>
+              <a:t>멤버십 </a:t>
+            </a:r>
+            <a:r>
+              <a:rPr lang="en-US" altLang="ko-KR" sz="1000" dirty="0" smtClean="0">
+                <a:solidFill>
+                  <a:srgbClr val="0070C0"/>
+                </a:solidFill>
+              </a:rPr>
+              <a:t>DB </a:t>
+            </a:r>
+            <a:r>
+              <a:rPr lang="ko-KR" altLang="en-US" sz="1000" dirty="0" smtClean="0">
+                <a:solidFill>
+                  <a:srgbClr val="0070C0"/>
+                </a:solidFill>
+              </a:rPr>
+              <a:t>처리</a:t>
+            </a:r>
+            <a:endParaRPr lang="ko-KR" altLang="en-US" sz="1000" dirty="0">
+              <a:solidFill>
+                <a:srgbClr val="0070C0"/>
+              </a:solidFill>
+            </a:endParaRPr>
+          </a:p>
+        </p:txBody>
+      </p:sp>
+      <p:cxnSp>
+        <p:nvCxnSpPr>
+          <p:cNvPr id="13" name="직선 연결선 12"/>
+          <p:cNvCxnSpPr>
+            <a:stCxn id="7" idx="2"/>
+            <a:endCxn id="11" idx="0"/>
+          </p:cNvCxnSpPr>
+          <p:nvPr/>
+        </p:nvCxnSpPr>
+        <p:spPr>
+          <a:xfrm>
+            <a:off x="1439652" y="1844824"/>
+            <a:ext cx="0" cy="2016224"/>
+          </a:xfrm>
+          <a:prstGeom prst="line">
+            <a:avLst/>
+          </a:prstGeom>
+        </p:spPr>
+        <p:style>
+          <a:lnRef idx="1">
+            <a:schemeClr val="accent1"/>
+          </a:lnRef>
+          <a:fillRef idx="0">
+            <a:schemeClr val="accent1"/>
+          </a:fillRef>
+          <a:effectRef idx="0">
+            <a:schemeClr val="accent1"/>
+          </a:effectRef>
+          <a:fontRef idx="minor">
+            <a:schemeClr val="tx1"/>
+          </a:fontRef>
+        </p:style>
+      </p:cxnSp>
+      <p:cxnSp>
+        <p:nvCxnSpPr>
+          <p:cNvPr id="25" name="직선 연결선 24"/>
+          <p:cNvCxnSpPr/>
+          <p:nvPr/>
+        </p:nvCxnSpPr>
+        <p:spPr>
+          <a:xfrm>
+            <a:off x="1475656" y="1124744"/>
+            <a:ext cx="0" cy="216024"/>
+          </a:xfrm>
+          <a:prstGeom prst="line">
+            <a:avLst/>
+          </a:prstGeom>
+        </p:spPr>
+        <p:style>
+          <a:lnRef idx="1">
+            <a:schemeClr val="accent1"/>
+          </a:lnRef>
+          <a:fillRef idx="0">
+            <a:schemeClr val="accent1"/>
+          </a:fillRef>
+          <a:effectRef idx="0">
+            <a:schemeClr val="accent1"/>
+          </a:effectRef>
+          <a:fontRef idx="minor">
+            <a:schemeClr val="tx1"/>
+          </a:fontRef>
+        </p:style>
+      </p:cxnSp>
+      <p:sp>
+        <p:nvSpPr>
+          <p:cNvPr id="34" name="직사각형 33"/>
+          <p:cNvSpPr/>
+          <p:nvPr/>
+        </p:nvSpPr>
+        <p:spPr>
+          <a:xfrm>
+            <a:off x="4355976" y="2091044"/>
+            <a:ext cx="2304256" cy="1409964"/>
+          </a:xfrm>
+          <a:prstGeom prst="rect">
+            <a:avLst/>
+          </a:prstGeom>
+          <a:noFill/>
+          <a:ln w="12700">
+            <a:solidFill>
+              <a:schemeClr val="tx1">
+                <a:lumMod val="75000"/>
+                <a:lumOff val="25000"/>
+              </a:schemeClr>
+            </a:solidFill>
+          </a:ln>
+        </p:spPr>
+        <p:style>
+          <a:lnRef idx="2">
+            <a:schemeClr val="accent1">
+              <a:shade val="50000"/>
+            </a:schemeClr>
+          </a:lnRef>
+          <a:fillRef idx="1">
+            <a:schemeClr val="accent1"/>
+          </a:fillRef>
+          <a:effectRef idx="0">
+            <a:schemeClr val="accent1"/>
+          </a:effectRef>
+          <a:fontRef idx="minor">
+            <a:schemeClr val="lt1"/>
+          </a:fontRef>
+        </p:style>
+        <p:txBody>
+          <a:bodyPr rtlCol="0" anchor="ctr"/>
+          <a:lstStyle/>
+          <a:p>
+            <a:pPr algn="ctr"/>
+            <a:r>
+              <a:rPr lang="ko-KR" altLang="en-US" sz="1000" dirty="0" smtClean="0">
+                <a:solidFill>
+                  <a:srgbClr val="0070C0"/>
+                </a:solidFill>
+              </a:rPr>
+              <a:t>회원 휴면 처리 프로시저</a:t>
+            </a:r>
+            <a:endParaRPr lang="en-US" altLang="ko-KR" sz="1000" dirty="0" smtClean="0">
+              <a:solidFill>
+                <a:srgbClr val="0070C0"/>
+              </a:solidFill>
+            </a:endParaRPr>
+          </a:p>
+          <a:p>
+            <a:pPr algn="ctr"/>
+            <a:r>
+              <a:rPr lang="en-US" altLang="ko-KR" sz="1000" dirty="0" smtClean="0">
+                <a:solidFill>
+                  <a:srgbClr val="000000"/>
+                </a:solidFill>
+                <a:latin typeface="맑은 고딕" panose="020B0503020000020004" pitchFamily="50" charset="-127"/>
+                <a:ea typeface="맑은 고딕" panose="020B0503020000020004" pitchFamily="50" charset="-127"/>
+              </a:rPr>
+              <a:t>PR_DATA_DORMANCY</a:t>
+            </a:r>
+          </a:p>
+          <a:p>
+            <a:pPr algn="ctr"/>
+            <a:endParaRPr lang="en-US" altLang="ko-KR" sz="1000" dirty="0" smtClean="0">
+              <a:solidFill>
+                <a:srgbClr val="000000"/>
+              </a:solidFill>
+              <a:latin typeface="맑은 고딕" panose="020B0503020000020004" pitchFamily="50" charset="-127"/>
+              <a:ea typeface="맑은 고딕" panose="020B0503020000020004" pitchFamily="50" charset="-127"/>
+            </a:endParaRPr>
+          </a:p>
+          <a:p>
+            <a:pPr algn="ctr"/>
+            <a:r>
+              <a:rPr lang="ko-KR" altLang="en-US" sz="1000" dirty="0" smtClean="0">
+                <a:solidFill>
+                  <a:srgbClr val="0070C0"/>
+                </a:solidFill>
+              </a:rPr>
+              <a:t>회원 </a:t>
+            </a:r>
+            <a:r>
+              <a:rPr lang="ko-KR" altLang="en-US" sz="1000" dirty="0" smtClean="0">
+                <a:solidFill>
+                  <a:srgbClr val="0070C0"/>
+                </a:solidFill>
+              </a:rPr>
+              <a:t>휴면 복원 프로시저</a:t>
+            </a:r>
+            <a:endParaRPr lang="en-US" altLang="ko-KR" sz="1000" dirty="0" smtClean="0">
+              <a:solidFill>
+                <a:srgbClr val="0070C0"/>
+              </a:solidFill>
+            </a:endParaRPr>
+          </a:p>
+          <a:p>
+            <a:pPr algn="ctr"/>
+            <a:r>
+              <a:rPr lang="en-US" altLang="ko-KR" sz="1000" dirty="0" smtClean="0">
+                <a:solidFill>
+                  <a:srgbClr val="000000"/>
+                </a:solidFill>
+                <a:latin typeface="맑은 고딕" panose="020B0503020000020004" pitchFamily="50" charset="-127"/>
+                <a:ea typeface="맑은 고딕" panose="020B0503020000020004" pitchFamily="50" charset="-127"/>
+              </a:rPr>
+              <a:t>PR_DATA_RECOVER</a:t>
+            </a:r>
+          </a:p>
+          <a:p>
+            <a:pPr algn="ctr"/>
+            <a:endParaRPr lang="en-US" altLang="ko-KR" sz="1000" dirty="0" smtClean="0">
+              <a:solidFill>
+                <a:srgbClr val="000000"/>
+              </a:solidFill>
+              <a:latin typeface="맑은 고딕" panose="020B0503020000020004" pitchFamily="50" charset="-127"/>
+              <a:ea typeface="맑은 고딕" panose="020B0503020000020004" pitchFamily="50" charset="-127"/>
+            </a:endParaRPr>
+          </a:p>
+          <a:p>
+            <a:pPr algn="ctr"/>
+            <a:r>
+              <a:rPr lang="ko-KR" altLang="en-US" sz="1000" dirty="0" smtClean="0">
+                <a:solidFill>
+                  <a:srgbClr val="0070C0"/>
+                </a:solidFill>
+              </a:rPr>
+              <a:t>회원 </a:t>
+            </a:r>
+            <a:r>
+              <a:rPr lang="ko-KR" altLang="en-US" sz="1000" dirty="0" smtClean="0">
+                <a:solidFill>
+                  <a:srgbClr val="0070C0"/>
+                </a:solidFill>
+              </a:rPr>
+              <a:t>탈퇴 처리 프로시저</a:t>
+            </a:r>
+            <a:endParaRPr lang="en-US" altLang="ko-KR" sz="1000" dirty="0" smtClean="0">
+              <a:solidFill>
+                <a:srgbClr val="0070C0"/>
+              </a:solidFill>
+            </a:endParaRPr>
+          </a:p>
+          <a:p>
+            <a:pPr algn="ctr"/>
+            <a:r>
+              <a:rPr lang="en-US" altLang="ko-KR" sz="1000" dirty="0" smtClean="0">
+                <a:solidFill>
+                  <a:srgbClr val="000000"/>
+                </a:solidFill>
+                <a:latin typeface="맑은 고딕" panose="020B0503020000020004" pitchFamily="50" charset="-127"/>
+                <a:ea typeface="맑은 고딕" panose="020B0503020000020004" pitchFamily="50" charset="-127"/>
+              </a:rPr>
+              <a:t>PR_DATA_ERASE</a:t>
+            </a:r>
+          </a:p>
+          <a:p>
+            <a:pPr algn="ctr"/>
+            <a:endParaRPr lang="ko-KR" altLang="en-US" sz="1000" dirty="0">
+              <a:solidFill>
+                <a:srgbClr val="0070C0"/>
+              </a:solidFill>
+            </a:endParaRPr>
+          </a:p>
+        </p:txBody>
+      </p:sp>
+      <p:cxnSp>
+        <p:nvCxnSpPr>
+          <p:cNvPr id="35" name="직선 연결선 34"/>
+          <p:cNvCxnSpPr>
+            <a:endCxn id="34" idx="0"/>
+          </p:cNvCxnSpPr>
+          <p:nvPr/>
+        </p:nvCxnSpPr>
+        <p:spPr>
+          <a:xfrm>
+            <a:off x="5508104" y="1052736"/>
+            <a:ext cx="0" cy="1038308"/>
+          </a:xfrm>
+          <a:prstGeom prst="line">
+            <a:avLst/>
+          </a:prstGeom>
+        </p:spPr>
+        <p:style>
+          <a:lnRef idx="1">
+            <a:schemeClr val="accent1"/>
+          </a:lnRef>
+          <a:fillRef idx="0">
+            <a:schemeClr val="accent1"/>
+          </a:fillRef>
+          <a:effectRef idx="0">
+            <a:schemeClr val="accent1"/>
+          </a:effectRef>
+          <a:fontRef idx="minor">
+            <a:schemeClr val="tx1"/>
+          </a:fontRef>
+        </p:style>
+      </p:cxnSp>
+      <p:cxnSp>
+        <p:nvCxnSpPr>
+          <p:cNvPr id="37" name="직선 화살표 연결선 36"/>
+          <p:cNvCxnSpPr/>
+          <p:nvPr/>
+        </p:nvCxnSpPr>
+        <p:spPr>
+          <a:xfrm>
+            <a:off x="1475656" y="2235061"/>
+            <a:ext cx="2880320" cy="0"/>
+          </a:xfrm>
+          <a:prstGeom prst="straightConnector1">
+            <a:avLst/>
+          </a:prstGeom>
+          <a:ln>
+            <a:solidFill>
+              <a:schemeClr val="tx1"/>
+            </a:solidFill>
+            <a:tailEnd type="arrow"/>
+          </a:ln>
+        </p:spPr>
+        <p:style>
+          <a:lnRef idx="1">
+            <a:schemeClr val="accent1"/>
+          </a:lnRef>
+          <a:fillRef idx="0">
+            <a:schemeClr val="accent1"/>
+          </a:fillRef>
+          <a:effectRef idx="0">
+            <a:schemeClr val="accent1"/>
+          </a:effectRef>
+          <a:fontRef idx="minor">
+            <a:schemeClr val="tx1"/>
+          </a:fontRef>
+        </p:style>
+      </p:cxnSp>
+      <p:cxnSp>
+        <p:nvCxnSpPr>
+          <p:cNvPr id="38" name="직선 화살표 연결선 37"/>
+          <p:cNvCxnSpPr/>
+          <p:nvPr/>
+        </p:nvCxnSpPr>
+        <p:spPr>
+          <a:xfrm flipH="1">
+            <a:off x="1475656" y="2379077"/>
+            <a:ext cx="2808312" cy="0"/>
+          </a:xfrm>
+          <a:prstGeom prst="straightConnector1">
+            <a:avLst/>
+          </a:prstGeom>
+          <a:ln>
+            <a:solidFill>
+              <a:schemeClr val="tx1"/>
+            </a:solidFill>
+            <a:tailEnd type="arrow"/>
+          </a:ln>
+        </p:spPr>
+        <p:style>
+          <a:lnRef idx="1">
+            <a:schemeClr val="accent1"/>
+          </a:lnRef>
+          <a:fillRef idx="0">
+            <a:schemeClr val="accent1"/>
+          </a:fillRef>
+          <a:effectRef idx="0">
+            <a:schemeClr val="accent1"/>
+          </a:effectRef>
+          <a:fontRef idx="minor">
+            <a:schemeClr val="tx1"/>
+          </a:fontRef>
+        </p:style>
+      </p:cxnSp>
+      <p:sp>
+        <p:nvSpPr>
+          <p:cNvPr id="39" name="TextBox 38"/>
+          <p:cNvSpPr txBox="1"/>
+          <p:nvPr/>
+        </p:nvSpPr>
+        <p:spPr>
+          <a:xfrm>
+            <a:off x="2195736" y="1988840"/>
+            <a:ext cx="1428596" cy="246221"/>
+          </a:xfrm>
+          <a:prstGeom prst="rect">
+            <a:avLst/>
+          </a:prstGeom>
+          <a:noFill/>
+        </p:spPr>
+        <p:txBody>
+          <a:bodyPr wrap="none" rtlCol="0">
+            <a:spAutoFit/>
+          </a:bodyPr>
+          <a:lstStyle/>
+          <a:p>
+            <a:r>
+              <a:rPr lang="ko-KR" altLang="en-US" sz="1000" dirty="0" smtClean="0"/>
+              <a:t>고객번호 및 회원정보</a:t>
+            </a:r>
+            <a:endParaRPr lang="ko-KR" altLang="en-US" sz="1000" dirty="0"/>
+          </a:p>
+        </p:txBody>
+      </p:sp>
+      <p:sp>
+        <p:nvSpPr>
+          <p:cNvPr id="40" name="TextBox 39"/>
+          <p:cNvSpPr txBox="1"/>
+          <p:nvPr/>
+        </p:nvSpPr>
+        <p:spPr>
+          <a:xfrm>
+            <a:off x="2195736" y="2379077"/>
+            <a:ext cx="742511" cy="246221"/>
+          </a:xfrm>
+          <a:prstGeom prst="rect">
+            <a:avLst/>
+          </a:prstGeom>
+          <a:noFill/>
+        </p:spPr>
+        <p:txBody>
+          <a:bodyPr wrap="none" rtlCol="0">
+            <a:spAutoFit/>
+          </a:bodyPr>
+          <a:lstStyle/>
+          <a:p>
+            <a:r>
+              <a:rPr lang="ko-KR" altLang="en-US" sz="1000" dirty="0" smtClean="0"/>
+              <a:t>처리 결과</a:t>
+            </a:r>
+            <a:endParaRPr lang="ko-KR" altLang="en-US" sz="1000" dirty="0"/>
+          </a:p>
+        </p:txBody>
+      </p:sp>
+      <p:sp>
+        <p:nvSpPr>
+          <p:cNvPr id="48" name="TextBox 47"/>
+          <p:cNvSpPr txBox="1"/>
+          <p:nvPr/>
+        </p:nvSpPr>
+        <p:spPr>
+          <a:xfrm>
+            <a:off x="107504" y="2780928"/>
+            <a:ext cx="335348" cy="246221"/>
+          </a:xfrm>
+          <a:prstGeom prst="rect">
+            <a:avLst/>
+          </a:prstGeom>
+          <a:noFill/>
+        </p:spPr>
+        <p:txBody>
+          <a:bodyPr wrap="none" rtlCol="0">
+            <a:spAutoFit/>
+          </a:bodyPr>
+          <a:lstStyle/>
+          <a:p>
+            <a:r>
+              <a:rPr lang="en-US" altLang="ko-KR" sz="1000" dirty="0" smtClean="0"/>
+              <a:t>no</a:t>
+            </a:r>
+            <a:endParaRPr lang="ko-KR" altLang="en-US" sz="1000" dirty="0"/>
+          </a:p>
+        </p:txBody>
+      </p:sp>
+      <p:sp>
+        <p:nvSpPr>
+          <p:cNvPr id="52" name="순서도: 판단 51"/>
+          <p:cNvSpPr/>
+          <p:nvPr/>
+        </p:nvSpPr>
+        <p:spPr>
+          <a:xfrm>
+            <a:off x="611560" y="2852936"/>
+            <a:ext cx="1728192" cy="648072"/>
+          </a:xfrm>
+          <a:prstGeom prst="flowChartDecision">
+            <a:avLst/>
+          </a:prstGeom>
+          <a:solidFill>
+            <a:schemeClr val="bg1"/>
+          </a:solidFill>
+          <a:ln w="12700">
+            <a:solidFill>
+              <a:schemeClr val="tx1">
+                <a:lumMod val="85000"/>
+                <a:lumOff val="15000"/>
+              </a:schemeClr>
+            </a:solidFill>
+          </a:ln>
+        </p:spPr>
+        <p:style>
+          <a:lnRef idx="2">
+            <a:schemeClr val="accent1">
+              <a:shade val="50000"/>
+            </a:schemeClr>
+          </a:lnRef>
+          <a:fillRef idx="1">
+            <a:schemeClr val="accent1"/>
+          </a:fillRef>
+          <a:effectRef idx="0">
+            <a:schemeClr val="accent1"/>
+          </a:effectRef>
+          <a:fontRef idx="minor">
+            <a:schemeClr val="lt1"/>
+          </a:fontRef>
+        </p:style>
+        <p:txBody>
+          <a:bodyPr rtlCol="0" anchor="ctr"/>
+          <a:lstStyle/>
+          <a:p>
+            <a:pPr algn="ctr"/>
+            <a:r>
+              <a:rPr lang="ko-KR" altLang="en-US" sz="1000" dirty="0" smtClean="0">
+                <a:solidFill>
+                  <a:srgbClr val="0070C0"/>
+                </a:solidFill>
+              </a:rPr>
+              <a:t>처리결과가 정상인가</a:t>
+            </a:r>
+            <a:r>
+              <a:rPr lang="en-US" altLang="ko-KR" sz="1000" dirty="0" smtClean="0">
+                <a:solidFill>
+                  <a:srgbClr val="0070C0"/>
+                </a:solidFill>
+              </a:rPr>
+              <a:t>?</a:t>
+            </a:r>
+            <a:endParaRPr lang="ko-KR" altLang="en-US" sz="1000" dirty="0">
+              <a:solidFill>
+                <a:srgbClr val="0070C0"/>
+              </a:solidFill>
+            </a:endParaRPr>
+          </a:p>
+        </p:txBody>
+      </p:sp>
+      <p:sp>
+        <p:nvSpPr>
+          <p:cNvPr id="56" name="TextBox 55"/>
+          <p:cNvSpPr txBox="1"/>
+          <p:nvPr/>
+        </p:nvSpPr>
+        <p:spPr>
+          <a:xfrm>
+            <a:off x="1175446" y="3470811"/>
+            <a:ext cx="372218" cy="246221"/>
+          </a:xfrm>
+          <a:prstGeom prst="rect">
+            <a:avLst/>
+          </a:prstGeom>
+          <a:noFill/>
+        </p:spPr>
+        <p:txBody>
+          <a:bodyPr wrap="none" rtlCol="0">
+            <a:spAutoFit/>
+          </a:bodyPr>
+          <a:lstStyle/>
+          <a:p>
+            <a:r>
+              <a:rPr lang="en-US" altLang="ko-KR" sz="1000" dirty="0" smtClean="0"/>
+              <a:t>yes</a:t>
+            </a:r>
+            <a:endParaRPr lang="ko-KR" altLang="en-US" sz="1000" dirty="0"/>
+          </a:p>
+        </p:txBody>
+      </p:sp>
+      <p:cxnSp>
+        <p:nvCxnSpPr>
+          <p:cNvPr id="57" name="꺾인 연결선 56"/>
+          <p:cNvCxnSpPr>
+            <a:stCxn id="52" idx="1"/>
+            <a:endCxn id="7" idx="1"/>
+          </p:cNvCxnSpPr>
+          <p:nvPr/>
+        </p:nvCxnSpPr>
+        <p:spPr>
+          <a:xfrm rot="10800000" flipH="1">
+            <a:off x="611560" y="1592796"/>
+            <a:ext cx="288032" cy="1584176"/>
+          </a:xfrm>
+          <a:prstGeom prst="bentConnector3">
+            <a:avLst>
+              <a:gd name="adj1" fmla="val -79366"/>
+            </a:avLst>
+          </a:prstGeom>
+          <a:ln>
+            <a:solidFill>
+              <a:schemeClr val="tx1">
+                <a:lumMod val="85000"/>
+                <a:lumOff val="15000"/>
+              </a:schemeClr>
+            </a:solidFill>
+            <a:tailEnd type="arrow"/>
+          </a:ln>
+        </p:spPr>
+        <p:style>
+          <a:lnRef idx="1">
+            <a:schemeClr val="accent1"/>
+          </a:lnRef>
+          <a:fillRef idx="0">
+            <a:schemeClr val="accent1"/>
+          </a:fillRef>
+          <a:effectRef idx="0">
+            <a:schemeClr val="accent1"/>
+          </a:effectRef>
+          <a:fontRef idx="minor">
+            <a:schemeClr val="tx1"/>
+          </a:fontRef>
+        </p:style>
+      </p:cxnSp>
+      <p:sp>
+        <p:nvSpPr>
+          <p:cNvPr id="60" name="순서도: 수행의 시작/종료 59"/>
+          <p:cNvSpPr/>
+          <p:nvPr/>
+        </p:nvSpPr>
+        <p:spPr>
+          <a:xfrm>
+            <a:off x="1115616" y="4653136"/>
+            <a:ext cx="720080" cy="288032"/>
+          </a:xfrm>
+          <a:prstGeom prst="flowChartTerminator">
+            <a:avLst/>
+          </a:prstGeom>
+          <a:noFill/>
+          <a:ln w="12700">
+            <a:solidFill>
+              <a:schemeClr val="tx1">
+                <a:lumMod val="75000"/>
+                <a:lumOff val="25000"/>
+              </a:schemeClr>
+            </a:solidFill>
+          </a:ln>
+        </p:spPr>
+        <p:style>
+          <a:lnRef idx="2">
+            <a:schemeClr val="accent1">
+              <a:shade val="50000"/>
+            </a:schemeClr>
+          </a:lnRef>
+          <a:fillRef idx="1">
+            <a:schemeClr val="accent1"/>
+          </a:fillRef>
+          <a:effectRef idx="0">
+            <a:schemeClr val="accent1"/>
+          </a:effectRef>
+          <a:fontRef idx="minor">
+            <a:schemeClr val="lt1"/>
+          </a:fontRef>
+        </p:style>
+        <p:txBody>
+          <a:bodyPr rtlCol="0" anchor="ctr"/>
+          <a:lstStyle/>
+          <a:p>
+            <a:pPr algn="ctr"/>
+            <a:r>
+              <a:rPr lang="en-US" altLang="ko-KR" sz="1000" dirty="0" smtClean="0">
+                <a:solidFill>
+                  <a:schemeClr val="tx1"/>
+                </a:solidFill>
+              </a:rPr>
+              <a:t>END</a:t>
+            </a:r>
+            <a:endParaRPr lang="ko-KR" altLang="en-US" sz="1000" dirty="0">
+              <a:solidFill>
+                <a:schemeClr val="tx1"/>
+              </a:solidFill>
+            </a:endParaRPr>
+          </a:p>
+        </p:txBody>
+      </p:sp>
+      <p:cxnSp>
+        <p:nvCxnSpPr>
+          <p:cNvPr id="61" name="직선 연결선 60"/>
+          <p:cNvCxnSpPr>
+            <a:endCxn id="60" idx="0"/>
+          </p:cNvCxnSpPr>
+          <p:nvPr/>
+        </p:nvCxnSpPr>
+        <p:spPr>
+          <a:xfrm>
+            <a:off x="1475656" y="4365104"/>
+            <a:ext cx="0" cy="288032"/>
+          </a:xfrm>
+          <a:prstGeom prst="line">
+            <a:avLst/>
+          </a:prstGeom>
+        </p:spPr>
+        <p:style>
+          <a:lnRef idx="1">
+            <a:schemeClr val="accent1"/>
+          </a:lnRef>
+          <a:fillRef idx="0">
+            <a:schemeClr val="accent1"/>
+          </a:fillRef>
+          <a:effectRef idx="0">
+            <a:schemeClr val="accent1"/>
+          </a:effectRef>
+          <a:fontRef idx="minor">
+            <a:schemeClr val="tx1"/>
+          </a:fontRef>
+        </p:style>
+      </p:cxnSp>
+    </p:spTree>
+  </p:cSld>
+  <p:clrMapOvr>
+    <a:masterClrMapping/>
+  </p:clrMapOvr>
+</p:sld>
+</file>
+
+<file path=ppt/slides/slide6.xml><?xml version="1.0" encoding="utf-8"?>
+<p:sld xmlns:a="http://schemas.openxmlformats.org/drawingml/2006/main" xmlns:r="http://schemas.openxmlformats.org/officeDocument/2006/relationships" xmlns:p="http://schemas.openxmlformats.org/presentationml/2006/main">
+  <p:cSld>
+    <p:spTree>
+      <p:nvGrpSpPr>
+        <p:cNvPr id="1" name=""/>
+        <p:cNvGrpSpPr/>
+        <p:nvPr/>
+      </p:nvGrpSpPr>
+      <p:grpSpPr>
+        <a:xfrm>
+          <a:off x="0" y="0"/>
+          <a:ext cx="0" cy="0"/>
+          <a:chOff x="0" y="0"/>
+          <a:chExt cx="0" cy="0"/>
+        </a:xfrm>
+      </p:grpSpPr>
+      <p:pic>
+        <p:nvPicPr>
+          <p:cNvPr id="4098" name="Picture 2"/>
+          <p:cNvPicPr>
+            <a:picLocks noChangeAspect="1" noChangeArrowheads="1"/>
+          </p:cNvPicPr>
+          <p:nvPr/>
+        </p:nvPicPr>
+        <p:blipFill>
+          <a:blip r:embed="rId2" cstate="print"/>
+          <a:srcRect/>
+          <a:stretch>
+            <a:fillRect/>
+          </a:stretch>
+        </p:blipFill>
+        <p:spPr bwMode="auto">
+          <a:xfrm>
+            <a:off x="4932040" y="548680"/>
+            <a:ext cx="1133475" cy="523875"/>
+          </a:xfrm>
+          <a:prstGeom prst="rect">
+            <a:avLst/>
+          </a:prstGeom>
+          <a:noFill/>
+          <a:ln w="9525">
+            <a:noFill/>
+            <a:miter lim="800000"/>
+            <a:headEnd/>
+            <a:tailEnd/>
+          </a:ln>
+        </p:spPr>
+      </p:pic>
+      <p:pic>
+        <p:nvPicPr>
+          <p:cNvPr id="6" name="Picture 3" descr="C:\Users\webme\OneDrive\바탕 화면\lahan_logo.png"/>
+          <p:cNvPicPr>
+            <a:picLocks noChangeAspect="1" noChangeArrowheads="1"/>
+          </p:cNvPicPr>
+          <p:nvPr/>
+        </p:nvPicPr>
+        <p:blipFill>
+          <a:blip r:embed="rId3" cstate="print"/>
+          <a:srcRect/>
+          <a:stretch>
+            <a:fillRect/>
+          </a:stretch>
+        </p:blipFill>
+        <p:spPr bwMode="auto">
+          <a:xfrm>
+            <a:off x="971600" y="476672"/>
+            <a:ext cx="940792" cy="436796"/>
+          </a:xfrm>
+          <a:prstGeom prst="rect">
+            <a:avLst/>
+          </a:prstGeom>
+          <a:noFill/>
+        </p:spPr>
+      </p:pic>
+      <p:sp>
+        <p:nvSpPr>
+          <p:cNvPr id="8" name="TextBox 7"/>
+          <p:cNvSpPr txBox="1"/>
+          <p:nvPr/>
+        </p:nvSpPr>
+        <p:spPr>
+          <a:xfrm>
+            <a:off x="827584" y="908720"/>
+            <a:ext cx="1316386" cy="276999"/>
+          </a:xfrm>
+          <a:prstGeom prst="rect">
+            <a:avLst/>
+          </a:prstGeom>
+          <a:noFill/>
+        </p:spPr>
+        <p:txBody>
+          <a:bodyPr wrap="none" rtlCol="0">
+            <a:spAutoFit/>
+          </a:bodyPr>
+          <a:lstStyle/>
+          <a:p>
+            <a:r>
+              <a:rPr lang="ko-KR" altLang="en-US" sz="1200" dirty="0" smtClean="0"/>
+              <a:t>멤버십 백오피스</a:t>
+            </a:r>
+            <a:endParaRPr lang="ko-KR" altLang="en-US" sz="1200" dirty="0"/>
+          </a:p>
+        </p:txBody>
+      </p:sp>
+      <p:cxnSp>
+        <p:nvCxnSpPr>
+          <p:cNvPr id="25" name="직선 연결선 24"/>
+          <p:cNvCxnSpPr/>
+          <p:nvPr/>
+        </p:nvCxnSpPr>
+        <p:spPr>
+          <a:xfrm>
+            <a:off x="1475656" y="1124744"/>
+            <a:ext cx="0" cy="288032"/>
+          </a:xfrm>
+          <a:prstGeom prst="line">
+            <a:avLst/>
+          </a:prstGeom>
+        </p:spPr>
+        <p:style>
+          <a:lnRef idx="1">
+            <a:schemeClr val="accent1"/>
+          </a:lnRef>
+          <a:fillRef idx="0">
+            <a:schemeClr val="accent1"/>
+          </a:fillRef>
+          <a:effectRef idx="0">
+            <a:schemeClr val="accent1"/>
+          </a:effectRef>
+          <a:fontRef idx="minor">
+            <a:schemeClr val="tx1"/>
+          </a:fontRef>
+        </p:style>
+      </p:cxnSp>
+      <p:cxnSp>
+        <p:nvCxnSpPr>
+          <p:cNvPr id="35" name="직선 연결선 34"/>
+          <p:cNvCxnSpPr>
+            <a:endCxn id="23" idx="0"/>
+          </p:cNvCxnSpPr>
+          <p:nvPr/>
+        </p:nvCxnSpPr>
+        <p:spPr>
+          <a:xfrm>
+            <a:off x="5508104" y="980728"/>
+            <a:ext cx="0" cy="648072"/>
+          </a:xfrm>
+          <a:prstGeom prst="line">
+            <a:avLst/>
+          </a:prstGeom>
+        </p:spPr>
+        <p:style>
+          <a:lnRef idx="1">
+            <a:schemeClr val="accent1"/>
+          </a:lnRef>
+          <a:fillRef idx="0">
+            <a:schemeClr val="accent1"/>
+          </a:fillRef>
+          <a:effectRef idx="0">
+            <a:schemeClr val="accent1"/>
+          </a:effectRef>
+          <a:fontRef idx="minor">
+            <a:schemeClr val="tx1"/>
+          </a:fontRef>
+        </p:style>
+      </p:cxnSp>
+      <p:pic>
+        <p:nvPicPr>
+          <p:cNvPr id="21" name="Picture 2"/>
           <p:cNvPicPr>
             <a:picLocks noChangeAspect="1" noChangeArrowheads="1"/>
           </p:cNvPicPr>
@@ -3978,8 +8919,8 @@
         </p:blipFill>
         <p:spPr bwMode="auto">
           <a:xfrm>
-            <a:off x="2627784" y="4437112"/>
-            <a:ext cx="624883" cy="576064"/>
+            <a:off x="1043608" y="1484784"/>
+            <a:ext cx="797446" cy="825926"/>
           </a:xfrm>
           <a:prstGeom prst="rect">
             <a:avLst/>
@@ -3993,831 +8934,28 @@
           </a:ln>
         </p:spPr>
       </p:pic>
-      <p:pic>
-        <p:nvPicPr>
-          <p:cNvPr id="7" name="Picture 3" descr="C:\Users\webme\Downloads\the-server-15-128.png"/>
-          <p:cNvPicPr>
-            <a:picLocks noChangeAspect="1" noChangeArrowheads="1"/>
-          </p:cNvPicPr>
-          <p:nvPr/>
-        </p:nvPicPr>
-        <p:blipFill>
-          <a:blip r:embed="rId5" cstate="print"/>
-          <a:srcRect/>
-          <a:stretch>
-            <a:fillRect/>
-          </a:stretch>
-        </p:blipFill>
-        <p:spPr bwMode="auto">
-          <a:xfrm>
-            <a:off x="2339752" y="188640"/>
-            <a:ext cx="1219200" cy="1219200"/>
+      <p:sp>
+        <p:nvSpPr>
+          <p:cNvPr id="23" name="직사각형 22"/>
+          <p:cNvSpPr/>
+          <p:nvPr/>
+        </p:nvSpPr>
+        <p:spPr>
+          <a:xfrm>
+            <a:off x="4355976" y="1628800"/>
+            <a:ext cx="2304256" cy="432048"/>
           </a:xfrm>
           <a:prstGeom prst="rect">
             <a:avLst/>
           </a:prstGeom>
           <a:noFill/>
-        </p:spPr>
-      </p:pic>
-      <p:pic>
-        <p:nvPicPr>
-          <p:cNvPr id="8" name="Picture 3" descr="C:\Users\webme\Downloads\the-server-15-128.png"/>
-          <p:cNvPicPr>
-            <a:picLocks noChangeAspect="1" noChangeArrowheads="1"/>
-          </p:cNvPicPr>
-          <p:nvPr/>
-        </p:nvPicPr>
-        <p:blipFill>
-          <a:blip r:embed="rId5" cstate="print"/>
-          <a:srcRect/>
-          <a:stretch>
-            <a:fillRect/>
-          </a:stretch>
-        </p:blipFill>
-        <p:spPr bwMode="auto">
-          <a:xfrm>
-            <a:off x="2339752" y="1531531"/>
-            <a:ext cx="1219200" cy="1219200"/>
-          </a:xfrm>
-          <a:prstGeom prst="rect">
-            <a:avLst/>
-          </a:prstGeom>
-          <a:noFill/>
-        </p:spPr>
-      </p:pic>
-      <p:pic>
-        <p:nvPicPr>
-          <p:cNvPr id="9" name="Picture 3" descr="C:\Users\webme\Downloads\the-server-15-128.png"/>
-          <p:cNvPicPr>
-            <a:picLocks noChangeAspect="1" noChangeArrowheads="1"/>
-          </p:cNvPicPr>
-          <p:nvPr/>
-        </p:nvPicPr>
-        <p:blipFill>
-          <a:blip r:embed="rId5" cstate="print"/>
-          <a:srcRect/>
-          <a:stretch>
-            <a:fillRect/>
-          </a:stretch>
-        </p:blipFill>
-        <p:spPr bwMode="auto">
-          <a:xfrm>
-            <a:off x="2339752" y="2827675"/>
-            <a:ext cx="1219200" cy="1219200"/>
-          </a:xfrm>
-          <a:prstGeom prst="rect">
-            <a:avLst/>
-          </a:prstGeom>
-          <a:noFill/>
-        </p:spPr>
-      </p:pic>
-      <p:pic>
-        <p:nvPicPr>
-          <p:cNvPr id="12" name="그림 11" descr="3630px-Nginx_logo.png"/>
-          <p:cNvPicPr>
-            <a:picLocks noChangeAspect="1"/>
-          </p:cNvPicPr>
-          <p:nvPr/>
-        </p:nvPicPr>
-        <p:blipFill>
-          <a:blip r:embed="rId6" cstate="print"/>
-          <a:stretch>
-            <a:fillRect/>
-          </a:stretch>
-        </p:blipFill>
-        <p:spPr>
-          <a:xfrm>
-            <a:off x="1835696" y="404664"/>
-            <a:ext cx="733062" cy="504055"/>
-          </a:xfrm>
-          <a:prstGeom prst="rect">
-            <a:avLst/>
-          </a:prstGeom>
-        </p:spPr>
-      </p:pic>
-      <p:pic>
-        <p:nvPicPr>
-          <p:cNvPr id="13" name="그림 12" descr="tomcat.png"/>
-          <p:cNvPicPr>
-            <a:picLocks noChangeAspect="1"/>
-          </p:cNvPicPr>
-          <p:nvPr/>
-        </p:nvPicPr>
-        <p:blipFill>
-          <a:blip r:embed="rId7" cstate="print"/>
-          <a:stretch>
-            <a:fillRect/>
-          </a:stretch>
-        </p:blipFill>
-        <p:spPr>
-          <a:xfrm>
-            <a:off x="1763688" y="620688"/>
-            <a:ext cx="812801" cy="812801"/>
-          </a:xfrm>
-          <a:prstGeom prst="rect">
-            <a:avLst/>
-          </a:prstGeom>
-        </p:spPr>
-      </p:pic>
-      <p:pic>
-        <p:nvPicPr>
-          <p:cNvPr id="14" name="그림 13" descr="3630px-Nginx_logo.png"/>
-          <p:cNvPicPr>
-            <a:picLocks noChangeAspect="1"/>
-          </p:cNvPicPr>
-          <p:nvPr/>
-        </p:nvPicPr>
-        <p:blipFill>
-          <a:blip r:embed="rId6" cstate="print"/>
-          <a:stretch>
-            <a:fillRect/>
-          </a:stretch>
-        </p:blipFill>
-        <p:spPr>
-          <a:xfrm>
-            <a:off x="1835696" y="1675547"/>
-            <a:ext cx="733062" cy="504055"/>
-          </a:xfrm>
-          <a:prstGeom prst="rect">
-            <a:avLst/>
-          </a:prstGeom>
-        </p:spPr>
-      </p:pic>
-      <p:pic>
-        <p:nvPicPr>
-          <p:cNvPr id="15" name="그림 14" descr="tomcat.png"/>
-          <p:cNvPicPr>
-            <a:picLocks noChangeAspect="1"/>
-          </p:cNvPicPr>
-          <p:nvPr/>
-        </p:nvPicPr>
-        <p:blipFill>
-          <a:blip r:embed="rId7" cstate="print"/>
-          <a:stretch>
-            <a:fillRect/>
-          </a:stretch>
-        </p:blipFill>
-        <p:spPr>
-          <a:xfrm>
-            <a:off x="1763688" y="1891571"/>
-            <a:ext cx="812801" cy="812801"/>
-          </a:xfrm>
-          <a:prstGeom prst="rect">
-            <a:avLst/>
-          </a:prstGeom>
-        </p:spPr>
-      </p:pic>
-      <p:pic>
-        <p:nvPicPr>
-          <p:cNvPr id="16" name="그림 15" descr="3630px-Nginx_logo.png"/>
-          <p:cNvPicPr>
-            <a:picLocks noChangeAspect="1"/>
-          </p:cNvPicPr>
-          <p:nvPr/>
-        </p:nvPicPr>
-        <p:blipFill>
-          <a:blip r:embed="rId6" cstate="print"/>
-          <a:stretch>
-            <a:fillRect/>
-          </a:stretch>
-        </p:blipFill>
-        <p:spPr>
-          <a:xfrm>
-            <a:off x="1835696" y="2971691"/>
-            <a:ext cx="733062" cy="504055"/>
-          </a:xfrm>
-          <a:prstGeom prst="rect">
-            <a:avLst/>
-          </a:prstGeom>
-        </p:spPr>
-      </p:pic>
-      <p:pic>
-        <p:nvPicPr>
-          <p:cNvPr id="17" name="그림 16" descr="tomcat.png"/>
-          <p:cNvPicPr>
-            <a:picLocks noChangeAspect="1"/>
-          </p:cNvPicPr>
-          <p:nvPr/>
-        </p:nvPicPr>
-        <p:blipFill>
-          <a:blip r:embed="rId7" cstate="print"/>
-          <a:stretch>
-            <a:fillRect/>
-          </a:stretch>
-        </p:blipFill>
-        <p:spPr>
-          <a:xfrm>
-            <a:off x="1763688" y="3187715"/>
-            <a:ext cx="812801" cy="812801"/>
-          </a:xfrm>
-          <a:prstGeom prst="rect">
-            <a:avLst/>
-          </a:prstGeom>
-        </p:spPr>
-      </p:pic>
-      <p:pic>
-        <p:nvPicPr>
-          <p:cNvPr id="2054" name="Picture 6"/>
-          <p:cNvPicPr>
-            <a:picLocks noChangeAspect="1" noChangeArrowheads="1"/>
-          </p:cNvPicPr>
-          <p:nvPr/>
-        </p:nvPicPr>
-        <p:blipFill>
-          <a:blip r:embed="rId8" cstate="print"/>
-          <a:srcRect/>
-          <a:stretch>
-            <a:fillRect/>
-          </a:stretch>
-        </p:blipFill>
-        <p:spPr bwMode="auto">
-          <a:xfrm>
-            <a:off x="5940152" y="4293096"/>
-            <a:ext cx="1440160" cy="446946"/>
-          </a:xfrm>
-          <a:prstGeom prst="rect">
-            <a:avLst/>
-          </a:prstGeom>
-          <a:noFill/>
-          <a:ln w="9525">
-            <a:noFill/>
-            <a:miter lim="800000"/>
-            <a:headEnd/>
-            <a:tailEnd/>
-          </a:ln>
-        </p:spPr>
-      </p:pic>
-      <p:pic>
-        <p:nvPicPr>
-          <p:cNvPr id="2055" name="Picture 7"/>
-          <p:cNvPicPr>
-            <a:picLocks noChangeAspect="1" noChangeArrowheads="1"/>
-          </p:cNvPicPr>
-          <p:nvPr/>
-        </p:nvPicPr>
-        <p:blipFill>
-          <a:blip r:embed="rId9" cstate="print"/>
-          <a:srcRect/>
-          <a:stretch>
-            <a:fillRect/>
-          </a:stretch>
-        </p:blipFill>
-        <p:spPr bwMode="auto">
-          <a:xfrm>
-            <a:off x="1907704" y="5229200"/>
-            <a:ext cx="1152128" cy="365851"/>
-          </a:xfrm>
-          <a:prstGeom prst="rect">
-            <a:avLst/>
-          </a:prstGeom>
-          <a:noFill/>
-          <a:ln w="9525">
-            <a:noFill/>
-            <a:miter lim="800000"/>
-            <a:headEnd/>
-            <a:tailEnd/>
-          </a:ln>
-        </p:spPr>
-      </p:pic>
-      <p:pic>
-        <p:nvPicPr>
-          <p:cNvPr id="2056" name="Picture 8"/>
-          <p:cNvPicPr>
-            <a:picLocks noChangeAspect="1" noChangeArrowheads="1"/>
-          </p:cNvPicPr>
-          <p:nvPr/>
-        </p:nvPicPr>
-        <p:blipFill>
-          <a:blip r:embed="rId10" cstate="print"/>
-          <a:srcRect/>
-          <a:stretch>
-            <a:fillRect/>
-          </a:stretch>
-        </p:blipFill>
-        <p:spPr bwMode="auto">
-          <a:xfrm>
-            <a:off x="1907704" y="5805264"/>
-            <a:ext cx="1224136" cy="312078"/>
-          </a:xfrm>
-          <a:prstGeom prst="rect">
-            <a:avLst/>
-          </a:prstGeom>
-          <a:noFill/>
-          <a:ln w="9525">
-            <a:noFill/>
-            <a:miter lim="800000"/>
-            <a:headEnd/>
-            <a:tailEnd/>
-          </a:ln>
-        </p:spPr>
-      </p:pic>
-      <p:sp>
-        <p:nvSpPr>
-          <p:cNvPr id="21" name="TextBox 20"/>
-          <p:cNvSpPr txBox="1"/>
-          <p:nvPr/>
-        </p:nvSpPr>
-        <p:spPr>
-          <a:xfrm>
-            <a:off x="2339752" y="1196752"/>
-            <a:ext cx="1296144" cy="246221"/>
-          </a:xfrm>
-          <a:prstGeom prst="rect">
-            <a:avLst/>
-          </a:prstGeom>
-          <a:noFill/>
-        </p:spPr>
-        <p:txBody>
-          <a:bodyPr wrap="square" rtlCol="0">
-            <a:spAutoFit/>
-          </a:bodyPr>
-          <a:lstStyle/>
-          <a:p>
-            <a:r>
-              <a:rPr lang="ko-KR" altLang="en-US" sz="1000" dirty="0" smtClean="0"/>
-              <a:t>솔루션 </a:t>
-            </a:r>
-            <a:r>
-              <a:rPr lang="ko-KR" altLang="en-US" sz="1000" dirty="0" smtClean="0"/>
-              <a:t>가맹점</a:t>
-            </a:r>
-            <a:r>
-              <a:rPr lang="ko-KR" altLang="en-US" sz="1000" dirty="0"/>
-              <a:t> </a:t>
-            </a:r>
-            <a:r>
-              <a:rPr lang="ko-KR" altLang="en-US" sz="1000" dirty="0" smtClean="0"/>
-              <a:t>서</a:t>
-            </a:r>
-            <a:r>
-              <a:rPr lang="ko-KR" altLang="en-US" sz="1000" dirty="0" smtClean="0"/>
-              <a:t>버</a:t>
-            </a:r>
-          </a:p>
-        </p:txBody>
-      </p:sp>
-      <p:sp>
-        <p:nvSpPr>
-          <p:cNvPr id="22" name="TextBox 21"/>
-          <p:cNvSpPr txBox="1"/>
-          <p:nvPr/>
-        </p:nvSpPr>
-        <p:spPr>
-          <a:xfrm>
-            <a:off x="2339752" y="2534707"/>
-            <a:ext cx="1296144" cy="246221"/>
-          </a:xfrm>
-          <a:prstGeom prst="rect">
-            <a:avLst/>
-          </a:prstGeom>
-          <a:noFill/>
-        </p:spPr>
-        <p:txBody>
-          <a:bodyPr wrap="square" rtlCol="0">
-            <a:spAutoFit/>
-          </a:bodyPr>
-          <a:lstStyle/>
-          <a:p>
-            <a:r>
-              <a:rPr lang="ko-KR" altLang="en-US" sz="1000" dirty="0" smtClean="0"/>
-              <a:t>우편서비스 서</a:t>
-            </a:r>
-            <a:r>
-              <a:rPr lang="ko-KR" altLang="en-US" sz="1000" dirty="0" smtClean="0"/>
-              <a:t>버</a:t>
-            </a:r>
-          </a:p>
-        </p:txBody>
-      </p:sp>
-      <p:sp>
-        <p:nvSpPr>
-          <p:cNvPr id="23" name="TextBox 22"/>
-          <p:cNvSpPr txBox="1"/>
-          <p:nvPr/>
-        </p:nvSpPr>
-        <p:spPr>
-          <a:xfrm>
-            <a:off x="2339752" y="3830851"/>
-            <a:ext cx="1296144" cy="246221"/>
-          </a:xfrm>
-          <a:prstGeom prst="rect">
-            <a:avLst/>
-          </a:prstGeom>
-          <a:noFill/>
-        </p:spPr>
-        <p:txBody>
-          <a:bodyPr wrap="square" rtlCol="0">
-            <a:spAutoFit/>
-          </a:bodyPr>
-          <a:lstStyle/>
-          <a:p>
-            <a:r>
-              <a:rPr lang="ko-KR" altLang="en-US" sz="1000" dirty="0" smtClean="0"/>
-              <a:t>영업점 서버</a:t>
-            </a:r>
-            <a:endParaRPr lang="ko-KR" altLang="en-US" sz="1000" dirty="0" smtClean="0"/>
-          </a:p>
-        </p:txBody>
-      </p:sp>
-      <p:sp>
-        <p:nvSpPr>
-          <p:cNvPr id="25" name="TextBox 24"/>
-          <p:cNvSpPr txBox="1"/>
-          <p:nvPr/>
-        </p:nvSpPr>
-        <p:spPr>
-          <a:xfrm>
-            <a:off x="6300192" y="3356992"/>
-            <a:ext cx="1296144" cy="246221"/>
-          </a:xfrm>
-          <a:prstGeom prst="rect">
-            <a:avLst/>
-          </a:prstGeom>
-          <a:noFill/>
-        </p:spPr>
-        <p:txBody>
-          <a:bodyPr wrap="square" rtlCol="0">
-            <a:spAutoFit/>
-          </a:bodyPr>
-          <a:lstStyle/>
-          <a:p>
-            <a:r>
-              <a:rPr lang="en-US" altLang="ko-KR" sz="1000" dirty="0" smtClean="0"/>
-              <a:t>Redis </a:t>
-            </a:r>
-            <a:r>
-              <a:rPr lang="ko-KR" altLang="en-US" sz="1000" dirty="0" smtClean="0"/>
-              <a:t>세션 서</a:t>
-            </a:r>
-            <a:r>
-              <a:rPr lang="ko-KR" altLang="en-US" sz="1000" dirty="0" smtClean="0"/>
-              <a:t>버</a:t>
-            </a:r>
-          </a:p>
-        </p:txBody>
-      </p:sp>
-      <p:cxnSp>
-        <p:nvCxnSpPr>
-          <p:cNvPr id="27" name="직선 화살표 연결선 26"/>
-          <p:cNvCxnSpPr>
-            <a:stCxn id="7" idx="3"/>
-            <a:endCxn id="24" idx="1"/>
-          </p:cNvCxnSpPr>
-          <p:nvPr/>
-        </p:nvCxnSpPr>
-        <p:spPr>
-          <a:xfrm>
-            <a:off x="3558952" y="798240"/>
-            <a:ext cx="1733128" cy="1406624"/>
-          </a:xfrm>
-          <a:prstGeom prst="straightConnector1">
-            <a:avLst/>
-          </a:prstGeom>
-          <a:ln w="9525">
+          <a:ln w="12700">
             <a:solidFill>
-              <a:schemeClr val="accent3">
-                <a:lumMod val="50000"/>
+              <a:schemeClr val="tx1">
+                <a:lumMod val="75000"/>
+                <a:lumOff val="25000"/>
               </a:schemeClr>
             </a:solidFill>
-            <a:headEnd type="arrow"/>
-            <a:tailEnd type="arrow"/>
-          </a:ln>
-        </p:spPr>
-        <p:style>
-          <a:lnRef idx="1">
-            <a:schemeClr val="accent1"/>
-          </a:lnRef>
-          <a:fillRef idx="0">
-            <a:schemeClr val="accent1"/>
-          </a:fillRef>
-          <a:effectRef idx="0">
-            <a:schemeClr val="accent1"/>
-          </a:effectRef>
-          <a:fontRef idx="minor">
-            <a:schemeClr val="tx1"/>
-          </a:fontRef>
-        </p:style>
-      </p:cxnSp>
-      <p:cxnSp>
-        <p:nvCxnSpPr>
-          <p:cNvPr id="28" name="직선 화살표 연결선 27"/>
-          <p:cNvCxnSpPr>
-            <a:stCxn id="8" idx="3"/>
-            <a:endCxn id="24" idx="1"/>
-          </p:cNvCxnSpPr>
-          <p:nvPr/>
-        </p:nvCxnSpPr>
-        <p:spPr>
-          <a:xfrm>
-            <a:off x="3558952" y="2141131"/>
-            <a:ext cx="1733128" cy="63733"/>
-          </a:xfrm>
-          <a:prstGeom prst="straightConnector1">
-            <a:avLst/>
-          </a:prstGeom>
-          <a:ln w="9525">
-            <a:solidFill>
-              <a:schemeClr val="accent3">
-                <a:lumMod val="50000"/>
-              </a:schemeClr>
-            </a:solidFill>
-            <a:headEnd type="arrow"/>
-            <a:tailEnd type="arrow"/>
-          </a:ln>
-        </p:spPr>
-        <p:style>
-          <a:lnRef idx="1">
-            <a:schemeClr val="accent1"/>
-          </a:lnRef>
-          <a:fillRef idx="0">
-            <a:schemeClr val="accent1"/>
-          </a:fillRef>
-          <a:effectRef idx="0">
-            <a:schemeClr val="accent1"/>
-          </a:effectRef>
-          <a:fontRef idx="minor">
-            <a:schemeClr val="tx1"/>
-          </a:fontRef>
-        </p:style>
-      </p:cxnSp>
-      <p:cxnSp>
-        <p:nvCxnSpPr>
-          <p:cNvPr id="31" name="직선 화살표 연결선 30"/>
-          <p:cNvCxnSpPr>
-            <a:stCxn id="9" idx="3"/>
-            <a:endCxn id="24" idx="1"/>
-          </p:cNvCxnSpPr>
-          <p:nvPr/>
-        </p:nvCxnSpPr>
-        <p:spPr>
-          <a:xfrm flipV="1">
-            <a:off x="3558952" y="2204864"/>
-            <a:ext cx="1733128" cy="1232411"/>
-          </a:xfrm>
-          <a:prstGeom prst="straightConnector1">
-            <a:avLst/>
-          </a:prstGeom>
-          <a:ln w="9525">
-            <a:solidFill>
-              <a:schemeClr val="accent3">
-                <a:lumMod val="50000"/>
-              </a:schemeClr>
-            </a:solidFill>
-            <a:headEnd type="arrow"/>
-            <a:tailEnd type="arrow"/>
-          </a:ln>
-        </p:spPr>
-        <p:style>
-          <a:lnRef idx="1">
-            <a:schemeClr val="accent1"/>
-          </a:lnRef>
-          <a:fillRef idx="0">
-            <a:schemeClr val="accent1"/>
-          </a:fillRef>
-          <a:effectRef idx="0">
-            <a:schemeClr val="accent1"/>
-          </a:effectRef>
-          <a:fontRef idx="minor">
-            <a:schemeClr val="tx1"/>
-          </a:fontRef>
-        </p:style>
-      </p:cxnSp>
-      <p:cxnSp>
-        <p:nvCxnSpPr>
-          <p:cNvPr id="35" name="Shape 34"/>
-          <p:cNvCxnSpPr>
-            <a:stCxn id="2054" idx="1"/>
-            <a:endCxn id="7" idx="3"/>
-          </p:cNvCxnSpPr>
-          <p:nvPr/>
-        </p:nvCxnSpPr>
-        <p:spPr>
-          <a:xfrm rot="10800000">
-            <a:off x="3558952" y="798241"/>
-            <a:ext cx="2381200" cy="3718329"/>
-          </a:xfrm>
-          <a:prstGeom prst="bentConnector3">
-            <a:avLst>
-              <a:gd name="adj1" fmla="val 50000"/>
-            </a:avLst>
-          </a:prstGeom>
-          <a:ln>
-            <a:tailEnd type="arrow"/>
-          </a:ln>
-        </p:spPr>
-        <p:style>
-          <a:lnRef idx="1">
-            <a:schemeClr val="accent1"/>
-          </a:lnRef>
-          <a:fillRef idx="0">
-            <a:schemeClr val="accent1"/>
-          </a:fillRef>
-          <a:effectRef idx="0">
-            <a:schemeClr val="accent1"/>
-          </a:effectRef>
-          <a:fontRef idx="minor">
-            <a:schemeClr val="tx1"/>
-          </a:fontRef>
-        </p:style>
-      </p:cxnSp>
-      <p:cxnSp>
-        <p:nvCxnSpPr>
-          <p:cNvPr id="37" name="Shape 34"/>
-          <p:cNvCxnSpPr>
-            <a:stCxn id="2054" idx="1"/>
-            <a:endCxn id="8" idx="3"/>
-          </p:cNvCxnSpPr>
-          <p:nvPr/>
-        </p:nvCxnSpPr>
-        <p:spPr>
-          <a:xfrm rot="10800000">
-            <a:off x="3558952" y="2141131"/>
-            <a:ext cx="2381200" cy="2375438"/>
-          </a:xfrm>
-          <a:prstGeom prst="bentConnector3">
-            <a:avLst>
-              <a:gd name="adj1" fmla="val 50000"/>
-            </a:avLst>
-          </a:prstGeom>
-          <a:ln>
-            <a:tailEnd type="arrow"/>
-          </a:ln>
-        </p:spPr>
-        <p:style>
-          <a:lnRef idx="1">
-            <a:schemeClr val="accent1"/>
-          </a:lnRef>
-          <a:fillRef idx="0">
-            <a:schemeClr val="accent1"/>
-          </a:fillRef>
-          <a:effectRef idx="0">
-            <a:schemeClr val="accent1"/>
-          </a:effectRef>
-          <a:fontRef idx="minor">
-            <a:schemeClr val="tx1"/>
-          </a:fontRef>
-        </p:style>
-      </p:cxnSp>
-      <p:cxnSp>
-        <p:nvCxnSpPr>
-          <p:cNvPr id="41" name="Shape 34"/>
-          <p:cNvCxnSpPr>
-            <a:stCxn id="2054" idx="1"/>
-            <a:endCxn id="9" idx="3"/>
-          </p:cNvCxnSpPr>
-          <p:nvPr/>
-        </p:nvCxnSpPr>
-        <p:spPr>
-          <a:xfrm rot="10800000">
-            <a:off x="3558952" y="3437275"/>
-            <a:ext cx="2381200" cy="1079294"/>
-          </a:xfrm>
-          <a:prstGeom prst="bentConnector3">
-            <a:avLst>
-              <a:gd name="adj1" fmla="val 50000"/>
-            </a:avLst>
-          </a:prstGeom>
-          <a:ln>
-            <a:tailEnd type="arrow"/>
-          </a:ln>
-        </p:spPr>
-        <p:style>
-          <a:lnRef idx="1">
-            <a:schemeClr val="accent1"/>
-          </a:lnRef>
-          <a:fillRef idx="0">
-            <a:schemeClr val="accent1"/>
-          </a:fillRef>
-          <a:effectRef idx="0">
-            <a:schemeClr val="accent1"/>
-          </a:effectRef>
-          <a:fontRef idx="minor">
-            <a:schemeClr val="tx1"/>
-          </a:fontRef>
-        </p:style>
-      </p:cxnSp>
-      <p:sp>
-        <p:nvSpPr>
-          <p:cNvPr id="44" name="TextBox 43"/>
-          <p:cNvSpPr txBox="1"/>
-          <p:nvPr/>
-        </p:nvSpPr>
-        <p:spPr>
-          <a:xfrm>
-            <a:off x="6588224" y="5661248"/>
-            <a:ext cx="1296144" cy="246221"/>
-          </a:xfrm>
-          <a:prstGeom prst="rect">
-            <a:avLst/>
-          </a:prstGeom>
-          <a:noFill/>
-        </p:spPr>
-        <p:txBody>
-          <a:bodyPr wrap="square" rtlCol="0">
-            <a:spAutoFit/>
-          </a:bodyPr>
-          <a:lstStyle/>
-          <a:p>
-            <a:r>
-              <a:rPr lang="ko-KR" altLang="en-US" sz="1000" dirty="0" smtClean="0"/>
-              <a:t>모니터링 서버</a:t>
-            </a:r>
-            <a:endParaRPr lang="ko-KR" altLang="en-US" sz="1000" dirty="0" smtClean="0"/>
-          </a:p>
-        </p:txBody>
-      </p:sp>
-      <p:pic>
-        <p:nvPicPr>
-          <p:cNvPr id="2057" name="Picture 9"/>
-          <p:cNvPicPr>
-            <a:picLocks noChangeAspect="1" noChangeArrowheads="1"/>
-          </p:cNvPicPr>
-          <p:nvPr/>
-        </p:nvPicPr>
-        <p:blipFill>
-          <a:blip r:embed="rId11" cstate="print"/>
-          <a:srcRect/>
-          <a:stretch>
-            <a:fillRect/>
-          </a:stretch>
-        </p:blipFill>
-        <p:spPr bwMode="auto">
-          <a:xfrm>
-            <a:off x="5940152" y="5301208"/>
-            <a:ext cx="1368152" cy="337762"/>
-          </a:xfrm>
-          <a:prstGeom prst="rect">
-            <a:avLst/>
-          </a:prstGeom>
-          <a:noFill/>
-          <a:ln w="9525">
-            <a:noFill/>
-            <a:miter lim="800000"/>
-            <a:headEnd/>
-            <a:tailEnd/>
-          </a:ln>
-        </p:spPr>
-      </p:pic>
-      <p:sp>
-        <p:nvSpPr>
-          <p:cNvPr id="65" name="TextBox 64"/>
-          <p:cNvSpPr txBox="1"/>
-          <p:nvPr/>
-        </p:nvSpPr>
-        <p:spPr>
-          <a:xfrm>
-            <a:off x="4283968" y="3789040"/>
-            <a:ext cx="2232248" cy="400110"/>
-          </a:xfrm>
-          <a:prstGeom prst="rect">
-            <a:avLst/>
-          </a:prstGeom>
-          <a:noFill/>
-        </p:spPr>
-        <p:txBody>
-          <a:bodyPr wrap="square" rtlCol="0">
-            <a:spAutoFit/>
-          </a:bodyPr>
-          <a:lstStyle/>
-          <a:p>
-            <a:r>
-              <a:rPr lang="en-US" altLang="ko-KR" sz="1000" dirty="0" smtClean="0"/>
-              <a:t>HTTP </a:t>
-            </a:r>
-            <a:r>
-              <a:rPr lang="en-US" altLang="ko-KR" sz="1000" dirty="0" smtClean="0"/>
-              <a:t>pull </a:t>
-            </a:r>
-            <a:r>
-              <a:rPr lang="ko-KR" altLang="en-US" sz="1000" dirty="0" smtClean="0"/>
-              <a:t>방식으로 데이터를 수집</a:t>
-            </a:r>
-            <a:endParaRPr lang="en-US" altLang="ko-KR" sz="1000" dirty="0" smtClean="0"/>
-          </a:p>
-          <a:p>
-            <a:endParaRPr lang="ko-KR" altLang="en-US" sz="1000" dirty="0" smtClean="0"/>
-          </a:p>
-        </p:txBody>
-      </p:sp>
-      <p:sp>
-        <p:nvSpPr>
-          <p:cNvPr id="69" name="위쪽/아래쪽 화살표 68"/>
-          <p:cNvSpPr/>
-          <p:nvPr/>
-        </p:nvSpPr>
-        <p:spPr>
-          <a:xfrm>
-            <a:off x="2123728" y="4005064"/>
-            <a:ext cx="216024" cy="288032"/>
-          </a:xfrm>
-          <a:prstGeom prst="upDownArrow">
-            <a:avLst>
-              <a:gd name="adj1" fmla="val 50000"/>
-              <a:gd name="adj2" fmla="val 50000"/>
-            </a:avLst>
-          </a:prstGeom>
-          <a:ln>
-            <a:noFill/>
           </a:ln>
         </p:spPr>
         <p:style>
@@ -4841,113 +8979,103 @@
           <a:lstStyle/>
           <a:p>
             <a:pPr algn="ctr"/>
-            <a:endParaRPr lang="ko-KR" altLang="en-US"/>
-          </a:p>
-        </p:txBody>
-      </p:sp>
-      <p:pic>
-        <p:nvPicPr>
-          <p:cNvPr id="76" name="그림 75" descr="1688502.png"/>
-          <p:cNvPicPr>
-            <a:picLocks noChangeAspect="1"/>
-          </p:cNvPicPr>
-          <p:nvPr/>
-        </p:nvPicPr>
-        <p:blipFill>
-          <a:blip r:embed="rId12" cstate="print"/>
-          <a:stretch>
-            <a:fillRect/>
-          </a:stretch>
-        </p:blipFill>
-        <p:spPr>
-          <a:xfrm>
-            <a:off x="251520" y="4365104"/>
-            <a:ext cx="802522" cy="802522"/>
+            <a:r>
+              <a:rPr lang="ko-KR" altLang="en-US" sz="1000" dirty="0" smtClean="0">
+                <a:solidFill>
+                  <a:srgbClr val="0070C0"/>
+                </a:solidFill>
+              </a:rPr>
+              <a:t>회원 포인트 조회</a:t>
+            </a:r>
+            <a:endParaRPr lang="ko-KR" altLang="en-US" sz="1000" dirty="0">
+              <a:solidFill>
+                <a:srgbClr val="0070C0"/>
+              </a:solidFill>
+            </a:endParaRPr>
+          </a:p>
+        </p:txBody>
+      </p:sp>
+      <p:cxnSp>
+        <p:nvCxnSpPr>
+          <p:cNvPr id="28" name="직선 화살표 연결선 27"/>
+          <p:cNvCxnSpPr/>
+          <p:nvPr/>
+        </p:nvCxnSpPr>
+        <p:spPr>
+          <a:xfrm>
+            <a:off x="1907704" y="1844824"/>
+            <a:ext cx="2376264" cy="0"/>
+          </a:xfrm>
+          <a:prstGeom prst="straightConnector1">
+            <a:avLst/>
+          </a:prstGeom>
+          <a:ln>
+            <a:solidFill>
+              <a:schemeClr val="tx1"/>
+            </a:solidFill>
+            <a:headEnd type="arrow"/>
+            <a:tailEnd type="arrow"/>
+          </a:ln>
+        </p:spPr>
+        <p:style>
+          <a:lnRef idx="1">
+            <a:schemeClr val="accent1"/>
+          </a:lnRef>
+          <a:fillRef idx="0">
+            <a:schemeClr val="accent1"/>
+          </a:fillRef>
+          <a:effectRef idx="0">
+            <a:schemeClr val="accent1"/>
+          </a:effectRef>
+          <a:fontRef idx="minor">
+            <a:schemeClr val="tx1"/>
+          </a:fontRef>
+        </p:style>
+      </p:cxnSp>
+    </p:spTree>
+  </p:cSld>
+  <p:clrMapOvr>
+    <a:masterClrMapping/>
+  </p:clrMapOvr>
+</p:sld>
+</file>
+
+<file path=ppt/slides/slide7.xml><?xml version="1.0" encoding="utf-8"?>
+<p:sld xmlns:a="http://schemas.openxmlformats.org/drawingml/2006/main" xmlns:r="http://schemas.openxmlformats.org/officeDocument/2006/relationships" xmlns:p="http://schemas.openxmlformats.org/presentationml/2006/main">
+  <p:cSld>
+    <p:spTree>
+      <p:nvGrpSpPr>
+        <p:cNvPr id="1" name=""/>
+        <p:cNvGrpSpPr/>
+        <p:nvPr/>
+      </p:nvGrpSpPr>
+      <p:grpSpPr>
+        <a:xfrm>
+          <a:off x="0" y="0"/>
+          <a:ext cx="0" cy="0"/>
+          <a:chOff x="0" y="0"/>
+          <a:chExt cx="0" cy="0"/>
+        </a:xfrm>
+      </p:grpSpPr>
+      <p:sp>
+        <p:nvSpPr>
+          <p:cNvPr id="53" name="직사각형 52"/>
+          <p:cNvSpPr/>
+          <p:nvPr/>
+        </p:nvSpPr>
+        <p:spPr>
+          <a:xfrm>
+            <a:off x="4644008" y="3212976"/>
+            <a:ext cx="576064" cy="2736304"/>
           </a:xfrm>
           <a:prstGeom prst="rect">
             <a:avLst/>
           </a:prstGeom>
-        </p:spPr>
-      </p:pic>
-      <p:pic>
-        <p:nvPicPr>
-          <p:cNvPr id="77" name="Picture 6"/>
-          <p:cNvPicPr>
-            <a:picLocks noChangeAspect="1" noChangeArrowheads="1"/>
-          </p:cNvPicPr>
-          <p:nvPr/>
-        </p:nvPicPr>
-        <p:blipFill>
-          <a:blip r:embed="rId13" cstate="print"/>
-          <a:srcRect/>
-          <a:stretch>
-            <a:fillRect/>
-          </a:stretch>
-        </p:blipFill>
-        <p:spPr bwMode="auto">
-          <a:xfrm>
-            <a:off x="107504" y="1340768"/>
-            <a:ext cx="909363" cy="710840"/>
-          </a:xfrm>
-          <a:prstGeom prst="rect">
-            <a:avLst/>
-          </a:prstGeom>
-          <a:noFill/>
-          <a:ln w="9525">
-            <a:noFill/>
-            <a:miter lim="800000"/>
-            <a:headEnd/>
-            <a:tailEnd/>
-          </a:ln>
-        </p:spPr>
-      </p:pic>
-      <p:sp>
-        <p:nvSpPr>
-          <p:cNvPr id="78" name="TextBox 77"/>
-          <p:cNvSpPr txBox="1"/>
-          <p:nvPr/>
-        </p:nvSpPr>
-        <p:spPr>
-          <a:xfrm>
-            <a:off x="323528" y="1124744"/>
-            <a:ext cx="492443" cy="276999"/>
-          </a:xfrm>
-          <a:prstGeom prst="rect">
-            <a:avLst/>
-          </a:prstGeom>
-          <a:noFill/>
-        </p:spPr>
-        <p:txBody>
-          <a:bodyPr wrap="none" rtlCol="0">
-            <a:spAutoFit/>
-          </a:bodyPr>
-          <a:lstStyle/>
-          <a:p>
-            <a:r>
-              <a:rPr lang="ko-KR" altLang="en-US" sz="1200" dirty="0" smtClean="0"/>
-              <a:t>회원</a:t>
-            </a:r>
-            <a:endParaRPr lang="ko-KR" altLang="en-US" sz="1200" dirty="0"/>
-          </a:p>
-        </p:txBody>
-      </p:sp>
-      <p:sp>
-        <p:nvSpPr>
-          <p:cNvPr id="79" name="위쪽/아래쪽 화살표 78"/>
-          <p:cNvSpPr/>
-          <p:nvPr/>
-        </p:nvSpPr>
-        <p:spPr>
-          <a:xfrm rot="5400000">
-            <a:off x="1367644" y="1736812"/>
-            <a:ext cx="216024" cy="288032"/>
-          </a:xfrm>
-          <a:prstGeom prst="upDownArrow">
-            <a:avLst>
-              <a:gd name="adj1" fmla="val 50000"/>
-              <a:gd name="adj2" fmla="val 50000"/>
-            </a:avLst>
-          </a:prstGeom>
+          <a:solidFill>
+            <a:schemeClr val="bg1">
+              <a:lumMod val="65000"/>
+            </a:schemeClr>
+          </a:solidFill>
           <a:ln>
             <a:noFill/>
           </a:ln>
@@ -4974,659 +9102,6 @@
           <a:p>
             <a:pPr algn="ctr"/>
             <a:endParaRPr lang="ko-KR" altLang="en-US"/>
-          </a:p>
-        </p:txBody>
-      </p:sp>
-      <p:pic>
-        <p:nvPicPr>
-          <p:cNvPr id="2058" name="Picture 10"/>
-          <p:cNvPicPr>
-            <a:picLocks noChangeAspect="1" noChangeArrowheads="1"/>
-          </p:cNvPicPr>
-          <p:nvPr/>
-        </p:nvPicPr>
-        <p:blipFill>
-          <a:blip r:embed="rId14" cstate="print"/>
-          <a:srcRect/>
-          <a:stretch>
-            <a:fillRect/>
-          </a:stretch>
-        </p:blipFill>
-        <p:spPr bwMode="auto">
-          <a:xfrm>
-            <a:off x="5924897" y="4869160"/>
-            <a:ext cx="1095375" cy="304800"/>
-          </a:xfrm>
-          <a:prstGeom prst="rect">
-            <a:avLst/>
-          </a:prstGeom>
-          <a:noFill/>
-          <a:ln w="9525">
-            <a:noFill/>
-            <a:miter lim="800000"/>
-            <a:headEnd/>
-            <a:tailEnd/>
-          </a:ln>
-        </p:spPr>
-      </p:pic>
-      <p:cxnSp>
-        <p:nvCxnSpPr>
-          <p:cNvPr id="86" name="직선 연결선 85"/>
-          <p:cNvCxnSpPr>
-            <a:stCxn id="2054" idx="2"/>
-          </p:cNvCxnSpPr>
-          <p:nvPr/>
-        </p:nvCxnSpPr>
-        <p:spPr>
-          <a:xfrm>
-            <a:off x="6660232" y="4740042"/>
-            <a:ext cx="0" cy="129118"/>
-          </a:xfrm>
-          <a:prstGeom prst="line">
-            <a:avLst/>
-          </a:prstGeom>
-          <a:ln>
-            <a:solidFill>
-              <a:srgbClr val="FF0000"/>
-            </a:solidFill>
-          </a:ln>
-        </p:spPr>
-        <p:style>
-          <a:lnRef idx="1">
-            <a:schemeClr val="accent1"/>
-          </a:lnRef>
-          <a:fillRef idx="0">
-            <a:schemeClr val="accent1"/>
-          </a:fillRef>
-          <a:effectRef idx="0">
-            <a:schemeClr val="accent1"/>
-          </a:effectRef>
-          <a:fontRef idx="minor">
-            <a:schemeClr val="tx1"/>
-          </a:fontRef>
-        </p:style>
-      </p:cxnSp>
-      <p:cxnSp>
-        <p:nvCxnSpPr>
-          <p:cNvPr id="89" name="직선 연결선 88"/>
-          <p:cNvCxnSpPr/>
-          <p:nvPr/>
-        </p:nvCxnSpPr>
-        <p:spPr>
-          <a:xfrm>
-            <a:off x="7164288" y="4725144"/>
-            <a:ext cx="0" cy="576064"/>
-          </a:xfrm>
-          <a:prstGeom prst="line">
-            <a:avLst/>
-          </a:prstGeom>
-        </p:spPr>
-        <p:style>
-          <a:lnRef idx="1">
-            <a:schemeClr val="accent1"/>
-          </a:lnRef>
-          <a:fillRef idx="0">
-            <a:schemeClr val="accent1"/>
-          </a:fillRef>
-          <a:effectRef idx="0">
-            <a:schemeClr val="accent1"/>
-          </a:effectRef>
-          <a:fontRef idx="minor">
-            <a:schemeClr val="tx1"/>
-          </a:fontRef>
-        </p:style>
-      </p:cxnSp>
-      <p:cxnSp>
-        <p:nvCxnSpPr>
-          <p:cNvPr id="94" name="꺾인 연결선 93"/>
-          <p:cNvCxnSpPr>
-            <a:stCxn id="2058" idx="1"/>
-            <a:endCxn id="2055" idx="3"/>
-          </p:cNvCxnSpPr>
-          <p:nvPr/>
-        </p:nvCxnSpPr>
-        <p:spPr>
-          <a:xfrm rot="10800000" flipV="1">
-            <a:off x="3059833" y="5021560"/>
-            <a:ext cx="2865065" cy="390566"/>
-          </a:xfrm>
-          <a:prstGeom prst="bentConnector3">
-            <a:avLst>
-              <a:gd name="adj1" fmla="val 50000"/>
-            </a:avLst>
-          </a:prstGeom>
-          <a:ln>
-            <a:solidFill>
-              <a:srgbClr val="FF0000"/>
-            </a:solidFill>
-            <a:tailEnd type="arrow"/>
-          </a:ln>
-        </p:spPr>
-        <p:style>
-          <a:lnRef idx="1">
-            <a:schemeClr val="accent1"/>
-          </a:lnRef>
-          <a:fillRef idx="0">
-            <a:schemeClr val="accent1"/>
-          </a:fillRef>
-          <a:effectRef idx="0">
-            <a:schemeClr val="accent1"/>
-          </a:effectRef>
-          <a:fontRef idx="minor">
-            <a:schemeClr val="tx1"/>
-          </a:fontRef>
-        </p:style>
-      </p:cxnSp>
-      <p:cxnSp>
-        <p:nvCxnSpPr>
-          <p:cNvPr id="95" name="꺾인 연결선 94"/>
-          <p:cNvCxnSpPr>
-            <a:stCxn id="2055" idx="1"/>
-            <a:endCxn id="76" idx="3"/>
-          </p:cNvCxnSpPr>
-          <p:nvPr/>
-        </p:nvCxnSpPr>
-        <p:spPr>
-          <a:xfrm rot="10800000">
-            <a:off x="1054042" y="4766366"/>
-            <a:ext cx="853662" cy="645761"/>
-          </a:xfrm>
-          <a:prstGeom prst="bentConnector3">
-            <a:avLst>
-              <a:gd name="adj1" fmla="val 50000"/>
-            </a:avLst>
-          </a:prstGeom>
-          <a:ln>
-            <a:solidFill>
-              <a:srgbClr val="FF0000"/>
-            </a:solidFill>
-            <a:tailEnd type="arrow"/>
-          </a:ln>
-        </p:spPr>
-        <p:style>
-          <a:lnRef idx="1">
-            <a:schemeClr val="accent1"/>
-          </a:lnRef>
-          <a:fillRef idx="0">
-            <a:schemeClr val="accent1"/>
-          </a:fillRef>
-          <a:effectRef idx="0">
-            <a:schemeClr val="accent1"/>
-          </a:effectRef>
-          <a:fontRef idx="minor">
-            <a:schemeClr val="tx1"/>
-          </a:fontRef>
-        </p:style>
-      </p:cxnSp>
-      <p:cxnSp>
-        <p:nvCxnSpPr>
-          <p:cNvPr id="98" name="꺾인 연결선 97"/>
-          <p:cNvCxnSpPr>
-            <a:stCxn id="76" idx="2"/>
-            <a:endCxn id="2056" idx="1"/>
-          </p:cNvCxnSpPr>
-          <p:nvPr/>
-        </p:nvCxnSpPr>
-        <p:spPr>
-          <a:xfrm rot="16200000" flipH="1">
-            <a:off x="883404" y="4937002"/>
-            <a:ext cx="793677" cy="1254923"/>
-          </a:xfrm>
-          <a:prstGeom prst="bentConnector2">
-            <a:avLst/>
-          </a:prstGeom>
-          <a:ln>
-            <a:solidFill>
-              <a:srgbClr val="0070C0"/>
-            </a:solidFill>
-            <a:tailEnd type="arrow"/>
-          </a:ln>
-        </p:spPr>
-        <p:style>
-          <a:lnRef idx="1">
-            <a:schemeClr val="accent1"/>
-          </a:lnRef>
-          <a:fillRef idx="0">
-            <a:schemeClr val="accent1"/>
-          </a:fillRef>
-          <a:effectRef idx="0">
-            <a:schemeClr val="accent1"/>
-          </a:effectRef>
-          <a:fontRef idx="minor">
-            <a:schemeClr val="tx1"/>
-          </a:fontRef>
-        </p:style>
-      </p:cxnSp>
-      <p:cxnSp>
-        <p:nvCxnSpPr>
-          <p:cNvPr id="106" name="Shape 105"/>
-          <p:cNvCxnSpPr>
-            <a:stCxn id="9" idx="3"/>
-            <a:endCxn id="2055" idx="3"/>
-          </p:cNvCxnSpPr>
-          <p:nvPr/>
-        </p:nvCxnSpPr>
-        <p:spPr>
-          <a:xfrm flipH="1">
-            <a:off x="3059832" y="3437275"/>
-            <a:ext cx="499120" cy="1974851"/>
-          </a:xfrm>
-          <a:prstGeom prst="bentConnector3">
-            <a:avLst>
-              <a:gd name="adj1" fmla="val -45801"/>
-            </a:avLst>
-          </a:prstGeom>
-          <a:ln>
-            <a:solidFill>
-              <a:srgbClr val="FF0000"/>
-            </a:solidFill>
-          </a:ln>
-        </p:spPr>
-        <p:style>
-          <a:lnRef idx="1">
-            <a:schemeClr val="accent1"/>
-          </a:lnRef>
-          <a:fillRef idx="0">
-            <a:schemeClr val="accent1"/>
-          </a:fillRef>
-          <a:effectRef idx="0">
-            <a:schemeClr val="accent1"/>
-          </a:effectRef>
-          <a:fontRef idx="minor">
-            <a:schemeClr val="tx1"/>
-          </a:fontRef>
-        </p:style>
-      </p:cxnSp>
-      <p:cxnSp>
-        <p:nvCxnSpPr>
-          <p:cNvPr id="112" name="Shape 105"/>
-          <p:cNvCxnSpPr>
-            <a:stCxn id="8" idx="3"/>
-            <a:endCxn id="2055" idx="3"/>
-          </p:cNvCxnSpPr>
-          <p:nvPr/>
-        </p:nvCxnSpPr>
-        <p:spPr>
-          <a:xfrm flipH="1">
-            <a:off x="3059832" y="2141131"/>
-            <a:ext cx="499120" cy="3270995"/>
-          </a:xfrm>
-          <a:prstGeom prst="bentConnector3">
-            <a:avLst>
-              <a:gd name="adj1" fmla="val -45801"/>
-            </a:avLst>
-          </a:prstGeom>
-          <a:ln>
-            <a:solidFill>
-              <a:srgbClr val="FF0000"/>
-            </a:solidFill>
-          </a:ln>
-        </p:spPr>
-        <p:style>
-          <a:lnRef idx="1">
-            <a:schemeClr val="accent1"/>
-          </a:lnRef>
-          <a:fillRef idx="0">
-            <a:schemeClr val="accent1"/>
-          </a:fillRef>
-          <a:effectRef idx="0">
-            <a:schemeClr val="accent1"/>
-          </a:effectRef>
-          <a:fontRef idx="minor">
-            <a:schemeClr val="tx1"/>
-          </a:fontRef>
-        </p:style>
-      </p:cxnSp>
-      <p:cxnSp>
-        <p:nvCxnSpPr>
-          <p:cNvPr id="115" name="Shape 105"/>
-          <p:cNvCxnSpPr>
-            <a:stCxn id="7" idx="3"/>
-            <a:endCxn id="2055" idx="3"/>
-          </p:cNvCxnSpPr>
-          <p:nvPr/>
-        </p:nvCxnSpPr>
-        <p:spPr>
-          <a:xfrm flipH="1">
-            <a:off x="3059832" y="798240"/>
-            <a:ext cx="499120" cy="4613886"/>
-          </a:xfrm>
-          <a:prstGeom prst="bentConnector3">
-            <a:avLst>
-              <a:gd name="adj1" fmla="val -45801"/>
-            </a:avLst>
-          </a:prstGeom>
-          <a:ln>
-            <a:solidFill>
-              <a:srgbClr val="FF0000"/>
-            </a:solidFill>
-          </a:ln>
-        </p:spPr>
-        <p:style>
-          <a:lnRef idx="1">
-            <a:schemeClr val="accent1"/>
-          </a:lnRef>
-          <a:fillRef idx="0">
-            <a:schemeClr val="accent1"/>
-          </a:fillRef>
-          <a:effectRef idx="0">
-            <a:schemeClr val="accent1"/>
-          </a:effectRef>
-          <a:fontRef idx="minor">
-            <a:schemeClr val="tx1"/>
-          </a:fontRef>
-        </p:style>
-      </p:cxnSp>
-      <p:sp>
-        <p:nvSpPr>
-          <p:cNvPr id="118" name="TextBox 117"/>
-          <p:cNvSpPr txBox="1"/>
-          <p:nvPr/>
-        </p:nvSpPr>
-        <p:spPr>
-          <a:xfrm>
-            <a:off x="253261" y="4077072"/>
-            <a:ext cx="646331" cy="276999"/>
-          </a:xfrm>
-          <a:prstGeom prst="rect">
-            <a:avLst/>
-          </a:prstGeom>
-          <a:noFill/>
-        </p:spPr>
-        <p:txBody>
-          <a:bodyPr wrap="none" rtlCol="0">
-            <a:spAutoFit/>
-          </a:bodyPr>
-          <a:lstStyle/>
-          <a:p>
-            <a:r>
-              <a:rPr lang="ko-KR" altLang="en-US" sz="1200" smtClean="0"/>
-              <a:t>개발자</a:t>
-            </a:r>
-            <a:endParaRPr lang="ko-KR" altLang="en-US" sz="1200" dirty="0"/>
-          </a:p>
-        </p:txBody>
-      </p:sp>
-      <p:cxnSp>
-        <p:nvCxnSpPr>
-          <p:cNvPr id="121" name="꺾인 연결선 97"/>
-          <p:cNvCxnSpPr/>
-          <p:nvPr/>
-        </p:nvCxnSpPr>
-        <p:spPr>
-          <a:xfrm rot="16200000" flipH="1">
-            <a:off x="3361612" y="2417574"/>
-            <a:ext cx="471344" cy="5971447"/>
-          </a:xfrm>
-          <a:prstGeom prst="bentConnector3">
-            <a:avLst>
-              <a:gd name="adj1" fmla="val 260628"/>
-            </a:avLst>
-          </a:prstGeom>
-          <a:ln>
-            <a:solidFill>
-              <a:srgbClr val="0070C0"/>
-            </a:solidFill>
-            <a:tailEnd type="arrow"/>
-          </a:ln>
-        </p:spPr>
-        <p:style>
-          <a:lnRef idx="1">
-            <a:schemeClr val="accent1"/>
-          </a:lnRef>
-          <a:fillRef idx="0">
-            <a:schemeClr val="accent1"/>
-          </a:fillRef>
-          <a:effectRef idx="0">
-            <a:schemeClr val="accent1"/>
-          </a:effectRef>
-          <a:fontRef idx="minor">
-            <a:schemeClr val="tx1"/>
-          </a:fontRef>
-        </p:style>
-      </p:cxnSp>
-      <p:cxnSp>
-        <p:nvCxnSpPr>
-          <p:cNvPr id="136" name="꺾인 연결선 135"/>
-          <p:cNvCxnSpPr>
-            <a:stCxn id="9" idx="3"/>
-            <a:endCxn id="2056" idx="3"/>
-          </p:cNvCxnSpPr>
-          <p:nvPr/>
-        </p:nvCxnSpPr>
-        <p:spPr>
-          <a:xfrm flipH="1">
-            <a:off x="3131840" y="3437275"/>
-            <a:ext cx="427112" cy="2524028"/>
-          </a:xfrm>
-          <a:prstGeom prst="bentConnector3">
-            <a:avLst>
-              <a:gd name="adj1" fmla="val -53522"/>
-            </a:avLst>
-          </a:prstGeom>
-          <a:ln>
-            <a:solidFill>
-              <a:srgbClr val="FF0000"/>
-            </a:solidFill>
-            <a:tailEnd type="arrow"/>
-          </a:ln>
-        </p:spPr>
-        <p:style>
-          <a:lnRef idx="1">
-            <a:schemeClr val="accent1"/>
-          </a:lnRef>
-          <a:fillRef idx="0">
-            <a:schemeClr val="accent1"/>
-          </a:fillRef>
-          <a:effectRef idx="0">
-            <a:schemeClr val="accent1"/>
-          </a:effectRef>
-          <a:fontRef idx="minor">
-            <a:schemeClr val="tx1"/>
-          </a:fontRef>
-        </p:style>
-      </p:cxnSp>
-      <p:pic>
-        <p:nvPicPr>
-          <p:cNvPr id="149" name="그림 148" descr="Centos-logo.png"/>
-          <p:cNvPicPr>
-            <a:picLocks noChangeAspect="1"/>
-          </p:cNvPicPr>
-          <p:nvPr/>
-        </p:nvPicPr>
-        <p:blipFill>
-          <a:blip r:embed="rId15" cstate="print"/>
-          <a:stretch>
-            <a:fillRect/>
-          </a:stretch>
-        </p:blipFill>
-        <p:spPr>
-          <a:xfrm>
-            <a:off x="7956376" y="3305558"/>
-            <a:ext cx="792088" cy="339466"/>
-          </a:xfrm>
-          <a:prstGeom prst="rect">
-            <a:avLst/>
-          </a:prstGeom>
-        </p:spPr>
-      </p:pic>
-      <p:pic>
-        <p:nvPicPr>
-          <p:cNvPr id="150" name="그림 149" descr="Centos-logo.png"/>
-          <p:cNvPicPr>
-            <a:picLocks noChangeAspect="1"/>
-          </p:cNvPicPr>
-          <p:nvPr/>
-        </p:nvPicPr>
-        <p:blipFill>
-          <a:blip r:embed="rId15" cstate="print"/>
-          <a:stretch>
-            <a:fillRect/>
-          </a:stretch>
-        </p:blipFill>
-        <p:spPr>
-          <a:xfrm>
-            <a:off x="7956376" y="5589240"/>
-            <a:ext cx="792088" cy="339466"/>
-          </a:xfrm>
-          <a:prstGeom prst="rect">
-            <a:avLst/>
-          </a:prstGeom>
-        </p:spPr>
-      </p:pic>
-      <p:pic>
-        <p:nvPicPr>
-          <p:cNvPr id="2059" name="Picture 11"/>
-          <p:cNvPicPr>
-            <a:picLocks noChangeAspect="1" noChangeArrowheads="1"/>
-          </p:cNvPicPr>
-          <p:nvPr/>
-        </p:nvPicPr>
-        <p:blipFill>
-          <a:blip r:embed="rId16" cstate="print"/>
-          <a:srcRect/>
-          <a:stretch>
-            <a:fillRect/>
-          </a:stretch>
-        </p:blipFill>
-        <p:spPr bwMode="auto">
-          <a:xfrm>
-            <a:off x="2499010" y="188640"/>
-            <a:ext cx="920862" cy="197743"/>
-          </a:xfrm>
-          <a:prstGeom prst="rect">
-            <a:avLst/>
-          </a:prstGeom>
-          <a:noFill/>
-          <a:ln w="9525">
-            <a:noFill/>
-            <a:miter lim="800000"/>
-            <a:headEnd/>
-            <a:tailEnd/>
-          </a:ln>
-        </p:spPr>
-      </p:pic>
-      <p:pic>
-        <p:nvPicPr>
-          <p:cNvPr id="155" name="Picture 11"/>
-          <p:cNvPicPr>
-            <a:picLocks noChangeAspect="1" noChangeArrowheads="1"/>
-          </p:cNvPicPr>
-          <p:nvPr/>
-        </p:nvPicPr>
-        <p:blipFill>
-          <a:blip r:embed="rId16" cstate="print"/>
-          <a:srcRect/>
-          <a:stretch>
-            <a:fillRect/>
-          </a:stretch>
-        </p:blipFill>
-        <p:spPr bwMode="auto">
-          <a:xfrm>
-            <a:off x="2499010" y="1526595"/>
-            <a:ext cx="920862" cy="197743"/>
-          </a:xfrm>
-          <a:prstGeom prst="rect">
-            <a:avLst/>
-          </a:prstGeom>
-          <a:noFill/>
-          <a:ln w="9525">
-            <a:noFill/>
-            <a:miter lim="800000"/>
-            <a:headEnd/>
-            <a:tailEnd/>
-          </a:ln>
-        </p:spPr>
-      </p:pic>
-      <p:pic>
-        <p:nvPicPr>
-          <p:cNvPr id="156" name="Picture 11"/>
-          <p:cNvPicPr>
-            <a:picLocks noChangeAspect="1" noChangeArrowheads="1"/>
-          </p:cNvPicPr>
-          <p:nvPr/>
-        </p:nvPicPr>
-        <p:blipFill>
-          <a:blip r:embed="rId16" cstate="print"/>
-          <a:srcRect/>
-          <a:stretch>
-            <a:fillRect/>
-          </a:stretch>
-        </p:blipFill>
-        <p:spPr bwMode="auto">
-          <a:xfrm>
-            <a:off x="2499010" y="2871217"/>
-            <a:ext cx="920862" cy="197743"/>
-          </a:xfrm>
-          <a:prstGeom prst="rect">
-            <a:avLst/>
-          </a:prstGeom>
-          <a:noFill/>
-          <a:ln w="9525">
-            <a:noFill/>
-            <a:miter lim="800000"/>
-            <a:headEnd/>
-            <a:tailEnd/>
-          </a:ln>
-        </p:spPr>
-      </p:pic>
-      <p:sp>
-        <p:nvSpPr>
-          <p:cNvPr id="173" name="TextBox 172"/>
-          <p:cNvSpPr txBox="1"/>
-          <p:nvPr/>
-        </p:nvSpPr>
-        <p:spPr>
-          <a:xfrm>
-            <a:off x="971600" y="5373216"/>
-            <a:ext cx="1080120" cy="246221"/>
-          </a:xfrm>
-          <a:prstGeom prst="rect">
-            <a:avLst/>
-          </a:prstGeom>
-          <a:noFill/>
-        </p:spPr>
-        <p:txBody>
-          <a:bodyPr wrap="square" rtlCol="0">
-            <a:spAutoFit/>
-          </a:bodyPr>
-          <a:lstStyle/>
-          <a:p>
-            <a:r>
-              <a:rPr lang="ko-KR" altLang="en-US" sz="1000" dirty="0" smtClean="0"/>
-              <a:t>오류 발생 알람</a:t>
-            </a:r>
-            <a:endParaRPr lang="ko-KR" altLang="en-US" sz="1000" dirty="0" smtClean="0"/>
-          </a:p>
-        </p:txBody>
-      </p:sp>
-      <p:sp>
-        <p:nvSpPr>
-          <p:cNvPr id="174" name="TextBox 173"/>
-          <p:cNvSpPr txBox="1"/>
-          <p:nvPr/>
-        </p:nvSpPr>
-        <p:spPr>
-          <a:xfrm>
-            <a:off x="251520" y="6021288"/>
-            <a:ext cx="1368152" cy="246221"/>
-          </a:xfrm>
-          <a:prstGeom prst="rect">
-            <a:avLst/>
-          </a:prstGeom>
-          <a:noFill/>
-        </p:spPr>
-        <p:txBody>
-          <a:bodyPr wrap="square" rtlCol="0">
-            <a:spAutoFit/>
-          </a:bodyPr>
-          <a:lstStyle/>
-          <a:p>
-            <a:r>
-              <a:rPr lang="ko-KR" altLang="en-US" sz="1000" smtClean="0"/>
-              <a:t>로그 및 데이터 확인</a:t>
-            </a:r>
-            <a:endParaRPr lang="ko-KR" altLang="en-US" sz="1000" dirty="0" smtClean="0"/>
           </a:p>
         </p:txBody>
       </p:sp>

--- a/edit.pptx
+++ b/edit.pptx
@@ -110,6 +110,22 @@
       </a:defRPr>
     </a:lvl9pPr>
   </p:defaultTextStyle>
+  <p:extLst>
+    <p:ext uri="{EFAFB233-063F-42B5-8137-9DF3F51BA10A}">
+      <p15:sldGuideLst xmlns:p15="http://schemas.microsoft.com/office/powerpoint/2012/main">
+        <p15:guide id="1" orient="horz" pos="2160">
+          <p15:clr>
+            <a:srgbClr val="A4A3A4"/>
+          </p15:clr>
+        </p15:guide>
+        <p15:guide id="2" pos="2880">
+          <p15:clr>
+            <a:srgbClr val="A4A3A4"/>
+          </p15:clr>
+        </p15:guide>
+      </p15:sldGuideLst>
+    </p:ext>
+  </p:extLst>
 </p:presentation>
 </file>
 
@@ -151,10 +167,9 @@
           <a:lstStyle/>
           <a:p>
             <a:r>
-              <a:rPr lang="ko-KR" altLang="en-US" smtClean="0"/>
+              <a:rPr lang="ko-KR" altLang="en-US"/>
               <a:t>마스터 제목 스타일 편집</a:t>
             </a:r>
-            <a:endParaRPr lang="ko-KR" altLang="en-US"/>
           </a:p>
         </p:txBody>
       </p:sp>
@@ -270,10 +285,9 @@
           </a:lstStyle>
           <a:p>
             <a:r>
-              <a:rPr lang="ko-KR" altLang="en-US" smtClean="0"/>
+              <a:rPr lang="ko-KR" altLang="en-US"/>
               <a:t>마스터 부제목 스타일 편집</a:t>
             </a:r>
-            <a:endParaRPr lang="ko-KR" altLang="en-US"/>
           </a:p>
         </p:txBody>
       </p:sp>
@@ -295,7 +309,7 @@
             <a:fld id="{7C7AA252-F4C5-436B-85A4-11EA8E3892CE}" type="datetimeFigureOut">
               <a:rPr lang="ko-KR" altLang="en-US" smtClean="0"/>
               <a:pPr/>
-              <a:t>2021-10-15</a:t>
+              <a:t>2022-03-03</a:t>
             </a:fld>
             <a:endParaRPr lang="ko-KR" altLang="en-US" dirty="0"/>
           </a:p>
@@ -385,10 +399,9 @@
           <a:lstStyle/>
           <a:p>
             <a:r>
-              <a:rPr lang="ko-KR" altLang="en-US" smtClean="0"/>
+              <a:rPr lang="ko-KR" altLang="en-US"/>
               <a:t>마스터 제목 스타일 편집</a:t>
             </a:r>
-            <a:endParaRPr lang="ko-KR" altLang="en-US"/>
           </a:p>
         </p:txBody>
       </p:sp>
@@ -409,38 +422,37 @@
           <a:p>
             <a:pPr lvl="0"/>
             <a:r>
-              <a:rPr lang="ko-KR" altLang="en-US" smtClean="0"/>
+              <a:rPr lang="ko-KR" altLang="en-US"/>
               <a:t>마스터 텍스트 스타일을 편집합니다</a:t>
             </a:r>
           </a:p>
           <a:p>
             <a:pPr lvl="1"/>
             <a:r>
-              <a:rPr lang="ko-KR" altLang="en-US" smtClean="0"/>
+              <a:rPr lang="ko-KR" altLang="en-US"/>
               <a:t>둘째 수준</a:t>
             </a:r>
           </a:p>
           <a:p>
             <a:pPr lvl="2"/>
             <a:r>
-              <a:rPr lang="ko-KR" altLang="en-US" smtClean="0"/>
+              <a:rPr lang="ko-KR" altLang="en-US"/>
               <a:t>셋째 수준</a:t>
             </a:r>
           </a:p>
           <a:p>
             <a:pPr lvl="3"/>
             <a:r>
-              <a:rPr lang="ko-KR" altLang="en-US" smtClean="0"/>
+              <a:rPr lang="ko-KR" altLang="en-US"/>
               <a:t>넷째 수준</a:t>
             </a:r>
           </a:p>
           <a:p>
             <a:pPr lvl="4"/>
             <a:r>
-              <a:rPr lang="ko-KR" altLang="en-US" smtClean="0"/>
+              <a:rPr lang="ko-KR" altLang="en-US"/>
               <a:t>다섯째 수준</a:t>
             </a:r>
-            <a:endParaRPr lang="ko-KR" altLang="en-US"/>
           </a:p>
         </p:txBody>
       </p:sp>
@@ -462,7 +474,7 @@
             <a:fld id="{7C7AA252-F4C5-436B-85A4-11EA8E3892CE}" type="datetimeFigureOut">
               <a:rPr lang="ko-KR" altLang="en-US" smtClean="0"/>
               <a:pPr/>
-              <a:t>2021-10-15</a:t>
+              <a:t>2022-03-03</a:t>
             </a:fld>
             <a:endParaRPr lang="ko-KR" altLang="en-US" dirty="0"/>
           </a:p>
@@ -557,10 +569,9 @@
           <a:lstStyle/>
           <a:p>
             <a:r>
-              <a:rPr lang="ko-KR" altLang="en-US" smtClean="0"/>
+              <a:rPr lang="ko-KR" altLang="en-US"/>
               <a:t>마스터 제목 스타일 편집</a:t>
             </a:r>
-            <a:endParaRPr lang="ko-KR" altLang="en-US"/>
           </a:p>
         </p:txBody>
       </p:sp>
@@ -586,38 +597,37 @@
           <a:p>
             <a:pPr lvl="0"/>
             <a:r>
-              <a:rPr lang="ko-KR" altLang="en-US" smtClean="0"/>
+              <a:rPr lang="ko-KR" altLang="en-US"/>
               <a:t>마스터 텍스트 스타일을 편집합니다</a:t>
             </a:r>
           </a:p>
           <a:p>
             <a:pPr lvl="1"/>
             <a:r>
-              <a:rPr lang="ko-KR" altLang="en-US" smtClean="0"/>
+              <a:rPr lang="ko-KR" altLang="en-US"/>
               <a:t>둘째 수준</a:t>
             </a:r>
           </a:p>
           <a:p>
             <a:pPr lvl="2"/>
             <a:r>
-              <a:rPr lang="ko-KR" altLang="en-US" smtClean="0"/>
+              <a:rPr lang="ko-KR" altLang="en-US"/>
               <a:t>셋째 수준</a:t>
             </a:r>
           </a:p>
           <a:p>
             <a:pPr lvl="3"/>
             <a:r>
-              <a:rPr lang="ko-KR" altLang="en-US" smtClean="0"/>
+              <a:rPr lang="ko-KR" altLang="en-US"/>
               <a:t>넷째 수준</a:t>
             </a:r>
           </a:p>
           <a:p>
             <a:pPr lvl="4"/>
             <a:r>
-              <a:rPr lang="ko-KR" altLang="en-US" smtClean="0"/>
+              <a:rPr lang="ko-KR" altLang="en-US"/>
               <a:t>다섯째 수준</a:t>
             </a:r>
-            <a:endParaRPr lang="ko-KR" altLang="en-US"/>
           </a:p>
         </p:txBody>
       </p:sp>
@@ -639,7 +649,7 @@
             <a:fld id="{7C7AA252-F4C5-436B-85A4-11EA8E3892CE}" type="datetimeFigureOut">
               <a:rPr lang="ko-KR" altLang="en-US" smtClean="0"/>
               <a:pPr/>
-              <a:t>2021-10-15</a:t>
+              <a:t>2022-03-03</a:t>
             </a:fld>
             <a:endParaRPr lang="ko-KR" altLang="en-US" dirty="0"/>
           </a:p>
@@ -729,10 +739,9 @@
           <a:lstStyle/>
           <a:p>
             <a:r>
-              <a:rPr lang="ko-KR" altLang="en-US" smtClean="0"/>
+              <a:rPr lang="ko-KR" altLang="en-US"/>
               <a:t>마스터 제목 스타일 편집</a:t>
             </a:r>
-            <a:endParaRPr lang="ko-KR" altLang="en-US"/>
           </a:p>
         </p:txBody>
       </p:sp>
@@ -753,38 +762,37 @@
           <a:p>
             <a:pPr lvl="0"/>
             <a:r>
-              <a:rPr lang="ko-KR" altLang="en-US" smtClean="0"/>
+              <a:rPr lang="ko-KR" altLang="en-US"/>
               <a:t>마스터 텍스트 스타일을 편집합니다</a:t>
             </a:r>
           </a:p>
           <a:p>
             <a:pPr lvl="1"/>
             <a:r>
-              <a:rPr lang="ko-KR" altLang="en-US" smtClean="0"/>
+              <a:rPr lang="ko-KR" altLang="en-US"/>
               <a:t>둘째 수준</a:t>
             </a:r>
           </a:p>
           <a:p>
             <a:pPr lvl="2"/>
             <a:r>
-              <a:rPr lang="ko-KR" altLang="en-US" smtClean="0"/>
+              <a:rPr lang="ko-KR" altLang="en-US"/>
               <a:t>셋째 수준</a:t>
             </a:r>
           </a:p>
           <a:p>
             <a:pPr lvl="3"/>
             <a:r>
-              <a:rPr lang="ko-KR" altLang="en-US" smtClean="0"/>
+              <a:rPr lang="ko-KR" altLang="en-US"/>
               <a:t>넷째 수준</a:t>
             </a:r>
           </a:p>
           <a:p>
             <a:pPr lvl="4"/>
             <a:r>
-              <a:rPr lang="ko-KR" altLang="en-US" smtClean="0"/>
+              <a:rPr lang="ko-KR" altLang="en-US"/>
               <a:t>다섯째 수준</a:t>
             </a:r>
-            <a:endParaRPr lang="ko-KR" altLang="en-US"/>
           </a:p>
         </p:txBody>
       </p:sp>
@@ -806,7 +814,7 @@
             <a:fld id="{7C7AA252-F4C5-436B-85A4-11EA8E3892CE}" type="datetimeFigureOut">
               <a:rPr lang="ko-KR" altLang="en-US" smtClean="0"/>
               <a:pPr/>
-              <a:t>2021-10-15</a:t>
+              <a:t>2022-03-03</a:t>
             </a:fld>
             <a:endParaRPr lang="ko-KR" altLang="en-US" dirty="0"/>
           </a:p>
@@ -905,10 +913,9 @@
           </a:lstStyle>
           <a:p>
             <a:r>
-              <a:rPr lang="ko-KR" altLang="en-US" smtClean="0"/>
+              <a:rPr lang="ko-KR" altLang="en-US"/>
               <a:t>마스터 제목 스타일 편집</a:t>
             </a:r>
-            <a:endParaRPr lang="ko-KR" altLang="en-US"/>
           </a:p>
         </p:txBody>
       </p:sp>
@@ -1025,7 +1032,7 @@
           <a:p>
             <a:pPr lvl="0"/>
             <a:r>
-              <a:rPr lang="ko-KR" altLang="en-US" smtClean="0"/>
+              <a:rPr lang="ko-KR" altLang="en-US"/>
               <a:t>마스터 텍스트 스타일을 편집합니다</a:t>
             </a:r>
           </a:p>
@@ -1049,7 +1056,7 @@
             <a:fld id="{7C7AA252-F4C5-436B-85A4-11EA8E3892CE}" type="datetimeFigureOut">
               <a:rPr lang="ko-KR" altLang="en-US" smtClean="0"/>
               <a:pPr/>
-              <a:t>2021-10-15</a:t>
+              <a:t>2022-03-03</a:t>
             </a:fld>
             <a:endParaRPr lang="ko-KR" altLang="en-US" dirty="0"/>
           </a:p>
@@ -1139,10 +1146,9 @@
           <a:lstStyle/>
           <a:p>
             <a:r>
-              <a:rPr lang="ko-KR" altLang="en-US" smtClean="0"/>
+              <a:rPr lang="ko-KR" altLang="en-US"/>
               <a:t>마스터 제목 스타일 편집</a:t>
             </a:r>
-            <a:endParaRPr lang="ko-KR" altLang="en-US"/>
           </a:p>
         </p:txBody>
       </p:sp>
@@ -1196,38 +1202,37 @@
           <a:p>
             <a:pPr lvl="0"/>
             <a:r>
-              <a:rPr lang="ko-KR" altLang="en-US" smtClean="0"/>
+              <a:rPr lang="ko-KR" altLang="en-US"/>
               <a:t>마스터 텍스트 스타일을 편집합니다</a:t>
             </a:r>
           </a:p>
           <a:p>
             <a:pPr lvl="1"/>
             <a:r>
-              <a:rPr lang="ko-KR" altLang="en-US" smtClean="0"/>
+              <a:rPr lang="ko-KR" altLang="en-US"/>
               <a:t>둘째 수준</a:t>
             </a:r>
           </a:p>
           <a:p>
             <a:pPr lvl="2"/>
             <a:r>
-              <a:rPr lang="ko-KR" altLang="en-US" smtClean="0"/>
+              <a:rPr lang="ko-KR" altLang="en-US"/>
               <a:t>셋째 수준</a:t>
             </a:r>
           </a:p>
           <a:p>
             <a:pPr lvl="3"/>
             <a:r>
-              <a:rPr lang="ko-KR" altLang="en-US" smtClean="0"/>
+              <a:rPr lang="ko-KR" altLang="en-US"/>
               <a:t>넷째 수준</a:t>
             </a:r>
           </a:p>
           <a:p>
             <a:pPr lvl="4"/>
             <a:r>
-              <a:rPr lang="ko-KR" altLang="en-US" smtClean="0"/>
+              <a:rPr lang="ko-KR" altLang="en-US"/>
               <a:t>다섯째 수준</a:t>
             </a:r>
-            <a:endParaRPr lang="ko-KR" altLang="en-US"/>
           </a:p>
         </p:txBody>
       </p:sp>
@@ -1281,38 +1286,37 @@
           <a:p>
             <a:pPr lvl="0"/>
             <a:r>
-              <a:rPr lang="ko-KR" altLang="en-US" smtClean="0"/>
+              <a:rPr lang="ko-KR" altLang="en-US"/>
               <a:t>마스터 텍스트 스타일을 편집합니다</a:t>
             </a:r>
           </a:p>
           <a:p>
             <a:pPr lvl="1"/>
             <a:r>
-              <a:rPr lang="ko-KR" altLang="en-US" smtClean="0"/>
+              <a:rPr lang="ko-KR" altLang="en-US"/>
               <a:t>둘째 수준</a:t>
             </a:r>
           </a:p>
           <a:p>
             <a:pPr lvl="2"/>
             <a:r>
-              <a:rPr lang="ko-KR" altLang="en-US" smtClean="0"/>
+              <a:rPr lang="ko-KR" altLang="en-US"/>
               <a:t>셋째 수준</a:t>
             </a:r>
           </a:p>
           <a:p>
             <a:pPr lvl="3"/>
             <a:r>
-              <a:rPr lang="ko-KR" altLang="en-US" smtClean="0"/>
+              <a:rPr lang="ko-KR" altLang="en-US"/>
               <a:t>넷째 수준</a:t>
             </a:r>
           </a:p>
           <a:p>
             <a:pPr lvl="4"/>
             <a:r>
-              <a:rPr lang="ko-KR" altLang="en-US" smtClean="0"/>
+              <a:rPr lang="ko-KR" altLang="en-US"/>
               <a:t>다섯째 수준</a:t>
             </a:r>
-            <a:endParaRPr lang="ko-KR" altLang="en-US"/>
           </a:p>
         </p:txBody>
       </p:sp>
@@ -1334,7 +1338,7 @@
             <a:fld id="{7C7AA252-F4C5-436B-85A4-11EA8E3892CE}" type="datetimeFigureOut">
               <a:rPr lang="ko-KR" altLang="en-US" smtClean="0"/>
               <a:pPr/>
-              <a:t>2021-10-15</a:t>
+              <a:t>2022-03-03</a:t>
             </a:fld>
             <a:endParaRPr lang="ko-KR" altLang="en-US" dirty="0"/>
           </a:p>
@@ -1428,10 +1432,9 @@
           </a:lstStyle>
           <a:p>
             <a:r>
-              <a:rPr lang="ko-KR" altLang="en-US" smtClean="0"/>
+              <a:rPr lang="ko-KR" altLang="en-US"/>
               <a:t>마스터 제목 스타일 편집</a:t>
             </a:r>
-            <a:endParaRPr lang="ko-KR" altLang="en-US"/>
           </a:p>
         </p:txBody>
       </p:sp>
@@ -1494,7 +1497,7 @@
           <a:p>
             <a:pPr lvl="0"/>
             <a:r>
-              <a:rPr lang="ko-KR" altLang="en-US" smtClean="0"/>
+              <a:rPr lang="ko-KR" altLang="en-US"/>
               <a:t>마스터 텍스트 스타일을 편집합니다</a:t>
             </a:r>
           </a:p>
@@ -1550,38 +1553,37 @@
           <a:p>
             <a:pPr lvl="0"/>
             <a:r>
-              <a:rPr lang="ko-KR" altLang="en-US" smtClean="0"/>
+              <a:rPr lang="ko-KR" altLang="en-US"/>
               <a:t>마스터 텍스트 스타일을 편집합니다</a:t>
             </a:r>
           </a:p>
           <a:p>
             <a:pPr lvl="1"/>
             <a:r>
-              <a:rPr lang="ko-KR" altLang="en-US" smtClean="0"/>
+              <a:rPr lang="ko-KR" altLang="en-US"/>
               <a:t>둘째 수준</a:t>
             </a:r>
           </a:p>
           <a:p>
             <a:pPr lvl="2"/>
             <a:r>
-              <a:rPr lang="ko-KR" altLang="en-US" smtClean="0"/>
+              <a:rPr lang="ko-KR" altLang="en-US"/>
               <a:t>셋째 수준</a:t>
             </a:r>
           </a:p>
           <a:p>
             <a:pPr lvl="3"/>
             <a:r>
-              <a:rPr lang="ko-KR" altLang="en-US" smtClean="0"/>
+              <a:rPr lang="ko-KR" altLang="en-US"/>
               <a:t>넷째 수준</a:t>
             </a:r>
           </a:p>
           <a:p>
             <a:pPr lvl="4"/>
             <a:r>
-              <a:rPr lang="ko-KR" altLang="en-US" smtClean="0"/>
+              <a:rPr lang="ko-KR" altLang="en-US"/>
               <a:t>다섯째 수준</a:t>
             </a:r>
-            <a:endParaRPr lang="ko-KR" altLang="en-US"/>
           </a:p>
         </p:txBody>
       </p:sp>
@@ -1644,7 +1646,7 @@
           <a:p>
             <a:pPr lvl="0"/>
             <a:r>
-              <a:rPr lang="ko-KR" altLang="en-US" smtClean="0"/>
+              <a:rPr lang="ko-KR" altLang="en-US"/>
               <a:t>마스터 텍스트 스타일을 편집합니다</a:t>
             </a:r>
           </a:p>
@@ -1700,38 +1702,37 @@
           <a:p>
             <a:pPr lvl="0"/>
             <a:r>
-              <a:rPr lang="ko-KR" altLang="en-US" smtClean="0"/>
+              <a:rPr lang="ko-KR" altLang="en-US"/>
               <a:t>마스터 텍스트 스타일을 편집합니다</a:t>
             </a:r>
           </a:p>
           <a:p>
             <a:pPr lvl="1"/>
             <a:r>
-              <a:rPr lang="ko-KR" altLang="en-US" smtClean="0"/>
+              <a:rPr lang="ko-KR" altLang="en-US"/>
               <a:t>둘째 수준</a:t>
             </a:r>
           </a:p>
           <a:p>
             <a:pPr lvl="2"/>
             <a:r>
-              <a:rPr lang="ko-KR" altLang="en-US" smtClean="0"/>
+              <a:rPr lang="ko-KR" altLang="en-US"/>
               <a:t>셋째 수준</a:t>
             </a:r>
           </a:p>
           <a:p>
             <a:pPr lvl="3"/>
             <a:r>
-              <a:rPr lang="ko-KR" altLang="en-US" smtClean="0"/>
+              <a:rPr lang="ko-KR" altLang="en-US"/>
               <a:t>넷째 수준</a:t>
             </a:r>
           </a:p>
           <a:p>
             <a:pPr lvl="4"/>
             <a:r>
-              <a:rPr lang="ko-KR" altLang="en-US" smtClean="0"/>
+              <a:rPr lang="ko-KR" altLang="en-US"/>
               <a:t>다섯째 수준</a:t>
             </a:r>
-            <a:endParaRPr lang="ko-KR" altLang="en-US"/>
           </a:p>
         </p:txBody>
       </p:sp>
@@ -1753,7 +1754,7 @@
             <a:fld id="{7C7AA252-F4C5-436B-85A4-11EA8E3892CE}" type="datetimeFigureOut">
               <a:rPr lang="ko-KR" altLang="en-US" smtClean="0"/>
               <a:pPr/>
-              <a:t>2021-10-15</a:t>
+              <a:t>2022-03-03</a:t>
             </a:fld>
             <a:endParaRPr lang="ko-KR" altLang="en-US" dirty="0"/>
           </a:p>
@@ -1843,10 +1844,9 @@
           <a:lstStyle/>
           <a:p>
             <a:r>
-              <a:rPr lang="ko-KR" altLang="en-US" smtClean="0"/>
+              <a:rPr lang="ko-KR" altLang="en-US"/>
               <a:t>마스터 제목 스타일 편집</a:t>
             </a:r>
-            <a:endParaRPr lang="ko-KR" altLang="en-US"/>
           </a:p>
         </p:txBody>
       </p:sp>
@@ -1868,7 +1868,7 @@
             <a:fld id="{7C7AA252-F4C5-436B-85A4-11EA8E3892CE}" type="datetimeFigureOut">
               <a:rPr lang="ko-KR" altLang="en-US" smtClean="0"/>
               <a:pPr/>
-              <a:t>2021-10-15</a:t>
+              <a:t>2022-03-03</a:t>
             </a:fld>
             <a:endParaRPr lang="ko-KR" altLang="en-US" dirty="0"/>
           </a:p>
@@ -1960,7 +1960,7 @@
             <a:fld id="{7C7AA252-F4C5-436B-85A4-11EA8E3892CE}" type="datetimeFigureOut">
               <a:rPr lang="ko-KR" altLang="en-US" smtClean="0"/>
               <a:pPr/>
-              <a:t>2021-10-15</a:t>
+              <a:t>2022-03-03</a:t>
             </a:fld>
             <a:endParaRPr lang="ko-KR" altLang="en-US" dirty="0"/>
           </a:p>
@@ -2059,10 +2059,9 @@
           </a:lstStyle>
           <a:p>
             <a:r>
-              <a:rPr lang="ko-KR" altLang="en-US" smtClean="0"/>
+              <a:rPr lang="ko-KR" altLang="en-US"/>
               <a:t>마스터 제목 스타일 편집</a:t>
             </a:r>
-            <a:endParaRPr lang="ko-KR" altLang="en-US"/>
           </a:p>
         </p:txBody>
       </p:sp>
@@ -2116,38 +2115,37 @@
           <a:p>
             <a:pPr lvl="0"/>
             <a:r>
-              <a:rPr lang="ko-KR" altLang="en-US" smtClean="0"/>
+              <a:rPr lang="ko-KR" altLang="en-US"/>
               <a:t>마스터 텍스트 스타일을 편집합니다</a:t>
             </a:r>
           </a:p>
           <a:p>
             <a:pPr lvl="1"/>
             <a:r>
-              <a:rPr lang="ko-KR" altLang="en-US" smtClean="0"/>
+              <a:rPr lang="ko-KR" altLang="en-US"/>
               <a:t>둘째 수준</a:t>
             </a:r>
           </a:p>
           <a:p>
             <a:pPr lvl="2"/>
             <a:r>
-              <a:rPr lang="ko-KR" altLang="en-US" smtClean="0"/>
+              <a:rPr lang="ko-KR" altLang="en-US"/>
               <a:t>셋째 수준</a:t>
             </a:r>
           </a:p>
           <a:p>
             <a:pPr lvl="3"/>
             <a:r>
-              <a:rPr lang="ko-KR" altLang="en-US" smtClean="0"/>
+              <a:rPr lang="ko-KR" altLang="en-US"/>
               <a:t>넷째 수준</a:t>
             </a:r>
           </a:p>
           <a:p>
             <a:pPr lvl="4"/>
             <a:r>
-              <a:rPr lang="ko-KR" altLang="en-US" smtClean="0"/>
+              <a:rPr lang="ko-KR" altLang="en-US"/>
               <a:t>다섯째 수준</a:t>
             </a:r>
-            <a:endParaRPr lang="ko-KR" altLang="en-US"/>
           </a:p>
         </p:txBody>
       </p:sp>
@@ -2210,7 +2208,7 @@
           <a:p>
             <a:pPr lvl="0"/>
             <a:r>
-              <a:rPr lang="ko-KR" altLang="en-US" smtClean="0"/>
+              <a:rPr lang="ko-KR" altLang="en-US"/>
               <a:t>마스터 텍스트 스타일을 편집합니다</a:t>
             </a:r>
           </a:p>
@@ -2234,7 +2232,7 @@
             <a:fld id="{7C7AA252-F4C5-436B-85A4-11EA8E3892CE}" type="datetimeFigureOut">
               <a:rPr lang="ko-KR" altLang="en-US" smtClean="0"/>
               <a:pPr/>
-              <a:t>2021-10-15</a:t>
+              <a:t>2022-03-03</a:t>
             </a:fld>
             <a:endParaRPr lang="ko-KR" altLang="en-US" dirty="0"/>
           </a:p>
@@ -2333,10 +2331,9 @@
           </a:lstStyle>
           <a:p>
             <a:r>
-              <a:rPr lang="ko-KR" altLang="en-US" smtClean="0"/>
+              <a:rPr lang="ko-KR" altLang="en-US"/>
               <a:t>마스터 제목 스타일 편집</a:t>
             </a:r>
-            <a:endParaRPr lang="ko-KR" altLang="en-US"/>
           </a:p>
         </p:txBody>
       </p:sp>
@@ -2460,7 +2457,7 @@
           <a:p>
             <a:pPr lvl="0"/>
             <a:r>
-              <a:rPr lang="ko-KR" altLang="en-US" smtClean="0"/>
+              <a:rPr lang="ko-KR" altLang="en-US"/>
               <a:t>마스터 텍스트 스타일을 편집합니다</a:t>
             </a:r>
           </a:p>
@@ -2484,7 +2481,7 @@
             <a:fld id="{7C7AA252-F4C5-436B-85A4-11EA8E3892CE}" type="datetimeFigureOut">
               <a:rPr lang="ko-KR" altLang="en-US" smtClean="0"/>
               <a:pPr/>
-              <a:t>2021-10-15</a:t>
+              <a:t>2022-03-03</a:t>
             </a:fld>
             <a:endParaRPr lang="ko-KR" altLang="en-US" dirty="0"/>
           </a:p>
@@ -2589,10 +2586,9 @@
           <a:lstStyle/>
           <a:p>
             <a:r>
-              <a:rPr lang="ko-KR" altLang="en-US" smtClean="0"/>
+              <a:rPr lang="ko-KR" altLang="en-US"/>
               <a:t>마스터 제목 스타일 편집</a:t>
             </a:r>
-            <a:endParaRPr lang="ko-KR" altLang="en-US"/>
           </a:p>
         </p:txBody>
       </p:sp>
@@ -2623,38 +2619,37 @@
           <a:p>
             <a:pPr lvl="0"/>
             <a:r>
-              <a:rPr lang="ko-KR" altLang="en-US" smtClean="0"/>
+              <a:rPr lang="ko-KR" altLang="en-US"/>
               <a:t>마스터 텍스트 스타일을 편집합니다</a:t>
             </a:r>
           </a:p>
           <a:p>
             <a:pPr lvl="1"/>
             <a:r>
-              <a:rPr lang="ko-KR" altLang="en-US" smtClean="0"/>
+              <a:rPr lang="ko-KR" altLang="en-US"/>
               <a:t>둘째 수준</a:t>
             </a:r>
           </a:p>
           <a:p>
             <a:pPr lvl="2"/>
             <a:r>
-              <a:rPr lang="ko-KR" altLang="en-US" smtClean="0"/>
+              <a:rPr lang="ko-KR" altLang="en-US"/>
               <a:t>셋째 수준</a:t>
             </a:r>
           </a:p>
           <a:p>
             <a:pPr lvl="3"/>
             <a:r>
-              <a:rPr lang="ko-KR" altLang="en-US" smtClean="0"/>
+              <a:rPr lang="ko-KR" altLang="en-US"/>
               <a:t>넷째 수준</a:t>
             </a:r>
           </a:p>
           <a:p>
             <a:pPr lvl="4"/>
             <a:r>
-              <a:rPr lang="ko-KR" altLang="en-US" smtClean="0"/>
+              <a:rPr lang="ko-KR" altLang="en-US"/>
               <a:t>다섯째 수준</a:t>
             </a:r>
-            <a:endParaRPr lang="ko-KR" altLang="en-US"/>
           </a:p>
         </p:txBody>
       </p:sp>
@@ -2694,7 +2689,7 @@
             <a:fld id="{7C7AA252-F4C5-436B-85A4-11EA8E3892CE}" type="datetimeFigureOut">
               <a:rPr lang="ko-KR" altLang="en-US" smtClean="0"/>
               <a:pPr/>
-              <a:t>2021-10-15</a:t>
+              <a:t>2022-03-03</a:t>
             </a:fld>
             <a:endParaRPr lang="ko-KR" altLang="en-US" dirty="0"/>
           </a:p>
@@ -3146,7 +3141,7 @@
           <a:lstStyle/>
           <a:p>
             <a:r>
-              <a:rPr lang="en-US" altLang="ko-KR" dirty="0" smtClean="0"/>
+              <a:rPr lang="en-US" altLang="ko-KR" dirty="0"/>
               <a:t>Tomcat server</a:t>
             </a:r>
             <a:endParaRPr lang="ko-KR" altLang="en-US" dirty="0"/>
@@ -3208,7 +3203,7 @@
           <a:lstStyle/>
           <a:p>
             <a:r>
-              <a:rPr lang="en-US" altLang="ko-KR" dirty="0" smtClean="0"/>
+              <a:rPr lang="en-US" altLang="ko-KR" dirty="0"/>
               <a:t>Spring Batch</a:t>
             </a:r>
             <a:endParaRPr lang="ko-KR" altLang="en-US" dirty="0"/>
@@ -3425,10 +3420,9 @@
           <a:lstStyle/>
           <a:p>
             <a:r>
-              <a:rPr lang="ko-KR" altLang="en-US" dirty="0" smtClean="0"/>
+              <a:rPr lang="ko-KR" altLang="en-US" dirty="0"/>
               <a:t>문자 발송 데몬</a:t>
             </a:r>
-            <a:endParaRPr lang="ko-KR" altLang="en-US" dirty="0"/>
           </a:p>
         </p:txBody>
       </p:sp>
@@ -3496,18 +3490,17 @@
           <a:lstStyle/>
           <a:p>
             <a:r>
-              <a:rPr lang="ko-KR" altLang="en-US" sz="1200" dirty="0" smtClean="0"/>
+              <a:rPr lang="ko-KR" altLang="en-US" sz="1200" dirty="0"/>
               <a:t>전자영수증 </a:t>
             </a:r>
             <a:r>
-              <a:rPr lang="en-US" altLang="ko-KR" sz="1200" dirty="0" smtClean="0"/>
+              <a:rPr lang="en-US" altLang="ko-KR" sz="1200" dirty="0"/>
               <a:t>URL </a:t>
             </a:r>
             <a:r>
-              <a:rPr lang="ko-KR" altLang="en-US" sz="1200" dirty="0" smtClean="0"/>
+              <a:rPr lang="ko-KR" altLang="en-US" sz="1200" dirty="0"/>
               <a:t>문자 발송</a:t>
             </a:r>
-            <a:endParaRPr lang="ko-KR" altLang="en-US" sz="1200" dirty="0"/>
           </a:p>
         </p:txBody>
       </p:sp>
@@ -3534,12 +3527,8 @@
           <a:lstStyle/>
           <a:p>
             <a:r>
-              <a:rPr lang="ko-KR" altLang="en-US" dirty="0" smtClean="0"/>
-              <a:t>고</a:t>
-            </a:r>
-            <a:r>
               <a:rPr lang="ko-KR" altLang="en-US" dirty="0"/>
-              <a:t>객</a:t>
+              <a:t>고객</a:t>
             </a:r>
           </a:p>
         </p:txBody>
@@ -3567,10 +3556,9 @@
           <a:lstStyle/>
           <a:p>
             <a:r>
-              <a:rPr lang="ko-KR" altLang="en-US" sz="1200" dirty="0" smtClean="0"/>
+              <a:rPr lang="ko-KR" altLang="en-US" sz="1200" dirty="0"/>
               <a:t>문자 발송 대상 등록</a:t>
             </a:r>
-            <a:endParaRPr lang="ko-KR" altLang="en-US" sz="1200" dirty="0"/>
           </a:p>
         </p:txBody>
       </p:sp>
@@ -3597,10 +3585,9 @@
           <a:lstStyle/>
           <a:p>
             <a:r>
-              <a:rPr lang="ko-KR" altLang="en-US" sz="1200" dirty="0" smtClean="0"/>
+              <a:rPr lang="ko-KR" altLang="en-US" sz="1200" dirty="0"/>
               <a:t>전자영수증 정보 조회</a:t>
             </a:r>
-            <a:endParaRPr lang="ko-KR" altLang="en-US" sz="1200" dirty="0"/>
           </a:p>
         </p:txBody>
       </p:sp>
@@ -3685,8 +3672,8 @@
         </p:blipFill>
         <p:spPr bwMode="auto">
           <a:xfrm>
-            <a:off x="5508104" y="908720"/>
-            <a:ext cx="3149352" cy="2420646"/>
+            <a:off x="5796136" y="257946"/>
+            <a:ext cx="2376264" cy="1826437"/>
           </a:xfrm>
           <a:prstGeom prst="rect">
             <a:avLst/>
@@ -3717,7 +3704,7 @@
         </p:blipFill>
         <p:spPr bwMode="auto">
           <a:xfrm>
-            <a:off x="1979712" y="4437112"/>
+            <a:off x="5809828" y="2771845"/>
             <a:ext cx="505319" cy="576064"/>
           </a:xfrm>
           <a:prstGeom prst="rect">
@@ -3749,7 +3736,7 @@
         </p:blipFill>
         <p:spPr bwMode="auto">
           <a:xfrm>
-            <a:off x="2722981" y="4437112"/>
+            <a:off x="6553097" y="2771845"/>
             <a:ext cx="624883" cy="576064"/>
           </a:xfrm>
           <a:prstGeom prst="rect">
@@ -3766,14 +3753,38 @@
       </p:pic>
       <p:pic>
         <p:nvPicPr>
-          <p:cNvPr id="7" name="Picture 3" descr="C:\Users\webme\Downloads\the-server-15-128.png"/>
+          <p:cNvPr id="12" name="그림 11" descr="3630px-Nginx_logo.png"/>
+          <p:cNvPicPr>
+            <a:picLocks noChangeAspect="1"/>
+          </p:cNvPicPr>
+          <p:nvPr/>
+        </p:nvPicPr>
+        <p:blipFill>
+          <a:blip r:embed="rId5" cstate="print"/>
+          <a:stretch>
+            <a:fillRect/>
+          </a:stretch>
+        </p:blipFill>
+        <p:spPr>
+          <a:xfrm>
+            <a:off x="956532" y="1556792"/>
+            <a:ext cx="951172" cy="654028"/>
+          </a:xfrm>
+          <a:prstGeom prst="rect">
+            <a:avLst/>
+          </a:prstGeom>
+        </p:spPr>
+      </p:pic>
+      <p:pic>
+        <p:nvPicPr>
+          <p:cNvPr id="2054" name="Picture 6"/>
           <p:cNvPicPr>
             <a:picLocks noChangeAspect="1" noChangeArrowheads="1"/>
           </p:cNvPicPr>
           <p:nvPr/>
         </p:nvPicPr>
         <p:blipFill>
-          <a:blip r:embed="rId5" cstate="print"/>
+          <a:blip r:embed="rId6" cstate="print"/>
           <a:srcRect/>
           <a:stretch>
             <a:fillRect/>
@@ -3781,25 +3792,31 @@
         </p:blipFill>
         <p:spPr bwMode="auto">
           <a:xfrm>
-            <a:off x="2339752" y="188640"/>
-            <a:ext cx="1219200" cy="1219200"/>
+            <a:off x="5845729" y="4342134"/>
+            <a:ext cx="1218672" cy="334741"/>
           </a:xfrm>
           <a:prstGeom prst="rect">
             <a:avLst/>
           </a:prstGeom>
           <a:noFill/>
+          <a:ln w="9525">
+            <a:noFill/>
+            <a:miter lim="800000"/>
+            <a:headEnd/>
+            <a:tailEnd/>
+          </a:ln>
         </p:spPr>
       </p:pic>
       <p:pic>
         <p:nvPicPr>
-          <p:cNvPr id="8" name="Picture 3" descr="C:\Users\webme\Downloads\the-server-15-128.png"/>
+          <p:cNvPr id="2055" name="Picture 7"/>
           <p:cNvPicPr>
             <a:picLocks noChangeAspect="1" noChangeArrowheads="1"/>
           </p:cNvPicPr>
           <p:nvPr/>
         </p:nvPicPr>
         <p:blipFill>
-          <a:blip r:embed="rId5" cstate="print"/>
+          <a:blip r:embed="rId7" cstate="print"/>
           <a:srcRect/>
           <a:stretch>
             <a:fillRect/>
@@ -3807,188 +3824,82 @@
         </p:blipFill>
         <p:spPr bwMode="auto">
           <a:xfrm>
-            <a:off x="2339752" y="1531531"/>
-            <a:ext cx="1219200" cy="1219200"/>
+            <a:off x="1805377" y="3957204"/>
+            <a:ext cx="989254" cy="314131"/>
           </a:xfrm>
           <a:prstGeom prst="rect">
             <a:avLst/>
           </a:prstGeom>
           <a:noFill/>
+          <a:ln w="9525">
+            <a:noFill/>
+            <a:miter lim="800000"/>
+            <a:headEnd/>
+            <a:tailEnd/>
+          </a:ln>
         </p:spPr>
       </p:pic>
+      <p:sp>
+        <p:nvSpPr>
+          <p:cNvPr id="21" name="TextBox 20"/>
+          <p:cNvSpPr txBox="1"/>
+          <p:nvPr/>
+        </p:nvSpPr>
+        <p:spPr>
+          <a:xfrm>
+            <a:off x="3263314" y="635377"/>
+            <a:ext cx="576064" cy="246221"/>
+          </a:xfrm>
+          <a:prstGeom prst="rect">
+            <a:avLst/>
+          </a:prstGeom>
+          <a:noFill/>
+        </p:spPr>
+        <p:txBody>
+          <a:bodyPr wrap="square" rtlCol="0">
+            <a:spAutoFit/>
+          </a:bodyPr>
+          <a:lstStyle/>
+          <a:p>
+            <a:r>
+              <a:rPr lang="ko-KR" altLang="en-US" sz="1000" dirty="0"/>
+              <a:t>가맹점 </a:t>
+            </a:r>
+          </a:p>
+        </p:txBody>
+      </p:sp>
+      <p:sp>
+        <p:nvSpPr>
+          <p:cNvPr id="25" name="TextBox 24"/>
+          <p:cNvSpPr txBox="1"/>
+          <p:nvPr/>
+        </p:nvSpPr>
+        <p:spPr>
+          <a:xfrm>
+            <a:off x="6554345" y="2228540"/>
+            <a:ext cx="1296144" cy="246221"/>
+          </a:xfrm>
+          <a:prstGeom prst="rect">
+            <a:avLst/>
+          </a:prstGeom>
+          <a:noFill/>
+        </p:spPr>
+        <p:txBody>
+          <a:bodyPr wrap="square" rtlCol="0">
+            <a:spAutoFit/>
+          </a:bodyPr>
+          <a:lstStyle/>
+          <a:p>
+            <a:r>
+              <a:rPr lang="ko-KR" altLang="en-US" sz="1000" dirty="0"/>
+              <a:t>세션 서버</a:t>
+            </a:r>
+          </a:p>
+        </p:txBody>
+      </p:sp>
       <p:pic>
         <p:nvPicPr>
-          <p:cNvPr id="9" name="Picture 3" descr="C:\Users\webme\Downloads\the-server-15-128.png"/>
-          <p:cNvPicPr>
-            <a:picLocks noChangeAspect="1" noChangeArrowheads="1"/>
-          </p:cNvPicPr>
-          <p:nvPr/>
-        </p:nvPicPr>
-        <p:blipFill>
-          <a:blip r:embed="rId5" cstate="print"/>
-          <a:srcRect/>
-          <a:stretch>
-            <a:fillRect/>
-          </a:stretch>
-        </p:blipFill>
-        <p:spPr bwMode="auto">
-          <a:xfrm>
-            <a:off x="2339752" y="2827675"/>
-            <a:ext cx="1219200" cy="1219200"/>
-          </a:xfrm>
-          <a:prstGeom prst="rect">
-            <a:avLst/>
-          </a:prstGeom>
-          <a:noFill/>
-        </p:spPr>
-      </p:pic>
-      <p:pic>
-        <p:nvPicPr>
-          <p:cNvPr id="12" name="그림 11" descr="3630px-Nginx_logo.png"/>
-          <p:cNvPicPr>
-            <a:picLocks noChangeAspect="1"/>
-          </p:cNvPicPr>
-          <p:nvPr/>
-        </p:nvPicPr>
-        <p:blipFill>
-          <a:blip r:embed="rId6" cstate="print"/>
-          <a:stretch>
-            <a:fillRect/>
-          </a:stretch>
-        </p:blipFill>
-        <p:spPr>
-          <a:xfrm>
-            <a:off x="1835696" y="404664"/>
-            <a:ext cx="733062" cy="504055"/>
-          </a:xfrm>
-          <a:prstGeom prst="rect">
-            <a:avLst/>
-          </a:prstGeom>
-        </p:spPr>
-      </p:pic>
-      <p:pic>
-        <p:nvPicPr>
-          <p:cNvPr id="13" name="그림 12" descr="tomcat.png"/>
-          <p:cNvPicPr>
-            <a:picLocks noChangeAspect="1"/>
-          </p:cNvPicPr>
-          <p:nvPr/>
-        </p:nvPicPr>
-        <p:blipFill>
-          <a:blip r:embed="rId7" cstate="print"/>
-          <a:stretch>
-            <a:fillRect/>
-          </a:stretch>
-        </p:blipFill>
-        <p:spPr>
-          <a:xfrm>
-            <a:off x="1763688" y="620688"/>
-            <a:ext cx="812801" cy="812801"/>
-          </a:xfrm>
-          <a:prstGeom prst="rect">
-            <a:avLst/>
-          </a:prstGeom>
-        </p:spPr>
-      </p:pic>
-      <p:pic>
-        <p:nvPicPr>
-          <p:cNvPr id="14" name="그림 13" descr="3630px-Nginx_logo.png"/>
-          <p:cNvPicPr>
-            <a:picLocks noChangeAspect="1"/>
-          </p:cNvPicPr>
-          <p:nvPr/>
-        </p:nvPicPr>
-        <p:blipFill>
-          <a:blip r:embed="rId6" cstate="print"/>
-          <a:stretch>
-            <a:fillRect/>
-          </a:stretch>
-        </p:blipFill>
-        <p:spPr>
-          <a:xfrm>
-            <a:off x="1835696" y="1675547"/>
-            <a:ext cx="733062" cy="504055"/>
-          </a:xfrm>
-          <a:prstGeom prst="rect">
-            <a:avLst/>
-          </a:prstGeom>
-        </p:spPr>
-      </p:pic>
-      <p:pic>
-        <p:nvPicPr>
-          <p:cNvPr id="15" name="그림 14" descr="tomcat.png"/>
-          <p:cNvPicPr>
-            <a:picLocks noChangeAspect="1"/>
-          </p:cNvPicPr>
-          <p:nvPr/>
-        </p:nvPicPr>
-        <p:blipFill>
-          <a:blip r:embed="rId7" cstate="print"/>
-          <a:stretch>
-            <a:fillRect/>
-          </a:stretch>
-        </p:blipFill>
-        <p:spPr>
-          <a:xfrm>
-            <a:off x="1763688" y="1891571"/>
-            <a:ext cx="812801" cy="812801"/>
-          </a:xfrm>
-          <a:prstGeom prst="rect">
-            <a:avLst/>
-          </a:prstGeom>
-        </p:spPr>
-      </p:pic>
-      <p:pic>
-        <p:nvPicPr>
-          <p:cNvPr id="16" name="그림 15" descr="3630px-Nginx_logo.png"/>
-          <p:cNvPicPr>
-            <a:picLocks noChangeAspect="1"/>
-          </p:cNvPicPr>
-          <p:nvPr/>
-        </p:nvPicPr>
-        <p:blipFill>
-          <a:blip r:embed="rId6" cstate="print"/>
-          <a:stretch>
-            <a:fillRect/>
-          </a:stretch>
-        </p:blipFill>
-        <p:spPr>
-          <a:xfrm>
-            <a:off x="1835696" y="2971691"/>
-            <a:ext cx="733062" cy="504055"/>
-          </a:xfrm>
-          <a:prstGeom prst="rect">
-            <a:avLst/>
-          </a:prstGeom>
-        </p:spPr>
-      </p:pic>
-      <p:pic>
-        <p:nvPicPr>
-          <p:cNvPr id="17" name="그림 16" descr="tomcat.png"/>
-          <p:cNvPicPr>
-            <a:picLocks noChangeAspect="1"/>
-          </p:cNvPicPr>
-          <p:nvPr/>
-        </p:nvPicPr>
-        <p:blipFill>
-          <a:blip r:embed="rId7" cstate="print"/>
-          <a:stretch>
-            <a:fillRect/>
-          </a:stretch>
-        </p:blipFill>
-        <p:spPr>
-          <a:xfrm>
-            <a:off x="1763688" y="3187715"/>
-            <a:ext cx="812801" cy="812801"/>
-          </a:xfrm>
-          <a:prstGeom prst="rect">
-            <a:avLst/>
-          </a:prstGeom>
-        </p:spPr>
-      </p:pic>
-      <p:pic>
-        <p:nvPicPr>
-          <p:cNvPr id="2054" name="Picture 6"/>
+          <p:cNvPr id="2057" name="Picture 9"/>
           <p:cNvPicPr>
             <a:picLocks noChangeAspect="1" noChangeArrowheads="1"/>
           </p:cNvPicPr>
@@ -4003,8 +3914,8 @@
         </p:blipFill>
         <p:spPr bwMode="auto">
           <a:xfrm>
-            <a:off x="5940152" y="4293096"/>
-            <a:ext cx="1440160" cy="446946"/>
+            <a:off x="5828816" y="4687087"/>
+            <a:ext cx="1152210" cy="268584"/>
           </a:xfrm>
           <a:prstGeom prst="rect">
             <a:avLst/>
@@ -4020,78 +3931,499 @@
       </p:pic>
       <p:pic>
         <p:nvPicPr>
-          <p:cNvPr id="2055" name="Picture 7"/>
+          <p:cNvPr id="76" name="그림 75" descr="1688502.png"/>
           <p:cNvPicPr>
-            <a:picLocks noChangeAspect="1" noChangeArrowheads="1"/>
+            <a:picLocks noChangeAspect="1"/>
           </p:cNvPicPr>
           <p:nvPr/>
         </p:nvPicPr>
         <p:blipFill>
           <a:blip r:embed="rId9" cstate="print"/>
-          <a:srcRect/>
           <a:stretch>
             <a:fillRect/>
           </a:stretch>
         </p:blipFill>
-        <p:spPr bwMode="auto">
-          <a:xfrm>
-            <a:off x="1907704" y="5229200"/>
-            <a:ext cx="1152128" cy="365851"/>
-          </a:xfrm>
-          <a:prstGeom prst="rect">
-            <a:avLst/>
-          </a:prstGeom>
-          <a:noFill/>
-          <a:ln w="9525">
-            <a:noFill/>
-            <a:miter lim="800000"/>
-            <a:headEnd/>
-            <a:tailEnd/>
-          </a:ln>
+        <p:spPr>
+          <a:xfrm>
+            <a:off x="417212" y="4967372"/>
+            <a:ext cx="477852" cy="477852"/>
+          </a:xfrm>
+          <a:prstGeom prst="rect">
+            <a:avLst/>
+          </a:prstGeom>
         </p:spPr>
       </p:pic>
       <p:pic>
         <p:nvPicPr>
-          <p:cNvPr id="2056" name="Picture 8"/>
+          <p:cNvPr id="149" name="그림 148" descr="Centos-logo.png"/>
           <p:cNvPicPr>
-            <a:picLocks noChangeAspect="1" noChangeArrowheads="1"/>
+            <a:picLocks noChangeAspect="1"/>
           </p:cNvPicPr>
           <p:nvPr/>
         </p:nvPicPr>
         <p:blipFill>
           <a:blip r:embed="rId10" cstate="print"/>
-          <a:srcRect/>
           <a:stretch>
             <a:fillRect/>
           </a:stretch>
         </p:blipFill>
-        <p:spPr bwMode="auto">
-          <a:xfrm>
-            <a:off x="1907704" y="5805264"/>
-            <a:ext cx="1224136" cy="312078"/>
-          </a:xfrm>
-          <a:prstGeom prst="rect">
+        <p:spPr>
+          <a:xfrm>
+            <a:off x="7618137" y="2206244"/>
+            <a:ext cx="792088" cy="339466"/>
+          </a:xfrm>
+          <a:prstGeom prst="rect">
+            <a:avLst/>
+          </a:prstGeom>
+        </p:spPr>
+      </p:pic>
+      <p:pic>
+        <p:nvPicPr>
+          <p:cNvPr id="150" name="그림 149" descr="Centos-logo.png"/>
+          <p:cNvPicPr>
+            <a:picLocks noChangeAspect="1"/>
+          </p:cNvPicPr>
+          <p:nvPr/>
+        </p:nvPicPr>
+        <p:blipFill>
+          <a:blip r:embed="rId10" cstate="print"/>
+          <a:stretch>
+            <a:fillRect/>
+          </a:stretch>
+        </p:blipFill>
+        <p:spPr>
+          <a:xfrm>
+            <a:off x="7693914" y="4670856"/>
+            <a:ext cx="792088" cy="339466"/>
+          </a:xfrm>
+          <a:prstGeom prst="rect">
+            <a:avLst/>
+          </a:prstGeom>
+        </p:spPr>
+      </p:pic>
+      <p:sp>
+        <p:nvSpPr>
+          <p:cNvPr id="175" name="모서리가 둥근 직사각형 174"/>
+          <p:cNvSpPr/>
+          <p:nvPr/>
+        </p:nvSpPr>
+        <p:spPr>
+          <a:xfrm>
+            <a:off x="2566256" y="217335"/>
+            <a:ext cx="1584176" cy="1658886"/>
+          </a:xfrm>
+          <a:prstGeom prst="roundRect">
             <a:avLst/>
           </a:prstGeom>
           <a:noFill/>
-          <a:ln w="9525">
-            <a:noFill/>
-            <a:miter lim="800000"/>
-            <a:headEnd/>
-            <a:tailEnd/>
+          <a:ln w="12700">
+            <a:solidFill>
+              <a:schemeClr val="tx1"/>
+            </a:solidFill>
+            <a:prstDash val="sysDot"/>
           </a:ln>
         </p:spPr>
+        <p:style>
+          <a:lnRef idx="2">
+            <a:schemeClr val="accent1">
+              <a:shade val="50000"/>
+            </a:schemeClr>
+          </a:lnRef>
+          <a:fillRef idx="1">
+            <a:schemeClr val="accent1"/>
+          </a:fillRef>
+          <a:effectRef idx="0">
+            <a:schemeClr val="accent1"/>
+          </a:effectRef>
+          <a:fontRef idx="minor">
+            <a:schemeClr val="lt1"/>
+          </a:fontRef>
+        </p:style>
+        <p:txBody>
+          <a:bodyPr rtlCol="0" anchor="ctr"/>
+          <a:lstStyle/>
+          <a:p>
+            <a:pPr algn="ctr"/>
+            <a:endParaRPr lang="ko-KR" altLang="en-US" dirty="0"/>
+          </a:p>
+        </p:txBody>
+      </p:sp>
+      <p:sp>
+        <p:nvSpPr>
+          <p:cNvPr id="176" name="모서리가 둥근 직사각형 175"/>
+          <p:cNvSpPr/>
+          <p:nvPr/>
+        </p:nvSpPr>
+        <p:spPr>
+          <a:xfrm>
+            <a:off x="5737820" y="2699837"/>
+            <a:ext cx="1584176" cy="720080"/>
+          </a:xfrm>
+          <a:prstGeom prst="roundRect">
+            <a:avLst/>
+          </a:prstGeom>
+          <a:noFill/>
+          <a:ln w="12700">
+            <a:solidFill>
+              <a:schemeClr val="tx1"/>
+            </a:solidFill>
+            <a:prstDash val="sysDot"/>
+          </a:ln>
+        </p:spPr>
+        <p:style>
+          <a:lnRef idx="2">
+            <a:schemeClr val="accent1">
+              <a:shade val="50000"/>
+            </a:schemeClr>
+          </a:lnRef>
+          <a:fillRef idx="1">
+            <a:schemeClr val="accent1"/>
+          </a:fillRef>
+          <a:effectRef idx="0">
+            <a:schemeClr val="accent1"/>
+          </a:effectRef>
+          <a:fontRef idx="minor">
+            <a:schemeClr val="lt1"/>
+          </a:fontRef>
+        </p:style>
+        <p:txBody>
+          <a:bodyPr rtlCol="0" anchor="ctr"/>
+          <a:lstStyle/>
+          <a:p>
+            <a:pPr algn="ctr"/>
+            <a:endParaRPr lang="ko-KR" altLang="en-US" dirty="0"/>
+          </a:p>
+        </p:txBody>
+      </p:sp>
+      <p:sp>
+        <p:nvSpPr>
+          <p:cNvPr id="188" name="모서리가 둥근 직사각형 187"/>
+          <p:cNvSpPr/>
+          <p:nvPr/>
+        </p:nvSpPr>
+        <p:spPr>
+          <a:xfrm>
+            <a:off x="5737820" y="44624"/>
+            <a:ext cx="2650604" cy="2492317"/>
+          </a:xfrm>
+          <a:prstGeom prst="roundRect">
+            <a:avLst/>
+          </a:prstGeom>
+          <a:noFill/>
+          <a:ln w="12700">
+            <a:solidFill>
+              <a:schemeClr val="tx1"/>
+            </a:solidFill>
+            <a:prstDash val="sysDot"/>
+          </a:ln>
+        </p:spPr>
+        <p:style>
+          <a:lnRef idx="2">
+            <a:schemeClr val="accent1">
+              <a:shade val="50000"/>
+            </a:schemeClr>
+          </a:lnRef>
+          <a:fillRef idx="1">
+            <a:schemeClr val="accent1"/>
+          </a:fillRef>
+          <a:effectRef idx="0">
+            <a:schemeClr val="accent1"/>
+          </a:effectRef>
+          <a:fontRef idx="minor">
+            <a:schemeClr val="lt1"/>
+          </a:fontRef>
+        </p:style>
+        <p:txBody>
+          <a:bodyPr rtlCol="0" anchor="ctr"/>
+          <a:lstStyle/>
+          <a:p>
+            <a:pPr algn="ctr"/>
+            <a:endParaRPr lang="ko-KR" altLang="en-US" dirty="0"/>
+          </a:p>
+        </p:txBody>
+      </p:sp>
+      <p:sp>
+        <p:nvSpPr>
+          <p:cNvPr id="189" name="모서리가 둥근 직사각형 188"/>
+          <p:cNvSpPr/>
+          <p:nvPr/>
+        </p:nvSpPr>
+        <p:spPr>
+          <a:xfrm>
+            <a:off x="5637584" y="3851938"/>
+            <a:ext cx="2853635" cy="1158384"/>
+          </a:xfrm>
+          <a:prstGeom prst="roundRect">
+            <a:avLst/>
+          </a:prstGeom>
+          <a:noFill/>
+          <a:ln w="12700">
+            <a:solidFill>
+              <a:schemeClr val="tx1"/>
+            </a:solidFill>
+            <a:prstDash val="sysDot"/>
+          </a:ln>
+        </p:spPr>
+        <p:style>
+          <a:lnRef idx="2">
+            <a:schemeClr val="accent1">
+              <a:shade val="50000"/>
+            </a:schemeClr>
+          </a:lnRef>
+          <a:fillRef idx="1">
+            <a:schemeClr val="accent1"/>
+          </a:fillRef>
+          <a:effectRef idx="0">
+            <a:schemeClr val="accent1"/>
+          </a:effectRef>
+          <a:fontRef idx="minor">
+            <a:schemeClr val="lt1"/>
+          </a:fontRef>
+        </p:style>
+        <p:txBody>
+          <a:bodyPr rtlCol="0" anchor="ctr"/>
+          <a:lstStyle/>
+          <a:p>
+            <a:pPr algn="ctr"/>
+            <a:endParaRPr lang="ko-KR" altLang="en-US" dirty="0"/>
+          </a:p>
+        </p:txBody>
+      </p:sp>
+      <p:pic>
+        <p:nvPicPr>
+          <p:cNvPr id="203" name="그림 202" descr="pngegg.png"/>
+          <p:cNvPicPr>
+            <a:picLocks noChangeAspect="1"/>
+          </p:cNvPicPr>
+          <p:nvPr/>
+        </p:nvPicPr>
+        <p:blipFill>
+          <a:blip r:embed="rId11" cstate="print"/>
+          <a:stretch>
+            <a:fillRect/>
+          </a:stretch>
+        </p:blipFill>
+        <p:spPr>
+          <a:xfrm>
+            <a:off x="246992" y="1498954"/>
+            <a:ext cx="648072" cy="648072"/>
+          </a:xfrm>
+          <a:prstGeom prst="rect">
+            <a:avLst/>
+          </a:prstGeom>
+        </p:spPr>
       </p:pic>
-      <p:sp>
-        <p:nvSpPr>
-          <p:cNvPr id="21" name="TextBox 20"/>
+      <p:pic>
+        <p:nvPicPr>
+          <p:cNvPr id="3" name="그래픽 2">
+            <a:extLst>
+              <a:ext uri="{FF2B5EF4-FFF2-40B4-BE49-F238E27FC236}">
+                <a16:creationId xmlns:a16="http://schemas.microsoft.com/office/drawing/2014/main" id="{206DC7ED-C26D-4F2B-A382-FEB07A45052D}"/>
+              </a:ext>
+            </a:extLst>
+          </p:cNvPr>
+          <p:cNvPicPr>
+            <a:picLocks noChangeAspect="1"/>
+          </p:cNvPicPr>
+          <p:nvPr/>
+        </p:nvPicPr>
+        <p:blipFill>
+          <a:blip r:embed="rId12" cstate="print">
+            <a:extLst>
+              <a:ext uri="{28A0092B-C50C-407E-A947-70E740481C1C}">
+                <a14:useLocalDpi xmlns:a14="http://schemas.microsoft.com/office/drawing/2010/main" val="0"/>
+              </a:ext>
+              <a:ext uri="{96DAC541-7B7A-43D3-8B79-37D633B846F1}">
+                <asvg:svgBlip xmlns:asvg="http://schemas.microsoft.com/office/drawing/2016/SVG/main" r:embed="rId13"/>
+              </a:ext>
+            </a:extLst>
+          </a:blip>
+          <a:stretch>
+            <a:fillRect/>
+          </a:stretch>
+        </p:blipFill>
+        <p:spPr>
+          <a:xfrm>
+            <a:off x="2774708" y="282808"/>
+            <a:ext cx="1141641" cy="200124"/>
+          </a:xfrm>
+          <a:prstGeom prst="rect">
+            <a:avLst/>
+          </a:prstGeom>
+        </p:spPr>
+      </p:pic>
+      <p:pic>
+        <p:nvPicPr>
+          <p:cNvPr id="11" name="그림 10">
+            <a:extLst>
+              <a:ext uri="{FF2B5EF4-FFF2-40B4-BE49-F238E27FC236}">
+                <a16:creationId xmlns:a16="http://schemas.microsoft.com/office/drawing/2014/main" id="{2D4F3A23-5953-4164-95BB-72877C8E8FD4}"/>
+              </a:ext>
+            </a:extLst>
+          </p:cNvPr>
+          <p:cNvPicPr>
+            <a:picLocks noChangeAspect="1"/>
+          </p:cNvPicPr>
+          <p:nvPr/>
+        </p:nvPicPr>
+        <p:blipFill>
+          <a:blip r:embed="rId14" cstate="print">
+            <a:extLst>
+              <a:ext uri="{28A0092B-C50C-407E-A947-70E740481C1C}">
+                <a14:useLocalDpi xmlns:a14="http://schemas.microsoft.com/office/drawing/2010/main" val="0"/>
+              </a:ext>
+            </a:extLst>
+          </a:blip>
+          <a:stretch>
+            <a:fillRect/>
+          </a:stretch>
+        </p:blipFill>
+        <p:spPr>
+          <a:xfrm>
+            <a:off x="6215687" y="2200624"/>
+            <a:ext cx="324036" cy="278510"/>
+          </a:xfrm>
+          <a:prstGeom prst="rect">
+            <a:avLst/>
+          </a:prstGeom>
+        </p:spPr>
+      </p:pic>
+      <p:pic>
+        <p:nvPicPr>
+          <p:cNvPr id="19" name="그림 18">
+            <a:extLst>
+              <a:ext uri="{FF2B5EF4-FFF2-40B4-BE49-F238E27FC236}">
+                <a16:creationId xmlns:a16="http://schemas.microsoft.com/office/drawing/2014/main" id="{D3F33C5E-92FB-40A2-96F4-271D44631413}"/>
+              </a:ext>
+            </a:extLst>
+          </p:cNvPr>
+          <p:cNvPicPr>
+            <a:picLocks noChangeAspect="1"/>
+          </p:cNvPicPr>
+          <p:nvPr/>
+        </p:nvPicPr>
+        <p:blipFill>
+          <a:blip r:embed="rId15" cstate="print">
+            <a:extLst>
+              <a:ext uri="{28A0092B-C50C-407E-A947-70E740481C1C}">
+                <a14:useLocalDpi xmlns:a14="http://schemas.microsoft.com/office/drawing/2010/main" val="0"/>
+              </a:ext>
+            </a:extLst>
+          </a:blip>
+          <a:stretch>
+            <a:fillRect/>
+          </a:stretch>
+        </p:blipFill>
+        <p:spPr>
+          <a:xfrm>
+            <a:off x="2695081" y="651520"/>
+            <a:ext cx="246221" cy="246221"/>
+          </a:xfrm>
+          <a:prstGeom prst="rect">
+            <a:avLst/>
+          </a:prstGeom>
+        </p:spPr>
+      </p:pic>
+      <p:pic>
+        <p:nvPicPr>
+          <p:cNvPr id="24" name="그림 23">
+            <a:extLst>
+              <a:ext uri="{FF2B5EF4-FFF2-40B4-BE49-F238E27FC236}">
+                <a16:creationId xmlns:a16="http://schemas.microsoft.com/office/drawing/2014/main" id="{B5F582BA-D97E-4E76-BBF6-15A846581CA5}"/>
+              </a:ext>
+            </a:extLst>
+          </p:cNvPr>
+          <p:cNvPicPr>
+            <a:picLocks noChangeAspect="1"/>
+          </p:cNvPicPr>
+          <p:nvPr/>
+        </p:nvPicPr>
+        <p:blipFill>
+          <a:blip r:embed="rId16" cstate="print">
+            <a:extLst>
+              <a:ext uri="{28A0092B-C50C-407E-A947-70E740481C1C}">
+                <a14:useLocalDpi xmlns:a14="http://schemas.microsoft.com/office/drawing/2010/main" val="0"/>
+              </a:ext>
+            </a:extLst>
+          </a:blip>
+          <a:stretch>
+            <a:fillRect/>
+          </a:stretch>
+        </p:blipFill>
+        <p:spPr>
+          <a:xfrm>
+            <a:off x="2937476" y="609709"/>
+            <a:ext cx="291858" cy="290455"/>
+          </a:xfrm>
+          <a:prstGeom prst="rect">
+            <a:avLst/>
+          </a:prstGeom>
+        </p:spPr>
+      </p:pic>
+      <p:sp>
+        <p:nvSpPr>
+          <p:cNvPr id="26" name="직사각형 25">
+            <a:extLst>
+              <a:ext uri="{FF2B5EF4-FFF2-40B4-BE49-F238E27FC236}">
+                <a16:creationId xmlns:a16="http://schemas.microsoft.com/office/drawing/2014/main" id="{E10806AC-CCE4-43E1-BC09-950AA2D2AFB9}"/>
+              </a:ext>
+            </a:extLst>
+          </p:cNvPr>
+          <p:cNvSpPr/>
+          <p:nvPr/>
+        </p:nvSpPr>
+        <p:spPr>
+          <a:xfrm>
+            <a:off x="2674268" y="620688"/>
+            <a:ext cx="1368152" cy="288031"/>
+          </a:xfrm>
+          <a:prstGeom prst="rect">
+            <a:avLst/>
+          </a:prstGeom>
+          <a:noFill/>
+          <a:ln w="0"/>
+        </p:spPr>
+        <p:style>
+          <a:lnRef idx="2">
+            <a:schemeClr val="accent1">
+              <a:shade val="50000"/>
+            </a:schemeClr>
+          </a:lnRef>
+          <a:fillRef idx="1">
+            <a:schemeClr val="accent1"/>
+          </a:fillRef>
+          <a:effectRef idx="0">
+            <a:schemeClr val="accent1"/>
+          </a:effectRef>
+          <a:fontRef idx="minor">
+            <a:schemeClr val="lt1"/>
+          </a:fontRef>
+        </p:style>
+        <p:txBody>
+          <a:bodyPr rtlCol="0" anchor="ctr"/>
+          <a:lstStyle/>
+          <a:p>
+            <a:pPr algn="ctr"/>
+            <a:endParaRPr lang="ko-KR" altLang="en-US"/>
+          </a:p>
+        </p:txBody>
+      </p:sp>
+      <p:sp>
+        <p:nvSpPr>
+          <p:cNvPr id="73" name="TextBox 72">
+            <a:extLst>
+              <a:ext uri="{FF2B5EF4-FFF2-40B4-BE49-F238E27FC236}">
+                <a16:creationId xmlns:a16="http://schemas.microsoft.com/office/drawing/2014/main" id="{9F24BCE2-00AD-442A-B915-4D1534C7DC3F}"/>
+              </a:ext>
+            </a:extLst>
+          </p:cNvPr>
           <p:cNvSpPr txBox="1"/>
           <p:nvPr/>
         </p:nvSpPr>
         <p:spPr>
           <a:xfrm>
-            <a:off x="2339752" y="1196752"/>
-            <a:ext cx="1296144" cy="246221"/>
+            <a:off x="3263314" y="1047890"/>
+            <a:ext cx="576064" cy="246221"/>
           </a:xfrm>
           <a:prstGeom prst="rect">
             <a:avLst/>
@@ -4105,26 +4437,148 @@
           <a:lstStyle/>
           <a:p>
             <a:r>
-              <a:rPr lang="ko-KR" altLang="en-US" sz="1000" dirty="0" smtClean="0"/>
-              <a:t>가맹점 서</a:t>
-            </a:r>
-            <a:r>
-              <a:rPr lang="ko-KR" altLang="en-US" sz="1000" dirty="0" smtClean="0"/>
-              <a:t>버</a:t>
-            </a:r>
-          </a:p>
-        </p:txBody>
-      </p:sp>
-      <p:sp>
-        <p:nvSpPr>
-          <p:cNvPr id="22" name="TextBox 21"/>
+              <a:rPr lang="ko-KR" altLang="en-US" sz="1000" dirty="0"/>
+              <a:t>영업점 </a:t>
+            </a:r>
+          </a:p>
+        </p:txBody>
+      </p:sp>
+      <p:pic>
+        <p:nvPicPr>
+          <p:cNvPr id="74" name="그림 73">
+            <a:extLst>
+              <a:ext uri="{FF2B5EF4-FFF2-40B4-BE49-F238E27FC236}">
+                <a16:creationId xmlns:a16="http://schemas.microsoft.com/office/drawing/2014/main" id="{D224ACBA-EE9E-4867-B37B-E0457781A77C}"/>
+              </a:ext>
+            </a:extLst>
+          </p:cNvPr>
+          <p:cNvPicPr>
+            <a:picLocks noChangeAspect="1"/>
+          </p:cNvPicPr>
+          <p:nvPr/>
+        </p:nvPicPr>
+        <p:blipFill>
+          <a:blip r:embed="rId15" cstate="print">
+            <a:extLst>
+              <a:ext uri="{28A0092B-C50C-407E-A947-70E740481C1C}">
+                <a14:useLocalDpi xmlns:a14="http://schemas.microsoft.com/office/drawing/2010/main" val="0"/>
+              </a:ext>
+            </a:extLst>
+          </a:blip>
+          <a:stretch>
+            <a:fillRect/>
+          </a:stretch>
+        </p:blipFill>
+        <p:spPr>
+          <a:xfrm>
+            <a:off x="2695081" y="1064033"/>
+            <a:ext cx="246221" cy="246221"/>
+          </a:xfrm>
+          <a:prstGeom prst="rect">
+            <a:avLst/>
+          </a:prstGeom>
+        </p:spPr>
+      </p:pic>
+      <p:pic>
+        <p:nvPicPr>
+          <p:cNvPr id="75" name="그림 74">
+            <a:extLst>
+              <a:ext uri="{FF2B5EF4-FFF2-40B4-BE49-F238E27FC236}">
+                <a16:creationId xmlns:a16="http://schemas.microsoft.com/office/drawing/2014/main" id="{CB0A7BC5-4070-486B-B273-00597F9518F1}"/>
+              </a:ext>
+            </a:extLst>
+          </p:cNvPr>
+          <p:cNvPicPr>
+            <a:picLocks noChangeAspect="1"/>
+          </p:cNvPicPr>
+          <p:nvPr/>
+        </p:nvPicPr>
+        <p:blipFill>
+          <a:blip r:embed="rId16" cstate="print">
+            <a:extLst>
+              <a:ext uri="{28A0092B-C50C-407E-A947-70E740481C1C}">
+                <a14:useLocalDpi xmlns:a14="http://schemas.microsoft.com/office/drawing/2010/main" val="0"/>
+              </a:ext>
+            </a:extLst>
+          </a:blip>
+          <a:stretch>
+            <a:fillRect/>
+          </a:stretch>
+        </p:blipFill>
+        <p:spPr>
+          <a:xfrm>
+            <a:off x="2937476" y="1022222"/>
+            <a:ext cx="291858" cy="290455"/>
+          </a:xfrm>
+          <a:prstGeom prst="rect">
+            <a:avLst/>
+          </a:prstGeom>
+        </p:spPr>
+      </p:pic>
+      <p:sp>
+        <p:nvSpPr>
+          <p:cNvPr id="79" name="직사각형 78">
+            <a:extLst>
+              <a:ext uri="{FF2B5EF4-FFF2-40B4-BE49-F238E27FC236}">
+                <a16:creationId xmlns:a16="http://schemas.microsoft.com/office/drawing/2014/main" id="{EBF631AE-9E86-4029-BF96-79362966A75D}"/>
+              </a:ext>
+            </a:extLst>
+          </p:cNvPr>
+          <p:cNvSpPr/>
+          <p:nvPr/>
+        </p:nvSpPr>
+        <p:spPr>
+          <a:xfrm>
+            <a:off x="2674268" y="1033201"/>
+            <a:ext cx="1368152" cy="288031"/>
+          </a:xfrm>
+          <a:prstGeom prst="rect">
+            <a:avLst/>
+          </a:prstGeom>
+          <a:noFill/>
+          <a:ln w="0"/>
+        </p:spPr>
+        <p:style>
+          <a:lnRef idx="2">
+            <a:schemeClr val="accent1">
+              <a:shade val="50000"/>
+            </a:schemeClr>
+          </a:lnRef>
+          <a:fillRef idx="1">
+            <a:schemeClr val="accent1"/>
+          </a:fillRef>
+          <a:effectRef idx="0">
+            <a:schemeClr val="accent1"/>
+          </a:effectRef>
+          <a:fontRef idx="minor">
+            <a:schemeClr val="lt1"/>
+          </a:fontRef>
+        </p:style>
+        <p:txBody>
+          <a:bodyPr rtlCol="0" anchor="ctr"/>
+          <a:lstStyle/>
+          <a:p>
+            <a:pPr algn="ctr"/>
+            <a:endParaRPr lang="ko-KR" altLang="en-US"/>
+          </a:p>
+        </p:txBody>
+      </p:sp>
+      <p:sp>
+        <p:nvSpPr>
+          <p:cNvPr id="84" name="TextBox 83">
+            <a:extLst>
+              <a:ext uri="{FF2B5EF4-FFF2-40B4-BE49-F238E27FC236}">
+                <a16:creationId xmlns:a16="http://schemas.microsoft.com/office/drawing/2014/main" id="{8D51D797-F439-4606-A7A2-CC21B03F4BDF}"/>
+              </a:ext>
+            </a:extLst>
+          </p:cNvPr>
           <p:cNvSpPr txBox="1"/>
           <p:nvPr/>
         </p:nvSpPr>
         <p:spPr>
           <a:xfrm>
-            <a:off x="2339752" y="2534707"/>
-            <a:ext cx="1296144" cy="246221"/>
+            <a:off x="3263314" y="1468747"/>
+            <a:ext cx="955874" cy="246221"/>
           </a:xfrm>
           <a:prstGeom prst="rect">
             <a:avLst/>
@@ -4138,26 +4592,149 @@
           <a:lstStyle/>
           <a:p>
             <a:r>
-              <a:rPr lang="ko-KR" altLang="en-US" sz="1000" dirty="0" smtClean="0"/>
-              <a:t>우편서비스 서</a:t>
-            </a:r>
-            <a:r>
-              <a:rPr lang="ko-KR" altLang="en-US" sz="1000" dirty="0" smtClean="0"/>
-              <a:t>버</a:t>
-            </a:r>
-          </a:p>
-        </p:txBody>
-      </p:sp>
-      <p:sp>
-        <p:nvSpPr>
-          <p:cNvPr id="23" name="TextBox 22"/>
+              <a:rPr lang="ko-KR" altLang="en-US" sz="1000"/>
+              <a:t>우편서비스 </a:t>
+            </a:r>
+            <a:endParaRPr lang="ko-KR" altLang="en-US" sz="1000" dirty="0"/>
+          </a:p>
+        </p:txBody>
+      </p:sp>
+      <p:pic>
+        <p:nvPicPr>
+          <p:cNvPr id="85" name="그림 84">
+            <a:extLst>
+              <a:ext uri="{FF2B5EF4-FFF2-40B4-BE49-F238E27FC236}">
+                <a16:creationId xmlns:a16="http://schemas.microsoft.com/office/drawing/2014/main" id="{075C4FE1-C840-4C4A-99A2-2CE646D3766E}"/>
+              </a:ext>
+            </a:extLst>
+          </p:cNvPr>
+          <p:cNvPicPr>
+            <a:picLocks noChangeAspect="1"/>
+          </p:cNvPicPr>
+          <p:nvPr/>
+        </p:nvPicPr>
+        <p:blipFill>
+          <a:blip r:embed="rId15" cstate="print">
+            <a:extLst>
+              <a:ext uri="{28A0092B-C50C-407E-A947-70E740481C1C}">
+                <a14:useLocalDpi xmlns:a14="http://schemas.microsoft.com/office/drawing/2010/main" val="0"/>
+              </a:ext>
+            </a:extLst>
+          </a:blip>
+          <a:stretch>
+            <a:fillRect/>
+          </a:stretch>
+        </p:blipFill>
+        <p:spPr>
+          <a:xfrm>
+            <a:off x="2695081" y="1484890"/>
+            <a:ext cx="246221" cy="246221"/>
+          </a:xfrm>
+          <a:prstGeom prst="rect">
+            <a:avLst/>
+          </a:prstGeom>
+        </p:spPr>
+      </p:pic>
+      <p:pic>
+        <p:nvPicPr>
+          <p:cNvPr id="87" name="그림 86">
+            <a:extLst>
+              <a:ext uri="{FF2B5EF4-FFF2-40B4-BE49-F238E27FC236}">
+                <a16:creationId xmlns:a16="http://schemas.microsoft.com/office/drawing/2014/main" id="{FB1E0B60-07B1-4F8E-8638-C47B1068EA37}"/>
+              </a:ext>
+            </a:extLst>
+          </p:cNvPr>
+          <p:cNvPicPr>
+            <a:picLocks noChangeAspect="1"/>
+          </p:cNvPicPr>
+          <p:nvPr/>
+        </p:nvPicPr>
+        <p:blipFill>
+          <a:blip r:embed="rId16" cstate="print">
+            <a:extLst>
+              <a:ext uri="{28A0092B-C50C-407E-A947-70E740481C1C}">
+                <a14:useLocalDpi xmlns:a14="http://schemas.microsoft.com/office/drawing/2010/main" val="0"/>
+              </a:ext>
+            </a:extLst>
+          </a:blip>
+          <a:stretch>
+            <a:fillRect/>
+          </a:stretch>
+        </p:blipFill>
+        <p:spPr>
+          <a:xfrm>
+            <a:off x="2937476" y="1443079"/>
+            <a:ext cx="291858" cy="290455"/>
+          </a:xfrm>
+          <a:prstGeom prst="rect">
+            <a:avLst/>
+          </a:prstGeom>
+        </p:spPr>
+      </p:pic>
+      <p:sp>
+        <p:nvSpPr>
+          <p:cNvPr id="88" name="직사각형 87">
+            <a:extLst>
+              <a:ext uri="{FF2B5EF4-FFF2-40B4-BE49-F238E27FC236}">
+                <a16:creationId xmlns:a16="http://schemas.microsoft.com/office/drawing/2014/main" id="{B288DF77-739B-43A9-B0D0-11C08859C2E7}"/>
+              </a:ext>
+            </a:extLst>
+          </p:cNvPr>
+          <p:cNvSpPr/>
+          <p:nvPr/>
+        </p:nvSpPr>
+        <p:spPr>
+          <a:xfrm>
+            <a:off x="2674268" y="1454058"/>
+            <a:ext cx="1368152" cy="288031"/>
+          </a:xfrm>
+          <a:prstGeom prst="rect">
+            <a:avLst/>
+          </a:prstGeom>
+          <a:noFill/>
+          <a:ln w="0"/>
+        </p:spPr>
+        <p:style>
+          <a:lnRef idx="2">
+            <a:schemeClr val="accent1">
+              <a:shade val="50000"/>
+            </a:schemeClr>
+          </a:lnRef>
+          <a:fillRef idx="1">
+            <a:schemeClr val="accent1"/>
+          </a:fillRef>
+          <a:effectRef idx="0">
+            <a:schemeClr val="accent1"/>
+          </a:effectRef>
+          <a:fontRef idx="minor">
+            <a:schemeClr val="lt1"/>
+          </a:fontRef>
+        </p:style>
+        <p:txBody>
+          <a:bodyPr rtlCol="0" anchor="ctr"/>
+          <a:lstStyle/>
+          <a:p>
+            <a:pPr algn="ctr"/>
+            <a:endParaRPr lang="ko-KR" altLang="en-US"/>
+          </a:p>
+        </p:txBody>
+      </p:sp>
+      <p:sp>
+        <p:nvSpPr>
+          <p:cNvPr id="90" name="TextBox 89">
+            <a:extLst>
+              <a:ext uri="{FF2B5EF4-FFF2-40B4-BE49-F238E27FC236}">
+                <a16:creationId xmlns:a16="http://schemas.microsoft.com/office/drawing/2014/main" id="{AB47EA1A-1B07-4D63-BC6D-56453934A1EE}"/>
+              </a:ext>
+            </a:extLst>
+          </p:cNvPr>
           <p:cNvSpPr txBox="1"/>
           <p:nvPr/>
         </p:nvSpPr>
         <p:spPr>
           <a:xfrm>
-            <a:off x="2339752" y="3830851"/>
-            <a:ext cx="1296144" cy="246221"/>
+            <a:off x="3256086" y="2411357"/>
+            <a:ext cx="576064" cy="246221"/>
           </a:xfrm>
           <a:prstGeom prst="rect">
             <a:avLst/>
@@ -4171,23 +4748,240 @@
           <a:lstStyle/>
           <a:p>
             <a:r>
-              <a:rPr lang="ko-KR" altLang="en-US" sz="1000" dirty="0" smtClean="0"/>
-              <a:t>영업점 서버</a:t>
-            </a:r>
-            <a:endParaRPr lang="ko-KR" altLang="en-US" sz="1000" dirty="0" smtClean="0"/>
-          </a:p>
-        </p:txBody>
-      </p:sp>
-      <p:sp>
-        <p:nvSpPr>
-          <p:cNvPr id="25" name="TextBox 24"/>
+              <a:rPr lang="ko-KR" altLang="en-US" sz="1000" dirty="0"/>
+              <a:t>가맹점 </a:t>
+            </a:r>
+          </a:p>
+        </p:txBody>
+      </p:sp>
+      <p:sp>
+        <p:nvSpPr>
+          <p:cNvPr id="91" name="모서리가 둥근 직사각형 174">
+            <a:extLst>
+              <a:ext uri="{FF2B5EF4-FFF2-40B4-BE49-F238E27FC236}">
+                <a16:creationId xmlns:a16="http://schemas.microsoft.com/office/drawing/2014/main" id="{CEE20A76-8225-4F95-9133-622979E3E5E9}"/>
+              </a:ext>
+            </a:extLst>
+          </p:cNvPr>
+          <p:cNvSpPr/>
+          <p:nvPr/>
+        </p:nvSpPr>
+        <p:spPr>
+          <a:xfrm>
+            <a:off x="2548548" y="2033926"/>
+            <a:ext cx="1584176" cy="1658886"/>
+          </a:xfrm>
+          <a:prstGeom prst="roundRect">
+            <a:avLst/>
+          </a:prstGeom>
+          <a:noFill/>
+          <a:ln w="12700">
+            <a:solidFill>
+              <a:schemeClr val="tx1"/>
+            </a:solidFill>
+            <a:prstDash val="sysDot"/>
+          </a:ln>
+        </p:spPr>
+        <p:style>
+          <a:lnRef idx="2">
+            <a:schemeClr val="accent1">
+              <a:shade val="50000"/>
+            </a:schemeClr>
+          </a:lnRef>
+          <a:fillRef idx="1">
+            <a:schemeClr val="accent1"/>
+          </a:fillRef>
+          <a:effectRef idx="0">
+            <a:schemeClr val="accent1"/>
+          </a:effectRef>
+          <a:fontRef idx="minor">
+            <a:schemeClr val="lt1"/>
+          </a:fontRef>
+        </p:style>
+        <p:txBody>
+          <a:bodyPr rtlCol="0" anchor="ctr"/>
+          <a:lstStyle/>
+          <a:p>
+            <a:pPr algn="ctr"/>
+            <a:endParaRPr lang="ko-KR" altLang="en-US" dirty="0"/>
+          </a:p>
+        </p:txBody>
+      </p:sp>
+      <p:pic>
+        <p:nvPicPr>
+          <p:cNvPr id="92" name="그래픽 91">
+            <a:extLst>
+              <a:ext uri="{FF2B5EF4-FFF2-40B4-BE49-F238E27FC236}">
+                <a16:creationId xmlns:a16="http://schemas.microsoft.com/office/drawing/2014/main" id="{2F138342-FEE4-4C48-91ED-9E6022494043}"/>
+              </a:ext>
+            </a:extLst>
+          </p:cNvPr>
+          <p:cNvPicPr>
+            <a:picLocks noChangeAspect="1"/>
+          </p:cNvPicPr>
+          <p:nvPr/>
+        </p:nvPicPr>
+        <p:blipFill>
+          <a:blip r:embed="rId12" cstate="print">
+            <a:extLst>
+              <a:ext uri="{28A0092B-C50C-407E-A947-70E740481C1C}">
+                <a14:useLocalDpi xmlns:a14="http://schemas.microsoft.com/office/drawing/2010/main" val="0"/>
+              </a:ext>
+              <a:ext uri="{96DAC541-7B7A-43D3-8B79-37D633B846F1}">
+                <asvg:svgBlip xmlns:asvg="http://schemas.microsoft.com/office/drawing/2016/SVG/main" r:embed="rId13"/>
+              </a:ext>
+            </a:extLst>
+          </a:blip>
+          <a:stretch>
+            <a:fillRect/>
+          </a:stretch>
+        </p:blipFill>
+        <p:spPr>
+          <a:xfrm>
+            <a:off x="2767480" y="2058788"/>
+            <a:ext cx="1141641" cy="200124"/>
+          </a:xfrm>
+          <a:prstGeom prst="rect">
+            <a:avLst/>
+          </a:prstGeom>
+        </p:spPr>
+      </p:pic>
+      <p:pic>
+        <p:nvPicPr>
+          <p:cNvPr id="93" name="그림 92">
+            <a:extLst>
+              <a:ext uri="{FF2B5EF4-FFF2-40B4-BE49-F238E27FC236}">
+                <a16:creationId xmlns:a16="http://schemas.microsoft.com/office/drawing/2014/main" id="{0959795B-7380-4D9E-9AE2-D3DE822341C8}"/>
+              </a:ext>
+            </a:extLst>
+          </p:cNvPr>
+          <p:cNvPicPr>
+            <a:picLocks noChangeAspect="1"/>
+          </p:cNvPicPr>
+          <p:nvPr/>
+        </p:nvPicPr>
+        <p:blipFill>
+          <a:blip r:embed="rId15" cstate="print">
+            <a:extLst>
+              <a:ext uri="{28A0092B-C50C-407E-A947-70E740481C1C}">
+                <a14:useLocalDpi xmlns:a14="http://schemas.microsoft.com/office/drawing/2010/main" val="0"/>
+              </a:ext>
+            </a:extLst>
+          </a:blip>
+          <a:stretch>
+            <a:fillRect/>
+          </a:stretch>
+        </p:blipFill>
+        <p:spPr>
+          <a:xfrm>
+            <a:off x="2687853" y="2427500"/>
+            <a:ext cx="246221" cy="246221"/>
+          </a:xfrm>
+          <a:prstGeom prst="rect">
+            <a:avLst/>
+          </a:prstGeom>
+        </p:spPr>
+      </p:pic>
+      <p:pic>
+        <p:nvPicPr>
+          <p:cNvPr id="96" name="그림 95">
+            <a:extLst>
+              <a:ext uri="{FF2B5EF4-FFF2-40B4-BE49-F238E27FC236}">
+                <a16:creationId xmlns:a16="http://schemas.microsoft.com/office/drawing/2014/main" id="{5CDA4716-730D-4E26-AE7D-1BB7E6975883}"/>
+              </a:ext>
+            </a:extLst>
+          </p:cNvPr>
+          <p:cNvPicPr>
+            <a:picLocks noChangeAspect="1"/>
+          </p:cNvPicPr>
+          <p:nvPr/>
+        </p:nvPicPr>
+        <p:blipFill>
+          <a:blip r:embed="rId16" cstate="print">
+            <a:extLst>
+              <a:ext uri="{28A0092B-C50C-407E-A947-70E740481C1C}">
+                <a14:useLocalDpi xmlns:a14="http://schemas.microsoft.com/office/drawing/2010/main" val="0"/>
+              </a:ext>
+            </a:extLst>
+          </a:blip>
+          <a:stretch>
+            <a:fillRect/>
+          </a:stretch>
+        </p:blipFill>
+        <p:spPr>
+          <a:xfrm>
+            <a:off x="2930248" y="2385689"/>
+            <a:ext cx="291858" cy="290455"/>
+          </a:xfrm>
+          <a:prstGeom prst="rect">
+            <a:avLst/>
+          </a:prstGeom>
+        </p:spPr>
+      </p:pic>
+      <p:sp>
+        <p:nvSpPr>
+          <p:cNvPr id="97" name="직사각형 96">
+            <a:extLst>
+              <a:ext uri="{FF2B5EF4-FFF2-40B4-BE49-F238E27FC236}">
+                <a16:creationId xmlns:a16="http://schemas.microsoft.com/office/drawing/2014/main" id="{71B3AAD1-47D7-4137-93BB-0E3F20117973}"/>
+              </a:ext>
+            </a:extLst>
+          </p:cNvPr>
+          <p:cNvSpPr/>
+          <p:nvPr/>
+        </p:nvSpPr>
+        <p:spPr>
+          <a:xfrm>
+            <a:off x="2667040" y="2396668"/>
+            <a:ext cx="1368152" cy="288031"/>
+          </a:xfrm>
+          <a:prstGeom prst="rect">
+            <a:avLst/>
+          </a:prstGeom>
+          <a:noFill/>
+          <a:ln w="0"/>
+        </p:spPr>
+        <p:style>
+          <a:lnRef idx="2">
+            <a:schemeClr val="accent1">
+              <a:shade val="50000"/>
+            </a:schemeClr>
+          </a:lnRef>
+          <a:fillRef idx="1">
+            <a:schemeClr val="accent1"/>
+          </a:fillRef>
+          <a:effectRef idx="0">
+            <a:schemeClr val="accent1"/>
+          </a:effectRef>
+          <a:fontRef idx="minor">
+            <a:schemeClr val="lt1"/>
+          </a:fontRef>
+        </p:style>
+        <p:txBody>
+          <a:bodyPr rtlCol="0" anchor="ctr"/>
+          <a:lstStyle/>
+          <a:p>
+            <a:pPr algn="ctr"/>
+            <a:endParaRPr lang="ko-KR" altLang="en-US"/>
+          </a:p>
+        </p:txBody>
+      </p:sp>
+      <p:sp>
+        <p:nvSpPr>
+          <p:cNvPr id="99" name="TextBox 98">
+            <a:extLst>
+              <a:ext uri="{FF2B5EF4-FFF2-40B4-BE49-F238E27FC236}">
+                <a16:creationId xmlns:a16="http://schemas.microsoft.com/office/drawing/2014/main" id="{EECACAF7-E69F-4EEF-A7EC-27088671B7BD}"/>
+              </a:ext>
+            </a:extLst>
+          </p:cNvPr>
           <p:cNvSpPr txBox="1"/>
           <p:nvPr/>
         </p:nvSpPr>
         <p:spPr>
           <a:xfrm>
-            <a:off x="6300192" y="3356992"/>
-            <a:ext cx="1296144" cy="246221"/>
+            <a:off x="3256086" y="2823870"/>
+            <a:ext cx="576064" cy="246221"/>
           </a:xfrm>
           <a:prstGeom prst="rect">
             <a:avLst/>
@@ -4201,42 +4995,447 @@
           <a:lstStyle/>
           <a:p>
             <a:r>
-              <a:rPr lang="en-US" altLang="ko-KR" sz="1000" dirty="0" smtClean="0"/>
-              <a:t>Redis </a:t>
-            </a:r>
-            <a:r>
-              <a:rPr lang="ko-KR" altLang="en-US" sz="1000" dirty="0" smtClean="0"/>
-              <a:t>세션 서</a:t>
-            </a:r>
-            <a:r>
-              <a:rPr lang="ko-KR" altLang="en-US" sz="1000" dirty="0" smtClean="0"/>
-              <a:t>버</a:t>
-            </a:r>
-          </a:p>
-        </p:txBody>
-      </p:sp>
+              <a:rPr lang="ko-KR" altLang="en-US" sz="1000" dirty="0"/>
+              <a:t>영업점 </a:t>
+            </a:r>
+          </a:p>
+        </p:txBody>
+      </p:sp>
+      <p:pic>
+        <p:nvPicPr>
+          <p:cNvPr id="100" name="그림 99">
+            <a:extLst>
+              <a:ext uri="{FF2B5EF4-FFF2-40B4-BE49-F238E27FC236}">
+                <a16:creationId xmlns:a16="http://schemas.microsoft.com/office/drawing/2014/main" id="{6A23CE0C-CCBA-4C49-86AD-C9B82007CF88}"/>
+              </a:ext>
+            </a:extLst>
+          </p:cNvPr>
+          <p:cNvPicPr>
+            <a:picLocks noChangeAspect="1"/>
+          </p:cNvPicPr>
+          <p:nvPr/>
+        </p:nvPicPr>
+        <p:blipFill>
+          <a:blip r:embed="rId15" cstate="print">
+            <a:extLst>
+              <a:ext uri="{28A0092B-C50C-407E-A947-70E740481C1C}">
+                <a14:useLocalDpi xmlns:a14="http://schemas.microsoft.com/office/drawing/2010/main" val="0"/>
+              </a:ext>
+            </a:extLst>
+          </a:blip>
+          <a:stretch>
+            <a:fillRect/>
+          </a:stretch>
+        </p:blipFill>
+        <p:spPr>
+          <a:xfrm>
+            <a:off x="2687853" y="2840013"/>
+            <a:ext cx="246221" cy="246221"/>
+          </a:xfrm>
+          <a:prstGeom prst="rect">
+            <a:avLst/>
+          </a:prstGeom>
+        </p:spPr>
+      </p:pic>
+      <p:pic>
+        <p:nvPicPr>
+          <p:cNvPr id="101" name="그림 100">
+            <a:extLst>
+              <a:ext uri="{FF2B5EF4-FFF2-40B4-BE49-F238E27FC236}">
+                <a16:creationId xmlns:a16="http://schemas.microsoft.com/office/drawing/2014/main" id="{37DC3274-3B07-4B59-BF1F-E14B8D9526F2}"/>
+              </a:ext>
+            </a:extLst>
+          </p:cNvPr>
+          <p:cNvPicPr>
+            <a:picLocks noChangeAspect="1"/>
+          </p:cNvPicPr>
+          <p:nvPr/>
+        </p:nvPicPr>
+        <p:blipFill>
+          <a:blip r:embed="rId16" cstate="print">
+            <a:extLst>
+              <a:ext uri="{28A0092B-C50C-407E-A947-70E740481C1C}">
+                <a14:useLocalDpi xmlns:a14="http://schemas.microsoft.com/office/drawing/2010/main" val="0"/>
+              </a:ext>
+            </a:extLst>
+          </a:blip>
+          <a:stretch>
+            <a:fillRect/>
+          </a:stretch>
+        </p:blipFill>
+        <p:spPr>
+          <a:xfrm>
+            <a:off x="2930248" y="2798202"/>
+            <a:ext cx="291858" cy="290455"/>
+          </a:xfrm>
+          <a:prstGeom prst="rect">
+            <a:avLst/>
+          </a:prstGeom>
+        </p:spPr>
+      </p:pic>
+      <p:sp>
+        <p:nvSpPr>
+          <p:cNvPr id="102" name="직사각형 101">
+            <a:extLst>
+              <a:ext uri="{FF2B5EF4-FFF2-40B4-BE49-F238E27FC236}">
+                <a16:creationId xmlns:a16="http://schemas.microsoft.com/office/drawing/2014/main" id="{72967650-4D04-4ED0-8122-C04ED7B74A73}"/>
+              </a:ext>
+            </a:extLst>
+          </p:cNvPr>
+          <p:cNvSpPr/>
+          <p:nvPr/>
+        </p:nvSpPr>
+        <p:spPr>
+          <a:xfrm>
+            <a:off x="2667040" y="2809181"/>
+            <a:ext cx="1368152" cy="288031"/>
+          </a:xfrm>
+          <a:prstGeom prst="rect">
+            <a:avLst/>
+          </a:prstGeom>
+          <a:noFill/>
+          <a:ln w="0"/>
+        </p:spPr>
+        <p:style>
+          <a:lnRef idx="2">
+            <a:schemeClr val="accent1">
+              <a:shade val="50000"/>
+            </a:schemeClr>
+          </a:lnRef>
+          <a:fillRef idx="1">
+            <a:schemeClr val="accent1"/>
+          </a:fillRef>
+          <a:effectRef idx="0">
+            <a:schemeClr val="accent1"/>
+          </a:effectRef>
+          <a:fontRef idx="minor">
+            <a:schemeClr val="lt1"/>
+          </a:fontRef>
+        </p:style>
+        <p:txBody>
+          <a:bodyPr rtlCol="0" anchor="ctr"/>
+          <a:lstStyle/>
+          <a:p>
+            <a:pPr algn="ctr"/>
+            <a:endParaRPr lang="ko-KR" altLang="en-US"/>
+          </a:p>
+        </p:txBody>
+      </p:sp>
+      <p:sp>
+        <p:nvSpPr>
+          <p:cNvPr id="103" name="TextBox 102">
+            <a:extLst>
+              <a:ext uri="{FF2B5EF4-FFF2-40B4-BE49-F238E27FC236}">
+                <a16:creationId xmlns:a16="http://schemas.microsoft.com/office/drawing/2014/main" id="{2A9209C0-7F11-4BA2-8BD9-06DF8E0CD1CB}"/>
+              </a:ext>
+            </a:extLst>
+          </p:cNvPr>
+          <p:cNvSpPr txBox="1"/>
+          <p:nvPr/>
+        </p:nvSpPr>
+        <p:spPr>
+          <a:xfrm>
+            <a:off x="3256086" y="3244727"/>
+            <a:ext cx="955874" cy="246221"/>
+          </a:xfrm>
+          <a:prstGeom prst="rect">
+            <a:avLst/>
+          </a:prstGeom>
+          <a:noFill/>
+        </p:spPr>
+        <p:txBody>
+          <a:bodyPr wrap="square" rtlCol="0">
+            <a:spAutoFit/>
+          </a:bodyPr>
+          <a:lstStyle/>
+          <a:p>
+            <a:r>
+              <a:rPr lang="ko-KR" altLang="en-US" sz="1000"/>
+              <a:t>우편서비스 </a:t>
+            </a:r>
+            <a:endParaRPr lang="ko-KR" altLang="en-US" sz="1000" dirty="0"/>
+          </a:p>
+        </p:txBody>
+      </p:sp>
+      <p:pic>
+        <p:nvPicPr>
+          <p:cNvPr id="104" name="그림 103">
+            <a:extLst>
+              <a:ext uri="{FF2B5EF4-FFF2-40B4-BE49-F238E27FC236}">
+                <a16:creationId xmlns:a16="http://schemas.microsoft.com/office/drawing/2014/main" id="{6B49557F-D3EB-4FFB-B100-A426BC67E270}"/>
+              </a:ext>
+            </a:extLst>
+          </p:cNvPr>
+          <p:cNvPicPr>
+            <a:picLocks noChangeAspect="1"/>
+          </p:cNvPicPr>
+          <p:nvPr/>
+        </p:nvPicPr>
+        <p:blipFill>
+          <a:blip r:embed="rId15" cstate="print">
+            <a:extLst>
+              <a:ext uri="{28A0092B-C50C-407E-A947-70E740481C1C}">
+                <a14:useLocalDpi xmlns:a14="http://schemas.microsoft.com/office/drawing/2010/main" val="0"/>
+              </a:ext>
+            </a:extLst>
+          </a:blip>
+          <a:stretch>
+            <a:fillRect/>
+          </a:stretch>
+        </p:blipFill>
+        <p:spPr>
+          <a:xfrm>
+            <a:off x="2687853" y="3260870"/>
+            <a:ext cx="246221" cy="246221"/>
+          </a:xfrm>
+          <a:prstGeom prst="rect">
+            <a:avLst/>
+          </a:prstGeom>
+        </p:spPr>
+      </p:pic>
+      <p:pic>
+        <p:nvPicPr>
+          <p:cNvPr id="105" name="그림 104">
+            <a:extLst>
+              <a:ext uri="{FF2B5EF4-FFF2-40B4-BE49-F238E27FC236}">
+                <a16:creationId xmlns:a16="http://schemas.microsoft.com/office/drawing/2014/main" id="{D5572F56-8433-479A-AA6A-CF1C8AF76CC5}"/>
+              </a:ext>
+            </a:extLst>
+          </p:cNvPr>
+          <p:cNvPicPr>
+            <a:picLocks noChangeAspect="1"/>
+          </p:cNvPicPr>
+          <p:nvPr/>
+        </p:nvPicPr>
+        <p:blipFill>
+          <a:blip r:embed="rId16" cstate="print">
+            <a:extLst>
+              <a:ext uri="{28A0092B-C50C-407E-A947-70E740481C1C}">
+                <a14:useLocalDpi xmlns:a14="http://schemas.microsoft.com/office/drawing/2010/main" val="0"/>
+              </a:ext>
+            </a:extLst>
+          </a:blip>
+          <a:stretch>
+            <a:fillRect/>
+          </a:stretch>
+        </p:blipFill>
+        <p:spPr>
+          <a:xfrm>
+            <a:off x="2930248" y="3219059"/>
+            <a:ext cx="291858" cy="290455"/>
+          </a:xfrm>
+          <a:prstGeom prst="rect">
+            <a:avLst/>
+          </a:prstGeom>
+        </p:spPr>
+      </p:pic>
+      <p:sp>
+        <p:nvSpPr>
+          <p:cNvPr id="107" name="직사각형 106">
+            <a:extLst>
+              <a:ext uri="{FF2B5EF4-FFF2-40B4-BE49-F238E27FC236}">
+                <a16:creationId xmlns:a16="http://schemas.microsoft.com/office/drawing/2014/main" id="{DF5EC40C-5932-47FA-8B00-59F6AB2F11F6}"/>
+              </a:ext>
+            </a:extLst>
+          </p:cNvPr>
+          <p:cNvSpPr/>
+          <p:nvPr/>
+        </p:nvSpPr>
+        <p:spPr>
+          <a:xfrm>
+            <a:off x="2667040" y="3230038"/>
+            <a:ext cx="1368152" cy="288031"/>
+          </a:xfrm>
+          <a:prstGeom prst="rect">
+            <a:avLst/>
+          </a:prstGeom>
+          <a:noFill/>
+          <a:ln w="0"/>
+        </p:spPr>
+        <p:style>
+          <a:lnRef idx="2">
+            <a:schemeClr val="accent1">
+              <a:shade val="50000"/>
+            </a:schemeClr>
+          </a:lnRef>
+          <a:fillRef idx="1">
+            <a:schemeClr val="accent1"/>
+          </a:fillRef>
+          <a:effectRef idx="0">
+            <a:schemeClr val="accent1"/>
+          </a:effectRef>
+          <a:fontRef idx="minor">
+            <a:schemeClr val="lt1"/>
+          </a:fontRef>
+        </p:style>
+        <p:txBody>
+          <a:bodyPr rtlCol="0" anchor="ctr"/>
+          <a:lstStyle/>
+          <a:p>
+            <a:pPr algn="ctr"/>
+            <a:endParaRPr lang="ko-KR" altLang="en-US"/>
+          </a:p>
+        </p:txBody>
+      </p:sp>
+      <p:pic>
+        <p:nvPicPr>
+          <p:cNvPr id="29" name="그림 28">
+            <a:extLst>
+              <a:ext uri="{FF2B5EF4-FFF2-40B4-BE49-F238E27FC236}">
+                <a16:creationId xmlns:a16="http://schemas.microsoft.com/office/drawing/2014/main" id="{029D3D92-B789-4797-A1D0-A06650601793}"/>
+              </a:ext>
+            </a:extLst>
+          </p:cNvPr>
+          <p:cNvPicPr>
+            <a:picLocks noChangeAspect="1"/>
+          </p:cNvPicPr>
+          <p:nvPr/>
+        </p:nvPicPr>
+        <p:blipFill>
+          <a:blip r:embed="rId17" cstate="print">
+            <a:extLst>
+              <a:ext uri="{28A0092B-C50C-407E-A947-70E740481C1C}">
+                <a14:useLocalDpi xmlns:a14="http://schemas.microsoft.com/office/drawing/2010/main" val="0"/>
+              </a:ext>
+            </a:extLst>
+          </a:blip>
+          <a:stretch>
+            <a:fillRect/>
+          </a:stretch>
+        </p:blipFill>
+        <p:spPr>
+          <a:xfrm>
+            <a:off x="923736" y="1183203"/>
+            <a:ext cx="911960" cy="481066"/>
+          </a:xfrm>
+          <a:prstGeom prst="rect">
+            <a:avLst/>
+          </a:prstGeom>
+        </p:spPr>
+      </p:pic>
+      <p:sp>
+        <p:nvSpPr>
+          <p:cNvPr id="108" name="모서리가 둥근 직사각형 174">
+            <a:extLst>
+              <a:ext uri="{FF2B5EF4-FFF2-40B4-BE49-F238E27FC236}">
+                <a16:creationId xmlns:a16="http://schemas.microsoft.com/office/drawing/2014/main" id="{05913057-6CEC-4B01-88F4-B4773D2F2A85}"/>
+              </a:ext>
+            </a:extLst>
+          </p:cNvPr>
+          <p:cNvSpPr/>
+          <p:nvPr/>
+        </p:nvSpPr>
+        <p:spPr>
+          <a:xfrm>
+            <a:off x="873498" y="1238563"/>
+            <a:ext cx="1034206" cy="1126403"/>
+          </a:xfrm>
+          <a:prstGeom prst="roundRect">
+            <a:avLst/>
+          </a:prstGeom>
+          <a:noFill/>
+          <a:ln w="12700">
+            <a:solidFill>
+              <a:schemeClr val="tx1"/>
+            </a:solidFill>
+            <a:prstDash val="sysDot"/>
+          </a:ln>
+        </p:spPr>
+        <p:style>
+          <a:lnRef idx="2">
+            <a:schemeClr val="accent1">
+              <a:shade val="50000"/>
+            </a:schemeClr>
+          </a:lnRef>
+          <a:fillRef idx="1">
+            <a:schemeClr val="accent1"/>
+          </a:fillRef>
+          <a:effectRef idx="0">
+            <a:schemeClr val="accent1"/>
+          </a:effectRef>
+          <a:fontRef idx="minor">
+            <a:schemeClr val="lt1"/>
+          </a:fontRef>
+        </p:style>
+        <p:txBody>
+          <a:bodyPr rtlCol="0" anchor="ctr"/>
+          <a:lstStyle/>
+          <a:p>
+            <a:pPr algn="ctr"/>
+            <a:endParaRPr lang="ko-KR" altLang="en-US" dirty="0"/>
+          </a:p>
+        </p:txBody>
+      </p:sp>
+      <p:pic>
+        <p:nvPicPr>
+          <p:cNvPr id="32" name="그림 31">
+            <a:extLst>
+              <a:ext uri="{FF2B5EF4-FFF2-40B4-BE49-F238E27FC236}">
+                <a16:creationId xmlns:a16="http://schemas.microsoft.com/office/drawing/2014/main" id="{E852592A-49E0-4B2F-9777-A1BCBD8F1445}"/>
+              </a:ext>
+            </a:extLst>
+          </p:cNvPr>
+          <p:cNvPicPr>
+            <a:picLocks noChangeAspect="1"/>
+          </p:cNvPicPr>
+          <p:nvPr/>
+        </p:nvPicPr>
+        <p:blipFill>
+          <a:blip r:embed="rId18" cstate="print">
+            <a:extLst>
+              <a:ext uri="{28A0092B-C50C-407E-A947-70E740481C1C}">
+                <a14:useLocalDpi xmlns:a14="http://schemas.microsoft.com/office/drawing/2010/main" val="0"/>
+              </a:ext>
+            </a:extLst>
+          </a:blip>
+          <a:stretch>
+            <a:fillRect/>
+          </a:stretch>
+        </p:blipFill>
+        <p:spPr>
+          <a:xfrm>
+            <a:off x="5904354" y="3885107"/>
+            <a:ext cx="916646" cy="458323"/>
+          </a:xfrm>
+          <a:prstGeom prst="rect">
+            <a:avLst/>
+          </a:prstGeom>
+        </p:spPr>
+      </p:pic>
       <p:cxnSp>
         <p:nvCxnSpPr>
-          <p:cNvPr id="28" name="직선 화살표 연결선 27"/>
-          <p:cNvCxnSpPr/>
+          <p:cNvPr id="34" name="연결선: 꺾임 33">
+            <a:extLst>
+              <a:ext uri="{FF2B5EF4-FFF2-40B4-BE49-F238E27FC236}">
+                <a16:creationId xmlns:a16="http://schemas.microsoft.com/office/drawing/2014/main" id="{2D5626B5-2A83-4DF7-B542-ED7FE08BC538}"/>
+              </a:ext>
+            </a:extLst>
+          </p:cNvPr>
+          <p:cNvCxnSpPr>
+            <a:cxnSpLocks/>
+            <a:stCxn id="108" idx="3"/>
+            <a:endCxn id="175" idx="1"/>
+          </p:cNvCxnSpPr>
           <p:nvPr/>
         </p:nvCxnSpPr>
         <p:spPr>
-          <a:xfrm>
-            <a:off x="3558952" y="2321152"/>
-            <a:ext cx="1805136" cy="27728"/>
-          </a:xfrm>
-          <a:prstGeom prst="straightConnector1">
-            <a:avLst/>
-          </a:prstGeom>
-          <a:ln w="9525">
+          <a:xfrm flipV="1">
+            <a:off x="1907704" y="1046778"/>
+            <a:ext cx="658552" cy="754987"/>
+          </a:xfrm>
+          <a:prstGeom prst="bentConnector3">
+            <a:avLst>
+              <a:gd name="adj1" fmla="val 50000"/>
+            </a:avLst>
+          </a:prstGeom>
+          <a:ln>
             <a:solidFill>
-              <a:schemeClr val="accent3">
-                <a:lumMod val="50000"/>
+              <a:schemeClr val="tx1">
+                <a:lumMod val="65000"/>
+                <a:lumOff val="35000"/>
               </a:schemeClr>
             </a:solidFill>
-            <a:headEnd type="arrow"/>
-            <a:tailEnd type="arrow"/>
+            <a:tailEnd type="triangle"/>
           </a:ln>
         </p:spPr>
         <p:style>
@@ -4256,14 +5455,24 @@
       </p:cxnSp>
       <p:cxnSp>
         <p:nvCxnSpPr>
-          <p:cNvPr id="35" name="Shape 34"/>
-          <p:cNvCxnSpPr/>
+          <p:cNvPr id="110" name="연결선: 꺾임 109">
+            <a:extLst>
+              <a:ext uri="{FF2B5EF4-FFF2-40B4-BE49-F238E27FC236}">
+                <a16:creationId xmlns:a16="http://schemas.microsoft.com/office/drawing/2014/main" id="{4619E872-E042-4C9C-A437-975F5DA2F778}"/>
+              </a:ext>
+            </a:extLst>
+          </p:cNvPr>
+          <p:cNvCxnSpPr>
+            <a:cxnSpLocks/>
+            <a:stCxn id="108" idx="3"/>
+            <a:endCxn id="91" idx="1"/>
+          </p:cNvCxnSpPr>
           <p:nvPr/>
         </p:nvCxnSpPr>
         <p:spPr>
-          <a:xfrm rot="10800000">
-            <a:off x="3558952" y="862798"/>
-            <a:ext cx="2381200" cy="3718329"/>
+          <a:xfrm>
+            <a:off x="1907704" y="1801765"/>
+            <a:ext cx="640844" cy="1061604"/>
           </a:xfrm>
           <a:prstGeom prst="bentConnector3">
             <a:avLst>
@@ -4271,7 +5480,13 @@
             </a:avLst>
           </a:prstGeom>
           <a:ln>
-            <a:tailEnd type="arrow"/>
+            <a:solidFill>
+              <a:schemeClr val="tx1">
+                <a:lumMod val="65000"/>
+                <a:lumOff val="35000"/>
+              </a:schemeClr>
+            </a:solidFill>
+            <a:tailEnd type="triangle"/>
           </a:ln>
         </p:spPr>
         <p:style>
@@ -4291,22 +5506,38 @@
       </p:cxnSp>
       <p:cxnSp>
         <p:nvCxnSpPr>
-          <p:cNvPr id="37" name="Shape 34"/>
-          <p:cNvCxnSpPr/>
+          <p:cNvPr id="57" name="연결선: 꺾임 56">
+            <a:extLst>
+              <a:ext uri="{FF2B5EF4-FFF2-40B4-BE49-F238E27FC236}">
+                <a16:creationId xmlns:a16="http://schemas.microsoft.com/office/drawing/2014/main" id="{3B974E32-C398-44C9-8140-5070F441AA73}"/>
+              </a:ext>
+            </a:extLst>
+          </p:cNvPr>
+          <p:cNvCxnSpPr>
+            <a:stCxn id="175" idx="3"/>
+            <a:endCxn id="188" idx="1"/>
+          </p:cNvCxnSpPr>
           <p:nvPr/>
         </p:nvCxnSpPr>
         <p:spPr>
-          <a:xfrm rot="10800000">
-            <a:off x="3558952" y="2205689"/>
-            <a:ext cx="2381200" cy="2375438"/>
+          <a:xfrm>
+            <a:off x="4150432" y="1046778"/>
+            <a:ext cx="1587388" cy="244005"/>
           </a:xfrm>
           <a:prstGeom prst="bentConnector3">
             <a:avLst>
-              <a:gd name="adj1" fmla="val 50000"/>
+              <a:gd name="adj1" fmla="val 49520"/>
             </a:avLst>
           </a:prstGeom>
           <a:ln>
-            <a:tailEnd type="arrow"/>
+            <a:solidFill>
+              <a:schemeClr val="tx1">
+                <a:lumMod val="65000"/>
+                <a:lumOff val="35000"/>
+              </a:schemeClr>
+            </a:solidFill>
+            <a:headEnd type="triangle"/>
+            <a:tailEnd type="triangle"/>
           </a:ln>
         </p:spPr>
         <p:style>
@@ -4326,346 +5557,36 @@
       </p:cxnSp>
       <p:cxnSp>
         <p:nvCxnSpPr>
-          <p:cNvPr id="41" name="Shape 34"/>
-          <p:cNvCxnSpPr/>
+          <p:cNvPr id="59" name="연결선: 꺾임 58">
+            <a:extLst>
+              <a:ext uri="{FF2B5EF4-FFF2-40B4-BE49-F238E27FC236}">
+                <a16:creationId xmlns:a16="http://schemas.microsoft.com/office/drawing/2014/main" id="{9F32841F-1023-47FA-AA7A-7D71DB36AB3D}"/>
+              </a:ext>
+            </a:extLst>
+          </p:cNvPr>
+          <p:cNvCxnSpPr>
+            <a:cxnSpLocks/>
+            <a:endCxn id="176" idx="1"/>
+          </p:cNvCxnSpPr>
           <p:nvPr/>
         </p:nvCxnSpPr>
         <p:spPr>
-          <a:xfrm rot="10800000">
-            <a:off x="3558952" y="3501833"/>
-            <a:ext cx="2381200" cy="1079294"/>
+          <a:xfrm>
+            <a:off x="4132724" y="2953196"/>
+            <a:ext cx="1605096" cy="106681"/>
           </a:xfrm>
           <a:prstGeom prst="bentConnector3">
-            <a:avLst>
-              <a:gd name="adj1" fmla="val 50000"/>
-            </a:avLst>
-          </a:prstGeom>
-          <a:ln>
-            <a:tailEnd type="arrow"/>
-          </a:ln>
-        </p:spPr>
-        <p:style>
-          <a:lnRef idx="1">
-            <a:schemeClr val="accent1"/>
-          </a:lnRef>
-          <a:fillRef idx="0">
-            <a:schemeClr val="accent1"/>
-          </a:fillRef>
-          <a:effectRef idx="0">
-            <a:schemeClr val="accent1"/>
-          </a:effectRef>
-          <a:fontRef idx="minor">
-            <a:schemeClr val="tx1"/>
-          </a:fontRef>
-        </p:style>
-      </p:cxnSp>
-      <p:sp>
-        <p:nvSpPr>
-          <p:cNvPr id="44" name="TextBox 43"/>
-          <p:cNvSpPr txBox="1"/>
-          <p:nvPr/>
-        </p:nvSpPr>
-        <p:spPr>
-          <a:xfrm>
-            <a:off x="6588224" y="5661248"/>
-            <a:ext cx="1296144" cy="246221"/>
-          </a:xfrm>
-          <a:prstGeom prst="rect">
-            <a:avLst/>
-          </a:prstGeom>
-          <a:noFill/>
-        </p:spPr>
-        <p:txBody>
-          <a:bodyPr wrap="square" rtlCol="0">
-            <a:spAutoFit/>
-          </a:bodyPr>
-          <a:lstStyle/>
-          <a:p>
-            <a:r>
-              <a:rPr lang="ko-KR" altLang="en-US" sz="1000" dirty="0" smtClean="0"/>
-              <a:t>모니터링 서버</a:t>
-            </a:r>
-            <a:endParaRPr lang="ko-KR" altLang="en-US" sz="1000" dirty="0" smtClean="0"/>
-          </a:p>
-        </p:txBody>
-      </p:sp>
-      <p:pic>
-        <p:nvPicPr>
-          <p:cNvPr id="2057" name="Picture 9"/>
-          <p:cNvPicPr>
-            <a:picLocks noChangeAspect="1" noChangeArrowheads="1"/>
-          </p:cNvPicPr>
-          <p:nvPr/>
-        </p:nvPicPr>
-        <p:blipFill>
-          <a:blip r:embed="rId11" cstate="print"/>
-          <a:srcRect/>
-          <a:stretch>
-            <a:fillRect/>
-          </a:stretch>
-        </p:blipFill>
-        <p:spPr bwMode="auto">
-          <a:xfrm>
-            <a:off x="5940152" y="5301208"/>
-            <a:ext cx="1368152" cy="337762"/>
-          </a:xfrm>
-          <a:prstGeom prst="rect">
-            <a:avLst/>
-          </a:prstGeom>
-          <a:noFill/>
-          <a:ln w="9525">
-            <a:noFill/>
-            <a:miter lim="800000"/>
-            <a:headEnd/>
-            <a:tailEnd/>
-          </a:ln>
-        </p:spPr>
-      </p:pic>
-      <p:sp>
-        <p:nvSpPr>
-          <p:cNvPr id="65" name="TextBox 64"/>
-          <p:cNvSpPr txBox="1"/>
-          <p:nvPr/>
-        </p:nvSpPr>
-        <p:spPr>
-          <a:xfrm>
-            <a:off x="4716016" y="3717032"/>
-            <a:ext cx="2232248" cy="400110"/>
-          </a:xfrm>
-          <a:prstGeom prst="rect">
-            <a:avLst/>
-          </a:prstGeom>
-          <a:noFill/>
-        </p:spPr>
-        <p:txBody>
-          <a:bodyPr wrap="square" rtlCol="0">
-            <a:spAutoFit/>
-          </a:bodyPr>
-          <a:lstStyle/>
-          <a:p>
-            <a:r>
-              <a:rPr lang="en-US" altLang="ko-KR" sz="1000" dirty="0" smtClean="0">
-                <a:solidFill>
-                  <a:srgbClr val="0070C0"/>
-                </a:solidFill>
-              </a:rPr>
-              <a:t>HTTP </a:t>
-            </a:r>
-            <a:r>
-              <a:rPr lang="en-US" altLang="ko-KR" sz="1000" dirty="0" smtClean="0">
-                <a:solidFill>
-                  <a:srgbClr val="0070C0"/>
-                </a:solidFill>
-              </a:rPr>
-              <a:t>pull </a:t>
-            </a:r>
-            <a:r>
-              <a:rPr lang="ko-KR" altLang="en-US" sz="1000" dirty="0" smtClean="0">
-                <a:solidFill>
-                  <a:srgbClr val="0070C0"/>
-                </a:solidFill>
-              </a:rPr>
-              <a:t>방식으로 데이터를 수집</a:t>
-            </a:r>
-            <a:endParaRPr lang="en-US" altLang="ko-KR" sz="1000" dirty="0" smtClean="0">
-              <a:solidFill>
-                <a:srgbClr val="0070C0"/>
-              </a:solidFill>
-            </a:endParaRPr>
-          </a:p>
-          <a:p>
-            <a:endParaRPr lang="ko-KR" altLang="en-US" sz="1000" dirty="0" smtClean="0">
-              <a:solidFill>
-                <a:srgbClr val="0070C0"/>
-              </a:solidFill>
-            </a:endParaRPr>
-          </a:p>
-        </p:txBody>
-      </p:sp>
-      <p:sp>
-        <p:nvSpPr>
-          <p:cNvPr id="69" name="위쪽/아래쪽 화살표 68"/>
-          <p:cNvSpPr/>
-          <p:nvPr/>
-        </p:nvSpPr>
-        <p:spPr>
-          <a:xfrm>
-            <a:off x="2627784" y="4077072"/>
-            <a:ext cx="216024" cy="288032"/>
-          </a:xfrm>
-          <a:prstGeom prst="upDownArrow">
-            <a:avLst>
-              <a:gd name="adj1" fmla="val 50000"/>
-              <a:gd name="adj2" fmla="val 50000"/>
-            </a:avLst>
-          </a:prstGeom>
-          <a:ln>
-            <a:noFill/>
-          </a:ln>
-        </p:spPr>
-        <p:style>
-          <a:lnRef idx="2">
-            <a:schemeClr val="accent1">
-              <a:shade val="50000"/>
-            </a:schemeClr>
-          </a:lnRef>
-          <a:fillRef idx="1">
-            <a:schemeClr val="accent1"/>
-          </a:fillRef>
-          <a:effectRef idx="0">
-            <a:schemeClr val="accent1"/>
-          </a:effectRef>
-          <a:fontRef idx="minor">
-            <a:schemeClr val="lt1"/>
-          </a:fontRef>
-        </p:style>
-        <p:txBody>
-          <a:bodyPr rtlCol="0" anchor="ctr"/>
-          <a:lstStyle/>
-          <a:p>
-            <a:pPr algn="ctr"/>
-            <a:endParaRPr lang="ko-KR" altLang="en-US" dirty="0"/>
-          </a:p>
-        </p:txBody>
-      </p:sp>
-      <p:pic>
-        <p:nvPicPr>
-          <p:cNvPr id="76" name="그림 75" descr="1688502.png"/>
-          <p:cNvPicPr>
-            <a:picLocks noChangeAspect="1"/>
-          </p:cNvPicPr>
-          <p:nvPr/>
-        </p:nvPicPr>
-        <p:blipFill>
-          <a:blip r:embed="rId12" cstate="print"/>
-          <a:stretch>
-            <a:fillRect/>
-          </a:stretch>
-        </p:blipFill>
-        <p:spPr>
-          <a:xfrm>
-            <a:off x="251520" y="4365104"/>
-            <a:ext cx="802522" cy="802522"/>
-          </a:xfrm>
-          <a:prstGeom prst="rect">
-            <a:avLst/>
-          </a:prstGeom>
-        </p:spPr>
-      </p:pic>
-      <p:pic>
-        <p:nvPicPr>
-          <p:cNvPr id="77" name="Picture 6"/>
-          <p:cNvPicPr>
-            <a:picLocks noChangeAspect="1" noChangeArrowheads="1"/>
-          </p:cNvPicPr>
-          <p:nvPr/>
-        </p:nvPicPr>
-        <p:blipFill>
-          <a:blip r:embed="rId13" cstate="print"/>
-          <a:srcRect/>
-          <a:stretch>
-            <a:fillRect/>
-          </a:stretch>
-        </p:blipFill>
-        <p:spPr bwMode="auto">
-          <a:xfrm>
-            <a:off x="107504" y="1340768"/>
-            <a:ext cx="909363" cy="710840"/>
-          </a:xfrm>
-          <a:prstGeom prst="rect">
-            <a:avLst/>
-          </a:prstGeom>
-          <a:noFill/>
-          <a:ln w="9525">
-            <a:noFill/>
-            <a:miter lim="800000"/>
-            <a:headEnd/>
-            <a:tailEnd/>
-          </a:ln>
-        </p:spPr>
-      </p:pic>
-      <p:sp>
-        <p:nvSpPr>
-          <p:cNvPr id="78" name="TextBox 77"/>
-          <p:cNvSpPr txBox="1"/>
-          <p:nvPr/>
-        </p:nvSpPr>
-        <p:spPr>
-          <a:xfrm>
-            <a:off x="323528" y="1124744"/>
-            <a:ext cx="492443" cy="276999"/>
-          </a:xfrm>
-          <a:prstGeom prst="rect">
-            <a:avLst/>
-          </a:prstGeom>
-          <a:noFill/>
-        </p:spPr>
-        <p:txBody>
-          <a:bodyPr wrap="none" rtlCol="0">
-            <a:spAutoFit/>
-          </a:bodyPr>
-          <a:lstStyle/>
-          <a:p>
-            <a:r>
-              <a:rPr lang="ko-KR" altLang="en-US" sz="1200" dirty="0" smtClean="0"/>
-              <a:t>회원</a:t>
-            </a:r>
-            <a:endParaRPr lang="ko-KR" altLang="en-US" sz="1200" dirty="0"/>
-          </a:p>
-        </p:txBody>
-      </p:sp>
-      <p:pic>
-        <p:nvPicPr>
-          <p:cNvPr id="2058" name="Picture 10"/>
-          <p:cNvPicPr>
-            <a:picLocks noChangeAspect="1" noChangeArrowheads="1"/>
-          </p:cNvPicPr>
-          <p:nvPr/>
-        </p:nvPicPr>
-        <p:blipFill>
-          <a:blip r:embed="rId14" cstate="print"/>
-          <a:srcRect/>
-          <a:stretch>
-            <a:fillRect/>
-          </a:stretch>
-        </p:blipFill>
-        <p:spPr bwMode="auto">
-          <a:xfrm>
-            <a:off x="5924897" y="4869160"/>
-            <a:ext cx="1095375" cy="304800"/>
-          </a:xfrm>
-          <a:prstGeom prst="rect">
-            <a:avLst/>
-          </a:prstGeom>
-          <a:noFill/>
-          <a:ln w="9525">
-            <a:noFill/>
-            <a:miter lim="800000"/>
-            <a:headEnd/>
-            <a:tailEnd/>
-          </a:ln>
-        </p:spPr>
-      </p:pic>
-      <p:cxnSp>
-        <p:nvCxnSpPr>
-          <p:cNvPr id="86" name="직선 연결선 85"/>
-          <p:cNvCxnSpPr>
-            <a:stCxn id="2054" idx="2"/>
-          </p:cNvCxnSpPr>
-          <p:nvPr/>
-        </p:nvCxnSpPr>
-        <p:spPr>
-          <a:xfrm>
-            <a:off x="6660232" y="4740042"/>
-            <a:ext cx="0" cy="129118"/>
-          </a:xfrm>
-          <a:prstGeom prst="line">
             <a:avLst/>
           </a:prstGeom>
           <a:ln>
             <a:solidFill>
-              <a:srgbClr val="FF0000"/>
+              <a:schemeClr val="tx1">
+                <a:lumMod val="65000"/>
+                <a:lumOff val="35000"/>
+              </a:schemeClr>
             </a:solidFill>
+            <a:headEnd type="triangle"/>
+            <a:tailEnd type="triangle"/>
           </a:ln>
         </p:spPr>
         <p:style>
@@ -4685,18 +5606,112 @@
       </p:cxnSp>
       <p:cxnSp>
         <p:nvCxnSpPr>
-          <p:cNvPr id="89" name="직선 연결선 88"/>
-          <p:cNvCxnSpPr/>
+          <p:cNvPr id="62" name="직선 연결선 61">
+            <a:extLst>
+              <a:ext uri="{FF2B5EF4-FFF2-40B4-BE49-F238E27FC236}">
+                <a16:creationId xmlns:a16="http://schemas.microsoft.com/office/drawing/2014/main" id="{9E6A078E-5EC0-4377-AE97-E8103DCDA861}"/>
+              </a:ext>
+            </a:extLst>
+          </p:cNvPr>
+          <p:cNvCxnSpPr>
+            <a:cxnSpLocks/>
+          </p:cNvCxnSpPr>
           <p:nvPr/>
         </p:nvCxnSpPr>
         <p:spPr>
           <a:xfrm>
-            <a:off x="7164288" y="4725144"/>
-            <a:ext cx="0" cy="576064"/>
+            <a:off x="4935272" y="1064033"/>
+            <a:ext cx="0" cy="1995844"/>
           </a:xfrm>
           <a:prstGeom prst="line">
             <a:avLst/>
           </a:prstGeom>
+          <a:ln>
+            <a:solidFill>
+              <a:schemeClr val="tx1">
+                <a:lumMod val="65000"/>
+                <a:lumOff val="35000"/>
+              </a:schemeClr>
+            </a:solidFill>
+          </a:ln>
+        </p:spPr>
+        <p:style>
+          <a:lnRef idx="1">
+            <a:schemeClr val="accent1"/>
+          </a:lnRef>
+          <a:fillRef idx="0">
+            <a:schemeClr val="accent1"/>
+          </a:fillRef>
+          <a:effectRef idx="0">
+            <a:schemeClr val="accent1"/>
+          </a:effectRef>
+          <a:fontRef idx="minor">
+            <a:schemeClr val="tx1"/>
+          </a:fontRef>
+        </p:style>
+      </p:cxnSp>
+      <p:pic>
+        <p:nvPicPr>
+          <p:cNvPr id="70" name="그림 69">
+            <a:extLst>
+              <a:ext uri="{FF2B5EF4-FFF2-40B4-BE49-F238E27FC236}">
+                <a16:creationId xmlns:a16="http://schemas.microsoft.com/office/drawing/2014/main" id="{E2EA27B3-2FD6-4861-B2C2-D0843B3BB1C8}"/>
+              </a:ext>
+            </a:extLst>
+          </p:cNvPr>
+          <p:cNvPicPr>
+            <a:picLocks noChangeAspect="1"/>
+          </p:cNvPicPr>
+          <p:nvPr/>
+        </p:nvPicPr>
+        <p:blipFill>
+          <a:blip r:embed="rId19"/>
+          <a:stretch>
+            <a:fillRect/>
+          </a:stretch>
+        </p:blipFill>
+        <p:spPr>
+          <a:xfrm>
+            <a:off x="1884318" y="5071593"/>
+            <a:ext cx="997732" cy="271404"/>
+          </a:xfrm>
+          <a:prstGeom prst="rect">
+            <a:avLst/>
+          </a:prstGeom>
+        </p:spPr>
+      </p:pic>
+      <p:cxnSp>
+        <p:nvCxnSpPr>
+          <p:cNvPr id="72" name="직선 화살표 연결선 71">
+            <a:extLst>
+              <a:ext uri="{FF2B5EF4-FFF2-40B4-BE49-F238E27FC236}">
+                <a16:creationId xmlns:a16="http://schemas.microsoft.com/office/drawing/2014/main" id="{8EC5BF23-DEB8-40CD-A04C-E3B610718D34}"/>
+              </a:ext>
+            </a:extLst>
+          </p:cNvPr>
+          <p:cNvCxnSpPr>
+            <a:stCxn id="76" idx="3"/>
+            <a:endCxn id="70" idx="1"/>
+          </p:cNvCxnSpPr>
+          <p:nvPr/>
+        </p:nvCxnSpPr>
+        <p:spPr>
+          <a:xfrm>
+            <a:off x="895064" y="5206298"/>
+            <a:ext cx="989254" cy="997"/>
+          </a:xfrm>
+          <a:prstGeom prst="straightConnector1">
+            <a:avLst/>
+          </a:prstGeom>
+          <a:ln>
+            <a:solidFill>
+              <a:schemeClr val="tx1">
+                <a:lumMod val="65000"/>
+                <a:lumOff val="35000"/>
+              </a:schemeClr>
+            </a:solidFill>
+            <a:tailEnd type="triangle"/>
+          </a:ln>
         </p:spPr>
         <p:style>
           <a:lnRef idx="1">
@@ -4715,17 +5730,23 @@
       </p:cxnSp>
       <p:cxnSp>
         <p:nvCxnSpPr>
-          <p:cNvPr id="94" name="꺾인 연결선 93"/>
+          <p:cNvPr id="143" name="연결선: 꺾임 142">
+            <a:extLst>
+              <a:ext uri="{FF2B5EF4-FFF2-40B4-BE49-F238E27FC236}">
+                <a16:creationId xmlns:a16="http://schemas.microsoft.com/office/drawing/2014/main" id="{8BF04886-8C85-4EDE-A0E3-000D023ADBE2}"/>
+              </a:ext>
+            </a:extLst>
+          </p:cNvPr>
           <p:cNvCxnSpPr>
-            <a:stCxn id="2058" idx="1"/>
-            <a:endCxn id="2055" idx="3"/>
+            <a:cxnSpLocks/>
+            <a:stCxn id="70" idx="3"/>
           </p:cNvCxnSpPr>
           <p:nvPr/>
         </p:nvCxnSpPr>
         <p:spPr>
-          <a:xfrm rot="10800000" flipV="1">
-            <a:off x="3059833" y="5021560"/>
-            <a:ext cx="2865065" cy="390566"/>
+          <a:xfrm flipV="1">
+            <a:off x="2882050" y="4237320"/>
+            <a:ext cx="3022304" cy="969975"/>
           </a:xfrm>
           <a:prstGeom prst="bentConnector3">
             <a:avLst>
@@ -4734,9 +5755,278 @@
           </a:prstGeom>
           <a:ln>
             <a:solidFill>
-              <a:srgbClr val="FF0000"/>
+              <a:schemeClr val="tx1">
+                <a:lumMod val="65000"/>
+                <a:lumOff val="35000"/>
+              </a:schemeClr>
             </a:solidFill>
-            <a:tailEnd type="arrow"/>
+            <a:tailEnd type="triangle"/>
+          </a:ln>
+        </p:spPr>
+        <p:style>
+          <a:lnRef idx="1">
+            <a:schemeClr val="accent1"/>
+          </a:lnRef>
+          <a:fillRef idx="0">
+            <a:schemeClr val="accent1"/>
+          </a:fillRef>
+          <a:effectRef idx="0">
+            <a:schemeClr val="accent1"/>
+          </a:effectRef>
+          <a:fontRef idx="minor">
+            <a:schemeClr val="tx1"/>
+          </a:fontRef>
+        </p:style>
+      </p:cxnSp>
+      <p:sp>
+        <p:nvSpPr>
+          <p:cNvPr id="146" name="TextBox 145">
+            <a:extLst>
+              <a:ext uri="{FF2B5EF4-FFF2-40B4-BE49-F238E27FC236}">
+                <a16:creationId xmlns:a16="http://schemas.microsoft.com/office/drawing/2014/main" id="{6E091700-4426-449F-84B8-80CDC7EBC52D}"/>
+              </a:ext>
+            </a:extLst>
+          </p:cNvPr>
+          <p:cNvSpPr txBox="1"/>
+          <p:nvPr/>
+        </p:nvSpPr>
+        <p:spPr>
+          <a:xfrm>
+            <a:off x="1115616" y="5167681"/>
+            <a:ext cx="504056" cy="246221"/>
+          </a:xfrm>
+          <a:prstGeom prst="rect">
+            <a:avLst/>
+          </a:prstGeom>
+          <a:noFill/>
+        </p:spPr>
+        <p:txBody>
+          <a:bodyPr wrap="square" rtlCol="0">
+            <a:spAutoFit/>
+          </a:bodyPr>
+          <a:lstStyle/>
+          <a:p>
+            <a:r>
+              <a:rPr lang="en-US" altLang="ko-KR" sz="1000" dirty="0"/>
+              <a:t>Push</a:t>
+            </a:r>
+            <a:endParaRPr lang="ko-KR" altLang="en-US" sz="1000" dirty="0"/>
+          </a:p>
+        </p:txBody>
+      </p:sp>
+      <p:sp>
+        <p:nvSpPr>
+          <p:cNvPr id="147" name="TextBox 146">
+            <a:extLst>
+              <a:ext uri="{FF2B5EF4-FFF2-40B4-BE49-F238E27FC236}">
+                <a16:creationId xmlns:a16="http://schemas.microsoft.com/office/drawing/2014/main" id="{4CB1A769-918B-487C-A8F0-CE5CCDFD3C6D}"/>
+              </a:ext>
+            </a:extLst>
+          </p:cNvPr>
+          <p:cNvSpPr txBox="1"/>
+          <p:nvPr/>
+        </p:nvSpPr>
+        <p:spPr>
+          <a:xfrm>
+            <a:off x="3091064" y="5206298"/>
+            <a:ext cx="780239" cy="246221"/>
+          </a:xfrm>
+          <a:prstGeom prst="rect">
+            <a:avLst/>
+          </a:prstGeom>
+          <a:noFill/>
+        </p:spPr>
+        <p:txBody>
+          <a:bodyPr wrap="square" rtlCol="0">
+            <a:spAutoFit/>
+          </a:bodyPr>
+          <a:lstStyle/>
+          <a:p>
+            <a:r>
+              <a:rPr lang="en-US" altLang="ko-KR" sz="1000"/>
+              <a:t>Webhook</a:t>
+            </a:r>
+            <a:endParaRPr lang="ko-KR" altLang="en-US" sz="1000" dirty="0"/>
+          </a:p>
+        </p:txBody>
+      </p:sp>
+      <p:cxnSp>
+        <p:nvCxnSpPr>
+          <p:cNvPr id="148" name="연결선: 꺾임 147">
+            <a:extLst>
+              <a:ext uri="{FF2B5EF4-FFF2-40B4-BE49-F238E27FC236}">
+                <a16:creationId xmlns:a16="http://schemas.microsoft.com/office/drawing/2014/main" id="{649E17A2-78E4-4D68-AC4B-7ABE01B90632}"/>
+              </a:ext>
+            </a:extLst>
+          </p:cNvPr>
+          <p:cNvCxnSpPr>
+            <a:cxnSpLocks/>
+            <a:stCxn id="32" idx="1"/>
+            <a:endCxn id="91" idx="2"/>
+          </p:cNvCxnSpPr>
+          <p:nvPr/>
+        </p:nvCxnSpPr>
+        <p:spPr>
+          <a:xfrm rot="10800000">
+            <a:off x="3340636" y="3692813"/>
+            <a:ext cx="2563718" cy="421457"/>
+          </a:xfrm>
+          <a:prstGeom prst="bentConnector2">
+            <a:avLst/>
+          </a:prstGeom>
+          <a:ln>
+            <a:solidFill>
+              <a:schemeClr val="tx1">
+                <a:lumMod val="65000"/>
+                <a:lumOff val="35000"/>
+              </a:schemeClr>
+            </a:solidFill>
+            <a:tailEnd type="triangle"/>
+          </a:ln>
+        </p:spPr>
+        <p:style>
+          <a:lnRef idx="1">
+            <a:schemeClr val="accent1"/>
+          </a:lnRef>
+          <a:fillRef idx="0">
+            <a:schemeClr val="accent1"/>
+          </a:fillRef>
+          <a:effectRef idx="0">
+            <a:schemeClr val="accent1"/>
+          </a:effectRef>
+          <a:fontRef idx="minor">
+            <a:schemeClr val="tx1"/>
+          </a:fontRef>
+        </p:style>
+      </p:cxnSp>
+      <p:sp>
+        <p:nvSpPr>
+          <p:cNvPr id="152" name="TextBox 151">
+            <a:extLst>
+              <a:ext uri="{FF2B5EF4-FFF2-40B4-BE49-F238E27FC236}">
+                <a16:creationId xmlns:a16="http://schemas.microsoft.com/office/drawing/2014/main" id="{205B5145-70D0-42DC-85DA-8C3CB9325880}"/>
+              </a:ext>
+            </a:extLst>
+          </p:cNvPr>
+          <p:cNvSpPr txBox="1"/>
+          <p:nvPr/>
+        </p:nvSpPr>
+        <p:spPr>
+          <a:xfrm>
+            <a:off x="4332757" y="3898131"/>
+            <a:ext cx="1222738" cy="246221"/>
+          </a:xfrm>
+          <a:prstGeom prst="rect">
+            <a:avLst/>
+          </a:prstGeom>
+          <a:noFill/>
+        </p:spPr>
+        <p:txBody>
+          <a:bodyPr wrap="square" rtlCol="0">
+            <a:spAutoFit/>
+          </a:bodyPr>
+          <a:lstStyle/>
+          <a:p>
+            <a:r>
+              <a:rPr lang="en-US" altLang="ko-KR" sz="1000" dirty="0">
+                <a:solidFill>
+                  <a:schemeClr val="tx1">
+                    <a:lumMod val="85000"/>
+                    <a:lumOff val="15000"/>
+                  </a:schemeClr>
+                </a:solidFill>
+              </a:rPr>
+              <a:t>Build &amp; Deploy</a:t>
+            </a:r>
+            <a:endParaRPr lang="ko-KR" altLang="en-US" sz="1000" dirty="0">
+              <a:solidFill>
+                <a:schemeClr val="tx1">
+                  <a:lumMod val="85000"/>
+                  <a:lumOff val="15000"/>
+                </a:schemeClr>
+              </a:solidFill>
+            </a:endParaRPr>
+          </a:p>
+        </p:txBody>
+      </p:sp>
+      <p:pic>
+        <p:nvPicPr>
+          <p:cNvPr id="1026" name="Picture 2" descr="Atlassian Jira and Jira Plugins - HARMONY">
+            <a:extLst>
+              <a:ext uri="{FF2B5EF4-FFF2-40B4-BE49-F238E27FC236}">
+                <a16:creationId xmlns:a16="http://schemas.microsoft.com/office/drawing/2014/main" id="{E51990B2-54E0-46B3-8616-ED80230EC592}"/>
+              </a:ext>
+            </a:extLst>
+          </p:cNvPr>
+          <p:cNvPicPr>
+            <a:picLocks noChangeAspect="1" noChangeArrowheads="1"/>
+          </p:cNvPicPr>
+          <p:nvPr/>
+        </p:nvPicPr>
+        <p:blipFill>
+          <a:blip r:embed="rId20" cstate="print">
+            <a:extLst>
+              <a:ext uri="{28A0092B-C50C-407E-A947-70E740481C1C}">
+                <a14:useLocalDpi xmlns:a14="http://schemas.microsoft.com/office/drawing/2010/main" val="0"/>
+              </a:ext>
+            </a:extLst>
+          </a:blip>
+          <a:srcRect/>
+          <a:stretch>
+            <a:fillRect/>
+          </a:stretch>
+        </p:blipFill>
+        <p:spPr bwMode="auto">
+          <a:xfrm>
+            <a:off x="1853544" y="4475993"/>
+            <a:ext cx="987547" cy="272004"/>
+          </a:xfrm>
+          <a:prstGeom prst="rect">
+            <a:avLst/>
+          </a:prstGeom>
+          <a:noFill/>
+          <a:extLst>
+            <a:ext uri="{909E8E84-426E-40DD-AFC4-6F175D3DCCD1}">
+              <a14:hiddenFill xmlns:a14="http://schemas.microsoft.com/office/drawing/2010/main">
+                <a:solidFill>
+                  <a:srgbClr val="FFFFFF"/>
+                </a:solidFill>
+              </a14:hiddenFill>
+            </a:ext>
+          </a:extLst>
+        </p:spPr>
+      </p:pic>
+      <p:cxnSp>
+        <p:nvCxnSpPr>
+          <p:cNvPr id="157" name="직선 화살표 연결선 156">
+            <a:extLst>
+              <a:ext uri="{FF2B5EF4-FFF2-40B4-BE49-F238E27FC236}">
+                <a16:creationId xmlns:a16="http://schemas.microsoft.com/office/drawing/2014/main" id="{05C9C557-BB20-4E14-B75C-EE469224FF37}"/>
+              </a:ext>
+            </a:extLst>
+          </p:cNvPr>
+          <p:cNvCxnSpPr>
+            <a:cxnSpLocks/>
+            <a:stCxn id="70" idx="0"/>
+          </p:cNvCxnSpPr>
+          <p:nvPr/>
+        </p:nvCxnSpPr>
+        <p:spPr>
+          <a:xfrm flipV="1">
+            <a:off x="2383184" y="4834658"/>
+            <a:ext cx="0" cy="236935"/>
+          </a:xfrm>
+          <a:prstGeom prst="straightConnector1">
+            <a:avLst/>
+          </a:prstGeom>
+          <a:ln>
+            <a:solidFill>
+              <a:schemeClr val="tx1">
+                <a:lumMod val="65000"/>
+                <a:lumOff val="35000"/>
+              </a:schemeClr>
+            </a:solidFill>
+            <a:tailEnd type="triangle"/>
           </a:ln>
         </p:spPr>
         <p:style>
@@ -4756,28 +6046,35 @@
       </p:cxnSp>
       <p:cxnSp>
         <p:nvCxnSpPr>
-          <p:cNvPr id="95" name="꺾인 연결선 94"/>
+          <p:cNvPr id="161" name="직선 화살표 연결선 160">
+            <a:extLst>
+              <a:ext uri="{FF2B5EF4-FFF2-40B4-BE49-F238E27FC236}">
+                <a16:creationId xmlns:a16="http://schemas.microsoft.com/office/drawing/2014/main" id="{FF128146-3744-4406-A9A0-F1E86937B356}"/>
+              </a:ext>
+            </a:extLst>
+          </p:cNvPr>
           <p:cNvCxnSpPr>
-            <a:stCxn id="2055" idx="1"/>
-            <a:endCxn id="76" idx="3"/>
+            <a:cxnSpLocks/>
+            <a:endCxn id="2055" idx="3"/>
           </p:cNvCxnSpPr>
           <p:nvPr/>
         </p:nvCxnSpPr>
         <p:spPr>
-          <a:xfrm rot="10800000">
-            <a:off x="1054042" y="4766366"/>
-            <a:ext cx="853662" cy="645761"/>
-          </a:xfrm>
-          <a:prstGeom prst="bentConnector3">
-            <a:avLst>
-              <a:gd name="adj1" fmla="val 50000"/>
-            </a:avLst>
+          <a:xfrm flipH="1">
+            <a:off x="2794631" y="4114270"/>
+            <a:ext cx="543669" cy="0"/>
+          </a:xfrm>
+          <a:prstGeom prst="straightConnector1">
+            <a:avLst/>
           </a:prstGeom>
           <a:ln>
             <a:solidFill>
-              <a:srgbClr val="FF0000"/>
+              <a:schemeClr val="tx1">
+                <a:lumMod val="65000"/>
+                <a:lumOff val="35000"/>
+              </a:schemeClr>
             </a:solidFill>
-            <a:tailEnd type="arrow"/>
+            <a:tailEnd type="triangle"/>
           </a:ln>
         </p:spPr>
         <p:style>
@@ -4797,26 +6094,36 @@
       </p:cxnSp>
       <p:cxnSp>
         <p:nvCxnSpPr>
-          <p:cNvPr id="98" name="꺾인 연결선 97"/>
+          <p:cNvPr id="166" name="연결선: 꺾임 165">
+            <a:extLst>
+              <a:ext uri="{FF2B5EF4-FFF2-40B4-BE49-F238E27FC236}">
+                <a16:creationId xmlns:a16="http://schemas.microsoft.com/office/drawing/2014/main" id="{9FFDBA6E-2C18-4D59-B9A5-E3B64CAA6EA9}"/>
+              </a:ext>
+            </a:extLst>
+          </p:cNvPr>
           <p:cNvCxnSpPr>
-            <a:stCxn id="76" idx="2"/>
-            <a:endCxn id="2056" idx="1"/>
+            <a:cxnSpLocks/>
+            <a:stCxn id="2055" idx="1"/>
+            <a:endCxn id="76" idx="0"/>
           </p:cNvCxnSpPr>
           <p:nvPr/>
         </p:nvCxnSpPr>
         <p:spPr>
-          <a:xfrm rot="16200000" flipH="1">
-            <a:off x="883404" y="4937002"/>
-            <a:ext cx="793677" cy="1254923"/>
+          <a:xfrm rot="10800000" flipV="1">
+            <a:off x="656139" y="4114270"/>
+            <a:ext cx="1149239" cy="853102"/>
           </a:xfrm>
           <a:prstGeom prst="bentConnector2">
             <a:avLst/>
           </a:prstGeom>
           <a:ln>
             <a:solidFill>
-              <a:srgbClr val="0070C0"/>
+              <a:schemeClr val="tx1">
+                <a:lumMod val="65000"/>
+                <a:lumOff val="35000"/>
+              </a:schemeClr>
             </a:solidFill>
-            <a:tailEnd type="arrow"/>
+            <a:tailEnd type="triangle"/>
           </a:ln>
         </p:spPr>
         <p:style>
@@ -4836,27 +6143,37 @@
       </p:cxnSp>
       <p:cxnSp>
         <p:nvCxnSpPr>
-          <p:cNvPr id="106" name="Shape 105"/>
+          <p:cNvPr id="171" name="연결선: 꺾임 170">
+            <a:extLst>
+              <a:ext uri="{FF2B5EF4-FFF2-40B4-BE49-F238E27FC236}">
+                <a16:creationId xmlns:a16="http://schemas.microsoft.com/office/drawing/2014/main" id="{BDB75C3A-AF10-48E8-AA0B-483C936835D1}"/>
+              </a:ext>
+            </a:extLst>
+          </p:cNvPr>
           <p:cNvCxnSpPr>
-            <a:stCxn id="9" idx="3"/>
-            <a:endCxn id="2055" idx="3"/>
+            <a:cxnSpLocks/>
+            <a:endCxn id="1026" idx="1"/>
           </p:cNvCxnSpPr>
           <p:nvPr/>
         </p:nvCxnSpPr>
         <p:spPr>
-          <a:xfrm flipH="1">
-            <a:off x="3059832" y="3437275"/>
-            <a:ext cx="499120" cy="1974851"/>
+          <a:xfrm flipV="1">
+            <a:off x="850970" y="4611995"/>
+            <a:ext cx="1002574" cy="426602"/>
           </a:xfrm>
           <a:prstGeom prst="bentConnector3">
             <a:avLst>
-              <a:gd name="adj1" fmla="val -45801"/>
+              <a:gd name="adj1" fmla="val 50000"/>
             </a:avLst>
           </a:prstGeom>
           <a:ln>
             <a:solidFill>
-              <a:srgbClr val="FF0000"/>
+              <a:schemeClr val="tx1">
+                <a:lumMod val="65000"/>
+                <a:lumOff val="35000"/>
+              </a:schemeClr>
             </a:solidFill>
+            <a:tailEnd type="triangle"/>
           </a:ln>
         </p:spPr>
         <p:style>
@@ -4876,27 +6193,38 @@
       </p:cxnSp>
       <p:cxnSp>
         <p:nvCxnSpPr>
-          <p:cNvPr id="112" name="Shape 105"/>
+          <p:cNvPr id="178" name="연결선: 꺾임 177">
+            <a:extLst>
+              <a:ext uri="{FF2B5EF4-FFF2-40B4-BE49-F238E27FC236}">
+                <a16:creationId xmlns:a16="http://schemas.microsoft.com/office/drawing/2014/main" id="{F3222A08-1DD8-4DAF-ACEA-78A0D932ED05}"/>
+              </a:ext>
+            </a:extLst>
+          </p:cNvPr>
           <p:cNvCxnSpPr>
-            <a:stCxn id="8" idx="3"/>
-            <a:endCxn id="2055" idx="3"/>
+            <a:cxnSpLocks/>
+            <a:stCxn id="76" idx="2"/>
+            <a:endCxn id="2057" idx="2"/>
           </p:cNvCxnSpPr>
           <p:nvPr/>
         </p:nvCxnSpPr>
         <p:spPr>
-          <a:xfrm flipH="1">
-            <a:off x="3059832" y="2141131"/>
-            <a:ext cx="499120" cy="3270995"/>
+          <a:xfrm rot="5400000" flipH="1" flipV="1">
+            <a:off x="3285752" y="2326056"/>
+            <a:ext cx="489553" cy="5748783"/>
           </a:xfrm>
           <a:prstGeom prst="bentConnector3">
             <a:avLst>
-              <a:gd name="adj1" fmla="val -45801"/>
+              <a:gd name="adj1" fmla="val -46696"/>
             </a:avLst>
           </a:prstGeom>
           <a:ln>
             <a:solidFill>
-              <a:srgbClr val="FF0000"/>
+              <a:schemeClr val="tx1">
+                <a:lumMod val="65000"/>
+                <a:lumOff val="35000"/>
+              </a:schemeClr>
             </a:solidFill>
+            <a:tailEnd type="triangle"/>
           </a:ln>
         </p:spPr>
         <p:style>
@@ -4914,312 +6242,22 @@
           </a:fontRef>
         </p:style>
       </p:cxnSp>
-      <p:cxnSp>
-        <p:nvCxnSpPr>
-          <p:cNvPr id="115" name="Shape 105"/>
-          <p:cNvCxnSpPr>
-            <a:stCxn id="7" idx="3"/>
-            <a:endCxn id="2055" idx="3"/>
-          </p:cNvCxnSpPr>
-          <p:nvPr/>
-        </p:nvCxnSpPr>
-        <p:spPr>
-          <a:xfrm flipH="1">
-            <a:off x="3059832" y="798240"/>
-            <a:ext cx="499120" cy="4613886"/>
-          </a:xfrm>
-          <a:prstGeom prst="bentConnector3">
-            <a:avLst>
-              <a:gd name="adj1" fmla="val -45801"/>
-            </a:avLst>
-          </a:prstGeom>
-          <a:ln>
-            <a:solidFill>
-              <a:srgbClr val="FF0000"/>
-            </a:solidFill>
-          </a:ln>
-        </p:spPr>
-        <p:style>
-          <a:lnRef idx="1">
-            <a:schemeClr val="accent1"/>
-          </a:lnRef>
-          <a:fillRef idx="0">
-            <a:schemeClr val="accent1"/>
-          </a:fillRef>
-          <a:effectRef idx="0">
-            <a:schemeClr val="accent1"/>
-          </a:effectRef>
-          <a:fontRef idx="minor">
-            <a:schemeClr val="tx1"/>
-          </a:fontRef>
-        </p:style>
-      </p:cxnSp>
-      <p:sp>
-        <p:nvSpPr>
-          <p:cNvPr id="118" name="TextBox 117"/>
+      <p:sp>
+        <p:nvSpPr>
+          <p:cNvPr id="180" name="TextBox 179">
+            <a:extLst>
+              <a:ext uri="{FF2B5EF4-FFF2-40B4-BE49-F238E27FC236}">
+                <a16:creationId xmlns:a16="http://schemas.microsoft.com/office/drawing/2014/main" id="{C5CAED87-7890-4235-8DC1-810DE30E5F84}"/>
+              </a:ext>
+            </a:extLst>
+          </p:cNvPr>
           <p:cNvSpPr txBox="1"/>
           <p:nvPr/>
         </p:nvSpPr>
         <p:spPr>
           <a:xfrm>
-            <a:off x="253261" y="4077072"/>
-            <a:ext cx="646331" cy="276999"/>
-          </a:xfrm>
-          <a:prstGeom prst="rect">
-            <a:avLst/>
-          </a:prstGeom>
-          <a:noFill/>
-        </p:spPr>
-        <p:txBody>
-          <a:bodyPr wrap="none" rtlCol="0">
-            <a:spAutoFit/>
-          </a:bodyPr>
-          <a:lstStyle/>
-          <a:p>
-            <a:r>
-              <a:rPr lang="ko-KR" altLang="en-US" sz="1200" dirty="0" smtClean="0"/>
-              <a:t>개발자</a:t>
-            </a:r>
-            <a:endParaRPr lang="ko-KR" altLang="en-US" sz="1200" dirty="0"/>
-          </a:p>
-        </p:txBody>
-      </p:sp>
-      <p:cxnSp>
-        <p:nvCxnSpPr>
-          <p:cNvPr id="121" name="꺾인 연결선 97"/>
-          <p:cNvCxnSpPr>
-            <a:stCxn id="76" idx="2"/>
-            <a:endCxn id="2057" idx="2"/>
-          </p:cNvCxnSpPr>
-          <p:nvPr/>
-        </p:nvCxnSpPr>
-        <p:spPr>
-          <a:xfrm rot="16200000" flipH="1">
-            <a:off x="3402832" y="2417574"/>
-            <a:ext cx="471344" cy="5971447"/>
-          </a:xfrm>
-          <a:prstGeom prst="bentConnector3">
-            <a:avLst>
-              <a:gd name="adj1" fmla="val 235711"/>
-            </a:avLst>
-          </a:prstGeom>
-          <a:ln>
-            <a:solidFill>
-              <a:srgbClr val="0070C0"/>
-            </a:solidFill>
-            <a:tailEnd type="arrow"/>
-          </a:ln>
-        </p:spPr>
-        <p:style>
-          <a:lnRef idx="1">
-            <a:schemeClr val="accent1"/>
-          </a:lnRef>
-          <a:fillRef idx="0">
-            <a:schemeClr val="accent1"/>
-          </a:fillRef>
-          <a:effectRef idx="0">
-            <a:schemeClr val="accent1"/>
-          </a:effectRef>
-          <a:fontRef idx="minor">
-            <a:schemeClr val="tx1"/>
-          </a:fontRef>
-        </p:style>
-      </p:cxnSp>
-      <p:cxnSp>
-        <p:nvCxnSpPr>
-          <p:cNvPr id="136" name="꺾인 연결선 135"/>
-          <p:cNvCxnSpPr>
-            <a:stCxn id="9" idx="3"/>
-            <a:endCxn id="2056" idx="3"/>
-          </p:cNvCxnSpPr>
-          <p:nvPr/>
-        </p:nvCxnSpPr>
-        <p:spPr>
-          <a:xfrm flipH="1">
-            <a:off x="3131840" y="3437275"/>
-            <a:ext cx="427112" cy="2524028"/>
-          </a:xfrm>
-          <a:prstGeom prst="bentConnector3">
-            <a:avLst>
-              <a:gd name="adj1" fmla="val -53522"/>
-            </a:avLst>
-          </a:prstGeom>
-          <a:ln>
-            <a:solidFill>
-              <a:srgbClr val="FF0000"/>
-            </a:solidFill>
-            <a:tailEnd type="arrow"/>
-          </a:ln>
-        </p:spPr>
-        <p:style>
-          <a:lnRef idx="1">
-            <a:schemeClr val="accent1"/>
-          </a:lnRef>
-          <a:fillRef idx="0">
-            <a:schemeClr val="accent1"/>
-          </a:fillRef>
-          <a:effectRef idx="0">
-            <a:schemeClr val="accent1"/>
-          </a:effectRef>
-          <a:fontRef idx="minor">
-            <a:schemeClr val="tx1"/>
-          </a:fontRef>
-        </p:style>
-      </p:cxnSp>
-      <p:pic>
-        <p:nvPicPr>
-          <p:cNvPr id="149" name="그림 148" descr="Centos-logo.png"/>
-          <p:cNvPicPr>
-            <a:picLocks noChangeAspect="1"/>
-          </p:cNvPicPr>
-          <p:nvPr/>
-        </p:nvPicPr>
-        <p:blipFill>
-          <a:blip r:embed="rId15" cstate="print"/>
-          <a:stretch>
-            <a:fillRect/>
-          </a:stretch>
-        </p:blipFill>
-        <p:spPr>
-          <a:xfrm>
-            <a:off x="7956376" y="3305558"/>
-            <a:ext cx="792088" cy="339466"/>
-          </a:xfrm>
-          <a:prstGeom prst="rect">
-            <a:avLst/>
-          </a:prstGeom>
-        </p:spPr>
-      </p:pic>
-      <p:pic>
-        <p:nvPicPr>
-          <p:cNvPr id="150" name="그림 149" descr="Centos-logo.png"/>
-          <p:cNvPicPr>
-            <a:picLocks noChangeAspect="1"/>
-          </p:cNvPicPr>
-          <p:nvPr/>
-        </p:nvPicPr>
-        <p:blipFill>
-          <a:blip r:embed="rId15" cstate="print"/>
-          <a:stretch>
-            <a:fillRect/>
-          </a:stretch>
-        </p:blipFill>
-        <p:spPr>
-          <a:xfrm>
-            <a:off x="7956376" y="5609814"/>
-            <a:ext cx="792088" cy="339466"/>
-          </a:xfrm>
-          <a:prstGeom prst="rect">
-            <a:avLst/>
-          </a:prstGeom>
-        </p:spPr>
-      </p:pic>
-      <p:pic>
-        <p:nvPicPr>
-          <p:cNvPr id="2059" name="Picture 11"/>
-          <p:cNvPicPr>
-            <a:picLocks noChangeAspect="1" noChangeArrowheads="1"/>
-          </p:cNvPicPr>
-          <p:nvPr/>
-        </p:nvPicPr>
-        <p:blipFill>
-          <a:blip r:embed="rId16" cstate="print"/>
-          <a:srcRect/>
-          <a:stretch>
-            <a:fillRect/>
-          </a:stretch>
-        </p:blipFill>
-        <p:spPr bwMode="auto">
-          <a:xfrm>
-            <a:off x="2499010" y="188640"/>
-            <a:ext cx="920862" cy="197743"/>
-          </a:xfrm>
-          <a:prstGeom prst="rect">
-            <a:avLst/>
-          </a:prstGeom>
-          <a:noFill/>
-          <a:ln w="9525">
-            <a:noFill/>
-            <a:miter lim="800000"/>
-            <a:headEnd/>
-            <a:tailEnd/>
-          </a:ln>
-        </p:spPr>
-      </p:pic>
-      <p:pic>
-        <p:nvPicPr>
-          <p:cNvPr id="155" name="Picture 11"/>
-          <p:cNvPicPr>
-            <a:picLocks noChangeAspect="1" noChangeArrowheads="1"/>
-          </p:cNvPicPr>
-          <p:nvPr/>
-        </p:nvPicPr>
-        <p:blipFill>
-          <a:blip r:embed="rId16" cstate="print"/>
-          <a:srcRect/>
-          <a:stretch>
-            <a:fillRect/>
-          </a:stretch>
-        </p:blipFill>
-        <p:spPr bwMode="auto">
-          <a:xfrm>
-            <a:off x="2499010" y="1526595"/>
-            <a:ext cx="920862" cy="197743"/>
-          </a:xfrm>
-          <a:prstGeom prst="rect">
-            <a:avLst/>
-          </a:prstGeom>
-          <a:noFill/>
-          <a:ln w="9525">
-            <a:noFill/>
-            <a:miter lim="800000"/>
-            <a:headEnd/>
-            <a:tailEnd/>
-          </a:ln>
-        </p:spPr>
-      </p:pic>
-      <p:pic>
-        <p:nvPicPr>
-          <p:cNvPr id="156" name="Picture 11"/>
-          <p:cNvPicPr>
-            <a:picLocks noChangeAspect="1" noChangeArrowheads="1"/>
-          </p:cNvPicPr>
-          <p:nvPr/>
-        </p:nvPicPr>
-        <p:blipFill>
-          <a:blip r:embed="rId16" cstate="print"/>
-          <a:srcRect/>
-          <a:stretch>
-            <a:fillRect/>
-          </a:stretch>
-        </p:blipFill>
-        <p:spPr bwMode="auto">
-          <a:xfrm>
-            <a:off x="2499010" y="2871217"/>
-            <a:ext cx="920862" cy="197743"/>
-          </a:xfrm>
-          <a:prstGeom prst="rect">
-            <a:avLst/>
-          </a:prstGeom>
-          <a:noFill/>
-          <a:ln w="9525">
-            <a:noFill/>
-            <a:miter lim="800000"/>
-            <a:headEnd/>
-            <a:tailEnd/>
-          </a:ln>
-        </p:spPr>
-      </p:pic>
-      <p:sp>
-        <p:nvSpPr>
-          <p:cNvPr id="173" name="TextBox 172"/>
-          <p:cNvSpPr txBox="1"/>
-          <p:nvPr/>
-        </p:nvSpPr>
-        <p:spPr>
-          <a:xfrm>
-            <a:off x="971600" y="5373216"/>
-            <a:ext cx="1080120" cy="246221"/>
+            <a:off x="728705" y="3886729"/>
+            <a:ext cx="989254" cy="246221"/>
           </a:xfrm>
           <a:prstGeom prst="rect">
             <a:avLst/>
@@ -5233,31 +6271,29 @@
           <a:lstStyle/>
           <a:p>
             <a:r>
-              <a:rPr lang="ko-KR" altLang="en-US" sz="1000" dirty="0" smtClean="0">
-                <a:solidFill>
-                  <a:srgbClr val="FF0000"/>
-                </a:solidFill>
-              </a:rPr>
-              <a:t>오류 발생 알람</a:t>
-            </a:r>
-            <a:endParaRPr lang="ko-KR" altLang="en-US" sz="1000" dirty="0" smtClean="0">
-              <a:solidFill>
-                <a:srgbClr val="FF0000"/>
-              </a:solidFill>
-            </a:endParaRPr>
-          </a:p>
-        </p:txBody>
-      </p:sp>
-      <p:sp>
-        <p:nvSpPr>
-          <p:cNvPr id="174" name="TextBox 173"/>
+              <a:rPr lang="en-US" altLang="ko-KR" sz="1000"/>
+              <a:t>Notification</a:t>
+            </a:r>
+            <a:endParaRPr lang="ko-KR" altLang="en-US" sz="1000" dirty="0"/>
+          </a:p>
+        </p:txBody>
+      </p:sp>
+      <p:sp>
+        <p:nvSpPr>
+          <p:cNvPr id="181" name="TextBox 180">
+            <a:extLst>
+              <a:ext uri="{FF2B5EF4-FFF2-40B4-BE49-F238E27FC236}">
+                <a16:creationId xmlns:a16="http://schemas.microsoft.com/office/drawing/2014/main" id="{B6C898BC-816F-4B29-8C6C-FC9605D29A8B}"/>
+              </a:ext>
+            </a:extLst>
+          </p:cNvPr>
           <p:cNvSpPr txBox="1"/>
           <p:nvPr/>
         </p:nvSpPr>
         <p:spPr>
           <a:xfrm>
-            <a:off x="611560" y="6063099"/>
-            <a:ext cx="1368152" cy="246221"/>
+            <a:off x="755576" y="2367886"/>
+            <a:ext cx="1223378" cy="246221"/>
           </a:xfrm>
           <a:prstGeom prst="rect">
             <a:avLst/>
@@ -5271,436 +6307,13 @@
           <a:lstStyle/>
           <a:p>
             <a:r>
-              <a:rPr lang="ko-KR" altLang="en-US" sz="1000" dirty="0" smtClean="0">
-                <a:solidFill>
-                  <a:srgbClr val="0070C0"/>
-                </a:solidFill>
-              </a:rPr>
-              <a:t>로그 및 데이터 확인</a:t>
-            </a:r>
-            <a:endParaRPr lang="ko-KR" altLang="en-US" sz="1000" dirty="0" smtClean="0">
-              <a:solidFill>
-                <a:srgbClr val="0070C0"/>
-              </a:solidFill>
-            </a:endParaRPr>
-          </a:p>
-        </p:txBody>
-      </p:sp>
-      <p:sp>
-        <p:nvSpPr>
-          <p:cNvPr id="175" name="모서리가 둥근 직사각형 174"/>
-          <p:cNvSpPr/>
-          <p:nvPr/>
-        </p:nvSpPr>
-        <p:spPr>
-          <a:xfrm>
-            <a:off x="1907704" y="188640"/>
-            <a:ext cx="1656184" cy="3888432"/>
-          </a:xfrm>
-          <a:prstGeom prst="roundRect">
-            <a:avLst/>
-          </a:prstGeom>
-          <a:noFill/>
-          <a:ln w="12700">
-            <a:solidFill>
-              <a:schemeClr val="tx1"/>
-            </a:solidFill>
-            <a:prstDash val="sysDot"/>
-          </a:ln>
-        </p:spPr>
-        <p:style>
-          <a:lnRef idx="2">
-            <a:schemeClr val="accent1">
-              <a:shade val="50000"/>
-            </a:schemeClr>
-          </a:lnRef>
-          <a:fillRef idx="1">
-            <a:schemeClr val="accent1"/>
-          </a:fillRef>
-          <a:effectRef idx="0">
-            <a:schemeClr val="accent1"/>
-          </a:effectRef>
-          <a:fontRef idx="minor">
-            <a:schemeClr val="lt1"/>
-          </a:fontRef>
-        </p:style>
-        <p:txBody>
-          <a:bodyPr rtlCol="0" anchor="ctr"/>
-          <a:lstStyle/>
-          <a:p>
-            <a:pPr algn="ctr"/>
-            <a:endParaRPr lang="ko-KR" altLang="en-US" dirty="0"/>
-          </a:p>
-        </p:txBody>
-      </p:sp>
-      <p:sp>
-        <p:nvSpPr>
-          <p:cNvPr id="176" name="모서리가 둥근 직사각형 175"/>
-          <p:cNvSpPr/>
-          <p:nvPr/>
-        </p:nvSpPr>
-        <p:spPr>
-          <a:xfrm>
-            <a:off x="1907704" y="4365104"/>
-            <a:ext cx="1584176" cy="720080"/>
-          </a:xfrm>
-          <a:prstGeom prst="roundRect">
-            <a:avLst/>
-          </a:prstGeom>
-          <a:noFill/>
-          <a:ln w="12700">
-            <a:solidFill>
-              <a:schemeClr val="tx1"/>
-            </a:solidFill>
-            <a:prstDash val="sysDot"/>
-          </a:ln>
-        </p:spPr>
-        <p:style>
-          <a:lnRef idx="2">
-            <a:schemeClr val="accent1">
-              <a:shade val="50000"/>
-            </a:schemeClr>
-          </a:lnRef>
-          <a:fillRef idx="1">
-            <a:schemeClr val="accent1"/>
-          </a:fillRef>
-          <a:effectRef idx="0">
-            <a:schemeClr val="accent1"/>
-          </a:effectRef>
-          <a:fontRef idx="minor">
-            <a:schemeClr val="lt1"/>
-          </a:fontRef>
-        </p:style>
-        <p:txBody>
-          <a:bodyPr rtlCol="0" anchor="ctr"/>
-          <a:lstStyle/>
-          <a:p>
-            <a:pPr algn="ctr"/>
-            <a:endParaRPr lang="ko-KR" altLang="en-US" dirty="0"/>
-          </a:p>
-        </p:txBody>
-      </p:sp>
-      <p:pic>
-        <p:nvPicPr>
-          <p:cNvPr id="177" name="그림 176" descr="pngegg.png"/>
-          <p:cNvPicPr>
-            <a:picLocks noChangeAspect="1"/>
-          </p:cNvPicPr>
-          <p:nvPr/>
-        </p:nvPicPr>
-        <p:blipFill>
-          <a:blip r:embed="rId17" cstate="print"/>
-          <a:stretch>
-            <a:fillRect/>
-          </a:stretch>
-        </p:blipFill>
-        <p:spPr>
-          <a:xfrm>
-            <a:off x="1043608" y="1484784"/>
-            <a:ext cx="648072" cy="648072"/>
-          </a:xfrm>
-          <a:prstGeom prst="rect">
-            <a:avLst/>
-          </a:prstGeom>
-        </p:spPr>
-      </p:pic>
-      <p:cxnSp>
-        <p:nvCxnSpPr>
-          <p:cNvPr id="179" name="직선 연결선 178"/>
-          <p:cNvCxnSpPr>
-            <a:endCxn id="177" idx="1"/>
-          </p:cNvCxnSpPr>
-          <p:nvPr/>
-        </p:nvCxnSpPr>
-        <p:spPr>
-          <a:xfrm>
-            <a:off x="755576" y="1772816"/>
-            <a:ext cx="288032" cy="36004"/>
-          </a:xfrm>
-          <a:prstGeom prst="line">
-            <a:avLst/>
-          </a:prstGeom>
-        </p:spPr>
-        <p:style>
-          <a:lnRef idx="1">
-            <a:schemeClr val="accent1"/>
-          </a:lnRef>
-          <a:fillRef idx="0">
-            <a:schemeClr val="accent1"/>
-          </a:fillRef>
-          <a:effectRef idx="0">
-            <a:schemeClr val="accent1"/>
-          </a:effectRef>
-          <a:fontRef idx="minor">
-            <a:schemeClr val="tx1"/>
-          </a:fontRef>
-        </p:style>
-      </p:cxnSp>
-      <p:cxnSp>
-        <p:nvCxnSpPr>
-          <p:cNvPr id="187" name="직선 연결선 186"/>
-          <p:cNvCxnSpPr>
-            <a:stCxn id="177" idx="3"/>
-          </p:cNvCxnSpPr>
-          <p:nvPr/>
-        </p:nvCxnSpPr>
-        <p:spPr>
-          <a:xfrm flipV="1">
-            <a:off x="1691680" y="1772816"/>
-            <a:ext cx="216024" cy="36004"/>
-          </a:xfrm>
-          <a:prstGeom prst="line">
-            <a:avLst/>
-          </a:prstGeom>
-        </p:spPr>
-        <p:style>
-          <a:lnRef idx="1">
-            <a:schemeClr val="accent1"/>
-          </a:lnRef>
-          <a:fillRef idx="0">
-            <a:schemeClr val="accent1"/>
-          </a:fillRef>
-          <a:effectRef idx="0">
-            <a:schemeClr val="accent1"/>
-          </a:effectRef>
-          <a:fontRef idx="minor">
-            <a:schemeClr val="tx1"/>
-          </a:fontRef>
-        </p:style>
-      </p:cxnSp>
-      <p:sp>
-        <p:nvSpPr>
-          <p:cNvPr id="188" name="모서리가 둥근 직사각형 187"/>
-          <p:cNvSpPr/>
-          <p:nvPr/>
-        </p:nvSpPr>
-        <p:spPr>
-          <a:xfrm>
-            <a:off x="5364088" y="692696"/>
-            <a:ext cx="3384376" cy="2952328"/>
-          </a:xfrm>
-          <a:prstGeom prst="roundRect">
-            <a:avLst/>
-          </a:prstGeom>
-          <a:noFill/>
-          <a:ln w="12700">
-            <a:solidFill>
-              <a:schemeClr val="tx1"/>
-            </a:solidFill>
-            <a:prstDash val="sysDot"/>
-          </a:ln>
-        </p:spPr>
-        <p:style>
-          <a:lnRef idx="2">
-            <a:schemeClr val="accent1">
-              <a:shade val="50000"/>
-            </a:schemeClr>
-          </a:lnRef>
-          <a:fillRef idx="1">
-            <a:schemeClr val="accent1"/>
-          </a:fillRef>
-          <a:effectRef idx="0">
-            <a:schemeClr val="accent1"/>
-          </a:effectRef>
-          <a:fontRef idx="minor">
-            <a:schemeClr val="lt1"/>
-          </a:fontRef>
-        </p:style>
-        <p:txBody>
-          <a:bodyPr rtlCol="0" anchor="ctr"/>
-          <a:lstStyle/>
-          <a:p>
-            <a:pPr algn="ctr"/>
-            <a:endParaRPr lang="ko-KR" altLang="en-US" dirty="0"/>
-          </a:p>
-        </p:txBody>
-      </p:sp>
-      <p:sp>
-        <p:nvSpPr>
-          <p:cNvPr id="189" name="모서리가 둥근 직사각형 188"/>
-          <p:cNvSpPr/>
-          <p:nvPr/>
-        </p:nvSpPr>
-        <p:spPr>
-          <a:xfrm>
-            <a:off x="5364088" y="4221088"/>
-            <a:ext cx="3384376" cy="1728192"/>
-          </a:xfrm>
-          <a:prstGeom prst="roundRect">
-            <a:avLst/>
-          </a:prstGeom>
-          <a:noFill/>
-          <a:ln w="12700">
-            <a:solidFill>
-              <a:schemeClr val="tx1"/>
-            </a:solidFill>
-            <a:prstDash val="sysDot"/>
-          </a:ln>
-        </p:spPr>
-        <p:style>
-          <a:lnRef idx="2">
-            <a:schemeClr val="accent1">
-              <a:shade val="50000"/>
-            </a:schemeClr>
-          </a:lnRef>
-          <a:fillRef idx="1">
-            <a:schemeClr val="accent1"/>
-          </a:fillRef>
-          <a:effectRef idx="0">
-            <a:schemeClr val="accent1"/>
-          </a:effectRef>
-          <a:fontRef idx="minor">
-            <a:schemeClr val="lt1"/>
-          </a:fontRef>
-        </p:style>
-        <p:txBody>
-          <a:bodyPr rtlCol="0" anchor="ctr"/>
-          <a:lstStyle/>
-          <a:p>
-            <a:pPr algn="ctr"/>
-            <a:endParaRPr lang="ko-KR" altLang="en-US" dirty="0"/>
-          </a:p>
-        </p:txBody>
-      </p:sp>
-      <p:cxnSp>
-        <p:nvCxnSpPr>
-          <p:cNvPr id="194" name="직선 화살표 연결선 193"/>
-          <p:cNvCxnSpPr/>
-          <p:nvPr/>
-        </p:nvCxnSpPr>
-        <p:spPr>
-          <a:xfrm flipH="1" flipV="1">
-            <a:off x="3563888" y="908720"/>
-            <a:ext cx="1584176" cy="1440160"/>
-          </a:xfrm>
-          <a:prstGeom prst="straightConnector1">
-            <a:avLst/>
-          </a:prstGeom>
-          <a:ln>
-            <a:solidFill>
-              <a:schemeClr val="accent3">
-                <a:lumMod val="50000"/>
-              </a:schemeClr>
-            </a:solidFill>
-            <a:tailEnd type="arrow"/>
-          </a:ln>
-        </p:spPr>
-        <p:style>
-          <a:lnRef idx="1">
-            <a:schemeClr val="accent1"/>
-          </a:lnRef>
-          <a:fillRef idx="0">
-            <a:schemeClr val="accent1"/>
-          </a:fillRef>
-          <a:effectRef idx="0">
-            <a:schemeClr val="accent1"/>
-          </a:effectRef>
-          <a:fontRef idx="minor">
-            <a:schemeClr val="tx1"/>
-          </a:fontRef>
-        </p:style>
-      </p:cxnSp>
-      <p:cxnSp>
-        <p:nvCxnSpPr>
-          <p:cNvPr id="196" name="직선 화살표 연결선 195"/>
-          <p:cNvCxnSpPr/>
-          <p:nvPr/>
-        </p:nvCxnSpPr>
-        <p:spPr>
-          <a:xfrm flipH="1">
-            <a:off x="3563888" y="2348880"/>
-            <a:ext cx="1584176" cy="1008112"/>
-          </a:xfrm>
-          <a:prstGeom prst="straightConnector1">
-            <a:avLst/>
-          </a:prstGeom>
-          <a:ln>
-            <a:solidFill>
-              <a:schemeClr val="accent3">
-                <a:lumMod val="50000"/>
-              </a:schemeClr>
-            </a:solidFill>
-            <a:tailEnd type="arrow"/>
-          </a:ln>
-        </p:spPr>
-        <p:style>
-          <a:lnRef idx="1">
-            <a:schemeClr val="accent1"/>
-          </a:lnRef>
-          <a:fillRef idx="0">
-            <a:schemeClr val="accent1"/>
-          </a:fillRef>
-          <a:effectRef idx="0">
-            <a:schemeClr val="accent1"/>
-          </a:effectRef>
-          <a:fontRef idx="minor">
-            <a:schemeClr val="tx1"/>
-          </a:fontRef>
-        </p:style>
-      </p:cxnSp>
-      <p:pic>
-        <p:nvPicPr>
-          <p:cNvPr id="203" name="그림 202" descr="pngegg.png"/>
-          <p:cNvPicPr>
-            <a:picLocks noChangeAspect="1"/>
-          </p:cNvPicPr>
-          <p:nvPr/>
-        </p:nvPicPr>
-        <p:blipFill>
-          <a:blip r:embed="rId17" cstate="print"/>
-          <a:stretch>
-            <a:fillRect/>
-          </a:stretch>
-        </p:blipFill>
-        <p:spPr>
-          <a:xfrm>
-            <a:off x="35496" y="5445224"/>
-            <a:ext cx="648072" cy="648072"/>
-          </a:xfrm>
-          <a:prstGeom prst="rect">
-            <a:avLst/>
-          </a:prstGeom>
-        </p:spPr>
-      </p:pic>
-      <p:cxnSp>
-        <p:nvCxnSpPr>
-          <p:cNvPr id="210" name="Shape 34"/>
-          <p:cNvCxnSpPr>
-            <a:stCxn id="2054" idx="1"/>
-            <a:endCxn id="188" idx="2"/>
-          </p:cNvCxnSpPr>
-          <p:nvPr/>
-        </p:nvCxnSpPr>
-        <p:spPr>
-          <a:xfrm rot="10800000" flipH="1">
-            <a:off x="5940152" y="3645025"/>
-            <a:ext cx="1116124" cy="871545"/>
-          </a:xfrm>
-          <a:prstGeom prst="bentConnector4">
-            <a:avLst>
-              <a:gd name="adj1" fmla="val -20482"/>
-              <a:gd name="adj2" fmla="val 62821"/>
-            </a:avLst>
-          </a:prstGeom>
-          <a:ln>
-            <a:tailEnd type="arrow"/>
-          </a:ln>
-        </p:spPr>
-        <p:style>
-          <a:lnRef idx="1">
-            <a:schemeClr val="accent1"/>
-          </a:lnRef>
-          <a:fillRef idx="0">
-            <a:schemeClr val="accent1"/>
-          </a:fillRef>
-          <a:effectRef idx="0">
-            <a:schemeClr val="accent1"/>
-          </a:effectRef>
-          <a:fontRef idx="minor">
-            <a:schemeClr val="tx1"/>
-          </a:fontRef>
-        </p:style>
-      </p:cxnSp>
+              <a:rPr lang="en-US" altLang="ko-KR" sz="1000"/>
+              <a:t>Proxy Web Server</a:t>
+            </a:r>
+            <a:endParaRPr lang="ko-KR" altLang="en-US" sz="1000" dirty="0"/>
+          </a:p>
+        </p:txBody>
+      </p:sp>
     </p:spTree>
   </p:cSld>
   <p:clrMapOvr>
@@ -5830,26 +6443,13 @@
           <a:p>
             <a:pPr algn="ctr"/>
             <a:r>
-              <a:rPr lang="ko-KR" altLang="en-US" sz="1000" dirty="0" smtClean="0">
+              <a:rPr lang="ko-KR" altLang="en-US" sz="1000" dirty="0">
                 <a:solidFill>
                   <a:srgbClr val="0070C0"/>
                 </a:solidFill>
               </a:rPr>
-              <a:t>회원 등</a:t>
-            </a:r>
-            <a:r>
-              <a:rPr lang="ko-KR" altLang="en-US" sz="1000" dirty="0" smtClean="0">
-                <a:solidFill>
-                  <a:srgbClr val="0070C0"/>
-                </a:solidFill>
-              </a:rPr>
-              <a:t>록</a:t>
-            </a:r>
-            <a:endParaRPr lang="ko-KR" altLang="en-US" sz="1000" dirty="0">
-              <a:solidFill>
-                <a:srgbClr val="0070C0"/>
-              </a:solidFill>
-            </a:endParaRPr>
+              <a:t>회원 등록</a:t>
+            </a:r>
           </a:p>
         </p:txBody>
       </p:sp>
@@ -5876,10 +6476,9 @@
           <a:lstStyle/>
           <a:p>
             <a:r>
-              <a:rPr lang="ko-KR" altLang="en-US" sz="1200" dirty="0" smtClean="0"/>
+              <a:rPr lang="ko-KR" altLang="en-US" sz="1200" dirty="0"/>
               <a:t>멤버십 백오피스</a:t>
             </a:r>
-            <a:endParaRPr lang="ko-KR" altLang="en-US" sz="1200" dirty="0"/>
           </a:p>
         </p:txBody>
       </p:sp>
@@ -5929,7 +6528,7 @@
           <a:p>
             <a:pPr algn="ctr"/>
             <a:r>
-              <a:rPr lang="ko-KR" altLang="en-US" sz="1000" dirty="0" smtClean="0">
+              <a:rPr lang="ko-KR" altLang="en-US" sz="1000" dirty="0">
                 <a:solidFill>
                   <a:srgbClr val="0070C0"/>
                 </a:solidFill>
@@ -5937,7 +6536,7 @@
               <a:t>멤버십 </a:t>
             </a:r>
             <a:r>
-              <a:rPr lang="en-US" altLang="ko-KR" sz="1000" dirty="0" smtClean="0">
+              <a:rPr lang="en-US" altLang="ko-KR" sz="1000" dirty="0">
                 <a:solidFill>
                   <a:srgbClr val="0070C0"/>
                 </a:solidFill>
@@ -5945,18 +6544,13 @@
               <a:t>DB </a:t>
             </a:r>
             <a:r>
-              <a:rPr lang="ko-KR" altLang="en-US" sz="1000" dirty="0" smtClean="0">
+              <a:rPr lang="ko-KR" altLang="en-US" sz="1000" dirty="0">
                 <a:solidFill>
                   <a:srgbClr val="0070C0"/>
                 </a:solidFill>
               </a:rPr>
               <a:t>등록</a:t>
             </a:r>
-            <a:endParaRPr lang="ko-KR" altLang="en-US" sz="1000" dirty="0">
-              <a:solidFill>
-                <a:srgbClr val="0070C0"/>
-              </a:solidFill>
-            </a:endParaRPr>
           </a:p>
         </p:txBody>
       </p:sp>
@@ -6039,14 +6633,14 @@
           <a:p>
             <a:pPr algn="ctr"/>
             <a:r>
-              <a:rPr lang="ko-KR" altLang="en-US" sz="1000" dirty="0" smtClean="0">
+              <a:rPr lang="ko-KR" altLang="en-US" sz="1000" dirty="0">
                 <a:solidFill>
                   <a:srgbClr val="0070C0"/>
                 </a:solidFill>
               </a:rPr>
               <a:t>회원 정보 조회 프로시저</a:t>
             </a:r>
-            <a:endParaRPr lang="en-US" altLang="ko-KR" sz="1000" dirty="0" smtClean="0">
+            <a:endParaRPr lang="en-US" altLang="ko-KR" sz="1000" dirty="0">
               <a:solidFill>
                 <a:srgbClr val="0070C0"/>
               </a:solidFill>
@@ -6055,7 +6649,7 @@
           <a:p>
             <a:pPr algn="ctr"/>
             <a:r>
-              <a:rPr lang="en-US" altLang="ko-KR" sz="1000" dirty="0" smtClean="0">
+              <a:rPr lang="en-US" altLang="ko-KR" sz="1000" dirty="0">
                 <a:solidFill>
                   <a:srgbClr val="0070C0"/>
                 </a:solidFill>
@@ -6129,26 +6723,25 @@
           <a:lstStyle/>
           <a:p>
             <a:r>
-              <a:rPr lang="ko-KR" altLang="en-US" sz="1000" dirty="0" smtClean="0"/>
+              <a:rPr lang="ko-KR" altLang="en-US" sz="1000" dirty="0"/>
               <a:t>회원 이름</a:t>
             </a:r>
             <a:r>
-              <a:rPr lang="en-US" altLang="ko-KR" sz="1000" dirty="0" smtClean="0"/>
+              <a:rPr lang="en-US" altLang="ko-KR" sz="1000" dirty="0"/>
               <a:t>, </a:t>
             </a:r>
             <a:r>
-              <a:rPr lang="ko-KR" altLang="en-US" sz="1000" dirty="0" smtClean="0"/>
+              <a:rPr lang="ko-KR" altLang="en-US" sz="1000" dirty="0"/>
               <a:t>휴대폰번호</a:t>
             </a:r>
             <a:r>
-              <a:rPr lang="en-US" altLang="ko-KR" sz="1000" dirty="0" smtClean="0"/>
+              <a:rPr lang="en-US" altLang="ko-KR" sz="1000" dirty="0"/>
               <a:t>, </a:t>
             </a:r>
             <a:r>
-              <a:rPr lang="ko-KR" altLang="en-US" sz="1000" dirty="0" smtClean="0"/>
+              <a:rPr lang="ko-KR" altLang="en-US" sz="1000" dirty="0"/>
               <a:t>이메일</a:t>
             </a:r>
-            <a:endParaRPr lang="ko-KR" altLang="en-US" sz="1000" dirty="0"/>
           </a:p>
         </p:txBody>
       </p:sp>
@@ -6211,10 +6804,9 @@
           <a:lstStyle/>
           <a:p>
             <a:r>
-              <a:rPr lang="ko-KR" altLang="en-US" sz="1000" dirty="0" smtClean="0"/>
+              <a:rPr lang="ko-KR" altLang="en-US" sz="1000" dirty="0"/>
               <a:t>고객번호 및 조회결과</a:t>
             </a:r>
-            <a:endParaRPr lang="ko-KR" altLang="en-US" sz="1000" dirty="0"/>
           </a:p>
         </p:txBody>
       </p:sp>
@@ -6326,14 +6918,14 @@
           <a:p>
             <a:pPr algn="ctr"/>
             <a:r>
-              <a:rPr lang="ko-KR" altLang="en-US" sz="1000" dirty="0" smtClean="0">
+              <a:rPr lang="ko-KR" altLang="en-US" sz="1000" dirty="0">
                 <a:solidFill>
                   <a:srgbClr val="0070C0"/>
                 </a:solidFill>
               </a:rPr>
               <a:t>회원 등록 프로시저</a:t>
             </a:r>
-            <a:endParaRPr lang="en-US" altLang="ko-KR" sz="1000" dirty="0" smtClean="0">
+            <a:endParaRPr lang="en-US" altLang="ko-KR" sz="1000" dirty="0">
               <a:solidFill>
                 <a:srgbClr val="0070C0"/>
               </a:solidFill>
@@ -6342,7 +6934,7 @@
           <a:p>
             <a:pPr algn="ctr"/>
             <a:r>
-              <a:rPr lang="en-US" altLang="ko-KR" sz="1000" dirty="0" smtClean="0">
+              <a:rPr lang="en-US" altLang="ko-KR" sz="1000" dirty="0">
                 <a:solidFill>
                   <a:srgbClr val="0070C0"/>
                 </a:solidFill>
@@ -6484,10 +7076,9 @@
           <a:lstStyle/>
           <a:p>
             <a:r>
-              <a:rPr lang="ko-KR" altLang="en-US" sz="1000" dirty="0" smtClean="0"/>
+              <a:rPr lang="ko-KR" altLang="en-US" sz="1000" dirty="0"/>
               <a:t>고객번호 및 회원정보</a:t>
             </a:r>
-            <a:endParaRPr lang="ko-KR" altLang="en-US" sz="1000" dirty="0"/>
           </a:p>
         </p:txBody>
       </p:sp>
@@ -6514,10 +7105,9 @@
           <a:lstStyle/>
           <a:p>
             <a:r>
-              <a:rPr lang="ko-KR" altLang="en-US" sz="1000" dirty="0" smtClean="0"/>
+              <a:rPr lang="ko-KR" altLang="en-US" sz="1000" dirty="0"/>
               <a:t>처리 결과</a:t>
             </a:r>
-            <a:endParaRPr lang="ko-KR" altLang="en-US" sz="1000" dirty="0"/>
           </a:p>
         </p:txBody>
       </p:sp>
@@ -6544,7 +7134,7 @@
           <a:lstStyle/>
           <a:p>
             <a:r>
-              <a:rPr lang="en-US" altLang="ko-KR" sz="1000" dirty="0" smtClean="0"/>
+              <a:rPr lang="en-US" altLang="ko-KR" sz="1000" dirty="0"/>
               <a:t>yes</a:t>
             </a:r>
             <a:endParaRPr lang="ko-KR" altLang="en-US" sz="1000" dirty="0"/>
@@ -6574,7 +7164,7 @@
           <a:lstStyle/>
           <a:p>
             <a:r>
-              <a:rPr lang="en-US" altLang="ko-KR" sz="1000" dirty="0" smtClean="0"/>
+              <a:rPr lang="en-US" altLang="ko-KR" sz="1000" dirty="0"/>
               <a:t>no</a:t>
             </a:r>
             <a:endParaRPr lang="ko-KR" altLang="en-US" sz="1000" dirty="0"/>
@@ -6673,7 +7263,7 @@
           <a:p>
             <a:pPr algn="ctr"/>
             <a:r>
-              <a:rPr lang="ko-KR" altLang="en-US" sz="1000" dirty="0" smtClean="0">
+              <a:rPr lang="ko-KR" altLang="en-US" sz="1000" dirty="0">
                 <a:solidFill>
                   <a:srgbClr val="0070C0"/>
                 </a:solidFill>
@@ -6681,7 +7271,7 @@
               <a:t>처리결과가 정상인가</a:t>
             </a:r>
             <a:r>
-              <a:rPr lang="en-US" altLang="ko-KR" sz="1000" dirty="0" smtClean="0">
+              <a:rPr lang="en-US" altLang="ko-KR" sz="1000" dirty="0">
                 <a:solidFill>
                   <a:srgbClr val="0070C0"/>
                 </a:solidFill>
@@ -6744,7 +7334,7 @@
           <a:p>
             <a:pPr algn="ctr"/>
             <a:r>
-              <a:rPr lang="ko-KR" altLang="en-US" sz="1000" dirty="0" smtClean="0">
+              <a:rPr lang="ko-KR" altLang="en-US" sz="1000" dirty="0">
                 <a:solidFill>
                   <a:srgbClr val="0070C0"/>
                 </a:solidFill>
@@ -6752,7 +7342,7 @@
               <a:t>신규회원</a:t>
             </a:r>
             <a:r>
-              <a:rPr lang="en-US" altLang="ko-KR" sz="1000" dirty="0" smtClean="0">
+              <a:rPr lang="en-US" altLang="ko-KR" sz="1000" dirty="0">
                 <a:solidFill>
                   <a:srgbClr val="0070C0"/>
                 </a:solidFill>
@@ -6790,7 +7380,7 @@
           <a:lstStyle/>
           <a:p>
             <a:r>
-              <a:rPr lang="en-US" altLang="ko-KR" sz="1000" dirty="0" smtClean="0"/>
+              <a:rPr lang="en-US" altLang="ko-KR" sz="1000" dirty="0"/>
               <a:t>yes</a:t>
             </a:r>
             <a:endParaRPr lang="ko-KR" altLang="en-US" sz="1000" dirty="0"/>
@@ -6887,7 +7477,7 @@
           <a:p>
             <a:pPr algn="ctr"/>
             <a:r>
-              <a:rPr lang="en-US" altLang="ko-KR" sz="1000" dirty="0" smtClean="0">
+              <a:rPr lang="en-US" altLang="ko-KR" sz="1000" dirty="0">
                 <a:solidFill>
                   <a:schemeClr val="tx1"/>
                 </a:solidFill>
@@ -7063,18 +7653,13 @@
           <a:p>
             <a:pPr algn="ctr"/>
             <a:r>
-              <a:rPr lang="ko-KR" altLang="en-US" sz="1000" dirty="0" smtClean="0">
+              <a:rPr lang="ko-KR" altLang="en-US" sz="1000" dirty="0">
                 <a:solidFill>
                   <a:srgbClr val="0070C0"/>
                 </a:solidFill>
               </a:rPr>
               <a:t>회원 수정</a:t>
             </a:r>
-            <a:endParaRPr lang="ko-KR" altLang="en-US" sz="1000" dirty="0">
-              <a:solidFill>
-                <a:srgbClr val="0070C0"/>
-              </a:solidFill>
-            </a:endParaRPr>
           </a:p>
         </p:txBody>
       </p:sp>
@@ -7101,10 +7686,9 @@
           <a:lstStyle/>
           <a:p>
             <a:r>
-              <a:rPr lang="ko-KR" altLang="en-US" sz="1200" dirty="0" smtClean="0"/>
+              <a:rPr lang="ko-KR" altLang="en-US" sz="1200" dirty="0"/>
               <a:t>멤버십 백오피스</a:t>
             </a:r>
-            <a:endParaRPr lang="ko-KR" altLang="en-US" sz="1200" dirty="0"/>
           </a:p>
         </p:txBody>
       </p:sp>
@@ -7154,7 +7738,7 @@
           <a:p>
             <a:pPr algn="ctr"/>
             <a:r>
-              <a:rPr lang="ko-KR" altLang="en-US" sz="1000" dirty="0" smtClean="0">
+              <a:rPr lang="ko-KR" altLang="en-US" sz="1000" dirty="0">
                 <a:solidFill>
                   <a:srgbClr val="0070C0"/>
                 </a:solidFill>
@@ -7162,7 +7746,7 @@
               <a:t>멤버십 </a:t>
             </a:r>
             <a:r>
-              <a:rPr lang="en-US" altLang="ko-KR" sz="1000" dirty="0" smtClean="0">
+              <a:rPr lang="en-US" altLang="ko-KR" sz="1000" dirty="0">
                 <a:solidFill>
                   <a:srgbClr val="0070C0"/>
                 </a:solidFill>
@@ -7170,18 +7754,13 @@
               <a:t>DB </a:t>
             </a:r>
             <a:r>
-              <a:rPr lang="ko-KR" altLang="en-US" sz="1000" dirty="0" smtClean="0">
+              <a:rPr lang="ko-KR" altLang="en-US" sz="1000" dirty="0">
                 <a:solidFill>
                   <a:srgbClr val="0070C0"/>
                 </a:solidFill>
               </a:rPr>
               <a:t>수정</a:t>
             </a:r>
-            <a:endParaRPr lang="ko-KR" altLang="en-US" sz="1000" dirty="0">
-              <a:solidFill>
-                <a:srgbClr val="0070C0"/>
-              </a:solidFill>
-            </a:endParaRPr>
           </a:p>
         </p:txBody>
       </p:sp>
@@ -7294,14 +7873,14 @@
           <a:p>
             <a:pPr algn="ctr"/>
             <a:r>
-              <a:rPr lang="ko-KR" altLang="en-US" sz="1000" dirty="0" smtClean="0">
+              <a:rPr lang="ko-KR" altLang="en-US" sz="1000" dirty="0">
                 <a:solidFill>
                   <a:srgbClr val="0070C0"/>
                 </a:solidFill>
               </a:rPr>
               <a:t>회원 수정 프로시저</a:t>
             </a:r>
-            <a:endParaRPr lang="en-US" altLang="ko-KR" sz="1000" dirty="0" smtClean="0">
+            <a:endParaRPr lang="en-US" altLang="ko-KR" sz="1000" dirty="0">
               <a:solidFill>
                 <a:srgbClr val="0070C0"/>
               </a:solidFill>
@@ -7310,7 +7889,7 @@
           <a:p>
             <a:pPr algn="ctr"/>
             <a:r>
-              <a:rPr lang="en-US" altLang="ko-KR" sz="1000" dirty="0" smtClean="0">
+              <a:rPr lang="en-US" altLang="ko-KR" sz="1000" dirty="0">
                 <a:solidFill>
                   <a:srgbClr val="0070C0"/>
                 </a:solidFill>
@@ -7452,10 +8031,9 @@
           <a:lstStyle/>
           <a:p>
             <a:r>
-              <a:rPr lang="ko-KR" altLang="en-US" sz="1000" dirty="0" smtClean="0"/>
+              <a:rPr lang="ko-KR" altLang="en-US" sz="1000" dirty="0"/>
               <a:t>고객번호 및 회원정보</a:t>
             </a:r>
-            <a:endParaRPr lang="ko-KR" altLang="en-US" sz="1000" dirty="0"/>
           </a:p>
         </p:txBody>
       </p:sp>
@@ -7482,10 +8060,9 @@
           <a:lstStyle/>
           <a:p>
             <a:r>
-              <a:rPr lang="ko-KR" altLang="en-US" sz="1000" dirty="0" smtClean="0"/>
+              <a:rPr lang="ko-KR" altLang="en-US" sz="1000" dirty="0"/>
               <a:t>처리 결과</a:t>
             </a:r>
-            <a:endParaRPr lang="ko-KR" altLang="en-US" sz="1000" dirty="0"/>
           </a:p>
         </p:txBody>
       </p:sp>
@@ -7512,7 +8089,7 @@
           <a:lstStyle/>
           <a:p>
             <a:r>
-              <a:rPr lang="en-US" altLang="ko-KR" sz="1000" dirty="0" smtClean="0"/>
+              <a:rPr lang="en-US" altLang="ko-KR" sz="1000" dirty="0"/>
               <a:t>no</a:t>
             </a:r>
             <a:endParaRPr lang="ko-KR" altLang="en-US" sz="1000" dirty="0"/>
@@ -7567,7 +8144,7 @@
           <a:p>
             <a:pPr algn="ctr"/>
             <a:r>
-              <a:rPr lang="ko-KR" altLang="en-US" sz="1000" dirty="0" smtClean="0">
+              <a:rPr lang="ko-KR" altLang="en-US" sz="1000" dirty="0">
                 <a:solidFill>
                   <a:srgbClr val="0070C0"/>
                 </a:solidFill>
@@ -7575,7 +8152,7 @@
               <a:t>처리결과가 정상인가</a:t>
             </a:r>
             <a:r>
-              <a:rPr lang="en-US" altLang="ko-KR" sz="1000" dirty="0" smtClean="0">
+              <a:rPr lang="en-US" altLang="ko-KR" sz="1000" dirty="0">
                 <a:solidFill>
                   <a:srgbClr val="0070C0"/>
                 </a:solidFill>
@@ -7613,7 +8190,7 @@
           <a:lstStyle/>
           <a:p>
             <a:r>
-              <a:rPr lang="en-US" altLang="ko-KR" sz="1000" dirty="0" smtClean="0"/>
+              <a:rPr lang="en-US" altLang="ko-KR" sz="1000" dirty="0"/>
               <a:t>yes</a:t>
             </a:r>
             <a:endParaRPr lang="ko-KR" altLang="en-US" sz="1000" dirty="0"/>
@@ -7710,7 +8287,7 @@
           <a:p>
             <a:pPr algn="ctr"/>
             <a:r>
-              <a:rPr lang="en-US" altLang="ko-KR" sz="1000" dirty="0" smtClean="0">
+              <a:rPr lang="en-US" altLang="ko-KR" sz="1000" dirty="0">
                 <a:solidFill>
                   <a:schemeClr val="tx1"/>
                 </a:solidFill>
@@ -7886,14 +8463,14 @@
           <a:p>
             <a:pPr algn="ctr"/>
             <a:r>
-              <a:rPr lang="ko-KR" altLang="en-US" sz="1000" dirty="0" smtClean="0">
+              <a:rPr lang="ko-KR" altLang="en-US" sz="1000" dirty="0">
                 <a:solidFill>
                   <a:srgbClr val="0070C0"/>
                 </a:solidFill>
               </a:rPr>
               <a:t>회원 </a:t>
             </a:r>
-            <a:endParaRPr lang="en-US" altLang="ko-KR" sz="1000" dirty="0" smtClean="0">
+            <a:endParaRPr lang="en-US" altLang="ko-KR" sz="1000" dirty="0">
               <a:solidFill>
                 <a:srgbClr val="0070C0"/>
               </a:solidFill>
@@ -7902,7 +8479,7 @@
           <a:p>
             <a:pPr algn="ctr"/>
             <a:r>
-              <a:rPr lang="ko-KR" altLang="en-US" sz="1000" dirty="0" smtClean="0">
+              <a:rPr lang="ko-KR" altLang="en-US" sz="1000" dirty="0">
                 <a:solidFill>
                   <a:srgbClr val="0070C0"/>
                 </a:solidFill>
@@ -7910,7 +8487,7 @@
               <a:t>휴면</a:t>
             </a:r>
             <a:r>
-              <a:rPr lang="en-US" altLang="ko-KR" sz="1000" dirty="0" smtClean="0">
+              <a:rPr lang="en-US" altLang="ko-KR" sz="1000" dirty="0">
                 <a:solidFill>
                   <a:srgbClr val="0070C0"/>
                 </a:solidFill>
@@ -7918,7 +8495,7 @@
               <a:t>/</a:t>
             </a:r>
             <a:r>
-              <a:rPr lang="ko-KR" altLang="en-US" sz="1000" dirty="0" smtClean="0">
+              <a:rPr lang="ko-KR" altLang="en-US" sz="1000" dirty="0">
                 <a:solidFill>
                   <a:srgbClr val="0070C0"/>
                 </a:solidFill>
@@ -7926,7 +8503,7 @@
               <a:t>복귀</a:t>
             </a:r>
             <a:r>
-              <a:rPr lang="en-US" altLang="ko-KR" sz="1000" dirty="0" smtClean="0">
+              <a:rPr lang="en-US" altLang="ko-KR" sz="1000" dirty="0">
                 <a:solidFill>
                   <a:srgbClr val="0070C0"/>
                 </a:solidFill>
@@ -7934,18 +8511,13 @@
               <a:t>/</a:t>
             </a:r>
             <a:r>
-              <a:rPr lang="ko-KR" altLang="en-US" sz="1000" dirty="0" smtClean="0">
+              <a:rPr lang="ko-KR" altLang="en-US" sz="1000" dirty="0">
                 <a:solidFill>
                   <a:srgbClr val="0070C0"/>
                 </a:solidFill>
               </a:rPr>
               <a:t>탈퇴</a:t>
             </a:r>
-            <a:endParaRPr lang="ko-KR" altLang="en-US" sz="1000" dirty="0">
-              <a:solidFill>
-                <a:srgbClr val="0070C0"/>
-              </a:solidFill>
-            </a:endParaRPr>
           </a:p>
         </p:txBody>
       </p:sp>
@@ -7972,10 +8544,9 @@
           <a:lstStyle/>
           <a:p>
             <a:r>
-              <a:rPr lang="ko-KR" altLang="en-US" sz="1200" dirty="0" smtClean="0"/>
+              <a:rPr lang="ko-KR" altLang="en-US" sz="1200" dirty="0"/>
               <a:t>멤버십 백오피스</a:t>
             </a:r>
-            <a:endParaRPr lang="ko-KR" altLang="en-US" sz="1200" dirty="0"/>
           </a:p>
         </p:txBody>
       </p:sp>
@@ -8025,7 +8596,7 @@
           <a:p>
             <a:pPr algn="ctr"/>
             <a:r>
-              <a:rPr lang="ko-KR" altLang="en-US" sz="1000" dirty="0" smtClean="0">
+              <a:rPr lang="ko-KR" altLang="en-US" sz="1000" dirty="0">
                 <a:solidFill>
                   <a:srgbClr val="0070C0"/>
                 </a:solidFill>
@@ -8033,7 +8604,7 @@
               <a:t>멤버십 </a:t>
             </a:r>
             <a:r>
-              <a:rPr lang="en-US" altLang="ko-KR" sz="1000" dirty="0" smtClean="0">
+              <a:rPr lang="en-US" altLang="ko-KR" sz="1000" dirty="0">
                 <a:solidFill>
                   <a:srgbClr val="0070C0"/>
                 </a:solidFill>
@@ -8041,18 +8612,13 @@
               <a:t>DB </a:t>
             </a:r>
             <a:r>
-              <a:rPr lang="ko-KR" altLang="en-US" sz="1000" dirty="0" smtClean="0">
+              <a:rPr lang="ko-KR" altLang="en-US" sz="1000" dirty="0">
                 <a:solidFill>
                   <a:srgbClr val="0070C0"/>
                 </a:solidFill>
               </a:rPr>
               <a:t>처리</a:t>
             </a:r>
-            <a:endParaRPr lang="ko-KR" altLang="en-US" sz="1000" dirty="0">
-              <a:solidFill>
-                <a:srgbClr val="0070C0"/>
-              </a:solidFill>
-            </a:endParaRPr>
           </a:p>
         </p:txBody>
       </p:sp>
@@ -8165,14 +8731,14 @@
           <a:p>
             <a:pPr algn="ctr"/>
             <a:r>
-              <a:rPr lang="ko-KR" altLang="en-US" sz="1000" dirty="0" smtClean="0">
+              <a:rPr lang="ko-KR" altLang="en-US" sz="1000" dirty="0">
                 <a:solidFill>
                   <a:srgbClr val="0070C0"/>
                 </a:solidFill>
               </a:rPr>
               <a:t>회원 휴면 처리 프로시저</a:t>
             </a:r>
-            <a:endParaRPr lang="en-US" altLang="ko-KR" sz="1000" dirty="0" smtClean="0">
+            <a:endParaRPr lang="en-US" altLang="ko-KR" sz="1000" dirty="0">
               <a:solidFill>
                 <a:srgbClr val="0070C0"/>
               </a:solidFill>
@@ -8181,7 +8747,7 @@
           <a:p>
             <a:pPr algn="ctr"/>
             <a:r>
-              <a:rPr lang="en-US" altLang="ko-KR" sz="1000" dirty="0" smtClean="0">
+              <a:rPr lang="en-US" altLang="ko-KR" sz="1000" dirty="0">
                 <a:solidFill>
                   <a:srgbClr val="000000"/>
                 </a:solidFill>
@@ -8193,7 +8759,7 @@
           </a:p>
           <a:p>
             <a:pPr algn="ctr"/>
-            <a:endParaRPr lang="en-US" altLang="ko-KR" sz="1000" dirty="0" smtClean="0">
+            <a:endParaRPr lang="en-US" altLang="ko-KR" sz="1000" dirty="0">
               <a:solidFill>
                 <a:srgbClr val="000000"/>
               </a:solidFill>
@@ -8204,22 +8770,14 @@
           <a:p>
             <a:pPr algn="ctr"/>
             <a:r>
-              <a:rPr lang="ko-KR" altLang="en-US" sz="1000" dirty="0" smtClean="0">
+              <a:rPr lang="ko-KR" altLang="en-US" sz="1000" dirty="0">
                 <a:solidFill>
                   <a:srgbClr val="0070C0"/>
                 </a:solidFill>
               </a:rPr>
-              <a:t>회원 </a:t>
-            </a:r>
-            <a:r>
-              <a:rPr lang="ko-KR" altLang="en-US" sz="1000" dirty="0" smtClean="0">
-                <a:solidFill>
-                  <a:srgbClr val="0070C0"/>
-                </a:solidFill>
-              </a:rPr>
-              <a:t>휴면 복원 프로시저</a:t>
-            </a:r>
-            <a:endParaRPr lang="en-US" altLang="ko-KR" sz="1000" dirty="0" smtClean="0">
+              <a:t>회원 휴면 복원 프로시저</a:t>
+            </a:r>
+            <a:endParaRPr lang="en-US" altLang="ko-KR" sz="1000" dirty="0">
               <a:solidFill>
                 <a:srgbClr val="0070C0"/>
               </a:solidFill>
@@ -8228,7 +8786,7 @@
           <a:p>
             <a:pPr algn="ctr"/>
             <a:r>
-              <a:rPr lang="en-US" altLang="ko-KR" sz="1000" dirty="0" smtClean="0">
+              <a:rPr lang="en-US" altLang="ko-KR" sz="1000" dirty="0">
                 <a:solidFill>
                   <a:srgbClr val="000000"/>
                 </a:solidFill>
@@ -8240,7 +8798,7 @@
           </a:p>
           <a:p>
             <a:pPr algn="ctr"/>
-            <a:endParaRPr lang="en-US" altLang="ko-KR" sz="1000" dirty="0" smtClean="0">
+            <a:endParaRPr lang="en-US" altLang="ko-KR" sz="1000" dirty="0">
               <a:solidFill>
                 <a:srgbClr val="000000"/>
               </a:solidFill>
@@ -8251,22 +8809,14 @@
           <a:p>
             <a:pPr algn="ctr"/>
             <a:r>
-              <a:rPr lang="ko-KR" altLang="en-US" sz="1000" dirty="0" smtClean="0">
+              <a:rPr lang="ko-KR" altLang="en-US" sz="1000" dirty="0">
                 <a:solidFill>
                   <a:srgbClr val="0070C0"/>
                 </a:solidFill>
               </a:rPr>
-              <a:t>회원 </a:t>
-            </a:r>
-            <a:r>
-              <a:rPr lang="ko-KR" altLang="en-US" sz="1000" dirty="0" smtClean="0">
-                <a:solidFill>
-                  <a:srgbClr val="0070C0"/>
-                </a:solidFill>
-              </a:rPr>
-              <a:t>탈퇴 처리 프로시저</a:t>
-            </a:r>
-            <a:endParaRPr lang="en-US" altLang="ko-KR" sz="1000" dirty="0" smtClean="0">
+              <a:t>회원 탈퇴 처리 프로시저</a:t>
+            </a:r>
+            <a:endParaRPr lang="en-US" altLang="ko-KR" sz="1000" dirty="0">
               <a:solidFill>
                 <a:srgbClr val="0070C0"/>
               </a:solidFill>
@@ -8275,7 +8825,7 @@
           <a:p>
             <a:pPr algn="ctr"/>
             <a:r>
-              <a:rPr lang="en-US" altLang="ko-KR" sz="1000" dirty="0" smtClean="0">
+              <a:rPr lang="en-US" altLang="ko-KR" sz="1000" dirty="0">
                 <a:solidFill>
                   <a:srgbClr val="000000"/>
                 </a:solidFill>
@@ -8422,10 +8972,9 @@
           <a:lstStyle/>
           <a:p>
             <a:r>
-              <a:rPr lang="ko-KR" altLang="en-US" sz="1000" dirty="0" smtClean="0"/>
+              <a:rPr lang="ko-KR" altLang="en-US" sz="1000" dirty="0"/>
               <a:t>고객번호 및 회원정보</a:t>
             </a:r>
-            <a:endParaRPr lang="ko-KR" altLang="en-US" sz="1000" dirty="0"/>
           </a:p>
         </p:txBody>
       </p:sp>
@@ -8452,10 +9001,9 @@
           <a:lstStyle/>
           <a:p>
             <a:r>
-              <a:rPr lang="ko-KR" altLang="en-US" sz="1000" dirty="0" smtClean="0"/>
+              <a:rPr lang="ko-KR" altLang="en-US" sz="1000" dirty="0"/>
               <a:t>처리 결과</a:t>
             </a:r>
-            <a:endParaRPr lang="ko-KR" altLang="en-US" sz="1000" dirty="0"/>
           </a:p>
         </p:txBody>
       </p:sp>
@@ -8482,7 +9030,7 @@
           <a:lstStyle/>
           <a:p>
             <a:r>
-              <a:rPr lang="en-US" altLang="ko-KR" sz="1000" dirty="0" smtClean="0"/>
+              <a:rPr lang="en-US" altLang="ko-KR" sz="1000" dirty="0"/>
               <a:t>no</a:t>
             </a:r>
             <a:endParaRPr lang="ko-KR" altLang="en-US" sz="1000" dirty="0"/>
@@ -8537,7 +9085,7 @@
           <a:p>
             <a:pPr algn="ctr"/>
             <a:r>
-              <a:rPr lang="ko-KR" altLang="en-US" sz="1000" dirty="0" smtClean="0">
+              <a:rPr lang="ko-KR" altLang="en-US" sz="1000" dirty="0">
                 <a:solidFill>
                   <a:srgbClr val="0070C0"/>
                 </a:solidFill>
@@ -8545,7 +9093,7 @@
               <a:t>처리결과가 정상인가</a:t>
             </a:r>
             <a:r>
-              <a:rPr lang="en-US" altLang="ko-KR" sz="1000" dirty="0" smtClean="0">
+              <a:rPr lang="en-US" altLang="ko-KR" sz="1000" dirty="0">
                 <a:solidFill>
                   <a:srgbClr val="0070C0"/>
                 </a:solidFill>
@@ -8583,7 +9131,7 @@
           <a:lstStyle/>
           <a:p>
             <a:r>
-              <a:rPr lang="en-US" altLang="ko-KR" sz="1000" dirty="0" smtClean="0"/>
+              <a:rPr lang="en-US" altLang="ko-KR" sz="1000" dirty="0"/>
               <a:t>yes</a:t>
             </a:r>
             <a:endParaRPr lang="ko-KR" altLang="en-US" sz="1000" dirty="0"/>
@@ -8680,7 +9228,7 @@
           <a:p>
             <a:pPr algn="ctr"/>
             <a:r>
-              <a:rPr lang="en-US" altLang="ko-KR" sz="1000" dirty="0" smtClean="0">
+              <a:rPr lang="en-US" altLang="ko-KR" sz="1000" dirty="0">
                 <a:solidFill>
                   <a:schemeClr val="tx1"/>
                 </a:solidFill>
@@ -8833,10 +9381,9 @@
           <a:lstStyle/>
           <a:p>
             <a:r>
-              <a:rPr lang="ko-KR" altLang="en-US" sz="1200" dirty="0" smtClean="0"/>
+              <a:rPr lang="ko-KR" altLang="en-US" sz="1200" dirty="0"/>
               <a:t>멤버십 백오피스</a:t>
             </a:r>
-            <a:endParaRPr lang="ko-KR" altLang="en-US" sz="1200" dirty="0"/>
           </a:p>
         </p:txBody>
       </p:sp>
@@ -8980,18 +9527,13 @@
           <a:p>
             <a:pPr algn="ctr"/>
             <a:r>
-              <a:rPr lang="ko-KR" altLang="en-US" sz="1000" dirty="0" smtClean="0">
+              <a:rPr lang="ko-KR" altLang="en-US" sz="1000" dirty="0">
                 <a:solidFill>
                   <a:srgbClr val="0070C0"/>
                 </a:solidFill>
               </a:rPr>
               <a:t>회원 포인트 조회</a:t>
             </a:r>
-            <a:endParaRPr lang="ko-KR" altLang="en-US" sz="1000" dirty="0">
-              <a:solidFill>
-                <a:srgbClr val="0070C0"/>
-              </a:solidFill>
-            </a:endParaRPr>
           </a:p>
         </p:txBody>
       </p:sp>

--- a/edit.pptx
+++ b/edit.pptx
@@ -12,6 +12,7 @@
     <p:sldId id="260" r:id="rId6"/>
     <p:sldId id="264" r:id="rId7"/>
     <p:sldId id="263" r:id="rId8"/>
+    <p:sldId id="266" r:id="rId9"/>
   </p:sldIdLst>
   <p:sldSz cx="9144000" cy="6858000" type="screen4x3"/>
   <p:notesSz cx="6858000" cy="9144000"/>
@@ -112,7 +113,7 @@
   </p:defaultTextStyle>
   <p:extLst>
     <p:ext uri="{EFAFB233-063F-42B5-8137-9DF3F51BA10A}">
-      <p15:sldGuideLst xmlns:p15="http://schemas.microsoft.com/office/powerpoint/2012/main" xmlns="">
+      <p15:sldGuideLst xmlns="" xmlns:p15="http://schemas.microsoft.com/office/powerpoint/2012/main">
         <p15:guide id="1" orient="horz" pos="2160">
           <p15:clr>
             <a:srgbClr val="A4A3A4"/>
@@ -309,7 +310,7 @@
             <a:fld id="{7C7AA252-F4C5-436B-85A4-11EA8E3892CE}" type="datetimeFigureOut">
               <a:rPr lang="ko-KR" altLang="en-US" smtClean="0"/>
               <a:pPr/>
-              <a:t>2022-03-08</a:t>
+              <a:t>2022-06-13</a:t>
             </a:fld>
             <a:endParaRPr lang="ko-KR" altLang="en-US" dirty="0"/>
           </a:p>
@@ -474,7 +475,7 @@
             <a:fld id="{7C7AA252-F4C5-436B-85A4-11EA8E3892CE}" type="datetimeFigureOut">
               <a:rPr lang="ko-KR" altLang="en-US" smtClean="0"/>
               <a:pPr/>
-              <a:t>2022-03-08</a:t>
+              <a:t>2022-06-13</a:t>
             </a:fld>
             <a:endParaRPr lang="ko-KR" altLang="en-US" dirty="0"/>
           </a:p>
@@ -649,7 +650,7 @@
             <a:fld id="{7C7AA252-F4C5-436B-85A4-11EA8E3892CE}" type="datetimeFigureOut">
               <a:rPr lang="ko-KR" altLang="en-US" smtClean="0"/>
               <a:pPr/>
-              <a:t>2022-03-08</a:t>
+              <a:t>2022-06-13</a:t>
             </a:fld>
             <a:endParaRPr lang="ko-KR" altLang="en-US" dirty="0"/>
           </a:p>
@@ -814,7 +815,7 @@
             <a:fld id="{7C7AA252-F4C5-436B-85A4-11EA8E3892CE}" type="datetimeFigureOut">
               <a:rPr lang="ko-KR" altLang="en-US" smtClean="0"/>
               <a:pPr/>
-              <a:t>2022-03-08</a:t>
+              <a:t>2022-06-13</a:t>
             </a:fld>
             <a:endParaRPr lang="ko-KR" altLang="en-US" dirty="0"/>
           </a:p>
@@ -1056,7 +1057,7 @@
             <a:fld id="{7C7AA252-F4C5-436B-85A4-11EA8E3892CE}" type="datetimeFigureOut">
               <a:rPr lang="ko-KR" altLang="en-US" smtClean="0"/>
               <a:pPr/>
-              <a:t>2022-03-08</a:t>
+              <a:t>2022-06-13</a:t>
             </a:fld>
             <a:endParaRPr lang="ko-KR" altLang="en-US" dirty="0"/>
           </a:p>
@@ -1338,7 +1339,7 @@
             <a:fld id="{7C7AA252-F4C5-436B-85A4-11EA8E3892CE}" type="datetimeFigureOut">
               <a:rPr lang="ko-KR" altLang="en-US" smtClean="0"/>
               <a:pPr/>
-              <a:t>2022-03-08</a:t>
+              <a:t>2022-06-13</a:t>
             </a:fld>
             <a:endParaRPr lang="ko-KR" altLang="en-US" dirty="0"/>
           </a:p>
@@ -1754,7 +1755,7 @@
             <a:fld id="{7C7AA252-F4C5-436B-85A4-11EA8E3892CE}" type="datetimeFigureOut">
               <a:rPr lang="ko-KR" altLang="en-US" smtClean="0"/>
               <a:pPr/>
-              <a:t>2022-03-08</a:t>
+              <a:t>2022-06-13</a:t>
             </a:fld>
             <a:endParaRPr lang="ko-KR" altLang="en-US" dirty="0"/>
           </a:p>
@@ -1868,7 +1869,7 @@
             <a:fld id="{7C7AA252-F4C5-436B-85A4-11EA8E3892CE}" type="datetimeFigureOut">
               <a:rPr lang="ko-KR" altLang="en-US" smtClean="0"/>
               <a:pPr/>
-              <a:t>2022-03-08</a:t>
+              <a:t>2022-06-13</a:t>
             </a:fld>
             <a:endParaRPr lang="ko-KR" altLang="en-US" dirty="0"/>
           </a:p>
@@ -1960,7 +1961,7 @@
             <a:fld id="{7C7AA252-F4C5-436B-85A4-11EA8E3892CE}" type="datetimeFigureOut">
               <a:rPr lang="ko-KR" altLang="en-US" smtClean="0"/>
               <a:pPr/>
-              <a:t>2022-03-08</a:t>
+              <a:t>2022-06-13</a:t>
             </a:fld>
             <a:endParaRPr lang="ko-KR" altLang="en-US" dirty="0"/>
           </a:p>
@@ -2232,7 +2233,7 @@
             <a:fld id="{7C7AA252-F4C5-436B-85A4-11EA8E3892CE}" type="datetimeFigureOut">
               <a:rPr lang="ko-KR" altLang="en-US" smtClean="0"/>
               <a:pPr/>
-              <a:t>2022-03-08</a:t>
+              <a:t>2022-06-13</a:t>
             </a:fld>
             <a:endParaRPr lang="ko-KR" altLang="en-US" dirty="0"/>
           </a:p>
@@ -2481,7 +2482,7 @@
             <a:fld id="{7C7AA252-F4C5-436B-85A4-11EA8E3892CE}" type="datetimeFigureOut">
               <a:rPr lang="ko-KR" altLang="en-US" smtClean="0"/>
               <a:pPr/>
-              <a:t>2022-03-08</a:t>
+              <a:t>2022-06-13</a:t>
             </a:fld>
             <a:endParaRPr lang="ko-KR" altLang="en-US" dirty="0"/>
           </a:p>
@@ -2689,7 +2690,7 @@
             <a:fld id="{7C7AA252-F4C5-436B-85A4-11EA8E3892CE}" type="datetimeFigureOut">
               <a:rPr lang="ko-KR" altLang="en-US" smtClean="0"/>
               <a:pPr/>
-              <a:t>2022-03-08</a:t>
+              <a:t>2022-06-13</a:t>
             </a:fld>
             <a:endParaRPr lang="ko-KR" altLang="en-US" dirty="0"/>
           </a:p>
@@ -4218,7 +4219,7 @@
           <p:cNvPr id="3" name="그래픽 2">
             <a:extLst>
               <a:ext uri="{FF2B5EF4-FFF2-40B4-BE49-F238E27FC236}">
-                <a16:creationId xmlns:a16="http://schemas.microsoft.com/office/drawing/2014/main" xmlns="" id="{206DC7ED-C26D-4F2B-A382-FEB07A45052D}"/>
+                <a16:creationId xmlns="" xmlns:a16="http://schemas.microsoft.com/office/drawing/2014/main" id="{206DC7ED-C26D-4F2B-A382-FEB07A45052D}"/>
               </a:ext>
             </a:extLst>
           </p:cNvPr>
@@ -4231,10 +4232,10 @@
           <a:blip r:embed="rId12" cstate="print">
             <a:extLst>
               <a:ext uri="{28A0092B-C50C-407E-A947-70E740481C1C}">
-                <a14:useLocalDpi xmlns:a14="http://schemas.microsoft.com/office/drawing/2010/main" xmlns="" val="0"/>
+                <a14:useLocalDpi xmlns="" xmlns:a14="http://schemas.microsoft.com/office/drawing/2010/main" val="0"/>
               </a:ext>
               <a:ext uri="{96DAC541-7B7A-43D3-8B79-37D633B846F1}">
-                <asvg:svgBlip xmlns:asvg="http://schemas.microsoft.com/office/drawing/2016/SVG/main" xmlns="" r:embed="rId13"/>
+                <asvg:svgBlip xmlns="" xmlns:asvg="http://schemas.microsoft.com/office/drawing/2016/SVG/main" r:embed="rId13"/>
               </a:ext>
             </a:extLst>
           </a:blip>
@@ -4257,7 +4258,7 @@
           <p:cNvPr id="11" name="그림 10">
             <a:extLst>
               <a:ext uri="{FF2B5EF4-FFF2-40B4-BE49-F238E27FC236}">
-                <a16:creationId xmlns:a16="http://schemas.microsoft.com/office/drawing/2014/main" xmlns="" id="{2D4F3A23-5953-4164-95BB-72877C8E8FD4}"/>
+                <a16:creationId xmlns="" xmlns:a16="http://schemas.microsoft.com/office/drawing/2014/main" id="{2D4F3A23-5953-4164-95BB-72877C8E8FD4}"/>
               </a:ext>
             </a:extLst>
           </p:cNvPr>
@@ -4270,7 +4271,7 @@
           <a:blip r:embed="rId14" cstate="print">
             <a:extLst>
               <a:ext uri="{28A0092B-C50C-407E-A947-70E740481C1C}">
-                <a14:useLocalDpi xmlns:a14="http://schemas.microsoft.com/office/drawing/2010/main" xmlns="" val="0"/>
+                <a14:useLocalDpi xmlns="" xmlns:a14="http://schemas.microsoft.com/office/drawing/2010/main" val="0"/>
               </a:ext>
             </a:extLst>
           </a:blip>
@@ -4293,7 +4294,7 @@
           <p:cNvPr id="19" name="그림 18">
             <a:extLst>
               <a:ext uri="{FF2B5EF4-FFF2-40B4-BE49-F238E27FC236}">
-                <a16:creationId xmlns:a16="http://schemas.microsoft.com/office/drawing/2014/main" xmlns="" id="{D3F33C5E-92FB-40A2-96F4-271D44631413}"/>
+                <a16:creationId xmlns="" xmlns:a16="http://schemas.microsoft.com/office/drawing/2014/main" id="{D3F33C5E-92FB-40A2-96F4-271D44631413}"/>
               </a:ext>
             </a:extLst>
           </p:cNvPr>
@@ -4306,7 +4307,7 @@
           <a:blip r:embed="rId15" cstate="print">
             <a:extLst>
               <a:ext uri="{28A0092B-C50C-407E-A947-70E740481C1C}">
-                <a14:useLocalDpi xmlns:a14="http://schemas.microsoft.com/office/drawing/2010/main" xmlns="" val="0"/>
+                <a14:useLocalDpi xmlns="" xmlns:a14="http://schemas.microsoft.com/office/drawing/2010/main" val="0"/>
               </a:ext>
             </a:extLst>
           </a:blip>
@@ -4329,7 +4330,7 @@
           <p:cNvPr id="24" name="그림 23">
             <a:extLst>
               <a:ext uri="{FF2B5EF4-FFF2-40B4-BE49-F238E27FC236}">
-                <a16:creationId xmlns:a16="http://schemas.microsoft.com/office/drawing/2014/main" xmlns="" id="{B5F582BA-D97E-4E76-BBF6-15A846581CA5}"/>
+                <a16:creationId xmlns="" xmlns:a16="http://schemas.microsoft.com/office/drawing/2014/main" id="{B5F582BA-D97E-4E76-BBF6-15A846581CA5}"/>
               </a:ext>
             </a:extLst>
           </p:cNvPr>
@@ -4342,7 +4343,7 @@
           <a:blip r:embed="rId16" cstate="print">
             <a:extLst>
               <a:ext uri="{28A0092B-C50C-407E-A947-70E740481C1C}">
-                <a14:useLocalDpi xmlns:a14="http://schemas.microsoft.com/office/drawing/2010/main" xmlns="" val="0"/>
+                <a14:useLocalDpi xmlns="" xmlns:a14="http://schemas.microsoft.com/office/drawing/2010/main" val="0"/>
               </a:ext>
             </a:extLst>
           </a:blip>
@@ -4365,7 +4366,7 @@
           <p:cNvPr id="26" name="직사각형 25">
             <a:extLst>
               <a:ext uri="{FF2B5EF4-FFF2-40B4-BE49-F238E27FC236}">
-                <a16:creationId xmlns:a16="http://schemas.microsoft.com/office/drawing/2014/main" xmlns="" id="{E10806AC-CCE4-43E1-BC09-950AA2D2AFB9}"/>
+                <a16:creationId xmlns="" xmlns:a16="http://schemas.microsoft.com/office/drawing/2014/main" id="{E10806AC-CCE4-43E1-BC09-950AA2D2AFB9}"/>
               </a:ext>
             </a:extLst>
           </p:cNvPr>
@@ -4413,7 +4414,7 @@
           <p:cNvPr id="73" name="TextBox 72">
             <a:extLst>
               <a:ext uri="{FF2B5EF4-FFF2-40B4-BE49-F238E27FC236}">
-                <a16:creationId xmlns:a16="http://schemas.microsoft.com/office/drawing/2014/main" xmlns="" id="{9F24BCE2-00AD-442A-B915-4D1534C7DC3F}"/>
+                <a16:creationId xmlns="" xmlns:a16="http://schemas.microsoft.com/office/drawing/2014/main" id="{9F24BCE2-00AD-442A-B915-4D1534C7DC3F}"/>
               </a:ext>
             </a:extLst>
           </p:cNvPr>
@@ -4448,7 +4449,7 @@
           <p:cNvPr id="74" name="그림 73">
             <a:extLst>
               <a:ext uri="{FF2B5EF4-FFF2-40B4-BE49-F238E27FC236}">
-                <a16:creationId xmlns:a16="http://schemas.microsoft.com/office/drawing/2014/main" xmlns="" id="{D224ACBA-EE9E-4867-B37B-E0457781A77C}"/>
+                <a16:creationId xmlns="" xmlns:a16="http://schemas.microsoft.com/office/drawing/2014/main" id="{D224ACBA-EE9E-4867-B37B-E0457781A77C}"/>
               </a:ext>
             </a:extLst>
           </p:cNvPr>
@@ -4461,7 +4462,7 @@
           <a:blip r:embed="rId15" cstate="print">
             <a:extLst>
               <a:ext uri="{28A0092B-C50C-407E-A947-70E740481C1C}">
-                <a14:useLocalDpi xmlns:a14="http://schemas.microsoft.com/office/drawing/2010/main" xmlns="" val="0"/>
+                <a14:useLocalDpi xmlns="" xmlns:a14="http://schemas.microsoft.com/office/drawing/2010/main" val="0"/>
               </a:ext>
             </a:extLst>
           </a:blip>
@@ -4484,7 +4485,7 @@
           <p:cNvPr id="75" name="그림 74">
             <a:extLst>
               <a:ext uri="{FF2B5EF4-FFF2-40B4-BE49-F238E27FC236}">
-                <a16:creationId xmlns:a16="http://schemas.microsoft.com/office/drawing/2014/main" xmlns="" id="{CB0A7BC5-4070-486B-B273-00597F9518F1}"/>
+                <a16:creationId xmlns="" xmlns:a16="http://schemas.microsoft.com/office/drawing/2014/main" id="{CB0A7BC5-4070-486B-B273-00597F9518F1}"/>
               </a:ext>
             </a:extLst>
           </p:cNvPr>
@@ -4497,7 +4498,7 @@
           <a:blip r:embed="rId16" cstate="print">
             <a:extLst>
               <a:ext uri="{28A0092B-C50C-407E-A947-70E740481C1C}">
-                <a14:useLocalDpi xmlns:a14="http://schemas.microsoft.com/office/drawing/2010/main" xmlns="" val="0"/>
+                <a14:useLocalDpi xmlns="" xmlns:a14="http://schemas.microsoft.com/office/drawing/2010/main" val="0"/>
               </a:ext>
             </a:extLst>
           </a:blip>
@@ -4520,7 +4521,7 @@
           <p:cNvPr id="79" name="직사각형 78">
             <a:extLst>
               <a:ext uri="{FF2B5EF4-FFF2-40B4-BE49-F238E27FC236}">
-                <a16:creationId xmlns:a16="http://schemas.microsoft.com/office/drawing/2014/main" xmlns="" id="{EBF631AE-9E86-4029-BF96-79362966A75D}"/>
+                <a16:creationId xmlns="" xmlns:a16="http://schemas.microsoft.com/office/drawing/2014/main" id="{EBF631AE-9E86-4029-BF96-79362966A75D}"/>
               </a:ext>
             </a:extLst>
           </p:cNvPr>
@@ -4568,7 +4569,7 @@
           <p:cNvPr id="84" name="TextBox 83">
             <a:extLst>
               <a:ext uri="{FF2B5EF4-FFF2-40B4-BE49-F238E27FC236}">
-                <a16:creationId xmlns:a16="http://schemas.microsoft.com/office/drawing/2014/main" xmlns="" id="{8D51D797-F439-4606-A7A2-CC21B03F4BDF}"/>
+                <a16:creationId xmlns="" xmlns:a16="http://schemas.microsoft.com/office/drawing/2014/main" id="{8D51D797-F439-4606-A7A2-CC21B03F4BDF}"/>
               </a:ext>
             </a:extLst>
           </p:cNvPr>
@@ -4604,7 +4605,7 @@
           <p:cNvPr id="85" name="그림 84">
             <a:extLst>
               <a:ext uri="{FF2B5EF4-FFF2-40B4-BE49-F238E27FC236}">
-                <a16:creationId xmlns:a16="http://schemas.microsoft.com/office/drawing/2014/main" xmlns="" id="{075C4FE1-C840-4C4A-99A2-2CE646D3766E}"/>
+                <a16:creationId xmlns="" xmlns:a16="http://schemas.microsoft.com/office/drawing/2014/main" id="{075C4FE1-C840-4C4A-99A2-2CE646D3766E}"/>
               </a:ext>
             </a:extLst>
           </p:cNvPr>
@@ -4617,7 +4618,7 @@
           <a:blip r:embed="rId15" cstate="print">
             <a:extLst>
               <a:ext uri="{28A0092B-C50C-407E-A947-70E740481C1C}">
-                <a14:useLocalDpi xmlns:a14="http://schemas.microsoft.com/office/drawing/2010/main" xmlns="" val="0"/>
+                <a14:useLocalDpi xmlns="" xmlns:a14="http://schemas.microsoft.com/office/drawing/2010/main" val="0"/>
               </a:ext>
             </a:extLst>
           </a:blip>
@@ -4640,7 +4641,7 @@
           <p:cNvPr id="87" name="그림 86">
             <a:extLst>
               <a:ext uri="{FF2B5EF4-FFF2-40B4-BE49-F238E27FC236}">
-                <a16:creationId xmlns:a16="http://schemas.microsoft.com/office/drawing/2014/main" xmlns="" id="{FB1E0B60-07B1-4F8E-8638-C47B1068EA37}"/>
+                <a16:creationId xmlns="" xmlns:a16="http://schemas.microsoft.com/office/drawing/2014/main" id="{FB1E0B60-07B1-4F8E-8638-C47B1068EA37}"/>
               </a:ext>
             </a:extLst>
           </p:cNvPr>
@@ -4653,7 +4654,7 @@
           <a:blip r:embed="rId16" cstate="print">
             <a:extLst>
               <a:ext uri="{28A0092B-C50C-407E-A947-70E740481C1C}">
-                <a14:useLocalDpi xmlns:a14="http://schemas.microsoft.com/office/drawing/2010/main" xmlns="" val="0"/>
+                <a14:useLocalDpi xmlns="" xmlns:a14="http://schemas.microsoft.com/office/drawing/2010/main" val="0"/>
               </a:ext>
             </a:extLst>
           </a:blip>
@@ -4676,7 +4677,7 @@
           <p:cNvPr id="88" name="직사각형 87">
             <a:extLst>
               <a:ext uri="{FF2B5EF4-FFF2-40B4-BE49-F238E27FC236}">
-                <a16:creationId xmlns:a16="http://schemas.microsoft.com/office/drawing/2014/main" xmlns="" id="{B288DF77-739B-43A9-B0D0-11C08859C2E7}"/>
+                <a16:creationId xmlns="" xmlns:a16="http://schemas.microsoft.com/office/drawing/2014/main" id="{B288DF77-739B-43A9-B0D0-11C08859C2E7}"/>
               </a:ext>
             </a:extLst>
           </p:cNvPr>
@@ -4724,7 +4725,7 @@
           <p:cNvPr id="90" name="TextBox 89">
             <a:extLst>
               <a:ext uri="{FF2B5EF4-FFF2-40B4-BE49-F238E27FC236}">
-                <a16:creationId xmlns:a16="http://schemas.microsoft.com/office/drawing/2014/main" xmlns="" id="{AB47EA1A-1B07-4D63-BC6D-56453934A1EE}"/>
+                <a16:creationId xmlns="" xmlns:a16="http://schemas.microsoft.com/office/drawing/2014/main" id="{AB47EA1A-1B07-4D63-BC6D-56453934A1EE}"/>
               </a:ext>
             </a:extLst>
           </p:cNvPr>
@@ -4759,7 +4760,7 @@
           <p:cNvPr id="91" name="모서리가 둥근 직사각형 174">
             <a:extLst>
               <a:ext uri="{FF2B5EF4-FFF2-40B4-BE49-F238E27FC236}">
-                <a16:creationId xmlns:a16="http://schemas.microsoft.com/office/drawing/2014/main" xmlns="" id="{CEE20A76-8225-4F95-9133-622979E3E5E9}"/>
+                <a16:creationId xmlns="" xmlns:a16="http://schemas.microsoft.com/office/drawing/2014/main" id="{CEE20A76-8225-4F95-9133-622979E3E5E9}"/>
               </a:ext>
             </a:extLst>
           </p:cNvPr>
@@ -4812,7 +4813,7 @@
           <p:cNvPr id="92" name="그래픽 91">
             <a:extLst>
               <a:ext uri="{FF2B5EF4-FFF2-40B4-BE49-F238E27FC236}">
-                <a16:creationId xmlns:a16="http://schemas.microsoft.com/office/drawing/2014/main" xmlns="" id="{2F138342-FEE4-4C48-91ED-9E6022494043}"/>
+                <a16:creationId xmlns="" xmlns:a16="http://schemas.microsoft.com/office/drawing/2014/main" id="{2F138342-FEE4-4C48-91ED-9E6022494043}"/>
               </a:ext>
             </a:extLst>
           </p:cNvPr>
@@ -4825,10 +4826,10 @@
           <a:blip r:embed="rId12" cstate="print">
             <a:extLst>
               <a:ext uri="{28A0092B-C50C-407E-A947-70E740481C1C}">
-                <a14:useLocalDpi xmlns:a14="http://schemas.microsoft.com/office/drawing/2010/main" xmlns="" val="0"/>
+                <a14:useLocalDpi xmlns="" xmlns:a14="http://schemas.microsoft.com/office/drawing/2010/main" val="0"/>
               </a:ext>
               <a:ext uri="{96DAC541-7B7A-43D3-8B79-37D633B846F1}">
-                <asvg:svgBlip xmlns:asvg="http://schemas.microsoft.com/office/drawing/2016/SVG/main" xmlns="" r:embed="rId13"/>
+                <asvg:svgBlip xmlns="" xmlns:asvg="http://schemas.microsoft.com/office/drawing/2016/SVG/main" r:embed="rId13"/>
               </a:ext>
             </a:extLst>
           </a:blip>
@@ -4851,7 +4852,7 @@
           <p:cNvPr id="93" name="그림 92">
             <a:extLst>
               <a:ext uri="{FF2B5EF4-FFF2-40B4-BE49-F238E27FC236}">
-                <a16:creationId xmlns:a16="http://schemas.microsoft.com/office/drawing/2014/main" xmlns="" id="{0959795B-7380-4D9E-9AE2-D3DE822341C8}"/>
+                <a16:creationId xmlns="" xmlns:a16="http://schemas.microsoft.com/office/drawing/2014/main" id="{0959795B-7380-4D9E-9AE2-D3DE822341C8}"/>
               </a:ext>
             </a:extLst>
           </p:cNvPr>
@@ -4864,7 +4865,7 @@
           <a:blip r:embed="rId15" cstate="print">
             <a:extLst>
               <a:ext uri="{28A0092B-C50C-407E-A947-70E740481C1C}">
-                <a14:useLocalDpi xmlns:a14="http://schemas.microsoft.com/office/drawing/2010/main" xmlns="" val="0"/>
+                <a14:useLocalDpi xmlns="" xmlns:a14="http://schemas.microsoft.com/office/drawing/2010/main" val="0"/>
               </a:ext>
             </a:extLst>
           </a:blip>
@@ -4887,7 +4888,7 @@
           <p:cNvPr id="96" name="그림 95">
             <a:extLst>
               <a:ext uri="{FF2B5EF4-FFF2-40B4-BE49-F238E27FC236}">
-                <a16:creationId xmlns:a16="http://schemas.microsoft.com/office/drawing/2014/main" xmlns="" id="{5CDA4716-730D-4E26-AE7D-1BB7E6975883}"/>
+                <a16:creationId xmlns="" xmlns:a16="http://schemas.microsoft.com/office/drawing/2014/main" id="{5CDA4716-730D-4E26-AE7D-1BB7E6975883}"/>
               </a:ext>
             </a:extLst>
           </p:cNvPr>
@@ -4900,7 +4901,7 @@
           <a:blip r:embed="rId16" cstate="print">
             <a:extLst>
               <a:ext uri="{28A0092B-C50C-407E-A947-70E740481C1C}">
-                <a14:useLocalDpi xmlns:a14="http://schemas.microsoft.com/office/drawing/2010/main" xmlns="" val="0"/>
+                <a14:useLocalDpi xmlns="" xmlns:a14="http://schemas.microsoft.com/office/drawing/2010/main" val="0"/>
               </a:ext>
             </a:extLst>
           </a:blip>
@@ -4923,7 +4924,7 @@
           <p:cNvPr id="97" name="직사각형 96">
             <a:extLst>
               <a:ext uri="{FF2B5EF4-FFF2-40B4-BE49-F238E27FC236}">
-                <a16:creationId xmlns:a16="http://schemas.microsoft.com/office/drawing/2014/main" xmlns="" id="{71B3AAD1-47D7-4137-93BB-0E3F20117973}"/>
+                <a16:creationId xmlns="" xmlns:a16="http://schemas.microsoft.com/office/drawing/2014/main" id="{71B3AAD1-47D7-4137-93BB-0E3F20117973}"/>
               </a:ext>
             </a:extLst>
           </p:cNvPr>
@@ -4971,7 +4972,7 @@
           <p:cNvPr id="99" name="TextBox 98">
             <a:extLst>
               <a:ext uri="{FF2B5EF4-FFF2-40B4-BE49-F238E27FC236}">
-                <a16:creationId xmlns:a16="http://schemas.microsoft.com/office/drawing/2014/main" xmlns="" id="{EECACAF7-E69F-4EEF-A7EC-27088671B7BD}"/>
+                <a16:creationId xmlns="" xmlns:a16="http://schemas.microsoft.com/office/drawing/2014/main" id="{EECACAF7-E69F-4EEF-A7EC-27088671B7BD}"/>
               </a:ext>
             </a:extLst>
           </p:cNvPr>
@@ -5006,7 +5007,7 @@
           <p:cNvPr id="100" name="그림 99">
             <a:extLst>
               <a:ext uri="{FF2B5EF4-FFF2-40B4-BE49-F238E27FC236}">
-                <a16:creationId xmlns:a16="http://schemas.microsoft.com/office/drawing/2014/main" xmlns="" id="{6A23CE0C-CCBA-4C49-86AD-C9B82007CF88}"/>
+                <a16:creationId xmlns="" xmlns:a16="http://schemas.microsoft.com/office/drawing/2014/main" id="{6A23CE0C-CCBA-4C49-86AD-C9B82007CF88}"/>
               </a:ext>
             </a:extLst>
           </p:cNvPr>
@@ -5019,7 +5020,7 @@
           <a:blip r:embed="rId15" cstate="print">
             <a:extLst>
               <a:ext uri="{28A0092B-C50C-407E-A947-70E740481C1C}">
-                <a14:useLocalDpi xmlns:a14="http://schemas.microsoft.com/office/drawing/2010/main" xmlns="" val="0"/>
+                <a14:useLocalDpi xmlns="" xmlns:a14="http://schemas.microsoft.com/office/drawing/2010/main" val="0"/>
               </a:ext>
             </a:extLst>
           </a:blip>
@@ -5042,7 +5043,7 @@
           <p:cNvPr id="101" name="그림 100">
             <a:extLst>
               <a:ext uri="{FF2B5EF4-FFF2-40B4-BE49-F238E27FC236}">
-                <a16:creationId xmlns:a16="http://schemas.microsoft.com/office/drawing/2014/main" xmlns="" id="{37DC3274-3B07-4B59-BF1F-E14B8D9526F2}"/>
+                <a16:creationId xmlns="" xmlns:a16="http://schemas.microsoft.com/office/drawing/2014/main" id="{37DC3274-3B07-4B59-BF1F-E14B8D9526F2}"/>
               </a:ext>
             </a:extLst>
           </p:cNvPr>
@@ -5055,7 +5056,7 @@
           <a:blip r:embed="rId16" cstate="print">
             <a:extLst>
               <a:ext uri="{28A0092B-C50C-407E-A947-70E740481C1C}">
-                <a14:useLocalDpi xmlns:a14="http://schemas.microsoft.com/office/drawing/2010/main" xmlns="" val="0"/>
+                <a14:useLocalDpi xmlns="" xmlns:a14="http://schemas.microsoft.com/office/drawing/2010/main" val="0"/>
               </a:ext>
             </a:extLst>
           </a:blip>
@@ -5078,7 +5079,7 @@
           <p:cNvPr id="102" name="직사각형 101">
             <a:extLst>
               <a:ext uri="{FF2B5EF4-FFF2-40B4-BE49-F238E27FC236}">
-                <a16:creationId xmlns:a16="http://schemas.microsoft.com/office/drawing/2014/main" xmlns="" id="{72967650-4D04-4ED0-8122-C04ED7B74A73}"/>
+                <a16:creationId xmlns="" xmlns:a16="http://schemas.microsoft.com/office/drawing/2014/main" id="{72967650-4D04-4ED0-8122-C04ED7B74A73}"/>
               </a:ext>
             </a:extLst>
           </p:cNvPr>
@@ -5126,7 +5127,7 @@
           <p:cNvPr id="103" name="TextBox 102">
             <a:extLst>
               <a:ext uri="{FF2B5EF4-FFF2-40B4-BE49-F238E27FC236}">
-                <a16:creationId xmlns:a16="http://schemas.microsoft.com/office/drawing/2014/main" xmlns="" id="{2A9209C0-7F11-4BA2-8BD9-06DF8E0CD1CB}"/>
+                <a16:creationId xmlns="" xmlns:a16="http://schemas.microsoft.com/office/drawing/2014/main" id="{2A9209C0-7F11-4BA2-8BD9-06DF8E0CD1CB}"/>
               </a:ext>
             </a:extLst>
           </p:cNvPr>
@@ -5162,7 +5163,7 @@
           <p:cNvPr id="104" name="그림 103">
             <a:extLst>
               <a:ext uri="{FF2B5EF4-FFF2-40B4-BE49-F238E27FC236}">
-                <a16:creationId xmlns:a16="http://schemas.microsoft.com/office/drawing/2014/main" xmlns="" id="{6B49557F-D3EB-4FFB-B100-A426BC67E270}"/>
+                <a16:creationId xmlns="" xmlns:a16="http://schemas.microsoft.com/office/drawing/2014/main" id="{6B49557F-D3EB-4FFB-B100-A426BC67E270}"/>
               </a:ext>
             </a:extLst>
           </p:cNvPr>
@@ -5175,7 +5176,7 @@
           <a:blip r:embed="rId15" cstate="print">
             <a:extLst>
               <a:ext uri="{28A0092B-C50C-407E-A947-70E740481C1C}">
-                <a14:useLocalDpi xmlns:a14="http://schemas.microsoft.com/office/drawing/2010/main" xmlns="" val="0"/>
+                <a14:useLocalDpi xmlns="" xmlns:a14="http://schemas.microsoft.com/office/drawing/2010/main" val="0"/>
               </a:ext>
             </a:extLst>
           </a:blip>
@@ -5198,7 +5199,7 @@
           <p:cNvPr id="105" name="그림 104">
             <a:extLst>
               <a:ext uri="{FF2B5EF4-FFF2-40B4-BE49-F238E27FC236}">
-                <a16:creationId xmlns:a16="http://schemas.microsoft.com/office/drawing/2014/main" xmlns="" id="{D5572F56-8433-479A-AA6A-CF1C8AF76CC5}"/>
+                <a16:creationId xmlns="" xmlns:a16="http://schemas.microsoft.com/office/drawing/2014/main" id="{D5572F56-8433-479A-AA6A-CF1C8AF76CC5}"/>
               </a:ext>
             </a:extLst>
           </p:cNvPr>
@@ -5211,7 +5212,7 @@
           <a:blip r:embed="rId16" cstate="print">
             <a:extLst>
               <a:ext uri="{28A0092B-C50C-407E-A947-70E740481C1C}">
-                <a14:useLocalDpi xmlns:a14="http://schemas.microsoft.com/office/drawing/2010/main" xmlns="" val="0"/>
+                <a14:useLocalDpi xmlns="" xmlns:a14="http://schemas.microsoft.com/office/drawing/2010/main" val="0"/>
               </a:ext>
             </a:extLst>
           </a:blip>
@@ -5234,7 +5235,7 @@
           <p:cNvPr id="107" name="직사각형 106">
             <a:extLst>
               <a:ext uri="{FF2B5EF4-FFF2-40B4-BE49-F238E27FC236}">
-                <a16:creationId xmlns:a16="http://schemas.microsoft.com/office/drawing/2014/main" xmlns="" id="{DF5EC40C-5932-47FA-8B00-59F6AB2F11F6}"/>
+                <a16:creationId xmlns="" xmlns:a16="http://schemas.microsoft.com/office/drawing/2014/main" id="{DF5EC40C-5932-47FA-8B00-59F6AB2F11F6}"/>
               </a:ext>
             </a:extLst>
           </p:cNvPr>
@@ -5282,7 +5283,7 @@
           <p:cNvPr id="29" name="그림 28">
             <a:extLst>
               <a:ext uri="{FF2B5EF4-FFF2-40B4-BE49-F238E27FC236}">
-                <a16:creationId xmlns:a16="http://schemas.microsoft.com/office/drawing/2014/main" xmlns="" id="{029D3D92-B789-4797-A1D0-A06650601793}"/>
+                <a16:creationId xmlns="" xmlns:a16="http://schemas.microsoft.com/office/drawing/2014/main" id="{029D3D92-B789-4797-A1D0-A06650601793}"/>
               </a:ext>
             </a:extLst>
           </p:cNvPr>
@@ -5295,7 +5296,7 @@
           <a:blip r:embed="rId17" cstate="print">
             <a:extLst>
               <a:ext uri="{28A0092B-C50C-407E-A947-70E740481C1C}">
-                <a14:useLocalDpi xmlns:a14="http://schemas.microsoft.com/office/drawing/2010/main" xmlns="" val="0"/>
+                <a14:useLocalDpi xmlns="" xmlns:a14="http://schemas.microsoft.com/office/drawing/2010/main" val="0"/>
               </a:ext>
             </a:extLst>
           </a:blip>
@@ -5318,7 +5319,7 @@
           <p:cNvPr id="108" name="모서리가 둥근 직사각형 174">
             <a:extLst>
               <a:ext uri="{FF2B5EF4-FFF2-40B4-BE49-F238E27FC236}">
-                <a16:creationId xmlns:a16="http://schemas.microsoft.com/office/drawing/2014/main" xmlns="" id="{05913057-6CEC-4B01-88F4-B4773D2F2A85}"/>
+                <a16:creationId xmlns="" xmlns:a16="http://schemas.microsoft.com/office/drawing/2014/main" id="{05913057-6CEC-4B01-88F4-B4773D2F2A85}"/>
               </a:ext>
             </a:extLst>
           </p:cNvPr>
@@ -5371,7 +5372,7 @@
           <p:cNvPr id="32" name="그림 31">
             <a:extLst>
               <a:ext uri="{FF2B5EF4-FFF2-40B4-BE49-F238E27FC236}">
-                <a16:creationId xmlns:a16="http://schemas.microsoft.com/office/drawing/2014/main" xmlns="" id="{E852592A-49E0-4B2F-9777-A1BCBD8F1445}"/>
+                <a16:creationId xmlns="" xmlns:a16="http://schemas.microsoft.com/office/drawing/2014/main" id="{E852592A-49E0-4B2F-9777-A1BCBD8F1445}"/>
               </a:ext>
             </a:extLst>
           </p:cNvPr>
@@ -5384,7 +5385,7 @@
           <a:blip r:embed="rId18" cstate="print">
             <a:extLst>
               <a:ext uri="{28A0092B-C50C-407E-A947-70E740481C1C}">
-                <a14:useLocalDpi xmlns:a14="http://schemas.microsoft.com/office/drawing/2010/main" xmlns="" val="0"/>
+                <a14:useLocalDpi xmlns="" xmlns:a14="http://schemas.microsoft.com/office/drawing/2010/main" val="0"/>
               </a:ext>
             </a:extLst>
           </a:blip>
@@ -5407,7 +5408,7 @@
           <p:cNvPr id="34" name="연결선: 꺾임 33">
             <a:extLst>
               <a:ext uri="{FF2B5EF4-FFF2-40B4-BE49-F238E27FC236}">
-                <a16:creationId xmlns:a16="http://schemas.microsoft.com/office/drawing/2014/main" xmlns="" id="{2D5626B5-2A83-4DF7-B542-ED7FE08BC538}"/>
+                <a16:creationId xmlns="" xmlns:a16="http://schemas.microsoft.com/office/drawing/2014/main" id="{2D5626B5-2A83-4DF7-B542-ED7FE08BC538}"/>
               </a:ext>
             </a:extLst>
           </p:cNvPr>
@@ -5458,7 +5459,7 @@
           <p:cNvPr id="110" name="연결선: 꺾임 109">
             <a:extLst>
               <a:ext uri="{FF2B5EF4-FFF2-40B4-BE49-F238E27FC236}">
-                <a16:creationId xmlns:a16="http://schemas.microsoft.com/office/drawing/2014/main" xmlns="" id="{4619E872-E042-4C9C-A437-975F5DA2F778}"/>
+                <a16:creationId xmlns="" xmlns:a16="http://schemas.microsoft.com/office/drawing/2014/main" id="{4619E872-E042-4C9C-A437-975F5DA2F778}"/>
               </a:ext>
             </a:extLst>
           </p:cNvPr>
@@ -5509,7 +5510,7 @@
           <p:cNvPr id="57" name="연결선: 꺾임 56">
             <a:extLst>
               <a:ext uri="{FF2B5EF4-FFF2-40B4-BE49-F238E27FC236}">
-                <a16:creationId xmlns:a16="http://schemas.microsoft.com/office/drawing/2014/main" xmlns="" id="{3B974E32-C398-44C9-8140-5070F441AA73}"/>
+                <a16:creationId xmlns="" xmlns:a16="http://schemas.microsoft.com/office/drawing/2014/main" id="{3B974E32-C398-44C9-8140-5070F441AA73}"/>
               </a:ext>
             </a:extLst>
           </p:cNvPr>
@@ -5560,7 +5561,7 @@
           <p:cNvPr id="59" name="연결선: 꺾임 58">
             <a:extLst>
               <a:ext uri="{FF2B5EF4-FFF2-40B4-BE49-F238E27FC236}">
-                <a16:creationId xmlns:a16="http://schemas.microsoft.com/office/drawing/2014/main" xmlns="" id="{9F32841F-1023-47FA-AA7A-7D71DB36AB3D}"/>
+                <a16:creationId xmlns="" xmlns:a16="http://schemas.microsoft.com/office/drawing/2014/main" id="{9F32841F-1023-47FA-AA7A-7D71DB36AB3D}"/>
               </a:ext>
             </a:extLst>
           </p:cNvPr>
@@ -5609,7 +5610,7 @@
           <p:cNvPr id="62" name="직선 연결선 61">
             <a:extLst>
               <a:ext uri="{FF2B5EF4-FFF2-40B4-BE49-F238E27FC236}">
-                <a16:creationId xmlns:a16="http://schemas.microsoft.com/office/drawing/2014/main" xmlns="" id="{9E6A078E-5EC0-4377-AE97-E8103DCDA861}"/>
+                <a16:creationId xmlns="" xmlns:a16="http://schemas.microsoft.com/office/drawing/2014/main" id="{9E6A078E-5EC0-4377-AE97-E8103DCDA861}"/>
               </a:ext>
             </a:extLst>
           </p:cNvPr>
@@ -5655,7 +5656,7 @@
           <p:cNvPr id="70" name="그림 69">
             <a:extLst>
               <a:ext uri="{FF2B5EF4-FFF2-40B4-BE49-F238E27FC236}">
-                <a16:creationId xmlns:a16="http://schemas.microsoft.com/office/drawing/2014/main" xmlns="" id="{E2EA27B3-2FD6-4861-B2C2-D0843B3BB1C8}"/>
+                <a16:creationId xmlns="" xmlns:a16="http://schemas.microsoft.com/office/drawing/2014/main" id="{E2EA27B3-2FD6-4861-B2C2-D0843B3BB1C8}"/>
               </a:ext>
             </a:extLst>
           </p:cNvPr>
@@ -5685,7 +5686,7 @@
           <p:cNvPr id="72" name="직선 화살표 연결선 71">
             <a:extLst>
               <a:ext uri="{FF2B5EF4-FFF2-40B4-BE49-F238E27FC236}">
-                <a16:creationId xmlns:a16="http://schemas.microsoft.com/office/drawing/2014/main" xmlns="" id="{8EC5BF23-DEB8-40CD-A04C-E3B610718D34}"/>
+                <a16:creationId xmlns="" xmlns:a16="http://schemas.microsoft.com/office/drawing/2014/main" id="{8EC5BF23-DEB8-40CD-A04C-E3B610718D34}"/>
               </a:ext>
             </a:extLst>
           </p:cNvPr>
@@ -5733,7 +5734,7 @@
           <p:cNvPr id="143" name="연결선: 꺾임 142">
             <a:extLst>
               <a:ext uri="{FF2B5EF4-FFF2-40B4-BE49-F238E27FC236}">
-                <a16:creationId xmlns:a16="http://schemas.microsoft.com/office/drawing/2014/main" xmlns="" id="{8BF04886-8C85-4EDE-A0E3-000D023ADBE2}"/>
+                <a16:creationId xmlns="" xmlns:a16="http://schemas.microsoft.com/office/drawing/2014/main" id="{8BF04886-8C85-4EDE-A0E3-000D023ADBE2}"/>
               </a:ext>
             </a:extLst>
           </p:cNvPr>
@@ -5783,7 +5784,7 @@
           <p:cNvPr id="146" name="TextBox 145">
             <a:extLst>
               <a:ext uri="{FF2B5EF4-FFF2-40B4-BE49-F238E27FC236}">
-                <a16:creationId xmlns:a16="http://schemas.microsoft.com/office/drawing/2014/main" xmlns="" id="{6E091700-4426-449F-84B8-80CDC7EBC52D}"/>
+                <a16:creationId xmlns="" xmlns:a16="http://schemas.microsoft.com/office/drawing/2014/main" id="{6E091700-4426-449F-84B8-80CDC7EBC52D}"/>
               </a:ext>
             </a:extLst>
           </p:cNvPr>
@@ -5819,7 +5820,7 @@
           <p:cNvPr id="147" name="TextBox 146">
             <a:extLst>
               <a:ext uri="{FF2B5EF4-FFF2-40B4-BE49-F238E27FC236}">
-                <a16:creationId xmlns:a16="http://schemas.microsoft.com/office/drawing/2014/main" xmlns="" id="{4CB1A769-918B-487C-A8F0-CE5CCDFD3C6D}"/>
+                <a16:creationId xmlns="" xmlns:a16="http://schemas.microsoft.com/office/drawing/2014/main" id="{4CB1A769-918B-487C-A8F0-CE5CCDFD3C6D}"/>
               </a:ext>
             </a:extLst>
           </p:cNvPr>
@@ -5855,7 +5856,7 @@
           <p:cNvPr id="148" name="연결선: 꺾임 147">
             <a:extLst>
               <a:ext uri="{FF2B5EF4-FFF2-40B4-BE49-F238E27FC236}">
-                <a16:creationId xmlns:a16="http://schemas.microsoft.com/office/drawing/2014/main" xmlns="" id="{649E17A2-78E4-4D68-AC4B-7ABE01B90632}"/>
+                <a16:creationId xmlns="" xmlns:a16="http://schemas.microsoft.com/office/drawing/2014/main" id="{649E17A2-78E4-4D68-AC4B-7ABE01B90632}"/>
               </a:ext>
             </a:extLst>
           </p:cNvPr>
@@ -5904,7 +5905,7 @@
           <p:cNvPr id="152" name="TextBox 151">
             <a:extLst>
               <a:ext uri="{FF2B5EF4-FFF2-40B4-BE49-F238E27FC236}">
-                <a16:creationId xmlns:a16="http://schemas.microsoft.com/office/drawing/2014/main" xmlns="" id="{205B5145-70D0-42DC-85DA-8C3CB9325880}"/>
+                <a16:creationId xmlns="" xmlns:a16="http://schemas.microsoft.com/office/drawing/2014/main" id="{205B5145-70D0-42DC-85DA-8C3CB9325880}"/>
               </a:ext>
             </a:extLst>
           </p:cNvPr>
@@ -5954,7 +5955,7 @@
           <p:cNvPr id="1026" name="Picture 2" descr="Atlassian Jira and Jira Plugins - HARMONY">
             <a:extLst>
               <a:ext uri="{FF2B5EF4-FFF2-40B4-BE49-F238E27FC236}">
-                <a16:creationId xmlns:a16="http://schemas.microsoft.com/office/drawing/2014/main" xmlns="" id="{E51990B2-54E0-46B3-8616-ED80230EC592}"/>
+                <a16:creationId xmlns="" xmlns:a16="http://schemas.microsoft.com/office/drawing/2014/main" id="{E51990B2-54E0-46B3-8616-ED80230EC592}"/>
               </a:ext>
             </a:extLst>
           </p:cNvPr>
@@ -5967,7 +5968,7 @@
           <a:blip r:embed="rId20" cstate="print">
             <a:extLst>
               <a:ext uri="{28A0092B-C50C-407E-A947-70E740481C1C}">
-                <a14:useLocalDpi xmlns:a14="http://schemas.microsoft.com/office/drawing/2010/main" xmlns="" val="0"/>
+                <a14:useLocalDpi xmlns="" xmlns:a14="http://schemas.microsoft.com/office/drawing/2010/main" val="0"/>
               </a:ext>
             </a:extLst>
           </a:blip>
@@ -5987,7 +5988,7 @@
           <a:noFill/>
           <a:extLst>
             <a:ext uri="{909E8E84-426E-40DD-AFC4-6F175D3DCCD1}">
-              <a14:hiddenFill xmlns:a14="http://schemas.microsoft.com/office/drawing/2010/main" xmlns="">
+              <a14:hiddenFill xmlns="" xmlns:a14="http://schemas.microsoft.com/office/drawing/2010/main">
                 <a:solidFill>
                   <a:srgbClr val="FFFFFF"/>
                 </a:solidFill>
@@ -6001,7 +6002,7 @@
           <p:cNvPr id="157" name="직선 화살표 연결선 156">
             <a:extLst>
               <a:ext uri="{FF2B5EF4-FFF2-40B4-BE49-F238E27FC236}">
-                <a16:creationId xmlns:a16="http://schemas.microsoft.com/office/drawing/2014/main" xmlns="" id="{05C9C557-BB20-4E14-B75C-EE469224FF37}"/>
+                <a16:creationId xmlns="" xmlns:a16="http://schemas.microsoft.com/office/drawing/2014/main" id="{05C9C557-BB20-4E14-B75C-EE469224FF37}"/>
               </a:ext>
             </a:extLst>
           </p:cNvPr>
@@ -6049,7 +6050,7 @@
           <p:cNvPr id="161" name="직선 화살표 연결선 160">
             <a:extLst>
               <a:ext uri="{FF2B5EF4-FFF2-40B4-BE49-F238E27FC236}">
-                <a16:creationId xmlns:a16="http://schemas.microsoft.com/office/drawing/2014/main" xmlns="" id="{FF128146-3744-4406-A9A0-F1E86937B356}"/>
+                <a16:creationId xmlns="" xmlns:a16="http://schemas.microsoft.com/office/drawing/2014/main" id="{FF128146-3744-4406-A9A0-F1E86937B356}"/>
               </a:ext>
             </a:extLst>
           </p:cNvPr>
@@ -6097,7 +6098,7 @@
           <p:cNvPr id="166" name="연결선: 꺾임 165">
             <a:extLst>
               <a:ext uri="{FF2B5EF4-FFF2-40B4-BE49-F238E27FC236}">
-                <a16:creationId xmlns:a16="http://schemas.microsoft.com/office/drawing/2014/main" xmlns="" id="{9FFDBA6E-2C18-4D59-B9A5-E3B64CAA6EA9}"/>
+                <a16:creationId xmlns="" xmlns:a16="http://schemas.microsoft.com/office/drawing/2014/main" id="{9FFDBA6E-2C18-4D59-B9A5-E3B64CAA6EA9}"/>
               </a:ext>
             </a:extLst>
           </p:cNvPr>
@@ -6146,7 +6147,7 @@
           <p:cNvPr id="171" name="연결선: 꺾임 170">
             <a:extLst>
               <a:ext uri="{FF2B5EF4-FFF2-40B4-BE49-F238E27FC236}">
-                <a16:creationId xmlns:a16="http://schemas.microsoft.com/office/drawing/2014/main" xmlns="" id="{BDB75C3A-AF10-48E8-AA0B-483C936835D1}"/>
+                <a16:creationId xmlns="" xmlns:a16="http://schemas.microsoft.com/office/drawing/2014/main" id="{BDB75C3A-AF10-48E8-AA0B-483C936835D1}"/>
               </a:ext>
             </a:extLst>
           </p:cNvPr>
@@ -6196,7 +6197,7 @@
           <p:cNvPr id="178" name="연결선: 꺾임 177">
             <a:extLst>
               <a:ext uri="{FF2B5EF4-FFF2-40B4-BE49-F238E27FC236}">
-                <a16:creationId xmlns:a16="http://schemas.microsoft.com/office/drawing/2014/main" xmlns="" id="{F3222A08-1DD8-4DAF-ACEA-78A0D932ED05}"/>
+                <a16:creationId xmlns="" xmlns:a16="http://schemas.microsoft.com/office/drawing/2014/main" id="{F3222A08-1DD8-4DAF-ACEA-78A0D932ED05}"/>
               </a:ext>
             </a:extLst>
           </p:cNvPr>
@@ -6247,7 +6248,7 @@
           <p:cNvPr id="180" name="TextBox 179">
             <a:extLst>
               <a:ext uri="{FF2B5EF4-FFF2-40B4-BE49-F238E27FC236}">
-                <a16:creationId xmlns:a16="http://schemas.microsoft.com/office/drawing/2014/main" xmlns="" id="{C5CAED87-7890-4235-8DC1-810DE30E5F84}"/>
+                <a16:creationId xmlns="" xmlns:a16="http://schemas.microsoft.com/office/drawing/2014/main" id="{C5CAED87-7890-4235-8DC1-810DE30E5F84}"/>
               </a:ext>
             </a:extLst>
           </p:cNvPr>
@@ -6283,7 +6284,7 @@
           <p:cNvPr id="181" name="TextBox 180">
             <a:extLst>
               <a:ext uri="{FF2B5EF4-FFF2-40B4-BE49-F238E27FC236}">
-                <a16:creationId xmlns:a16="http://schemas.microsoft.com/office/drawing/2014/main" xmlns="" id="{B6C898BC-816F-4B29-8C6C-FC9605D29A8B}"/>
+                <a16:creationId xmlns="" xmlns:a16="http://schemas.microsoft.com/office/drawing/2014/main" id="{B6C898BC-816F-4B29-8C6C-FC9605D29A8B}"/>
               </a:ext>
             </a:extLst>
           </p:cNvPr>
@@ -6426,7 +6427,7 @@
           <p:cNvPr id="115" name="TextBox 114">
             <a:extLst>
               <a:ext uri="{FF2B5EF4-FFF2-40B4-BE49-F238E27FC236}">
-                <a16:creationId xmlns:a16="http://schemas.microsoft.com/office/drawing/2014/main" xmlns="" id="{205B5145-70D0-42DC-85DA-8C3CB9325880}"/>
+                <a16:creationId xmlns="" xmlns:a16="http://schemas.microsoft.com/office/drawing/2014/main" id="{205B5145-70D0-42DC-85DA-8C3CB9325880}"/>
               </a:ext>
             </a:extLst>
           </p:cNvPr>
@@ -9750,27 +9751,116 @@
           <a:chExt cx="0" cy="0"/>
         </a:xfrm>
       </p:grpSpPr>
-      <p:sp>
-        <p:nvSpPr>
-          <p:cNvPr id="53" name="직사각형 52"/>
+      <p:pic>
+        <p:nvPicPr>
+          <p:cNvPr id="3" name="그림 2" descr="3630px-Nginx_logo.png"/>
+          <p:cNvPicPr>
+            <a:picLocks noChangeAspect="1"/>
+          </p:cNvPicPr>
+          <p:nvPr/>
+        </p:nvPicPr>
+        <p:blipFill>
+          <a:blip r:embed="rId2" cstate="print"/>
+          <a:stretch>
+            <a:fillRect/>
+          </a:stretch>
+        </p:blipFill>
+        <p:spPr>
+          <a:xfrm>
+            <a:off x="2195736" y="764704"/>
+            <a:ext cx="951172" cy="654028"/>
+          </a:xfrm>
+          <a:prstGeom prst="rect">
+            <a:avLst/>
+          </a:prstGeom>
+        </p:spPr>
+      </p:pic>
+      <p:pic>
+        <p:nvPicPr>
+          <p:cNvPr id="4" name="그림 3" descr="pngegg.png"/>
+          <p:cNvPicPr>
+            <a:picLocks noChangeAspect="1"/>
+          </p:cNvPicPr>
+          <p:nvPr/>
+        </p:nvPicPr>
+        <p:blipFill>
+          <a:blip r:embed="rId3" cstate="print"/>
+          <a:stretch>
+            <a:fillRect/>
+          </a:stretch>
+        </p:blipFill>
+        <p:spPr>
+          <a:xfrm>
+            <a:off x="1209190" y="665055"/>
+            <a:ext cx="648072" cy="648072"/>
+          </a:xfrm>
+          <a:prstGeom prst="rect">
+            <a:avLst/>
+          </a:prstGeom>
+        </p:spPr>
+      </p:pic>
+      <p:pic>
+        <p:nvPicPr>
+          <p:cNvPr id="5" name="그림 4">
+            <a:extLst>
+              <a:ext uri="{FF2B5EF4-FFF2-40B4-BE49-F238E27FC236}">
+                <a16:creationId xmlns="" xmlns:a16="http://schemas.microsoft.com/office/drawing/2014/main" id="{029D3D92-B789-4797-A1D0-A06650601793}"/>
+              </a:ext>
+            </a:extLst>
+          </p:cNvPr>
+          <p:cNvPicPr>
+            <a:picLocks noChangeAspect="1"/>
+          </p:cNvPicPr>
+          <p:nvPr/>
+        </p:nvPicPr>
+        <p:blipFill>
+          <a:blip r:embed="rId4" cstate="print">
+            <a:extLst>
+              <a:ext uri="{28A0092B-C50C-407E-A947-70E740481C1C}">
+                <a14:useLocalDpi xmlns="" xmlns:a14="http://schemas.microsoft.com/office/drawing/2010/main" val="0"/>
+              </a:ext>
+            </a:extLst>
+          </a:blip>
+          <a:stretch>
+            <a:fillRect/>
+          </a:stretch>
+        </p:blipFill>
+        <p:spPr>
+          <a:xfrm>
+            <a:off x="2195736" y="404664"/>
+            <a:ext cx="911960" cy="481066"/>
+          </a:xfrm>
+          <a:prstGeom prst="rect">
+            <a:avLst/>
+          </a:prstGeom>
+        </p:spPr>
+      </p:pic>
+      <p:sp>
+        <p:nvSpPr>
+          <p:cNvPr id="6" name="모서리가 둥근 직사각형 174">
+            <a:extLst>
+              <a:ext uri="{FF2B5EF4-FFF2-40B4-BE49-F238E27FC236}">
+                <a16:creationId xmlns="" xmlns:a16="http://schemas.microsoft.com/office/drawing/2014/main" id="{05913057-6CEC-4B01-88F4-B4773D2F2A85}"/>
+              </a:ext>
+            </a:extLst>
+          </p:cNvPr>
           <p:cNvSpPr/>
           <p:nvPr/>
         </p:nvSpPr>
         <p:spPr>
           <a:xfrm>
-            <a:off x="4644008" y="3212976"/>
-            <a:ext cx="576064" cy="2736304"/>
-          </a:xfrm>
-          <a:prstGeom prst="rect">
-            <a:avLst/>
-          </a:prstGeom>
-          <a:solidFill>
-            <a:schemeClr val="bg1">
-              <a:lumMod val="65000"/>
-            </a:schemeClr>
-          </a:solidFill>
-          <a:ln>
-            <a:noFill/>
+            <a:off x="1835696" y="404664"/>
+            <a:ext cx="4248472" cy="1126403"/>
+          </a:xfrm>
+          <a:prstGeom prst="roundRect">
+            <a:avLst/>
+          </a:prstGeom>
+          <a:noFill/>
+          <a:ln w="12700">
+            <a:solidFill>
+              <a:schemeClr val="tx1"/>
+            </a:solidFill>
+            <a:prstDash val="sysDot"/>
           </a:ln>
         </p:spPr>
         <p:style>
@@ -9794,10 +9884,6097 @@
           <a:lstStyle/>
           <a:p>
             <a:pPr algn="ctr"/>
+            <a:endParaRPr lang="ko-KR" altLang="en-US" dirty="0"/>
+          </a:p>
+        </p:txBody>
+      </p:sp>
+      <p:sp>
+        <p:nvSpPr>
+          <p:cNvPr id="7" name="TextBox 6">
+            <a:extLst>
+              <a:ext uri="{FF2B5EF4-FFF2-40B4-BE49-F238E27FC236}">
+                <a16:creationId xmlns="" xmlns:a16="http://schemas.microsoft.com/office/drawing/2014/main" id="{B6C898BC-816F-4B29-8C6C-FC9605D29A8B}"/>
+              </a:ext>
+            </a:extLst>
+          </p:cNvPr>
+          <p:cNvSpPr txBox="1"/>
+          <p:nvPr/>
+        </p:nvSpPr>
+        <p:spPr>
+          <a:xfrm>
+            <a:off x="2627784" y="1556792"/>
+            <a:ext cx="2376264" cy="246221"/>
+          </a:xfrm>
+          <a:prstGeom prst="rect">
+            <a:avLst/>
+          </a:prstGeom>
+          <a:noFill/>
+        </p:spPr>
+        <p:txBody>
+          <a:bodyPr wrap="square" rtlCol="0">
+            <a:spAutoFit/>
+          </a:bodyPr>
+          <a:lstStyle/>
+          <a:p>
+            <a:r>
+              <a:rPr lang="en-US" altLang="ko-KR" sz="1000" dirty="0"/>
+              <a:t>Proxy Web </a:t>
+            </a:r>
+            <a:r>
+              <a:rPr lang="en-US" altLang="ko-KR" sz="1000" dirty="0" smtClean="0"/>
+              <a:t>Server(</a:t>
+            </a:r>
+            <a:r>
+              <a:rPr lang="en-US" altLang="ko-KR" sz="1000" b="1" dirty="0" smtClean="0"/>
+              <a:t>211.240.6.4</a:t>
+            </a:r>
+            <a:r>
+              <a:rPr lang="en-US" altLang="ko-KR" sz="1000" dirty="0" smtClean="0"/>
+              <a:t>)</a:t>
+            </a:r>
+            <a:endParaRPr lang="ko-KR" altLang="en-US" sz="1000" dirty="0"/>
+          </a:p>
+        </p:txBody>
+      </p:sp>
+      <p:sp>
+        <p:nvSpPr>
+          <p:cNvPr id="8" name="TextBox 7"/>
+          <p:cNvSpPr txBox="1"/>
+          <p:nvPr/>
+        </p:nvSpPr>
+        <p:spPr>
+          <a:xfrm>
+            <a:off x="4224942" y="563369"/>
+            <a:ext cx="1247158" cy="246221"/>
+          </a:xfrm>
+          <a:prstGeom prst="rect">
+            <a:avLst/>
+          </a:prstGeom>
+          <a:noFill/>
+        </p:spPr>
+        <p:txBody>
+          <a:bodyPr wrap="square" rtlCol="0">
+            <a:spAutoFit/>
+          </a:bodyPr>
+          <a:lstStyle/>
+          <a:p>
+            <a:r>
+              <a:rPr lang="ko-KR" altLang="en-US" sz="1000" dirty="0" smtClean="0">
+                <a:solidFill>
+                  <a:srgbClr val="FF0000"/>
+                </a:solidFill>
+              </a:rPr>
+              <a:t>전자영수증 관리자</a:t>
+            </a:r>
+            <a:endParaRPr lang="ko-KR" altLang="en-US" sz="1000" dirty="0">
+              <a:solidFill>
+                <a:srgbClr val="FF0000"/>
+              </a:solidFill>
+            </a:endParaRPr>
+          </a:p>
+        </p:txBody>
+      </p:sp>
+      <p:pic>
+        <p:nvPicPr>
+          <p:cNvPr id="9" name="그림 8">
+            <a:extLst>
+              <a:ext uri="{FF2B5EF4-FFF2-40B4-BE49-F238E27FC236}">
+                <a16:creationId xmlns="" xmlns:a16="http://schemas.microsoft.com/office/drawing/2014/main" id="{D3F33C5E-92FB-40A2-96F4-271D44631413}"/>
+              </a:ext>
+            </a:extLst>
+          </p:cNvPr>
+          <p:cNvPicPr>
+            <a:picLocks noChangeAspect="1"/>
+          </p:cNvPicPr>
+          <p:nvPr/>
+        </p:nvPicPr>
+        <p:blipFill>
+          <a:blip r:embed="rId5" cstate="print">
+            <a:extLst>
+              <a:ext uri="{28A0092B-C50C-407E-A947-70E740481C1C}">
+                <a14:useLocalDpi xmlns="" xmlns:a14="http://schemas.microsoft.com/office/drawing/2010/main" val="0"/>
+              </a:ext>
+            </a:extLst>
+          </a:blip>
+          <a:stretch>
+            <a:fillRect/>
+          </a:stretch>
+        </p:blipFill>
+        <p:spPr>
+          <a:xfrm>
+            <a:off x="3656709" y="579512"/>
+            <a:ext cx="246221" cy="246221"/>
+          </a:xfrm>
+          <a:prstGeom prst="rect">
+            <a:avLst/>
+          </a:prstGeom>
+        </p:spPr>
+      </p:pic>
+      <p:pic>
+        <p:nvPicPr>
+          <p:cNvPr id="10" name="그림 9">
+            <a:extLst>
+              <a:ext uri="{FF2B5EF4-FFF2-40B4-BE49-F238E27FC236}">
+                <a16:creationId xmlns="" xmlns:a16="http://schemas.microsoft.com/office/drawing/2014/main" id="{B5F582BA-D97E-4E76-BBF6-15A846581CA5}"/>
+              </a:ext>
+            </a:extLst>
+          </p:cNvPr>
+          <p:cNvPicPr>
+            <a:picLocks noChangeAspect="1"/>
+          </p:cNvPicPr>
+          <p:nvPr/>
+        </p:nvPicPr>
+        <p:blipFill>
+          <a:blip r:embed="rId6" cstate="print">
+            <a:extLst>
+              <a:ext uri="{28A0092B-C50C-407E-A947-70E740481C1C}">
+                <a14:useLocalDpi xmlns="" xmlns:a14="http://schemas.microsoft.com/office/drawing/2010/main" val="0"/>
+              </a:ext>
+            </a:extLst>
+          </a:blip>
+          <a:stretch>
+            <a:fillRect/>
+          </a:stretch>
+        </p:blipFill>
+        <p:spPr>
+          <a:xfrm>
+            <a:off x="3899104" y="537701"/>
+            <a:ext cx="291858" cy="290455"/>
+          </a:xfrm>
+          <a:prstGeom prst="rect">
+            <a:avLst/>
+          </a:prstGeom>
+        </p:spPr>
+      </p:pic>
+      <p:sp>
+        <p:nvSpPr>
+          <p:cNvPr id="11" name="직사각형 10">
+            <a:extLst>
+              <a:ext uri="{FF2B5EF4-FFF2-40B4-BE49-F238E27FC236}">
+                <a16:creationId xmlns="" xmlns:a16="http://schemas.microsoft.com/office/drawing/2014/main" id="{E10806AC-CCE4-43E1-BC09-950AA2D2AFB9}"/>
+              </a:ext>
+            </a:extLst>
+          </p:cNvPr>
+          <p:cNvSpPr/>
+          <p:nvPr/>
+        </p:nvSpPr>
+        <p:spPr>
+          <a:xfrm>
+            <a:off x="3635896" y="548680"/>
+            <a:ext cx="2124236" cy="288031"/>
+          </a:xfrm>
+          <a:prstGeom prst="rect">
+            <a:avLst/>
+          </a:prstGeom>
+          <a:noFill/>
+          <a:ln w="0">
+            <a:solidFill>
+              <a:srgbClr val="FF0000"/>
+            </a:solidFill>
+          </a:ln>
+        </p:spPr>
+        <p:style>
+          <a:lnRef idx="2">
+            <a:schemeClr val="accent1">
+              <a:shade val="50000"/>
+            </a:schemeClr>
+          </a:lnRef>
+          <a:fillRef idx="1">
+            <a:schemeClr val="accent1"/>
+          </a:fillRef>
+          <a:effectRef idx="0">
+            <a:schemeClr val="accent1"/>
+          </a:effectRef>
+          <a:fontRef idx="minor">
+            <a:schemeClr val="lt1"/>
+          </a:fontRef>
+        </p:style>
+        <p:txBody>
+          <a:bodyPr rtlCol="0" anchor="ctr"/>
+          <a:lstStyle/>
+          <a:p>
+            <a:pPr algn="ctr"/>
             <a:endParaRPr lang="ko-KR" altLang="en-US"/>
           </a:p>
         </p:txBody>
       </p:sp>
+      <p:sp>
+        <p:nvSpPr>
+          <p:cNvPr id="12" name="TextBox 11">
+            <a:extLst>
+              <a:ext uri="{FF2B5EF4-FFF2-40B4-BE49-F238E27FC236}">
+                <a16:creationId xmlns="" xmlns:a16="http://schemas.microsoft.com/office/drawing/2014/main" id="{9F24BCE2-00AD-442A-B915-4D1534C7DC3F}"/>
+              </a:ext>
+            </a:extLst>
+          </p:cNvPr>
+          <p:cNvSpPr txBox="1"/>
+          <p:nvPr/>
+        </p:nvSpPr>
+        <p:spPr>
+          <a:xfrm>
+            <a:off x="4224942" y="923409"/>
+            <a:ext cx="1247158" cy="246221"/>
+          </a:xfrm>
+          <a:prstGeom prst="rect">
+            <a:avLst/>
+          </a:prstGeom>
+          <a:noFill/>
+        </p:spPr>
+        <p:txBody>
+          <a:bodyPr wrap="square" rtlCol="0">
+            <a:spAutoFit/>
+          </a:bodyPr>
+          <a:lstStyle/>
+          <a:p>
+            <a:r>
+              <a:rPr lang="ko-KR" altLang="en-US" sz="1000" dirty="0" smtClean="0">
+                <a:solidFill>
+                  <a:srgbClr val="FF0000"/>
+                </a:solidFill>
+              </a:rPr>
+              <a:t>원터치페이 관리자</a:t>
+            </a:r>
+            <a:endParaRPr lang="ko-KR" altLang="en-US" sz="1000" dirty="0">
+              <a:solidFill>
+                <a:srgbClr val="FF0000"/>
+              </a:solidFill>
+            </a:endParaRPr>
+          </a:p>
+        </p:txBody>
+      </p:sp>
+      <p:pic>
+        <p:nvPicPr>
+          <p:cNvPr id="13" name="그림 12">
+            <a:extLst>
+              <a:ext uri="{FF2B5EF4-FFF2-40B4-BE49-F238E27FC236}">
+                <a16:creationId xmlns="" xmlns:a16="http://schemas.microsoft.com/office/drawing/2014/main" id="{D224ACBA-EE9E-4867-B37B-E0457781A77C}"/>
+              </a:ext>
+            </a:extLst>
+          </p:cNvPr>
+          <p:cNvPicPr>
+            <a:picLocks noChangeAspect="1"/>
+          </p:cNvPicPr>
+          <p:nvPr/>
+        </p:nvPicPr>
+        <p:blipFill>
+          <a:blip r:embed="rId5" cstate="print">
+            <a:extLst>
+              <a:ext uri="{28A0092B-C50C-407E-A947-70E740481C1C}">
+                <a14:useLocalDpi xmlns="" xmlns:a14="http://schemas.microsoft.com/office/drawing/2010/main" val="0"/>
+              </a:ext>
+            </a:extLst>
+          </a:blip>
+          <a:stretch>
+            <a:fillRect/>
+          </a:stretch>
+        </p:blipFill>
+        <p:spPr>
+          <a:xfrm>
+            <a:off x="3656709" y="939552"/>
+            <a:ext cx="246221" cy="246221"/>
+          </a:xfrm>
+          <a:prstGeom prst="rect">
+            <a:avLst/>
+          </a:prstGeom>
+        </p:spPr>
+      </p:pic>
+      <p:pic>
+        <p:nvPicPr>
+          <p:cNvPr id="14" name="그림 13">
+            <a:extLst>
+              <a:ext uri="{FF2B5EF4-FFF2-40B4-BE49-F238E27FC236}">
+                <a16:creationId xmlns="" xmlns:a16="http://schemas.microsoft.com/office/drawing/2014/main" id="{CB0A7BC5-4070-486B-B273-00597F9518F1}"/>
+              </a:ext>
+            </a:extLst>
+          </p:cNvPr>
+          <p:cNvPicPr>
+            <a:picLocks noChangeAspect="1"/>
+          </p:cNvPicPr>
+          <p:nvPr/>
+        </p:nvPicPr>
+        <p:blipFill>
+          <a:blip r:embed="rId6" cstate="print">
+            <a:extLst>
+              <a:ext uri="{28A0092B-C50C-407E-A947-70E740481C1C}">
+                <a14:useLocalDpi xmlns="" xmlns:a14="http://schemas.microsoft.com/office/drawing/2010/main" val="0"/>
+              </a:ext>
+            </a:extLst>
+          </a:blip>
+          <a:stretch>
+            <a:fillRect/>
+          </a:stretch>
+        </p:blipFill>
+        <p:spPr>
+          <a:xfrm>
+            <a:off x="3899104" y="897741"/>
+            <a:ext cx="291858" cy="290455"/>
+          </a:xfrm>
+          <a:prstGeom prst="rect">
+            <a:avLst/>
+          </a:prstGeom>
+        </p:spPr>
+      </p:pic>
+      <p:sp>
+        <p:nvSpPr>
+          <p:cNvPr id="15" name="직사각형 14">
+            <a:extLst>
+              <a:ext uri="{FF2B5EF4-FFF2-40B4-BE49-F238E27FC236}">
+                <a16:creationId xmlns="" xmlns:a16="http://schemas.microsoft.com/office/drawing/2014/main" id="{EBF631AE-9E86-4029-BF96-79362966A75D}"/>
+              </a:ext>
+            </a:extLst>
+          </p:cNvPr>
+          <p:cNvSpPr/>
+          <p:nvPr/>
+        </p:nvSpPr>
+        <p:spPr>
+          <a:xfrm>
+            <a:off x="3635896" y="908720"/>
+            <a:ext cx="2124236" cy="288031"/>
+          </a:xfrm>
+          <a:prstGeom prst="rect">
+            <a:avLst/>
+          </a:prstGeom>
+          <a:noFill/>
+          <a:ln w="0">
+            <a:solidFill>
+              <a:srgbClr val="FF0000"/>
+            </a:solidFill>
+          </a:ln>
+        </p:spPr>
+        <p:style>
+          <a:lnRef idx="2">
+            <a:schemeClr val="accent1">
+              <a:shade val="50000"/>
+            </a:schemeClr>
+          </a:lnRef>
+          <a:fillRef idx="1">
+            <a:schemeClr val="accent1"/>
+          </a:fillRef>
+          <a:effectRef idx="0">
+            <a:schemeClr val="accent1"/>
+          </a:effectRef>
+          <a:fontRef idx="minor">
+            <a:schemeClr val="lt1"/>
+          </a:fontRef>
+        </p:style>
+        <p:txBody>
+          <a:bodyPr rtlCol="0" anchor="ctr"/>
+          <a:lstStyle/>
+          <a:p>
+            <a:pPr algn="ctr"/>
+            <a:endParaRPr lang="ko-KR" altLang="en-US"/>
+          </a:p>
+        </p:txBody>
+      </p:sp>
+      <p:sp>
+        <p:nvSpPr>
+          <p:cNvPr id="16" name="TextBox 15"/>
+          <p:cNvSpPr txBox="1"/>
+          <p:nvPr/>
+        </p:nvSpPr>
+        <p:spPr>
+          <a:xfrm>
+            <a:off x="3108818" y="2982946"/>
+            <a:ext cx="576064" cy="246221"/>
+          </a:xfrm>
+          <a:prstGeom prst="rect">
+            <a:avLst/>
+          </a:prstGeom>
+          <a:noFill/>
+        </p:spPr>
+        <p:txBody>
+          <a:bodyPr wrap="square" rtlCol="0">
+            <a:spAutoFit/>
+          </a:bodyPr>
+          <a:lstStyle/>
+          <a:p>
+            <a:r>
+              <a:rPr lang="ko-KR" altLang="en-US" sz="1000" dirty="0"/>
+              <a:t>가맹점 </a:t>
+            </a:r>
+          </a:p>
+        </p:txBody>
+      </p:sp>
+      <p:sp>
+        <p:nvSpPr>
+          <p:cNvPr id="17" name="모서리가 둥근 직사각형 16"/>
+          <p:cNvSpPr/>
+          <p:nvPr/>
+        </p:nvSpPr>
+        <p:spPr>
+          <a:xfrm>
+            <a:off x="2411760" y="2564904"/>
+            <a:ext cx="1584176" cy="1658886"/>
+          </a:xfrm>
+          <a:prstGeom prst="roundRect">
+            <a:avLst/>
+          </a:prstGeom>
+          <a:noFill/>
+          <a:ln w="12700">
+            <a:solidFill>
+              <a:schemeClr val="tx1"/>
+            </a:solidFill>
+            <a:prstDash val="sysDot"/>
+          </a:ln>
+        </p:spPr>
+        <p:style>
+          <a:lnRef idx="2">
+            <a:schemeClr val="accent1">
+              <a:shade val="50000"/>
+            </a:schemeClr>
+          </a:lnRef>
+          <a:fillRef idx="1">
+            <a:schemeClr val="accent1"/>
+          </a:fillRef>
+          <a:effectRef idx="0">
+            <a:schemeClr val="accent1"/>
+          </a:effectRef>
+          <a:fontRef idx="minor">
+            <a:schemeClr val="lt1"/>
+          </a:fontRef>
+        </p:style>
+        <p:txBody>
+          <a:bodyPr rtlCol="0" anchor="ctr"/>
+          <a:lstStyle/>
+          <a:p>
+            <a:pPr algn="ctr"/>
+            <a:endParaRPr lang="ko-KR" altLang="en-US" dirty="0"/>
+          </a:p>
+        </p:txBody>
+      </p:sp>
+      <p:pic>
+        <p:nvPicPr>
+          <p:cNvPr id="18" name="그래픽 2">
+            <a:extLst>
+              <a:ext uri="{FF2B5EF4-FFF2-40B4-BE49-F238E27FC236}">
+                <a16:creationId xmlns="" xmlns:a16="http://schemas.microsoft.com/office/drawing/2014/main" id="{206DC7ED-C26D-4F2B-A382-FEB07A45052D}"/>
+              </a:ext>
+            </a:extLst>
+          </p:cNvPr>
+          <p:cNvPicPr>
+            <a:picLocks noChangeAspect="1"/>
+          </p:cNvPicPr>
+          <p:nvPr/>
+        </p:nvPicPr>
+        <p:blipFill>
+          <a:blip r:embed="rId7" cstate="print">
+            <a:extLst>
+              <a:ext uri="{28A0092B-C50C-407E-A947-70E740481C1C}">
+                <a14:useLocalDpi xmlns="" xmlns:a14="http://schemas.microsoft.com/office/drawing/2010/main" val="0"/>
+              </a:ext>
+              <a:ext uri="{96DAC541-7B7A-43D3-8B79-37D633B846F1}">
+                <asvg:svgBlip xmlns="" xmlns:asvg="http://schemas.microsoft.com/office/drawing/2016/SVG/main" r:embed="rId13"/>
+              </a:ext>
+            </a:extLst>
+          </a:blip>
+          <a:stretch>
+            <a:fillRect/>
+          </a:stretch>
+        </p:blipFill>
+        <p:spPr>
+          <a:xfrm>
+            <a:off x="2620212" y="2630377"/>
+            <a:ext cx="1141641" cy="200124"/>
+          </a:xfrm>
+          <a:prstGeom prst="rect">
+            <a:avLst/>
+          </a:prstGeom>
+        </p:spPr>
+      </p:pic>
+      <p:pic>
+        <p:nvPicPr>
+          <p:cNvPr id="19" name="그림 18">
+            <a:extLst>
+              <a:ext uri="{FF2B5EF4-FFF2-40B4-BE49-F238E27FC236}">
+                <a16:creationId xmlns="" xmlns:a16="http://schemas.microsoft.com/office/drawing/2014/main" id="{D3F33C5E-92FB-40A2-96F4-271D44631413}"/>
+              </a:ext>
+            </a:extLst>
+          </p:cNvPr>
+          <p:cNvPicPr>
+            <a:picLocks noChangeAspect="1"/>
+          </p:cNvPicPr>
+          <p:nvPr/>
+        </p:nvPicPr>
+        <p:blipFill>
+          <a:blip r:embed="rId5" cstate="print">
+            <a:extLst>
+              <a:ext uri="{28A0092B-C50C-407E-A947-70E740481C1C}">
+                <a14:useLocalDpi xmlns="" xmlns:a14="http://schemas.microsoft.com/office/drawing/2010/main" val="0"/>
+              </a:ext>
+            </a:extLst>
+          </a:blip>
+          <a:stretch>
+            <a:fillRect/>
+          </a:stretch>
+        </p:blipFill>
+        <p:spPr>
+          <a:xfrm>
+            <a:off x="2540585" y="2999089"/>
+            <a:ext cx="246221" cy="246221"/>
+          </a:xfrm>
+          <a:prstGeom prst="rect">
+            <a:avLst/>
+          </a:prstGeom>
+        </p:spPr>
+      </p:pic>
+      <p:pic>
+        <p:nvPicPr>
+          <p:cNvPr id="20" name="그림 19">
+            <a:extLst>
+              <a:ext uri="{FF2B5EF4-FFF2-40B4-BE49-F238E27FC236}">
+                <a16:creationId xmlns="" xmlns:a16="http://schemas.microsoft.com/office/drawing/2014/main" id="{B5F582BA-D97E-4E76-BBF6-15A846581CA5}"/>
+              </a:ext>
+            </a:extLst>
+          </p:cNvPr>
+          <p:cNvPicPr>
+            <a:picLocks noChangeAspect="1"/>
+          </p:cNvPicPr>
+          <p:nvPr/>
+        </p:nvPicPr>
+        <p:blipFill>
+          <a:blip r:embed="rId6" cstate="print">
+            <a:extLst>
+              <a:ext uri="{28A0092B-C50C-407E-A947-70E740481C1C}">
+                <a14:useLocalDpi xmlns="" xmlns:a14="http://schemas.microsoft.com/office/drawing/2010/main" val="0"/>
+              </a:ext>
+            </a:extLst>
+          </a:blip>
+          <a:stretch>
+            <a:fillRect/>
+          </a:stretch>
+        </p:blipFill>
+        <p:spPr>
+          <a:xfrm>
+            <a:off x="2782980" y="2957278"/>
+            <a:ext cx="291858" cy="290455"/>
+          </a:xfrm>
+          <a:prstGeom prst="rect">
+            <a:avLst/>
+          </a:prstGeom>
+        </p:spPr>
+      </p:pic>
+      <p:sp>
+        <p:nvSpPr>
+          <p:cNvPr id="21" name="직사각형 20">
+            <a:extLst>
+              <a:ext uri="{FF2B5EF4-FFF2-40B4-BE49-F238E27FC236}">
+                <a16:creationId xmlns="" xmlns:a16="http://schemas.microsoft.com/office/drawing/2014/main" id="{E10806AC-CCE4-43E1-BC09-950AA2D2AFB9}"/>
+              </a:ext>
+            </a:extLst>
+          </p:cNvPr>
+          <p:cNvSpPr/>
+          <p:nvPr/>
+        </p:nvSpPr>
+        <p:spPr>
+          <a:xfrm>
+            <a:off x="2519772" y="2968257"/>
+            <a:ext cx="1368152" cy="288031"/>
+          </a:xfrm>
+          <a:prstGeom prst="rect">
+            <a:avLst/>
+          </a:prstGeom>
+          <a:noFill/>
+          <a:ln w="0"/>
+        </p:spPr>
+        <p:style>
+          <a:lnRef idx="2">
+            <a:schemeClr val="accent1">
+              <a:shade val="50000"/>
+            </a:schemeClr>
+          </a:lnRef>
+          <a:fillRef idx="1">
+            <a:schemeClr val="accent1"/>
+          </a:fillRef>
+          <a:effectRef idx="0">
+            <a:schemeClr val="accent1"/>
+          </a:effectRef>
+          <a:fontRef idx="minor">
+            <a:schemeClr val="lt1"/>
+          </a:fontRef>
+        </p:style>
+        <p:txBody>
+          <a:bodyPr rtlCol="0" anchor="ctr"/>
+          <a:lstStyle/>
+          <a:p>
+            <a:pPr algn="ctr"/>
+            <a:endParaRPr lang="ko-KR" altLang="en-US"/>
+          </a:p>
+        </p:txBody>
+      </p:sp>
+      <p:sp>
+        <p:nvSpPr>
+          <p:cNvPr id="22" name="TextBox 21">
+            <a:extLst>
+              <a:ext uri="{FF2B5EF4-FFF2-40B4-BE49-F238E27FC236}">
+                <a16:creationId xmlns="" xmlns:a16="http://schemas.microsoft.com/office/drawing/2014/main" id="{9F24BCE2-00AD-442A-B915-4D1534C7DC3F}"/>
+              </a:ext>
+            </a:extLst>
+          </p:cNvPr>
+          <p:cNvSpPr txBox="1"/>
+          <p:nvPr/>
+        </p:nvSpPr>
+        <p:spPr>
+          <a:xfrm>
+            <a:off x="3108818" y="3395459"/>
+            <a:ext cx="576064" cy="246221"/>
+          </a:xfrm>
+          <a:prstGeom prst="rect">
+            <a:avLst/>
+          </a:prstGeom>
+          <a:noFill/>
+        </p:spPr>
+        <p:txBody>
+          <a:bodyPr wrap="square" rtlCol="0">
+            <a:spAutoFit/>
+          </a:bodyPr>
+          <a:lstStyle/>
+          <a:p>
+            <a:r>
+              <a:rPr lang="ko-KR" altLang="en-US" sz="1000" dirty="0"/>
+              <a:t>영업점 </a:t>
+            </a:r>
+          </a:p>
+        </p:txBody>
+      </p:sp>
+      <p:pic>
+        <p:nvPicPr>
+          <p:cNvPr id="23" name="그림 22">
+            <a:extLst>
+              <a:ext uri="{FF2B5EF4-FFF2-40B4-BE49-F238E27FC236}">
+                <a16:creationId xmlns="" xmlns:a16="http://schemas.microsoft.com/office/drawing/2014/main" id="{D224ACBA-EE9E-4867-B37B-E0457781A77C}"/>
+              </a:ext>
+            </a:extLst>
+          </p:cNvPr>
+          <p:cNvPicPr>
+            <a:picLocks noChangeAspect="1"/>
+          </p:cNvPicPr>
+          <p:nvPr/>
+        </p:nvPicPr>
+        <p:blipFill>
+          <a:blip r:embed="rId5" cstate="print">
+            <a:extLst>
+              <a:ext uri="{28A0092B-C50C-407E-A947-70E740481C1C}">
+                <a14:useLocalDpi xmlns="" xmlns:a14="http://schemas.microsoft.com/office/drawing/2010/main" val="0"/>
+              </a:ext>
+            </a:extLst>
+          </a:blip>
+          <a:stretch>
+            <a:fillRect/>
+          </a:stretch>
+        </p:blipFill>
+        <p:spPr>
+          <a:xfrm>
+            <a:off x="2540585" y="3411602"/>
+            <a:ext cx="246221" cy="246221"/>
+          </a:xfrm>
+          <a:prstGeom prst="rect">
+            <a:avLst/>
+          </a:prstGeom>
+        </p:spPr>
+      </p:pic>
+      <p:pic>
+        <p:nvPicPr>
+          <p:cNvPr id="24" name="그림 23">
+            <a:extLst>
+              <a:ext uri="{FF2B5EF4-FFF2-40B4-BE49-F238E27FC236}">
+                <a16:creationId xmlns="" xmlns:a16="http://schemas.microsoft.com/office/drawing/2014/main" id="{CB0A7BC5-4070-486B-B273-00597F9518F1}"/>
+              </a:ext>
+            </a:extLst>
+          </p:cNvPr>
+          <p:cNvPicPr>
+            <a:picLocks noChangeAspect="1"/>
+          </p:cNvPicPr>
+          <p:nvPr/>
+        </p:nvPicPr>
+        <p:blipFill>
+          <a:blip r:embed="rId6" cstate="print">
+            <a:extLst>
+              <a:ext uri="{28A0092B-C50C-407E-A947-70E740481C1C}">
+                <a14:useLocalDpi xmlns="" xmlns:a14="http://schemas.microsoft.com/office/drawing/2010/main" val="0"/>
+              </a:ext>
+            </a:extLst>
+          </a:blip>
+          <a:stretch>
+            <a:fillRect/>
+          </a:stretch>
+        </p:blipFill>
+        <p:spPr>
+          <a:xfrm>
+            <a:off x="2782980" y="3369791"/>
+            <a:ext cx="291858" cy="290455"/>
+          </a:xfrm>
+          <a:prstGeom prst="rect">
+            <a:avLst/>
+          </a:prstGeom>
+        </p:spPr>
+      </p:pic>
+      <p:sp>
+        <p:nvSpPr>
+          <p:cNvPr id="25" name="직사각형 24">
+            <a:extLst>
+              <a:ext uri="{FF2B5EF4-FFF2-40B4-BE49-F238E27FC236}">
+                <a16:creationId xmlns="" xmlns:a16="http://schemas.microsoft.com/office/drawing/2014/main" id="{EBF631AE-9E86-4029-BF96-79362966A75D}"/>
+              </a:ext>
+            </a:extLst>
+          </p:cNvPr>
+          <p:cNvSpPr/>
+          <p:nvPr/>
+        </p:nvSpPr>
+        <p:spPr>
+          <a:xfrm>
+            <a:off x="2519772" y="3380770"/>
+            <a:ext cx="1368152" cy="288031"/>
+          </a:xfrm>
+          <a:prstGeom prst="rect">
+            <a:avLst/>
+          </a:prstGeom>
+          <a:noFill/>
+          <a:ln w="0"/>
+        </p:spPr>
+        <p:style>
+          <a:lnRef idx="2">
+            <a:schemeClr val="accent1">
+              <a:shade val="50000"/>
+            </a:schemeClr>
+          </a:lnRef>
+          <a:fillRef idx="1">
+            <a:schemeClr val="accent1"/>
+          </a:fillRef>
+          <a:effectRef idx="0">
+            <a:schemeClr val="accent1"/>
+          </a:effectRef>
+          <a:fontRef idx="minor">
+            <a:schemeClr val="lt1"/>
+          </a:fontRef>
+        </p:style>
+        <p:txBody>
+          <a:bodyPr rtlCol="0" anchor="ctr"/>
+          <a:lstStyle/>
+          <a:p>
+            <a:pPr algn="ctr"/>
+            <a:endParaRPr lang="ko-KR" altLang="en-US"/>
+          </a:p>
+        </p:txBody>
+      </p:sp>
+      <p:sp>
+        <p:nvSpPr>
+          <p:cNvPr id="26" name="TextBox 25">
+            <a:extLst>
+              <a:ext uri="{FF2B5EF4-FFF2-40B4-BE49-F238E27FC236}">
+                <a16:creationId xmlns="" xmlns:a16="http://schemas.microsoft.com/office/drawing/2014/main" id="{8D51D797-F439-4606-A7A2-CC21B03F4BDF}"/>
+              </a:ext>
+            </a:extLst>
+          </p:cNvPr>
+          <p:cNvSpPr txBox="1"/>
+          <p:nvPr/>
+        </p:nvSpPr>
+        <p:spPr>
+          <a:xfrm>
+            <a:off x="3108818" y="3816316"/>
+            <a:ext cx="955874" cy="246221"/>
+          </a:xfrm>
+          <a:prstGeom prst="rect">
+            <a:avLst/>
+          </a:prstGeom>
+          <a:noFill/>
+        </p:spPr>
+        <p:txBody>
+          <a:bodyPr wrap="square" rtlCol="0">
+            <a:spAutoFit/>
+          </a:bodyPr>
+          <a:lstStyle/>
+          <a:p>
+            <a:r>
+              <a:rPr lang="ko-KR" altLang="en-US" sz="1000"/>
+              <a:t>우편서비스 </a:t>
+            </a:r>
+            <a:endParaRPr lang="ko-KR" altLang="en-US" sz="1000" dirty="0"/>
+          </a:p>
+        </p:txBody>
+      </p:sp>
+      <p:pic>
+        <p:nvPicPr>
+          <p:cNvPr id="27" name="그림 26">
+            <a:extLst>
+              <a:ext uri="{FF2B5EF4-FFF2-40B4-BE49-F238E27FC236}">
+                <a16:creationId xmlns="" xmlns:a16="http://schemas.microsoft.com/office/drawing/2014/main" id="{075C4FE1-C840-4C4A-99A2-2CE646D3766E}"/>
+              </a:ext>
+            </a:extLst>
+          </p:cNvPr>
+          <p:cNvPicPr>
+            <a:picLocks noChangeAspect="1"/>
+          </p:cNvPicPr>
+          <p:nvPr/>
+        </p:nvPicPr>
+        <p:blipFill>
+          <a:blip r:embed="rId5" cstate="print">
+            <a:extLst>
+              <a:ext uri="{28A0092B-C50C-407E-A947-70E740481C1C}">
+                <a14:useLocalDpi xmlns="" xmlns:a14="http://schemas.microsoft.com/office/drawing/2010/main" val="0"/>
+              </a:ext>
+            </a:extLst>
+          </a:blip>
+          <a:stretch>
+            <a:fillRect/>
+          </a:stretch>
+        </p:blipFill>
+        <p:spPr>
+          <a:xfrm>
+            <a:off x="2540585" y="3832459"/>
+            <a:ext cx="246221" cy="246221"/>
+          </a:xfrm>
+          <a:prstGeom prst="rect">
+            <a:avLst/>
+          </a:prstGeom>
+        </p:spPr>
+      </p:pic>
+      <p:pic>
+        <p:nvPicPr>
+          <p:cNvPr id="28" name="그림 27">
+            <a:extLst>
+              <a:ext uri="{FF2B5EF4-FFF2-40B4-BE49-F238E27FC236}">
+                <a16:creationId xmlns="" xmlns:a16="http://schemas.microsoft.com/office/drawing/2014/main" id="{FB1E0B60-07B1-4F8E-8638-C47B1068EA37}"/>
+              </a:ext>
+            </a:extLst>
+          </p:cNvPr>
+          <p:cNvPicPr>
+            <a:picLocks noChangeAspect="1"/>
+          </p:cNvPicPr>
+          <p:nvPr/>
+        </p:nvPicPr>
+        <p:blipFill>
+          <a:blip r:embed="rId6" cstate="print">
+            <a:extLst>
+              <a:ext uri="{28A0092B-C50C-407E-A947-70E740481C1C}">
+                <a14:useLocalDpi xmlns="" xmlns:a14="http://schemas.microsoft.com/office/drawing/2010/main" val="0"/>
+              </a:ext>
+            </a:extLst>
+          </a:blip>
+          <a:stretch>
+            <a:fillRect/>
+          </a:stretch>
+        </p:blipFill>
+        <p:spPr>
+          <a:xfrm>
+            <a:off x="2782980" y="3790648"/>
+            <a:ext cx="291858" cy="290455"/>
+          </a:xfrm>
+          <a:prstGeom prst="rect">
+            <a:avLst/>
+          </a:prstGeom>
+        </p:spPr>
+      </p:pic>
+      <p:sp>
+        <p:nvSpPr>
+          <p:cNvPr id="29" name="직사각형 28">
+            <a:extLst>
+              <a:ext uri="{FF2B5EF4-FFF2-40B4-BE49-F238E27FC236}">
+                <a16:creationId xmlns="" xmlns:a16="http://schemas.microsoft.com/office/drawing/2014/main" id="{B288DF77-739B-43A9-B0D0-11C08859C2E7}"/>
+              </a:ext>
+            </a:extLst>
+          </p:cNvPr>
+          <p:cNvSpPr/>
+          <p:nvPr/>
+        </p:nvSpPr>
+        <p:spPr>
+          <a:xfrm>
+            <a:off x="2519772" y="3801627"/>
+            <a:ext cx="1368152" cy="288031"/>
+          </a:xfrm>
+          <a:prstGeom prst="rect">
+            <a:avLst/>
+          </a:prstGeom>
+          <a:noFill/>
+          <a:ln w="0"/>
+        </p:spPr>
+        <p:style>
+          <a:lnRef idx="2">
+            <a:schemeClr val="accent1">
+              <a:shade val="50000"/>
+            </a:schemeClr>
+          </a:lnRef>
+          <a:fillRef idx="1">
+            <a:schemeClr val="accent1"/>
+          </a:fillRef>
+          <a:effectRef idx="0">
+            <a:schemeClr val="accent1"/>
+          </a:effectRef>
+          <a:fontRef idx="minor">
+            <a:schemeClr val="lt1"/>
+          </a:fontRef>
+        </p:style>
+        <p:txBody>
+          <a:bodyPr rtlCol="0" anchor="ctr"/>
+          <a:lstStyle/>
+          <a:p>
+            <a:pPr algn="ctr"/>
+            <a:endParaRPr lang="ko-KR" altLang="en-US"/>
+          </a:p>
+        </p:txBody>
+      </p:sp>
+      <p:sp>
+        <p:nvSpPr>
+          <p:cNvPr id="30" name="TextBox 29">
+            <a:extLst>
+              <a:ext uri="{FF2B5EF4-FFF2-40B4-BE49-F238E27FC236}">
+                <a16:creationId xmlns="" xmlns:a16="http://schemas.microsoft.com/office/drawing/2014/main" id="{AB47EA1A-1B07-4D63-BC6D-56453934A1EE}"/>
+              </a:ext>
+            </a:extLst>
+          </p:cNvPr>
+          <p:cNvSpPr txBox="1"/>
+          <p:nvPr/>
+        </p:nvSpPr>
+        <p:spPr>
+          <a:xfrm>
+            <a:off x="5063514" y="2942335"/>
+            <a:ext cx="576064" cy="246221"/>
+          </a:xfrm>
+          <a:prstGeom prst="rect">
+            <a:avLst/>
+          </a:prstGeom>
+          <a:noFill/>
+        </p:spPr>
+        <p:txBody>
+          <a:bodyPr wrap="square" rtlCol="0">
+            <a:spAutoFit/>
+          </a:bodyPr>
+          <a:lstStyle/>
+          <a:p>
+            <a:r>
+              <a:rPr lang="ko-KR" altLang="en-US" sz="1000" dirty="0"/>
+              <a:t>가맹점 </a:t>
+            </a:r>
+          </a:p>
+        </p:txBody>
+      </p:sp>
+      <p:sp>
+        <p:nvSpPr>
+          <p:cNvPr id="31" name="모서리가 둥근 직사각형 174">
+            <a:extLst>
+              <a:ext uri="{FF2B5EF4-FFF2-40B4-BE49-F238E27FC236}">
+                <a16:creationId xmlns="" xmlns:a16="http://schemas.microsoft.com/office/drawing/2014/main" id="{CEE20A76-8225-4F95-9133-622979E3E5E9}"/>
+              </a:ext>
+            </a:extLst>
+          </p:cNvPr>
+          <p:cNvSpPr/>
+          <p:nvPr/>
+        </p:nvSpPr>
+        <p:spPr>
+          <a:xfrm>
+            <a:off x="4355976" y="2564904"/>
+            <a:ext cx="1584176" cy="1658886"/>
+          </a:xfrm>
+          <a:prstGeom prst="roundRect">
+            <a:avLst/>
+          </a:prstGeom>
+          <a:noFill/>
+          <a:ln w="12700">
+            <a:solidFill>
+              <a:schemeClr val="tx1"/>
+            </a:solidFill>
+            <a:prstDash val="sysDot"/>
+          </a:ln>
+        </p:spPr>
+        <p:style>
+          <a:lnRef idx="2">
+            <a:schemeClr val="accent1">
+              <a:shade val="50000"/>
+            </a:schemeClr>
+          </a:lnRef>
+          <a:fillRef idx="1">
+            <a:schemeClr val="accent1"/>
+          </a:fillRef>
+          <a:effectRef idx="0">
+            <a:schemeClr val="accent1"/>
+          </a:effectRef>
+          <a:fontRef idx="minor">
+            <a:schemeClr val="lt1"/>
+          </a:fontRef>
+        </p:style>
+        <p:txBody>
+          <a:bodyPr rtlCol="0" anchor="ctr"/>
+          <a:lstStyle/>
+          <a:p>
+            <a:pPr algn="ctr"/>
+            <a:endParaRPr lang="ko-KR" altLang="en-US" dirty="0"/>
+          </a:p>
+        </p:txBody>
+      </p:sp>
+      <p:pic>
+        <p:nvPicPr>
+          <p:cNvPr id="32" name="그래픽 91">
+            <a:extLst>
+              <a:ext uri="{FF2B5EF4-FFF2-40B4-BE49-F238E27FC236}">
+                <a16:creationId xmlns="" xmlns:a16="http://schemas.microsoft.com/office/drawing/2014/main" id="{2F138342-FEE4-4C48-91ED-9E6022494043}"/>
+              </a:ext>
+            </a:extLst>
+          </p:cNvPr>
+          <p:cNvPicPr>
+            <a:picLocks noChangeAspect="1"/>
+          </p:cNvPicPr>
+          <p:nvPr/>
+        </p:nvPicPr>
+        <p:blipFill>
+          <a:blip r:embed="rId7" cstate="print">
+            <a:extLst>
+              <a:ext uri="{28A0092B-C50C-407E-A947-70E740481C1C}">
+                <a14:useLocalDpi xmlns="" xmlns:a14="http://schemas.microsoft.com/office/drawing/2010/main" val="0"/>
+              </a:ext>
+              <a:ext uri="{96DAC541-7B7A-43D3-8B79-37D633B846F1}">
+                <asvg:svgBlip xmlns="" xmlns:asvg="http://schemas.microsoft.com/office/drawing/2016/SVG/main" r:embed="rId13"/>
+              </a:ext>
+            </a:extLst>
+          </a:blip>
+          <a:stretch>
+            <a:fillRect/>
+          </a:stretch>
+        </p:blipFill>
+        <p:spPr>
+          <a:xfrm>
+            <a:off x="4574908" y="2589766"/>
+            <a:ext cx="1141641" cy="200124"/>
+          </a:xfrm>
+          <a:prstGeom prst="rect">
+            <a:avLst/>
+          </a:prstGeom>
+        </p:spPr>
+      </p:pic>
+      <p:pic>
+        <p:nvPicPr>
+          <p:cNvPr id="33" name="그림 32">
+            <a:extLst>
+              <a:ext uri="{FF2B5EF4-FFF2-40B4-BE49-F238E27FC236}">
+                <a16:creationId xmlns="" xmlns:a16="http://schemas.microsoft.com/office/drawing/2014/main" id="{0959795B-7380-4D9E-9AE2-D3DE822341C8}"/>
+              </a:ext>
+            </a:extLst>
+          </p:cNvPr>
+          <p:cNvPicPr>
+            <a:picLocks noChangeAspect="1"/>
+          </p:cNvPicPr>
+          <p:nvPr/>
+        </p:nvPicPr>
+        <p:blipFill>
+          <a:blip r:embed="rId5" cstate="print">
+            <a:extLst>
+              <a:ext uri="{28A0092B-C50C-407E-A947-70E740481C1C}">
+                <a14:useLocalDpi xmlns="" xmlns:a14="http://schemas.microsoft.com/office/drawing/2010/main" val="0"/>
+              </a:ext>
+            </a:extLst>
+          </a:blip>
+          <a:stretch>
+            <a:fillRect/>
+          </a:stretch>
+        </p:blipFill>
+        <p:spPr>
+          <a:xfrm>
+            <a:off x="4495281" y="2958478"/>
+            <a:ext cx="246221" cy="246221"/>
+          </a:xfrm>
+          <a:prstGeom prst="rect">
+            <a:avLst/>
+          </a:prstGeom>
+        </p:spPr>
+      </p:pic>
+      <p:pic>
+        <p:nvPicPr>
+          <p:cNvPr id="34" name="그림 33">
+            <a:extLst>
+              <a:ext uri="{FF2B5EF4-FFF2-40B4-BE49-F238E27FC236}">
+                <a16:creationId xmlns="" xmlns:a16="http://schemas.microsoft.com/office/drawing/2014/main" id="{5CDA4716-730D-4E26-AE7D-1BB7E6975883}"/>
+              </a:ext>
+            </a:extLst>
+          </p:cNvPr>
+          <p:cNvPicPr>
+            <a:picLocks noChangeAspect="1"/>
+          </p:cNvPicPr>
+          <p:nvPr/>
+        </p:nvPicPr>
+        <p:blipFill>
+          <a:blip r:embed="rId6" cstate="print">
+            <a:extLst>
+              <a:ext uri="{28A0092B-C50C-407E-A947-70E740481C1C}">
+                <a14:useLocalDpi xmlns="" xmlns:a14="http://schemas.microsoft.com/office/drawing/2010/main" val="0"/>
+              </a:ext>
+            </a:extLst>
+          </a:blip>
+          <a:stretch>
+            <a:fillRect/>
+          </a:stretch>
+        </p:blipFill>
+        <p:spPr>
+          <a:xfrm>
+            <a:off x="4737676" y="2916667"/>
+            <a:ext cx="291858" cy="290455"/>
+          </a:xfrm>
+          <a:prstGeom prst="rect">
+            <a:avLst/>
+          </a:prstGeom>
+        </p:spPr>
+      </p:pic>
+      <p:sp>
+        <p:nvSpPr>
+          <p:cNvPr id="35" name="직사각형 34">
+            <a:extLst>
+              <a:ext uri="{FF2B5EF4-FFF2-40B4-BE49-F238E27FC236}">
+                <a16:creationId xmlns="" xmlns:a16="http://schemas.microsoft.com/office/drawing/2014/main" id="{71B3AAD1-47D7-4137-93BB-0E3F20117973}"/>
+              </a:ext>
+            </a:extLst>
+          </p:cNvPr>
+          <p:cNvSpPr/>
+          <p:nvPr/>
+        </p:nvSpPr>
+        <p:spPr>
+          <a:xfrm>
+            <a:off x="4474468" y="2927646"/>
+            <a:ext cx="1368152" cy="288031"/>
+          </a:xfrm>
+          <a:prstGeom prst="rect">
+            <a:avLst/>
+          </a:prstGeom>
+          <a:noFill/>
+          <a:ln w="0"/>
+        </p:spPr>
+        <p:style>
+          <a:lnRef idx="2">
+            <a:schemeClr val="accent1">
+              <a:shade val="50000"/>
+            </a:schemeClr>
+          </a:lnRef>
+          <a:fillRef idx="1">
+            <a:schemeClr val="accent1"/>
+          </a:fillRef>
+          <a:effectRef idx="0">
+            <a:schemeClr val="accent1"/>
+          </a:effectRef>
+          <a:fontRef idx="minor">
+            <a:schemeClr val="lt1"/>
+          </a:fontRef>
+        </p:style>
+        <p:txBody>
+          <a:bodyPr rtlCol="0" anchor="ctr"/>
+          <a:lstStyle/>
+          <a:p>
+            <a:pPr algn="ctr"/>
+            <a:endParaRPr lang="ko-KR" altLang="en-US"/>
+          </a:p>
+        </p:txBody>
+      </p:sp>
+      <p:sp>
+        <p:nvSpPr>
+          <p:cNvPr id="36" name="TextBox 35">
+            <a:extLst>
+              <a:ext uri="{FF2B5EF4-FFF2-40B4-BE49-F238E27FC236}">
+                <a16:creationId xmlns="" xmlns:a16="http://schemas.microsoft.com/office/drawing/2014/main" id="{EECACAF7-E69F-4EEF-A7EC-27088671B7BD}"/>
+              </a:ext>
+            </a:extLst>
+          </p:cNvPr>
+          <p:cNvSpPr txBox="1"/>
+          <p:nvPr/>
+        </p:nvSpPr>
+        <p:spPr>
+          <a:xfrm>
+            <a:off x="5063514" y="3354848"/>
+            <a:ext cx="576064" cy="246221"/>
+          </a:xfrm>
+          <a:prstGeom prst="rect">
+            <a:avLst/>
+          </a:prstGeom>
+          <a:noFill/>
+        </p:spPr>
+        <p:txBody>
+          <a:bodyPr wrap="square" rtlCol="0">
+            <a:spAutoFit/>
+          </a:bodyPr>
+          <a:lstStyle/>
+          <a:p>
+            <a:r>
+              <a:rPr lang="ko-KR" altLang="en-US" sz="1000" dirty="0"/>
+              <a:t>영업점 </a:t>
+            </a:r>
+          </a:p>
+        </p:txBody>
+      </p:sp>
+      <p:pic>
+        <p:nvPicPr>
+          <p:cNvPr id="37" name="그림 36">
+            <a:extLst>
+              <a:ext uri="{FF2B5EF4-FFF2-40B4-BE49-F238E27FC236}">
+                <a16:creationId xmlns="" xmlns:a16="http://schemas.microsoft.com/office/drawing/2014/main" id="{6A23CE0C-CCBA-4C49-86AD-C9B82007CF88}"/>
+              </a:ext>
+            </a:extLst>
+          </p:cNvPr>
+          <p:cNvPicPr>
+            <a:picLocks noChangeAspect="1"/>
+          </p:cNvPicPr>
+          <p:nvPr/>
+        </p:nvPicPr>
+        <p:blipFill>
+          <a:blip r:embed="rId5" cstate="print">
+            <a:extLst>
+              <a:ext uri="{28A0092B-C50C-407E-A947-70E740481C1C}">
+                <a14:useLocalDpi xmlns="" xmlns:a14="http://schemas.microsoft.com/office/drawing/2010/main" val="0"/>
+              </a:ext>
+            </a:extLst>
+          </a:blip>
+          <a:stretch>
+            <a:fillRect/>
+          </a:stretch>
+        </p:blipFill>
+        <p:spPr>
+          <a:xfrm>
+            <a:off x="4495281" y="3370991"/>
+            <a:ext cx="246221" cy="246221"/>
+          </a:xfrm>
+          <a:prstGeom prst="rect">
+            <a:avLst/>
+          </a:prstGeom>
+        </p:spPr>
+      </p:pic>
+      <p:pic>
+        <p:nvPicPr>
+          <p:cNvPr id="38" name="그림 37">
+            <a:extLst>
+              <a:ext uri="{FF2B5EF4-FFF2-40B4-BE49-F238E27FC236}">
+                <a16:creationId xmlns="" xmlns:a16="http://schemas.microsoft.com/office/drawing/2014/main" id="{37DC3274-3B07-4B59-BF1F-E14B8D9526F2}"/>
+              </a:ext>
+            </a:extLst>
+          </p:cNvPr>
+          <p:cNvPicPr>
+            <a:picLocks noChangeAspect="1"/>
+          </p:cNvPicPr>
+          <p:nvPr/>
+        </p:nvPicPr>
+        <p:blipFill>
+          <a:blip r:embed="rId6" cstate="print">
+            <a:extLst>
+              <a:ext uri="{28A0092B-C50C-407E-A947-70E740481C1C}">
+                <a14:useLocalDpi xmlns="" xmlns:a14="http://schemas.microsoft.com/office/drawing/2010/main" val="0"/>
+              </a:ext>
+            </a:extLst>
+          </a:blip>
+          <a:stretch>
+            <a:fillRect/>
+          </a:stretch>
+        </p:blipFill>
+        <p:spPr>
+          <a:xfrm>
+            <a:off x="4737676" y="3329180"/>
+            <a:ext cx="291858" cy="290455"/>
+          </a:xfrm>
+          <a:prstGeom prst="rect">
+            <a:avLst/>
+          </a:prstGeom>
+        </p:spPr>
+      </p:pic>
+      <p:sp>
+        <p:nvSpPr>
+          <p:cNvPr id="39" name="직사각형 38">
+            <a:extLst>
+              <a:ext uri="{FF2B5EF4-FFF2-40B4-BE49-F238E27FC236}">
+                <a16:creationId xmlns="" xmlns:a16="http://schemas.microsoft.com/office/drawing/2014/main" id="{72967650-4D04-4ED0-8122-C04ED7B74A73}"/>
+              </a:ext>
+            </a:extLst>
+          </p:cNvPr>
+          <p:cNvSpPr/>
+          <p:nvPr/>
+        </p:nvSpPr>
+        <p:spPr>
+          <a:xfrm>
+            <a:off x="4474468" y="3340159"/>
+            <a:ext cx="1368152" cy="288031"/>
+          </a:xfrm>
+          <a:prstGeom prst="rect">
+            <a:avLst/>
+          </a:prstGeom>
+          <a:noFill/>
+          <a:ln w="0"/>
+        </p:spPr>
+        <p:style>
+          <a:lnRef idx="2">
+            <a:schemeClr val="accent1">
+              <a:shade val="50000"/>
+            </a:schemeClr>
+          </a:lnRef>
+          <a:fillRef idx="1">
+            <a:schemeClr val="accent1"/>
+          </a:fillRef>
+          <a:effectRef idx="0">
+            <a:schemeClr val="accent1"/>
+          </a:effectRef>
+          <a:fontRef idx="minor">
+            <a:schemeClr val="lt1"/>
+          </a:fontRef>
+        </p:style>
+        <p:txBody>
+          <a:bodyPr rtlCol="0" anchor="ctr"/>
+          <a:lstStyle/>
+          <a:p>
+            <a:pPr algn="ctr"/>
+            <a:endParaRPr lang="ko-KR" altLang="en-US"/>
+          </a:p>
+        </p:txBody>
+      </p:sp>
+      <p:sp>
+        <p:nvSpPr>
+          <p:cNvPr id="40" name="TextBox 39">
+            <a:extLst>
+              <a:ext uri="{FF2B5EF4-FFF2-40B4-BE49-F238E27FC236}">
+                <a16:creationId xmlns="" xmlns:a16="http://schemas.microsoft.com/office/drawing/2014/main" id="{2A9209C0-7F11-4BA2-8BD9-06DF8E0CD1CB}"/>
+              </a:ext>
+            </a:extLst>
+          </p:cNvPr>
+          <p:cNvSpPr txBox="1"/>
+          <p:nvPr/>
+        </p:nvSpPr>
+        <p:spPr>
+          <a:xfrm>
+            <a:off x="5063514" y="3775705"/>
+            <a:ext cx="955874" cy="246221"/>
+          </a:xfrm>
+          <a:prstGeom prst="rect">
+            <a:avLst/>
+          </a:prstGeom>
+          <a:noFill/>
+        </p:spPr>
+        <p:txBody>
+          <a:bodyPr wrap="square" rtlCol="0">
+            <a:spAutoFit/>
+          </a:bodyPr>
+          <a:lstStyle/>
+          <a:p>
+            <a:r>
+              <a:rPr lang="ko-KR" altLang="en-US" sz="1000"/>
+              <a:t>우편서비스 </a:t>
+            </a:r>
+            <a:endParaRPr lang="ko-KR" altLang="en-US" sz="1000" dirty="0"/>
+          </a:p>
+        </p:txBody>
+      </p:sp>
+      <p:pic>
+        <p:nvPicPr>
+          <p:cNvPr id="41" name="그림 40">
+            <a:extLst>
+              <a:ext uri="{FF2B5EF4-FFF2-40B4-BE49-F238E27FC236}">
+                <a16:creationId xmlns="" xmlns:a16="http://schemas.microsoft.com/office/drawing/2014/main" id="{6B49557F-D3EB-4FFB-B100-A426BC67E270}"/>
+              </a:ext>
+            </a:extLst>
+          </p:cNvPr>
+          <p:cNvPicPr>
+            <a:picLocks noChangeAspect="1"/>
+          </p:cNvPicPr>
+          <p:nvPr/>
+        </p:nvPicPr>
+        <p:blipFill>
+          <a:blip r:embed="rId5" cstate="print">
+            <a:extLst>
+              <a:ext uri="{28A0092B-C50C-407E-A947-70E740481C1C}">
+                <a14:useLocalDpi xmlns="" xmlns:a14="http://schemas.microsoft.com/office/drawing/2010/main" val="0"/>
+              </a:ext>
+            </a:extLst>
+          </a:blip>
+          <a:stretch>
+            <a:fillRect/>
+          </a:stretch>
+        </p:blipFill>
+        <p:spPr>
+          <a:xfrm>
+            <a:off x="4495281" y="3791848"/>
+            <a:ext cx="246221" cy="246221"/>
+          </a:xfrm>
+          <a:prstGeom prst="rect">
+            <a:avLst/>
+          </a:prstGeom>
+        </p:spPr>
+      </p:pic>
+      <p:pic>
+        <p:nvPicPr>
+          <p:cNvPr id="42" name="그림 41">
+            <a:extLst>
+              <a:ext uri="{FF2B5EF4-FFF2-40B4-BE49-F238E27FC236}">
+                <a16:creationId xmlns="" xmlns:a16="http://schemas.microsoft.com/office/drawing/2014/main" id="{D5572F56-8433-479A-AA6A-CF1C8AF76CC5}"/>
+              </a:ext>
+            </a:extLst>
+          </p:cNvPr>
+          <p:cNvPicPr>
+            <a:picLocks noChangeAspect="1"/>
+          </p:cNvPicPr>
+          <p:nvPr/>
+        </p:nvPicPr>
+        <p:blipFill>
+          <a:blip r:embed="rId6" cstate="print">
+            <a:extLst>
+              <a:ext uri="{28A0092B-C50C-407E-A947-70E740481C1C}">
+                <a14:useLocalDpi xmlns="" xmlns:a14="http://schemas.microsoft.com/office/drawing/2010/main" val="0"/>
+              </a:ext>
+            </a:extLst>
+          </a:blip>
+          <a:stretch>
+            <a:fillRect/>
+          </a:stretch>
+        </p:blipFill>
+        <p:spPr>
+          <a:xfrm>
+            <a:off x="4737676" y="3750037"/>
+            <a:ext cx="291858" cy="290455"/>
+          </a:xfrm>
+          <a:prstGeom prst="rect">
+            <a:avLst/>
+          </a:prstGeom>
+        </p:spPr>
+      </p:pic>
+      <p:sp>
+        <p:nvSpPr>
+          <p:cNvPr id="43" name="직사각형 42">
+            <a:extLst>
+              <a:ext uri="{FF2B5EF4-FFF2-40B4-BE49-F238E27FC236}">
+                <a16:creationId xmlns="" xmlns:a16="http://schemas.microsoft.com/office/drawing/2014/main" id="{DF5EC40C-5932-47FA-8B00-59F6AB2F11F6}"/>
+              </a:ext>
+            </a:extLst>
+          </p:cNvPr>
+          <p:cNvSpPr/>
+          <p:nvPr/>
+        </p:nvSpPr>
+        <p:spPr>
+          <a:xfrm>
+            <a:off x="4474468" y="3761016"/>
+            <a:ext cx="1368152" cy="288031"/>
+          </a:xfrm>
+          <a:prstGeom prst="rect">
+            <a:avLst/>
+          </a:prstGeom>
+          <a:noFill/>
+          <a:ln w="0"/>
+        </p:spPr>
+        <p:style>
+          <a:lnRef idx="2">
+            <a:schemeClr val="accent1">
+              <a:shade val="50000"/>
+            </a:schemeClr>
+          </a:lnRef>
+          <a:fillRef idx="1">
+            <a:schemeClr val="accent1"/>
+          </a:fillRef>
+          <a:effectRef idx="0">
+            <a:schemeClr val="accent1"/>
+          </a:effectRef>
+          <a:fontRef idx="minor">
+            <a:schemeClr val="lt1"/>
+          </a:fontRef>
+        </p:style>
+        <p:txBody>
+          <a:bodyPr rtlCol="0" anchor="ctr"/>
+          <a:lstStyle/>
+          <a:p>
+            <a:pPr algn="ctr"/>
+            <a:endParaRPr lang="ko-KR" altLang="en-US"/>
+          </a:p>
+        </p:txBody>
+      </p:sp>
+      <p:cxnSp>
+        <p:nvCxnSpPr>
+          <p:cNvPr id="44" name="연결선: 꺾임 109">
+            <a:extLst>
+              <a:ext uri="{FF2B5EF4-FFF2-40B4-BE49-F238E27FC236}">
+                <a16:creationId xmlns="" xmlns:a16="http://schemas.microsoft.com/office/drawing/2014/main" id="{4619E872-E042-4C9C-A437-975F5DA2F778}"/>
+              </a:ext>
+            </a:extLst>
+          </p:cNvPr>
+          <p:cNvCxnSpPr>
+            <a:cxnSpLocks/>
+            <a:stCxn id="45" idx="2"/>
+            <a:endCxn id="61" idx="0"/>
+          </p:cNvCxnSpPr>
+          <p:nvPr/>
+        </p:nvCxnSpPr>
+        <p:spPr>
+          <a:xfrm rot="16200000" flipH="1">
+            <a:off x="3326959" y="4308194"/>
+            <a:ext cx="689883" cy="1008112"/>
+          </a:xfrm>
+          <a:prstGeom prst="bentConnector3">
+            <a:avLst>
+              <a:gd name="adj1" fmla="val 50000"/>
+            </a:avLst>
+          </a:prstGeom>
+          <a:ln>
+            <a:solidFill>
+              <a:schemeClr val="tx1">
+                <a:lumMod val="65000"/>
+                <a:lumOff val="35000"/>
+              </a:schemeClr>
+            </a:solidFill>
+            <a:tailEnd type="triangle"/>
+          </a:ln>
+        </p:spPr>
+        <p:style>
+          <a:lnRef idx="1">
+            <a:schemeClr val="accent1"/>
+          </a:lnRef>
+          <a:fillRef idx="0">
+            <a:schemeClr val="accent1"/>
+          </a:fillRef>
+          <a:effectRef idx="0">
+            <a:schemeClr val="accent1"/>
+          </a:effectRef>
+          <a:fontRef idx="minor">
+            <a:schemeClr val="tx1"/>
+          </a:fontRef>
+        </p:style>
+      </p:cxnSp>
+      <p:sp>
+        <p:nvSpPr>
+          <p:cNvPr id="45" name="TextBox 44">
+            <a:extLst>
+              <a:ext uri="{FF2B5EF4-FFF2-40B4-BE49-F238E27FC236}">
+                <a16:creationId xmlns="" xmlns:a16="http://schemas.microsoft.com/office/drawing/2014/main" id="{B6C898BC-816F-4B29-8C6C-FC9605D29A8B}"/>
+              </a:ext>
+            </a:extLst>
+          </p:cNvPr>
+          <p:cNvSpPr txBox="1"/>
+          <p:nvPr/>
+        </p:nvSpPr>
+        <p:spPr>
+          <a:xfrm>
+            <a:off x="2339752" y="4221088"/>
+            <a:ext cx="1656184" cy="246221"/>
+          </a:xfrm>
+          <a:prstGeom prst="rect">
+            <a:avLst/>
+          </a:prstGeom>
+          <a:noFill/>
+        </p:spPr>
+        <p:txBody>
+          <a:bodyPr wrap="square" rtlCol="0">
+            <a:spAutoFit/>
+          </a:bodyPr>
+          <a:lstStyle/>
+          <a:p>
+            <a:r>
+              <a:rPr lang="en-US" altLang="ko-KR" sz="1000" dirty="0" smtClean="0"/>
+              <a:t>App Server1(</a:t>
+            </a:r>
+            <a:r>
+              <a:rPr lang="en-US" altLang="ko-KR" sz="1000" b="1" dirty="0" smtClean="0"/>
+              <a:t>211.240.6.3</a:t>
+            </a:r>
+            <a:r>
+              <a:rPr lang="en-US" altLang="ko-KR" sz="1000" dirty="0" smtClean="0"/>
+              <a:t>)</a:t>
+            </a:r>
+            <a:endParaRPr lang="ko-KR" altLang="en-US" sz="1000" dirty="0"/>
+          </a:p>
+        </p:txBody>
+      </p:sp>
+      <p:sp>
+        <p:nvSpPr>
+          <p:cNvPr id="46" name="TextBox 45">
+            <a:extLst>
+              <a:ext uri="{FF2B5EF4-FFF2-40B4-BE49-F238E27FC236}">
+                <a16:creationId xmlns="" xmlns:a16="http://schemas.microsoft.com/office/drawing/2014/main" id="{B6C898BC-816F-4B29-8C6C-FC9605D29A8B}"/>
+              </a:ext>
+            </a:extLst>
+          </p:cNvPr>
+          <p:cNvSpPr txBox="1"/>
+          <p:nvPr/>
+        </p:nvSpPr>
+        <p:spPr>
+          <a:xfrm>
+            <a:off x="4355976" y="4221088"/>
+            <a:ext cx="1656184" cy="246221"/>
+          </a:xfrm>
+          <a:prstGeom prst="rect">
+            <a:avLst/>
+          </a:prstGeom>
+          <a:noFill/>
+        </p:spPr>
+        <p:txBody>
+          <a:bodyPr wrap="square" rtlCol="0">
+            <a:spAutoFit/>
+          </a:bodyPr>
+          <a:lstStyle/>
+          <a:p>
+            <a:r>
+              <a:rPr lang="en-US" altLang="ko-KR" sz="1000" dirty="0" smtClean="0"/>
+              <a:t>App Server2(</a:t>
+            </a:r>
+            <a:r>
+              <a:rPr lang="en-US" altLang="ko-KR" sz="1000" b="1" dirty="0" smtClean="0"/>
+              <a:t>211.240.6.5</a:t>
+            </a:r>
+            <a:r>
+              <a:rPr lang="en-US" altLang="ko-KR" sz="1000" dirty="0" smtClean="0"/>
+              <a:t>)</a:t>
+            </a:r>
+            <a:endParaRPr lang="ko-KR" altLang="en-US" sz="1000" dirty="0"/>
+          </a:p>
+        </p:txBody>
+      </p:sp>
+      <p:sp>
+        <p:nvSpPr>
+          <p:cNvPr id="47" name="TextBox 46">
+            <a:extLst>
+              <a:ext uri="{FF2B5EF4-FFF2-40B4-BE49-F238E27FC236}">
+                <a16:creationId xmlns="" xmlns:a16="http://schemas.microsoft.com/office/drawing/2014/main" id="{AB47EA1A-1B07-4D63-BC6D-56453934A1EE}"/>
+              </a:ext>
+            </a:extLst>
+          </p:cNvPr>
+          <p:cNvSpPr txBox="1"/>
+          <p:nvPr/>
+        </p:nvSpPr>
+        <p:spPr>
+          <a:xfrm>
+            <a:off x="6935722" y="2939633"/>
+            <a:ext cx="1380694" cy="246221"/>
+          </a:xfrm>
+          <a:prstGeom prst="rect">
+            <a:avLst/>
+          </a:prstGeom>
+          <a:noFill/>
+        </p:spPr>
+        <p:txBody>
+          <a:bodyPr wrap="square" rtlCol="0">
+            <a:spAutoFit/>
+          </a:bodyPr>
+          <a:lstStyle/>
+          <a:p>
+            <a:r>
+              <a:rPr lang="ko-KR" altLang="en-US" sz="1000" dirty="0" smtClean="0"/>
+              <a:t>전자영수증 홈페이지</a:t>
+            </a:r>
+            <a:endParaRPr lang="ko-KR" altLang="en-US" sz="1000" dirty="0"/>
+          </a:p>
+        </p:txBody>
+      </p:sp>
+      <p:sp>
+        <p:nvSpPr>
+          <p:cNvPr id="48" name="모서리가 둥근 직사각형 174">
+            <a:extLst>
+              <a:ext uri="{FF2B5EF4-FFF2-40B4-BE49-F238E27FC236}">
+                <a16:creationId xmlns="" xmlns:a16="http://schemas.microsoft.com/office/drawing/2014/main" id="{CEE20A76-8225-4F95-9133-622979E3E5E9}"/>
+              </a:ext>
+            </a:extLst>
+          </p:cNvPr>
+          <p:cNvSpPr/>
+          <p:nvPr/>
+        </p:nvSpPr>
+        <p:spPr>
+          <a:xfrm>
+            <a:off x="6228184" y="2562202"/>
+            <a:ext cx="2232248" cy="1658886"/>
+          </a:xfrm>
+          <a:prstGeom prst="roundRect">
+            <a:avLst/>
+          </a:prstGeom>
+          <a:noFill/>
+          <a:ln w="12700">
+            <a:solidFill>
+              <a:schemeClr val="tx1"/>
+            </a:solidFill>
+            <a:prstDash val="sysDot"/>
+          </a:ln>
+        </p:spPr>
+        <p:style>
+          <a:lnRef idx="2">
+            <a:schemeClr val="accent1">
+              <a:shade val="50000"/>
+            </a:schemeClr>
+          </a:lnRef>
+          <a:fillRef idx="1">
+            <a:schemeClr val="accent1"/>
+          </a:fillRef>
+          <a:effectRef idx="0">
+            <a:schemeClr val="accent1"/>
+          </a:effectRef>
+          <a:fontRef idx="minor">
+            <a:schemeClr val="lt1"/>
+          </a:fontRef>
+        </p:style>
+        <p:txBody>
+          <a:bodyPr rtlCol="0" anchor="ctr"/>
+          <a:lstStyle/>
+          <a:p>
+            <a:pPr algn="ctr"/>
+            <a:endParaRPr lang="ko-KR" altLang="en-US" dirty="0"/>
+          </a:p>
+        </p:txBody>
+      </p:sp>
+      <p:pic>
+        <p:nvPicPr>
+          <p:cNvPr id="49" name="그림 48">
+            <a:extLst>
+              <a:ext uri="{FF2B5EF4-FFF2-40B4-BE49-F238E27FC236}">
+                <a16:creationId xmlns="" xmlns:a16="http://schemas.microsoft.com/office/drawing/2014/main" id="{0959795B-7380-4D9E-9AE2-D3DE822341C8}"/>
+              </a:ext>
+            </a:extLst>
+          </p:cNvPr>
+          <p:cNvPicPr>
+            <a:picLocks noChangeAspect="1"/>
+          </p:cNvPicPr>
+          <p:nvPr/>
+        </p:nvPicPr>
+        <p:blipFill>
+          <a:blip r:embed="rId5" cstate="print">
+            <a:extLst>
+              <a:ext uri="{28A0092B-C50C-407E-A947-70E740481C1C}">
+                <a14:useLocalDpi xmlns="" xmlns:a14="http://schemas.microsoft.com/office/drawing/2010/main" val="0"/>
+              </a:ext>
+            </a:extLst>
+          </a:blip>
+          <a:stretch>
+            <a:fillRect/>
+          </a:stretch>
+        </p:blipFill>
+        <p:spPr>
+          <a:xfrm>
+            <a:off x="6367489" y="2955776"/>
+            <a:ext cx="246221" cy="246221"/>
+          </a:xfrm>
+          <a:prstGeom prst="rect">
+            <a:avLst/>
+          </a:prstGeom>
+        </p:spPr>
+      </p:pic>
+      <p:pic>
+        <p:nvPicPr>
+          <p:cNvPr id="50" name="그림 49">
+            <a:extLst>
+              <a:ext uri="{FF2B5EF4-FFF2-40B4-BE49-F238E27FC236}">
+                <a16:creationId xmlns="" xmlns:a16="http://schemas.microsoft.com/office/drawing/2014/main" id="{5CDA4716-730D-4E26-AE7D-1BB7E6975883}"/>
+              </a:ext>
+            </a:extLst>
+          </p:cNvPr>
+          <p:cNvPicPr>
+            <a:picLocks noChangeAspect="1"/>
+          </p:cNvPicPr>
+          <p:nvPr/>
+        </p:nvPicPr>
+        <p:blipFill>
+          <a:blip r:embed="rId6" cstate="print">
+            <a:extLst>
+              <a:ext uri="{28A0092B-C50C-407E-A947-70E740481C1C}">
+                <a14:useLocalDpi xmlns="" xmlns:a14="http://schemas.microsoft.com/office/drawing/2010/main" val="0"/>
+              </a:ext>
+            </a:extLst>
+          </a:blip>
+          <a:stretch>
+            <a:fillRect/>
+          </a:stretch>
+        </p:blipFill>
+        <p:spPr>
+          <a:xfrm>
+            <a:off x="6609884" y="2913965"/>
+            <a:ext cx="291858" cy="290455"/>
+          </a:xfrm>
+          <a:prstGeom prst="rect">
+            <a:avLst/>
+          </a:prstGeom>
+        </p:spPr>
+      </p:pic>
+      <p:sp>
+        <p:nvSpPr>
+          <p:cNvPr id="51" name="직사각형 50">
+            <a:extLst>
+              <a:ext uri="{FF2B5EF4-FFF2-40B4-BE49-F238E27FC236}">
+                <a16:creationId xmlns="" xmlns:a16="http://schemas.microsoft.com/office/drawing/2014/main" id="{71B3AAD1-47D7-4137-93BB-0E3F20117973}"/>
+              </a:ext>
+            </a:extLst>
+          </p:cNvPr>
+          <p:cNvSpPr/>
+          <p:nvPr/>
+        </p:nvSpPr>
+        <p:spPr>
+          <a:xfrm>
+            <a:off x="6346676" y="2924944"/>
+            <a:ext cx="1969740" cy="288031"/>
+          </a:xfrm>
+          <a:prstGeom prst="rect">
+            <a:avLst/>
+          </a:prstGeom>
+          <a:noFill/>
+          <a:ln w="0"/>
+        </p:spPr>
+        <p:style>
+          <a:lnRef idx="2">
+            <a:schemeClr val="accent1">
+              <a:shade val="50000"/>
+            </a:schemeClr>
+          </a:lnRef>
+          <a:fillRef idx="1">
+            <a:schemeClr val="accent1"/>
+          </a:fillRef>
+          <a:effectRef idx="0">
+            <a:schemeClr val="accent1"/>
+          </a:effectRef>
+          <a:fontRef idx="minor">
+            <a:schemeClr val="lt1"/>
+          </a:fontRef>
+        </p:style>
+        <p:txBody>
+          <a:bodyPr rtlCol="0" anchor="ctr"/>
+          <a:lstStyle/>
+          <a:p>
+            <a:pPr algn="ctr"/>
+            <a:endParaRPr lang="ko-KR" altLang="en-US"/>
+          </a:p>
+        </p:txBody>
+      </p:sp>
+      <p:sp>
+        <p:nvSpPr>
+          <p:cNvPr id="52" name="TextBox 51">
+            <a:extLst>
+              <a:ext uri="{FF2B5EF4-FFF2-40B4-BE49-F238E27FC236}">
+                <a16:creationId xmlns="" xmlns:a16="http://schemas.microsoft.com/office/drawing/2014/main" id="{EECACAF7-E69F-4EEF-A7EC-27088671B7BD}"/>
+              </a:ext>
+            </a:extLst>
+          </p:cNvPr>
+          <p:cNvSpPr txBox="1"/>
+          <p:nvPr/>
+        </p:nvSpPr>
+        <p:spPr>
+          <a:xfrm>
+            <a:off x="6935722" y="3352146"/>
+            <a:ext cx="1380694" cy="246221"/>
+          </a:xfrm>
+          <a:prstGeom prst="rect">
+            <a:avLst/>
+          </a:prstGeom>
+          <a:noFill/>
+        </p:spPr>
+        <p:txBody>
+          <a:bodyPr wrap="square" rtlCol="0">
+            <a:spAutoFit/>
+          </a:bodyPr>
+          <a:lstStyle/>
+          <a:p>
+            <a:r>
+              <a:rPr lang="ko-KR" altLang="en-US" sz="1000" dirty="0" smtClean="0"/>
+              <a:t>원터치페이 홈페이지</a:t>
+            </a:r>
+            <a:endParaRPr lang="ko-KR" altLang="en-US" sz="1000" dirty="0"/>
+          </a:p>
+        </p:txBody>
+      </p:sp>
+      <p:pic>
+        <p:nvPicPr>
+          <p:cNvPr id="54" name="그림 53">
+            <a:extLst>
+              <a:ext uri="{FF2B5EF4-FFF2-40B4-BE49-F238E27FC236}">
+                <a16:creationId xmlns="" xmlns:a16="http://schemas.microsoft.com/office/drawing/2014/main" id="{6A23CE0C-CCBA-4C49-86AD-C9B82007CF88}"/>
+              </a:ext>
+            </a:extLst>
+          </p:cNvPr>
+          <p:cNvPicPr>
+            <a:picLocks noChangeAspect="1"/>
+          </p:cNvPicPr>
+          <p:nvPr/>
+        </p:nvPicPr>
+        <p:blipFill>
+          <a:blip r:embed="rId5" cstate="print">
+            <a:extLst>
+              <a:ext uri="{28A0092B-C50C-407E-A947-70E740481C1C}">
+                <a14:useLocalDpi xmlns="" xmlns:a14="http://schemas.microsoft.com/office/drawing/2010/main" val="0"/>
+              </a:ext>
+            </a:extLst>
+          </a:blip>
+          <a:stretch>
+            <a:fillRect/>
+          </a:stretch>
+        </p:blipFill>
+        <p:spPr>
+          <a:xfrm>
+            <a:off x="6367489" y="3368289"/>
+            <a:ext cx="246221" cy="246221"/>
+          </a:xfrm>
+          <a:prstGeom prst="rect">
+            <a:avLst/>
+          </a:prstGeom>
+        </p:spPr>
+      </p:pic>
+      <p:pic>
+        <p:nvPicPr>
+          <p:cNvPr id="55" name="그림 54">
+            <a:extLst>
+              <a:ext uri="{FF2B5EF4-FFF2-40B4-BE49-F238E27FC236}">
+                <a16:creationId xmlns="" xmlns:a16="http://schemas.microsoft.com/office/drawing/2014/main" id="{37DC3274-3B07-4B59-BF1F-E14B8D9526F2}"/>
+              </a:ext>
+            </a:extLst>
+          </p:cNvPr>
+          <p:cNvPicPr>
+            <a:picLocks noChangeAspect="1"/>
+          </p:cNvPicPr>
+          <p:nvPr/>
+        </p:nvPicPr>
+        <p:blipFill>
+          <a:blip r:embed="rId6" cstate="print">
+            <a:extLst>
+              <a:ext uri="{28A0092B-C50C-407E-A947-70E740481C1C}">
+                <a14:useLocalDpi xmlns="" xmlns:a14="http://schemas.microsoft.com/office/drawing/2010/main" val="0"/>
+              </a:ext>
+            </a:extLst>
+          </a:blip>
+          <a:stretch>
+            <a:fillRect/>
+          </a:stretch>
+        </p:blipFill>
+        <p:spPr>
+          <a:xfrm>
+            <a:off x="6609884" y="3326478"/>
+            <a:ext cx="291858" cy="290455"/>
+          </a:xfrm>
+          <a:prstGeom prst="rect">
+            <a:avLst/>
+          </a:prstGeom>
+        </p:spPr>
+      </p:pic>
+      <p:sp>
+        <p:nvSpPr>
+          <p:cNvPr id="56" name="직사각형 55">
+            <a:extLst>
+              <a:ext uri="{FF2B5EF4-FFF2-40B4-BE49-F238E27FC236}">
+                <a16:creationId xmlns="" xmlns:a16="http://schemas.microsoft.com/office/drawing/2014/main" id="{72967650-4D04-4ED0-8122-C04ED7B74A73}"/>
+              </a:ext>
+            </a:extLst>
+          </p:cNvPr>
+          <p:cNvSpPr/>
+          <p:nvPr/>
+        </p:nvSpPr>
+        <p:spPr>
+          <a:xfrm>
+            <a:off x="6346676" y="3337457"/>
+            <a:ext cx="1969740" cy="288031"/>
+          </a:xfrm>
+          <a:prstGeom prst="rect">
+            <a:avLst/>
+          </a:prstGeom>
+          <a:noFill/>
+          <a:ln w="0"/>
+        </p:spPr>
+        <p:style>
+          <a:lnRef idx="2">
+            <a:schemeClr val="accent1">
+              <a:shade val="50000"/>
+            </a:schemeClr>
+          </a:lnRef>
+          <a:fillRef idx="1">
+            <a:schemeClr val="accent1"/>
+          </a:fillRef>
+          <a:effectRef idx="0">
+            <a:schemeClr val="accent1"/>
+          </a:effectRef>
+          <a:fontRef idx="minor">
+            <a:schemeClr val="lt1"/>
+          </a:fontRef>
+        </p:style>
+        <p:txBody>
+          <a:bodyPr rtlCol="0" anchor="ctr"/>
+          <a:lstStyle/>
+          <a:p>
+            <a:pPr algn="ctr"/>
+            <a:endParaRPr lang="ko-KR" altLang="en-US"/>
+          </a:p>
+        </p:txBody>
+      </p:sp>
+      <p:sp>
+        <p:nvSpPr>
+          <p:cNvPr id="57" name="TextBox 56">
+            <a:extLst>
+              <a:ext uri="{FF2B5EF4-FFF2-40B4-BE49-F238E27FC236}">
+                <a16:creationId xmlns="" xmlns:a16="http://schemas.microsoft.com/office/drawing/2014/main" id="{B6C898BC-816F-4B29-8C6C-FC9605D29A8B}"/>
+              </a:ext>
+            </a:extLst>
+          </p:cNvPr>
+          <p:cNvSpPr txBox="1"/>
+          <p:nvPr/>
+        </p:nvSpPr>
+        <p:spPr>
+          <a:xfrm>
+            <a:off x="6444208" y="4190891"/>
+            <a:ext cx="1656184" cy="246221"/>
+          </a:xfrm>
+          <a:prstGeom prst="rect">
+            <a:avLst/>
+          </a:prstGeom>
+          <a:noFill/>
+        </p:spPr>
+        <p:txBody>
+          <a:bodyPr wrap="square" rtlCol="0">
+            <a:spAutoFit/>
+          </a:bodyPr>
+          <a:lstStyle/>
+          <a:p>
+            <a:r>
+              <a:rPr lang="en-US" altLang="ko-KR" sz="1000" dirty="0" smtClean="0"/>
+              <a:t>App Server3(</a:t>
+            </a:r>
+            <a:r>
+              <a:rPr lang="en-US" altLang="ko-KR" sz="1000" b="1" dirty="0" smtClean="0"/>
+              <a:t>211.240.6.7</a:t>
+            </a:r>
+            <a:r>
+              <a:rPr lang="en-US" altLang="ko-KR" sz="1000" dirty="0" smtClean="0"/>
+              <a:t>)</a:t>
+            </a:r>
+            <a:endParaRPr lang="ko-KR" altLang="en-US" sz="1000" dirty="0"/>
+          </a:p>
+        </p:txBody>
+      </p:sp>
+      <p:pic>
+        <p:nvPicPr>
+          <p:cNvPr id="58" name="Picture 2" descr="C:\Users\webme\Downloads\다운로드 (10).png"/>
+          <p:cNvPicPr>
+            <a:picLocks noChangeAspect="1" noChangeArrowheads="1"/>
+          </p:cNvPicPr>
+          <p:nvPr/>
+        </p:nvPicPr>
+        <p:blipFill>
+          <a:blip r:embed="rId14" cstate="print"/>
+          <a:srcRect/>
+          <a:stretch>
+            <a:fillRect/>
+          </a:stretch>
+        </p:blipFill>
+        <p:spPr bwMode="auto">
+          <a:xfrm>
+            <a:off x="6804248" y="2571307"/>
+            <a:ext cx="792088" cy="266076"/>
+          </a:xfrm>
+          <a:prstGeom prst="rect">
+            <a:avLst/>
+          </a:prstGeom>
+          <a:noFill/>
+        </p:spPr>
+      </p:pic>
+      <p:sp>
+        <p:nvSpPr>
+          <p:cNvPr id="59" name="TextBox 58"/>
+          <p:cNvSpPr txBox="1"/>
+          <p:nvPr/>
+        </p:nvSpPr>
+        <p:spPr>
+          <a:xfrm>
+            <a:off x="3923928" y="5589240"/>
+            <a:ext cx="792088" cy="246221"/>
+          </a:xfrm>
+          <a:prstGeom prst="rect">
+            <a:avLst/>
+          </a:prstGeom>
+          <a:noFill/>
+        </p:spPr>
+        <p:txBody>
+          <a:bodyPr wrap="square" rtlCol="0">
+            <a:spAutoFit/>
+          </a:bodyPr>
+          <a:lstStyle/>
+          <a:p>
+            <a:r>
+              <a:rPr lang="en-US" altLang="ko-KR" sz="1000" dirty="0" smtClean="0"/>
+              <a:t>Redis</a:t>
+            </a:r>
+            <a:endParaRPr lang="ko-KR" altLang="en-US" sz="1000" dirty="0"/>
+          </a:p>
+        </p:txBody>
+      </p:sp>
+      <p:pic>
+        <p:nvPicPr>
+          <p:cNvPr id="60" name="그림 59">
+            <a:extLst>
+              <a:ext uri="{FF2B5EF4-FFF2-40B4-BE49-F238E27FC236}">
+                <a16:creationId xmlns="" xmlns:a16="http://schemas.microsoft.com/office/drawing/2014/main" id="{2D4F3A23-5953-4164-95BB-72877C8E8FD4}"/>
+              </a:ext>
+            </a:extLst>
+          </p:cNvPr>
+          <p:cNvPicPr>
+            <a:picLocks noChangeAspect="1"/>
+          </p:cNvPicPr>
+          <p:nvPr/>
+        </p:nvPicPr>
+        <p:blipFill>
+          <a:blip r:embed="rId15" cstate="print">
+            <a:extLst>
+              <a:ext uri="{28A0092B-C50C-407E-A947-70E740481C1C}">
+                <a14:useLocalDpi xmlns="" xmlns:a14="http://schemas.microsoft.com/office/drawing/2010/main" val="0"/>
+              </a:ext>
+            </a:extLst>
+          </a:blip>
+          <a:stretch>
+            <a:fillRect/>
+          </a:stretch>
+        </p:blipFill>
+        <p:spPr>
+          <a:xfrm>
+            <a:off x="3563888" y="5589240"/>
+            <a:ext cx="324036" cy="278510"/>
+          </a:xfrm>
+          <a:prstGeom prst="rect">
+            <a:avLst/>
+          </a:prstGeom>
+        </p:spPr>
+      </p:pic>
+      <p:sp>
+        <p:nvSpPr>
+          <p:cNvPr id="61" name="모서리가 둥근 직사각형 174">
+            <a:extLst>
+              <a:ext uri="{FF2B5EF4-FFF2-40B4-BE49-F238E27FC236}">
+                <a16:creationId xmlns="" xmlns:a16="http://schemas.microsoft.com/office/drawing/2014/main" id="{CEE20A76-8225-4F95-9133-622979E3E5E9}"/>
+              </a:ext>
+            </a:extLst>
+          </p:cNvPr>
+          <p:cNvSpPr/>
+          <p:nvPr/>
+        </p:nvSpPr>
+        <p:spPr>
+          <a:xfrm>
+            <a:off x="3059832" y="5157192"/>
+            <a:ext cx="2232248" cy="792088"/>
+          </a:xfrm>
+          <a:prstGeom prst="roundRect">
+            <a:avLst/>
+          </a:prstGeom>
+          <a:noFill/>
+          <a:ln w="12700">
+            <a:solidFill>
+              <a:schemeClr val="tx1"/>
+            </a:solidFill>
+            <a:prstDash val="sysDot"/>
+          </a:ln>
+        </p:spPr>
+        <p:style>
+          <a:lnRef idx="2">
+            <a:schemeClr val="accent1">
+              <a:shade val="50000"/>
+            </a:schemeClr>
+          </a:lnRef>
+          <a:fillRef idx="1">
+            <a:schemeClr val="accent1"/>
+          </a:fillRef>
+          <a:effectRef idx="0">
+            <a:schemeClr val="accent1"/>
+          </a:effectRef>
+          <a:fontRef idx="minor">
+            <a:schemeClr val="lt1"/>
+          </a:fontRef>
+        </p:style>
+        <p:txBody>
+          <a:bodyPr rtlCol="0" anchor="ctr"/>
+          <a:lstStyle/>
+          <a:p>
+            <a:pPr algn="ctr"/>
+            <a:endParaRPr lang="ko-KR" altLang="en-US" dirty="0"/>
+          </a:p>
+        </p:txBody>
+      </p:sp>
+      <p:cxnSp>
+        <p:nvCxnSpPr>
+          <p:cNvPr id="62" name="연결선: 꺾임 109">
+            <a:extLst>
+              <a:ext uri="{FF2B5EF4-FFF2-40B4-BE49-F238E27FC236}">
+                <a16:creationId xmlns="" xmlns:a16="http://schemas.microsoft.com/office/drawing/2014/main" id="{4619E872-E042-4C9C-A437-975F5DA2F778}"/>
+              </a:ext>
+            </a:extLst>
+          </p:cNvPr>
+          <p:cNvCxnSpPr>
+            <a:cxnSpLocks/>
+            <a:stCxn id="46" idx="2"/>
+            <a:endCxn id="61" idx="0"/>
+          </p:cNvCxnSpPr>
+          <p:nvPr/>
+        </p:nvCxnSpPr>
+        <p:spPr>
+          <a:xfrm rot="5400000">
+            <a:off x="4335071" y="4308194"/>
+            <a:ext cx="689883" cy="1008112"/>
+          </a:xfrm>
+          <a:prstGeom prst="bentConnector3">
+            <a:avLst>
+              <a:gd name="adj1" fmla="val 50000"/>
+            </a:avLst>
+          </a:prstGeom>
+          <a:ln>
+            <a:solidFill>
+              <a:schemeClr val="tx1">
+                <a:lumMod val="65000"/>
+                <a:lumOff val="35000"/>
+              </a:schemeClr>
+            </a:solidFill>
+            <a:tailEnd type="triangle"/>
+          </a:ln>
+        </p:spPr>
+        <p:style>
+          <a:lnRef idx="1">
+            <a:schemeClr val="accent1"/>
+          </a:lnRef>
+          <a:fillRef idx="0">
+            <a:schemeClr val="accent1"/>
+          </a:fillRef>
+          <a:effectRef idx="0">
+            <a:schemeClr val="accent1"/>
+          </a:effectRef>
+          <a:fontRef idx="minor">
+            <a:schemeClr val="tx1"/>
+          </a:fontRef>
+        </p:style>
+      </p:cxnSp>
+      <p:pic>
+        <p:nvPicPr>
+          <p:cNvPr id="63" name="Picture 2" descr="C:\Users\webme\Downloads\다운로드 (10).png"/>
+          <p:cNvPicPr>
+            <a:picLocks noChangeAspect="1" noChangeArrowheads="1"/>
+          </p:cNvPicPr>
+          <p:nvPr/>
+        </p:nvPicPr>
+        <p:blipFill>
+          <a:blip r:embed="rId14" cstate="print"/>
+          <a:srcRect/>
+          <a:stretch>
+            <a:fillRect/>
+          </a:stretch>
+        </p:blipFill>
+        <p:spPr bwMode="auto">
+          <a:xfrm>
+            <a:off x="3635896" y="5229200"/>
+            <a:ext cx="792088" cy="266076"/>
+          </a:xfrm>
+          <a:prstGeom prst="rect">
+            <a:avLst/>
+          </a:prstGeom>
+          <a:noFill/>
+        </p:spPr>
+      </p:pic>
+      <p:sp>
+        <p:nvSpPr>
+          <p:cNvPr id="64" name="TextBox 63">
+            <a:extLst>
+              <a:ext uri="{FF2B5EF4-FFF2-40B4-BE49-F238E27FC236}">
+                <a16:creationId xmlns="" xmlns:a16="http://schemas.microsoft.com/office/drawing/2014/main" id="{B6C898BC-816F-4B29-8C6C-FC9605D29A8B}"/>
+              </a:ext>
+            </a:extLst>
+          </p:cNvPr>
+          <p:cNvSpPr txBox="1"/>
+          <p:nvPr/>
+        </p:nvSpPr>
+        <p:spPr>
+          <a:xfrm>
+            <a:off x="3347864" y="5949280"/>
+            <a:ext cx="1872208" cy="246221"/>
+          </a:xfrm>
+          <a:prstGeom prst="rect">
+            <a:avLst/>
+          </a:prstGeom>
+          <a:noFill/>
+        </p:spPr>
+        <p:txBody>
+          <a:bodyPr wrap="square" rtlCol="0">
+            <a:spAutoFit/>
+          </a:bodyPr>
+          <a:lstStyle/>
+          <a:p>
+            <a:r>
+              <a:rPr lang="en-US" altLang="ko-KR" sz="1000" dirty="0" smtClean="0"/>
+              <a:t>Session Server(</a:t>
+            </a:r>
+            <a:r>
+              <a:rPr lang="en-US" altLang="ko-KR" sz="1000" b="1" dirty="0" smtClean="0"/>
+              <a:t>211.240.6.6</a:t>
+            </a:r>
+            <a:r>
+              <a:rPr lang="en-US" altLang="ko-KR" sz="1000" dirty="0" smtClean="0"/>
+              <a:t>)</a:t>
+            </a:r>
+            <a:endParaRPr lang="ko-KR" altLang="en-US" sz="1000" dirty="0"/>
+          </a:p>
+        </p:txBody>
+      </p:sp>
+      <p:sp>
+        <p:nvSpPr>
+          <p:cNvPr id="65" name="TextBox 64">
+            <a:extLst>
+              <a:ext uri="{FF2B5EF4-FFF2-40B4-BE49-F238E27FC236}">
+                <a16:creationId xmlns="" xmlns:a16="http://schemas.microsoft.com/office/drawing/2014/main" id="{EECACAF7-E69F-4EEF-A7EC-27088671B7BD}"/>
+              </a:ext>
+            </a:extLst>
+          </p:cNvPr>
+          <p:cNvSpPr txBox="1"/>
+          <p:nvPr/>
+        </p:nvSpPr>
+        <p:spPr>
+          <a:xfrm>
+            <a:off x="6935722" y="3742700"/>
+            <a:ext cx="1380694" cy="246221"/>
+          </a:xfrm>
+          <a:prstGeom prst="rect">
+            <a:avLst/>
+          </a:prstGeom>
+          <a:noFill/>
+        </p:spPr>
+        <p:txBody>
+          <a:bodyPr wrap="square" rtlCol="0">
+            <a:spAutoFit/>
+          </a:bodyPr>
+          <a:lstStyle/>
+          <a:p>
+            <a:r>
+              <a:rPr lang="ko-KR" altLang="en-US" sz="1000" dirty="0" smtClean="0">
+                <a:solidFill>
+                  <a:srgbClr val="FF0000"/>
+                </a:solidFill>
+              </a:rPr>
+              <a:t>통합 관리자 </a:t>
+            </a:r>
+            <a:r>
+              <a:rPr lang="en-US" altLang="ko-KR" sz="1000" dirty="0" smtClean="0">
+                <a:solidFill>
+                  <a:srgbClr val="FF0000"/>
+                </a:solidFill>
+              </a:rPr>
+              <a:t>API</a:t>
+            </a:r>
+            <a:endParaRPr lang="ko-KR" altLang="en-US" sz="1000" dirty="0">
+              <a:solidFill>
+                <a:srgbClr val="FF0000"/>
+              </a:solidFill>
+            </a:endParaRPr>
+          </a:p>
+        </p:txBody>
+      </p:sp>
+      <p:pic>
+        <p:nvPicPr>
+          <p:cNvPr id="66" name="그림 65">
+            <a:extLst>
+              <a:ext uri="{FF2B5EF4-FFF2-40B4-BE49-F238E27FC236}">
+                <a16:creationId xmlns="" xmlns:a16="http://schemas.microsoft.com/office/drawing/2014/main" id="{6A23CE0C-CCBA-4C49-86AD-C9B82007CF88}"/>
+              </a:ext>
+            </a:extLst>
+          </p:cNvPr>
+          <p:cNvPicPr>
+            <a:picLocks noChangeAspect="1"/>
+          </p:cNvPicPr>
+          <p:nvPr/>
+        </p:nvPicPr>
+        <p:blipFill>
+          <a:blip r:embed="rId5" cstate="print">
+            <a:extLst>
+              <a:ext uri="{28A0092B-C50C-407E-A947-70E740481C1C}">
+                <a14:useLocalDpi xmlns="" xmlns:a14="http://schemas.microsoft.com/office/drawing/2010/main" val="0"/>
+              </a:ext>
+            </a:extLst>
+          </a:blip>
+          <a:stretch>
+            <a:fillRect/>
+          </a:stretch>
+        </p:blipFill>
+        <p:spPr>
+          <a:xfrm>
+            <a:off x="6367489" y="3758843"/>
+            <a:ext cx="246221" cy="246221"/>
+          </a:xfrm>
+          <a:prstGeom prst="rect">
+            <a:avLst/>
+          </a:prstGeom>
+        </p:spPr>
+      </p:pic>
+      <p:pic>
+        <p:nvPicPr>
+          <p:cNvPr id="67" name="그림 66">
+            <a:extLst>
+              <a:ext uri="{FF2B5EF4-FFF2-40B4-BE49-F238E27FC236}">
+                <a16:creationId xmlns="" xmlns:a16="http://schemas.microsoft.com/office/drawing/2014/main" id="{37DC3274-3B07-4B59-BF1F-E14B8D9526F2}"/>
+              </a:ext>
+            </a:extLst>
+          </p:cNvPr>
+          <p:cNvPicPr>
+            <a:picLocks noChangeAspect="1"/>
+          </p:cNvPicPr>
+          <p:nvPr/>
+        </p:nvPicPr>
+        <p:blipFill>
+          <a:blip r:embed="rId6" cstate="print">
+            <a:extLst>
+              <a:ext uri="{28A0092B-C50C-407E-A947-70E740481C1C}">
+                <a14:useLocalDpi xmlns="" xmlns:a14="http://schemas.microsoft.com/office/drawing/2010/main" val="0"/>
+              </a:ext>
+            </a:extLst>
+          </a:blip>
+          <a:stretch>
+            <a:fillRect/>
+          </a:stretch>
+        </p:blipFill>
+        <p:spPr>
+          <a:xfrm>
+            <a:off x="6609884" y="3717032"/>
+            <a:ext cx="291858" cy="290455"/>
+          </a:xfrm>
+          <a:prstGeom prst="rect">
+            <a:avLst/>
+          </a:prstGeom>
+        </p:spPr>
+      </p:pic>
+      <p:sp>
+        <p:nvSpPr>
+          <p:cNvPr id="68" name="직사각형 67">
+            <a:extLst>
+              <a:ext uri="{FF2B5EF4-FFF2-40B4-BE49-F238E27FC236}">
+                <a16:creationId xmlns="" xmlns:a16="http://schemas.microsoft.com/office/drawing/2014/main" id="{72967650-4D04-4ED0-8122-C04ED7B74A73}"/>
+              </a:ext>
+            </a:extLst>
+          </p:cNvPr>
+          <p:cNvSpPr/>
+          <p:nvPr/>
+        </p:nvSpPr>
+        <p:spPr>
+          <a:xfrm>
+            <a:off x="6346676" y="3728011"/>
+            <a:ext cx="1969740" cy="288031"/>
+          </a:xfrm>
+          <a:prstGeom prst="rect">
+            <a:avLst/>
+          </a:prstGeom>
+          <a:noFill/>
+          <a:ln w="0">
+            <a:solidFill>
+              <a:srgbClr val="FF0000"/>
+            </a:solidFill>
+            <a:prstDash val="dash"/>
+          </a:ln>
+        </p:spPr>
+        <p:style>
+          <a:lnRef idx="2">
+            <a:schemeClr val="accent1">
+              <a:shade val="50000"/>
+            </a:schemeClr>
+          </a:lnRef>
+          <a:fillRef idx="1">
+            <a:schemeClr val="accent1"/>
+          </a:fillRef>
+          <a:effectRef idx="0">
+            <a:schemeClr val="accent1"/>
+          </a:effectRef>
+          <a:fontRef idx="minor">
+            <a:schemeClr val="lt1"/>
+          </a:fontRef>
+        </p:style>
+        <p:txBody>
+          <a:bodyPr rtlCol="0" anchor="ctr"/>
+          <a:lstStyle/>
+          <a:p>
+            <a:pPr algn="ctr"/>
+            <a:endParaRPr lang="ko-KR" altLang="en-US"/>
+          </a:p>
+        </p:txBody>
+      </p:sp>
+      <p:sp>
+        <p:nvSpPr>
+          <p:cNvPr id="69" name="모서리가 둥근 직사각형 174">
+            <a:extLst>
+              <a:ext uri="{FF2B5EF4-FFF2-40B4-BE49-F238E27FC236}">
+                <a16:creationId xmlns="" xmlns:a16="http://schemas.microsoft.com/office/drawing/2014/main" id="{CEE20A76-8225-4F95-9133-622979E3E5E9}"/>
+              </a:ext>
+            </a:extLst>
+          </p:cNvPr>
+          <p:cNvSpPr/>
+          <p:nvPr/>
+        </p:nvSpPr>
+        <p:spPr>
+          <a:xfrm>
+            <a:off x="467544" y="2564904"/>
+            <a:ext cx="1656184" cy="1944216"/>
+          </a:xfrm>
+          <a:prstGeom prst="roundRect">
+            <a:avLst/>
+          </a:prstGeom>
+          <a:noFill/>
+          <a:ln w="12700">
+            <a:solidFill>
+              <a:schemeClr val="tx1"/>
+            </a:solidFill>
+            <a:prstDash val="sysDot"/>
+          </a:ln>
+        </p:spPr>
+        <p:style>
+          <a:lnRef idx="2">
+            <a:schemeClr val="accent1">
+              <a:shade val="50000"/>
+            </a:schemeClr>
+          </a:lnRef>
+          <a:fillRef idx="1">
+            <a:schemeClr val="accent1"/>
+          </a:fillRef>
+          <a:effectRef idx="0">
+            <a:schemeClr val="accent1"/>
+          </a:effectRef>
+          <a:fontRef idx="minor">
+            <a:schemeClr val="lt1"/>
+          </a:fontRef>
+        </p:style>
+        <p:txBody>
+          <a:bodyPr rtlCol="0" anchor="ctr"/>
+          <a:lstStyle/>
+          <a:p>
+            <a:pPr algn="ctr"/>
+            <a:endParaRPr lang="ko-KR" altLang="en-US" dirty="0"/>
+          </a:p>
+        </p:txBody>
+      </p:sp>
+      <p:pic>
+        <p:nvPicPr>
+          <p:cNvPr id="70" name="Picture 2" descr="C:\Users\webme\Downloads\다운로드 (10).png"/>
+          <p:cNvPicPr>
+            <a:picLocks noChangeAspect="1" noChangeArrowheads="1"/>
+          </p:cNvPicPr>
+          <p:nvPr/>
+        </p:nvPicPr>
+        <p:blipFill>
+          <a:blip r:embed="rId14" cstate="print"/>
+          <a:srcRect/>
+          <a:stretch>
+            <a:fillRect/>
+          </a:stretch>
+        </p:blipFill>
+        <p:spPr bwMode="auto">
+          <a:xfrm>
+            <a:off x="827584" y="2586860"/>
+            <a:ext cx="792088" cy="266076"/>
+          </a:xfrm>
+          <a:prstGeom prst="rect">
+            <a:avLst/>
+          </a:prstGeom>
+          <a:noFill/>
+        </p:spPr>
+      </p:pic>
+      <p:sp>
+        <p:nvSpPr>
+          <p:cNvPr id="71" name="TextBox 70">
+            <a:extLst>
+              <a:ext uri="{FF2B5EF4-FFF2-40B4-BE49-F238E27FC236}">
+                <a16:creationId xmlns="" xmlns:a16="http://schemas.microsoft.com/office/drawing/2014/main" id="{B6C898BC-816F-4B29-8C6C-FC9605D29A8B}"/>
+              </a:ext>
+            </a:extLst>
+          </p:cNvPr>
+          <p:cNvSpPr txBox="1"/>
+          <p:nvPr/>
+        </p:nvSpPr>
+        <p:spPr>
+          <a:xfrm>
+            <a:off x="395536" y="4509120"/>
+            <a:ext cx="1872208" cy="246221"/>
+          </a:xfrm>
+          <a:prstGeom prst="rect">
+            <a:avLst/>
+          </a:prstGeom>
+          <a:noFill/>
+        </p:spPr>
+        <p:txBody>
+          <a:bodyPr wrap="square" rtlCol="0">
+            <a:spAutoFit/>
+          </a:bodyPr>
+          <a:lstStyle/>
+          <a:p>
+            <a:r>
+              <a:rPr lang="en-US" altLang="ko-KR" sz="1000" dirty="0" smtClean="0"/>
+              <a:t>Utility Server(</a:t>
+            </a:r>
+            <a:r>
+              <a:rPr lang="en-US" altLang="ko-KR" sz="1000" b="1" dirty="0" smtClean="0"/>
+              <a:t>211.240.6.9</a:t>
+            </a:r>
+            <a:r>
+              <a:rPr lang="en-US" altLang="ko-KR" sz="1000" dirty="0" smtClean="0"/>
+              <a:t>)</a:t>
+            </a:r>
+            <a:endParaRPr lang="ko-KR" altLang="en-US" sz="1000" dirty="0"/>
+          </a:p>
+        </p:txBody>
+      </p:sp>
+      <p:pic>
+        <p:nvPicPr>
+          <p:cNvPr id="72" name="Picture 6"/>
+          <p:cNvPicPr>
+            <a:picLocks noChangeAspect="1" noChangeArrowheads="1"/>
+          </p:cNvPicPr>
+          <p:nvPr/>
+        </p:nvPicPr>
+        <p:blipFill>
+          <a:blip r:embed="rId16" cstate="print"/>
+          <a:srcRect/>
+          <a:stretch>
+            <a:fillRect/>
+          </a:stretch>
+        </p:blipFill>
+        <p:spPr bwMode="auto">
+          <a:xfrm>
+            <a:off x="683568" y="3310283"/>
+            <a:ext cx="1218672" cy="334741"/>
+          </a:xfrm>
+          <a:prstGeom prst="rect">
+            <a:avLst/>
+          </a:prstGeom>
+          <a:noFill/>
+          <a:ln w="9525">
+            <a:noFill/>
+            <a:miter lim="800000"/>
+            <a:headEnd/>
+            <a:tailEnd/>
+          </a:ln>
+        </p:spPr>
+      </p:pic>
+      <p:pic>
+        <p:nvPicPr>
+          <p:cNvPr id="73" name="Picture 9"/>
+          <p:cNvPicPr>
+            <a:picLocks noChangeAspect="1" noChangeArrowheads="1"/>
+          </p:cNvPicPr>
+          <p:nvPr/>
+        </p:nvPicPr>
+        <p:blipFill>
+          <a:blip r:embed="rId17" cstate="print"/>
+          <a:srcRect/>
+          <a:stretch>
+            <a:fillRect/>
+          </a:stretch>
+        </p:blipFill>
+        <p:spPr bwMode="auto">
+          <a:xfrm>
+            <a:off x="683486" y="3717032"/>
+            <a:ext cx="1152210" cy="216024"/>
+          </a:xfrm>
+          <a:prstGeom prst="rect">
+            <a:avLst/>
+          </a:prstGeom>
+          <a:noFill/>
+          <a:ln w="9525">
+            <a:noFill/>
+            <a:miter lim="800000"/>
+            <a:headEnd/>
+            <a:tailEnd/>
+          </a:ln>
+        </p:spPr>
+      </p:pic>
+      <p:pic>
+        <p:nvPicPr>
+          <p:cNvPr id="74" name="그림 73">
+            <a:extLst>
+              <a:ext uri="{FF2B5EF4-FFF2-40B4-BE49-F238E27FC236}">
+                <a16:creationId xmlns="" xmlns:a16="http://schemas.microsoft.com/office/drawing/2014/main" id="{E852592A-49E0-4B2F-9777-A1BCBD8F1445}"/>
+              </a:ext>
+            </a:extLst>
+          </p:cNvPr>
+          <p:cNvPicPr>
+            <a:picLocks noChangeAspect="1"/>
+          </p:cNvPicPr>
+          <p:nvPr/>
+        </p:nvPicPr>
+        <p:blipFill>
+          <a:blip r:embed="rId18" cstate="print">
+            <a:extLst>
+              <a:ext uri="{28A0092B-C50C-407E-A947-70E740481C1C}">
+                <a14:useLocalDpi xmlns="" xmlns:a14="http://schemas.microsoft.com/office/drawing/2010/main" val="0"/>
+              </a:ext>
+            </a:extLst>
+          </a:blip>
+          <a:stretch>
+            <a:fillRect/>
+          </a:stretch>
+        </p:blipFill>
+        <p:spPr>
+          <a:xfrm>
+            <a:off x="703026" y="2924944"/>
+            <a:ext cx="1060662" cy="360040"/>
+          </a:xfrm>
+          <a:prstGeom prst="rect">
+            <a:avLst/>
+          </a:prstGeom>
+        </p:spPr>
+      </p:pic>
+      <p:pic>
+        <p:nvPicPr>
+          <p:cNvPr id="75" name="Picture 2" descr="C:\Users\webme\Downloads\다운로드 (9).png"/>
+          <p:cNvPicPr>
+            <a:picLocks noChangeAspect="1" noChangeArrowheads="1"/>
+          </p:cNvPicPr>
+          <p:nvPr/>
+        </p:nvPicPr>
+        <p:blipFill>
+          <a:blip r:embed="rId19" cstate="print"/>
+          <a:srcRect/>
+          <a:stretch>
+            <a:fillRect/>
+          </a:stretch>
+        </p:blipFill>
+        <p:spPr bwMode="auto">
+          <a:xfrm>
+            <a:off x="755576" y="4005064"/>
+            <a:ext cx="1080120" cy="360040"/>
+          </a:xfrm>
+          <a:prstGeom prst="rect">
+            <a:avLst/>
+          </a:prstGeom>
+          <a:noFill/>
+        </p:spPr>
+      </p:pic>
+      <p:cxnSp>
+        <p:nvCxnSpPr>
+          <p:cNvPr id="76" name="연결선: 꺾임 109">
+            <a:extLst>
+              <a:ext uri="{FF2B5EF4-FFF2-40B4-BE49-F238E27FC236}">
+                <a16:creationId xmlns="" xmlns:a16="http://schemas.microsoft.com/office/drawing/2014/main" id="{4619E872-E042-4C9C-A437-975F5DA2F778}"/>
+              </a:ext>
+            </a:extLst>
+          </p:cNvPr>
+          <p:cNvCxnSpPr>
+            <a:cxnSpLocks/>
+            <a:stCxn id="7" idx="2"/>
+            <a:endCxn id="17" idx="0"/>
+          </p:cNvCxnSpPr>
+          <p:nvPr/>
+        </p:nvCxnSpPr>
+        <p:spPr>
+          <a:xfrm rot="5400000">
+            <a:off x="3128937" y="1877924"/>
+            <a:ext cx="761891" cy="612068"/>
+          </a:xfrm>
+          <a:prstGeom prst="bentConnector3">
+            <a:avLst>
+              <a:gd name="adj1" fmla="val 50000"/>
+            </a:avLst>
+          </a:prstGeom>
+          <a:ln>
+            <a:solidFill>
+              <a:schemeClr val="tx1">
+                <a:lumMod val="65000"/>
+                <a:lumOff val="35000"/>
+              </a:schemeClr>
+            </a:solidFill>
+            <a:tailEnd type="triangle"/>
+          </a:ln>
+        </p:spPr>
+        <p:style>
+          <a:lnRef idx="1">
+            <a:schemeClr val="accent1"/>
+          </a:lnRef>
+          <a:fillRef idx="0">
+            <a:schemeClr val="accent1"/>
+          </a:fillRef>
+          <a:effectRef idx="0">
+            <a:schemeClr val="accent1"/>
+          </a:effectRef>
+          <a:fontRef idx="minor">
+            <a:schemeClr val="tx1"/>
+          </a:fontRef>
+        </p:style>
+      </p:cxnSp>
+      <p:cxnSp>
+        <p:nvCxnSpPr>
+          <p:cNvPr id="77" name="연결선: 꺾임 109">
+            <a:extLst>
+              <a:ext uri="{FF2B5EF4-FFF2-40B4-BE49-F238E27FC236}">
+                <a16:creationId xmlns="" xmlns:a16="http://schemas.microsoft.com/office/drawing/2014/main" id="{4619E872-E042-4C9C-A437-975F5DA2F778}"/>
+              </a:ext>
+            </a:extLst>
+          </p:cNvPr>
+          <p:cNvCxnSpPr>
+            <a:cxnSpLocks/>
+            <a:stCxn id="7" idx="2"/>
+            <a:endCxn id="32" idx="0"/>
+          </p:cNvCxnSpPr>
+          <p:nvPr/>
+        </p:nvCxnSpPr>
+        <p:spPr>
+          <a:xfrm rot="16200000" flipH="1">
+            <a:off x="4087446" y="1531482"/>
+            <a:ext cx="786753" cy="1329813"/>
+          </a:xfrm>
+          <a:prstGeom prst="bentConnector3">
+            <a:avLst>
+              <a:gd name="adj1" fmla="val 50000"/>
+            </a:avLst>
+          </a:prstGeom>
+          <a:ln>
+            <a:solidFill>
+              <a:schemeClr val="tx1">
+                <a:lumMod val="65000"/>
+                <a:lumOff val="35000"/>
+              </a:schemeClr>
+            </a:solidFill>
+            <a:tailEnd type="triangle"/>
+          </a:ln>
+        </p:spPr>
+        <p:style>
+          <a:lnRef idx="1">
+            <a:schemeClr val="accent1"/>
+          </a:lnRef>
+          <a:fillRef idx="0">
+            <a:schemeClr val="accent1"/>
+          </a:fillRef>
+          <a:effectRef idx="0">
+            <a:schemeClr val="accent1"/>
+          </a:effectRef>
+          <a:fontRef idx="minor">
+            <a:schemeClr val="tx1"/>
+          </a:fontRef>
+        </p:style>
+      </p:cxnSp>
+      <p:cxnSp>
+        <p:nvCxnSpPr>
+          <p:cNvPr id="78" name="연결선: 꺾임 109">
+            <a:extLst>
+              <a:ext uri="{FF2B5EF4-FFF2-40B4-BE49-F238E27FC236}">
+                <a16:creationId xmlns="" xmlns:a16="http://schemas.microsoft.com/office/drawing/2014/main" id="{4619E872-E042-4C9C-A437-975F5DA2F778}"/>
+              </a:ext>
+            </a:extLst>
+          </p:cNvPr>
+          <p:cNvCxnSpPr>
+            <a:cxnSpLocks/>
+            <a:stCxn id="7" idx="2"/>
+            <a:endCxn id="48" idx="0"/>
+          </p:cNvCxnSpPr>
+          <p:nvPr/>
+        </p:nvCxnSpPr>
+        <p:spPr>
+          <a:xfrm rot="16200000" flipH="1">
+            <a:off x="5200518" y="418411"/>
+            <a:ext cx="759189" cy="3528392"/>
+          </a:xfrm>
+          <a:prstGeom prst="bentConnector3">
+            <a:avLst>
+              <a:gd name="adj1" fmla="val 50000"/>
+            </a:avLst>
+          </a:prstGeom>
+          <a:ln>
+            <a:solidFill>
+              <a:schemeClr val="tx1">
+                <a:lumMod val="65000"/>
+                <a:lumOff val="35000"/>
+              </a:schemeClr>
+            </a:solidFill>
+            <a:tailEnd type="triangle"/>
+          </a:ln>
+        </p:spPr>
+        <p:style>
+          <a:lnRef idx="1">
+            <a:schemeClr val="accent1"/>
+          </a:lnRef>
+          <a:fillRef idx="0">
+            <a:schemeClr val="accent1"/>
+          </a:fillRef>
+          <a:effectRef idx="0">
+            <a:schemeClr val="accent1"/>
+          </a:effectRef>
+          <a:fontRef idx="minor">
+            <a:schemeClr val="tx1"/>
+          </a:fontRef>
+        </p:style>
+      </p:cxnSp>
+      <p:cxnSp>
+        <p:nvCxnSpPr>
+          <p:cNvPr id="79" name="연결선: 꺾임 109">
+            <a:extLst>
+              <a:ext uri="{FF2B5EF4-FFF2-40B4-BE49-F238E27FC236}">
+                <a16:creationId xmlns="" xmlns:a16="http://schemas.microsoft.com/office/drawing/2014/main" id="{4619E872-E042-4C9C-A437-975F5DA2F778}"/>
+              </a:ext>
+            </a:extLst>
+          </p:cNvPr>
+          <p:cNvCxnSpPr>
+            <a:cxnSpLocks/>
+            <a:stCxn id="84" idx="3"/>
+            <a:endCxn id="68" idx="3"/>
+          </p:cNvCxnSpPr>
+          <p:nvPr/>
+        </p:nvCxnSpPr>
+        <p:spPr>
+          <a:xfrm flipH="1">
+            <a:off x="8316416" y="967866"/>
+            <a:ext cx="144016" cy="2904161"/>
+          </a:xfrm>
+          <a:prstGeom prst="bentConnector3">
+            <a:avLst>
+              <a:gd name="adj1" fmla="val -158732"/>
+            </a:avLst>
+          </a:prstGeom>
+          <a:ln>
+            <a:solidFill>
+              <a:srgbClr val="FF0000"/>
+            </a:solidFill>
+            <a:prstDash val="dash"/>
+            <a:tailEnd type="triangle"/>
+          </a:ln>
+        </p:spPr>
+        <p:style>
+          <a:lnRef idx="1">
+            <a:schemeClr val="accent1"/>
+          </a:lnRef>
+          <a:fillRef idx="0">
+            <a:schemeClr val="accent1"/>
+          </a:fillRef>
+          <a:effectRef idx="0">
+            <a:schemeClr val="accent1"/>
+          </a:effectRef>
+          <a:fontRef idx="minor">
+            <a:schemeClr val="tx1"/>
+          </a:fontRef>
+        </p:style>
+      </p:cxnSp>
+      <p:sp>
+        <p:nvSpPr>
+          <p:cNvPr id="85" name="직사각형 84">
+            <a:extLst>
+              <a:ext uri="{FF2B5EF4-FFF2-40B4-BE49-F238E27FC236}">
+                <a16:creationId xmlns="" xmlns:a16="http://schemas.microsoft.com/office/drawing/2014/main" id="{E10806AC-CCE4-43E1-BC09-950AA2D2AFB9}"/>
+              </a:ext>
+            </a:extLst>
+          </p:cNvPr>
+          <p:cNvSpPr/>
+          <p:nvPr/>
+        </p:nvSpPr>
+        <p:spPr>
+          <a:xfrm>
+            <a:off x="611560" y="2924944"/>
+            <a:ext cx="1368152" cy="360040"/>
+          </a:xfrm>
+          <a:prstGeom prst="rect">
+            <a:avLst/>
+          </a:prstGeom>
+          <a:noFill/>
+          <a:ln w="0"/>
+        </p:spPr>
+        <p:style>
+          <a:lnRef idx="2">
+            <a:schemeClr val="accent1">
+              <a:shade val="50000"/>
+            </a:schemeClr>
+          </a:lnRef>
+          <a:fillRef idx="1">
+            <a:schemeClr val="accent1"/>
+          </a:fillRef>
+          <a:effectRef idx="0">
+            <a:schemeClr val="accent1"/>
+          </a:effectRef>
+          <a:fontRef idx="minor">
+            <a:schemeClr val="lt1"/>
+          </a:fontRef>
+        </p:style>
+        <p:txBody>
+          <a:bodyPr rtlCol="0" anchor="ctr"/>
+          <a:lstStyle/>
+          <a:p>
+            <a:pPr algn="ctr"/>
+            <a:endParaRPr lang="ko-KR" altLang="en-US"/>
+          </a:p>
+        </p:txBody>
+      </p:sp>
+      <p:sp>
+        <p:nvSpPr>
+          <p:cNvPr id="86" name="직사각형 85">
+            <a:extLst>
+              <a:ext uri="{FF2B5EF4-FFF2-40B4-BE49-F238E27FC236}">
+                <a16:creationId xmlns="" xmlns:a16="http://schemas.microsoft.com/office/drawing/2014/main" id="{E10806AC-CCE4-43E1-BC09-950AA2D2AFB9}"/>
+              </a:ext>
+            </a:extLst>
+          </p:cNvPr>
+          <p:cNvSpPr/>
+          <p:nvPr/>
+        </p:nvSpPr>
+        <p:spPr>
+          <a:xfrm>
+            <a:off x="611560" y="3284984"/>
+            <a:ext cx="1368152" cy="360040"/>
+          </a:xfrm>
+          <a:prstGeom prst="rect">
+            <a:avLst/>
+          </a:prstGeom>
+          <a:noFill/>
+          <a:ln w="0"/>
+        </p:spPr>
+        <p:style>
+          <a:lnRef idx="2">
+            <a:schemeClr val="accent1">
+              <a:shade val="50000"/>
+            </a:schemeClr>
+          </a:lnRef>
+          <a:fillRef idx="1">
+            <a:schemeClr val="accent1"/>
+          </a:fillRef>
+          <a:effectRef idx="0">
+            <a:schemeClr val="accent1"/>
+          </a:effectRef>
+          <a:fontRef idx="minor">
+            <a:schemeClr val="lt1"/>
+          </a:fontRef>
+        </p:style>
+        <p:txBody>
+          <a:bodyPr rtlCol="0" anchor="ctr"/>
+          <a:lstStyle/>
+          <a:p>
+            <a:pPr algn="ctr"/>
+            <a:endParaRPr lang="ko-KR" altLang="en-US"/>
+          </a:p>
+        </p:txBody>
+      </p:sp>
+      <p:sp>
+        <p:nvSpPr>
+          <p:cNvPr id="87" name="직사각형 86">
+            <a:extLst>
+              <a:ext uri="{FF2B5EF4-FFF2-40B4-BE49-F238E27FC236}">
+                <a16:creationId xmlns="" xmlns:a16="http://schemas.microsoft.com/office/drawing/2014/main" id="{E10806AC-CCE4-43E1-BC09-950AA2D2AFB9}"/>
+              </a:ext>
+            </a:extLst>
+          </p:cNvPr>
+          <p:cNvSpPr/>
+          <p:nvPr/>
+        </p:nvSpPr>
+        <p:spPr>
+          <a:xfrm>
+            <a:off x="611560" y="3645024"/>
+            <a:ext cx="1368152" cy="360040"/>
+          </a:xfrm>
+          <a:prstGeom prst="rect">
+            <a:avLst/>
+          </a:prstGeom>
+          <a:noFill/>
+          <a:ln w="0"/>
+        </p:spPr>
+        <p:style>
+          <a:lnRef idx="2">
+            <a:schemeClr val="accent1">
+              <a:shade val="50000"/>
+            </a:schemeClr>
+          </a:lnRef>
+          <a:fillRef idx="1">
+            <a:schemeClr val="accent1"/>
+          </a:fillRef>
+          <a:effectRef idx="0">
+            <a:schemeClr val="accent1"/>
+          </a:effectRef>
+          <a:fontRef idx="minor">
+            <a:schemeClr val="lt1"/>
+          </a:fontRef>
+        </p:style>
+        <p:txBody>
+          <a:bodyPr rtlCol="0" anchor="ctr"/>
+          <a:lstStyle/>
+          <a:p>
+            <a:pPr algn="ctr"/>
+            <a:endParaRPr lang="ko-KR" altLang="en-US"/>
+          </a:p>
+        </p:txBody>
+      </p:sp>
+      <p:sp>
+        <p:nvSpPr>
+          <p:cNvPr id="88" name="직사각형 87">
+            <a:extLst>
+              <a:ext uri="{FF2B5EF4-FFF2-40B4-BE49-F238E27FC236}">
+                <a16:creationId xmlns="" xmlns:a16="http://schemas.microsoft.com/office/drawing/2014/main" id="{E10806AC-CCE4-43E1-BC09-950AA2D2AFB9}"/>
+              </a:ext>
+            </a:extLst>
+          </p:cNvPr>
+          <p:cNvSpPr/>
+          <p:nvPr/>
+        </p:nvSpPr>
+        <p:spPr>
+          <a:xfrm>
+            <a:off x="611560" y="4005064"/>
+            <a:ext cx="1368152" cy="360040"/>
+          </a:xfrm>
+          <a:prstGeom prst="rect">
+            <a:avLst/>
+          </a:prstGeom>
+          <a:noFill/>
+          <a:ln w="0"/>
+        </p:spPr>
+        <p:style>
+          <a:lnRef idx="2">
+            <a:schemeClr val="accent1">
+              <a:shade val="50000"/>
+            </a:schemeClr>
+          </a:lnRef>
+          <a:fillRef idx="1">
+            <a:schemeClr val="accent1"/>
+          </a:fillRef>
+          <a:effectRef idx="0">
+            <a:schemeClr val="accent1"/>
+          </a:effectRef>
+          <a:fontRef idx="minor">
+            <a:schemeClr val="lt1"/>
+          </a:fontRef>
+        </p:style>
+        <p:txBody>
+          <a:bodyPr rtlCol="0" anchor="ctr"/>
+          <a:lstStyle/>
+          <a:p>
+            <a:pPr algn="ctr"/>
+            <a:endParaRPr lang="ko-KR" altLang="en-US"/>
+          </a:p>
+        </p:txBody>
+      </p:sp>
+      <p:sp>
+        <p:nvSpPr>
+          <p:cNvPr id="84" name="모서리가 둥근 직사각형 174">
+            <a:extLst>
+              <a:ext uri="{FF2B5EF4-FFF2-40B4-BE49-F238E27FC236}">
+                <a16:creationId xmlns="" xmlns:a16="http://schemas.microsoft.com/office/drawing/2014/main" id="{05913057-6CEC-4B01-88F4-B4773D2F2A85}"/>
+              </a:ext>
+            </a:extLst>
+          </p:cNvPr>
+          <p:cNvSpPr/>
+          <p:nvPr/>
+        </p:nvSpPr>
+        <p:spPr>
+          <a:xfrm>
+            <a:off x="6732240" y="404664"/>
+            <a:ext cx="1728192" cy="1126403"/>
+          </a:xfrm>
+          <a:prstGeom prst="roundRect">
+            <a:avLst/>
+          </a:prstGeom>
+          <a:noFill/>
+          <a:ln w="12700">
+            <a:solidFill>
+              <a:srgbClr val="FF0000"/>
+            </a:solidFill>
+            <a:prstDash val="sysDot"/>
+          </a:ln>
+        </p:spPr>
+        <p:style>
+          <a:lnRef idx="2">
+            <a:schemeClr val="accent1">
+              <a:shade val="50000"/>
+            </a:schemeClr>
+          </a:lnRef>
+          <a:fillRef idx="1">
+            <a:schemeClr val="accent1"/>
+          </a:fillRef>
+          <a:effectRef idx="0">
+            <a:schemeClr val="accent1"/>
+          </a:effectRef>
+          <a:fontRef idx="minor">
+            <a:schemeClr val="lt1"/>
+          </a:fontRef>
+        </p:style>
+        <p:txBody>
+          <a:bodyPr rtlCol="0" anchor="ctr"/>
+          <a:lstStyle/>
+          <a:p>
+            <a:pPr algn="ctr"/>
+            <a:endParaRPr lang="ko-KR" altLang="en-US" dirty="0"/>
+          </a:p>
+        </p:txBody>
+      </p:sp>
+      <p:pic>
+        <p:nvPicPr>
+          <p:cNvPr id="91" name="그림 90" descr="3630px-Nginx_logo.png"/>
+          <p:cNvPicPr>
+            <a:picLocks noChangeAspect="1"/>
+          </p:cNvPicPr>
+          <p:nvPr/>
+        </p:nvPicPr>
+        <p:blipFill>
+          <a:blip r:embed="rId2" cstate="print"/>
+          <a:stretch>
+            <a:fillRect/>
+          </a:stretch>
+        </p:blipFill>
+        <p:spPr>
+          <a:xfrm>
+            <a:off x="6876256" y="614732"/>
+            <a:ext cx="951172" cy="654028"/>
+          </a:xfrm>
+          <a:prstGeom prst="rect">
+            <a:avLst/>
+          </a:prstGeom>
+        </p:spPr>
+      </p:pic>
+      <p:pic>
+        <p:nvPicPr>
+          <p:cNvPr id="92" name="그래픽 2">
+            <a:extLst>
+              <a:ext uri="{FF2B5EF4-FFF2-40B4-BE49-F238E27FC236}">
+                <a16:creationId xmlns="" xmlns:a16="http://schemas.microsoft.com/office/drawing/2014/main" id="{206DC7ED-C26D-4F2B-A382-FEB07A45052D}"/>
+              </a:ext>
+            </a:extLst>
+          </p:cNvPr>
+          <p:cNvPicPr>
+            <a:picLocks noChangeAspect="1"/>
+          </p:cNvPicPr>
+          <p:nvPr/>
+        </p:nvPicPr>
+        <p:blipFill>
+          <a:blip r:embed="rId7" cstate="print">
+            <a:extLst>
+              <a:ext uri="{28A0092B-C50C-407E-A947-70E740481C1C}">
+                <a14:useLocalDpi xmlns="" xmlns:a14="http://schemas.microsoft.com/office/drawing/2010/main" val="0"/>
+              </a:ext>
+              <a:ext uri="{96DAC541-7B7A-43D3-8B79-37D633B846F1}">
+                <asvg:svgBlip xmlns="" xmlns:asvg="http://schemas.microsoft.com/office/drawing/2016/SVG/main" r:embed="rId13"/>
+              </a:ext>
+            </a:extLst>
+          </a:blip>
+          <a:stretch>
+            <a:fillRect/>
+          </a:stretch>
+        </p:blipFill>
+        <p:spPr>
+          <a:xfrm>
+            <a:off x="7020272" y="404664"/>
+            <a:ext cx="1141641" cy="200124"/>
+          </a:xfrm>
+          <a:prstGeom prst="rect">
+            <a:avLst/>
+          </a:prstGeom>
+        </p:spPr>
+      </p:pic>
+      <p:sp>
+        <p:nvSpPr>
+          <p:cNvPr id="93" name="TextBox 92">
+            <a:extLst>
+              <a:ext uri="{FF2B5EF4-FFF2-40B4-BE49-F238E27FC236}">
+                <a16:creationId xmlns="" xmlns:a16="http://schemas.microsoft.com/office/drawing/2014/main" id="{9F24BCE2-00AD-442A-B915-4D1534C7DC3F}"/>
+              </a:ext>
+            </a:extLst>
+          </p:cNvPr>
+          <p:cNvSpPr txBox="1"/>
+          <p:nvPr/>
+        </p:nvSpPr>
+        <p:spPr>
+          <a:xfrm>
+            <a:off x="6997250" y="1166555"/>
+            <a:ext cx="1247158" cy="246221"/>
+          </a:xfrm>
+          <a:prstGeom prst="rect">
+            <a:avLst/>
+          </a:prstGeom>
+          <a:noFill/>
+        </p:spPr>
+        <p:txBody>
+          <a:bodyPr wrap="square" rtlCol="0">
+            <a:spAutoFit/>
+          </a:bodyPr>
+          <a:lstStyle/>
+          <a:p>
+            <a:r>
+              <a:rPr lang="ko-KR" altLang="en-US" sz="1000" dirty="0" smtClean="0">
+                <a:solidFill>
+                  <a:srgbClr val="FF0000"/>
+                </a:solidFill>
+              </a:rPr>
+              <a:t>통합관리자 프론트</a:t>
+            </a:r>
+            <a:endParaRPr lang="ko-KR" altLang="en-US" sz="1000" dirty="0">
+              <a:solidFill>
+                <a:srgbClr val="FF0000"/>
+              </a:solidFill>
+            </a:endParaRPr>
+          </a:p>
+        </p:txBody>
+      </p:sp>
+      <p:pic>
+        <p:nvPicPr>
+          <p:cNvPr id="1026" name="Picture 2" descr="C:\Users\webme\Downloads\다운로드 (11).png"/>
+          <p:cNvPicPr>
+            <a:picLocks noChangeAspect="1" noChangeArrowheads="1"/>
+          </p:cNvPicPr>
+          <p:nvPr/>
+        </p:nvPicPr>
+        <p:blipFill>
+          <a:blip r:embed="rId20" cstate="print"/>
+          <a:srcRect/>
+          <a:stretch>
+            <a:fillRect/>
+          </a:stretch>
+        </p:blipFill>
+        <p:spPr bwMode="auto">
+          <a:xfrm>
+            <a:off x="7596336" y="764704"/>
+            <a:ext cx="353045" cy="353045"/>
+          </a:xfrm>
+          <a:prstGeom prst="rect">
+            <a:avLst/>
+          </a:prstGeom>
+          <a:noFill/>
+        </p:spPr>
+      </p:pic>
+      <p:sp>
+        <p:nvSpPr>
+          <p:cNvPr id="97" name="TextBox 96">
+            <a:extLst>
+              <a:ext uri="{FF2B5EF4-FFF2-40B4-BE49-F238E27FC236}">
+                <a16:creationId xmlns="" xmlns:a16="http://schemas.microsoft.com/office/drawing/2014/main" id="{B6C898BC-816F-4B29-8C6C-FC9605D29A8B}"/>
+              </a:ext>
+            </a:extLst>
+          </p:cNvPr>
+          <p:cNvSpPr txBox="1"/>
+          <p:nvPr/>
+        </p:nvSpPr>
+        <p:spPr>
+          <a:xfrm>
+            <a:off x="7020272" y="1556792"/>
+            <a:ext cx="1296144" cy="246221"/>
+          </a:xfrm>
+          <a:prstGeom prst="rect">
+            <a:avLst/>
+          </a:prstGeom>
+          <a:noFill/>
+        </p:spPr>
+        <p:txBody>
+          <a:bodyPr wrap="square" rtlCol="0">
+            <a:spAutoFit/>
+          </a:bodyPr>
+          <a:lstStyle/>
+          <a:p>
+            <a:r>
+              <a:rPr lang="en-US" altLang="ko-KR" sz="1000" smtClean="0"/>
+              <a:t>Web Server(</a:t>
+            </a:r>
+            <a:r>
+              <a:rPr lang="ko-KR" altLang="en-US" sz="1000" b="1" dirty="0" smtClean="0"/>
+              <a:t>신규</a:t>
+            </a:r>
+            <a:r>
+              <a:rPr lang="en-US" altLang="ko-KR" sz="1000" dirty="0" smtClean="0"/>
+              <a:t>)</a:t>
+            </a:r>
+            <a:endParaRPr lang="ko-KR" altLang="en-US" sz="1000" dirty="0"/>
+          </a:p>
+        </p:txBody>
+      </p:sp>
+    </p:spTree>
+  </p:cSld>
+  <p:clrMapOvr>
+    <a:masterClrMapping/>
+  </p:clrMapOvr>
+</p:sld>
+</file>
+
+<file path=ppt/slides/slide8.xml><?xml version="1.0" encoding="utf-8"?>
+<p:sld xmlns:a="http://schemas.openxmlformats.org/drawingml/2006/main" xmlns:r="http://schemas.openxmlformats.org/officeDocument/2006/relationships" xmlns:p="http://schemas.openxmlformats.org/presentationml/2006/main">
+  <p:cSld>
+    <p:spTree>
+      <p:nvGrpSpPr>
+        <p:cNvPr id="1" name=""/>
+        <p:cNvGrpSpPr/>
+        <p:nvPr/>
+      </p:nvGrpSpPr>
+      <p:grpSpPr>
+        <a:xfrm>
+          <a:off x="0" y="0"/>
+          <a:ext cx="0" cy="0"/>
+          <a:chOff x="0" y="0"/>
+          <a:chExt cx="0" cy="0"/>
+        </a:xfrm>
+      </p:grpSpPr>
+      <p:sp>
+        <p:nvSpPr>
+          <p:cNvPr id="7" name="TextBox 6">
+            <a:extLst>
+              <a:ext uri="{FF2B5EF4-FFF2-40B4-BE49-F238E27FC236}">
+                <a16:creationId xmlns="" xmlns:a16="http://schemas.microsoft.com/office/drawing/2014/main" id="{B6C898BC-816F-4B29-8C6C-FC9605D29A8B}"/>
+              </a:ext>
+            </a:extLst>
+          </p:cNvPr>
+          <p:cNvSpPr txBox="1"/>
+          <p:nvPr/>
+        </p:nvSpPr>
+        <p:spPr>
+          <a:xfrm>
+            <a:off x="2411760" y="1484784"/>
+            <a:ext cx="2376264" cy="246221"/>
+          </a:xfrm>
+          <a:prstGeom prst="rect">
+            <a:avLst/>
+          </a:prstGeom>
+          <a:noFill/>
+        </p:spPr>
+        <p:txBody>
+          <a:bodyPr wrap="square" rtlCol="0">
+            <a:spAutoFit/>
+          </a:bodyPr>
+          <a:lstStyle/>
+          <a:p>
+            <a:r>
+              <a:rPr lang="en-US" altLang="ko-KR" sz="1000" dirty="0"/>
+              <a:t>Proxy Web </a:t>
+            </a:r>
+            <a:r>
+              <a:rPr lang="en-US" altLang="ko-KR" sz="1000" dirty="0" smtClean="0"/>
+              <a:t>Server(</a:t>
+            </a:r>
+            <a:r>
+              <a:rPr lang="en-US" altLang="ko-KR" sz="1000" b="1" dirty="0" smtClean="0"/>
+              <a:t>211.240.6.10</a:t>
+            </a:r>
+            <a:r>
+              <a:rPr lang="en-US" altLang="ko-KR" sz="1000" dirty="0" smtClean="0"/>
+              <a:t>)</a:t>
+            </a:r>
+            <a:endParaRPr lang="ko-KR" altLang="en-US" sz="1000" dirty="0"/>
+          </a:p>
+        </p:txBody>
+      </p:sp>
+      <p:sp>
+        <p:nvSpPr>
+          <p:cNvPr id="17" name="모서리가 둥근 직사각형 16"/>
+          <p:cNvSpPr/>
+          <p:nvPr/>
+        </p:nvSpPr>
+        <p:spPr>
+          <a:xfrm>
+            <a:off x="2411760" y="2060848"/>
+            <a:ext cx="2232248" cy="2520280"/>
+          </a:xfrm>
+          <a:prstGeom prst="roundRect">
+            <a:avLst/>
+          </a:prstGeom>
+          <a:noFill/>
+          <a:ln w="12700">
+            <a:solidFill>
+              <a:schemeClr val="tx1"/>
+            </a:solidFill>
+            <a:prstDash val="sysDot"/>
+          </a:ln>
+        </p:spPr>
+        <p:style>
+          <a:lnRef idx="2">
+            <a:schemeClr val="accent1">
+              <a:shade val="50000"/>
+            </a:schemeClr>
+          </a:lnRef>
+          <a:fillRef idx="1">
+            <a:schemeClr val="accent1"/>
+          </a:fillRef>
+          <a:effectRef idx="0">
+            <a:schemeClr val="accent1"/>
+          </a:effectRef>
+          <a:fontRef idx="minor">
+            <a:schemeClr val="lt1"/>
+          </a:fontRef>
+        </p:style>
+        <p:txBody>
+          <a:bodyPr rtlCol="0" anchor="ctr"/>
+          <a:lstStyle/>
+          <a:p>
+            <a:pPr algn="ctr"/>
+            <a:endParaRPr lang="ko-KR" altLang="en-US" dirty="0"/>
+          </a:p>
+        </p:txBody>
+      </p:sp>
+      <p:pic>
+        <p:nvPicPr>
+          <p:cNvPr id="18" name="그래픽 2">
+            <a:extLst>
+              <a:ext uri="{FF2B5EF4-FFF2-40B4-BE49-F238E27FC236}">
+                <a16:creationId xmlns="" xmlns:a16="http://schemas.microsoft.com/office/drawing/2014/main" id="{206DC7ED-C26D-4F2B-A382-FEB07A45052D}"/>
+              </a:ext>
+            </a:extLst>
+          </p:cNvPr>
+          <p:cNvPicPr>
+            <a:picLocks noChangeAspect="1"/>
+          </p:cNvPicPr>
+          <p:nvPr/>
+        </p:nvPicPr>
+        <p:blipFill>
+          <a:blip r:embed="rId2" cstate="print">
+            <a:extLst>
+              <a:ext uri="{28A0092B-C50C-407E-A947-70E740481C1C}">
+                <a14:useLocalDpi xmlns="" xmlns:a14="http://schemas.microsoft.com/office/drawing/2010/main" val="0"/>
+              </a:ext>
+              <a:ext uri="{96DAC541-7B7A-43D3-8B79-37D633B846F1}">
+                <asvg:svgBlip xmlns="" xmlns:asvg="http://schemas.microsoft.com/office/drawing/2016/SVG/main" r:embed="rId13"/>
+              </a:ext>
+            </a:extLst>
+          </a:blip>
+          <a:stretch>
+            <a:fillRect/>
+          </a:stretch>
+        </p:blipFill>
+        <p:spPr>
+          <a:xfrm>
+            <a:off x="2627784" y="2204864"/>
+            <a:ext cx="1141641" cy="200124"/>
+          </a:xfrm>
+          <a:prstGeom prst="rect">
+            <a:avLst/>
+          </a:prstGeom>
+        </p:spPr>
+      </p:pic>
+      <p:sp>
+        <p:nvSpPr>
+          <p:cNvPr id="30" name="TextBox 29">
+            <a:extLst>
+              <a:ext uri="{FF2B5EF4-FFF2-40B4-BE49-F238E27FC236}">
+                <a16:creationId xmlns="" xmlns:a16="http://schemas.microsoft.com/office/drawing/2014/main" id="{AB47EA1A-1B07-4D63-BC6D-56453934A1EE}"/>
+              </a:ext>
+            </a:extLst>
+          </p:cNvPr>
+          <p:cNvSpPr txBox="1"/>
+          <p:nvPr/>
+        </p:nvSpPr>
+        <p:spPr>
+          <a:xfrm>
+            <a:off x="6156176" y="2102659"/>
+            <a:ext cx="1440160" cy="246221"/>
+          </a:xfrm>
+          <a:prstGeom prst="rect">
+            <a:avLst/>
+          </a:prstGeom>
+          <a:noFill/>
+        </p:spPr>
+        <p:txBody>
+          <a:bodyPr wrap="square" rtlCol="0">
+            <a:spAutoFit/>
+          </a:bodyPr>
+          <a:lstStyle/>
+          <a:p>
+            <a:r>
+              <a:rPr lang="ko-KR" altLang="en-US" sz="1000" dirty="0" smtClean="0">
+                <a:solidFill>
+                  <a:srgbClr val="FF0000"/>
+                </a:solidFill>
+              </a:rPr>
+              <a:t>통합 관리자 </a:t>
+            </a:r>
+            <a:r>
+              <a:rPr lang="en-US" altLang="ko-KR" sz="1000" dirty="0" smtClean="0">
+                <a:solidFill>
+                  <a:srgbClr val="FF0000"/>
+                </a:solidFill>
+              </a:rPr>
+              <a:t>API</a:t>
+            </a:r>
+            <a:endParaRPr lang="ko-KR" altLang="en-US" sz="1000" dirty="0" smtClean="0">
+              <a:solidFill>
+                <a:srgbClr val="FF0000"/>
+              </a:solidFill>
+            </a:endParaRPr>
+          </a:p>
+        </p:txBody>
+      </p:sp>
+      <p:sp>
+        <p:nvSpPr>
+          <p:cNvPr id="31" name="모서리가 둥근 직사각형 174">
+            <a:extLst>
+              <a:ext uri="{FF2B5EF4-FFF2-40B4-BE49-F238E27FC236}">
+                <a16:creationId xmlns="" xmlns:a16="http://schemas.microsoft.com/office/drawing/2014/main" id="{CEE20A76-8225-4F95-9133-622979E3E5E9}"/>
+              </a:ext>
+            </a:extLst>
+          </p:cNvPr>
+          <p:cNvSpPr/>
+          <p:nvPr/>
+        </p:nvSpPr>
+        <p:spPr>
+          <a:xfrm>
+            <a:off x="5724128" y="1700808"/>
+            <a:ext cx="1944216" cy="2880320"/>
+          </a:xfrm>
+          <a:prstGeom prst="roundRect">
+            <a:avLst/>
+          </a:prstGeom>
+          <a:noFill/>
+          <a:ln w="12700">
+            <a:solidFill>
+              <a:schemeClr val="tx1"/>
+            </a:solidFill>
+            <a:prstDash val="sysDot"/>
+          </a:ln>
+        </p:spPr>
+        <p:style>
+          <a:lnRef idx="2">
+            <a:schemeClr val="accent1">
+              <a:shade val="50000"/>
+            </a:schemeClr>
+          </a:lnRef>
+          <a:fillRef idx="1">
+            <a:schemeClr val="accent1"/>
+          </a:fillRef>
+          <a:effectRef idx="0">
+            <a:schemeClr val="accent1"/>
+          </a:effectRef>
+          <a:fontRef idx="minor">
+            <a:schemeClr val="lt1"/>
+          </a:fontRef>
+        </p:style>
+        <p:txBody>
+          <a:bodyPr rtlCol="0" anchor="ctr"/>
+          <a:lstStyle/>
+          <a:p>
+            <a:pPr algn="ctr"/>
+            <a:endParaRPr lang="ko-KR" altLang="en-US" dirty="0"/>
+          </a:p>
+        </p:txBody>
+      </p:sp>
+      <p:pic>
+        <p:nvPicPr>
+          <p:cNvPr id="32" name="그래픽 91">
+            <a:extLst>
+              <a:ext uri="{FF2B5EF4-FFF2-40B4-BE49-F238E27FC236}">
+                <a16:creationId xmlns="" xmlns:a16="http://schemas.microsoft.com/office/drawing/2014/main" id="{2F138342-FEE4-4C48-91ED-9E6022494043}"/>
+              </a:ext>
+            </a:extLst>
+          </p:cNvPr>
+          <p:cNvPicPr>
+            <a:picLocks noChangeAspect="1"/>
+          </p:cNvPicPr>
+          <p:nvPr/>
+        </p:nvPicPr>
+        <p:blipFill>
+          <a:blip r:embed="rId2" cstate="print">
+            <a:extLst>
+              <a:ext uri="{28A0092B-C50C-407E-A947-70E740481C1C}">
+                <a14:useLocalDpi xmlns="" xmlns:a14="http://schemas.microsoft.com/office/drawing/2010/main" val="0"/>
+              </a:ext>
+              <a:ext uri="{96DAC541-7B7A-43D3-8B79-37D633B846F1}">
+                <asvg:svgBlip xmlns="" xmlns:asvg="http://schemas.microsoft.com/office/drawing/2016/SVG/main" r:embed="rId13"/>
+              </a:ext>
+            </a:extLst>
+          </a:blip>
+          <a:stretch>
+            <a:fillRect/>
+          </a:stretch>
+        </p:blipFill>
+        <p:spPr>
+          <a:xfrm>
+            <a:off x="5943060" y="1725670"/>
+            <a:ext cx="1141641" cy="200124"/>
+          </a:xfrm>
+          <a:prstGeom prst="rect">
+            <a:avLst/>
+          </a:prstGeom>
+        </p:spPr>
+      </p:pic>
+      <p:sp>
+        <p:nvSpPr>
+          <p:cNvPr id="35" name="직사각형 34">
+            <a:extLst>
+              <a:ext uri="{FF2B5EF4-FFF2-40B4-BE49-F238E27FC236}">
+                <a16:creationId xmlns="" xmlns:a16="http://schemas.microsoft.com/office/drawing/2014/main" id="{71B3AAD1-47D7-4137-93BB-0E3F20117973}"/>
+              </a:ext>
+            </a:extLst>
+          </p:cNvPr>
+          <p:cNvSpPr/>
+          <p:nvPr/>
+        </p:nvSpPr>
+        <p:spPr>
+          <a:xfrm>
+            <a:off x="5842620" y="2063550"/>
+            <a:ext cx="1753716" cy="288031"/>
+          </a:xfrm>
+          <a:prstGeom prst="rect">
+            <a:avLst/>
+          </a:prstGeom>
+          <a:noFill/>
+          <a:ln w="0"/>
+        </p:spPr>
+        <p:style>
+          <a:lnRef idx="2">
+            <a:schemeClr val="accent1">
+              <a:shade val="50000"/>
+            </a:schemeClr>
+          </a:lnRef>
+          <a:fillRef idx="1">
+            <a:schemeClr val="accent1"/>
+          </a:fillRef>
+          <a:effectRef idx="0">
+            <a:schemeClr val="accent1"/>
+          </a:effectRef>
+          <a:fontRef idx="minor">
+            <a:schemeClr val="lt1"/>
+          </a:fontRef>
+        </p:style>
+        <p:txBody>
+          <a:bodyPr rtlCol="0" anchor="ctr"/>
+          <a:lstStyle/>
+          <a:p>
+            <a:pPr algn="ctr"/>
+            <a:endParaRPr lang="ko-KR" altLang="en-US"/>
+          </a:p>
+        </p:txBody>
+      </p:sp>
+      <p:sp>
+        <p:nvSpPr>
+          <p:cNvPr id="36" name="TextBox 35">
+            <a:extLst>
+              <a:ext uri="{FF2B5EF4-FFF2-40B4-BE49-F238E27FC236}">
+                <a16:creationId xmlns="" xmlns:a16="http://schemas.microsoft.com/office/drawing/2014/main" id="{EECACAF7-E69F-4EEF-A7EC-27088671B7BD}"/>
+              </a:ext>
+            </a:extLst>
+          </p:cNvPr>
+          <p:cNvSpPr txBox="1"/>
+          <p:nvPr/>
+        </p:nvSpPr>
+        <p:spPr>
+          <a:xfrm>
+            <a:off x="6156176" y="2534707"/>
+            <a:ext cx="1164670" cy="246221"/>
+          </a:xfrm>
+          <a:prstGeom prst="rect">
+            <a:avLst/>
+          </a:prstGeom>
+          <a:noFill/>
+        </p:spPr>
+        <p:txBody>
+          <a:bodyPr wrap="square" rtlCol="0">
+            <a:spAutoFit/>
+          </a:bodyPr>
+          <a:lstStyle/>
+          <a:p>
+            <a:r>
+              <a:rPr lang="ko-KR" altLang="en-US" sz="1000" dirty="0" smtClean="0">
+                <a:solidFill>
+                  <a:srgbClr val="FF0000"/>
+                </a:solidFill>
+              </a:rPr>
+              <a:t>전자영수증 </a:t>
+            </a:r>
+            <a:r>
+              <a:rPr lang="en-US" altLang="ko-KR" sz="1000" dirty="0" smtClean="0">
+                <a:solidFill>
+                  <a:srgbClr val="FF0000"/>
+                </a:solidFill>
+              </a:rPr>
+              <a:t>API</a:t>
+            </a:r>
+            <a:endParaRPr lang="ko-KR" altLang="en-US" sz="1000" dirty="0" smtClean="0">
+              <a:solidFill>
+                <a:srgbClr val="FF0000"/>
+              </a:solidFill>
+            </a:endParaRPr>
+          </a:p>
+        </p:txBody>
+      </p:sp>
+      <p:sp>
+        <p:nvSpPr>
+          <p:cNvPr id="39" name="직사각형 38">
+            <a:extLst>
+              <a:ext uri="{FF2B5EF4-FFF2-40B4-BE49-F238E27FC236}">
+                <a16:creationId xmlns="" xmlns:a16="http://schemas.microsoft.com/office/drawing/2014/main" id="{72967650-4D04-4ED0-8122-C04ED7B74A73}"/>
+              </a:ext>
+            </a:extLst>
+          </p:cNvPr>
+          <p:cNvSpPr/>
+          <p:nvPr/>
+        </p:nvSpPr>
+        <p:spPr>
+          <a:xfrm>
+            <a:off x="5842620" y="2476063"/>
+            <a:ext cx="1753716" cy="304865"/>
+          </a:xfrm>
+          <a:prstGeom prst="rect">
+            <a:avLst/>
+          </a:prstGeom>
+          <a:noFill/>
+          <a:ln w="0"/>
+        </p:spPr>
+        <p:style>
+          <a:lnRef idx="2">
+            <a:schemeClr val="accent1">
+              <a:shade val="50000"/>
+            </a:schemeClr>
+          </a:lnRef>
+          <a:fillRef idx="1">
+            <a:schemeClr val="accent1"/>
+          </a:fillRef>
+          <a:effectRef idx="0">
+            <a:schemeClr val="accent1"/>
+          </a:effectRef>
+          <a:fontRef idx="minor">
+            <a:schemeClr val="lt1"/>
+          </a:fontRef>
+        </p:style>
+        <p:txBody>
+          <a:bodyPr rtlCol="0" anchor="ctr"/>
+          <a:lstStyle/>
+          <a:p>
+            <a:pPr algn="ctr"/>
+            <a:endParaRPr lang="ko-KR" altLang="en-US"/>
+          </a:p>
+        </p:txBody>
+      </p:sp>
+      <p:sp>
+        <p:nvSpPr>
+          <p:cNvPr id="40" name="TextBox 39">
+            <a:extLst>
+              <a:ext uri="{FF2B5EF4-FFF2-40B4-BE49-F238E27FC236}">
+                <a16:creationId xmlns="" xmlns:a16="http://schemas.microsoft.com/office/drawing/2014/main" id="{2A9209C0-7F11-4BA2-8BD9-06DF8E0CD1CB}"/>
+              </a:ext>
+            </a:extLst>
+          </p:cNvPr>
+          <p:cNvSpPr txBox="1"/>
+          <p:nvPr/>
+        </p:nvSpPr>
+        <p:spPr>
+          <a:xfrm>
+            <a:off x="6156176" y="2924944"/>
+            <a:ext cx="955874" cy="246221"/>
+          </a:xfrm>
+          <a:prstGeom prst="rect">
+            <a:avLst/>
+          </a:prstGeom>
+          <a:noFill/>
+        </p:spPr>
+        <p:txBody>
+          <a:bodyPr wrap="square" rtlCol="0">
+            <a:spAutoFit/>
+          </a:bodyPr>
+          <a:lstStyle/>
+          <a:p>
+            <a:r>
+              <a:rPr lang="ko-KR" altLang="en-US" sz="1000" dirty="0" smtClean="0">
+                <a:solidFill>
+                  <a:srgbClr val="FF0000"/>
+                </a:solidFill>
+              </a:rPr>
+              <a:t>솔루션 </a:t>
+            </a:r>
+            <a:r>
+              <a:rPr lang="en-US" altLang="ko-KR" sz="1000" dirty="0" smtClean="0">
+                <a:solidFill>
+                  <a:srgbClr val="FF0000"/>
+                </a:solidFill>
+              </a:rPr>
+              <a:t>API</a:t>
+            </a:r>
+            <a:endParaRPr lang="ko-KR" altLang="en-US" sz="1000" dirty="0">
+              <a:solidFill>
+                <a:srgbClr val="FF0000"/>
+              </a:solidFill>
+            </a:endParaRPr>
+          </a:p>
+        </p:txBody>
+      </p:sp>
+      <p:sp>
+        <p:nvSpPr>
+          <p:cNvPr id="43" name="직사각형 42">
+            <a:extLst>
+              <a:ext uri="{FF2B5EF4-FFF2-40B4-BE49-F238E27FC236}">
+                <a16:creationId xmlns="" xmlns:a16="http://schemas.microsoft.com/office/drawing/2014/main" id="{DF5EC40C-5932-47FA-8B00-59F6AB2F11F6}"/>
+              </a:ext>
+            </a:extLst>
+          </p:cNvPr>
+          <p:cNvSpPr/>
+          <p:nvPr/>
+        </p:nvSpPr>
+        <p:spPr>
+          <a:xfrm>
+            <a:off x="5842620" y="2896920"/>
+            <a:ext cx="1753716" cy="316056"/>
+          </a:xfrm>
+          <a:prstGeom prst="rect">
+            <a:avLst/>
+          </a:prstGeom>
+          <a:noFill/>
+          <a:ln w="0"/>
+        </p:spPr>
+        <p:style>
+          <a:lnRef idx="2">
+            <a:schemeClr val="accent1">
+              <a:shade val="50000"/>
+            </a:schemeClr>
+          </a:lnRef>
+          <a:fillRef idx="1">
+            <a:schemeClr val="accent1"/>
+          </a:fillRef>
+          <a:effectRef idx="0">
+            <a:schemeClr val="accent1"/>
+          </a:effectRef>
+          <a:fontRef idx="minor">
+            <a:schemeClr val="lt1"/>
+          </a:fontRef>
+        </p:style>
+        <p:txBody>
+          <a:bodyPr rtlCol="0" anchor="ctr"/>
+          <a:lstStyle/>
+          <a:p>
+            <a:pPr algn="ctr"/>
+            <a:endParaRPr lang="ko-KR" altLang="en-US"/>
+          </a:p>
+        </p:txBody>
+      </p:sp>
+      <p:cxnSp>
+        <p:nvCxnSpPr>
+          <p:cNvPr id="44" name="연결선: 꺾임 109">
+            <a:extLst>
+              <a:ext uri="{FF2B5EF4-FFF2-40B4-BE49-F238E27FC236}">
+                <a16:creationId xmlns="" xmlns:a16="http://schemas.microsoft.com/office/drawing/2014/main" id="{4619E872-E042-4C9C-A437-975F5DA2F778}"/>
+              </a:ext>
+            </a:extLst>
+          </p:cNvPr>
+          <p:cNvCxnSpPr>
+            <a:cxnSpLocks/>
+            <a:stCxn id="45" idx="2"/>
+            <a:endCxn id="61" idx="0"/>
+          </p:cNvCxnSpPr>
+          <p:nvPr/>
+        </p:nvCxnSpPr>
+        <p:spPr>
+          <a:xfrm rot="16200000" flipH="1">
+            <a:off x="3506979" y="4488214"/>
+            <a:ext cx="329843" cy="1008112"/>
+          </a:xfrm>
+          <a:prstGeom prst="bentConnector3">
+            <a:avLst>
+              <a:gd name="adj1" fmla="val 50000"/>
+            </a:avLst>
+          </a:prstGeom>
+          <a:ln>
+            <a:solidFill>
+              <a:schemeClr val="tx1">
+                <a:lumMod val="65000"/>
+                <a:lumOff val="35000"/>
+              </a:schemeClr>
+            </a:solidFill>
+            <a:tailEnd type="triangle"/>
+          </a:ln>
+        </p:spPr>
+        <p:style>
+          <a:lnRef idx="1">
+            <a:schemeClr val="accent1"/>
+          </a:lnRef>
+          <a:fillRef idx="0">
+            <a:schemeClr val="accent1"/>
+          </a:fillRef>
+          <a:effectRef idx="0">
+            <a:schemeClr val="accent1"/>
+          </a:effectRef>
+          <a:fontRef idx="minor">
+            <a:schemeClr val="tx1"/>
+          </a:fontRef>
+        </p:style>
+      </p:cxnSp>
+      <p:sp>
+        <p:nvSpPr>
+          <p:cNvPr id="45" name="TextBox 44">
+            <a:extLst>
+              <a:ext uri="{FF2B5EF4-FFF2-40B4-BE49-F238E27FC236}">
+                <a16:creationId xmlns="" xmlns:a16="http://schemas.microsoft.com/office/drawing/2014/main" id="{B6C898BC-816F-4B29-8C6C-FC9605D29A8B}"/>
+              </a:ext>
+            </a:extLst>
+          </p:cNvPr>
+          <p:cNvSpPr txBox="1"/>
+          <p:nvPr/>
+        </p:nvSpPr>
+        <p:spPr>
+          <a:xfrm>
+            <a:off x="2339752" y="4581128"/>
+            <a:ext cx="1656184" cy="246221"/>
+          </a:xfrm>
+          <a:prstGeom prst="rect">
+            <a:avLst/>
+          </a:prstGeom>
+          <a:noFill/>
+        </p:spPr>
+        <p:txBody>
+          <a:bodyPr wrap="square" rtlCol="0">
+            <a:spAutoFit/>
+          </a:bodyPr>
+          <a:lstStyle/>
+          <a:p>
+            <a:r>
+              <a:rPr lang="en-US" altLang="ko-KR" sz="1000" dirty="0" smtClean="0"/>
+              <a:t>App Server1(</a:t>
+            </a:r>
+            <a:r>
+              <a:rPr lang="en-US" altLang="ko-KR" sz="1000" b="1" dirty="0" smtClean="0"/>
+              <a:t>211.240.6.3</a:t>
+            </a:r>
+            <a:r>
+              <a:rPr lang="en-US" altLang="ko-KR" sz="1000" dirty="0" smtClean="0"/>
+              <a:t>)</a:t>
+            </a:r>
+            <a:endParaRPr lang="ko-KR" altLang="en-US" sz="1000" dirty="0"/>
+          </a:p>
+        </p:txBody>
+      </p:sp>
+      <p:sp>
+        <p:nvSpPr>
+          <p:cNvPr id="46" name="TextBox 45">
+            <a:extLst>
+              <a:ext uri="{FF2B5EF4-FFF2-40B4-BE49-F238E27FC236}">
+                <a16:creationId xmlns="" xmlns:a16="http://schemas.microsoft.com/office/drawing/2014/main" id="{B6C898BC-816F-4B29-8C6C-FC9605D29A8B}"/>
+              </a:ext>
+            </a:extLst>
+          </p:cNvPr>
+          <p:cNvSpPr txBox="1"/>
+          <p:nvPr/>
+        </p:nvSpPr>
+        <p:spPr>
+          <a:xfrm>
+            <a:off x="5868144" y="4581128"/>
+            <a:ext cx="1656184" cy="246221"/>
+          </a:xfrm>
+          <a:prstGeom prst="rect">
+            <a:avLst/>
+          </a:prstGeom>
+          <a:noFill/>
+        </p:spPr>
+        <p:txBody>
+          <a:bodyPr wrap="square" rtlCol="0">
+            <a:spAutoFit/>
+          </a:bodyPr>
+          <a:lstStyle/>
+          <a:p>
+            <a:r>
+              <a:rPr lang="en-US" altLang="ko-KR" sz="1000" dirty="0" smtClean="0"/>
+              <a:t>App Server2(</a:t>
+            </a:r>
+            <a:r>
+              <a:rPr lang="en-US" altLang="ko-KR" sz="1000" b="1" dirty="0" smtClean="0"/>
+              <a:t>211.240.6.5</a:t>
+            </a:r>
+            <a:r>
+              <a:rPr lang="en-US" altLang="ko-KR" sz="1000" dirty="0" smtClean="0"/>
+              <a:t>)</a:t>
+            </a:r>
+            <a:endParaRPr lang="ko-KR" altLang="en-US" sz="1000" dirty="0"/>
+          </a:p>
+        </p:txBody>
+      </p:sp>
+      <p:sp>
+        <p:nvSpPr>
+          <p:cNvPr id="59" name="TextBox 58"/>
+          <p:cNvSpPr txBox="1"/>
+          <p:nvPr/>
+        </p:nvSpPr>
+        <p:spPr>
+          <a:xfrm>
+            <a:off x="3923928" y="5589240"/>
+            <a:ext cx="792088" cy="246221"/>
+          </a:xfrm>
+          <a:prstGeom prst="rect">
+            <a:avLst/>
+          </a:prstGeom>
+          <a:noFill/>
+        </p:spPr>
+        <p:txBody>
+          <a:bodyPr wrap="square" rtlCol="0">
+            <a:spAutoFit/>
+          </a:bodyPr>
+          <a:lstStyle/>
+          <a:p>
+            <a:r>
+              <a:rPr lang="en-US" altLang="ko-KR" sz="1000" dirty="0" smtClean="0"/>
+              <a:t>Redis</a:t>
+            </a:r>
+            <a:endParaRPr lang="ko-KR" altLang="en-US" sz="1000" dirty="0"/>
+          </a:p>
+        </p:txBody>
+      </p:sp>
+      <p:pic>
+        <p:nvPicPr>
+          <p:cNvPr id="60" name="그림 59">
+            <a:extLst>
+              <a:ext uri="{FF2B5EF4-FFF2-40B4-BE49-F238E27FC236}">
+                <a16:creationId xmlns="" xmlns:a16="http://schemas.microsoft.com/office/drawing/2014/main" id="{2D4F3A23-5953-4164-95BB-72877C8E8FD4}"/>
+              </a:ext>
+            </a:extLst>
+          </p:cNvPr>
+          <p:cNvPicPr>
+            <a:picLocks noChangeAspect="1"/>
+          </p:cNvPicPr>
+          <p:nvPr/>
+        </p:nvPicPr>
+        <p:blipFill>
+          <a:blip r:embed="rId14" cstate="print">
+            <a:extLst>
+              <a:ext uri="{28A0092B-C50C-407E-A947-70E740481C1C}">
+                <a14:useLocalDpi xmlns="" xmlns:a14="http://schemas.microsoft.com/office/drawing/2010/main" val="0"/>
+              </a:ext>
+            </a:extLst>
+          </a:blip>
+          <a:stretch>
+            <a:fillRect/>
+          </a:stretch>
+        </p:blipFill>
+        <p:spPr>
+          <a:xfrm>
+            <a:off x="3563888" y="5589240"/>
+            <a:ext cx="324036" cy="278510"/>
+          </a:xfrm>
+          <a:prstGeom prst="rect">
+            <a:avLst/>
+          </a:prstGeom>
+        </p:spPr>
+      </p:pic>
+      <p:sp>
+        <p:nvSpPr>
+          <p:cNvPr id="61" name="모서리가 둥근 직사각형 174">
+            <a:extLst>
+              <a:ext uri="{FF2B5EF4-FFF2-40B4-BE49-F238E27FC236}">
+                <a16:creationId xmlns="" xmlns:a16="http://schemas.microsoft.com/office/drawing/2014/main" id="{CEE20A76-8225-4F95-9133-622979E3E5E9}"/>
+              </a:ext>
+            </a:extLst>
+          </p:cNvPr>
+          <p:cNvSpPr/>
+          <p:nvPr/>
+        </p:nvSpPr>
+        <p:spPr>
+          <a:xfrm>
+            <a:off x="3059832" y="5157192"/>
+            <a:ext cx="2232248" cy="792088"/>
+          </a:xfrm>
+          <a:prstGeom prst="roundRect">
+            <a:avLst/>
+          </a:prstGeom>
+          <a:noFill/>
+          <a:ln w="12700">
+            <a:solidFill>
+              <a:schemeClr val="tx1"/>
+            </a:solidFill>
+            <a:prstDash val="sysDot"/>
+          </a:ln>
+        </p:spPr>
+        <p:style>
+          <a:lnRef idx="2">
+            <a:schemeClr val="accent1">
+              <a:shade val="50000"/>
+            </a:schemeClr>
+          </a:lnRef>
+          <a:fillRef idx="1">
+            <a:schemeClr val="accent1"/>
+          </a:fillRef>
+          <a:effectRef idx="0">
+            <a:schemeClr val="accent1"/>
+          </a:effectRef>
+          <a:fontRef idx="minor">
+            <a:schemeClr val="lt1"/>
+          </a:fontRef>
+        </p:style>
+        <p:txBody>
+          <a:bodyPr rtlCol="0" anchor="ctr"/>
+          <a:lstStyle/>
+          <a:p>
+            <a:pPr algn="ctr"/>
+            <a:endParaRPr lang="ko-KR" altLang="en-US" dirty="0"/>
+          </a:p>
+        </p:txBody>
+      </p:sp>
+      <p:cxnSp>
+        <p:nvCxnSpPr>
+          <p:cNvPr id="62" name="연결선: 꺾임 109">
+            <a:extLst>
+              <a:ext uri="{FF2B5EF4-FFF2-40B4-BE49-F238E27FC236}">
+                <a16:creationId xmlns="" xmlns:a16="http://schemas.microsoft.com/office/drawing/2014/main" id="{4619E872-E042-4C9C-A437-975F5DA2F778}"/>
+              </a:ext>
+            </a:extLst>
+          </p:cNvPr>
+          <p:cNvCxnSpPr>
+            <a:cxnSpLocks/>
+            <a:stCxn id="46" idx="2"/>
+            <a:endCxn id="61" idx="0"/>
+          </p:cNvCxnSpPr>
+          <p:nvPr/>
+        </p:nvCxnSpPr>
+        <p:spPr>
+          <a:xfrm rot="5400000">
+            <a:off x="5271175" y="3732130"/>
+            <a:ext cx="329843" cy="2520280"/>
+          </a:xfrm>
+          <a:prstGeom prst="bentConnector3">
+            <a:avLst>
+              <a:gd name="adj1" fmla="val 50000"/>
+            </a:avLst>
+          </a:prstGeom>
+          <a:ln>
+            <a:solidFill>
+              <a:schemeClr val="tx1">
+                <a:lumMod val="65000"/>
+                <a:lumOff val="35000"/>
+              </a:schemeClr>
+            </a:solidFill>
+            <a:tailEnd type="triangle"/>
+          </a:ln>
+        </p:spPr>
+        <p:style>
+          <a:lnRef idx="1">
+            <a:schemeClr val="accent1"/>
+          </a:lnRef>
+          <a:fillRef idx="0">
+            <a:schemeClr val="accent1"/>
+          </a:fillRef>
+          <a:effectRef idx="0">
+            <a:schemeClr val="accent1"/>
+          </a:effectRef>
+          <a:fontRef idx="minor">
+            <a:schemeClr val="tx1"/>
+          </a:fontRef>
+        </p:style>
+      </p:cxnSp>
+      <p:pic>
+        <p:nvPicPr>
+          <p:cNvPr id="63" name="Picture 2" descr="C:\Users\webme\Downloads\다운로드 (10).png"/>
+          <p:cNvPicPr>
+            <a:picLocks noChangeAspect="1" noChangeArrowheads="1"/>
+          </p:cNvPicPr>
+          <p:nvPr/>
+        </p:nvPicPr>
+        <p:blipFill>
+          <a:blip r:embed="rId15" cstate="print"/>
+          <a:srcRect/>
+          <a:stretch>
+            <a:fillRect/>
+          </a:stretch>
+        </p:blipFill>
+        <p:spPr bwMode="auto">
+          <a:xfrm>
+            <a:off x="3635896" y="5229200"/>
+            <a:ext cx="792088" cy="266076"/>
+          </a:xfrm>
+          <a:prstGeom prst="rect">
+            <a:avLst/>
+          </a:prstGeom>
+          <a:noFill/>
+        </p:spPr>
+      </p:pic>
+      <p:sp>
+        <p:nvSpPr>
+          <p:cNvPr id="64" name="TextBox 63">
+            <a:extLst>
+              <a:ext uri="{FF2B5EF4-FFF2-40B4-BE49-F238E27FC236}">
+                <a16:creationId xmlns="" xmlns:a16="http://schemas.microsoft.com/office/drawing/2014/main" id="{B6C898BC-816F-4B29-8C6C-FC9605D29A8B}"/>
+              </a:ext>
+            </a:extLst>
+          </p:cNvPr>
+          <p:cNvSpPr txBox="1"/>
+          <p:nvPr/>
+        </p:nvSpPr>
+        <p:spPr>
+          <a:xfrm>
+            <a:off x="3347864" y="5949280"/>
+            <a:ext cx="1872208" cy="246221"/>
+          </a:xfrm>
+          <a:prstGeom prst="rect">
+            <a:avLst/>
+          </a:prstGeom>
+          <a:noFill/>
+        </p:spPr>
+        <p:txBody>
+          <a:bodyPr wrap="square" rtlCol="0">
+            <a:spAutoFit/>
+          </a:bodyPr>
+          <a:lstStyle/>
+          <a:p>
+            <a:r>
+              <a:rPr lang="en-US" altLang="ko-KR" sz="1000" dirty="0" smtClean="0"/>
+              <a:t>Session Server(</a:t>
+            </a:r>
+            <a:r>
+              <a:rPr lang="en-US" altLang="ko-KR" sz="1000" b="1" dirty="0" smtClean="0"/>
+              <a:t>211.240.6.6</a:t>
+            </a:r>
+            <a:r>
+              <a:rPr lang="en-US" altLang="ko-KR" sz="1000" dirty="0" smtClean="0"/>
+              <a:t>)</a:t>
+            </a:r>
+            <a:endParaRPr lang="ko-KR" altLang="en-US" sz="1000" dirty="0"/>
+          </a:p>
+        </p:txBody>
+      </p:sp>
+      <p:sp>
+        <p:nvSpPr>
+          <p:cNvPr id="69" name="모서리가 둥근 직사각형 174">
+            <a:extLst>
+              <a:ext uri="{FF2B5EF4-FFF2-40B4-BE49-F238E27FC236}">
+                <a16:creationId xmlns="" xmlns:a16="http://schemas.microsoft.com/office/drawing/2014/main" id="{CEE20A76-8225-4F95-9133-622979E3E5E9}"/>
+              </a:ext>
+            </a:extLst>
+          </p:cNvPr>
+          <p:cNvSpPr/>
+          <p:nvPr/>
+        </p:nvSpPr>
+        <p:spPr>
+          <a:xfrm>
+            <a:off x="323528" y="2564904"/>
+            <a:ext cx="1656184" cy="1944216"/>
+          </a:xfrm>
+          <a:prstGeom prst="roundRect">
+            <a:avLst/>
+          </a:prstGeom>
+          <a:noFill/>
+          <a:ln w="12700">
+            <a:solidFill>
+              <a:schemeClr val="tx1"/>
+            </a:solidFill>
+            <a:prstDash val="sysDot"/>
+          </a:ln>
+        </p:spPr>
+        <p:style>
+          <a:lnRef idx="2">
+            <a:schemeClr val="accent1">
+              <a:shade val="50000"/>
+            </a:schemeClr>
+          </a:lnRef>
+          <a:fillRef idx="1">
+            <a:schemeClr val="accent1"/>
+          </a:fillRef>
+          <a:effectRef idx="0">
+            <a:schemeClr val="accent1"/>
+          </a:effectRef>
+          <a:fontRef idx="minor">
+            <a:schemeClr val="lt1"/>
+          </a:fontRef>
+        </p:style>
+        <p:txBody>
+          <a:bodyPr rtlCol="0" anchor="ctr"/>
+          <a:lstStyle/>
+          <a:p>
+            <a:pPr algn="ctr"/>
+            <a:endParaRPr lang="ko-KR" altLang="en-US" dirty="0"/>
+          </a:p>
+        </p:txBody>
+      </p:sp>
+      <p:pic>
+        <p:nvPicPr>
+          <p:cNvPr id="70" name="Picture 2" descr="C:\Users\webme\Downloads\다운로드 (10).png"/>
+          <p:cNvPicPr>
+            <a:picLocks noChangeAspect="1" noChangeArrowheads="1"/>
+          </p:cNvPicPr>
+          <p:nvPr/>
+        </p:nvPicPr>
+        <p:blipFill>
+          <a:blip r:embed="rId15" cstate="print"/>
+          <a:srcRect/>
+          <a:stretch>
+            <a:fillRect/>
+          </a:stretch>
+        </p:blipFill>
+        <p:spPr bwMode="auto">
+          <a:xfrm>
+            <a:off x="683568" y="2586860"/>
+            <a:ext cx="792088" cy="266076"/>
+          </a:xfrm>
+          <a:prstGeom prst="rect">
+            <a:avLst/>
+          </a:prstGeom>
+          <a:noFill/>
+        </p:spPr>
+      </p:pic>
+      <p:sp>
+        <p:nvSpPr>
+          <p:cNvPr id="71" name="TextBox 70">
+            <a:extLst>
+              <a:ext uri="{FF2B5EF4-FFF2-40B4-BE49-F238E27FC236}">
+                <a16:creationId xmlns="" xmlns:a16="http://schemas.microsoft.com/office/drawing/2014/main" id="{B6C898BC-816F-4B29-8C6C-FC9605D29A8B}"/>
+              </a:ext>
+            </a:extLst>
+          </p:cNvPr>
+          <p:cNvSpPr txBox="1"/>
+          <p:nvPr/>
+        </p:nvSpPr>
+        <p:spPr>
+          <a:xfrm>
+            <a:off x="251520" y="4509120"/>
+            <a:ext cx="1872208" cy="246221"/>
+          </a:xfrm>
+          <a:prstGeom prst="rect">
+            <a:avLst/>
+          </a:prstGeom>
+          <a:noFill/>
+        </p:spPr>
+        <p:txBody>
+          <a:bodyPr wrap="square" rtlCol="0">
+            <a:spAutoFit/>
+          </a:bodyPr>
+          <a:lstStyle/>
+          <a:p>
+            <a:r>
+              <a:rPr lang="en-US" altLang="ko-KR" sz="1000" dirty="0" smtClean="0"/>
+              <a:t>Utility Server(</a:t>
+            </a:r>
+            <a:r>
+              <a:rPr lang="en-US" altLang="ko-KR" sz="1000" b="1" dirty="0" smtClean="0"/>
+              <a:t>211.240.6.9</a:t>
+            </a:r>
+            <a:r>
+              <a:rPr lang="en-US" altLang="ko-KR" sz="1000" dirty="0" smtClean="0"/>
+              <a:t>)</a:t>
+            </a:r>
+            <a:endParaRPr lang="ko-KR" altLang="en-US" sz="1000" dirty="0"/>
+          </a:p>
+        </p:txBody>
+      </p:sp>
+      <p:pic>
+        <p:nvPicPr>
+          <p:cNvPr id="72" name="Picture 6"/>
+          <p:cNvPicPr>
+            <a:picLocks noChangeAspect="1" noChangeArrowheads="1"/>
+          </p:cNvPicPr>
+          <p:nvPr/>
+        </p:nvPicPr>
+        <p:blipFill>
+          <a:blip r:embed="rId16" cstate="print"/>
+          <a:srcRect/>
+          <a:stretch>
+            <a:fillRect/>
+          </a:stretch>
+        </p:blipFill>
+        <p:spPr bwMode="auto">
+          <a:xfrm>
+            <a:off x="539552" y="3310283"/>
+            <a:ext cx="1218672" cy="334741"/>
+          </a:xfrm>
+          <a:prstGeom prst="rect">
+            <a:avLst/>
+          </a:prstGeom>
+          <a:noFill/>
+          <a:ln w="9525">
+            <a:noFill/>
+            <a:miter lim="800000"/>
+            <a:headEnd/>
+            <a:tailEnd/>
+          </a:ln>
+        </p:spPr>
+      </p:pic>
+      <p:pic>
+        <p:nvPicPr>
+          <p:cNvPr id="73" name="Picture 9"/>
+          <p:cNvPicPr>
+            <a:picLocks noChangeAspect="1" noChangeArrowheads="1"/>
+          </p:cNvPicPr>
+          <p:nvPr/>
+        </p:nvPicPr>
+        <p:blipFill>
+          <a:blip r:embed="rId17" cstate="print"/>
+          <a:srcRect/>
+          <a:stretch>
+            <a:fillRect/>
+          </a:stretch>
+        </p:blipFill>
+        <p:spPr bwMode="auto">
+          <a:xfrm>
+            <a:off x="539470" y="3717032"/>
+            <a:ext cx="1152210" cy="216024"/>
+          </a:xfrm>
+          <a:prstGeom prst="rect">
+            <a:avLst/>
+          </a:prstGeom>
+          <a:noFill/>
+          <a:ln w="9525">
+            <a:noFill/>
+            <a:miter lim="800000"/>
+            <a:headEnd/>
+            <a:tailEnd/>
+          </a:ln>
+        </p:spPr>
+      </p:pic>
+      <p:pic>
+        <p:nvPicPr>
+          <p:cNvPr id="74" name="그림 73">
+            <a:extLst>
+              <a:ext uri="{FF2B5EF4-FFF2-40B4-BE49-F238E27FC236}">
+                <a16:creationId xmlns="" xmlns:a16="http://schemas.microsoft.com/office/drawing/2014/main" id="{E852592A-49E0-4B2F-9777-A1BCBD8F1445}"/>
+              </a:ext>
+            </a:extLst>
+          </p:cNvPr>
+          <p:cNvPicPr>
+            <a:picLocks noChangeAspect="1"/>
+          </p:cNvPicPr>
+          <p:nvPr/>
+        </p:nvPicPr>
+        <p:blipFill>
+          <a:blip r:embed="rId18" cstate="print">
+            <a:extLst>
+              <a:ext uri="{28A0092B-C50C-407E-A947-70E740481C1C}">
+                <a14:useLocalDpi xmlns="" xmlns:a14="http://schemas.microsoft.com/office/drawing/2010/main" val="0"/>
+              </a:ext>
+            </a:extLst>
+          </a:blip>
+          <a:stretch>
+            <a:fillRect/>
+          </a:stretch>
+        </p:blipFill>
+        <p:spPr>
+          <a:xfrm>
+            <a:off x="559010" y="2924944"/>
+            <a:ext cx="1060662" cy="360040"/>
+          </a:xfrm>
+          <a:prstGeom prst="rect">
+            <a:avLst/>
+          </a:prstGeom>
+        </p:spPr>
+      </p:pic>
+      <p:pic>
+        <p:nvPicPr>
+          <p:cNvPr id="75" name="Picture 2" descr="C:\Users\webme\Downloads\다운로드 (9).png"/>
+          <p:cNvPicPr>
+            <a:picLocks noChangeAspect="1" noChangeArrowheads="1"/>
+          </p:cNvPicPr>
+          <p:nvPr/>
+        </p:nvPicPr>
+        <p:blipFill>
+          <a:blip r:embed="rId19" cstate="print"/>
+          <a:srcRect/>
+          <a:stretch>
+            <a:fillRect/>
+          </a:stretch>
+        </p:blipFill>
+        <p:spPr bwMode="auto">
+          <a:xfrm>
+            <a:off x="611560" y="4005064"/>
+            <a:ext cx="1080120" cy="360040"/>
+          </a:xfrm>
+          <a:prstGeom prst="rect">
+            <a:avLst/>
+          </a:prstGeom>
+          <a:noFill/>
+        </p:spPr>
+      </p:pic>
+      <p:cxnSp>
+        <p:nvCxnSpPr>
+          <p:cNvPr id="76" name="연결선: 꺾임 109">
+            <a:extLst>
+              <a:ext uri="{FF2B5EF4-FFF2-40B4-BE49-F238E27FC236}">
+                <a16:creationId xmlns="" xmlns:a16="http://schemas.microsoft.com/office/drawing/2014/main" id="{4619E872-E042-4C9C-A437-975F5DA2F778}"/>
+              </a:ext>
+            </a:extLst>
+          </p:cNvPr>
+          <p:cNvCxnSpPr>
+            <a:cxnSpLocks/>
+            <a:stCxn id="7" idx="2"/>
+          </p:cNvCxnSpPr>
+          <p:nvPr/>
+        </p:nvCxnSpPr>
+        <p:spPr>
+          <a:xfrm rot="5400000">
+            <a:off x="2594320" y="1713275"/>
+            <a:ext cx="987842" cy="1023303"/>
+          </a:xfrm>
+          <a:prstGeom prst="bentConnector4">
+            <a:avLst>
+              <a:gd name="adj1" fmla="val 19856"/>
+              <a:gd name="adj2" fmla="val 122339"/>
+            </a:avLst>
+          </a:prstGeom>
+          <a:ln w="12700">
+            <a:solidFill>
+              <a:srgbClr val="0070C0"/>
+            </a:solidFill>
+            <a:tailEnd type="triangle"/>
+          </a:ln>
+        </p:spPr>
+        <p:style>
+          <a:lnRef idx="1">
+            <a:schemeClr val="accent1"/>
+          </a:lnRef>
+          <a:fillRef idx="0">
+            <a:schemeClr val="accent1"/>
+          </a:fillRef>
+          <a:effectRef idx="0">
+            <a:schemeClr val="accent1"/>
+          </a:effectRef>
+          <a:fontRef idx="minor">
+            <a:schemeClr val="tx1"/>
+          </a:fontRef>
+        </p:style>
+      </p:cxnSp>
+      <p:sp>
+        <p:nvSpPr>
+          <p:cNvPr id="85" name="직사각형 84">
+            <a:extLst>
+              <a:ext uri="{FF2B5EF4-FFF2-40B4-BE49-F238E27FC236}">
+                <a16:creationId xmlns="" xmlns:a16="http://schemas.microsoft.com/office/drawing/2014/main" id="{E10806AC-CCE4-43E1-BC09-950AA2D2AFB9}"/>
+              </a:ext>
+            </a:extLst>
+          </p:cNvPr>
+          <p:cNvSpPr/>
+          <p:nvPr/>
+        </p:nvSpPr>
+        <p:spPr>
+          <a:xfrm>
+            <a:off x="467544" y="2924944"/>
+            <a:ext cx="1368152" cy="360040"/>
+          </a:xfrm>
+          <a:prstGeom prst="rect">
+            <a:avLst/>
+          </a:prstGeom>
+          <a:noFill/>
+          <a:ln w="0"/>
+        </p:spPr>
+        <p:style>
+          <a:lnRef idx="2">
+            <a:schemeClr val="accent1">
+              <a:shade val="50000"/>
+            </a:schemeClr>
+          </a:lnRef>
+          <a:fillRef idx="1">
+            <a:schemeClr val="accent1"/>
+          </a:fillRef>
+          <a:effectRef idx="0">
+            <a:schemeClr val="accent1"/>
+          </a:effectRef>
+          <a:fontRef idx="minor">
+            <a:schemeClr val="lt1"/>
+          </a:fontRef>
+        </p:style>
+        <p:txBody>
+          <a:bodyPr rtlCol="0" anchor="ctr"/>
+          <a:lstStyle/>
+          <a:p>
+            <a:pPr algn="ctr"/>
+            <a:endParaRPr lang="ko-KR" altLang="en-US"/>
+          </a:p>
+        </p:txBody>
+      </p:sp>
+      <p:sp>
+        <p:nvSpPr>
+          <p:cNvPr id="86" name="직사각형 85">
+            <a:extLst>
+              <a:ext uri="{FF2B5EF4-FFF2-40B4-BE49-F238E27FC236}">
+                <a16:creationId xmlns="" xmlns:a16="http://schemas.microsoft.com/office/drawing/2014/main" id="{E10806AC-CCE4-43E1-BC09-950AA2D2AFB9}"/>
+              </a:ext>
+            </a:extLst>
+          </p:cNvPr>
+          <p:cNvSpPr/>
+          <p:nvPr/>
+        </p:nvSpPr>
+        <p:spPr>
+          <a:xfrm>
+            <a:off x="467544" y="3284984"/>
+            <a:ext cx="1368152" cy="360040"/>
+          </a:xfrm>
+          <a:prstGeom prst="rect">
+            <a:avLst/>
+          </a:prstGeom>
+          <a:noFill/>
+          <a:ln w="0"/>
+        </p:spPr>
+        <p:style>
+          <a:lnRef idx="2">
+            <a:schemeClr val="accent1">
+              <a:shade val="50000"/>
+            </a:schemeClr>
+          </a:lnRef>
+          <a:fillRef idx="1">
+            <a:schemeClr val="accent1"/>
+          </a:fillRef>
+          <a:effectRef idx="0">
+            <a:schemeClr val="accent1"/>
+          </a:effectRef>
+          <a:fontRef idx="minor">
+            <a:schemeClr val="lt1"/>
+          </a:fontRef>
+        </p:style>
+        <p:txBody>
+          <a:bodyPr rtlCol="0" anchor="ctr"/>
+          <a:lstStyle/>
+          <a:p>
+            <a:pPr algn="ctr"/>
+            <a:endParaRPr lang="ko-KR" altLang="en-US"/>
+          </a:p>
+        </p:txBody>
+      </p:sp>
+      <p:sp>
+        <p:nvSpPr>
+          <p:cNvPr id="87" name="직사각형 86">
+            <a:extLst>
+              <a:ext uri="{FF2B5EF4-FFF2-40B4-BE49-F238E27FC236}">
+                <a16:creationId xmlns="" xmlns:a16="http://schemas.microsoft.com/office/drawing/2014/main" id="{E10806AC-CCE4-43E1-BC09-950AA2D2AFB9}"/>
+              </a:ext>
+            </a:extLst>
+          </p:cNvPr>
+          <p:cNvSpPr/>
+          <p:nvPr/>
+        </p:nvSpPr>
+        <p:spPr>
+          <a:xfrm>
+            <a:off x="467544" y="3645024"/>
+            <a:ext cx="1368152" cy="360040"/>
+          </a:xfrm>
+          <a:prstGeom prst="rect">
+            <a:avLst/>
+          </a:prstGeom>
+          <a:noFill/>
+          <a:ln w="0"/>
+        </p:spPr>
+        <p:style>
+          <a:lnRef idx="2">
+            <a:schemeClr val="accent1">
+              <a:shade val="50000"/>
+            </a:schemeClr>
+          </a:lnRef>
+          <a:fillRef idx="1">
+            <a:schemeClr val="accent1"/>
+          </a:fillRef>
+          <a:effectRef idx="0">
+            <a:schemeClr val="accent1"/>
+          </a:effectRef>
+          <a:fontRef idx="minor">
+            <a:schemeClr val="lt1"/>
+          </a:fontRef>
+        </p:style>
+        <p:txBody>
+          <a:bodyPr rtlCol="0" anchor="ctr"/>
+          <a:lstStyle/>
+          <a:p>
+            <a:pPr algn="ctr"/>
+            <a:endParaRPr lang="ko-KR" altLang="en-US"/>
+          </a:p>
+        </p:txBody>
+      </p:sp>
+      <p:sp>
+        <p:nvSpPr>
+          <p:cNvPr id="88" name="직사각형 87">
+            <a:extLst>
+              <a:ext uri="{FF2B5EF4-FFF2-40B4-BE49-F238E27FC236}">
+                <a16:creationId xmlns="" xmlns:a16="http://schemas.microsoft.com/office/drawing/2014/main" id="{E10806AC-CCE4-43E1-BC09-950AA2D2AFB9}"/>
+              </a:ext>
+            </a:extLst>
+          </p:cNvPr>
+          <p:cNvSpPr/>
+          <p:nvPr/>
+        </p:nvSpPr>
+        <p:spPr>
+          <a:xfrm>
+            <a:off x="467544" y="4005064"/>
+            <a:ext cx="1368152" cy="360040"/>
+          </a:xfrm>
+          <a:prstGeom prst="rect">
+            <a:avLst/>
+          </a:prstGeom>
+          <a:noFill/>
+          <a:ln w="0"/>
+        </p:spPr>
+        <p:style>
+          <a:lnRef idx="2">
+            <a:schemeClr val="accent1">
+              <a:shade val="50000"/>
+            </a:schemeClr>
+          </a:lnRef>
+          <a:fillRef idx="1">
+            <a:schemeClr val="accent1"/>
+          </a:fillRef>
+          <a:effectRef idx="0">
+            <a:schemeClr val="accent1"/>
+          </a:effectRef>
+          <a:fontRef idx="minor">
+            <a:schemeClr val="lt1"/>
+          </a:fontRef>
+        </p:style>
+        <p:txBody>
+          <a:bodyPr rtlCol="0" anchor="ctr"/>
+          <a:lstStyle/>
+          <a:p>
+            <a:pPr algn="ctr"/>
+            <a:endParaRPr lang="ko-KR" altLang="en-US"/>
+          </a:p>
+        </p:txBody>
+      </p:sp>
+      <p:sp>
+        <p:nvSpPr>
+          <p:cNvPr id="84" name="모서리가 둥근 직사각형 174">
+            <a:extLst>
+              <a:ext uri="{FF2B5EF4-FFF2-40B4-BE49-F238E27FC236}">
+                <a16:creationId xmlns="" xmlns:a16="http://schemas.microsoft.com/office/drawing/2014/main" id="{05913057-6CEC-4B01-88F4-B4773D2F2A85}"/>
+              </a:ext>
+            </a:extLst>
+          </p:cNvPr>
+          <p:cNvSpPr/>
+          <p:nvPr/>
+        </p:nvSpPr>
+        <p:spPr>
+          <a:xfrm>
+            <a:off x="2627784" y="332656"/>
+            <a:ext cx="1728192" cy="1126403"/>
+          </a:xfrm>
+          <a:prstGeom prst="roundRect">
+            <a:avLst/>
+          </a:prstGeom>
+          <a:noFill/>
+          <a:ln w="12700">
+            <a:solidFill>
+              <a:srgbClr val="FF0000"/>
+            </a:solidFill>
+            <a:prstDash val="sysDot"/>
+          </a:ln>
+        </p:spPr>
+        <p:style>
+          <a:lnRef idx="2">
+            <a:schemeClr val="accent1">
+              <a:shade val="50000"/>
+            </a:schemeClr>
+          </a:lnRef>
+          <a:fillRef idx="1">
+            <a:schemeClr val="accent1"/>
+          </a:fillRef>
+          <a:effectRef idx="0">
+            <a:schemeClr val="accent1"/>
+          </a:effectRef>
+          <a:fontRef idx="minor">
+            <a:schemeClr val="lt1"/>
+          </a:fontRef>
+        </p:style>
+        <p:txBody>
+          <a:bodyPr rtlCol="0" anchor="ctr"/>
+          <a:lstStyle/>
+          <a:p>
+            <a:pPr algn="ctr"/>
+            <a:endParaRPr lang="ko-KR" altLang="en-US" dirty="0"/>
+          </a:p>
+        </p:txBody>
+      </p:sp>
+      <p:pic>
+        <p:nvPicPr>
+          <p:cNvPr id="91" name="그림 90" descr="3630px-Nginx_logo.png"/>
+          <p:cNvPicPr>
+            <a:picLocks noChangeAspect="1"/>
+          </p:cNvPicPr>
+          <p:nvPr/>
+        </p:nvPicPr>
+        <p:blipFill>
+          <a:blip r:embed="rId20" cstate="print"/>
+          <a:stretch>
+            <a:fillRect/>
+          </a:stretch>
+        </p:blipFill>
+        <p:spPr>
+          <a:xfrm>
+            <a:off x="2771800" y="542724"/>
+            <a:ext cx="951172" cy="654028"/>
+          </a:xfrm>
+          <a:prstGeom prst="rect">
+            <a:avLst/>
+          </a:prstGeom>
+        </p:spPr>
+      </p:pic>
+      <p:pic>
+        <p:nvPicPr>
+          <p:cNvPr id="92" name="그래픽 2">
+            <a:extLst>
+              <a:ext uri="{FF2B5EF4-FFF2-40B4-BE49-F238E27FC236}">
+                <a16:creationId xmlns="" xmlns:a16="http://schemas.microsoft.com/office/drawing/2014/main" id="{206DC7ED-C26D-4F2B-A382-FEB07A45052D}"/>
+              </a:ext>
+            </a:extLst>
+          </p:cNvPr>
+          <p:cNvPicPr>
+            <a:picLocks noChangeAspect="1"/>
+          </p:cNvPicPr>
+          <p:nvPr/>
+        </p:nvPicPr>
+        <p:blipFill>
+          <a:blip r:embed="rId2" cstate="print">
+            <a:extLst>
+              <a:ext uri="{28A0092B-C50C-407E-A947-70E740481C1C}">
+                <a14:useLocalDpi xmlns="" xmlns:a14="http://schemas.microsoft.com/office/drawing/2010/main" val="0"/>
+              </a:ext>
+              <a:ext uri="{96DAC541-7B7A-43D3-8B79-37D633B846F1}">
+                <asvg:svgBlip xmlns="" xmlns:asvg="http://schemas.microsoft.com/office/drawing/2016/SVG/main" r:embed="rId13"/>
+              </a:ext>
+            </a:extLst>
+          </a:blip>
+          <a:stretch>
+            <a:fillRect/>
+          </a:stretch>
+        </p:blipFill>
+        <p:spPr>
+          <a:xfrm>
+            <a:off x="2915816" y="332656"/>
+            <a:ext cx="1141641" cy="200124"/>
+          </a:xfrm>
+          <a:prstGeom prst="rect">
+            <a:avLst/>
+          </a:prstGeom>
+        </p:spPr>
+      </p:pic>
+      <p:sp>
+        <p:nvSpPr>
+          <p:cNvPr id="93" name="TextBox 92">
+            <a:extLst>
+              <a:ext uri="{FF2B5EF4-FFF2-40B4-BE49-F238E27FC236}">
+                <a16:creationId xmlns="" xmlns:a16="http://schemas.microsoft.com/office/drawing/2014/main" id="{9F24BCE2-00AD-442A-B915-4D1534C7DC3F}"/>
+              </a:ext>
+            </a:extLst>
+          </p:cNvPr>
+          <p:cNvSpPr txBox="1"/>
+          <p:nvPr/>
+        </p:nvSpPr>
+        <p:spPr>
+          <a:xfrm>
+            <a:off x="2892794" y="1094547"/>
+            <a:ext cx="1247158" cy="246221"/>
+          </a:xfrm>
+          <a:prstGeom prst="rect">
+            <a:avLst/>
+          </a:prstGeom>
+          <a:noFill/>
+        </p:spPr>
+        <p:txBody>
+          <a:bodyPr wrap="square" rtlCol="0">
+            <a:spAutoFit/>
+          </a:bodyPr>
+          <a:lstStyle/>
+          <a:p>
+            <a:r>
+              <a:rPr lang="ko-KR" altLang="en-US" sz="1000" dirty="0" smtClean="0">
+                <a:solidFill>
+                  <a:srgbClr val="FF0000"/>
+                </a:solidFill>
+              </a:rPr>
+              <a:t>통합관리자 프론트</a:t>
+            </a:r>
+            <a:endParaRPr lang="ko-KR" altLang="en-US" sz="1000" dirty="0">
+              <a:solidFill>
+                <a:srgbClr val="FF0000"/>
+              </a:solidFill>
+            </a:endParaRPr>
+          </a:p>
+        </p:txBody>
+      </p:sp>
+      <p:pic>
+        <p:nvPicPr>
+          <p:cNvPr id="1026" name="Picture 2" descr="C:\Users\webme\Downloads\다운로드 (11).png"/>
+          <p:cNvPicPr>
+            <a:picLocks noChangeAspect="1" noChangeArrowheads="1"/>
+          </p:cNvPicPr>
+          <p:nvPr/>
+        </p:nvPicPr>
+        <p:blipFill>
+          <a:blip r:embed="rId21" cstate="print"/>
+          <a:srcRect/>
+          <a:stretch>
+            <a:fillRect/>
+          </a:stretch>
+        </p:blipFill>
+        <p:spPr bwMode="auto">
+          <a:xfrm>
+            <a:off x="3491880" y="692696"/>
+            <a:ext cx="353045" cy="353045"/>
+          </a:xfrm>
+          <a:prstGeom prst="rect">
+            <a:avLst/>
+          </a:prstGeom>
+          <a:noFill/>
+        </p:spPr>
+      </p:pic>
+      <p:sp>
+        <p:nvSpPr>
+          <p:cNvPr id="101" name="TextBox 100"/>
+          <p:cNvSpPr txBox="1"/>
+          <p:nvPr/>
+        </p:nvSpPr>
+        <p:spPr>
+          <a:xfrm>
+            <a:off x="2987824" y="3398803"/>
+            <a:ext cx="1355170" cy="246221"/>
+          </a:xfrm>
+          <a:prstGeom prst="rect">
+            <a:avLst/>
+          </a:prstGeom>
+          <a:noFill/>
+        </p:spPr>
+        <p:txBody>
+          <a:bodyPr wrap="square" rtlCol="0">
+            <a:spAutoFit/>
+          </a:bodyPr>
+          <a:lstStyle/>
+          <a:p>
+            <a:r>
+              <a:rPr lang="en-US" altLang="ko-KR" sz="1000" dirty="0" smtClean="0">
+                <a:solidFill>
+                  <a:srgbClr val="FF0000"/>
+                </a:solidFill>
+              </a:rPr>
+              <a:t>Eureka Discovery</a:t>
+            </a:r>
+            <a:endParaRPr lang="ko-KR" altLang="en-US" sz="1000" dirty="0">
+              <a:solidFill>
+                <a:srgbClr val="FF0000"/>
+              </a:solidFill>
+            </a:endParaRPr>
+          </a:p>
+        </p:txBody>
+      </p:sp>
+      <p:sp>
+        <p:nvSpPr>
+          <p:cNvPr id="104" name="직사각형 103">
+            <a:extLst>
+              <a:ext uri="{FF2B5EF4-FFF2-40B4-BE49-F238E27FC236}">
+                <a16:creationId xmlns="" xmlns:a16="http://schemas.microsoft.com/office/drawing/2014/main" id="{E10806AC-CCE4-43E1-BC09-950AA2D2AFB9}"/>
+              </a:ext>
+            </a:extLst>
+          </p:cNvPr>
+          <p:cNvSpPr/>
+          <p:nvPr/>
+        </p:nvSpPr>
+        <p:spPr>
+          <a:xfrm>
+            <a:off x="2555776" y="3284985"/>
+            <a:ext cx="2016224" cy="432047"/>
+          </a:xfrm>
+          <a:prstGeom prst="rect">
+            <a:avLst/>
+          </a:prstGeom>
+          <a:noFill/>
+          <a:ln w="0"/>
+        </p:spPr>
+        <p:style>
+          <a:lnRef idx="2">
+            <a:schemeClr val="accent1">
+              <a:shade val="50000"/>
+            </a:schemeClr>
+          </a:lnRef>
+          <a:fillRef idx="1">
+            <a:schemeClr val="accent1"/>
+          </a:fillRef>
+          <a:effectRef idx="0">
+            <a:schemeClr val="accent1"/>
+          </a:effectRef>
+          <a:fontRef idx="minor">
+            <a:schemeClr val="lt1"/>
+          </a:fontRef>
+        </p:style>
+        <p:txBody>
+          <a:bodyPr rtlCol="0" anchor="ctr"/>
+          <a:lstStyle/>
+          <a:p>
+            <a:pPr algn="ctr"/>
+            <a:endParaRPr lang="ko-KR" altLang="en-US"/>
+          </a:p>
+        </p:txBody>
+      </p:sp>
+      <p:sp>
+        <p:nvSpPr>
+          <p:cNvPr id="106" name="TextBox 105"/>
+          <p:cNvSpPr txBox="1"/>
+          <p:nvPr/>
+        </p:nvSpPr>
+        <p:spPr>
+          <a:xfrm>
+            <a:off x="2987824" y="2678723"/>
+            <a:ext cx="1571194" cy="246221"/>
+          </a:xfrm>
+          <a:prstGeom prst="rect">
+            <a:avLst/>
+          </a:prstGeom>
+          <a:noFill/>
+        </p:spPr>
+        <p:txBody>
+          <a:bodyPr wrap="square" rtlCol="0">
+            <a:spAutoFit/>
+          </a:bodyPr>
+          <a:lstStyle/>
+          <a:p>
+            <a:r>
+              <a:rPr lang="en-US" altLang="ko-KR" sz="1000" dirty="0" smtClean="0">
+                <a:solidFill>
+                  <a:srgbClr val="FF0000"/>
+                </a:solidFill>
+              </a:rPr>
+              <a:t>Spring Cloud Gateway</a:t>
+            </a:r>
+            <a:endParaRPr lang="ko-KR" altLang="en-US" sz="1000" dirty="0">
+              <a:solidFill>
+                <a:srgbClr val="FF0000"/>
+              </a:solidFill>
+            </a:endParaRPr>
+          </a:p>
+        </p:txBody>
+      </p:sp>
+      <p:sp>
+        <p:nvSpPr>
+          <p:cNvPr id="109" name="직사각형 108">
+            <a:extLst>
+              <a:ext uri="{FF2B5EF4-FFF2-40B4-BE49-F238E27FC236}">
+                <a16:creationId xmlns="" xmlns:a16="http://schemas.microsoft.com/office/drawing/2014/main" id="{E10806AC-CCE4-43E1-BC09-950AA2D2AFB9}"/>
+              </a:ext>
+            </a:extLst>
+          </p:cNvPr>
+          <p:cNvSpPr/>
+          <p:nvPr/>
+        </p:nvSpPr>
+        <p:spPr>
+          <a:xfrm>
+            <a:off x="2555776" y="2564904"/>
+            <a:ext cx="2016224" cy="432048"/>
+          </a:xfrm>
+          <a:prstGeom prst="rect">
+            <a:avLst/>
+          </a:prstGeom>
+          <a:noFill/>
+          <a:ln w="0"/>
+        </p:spPr>
+        <p:style>
+          <a:lnRef idx="2">
+            <a:schemeClr val="accent1">
+              <a:shade val="50000"/>
+            </a:schemeClr>
+          </a:lnRef>
+          <a:fillRef idx="1">
+            <a:schemeClr val="accent1"/>
+          </a:fillRef>
+          <a:effectRef idx="0">
+            <a:schemeClr val="accent1"/>
+          </a:effectRef>
+          <a:fontRef idx="minor">
+            <a:schemeClr val="lt1"/>
+          </a:fontRef>
+        </p:style>
+        <p:txBody>
+          <a:bodyPr rtlCol="0" anchor="ctr"/>
+          <a:lstStyle/>
+          <a:p>
+            <a:pPr algn="ctr"/>
+            <a:endParaRPr lang="ko-KR" altLang="en-US"/>
+          </a:p>
+        </p:txBody>
+      </p:sp>
+      <p:sp>
+        <p:nvSpPr>
+          <p:cNvPr id="112" name="TextBox 111">
+            <a:extLst>
+              <a:ext uri="{FF2B5EF4-FFF2-40B4-BE49-F238E27FC236}">
+                <a16:creationId xmlns="" xmlns:a16="http://schemas.microsoft.com/office/drawing/2014/main" id="{2A9209C0-7F11-4BA2-8BD9-06DF8E0CD1CB}"/>
+              </a:ext>
+            </a:extLst>
+          </p:cNvPr>
+          <p:cNvSpPr txBox="1"/>
+          <p:nvPr/>
+        </p:nvSpPr>
+        <p:spPr>
+          <a:xfrm>
+            <a:off x="6136406" y="3326795"/>
+            <a:ext cx="955874" cy="246221"/>
+          </a:xfrm>
+          <a:prstGeom prst="rect">
+            <a:avLst/>
+          </a:prstGeom>
+          <a:noFill/>
+        </p:spPr>
+        <p:txBody>
+          <a:bodyPr wrap="square" rtlCol="0">
+            <a:spAutoFit/>
+          </a:bodyPr>
+          <a:lstStyle/>
+          <a:p>
+            <a:r>
+              <a:rPr lang="ko-KR" altLang="en-US" sz="1000" dirty="0" smtClean="0">
+                <a:solidFill>
+                  <a:srgbClr val="FF0000"/>
+                </a:solidFill>
+              </a:rPr>
+              <a:t>배달 </a:t>
+            </a:r>
+            <a:r>
+              <a:rPr lang="en-US" altLang="ko-KR" sz="1000" dirty="0" smtClean="0">
+                <a:solidFill>
+                  <a:srgbClr val="FF0000"/>
+                </a:solidFill>
+              </a:rPr>
+              <a:t>API</a:t>
+            </a:r>
+            <a:endParaRPr lang="ko-KR" altLang="en-US" sz="1000" dirty="0">
+              <a:solidFill>
+                <a:srgbClr val="FF0000"/>
+              </a:solidFill>
+            </a:endParaRPr>
+          </a:p>
+        </p:txBody>
+      </p:sp>
+      <p:sp>
+        <p:nvSpPr>
+          <p:cNvPr id="115" name="직사각형 114">
+            <a:extLst>
+              <a:ext uri="{FF2B5EF4-FFF2-40B4-BE49-F238E27FC236}">
+                <a16:creationId xmlns="" xmlns:a16="http://schemas.microsoft.com/office/drawing/2014/main" id="{DF5EC40C-5932-47FA-8B00-59F6AB2F11F6}"/>
+              </a:ext>
+            </a:extLst>
+          </p:cNvPr>
+          <p:cNvSpPr/>
+          <p:nvPr/>
+        </p:nvSpPr>
+        <p:spPr>
+          <a:xfrm>
+            <a:off x="5842620" y="3284984"/>
+            <a:ext cx="1753716" cy="288032"/>
+          </a:xfrm>
+          <a:prstGeom prst="rect">
+            <a:avLst/>
+          </a:prstGeom>
+          <a:noFill/>
+          <a:ln w="0"/>
+        </p:spPr>
+        <p:style>
+          <a:lnRef idx="2">
+            <a:schemeClr val="accent1">
+              <a:shade val="50000"/>
+            </a:schemeClr>
+          </a:lnRef>
+          <a:fillRef idx="1">
+            <a:schemeClr val="accent1"/>
+          </a:fillRef>
+          <a:effectRef idx="0">
+            <a:schemeClr val="accent1"/>
+          </a:effectRef>
+          <a:fontRef idx="minor">
+            <a:schemeClr val="lt1"/>
+          </a:fontRef>
+        </p:style>
+        <p:txBody>
+          <a:bodyPr rtlCol="0" anchor="ctr"/>
+          <a:lstStyle/>
+          <a:p>
+            <a:pPr algn="ctr"/>
+            <a:endParaRPr lang="ko-KR" altLang="en-US"/>
+          </a:p>
+        </p:txBody>
+      </p:sp>
+      <p:pic>
+        <p:nvPicPr>
+          <p:cNvPr id="122" name="그림 121" descr="pngegg.png"/>
+          <p:cNvPicPr>
+            <a:picLocks noChangeAspect="1"/>
+          </p:cNvPicPr>
+          <p:nvPr/>
+        </p:nvPicPr>
+        <p:blipFill>
+          <a:blip r:embed="rId22" cstate="print"/>
+          <a:stretch>
+            <a:fillRect/>
+          </a:stretch>
+        </p:blipFill>
+        <p:spPr>
+          <a:xfrm>
+            <a:off x="611560" y="572400"/>
+            <a:ext cx="648072" cy="648072"/>
+          </a:xfrm>
+          <a:prstGeom prst="rect">
+            <a:avLst/>
+          </a:prstGeom>
+        </p:spPr>
+      </p:pic>
+      <p:cxnSp>
+        <p:nvCxnSpPr>
+          <p:cNvPr id="124" name="직선 화살표 연결선 123"/>
+          <p:cNvCxnSpPr>
+            <a:stCxn id="122" idx="3"/>
+            <a:endCxn id="84" idx="1"/>
+          </p:cNvCxnSpPr>
+          <p:nvPr/>
+        </p:nvCxnSpPr>
+        <p:spPr>
+          <a:xfrm flipV="1">
+            <a:off x="1259632" y="895858"/>
+            <a:ext cx="1368152" cy="578"/>
+          </a:xfrm>
+          <a:prstGeom prst="straightConnector1">
+            <a:avLst/>
+          </a:prstGeom>
+          <a:ln>
+            <a:tailEnd type="arrow"/>
+          </a:ln>
+        </p:spPr>
+        <p:style>
+          <a:lnRef idx="1">
+            <a:schemeClr val="accent1"/>
+          </a:lnRef>
+          <a:fillRef idx="0">
+            <a:schemeClr val="accent1"/>
+          </a:fillRef>
+          <a:effectRef idx="0">
+            <a:schemeClr val="accent1"/>
+          </a:effectRef>
+          <a:fontRef idx="minor">
+            <a:schemeClr val="tx1"/>
+          </a:fontRef>
+        </p:style>
+      </p:cxnSp>
+      <p:cxnSp>
+        <p:nvCxnSpPr>
+          <p:cNvPr id="126" name="직선 화살표 연결선 125"/>
+          <p:cNvCxnSpPr>
+            <a:stCxn id="104" idx="0"/>
+            <a:endCxn id="109" idx="2"/>
+          </p:cNvCxnSpPr>
+          <p:nvPr/>
+        </p:nvCxnSpPr>
+        <p:spPr>
+          <a:xfrm flipV="1">
+            <a:off x="3563888" y="2996952"/>
+            <a:ext cx="0" cy="288033"/>
+          </a:xfrm>
+          <a:prstGeom prst="straightConnector1">
+            <a:avLst/>
+          </a:prstGeom>
+          <a:ln w="12700">
+            <a:tailEnd type="arrow"/>
+          </a:ln>
+        </p:spPr>
+        <p:style>
+          <a:lnRef idx="1">
+            <a:schemeClr val="accent1"/>
+          </a:lnRef>
+          <a:fillRef idx="0">
+            <a:schemeClr val="accent1"/>
+          </a:fillRef>
+          <a:effectRef idx="0">
+            <a:schemeClr val="accent1"/>
+          </a:effectRef>
+          <a:fontRef idx="minor">
+            <a:schemeClr val="tx1"/>
+          </a:fontRef>
+        </p:style>
+      </p:cxnSp>
+      <p:cxnSp>
+        <p:nvCxnSpPr>
+          <p:cNvPr id="148" name="직선 화살표 연결선 147"/>
+          <p:cNvCxnSpPr>
+            <a:stCxn id="35" idx="1"/>
+            <a:endCxn id="104" idx="3"/>
+          </p:cNvCxnSpPr>
+          <p:nvPr/>
+        </p:nvCxnSpPr>
+        <p:spPr>
+          <a:xfrm flipH="1">
+            <a:off x="4572000" y="2207566"/>
+            <a:ext cx="1270620" cy="1293443"/>
+          </a:xfrm>
+          <a:prstGeom prst="straightConnector1">
+            <a:avLst/>
+          </a:prstGeom>
+          <a:ln>
+            <a:solidFill>
+              <a:schemeClr val="tx1">
+                <a:lumMod val="50000"/>
+                <a:lumOff val="50000"/>
+              </a:schemeClr>
+            </a:solidFill>
+            <a:prstDash val="sysDash"/>
+            <a:tailEnd type="arrow"/>
+          </a:ln>
+        </p:spPr>
+        <p:style>
+          <a:lnRef idx="1">
+            <a:schemeClr val="accent1"/>
+          </a:lnRef>
+          <a:fillRef idx="0">
+            <a:schemeClr val="accent1"/>
+          </a:fillRef>
+          <a:effectRef idx="0">
+            <a:schemeClr val="accent1"/>
+          </a:effectRef>
+          <a:fontRef idx="minor">
+            <a:schemeClr val="tx1"/>
+          </a:fontRef>
+        </p:style>
+      </p:cxnSp>
+      <p:cxnSp>
+        <p:nvCxnSpPr>
+          <p:cNvPr id="149" name="직선 화살표 연결선 148"/>
+          <p:cNvCxnSpPr>
+            <a:endCxn id="104" idx="3"/>
+          </p:cNvCxnSpPr>
+          <p:nvPr/>
+        </p:nvCxnSpPr>
+        <p:spPr>
+          <a:xfrm flipH="1">
+            <a:off x="4572000" y="2630006"/>
+            <a:ext cx="1291433" cy="871003"/>
+          </a:xfrm>
+          <a:prstGeom prst="straightConnector1">
+            <a:avLst/>
+          </a:prstGeom>
+          <a:ln>
+            <a:solidFill>
+              <a:schemeClr val="tx1">
+                <a:lumMod val="50000"/>
+                <a:lumOff val="50000"/>
+              </a:schemeClr>
+            </a:solidFill>
+            <a:prstDash val="sysDash"/>
+            <a:tailEnd type="arrow"/>
+          </a:ln>
+        </p:spPr>
+        <p:style>
+          <a:lnRef idx="1">
+            <a:schemeClr val="accent1"/>
+          </a:lnRef>
+          <a:fillRef idx="0">
+            <a:schemeClr val="accent1"/>
+          </a:fillRef>
+          <a:effectRef idx="0">
+            <a:schemeClr val="accent1"/>
+          </a:effectRef>
+          <a:fontRef idx="minor">
+            <a:schemeClr val="tx1"/>
+          </a:fontRef>
+        </p:style>
+      </p:cxnSp>
+      <p:cxnSp>
+        <p:nvCxnSpPr>
+          <p:cNvPr id="152" name="직선 화살표 연결선 151"/>
+          <p:cNvCxnSpPr>
+            <a:stCxn id="43" idx="1"/>
+            <a:endCxn id="104" idx="3"/>
+          </p:cNvCxnSpPr>
+          <p:nvPr/>
+        </p:nvCxnSpPr>
+        <p:spPr>
+          <a:xfrm flipH="1">
+            <a:off x="4572000" y="3054948"/>
+            <a:ext cx="1270620" cy="446061"/>
+          </a:xfrm>
+          <a:prstGeom prst="straightConnector1">
+            <a:avLst/>
+          </a:prstGeom>
+          <a:ln>
+            <a:solidFill>
+              <a:schemeClr val="tx1">
+                <a:lumMod val="50000"/>
+                <a:lumOff val="50000"/>
+              </a:schemeClr>
+            </a:solidFill>
+            <a:prstDash val="sysDash"/>
+            <a:tailEnd type="arrow"/>
+          </a:ln>
+        </p:spPr>
+        <p:style>
+          <a:lnRef idx="1">
+            <a:schemeClr val="accent1"/>
+          </a:lnRef>
+          <a:fillRef idx="0">
+            <a:schemeClr val="accent1"/>
+          </a:fillRef>
+          <a:effectRef idx="0">
+            <a:schemeClr val="accent1"/>
+          </a:effectRef>
+          <a:fontRef idx="minor">
+            <a:schemeClr val="tx1"/>
+          </a:fontRef>
+        </p:style>
+      </p:cxnSp>
+      <p:cxnSp>
+        <p:nvCxnSpPr>
+          <p:cNvPr id="155" name="직선 화살표 연결선 154"/>
+          <p:cNvCxnSpPr>
+            <a:stCxn id="115" idx="1"/>
+            <a:endCxn id="104" idx="3"/>
+          </p:cNvCxnSpPr>
+          <p:nvPr/>
+        </p:nvCxnSpPr>
+        <p:spPr>
+          <a:xfrm flipH="1">
+            <a:off x="4572000" y="3429000"/>
+            <a:ext cx="1270620" cy="72009"/>
+          </a:xfrm>
+          <a:prstGeom prst="straightConnector1">
+            <a:avLst/>
+          </a:prstGeom>
+          <a:ln>
+            <a:solidFill>
+              <a:schemeClr val="tx1">
+                <a:lumMod val="50000"/>
+                <a:lumOff val="50000"/>
+              </a:schemeClr>
+            </a:solidFill>
+            <a:prstDash val="sysDash"/>
+            <a:tailEnd type="arrow"/>
+          </a:ln>
+        </p:spPr>
+        <p:style>
+          <a:lnRef idx="1">
+            <a:schemeClr val="accent1"/>
+          </a:lnRef>
+          <a:fillRef idx="0">
+            <a:schemeClr val="accent1"/>
+          </a:fillRef>
+          <a:effectRef idx="0">
+            <a:schemeClr val="accent1"/>
+          </a:effectRef>
+          <a:fontRef idx="minor">
+            <a:schemeClr val="tx1"/>
+          </a:fontRef>
+        </p:style>
+      </p:cxnSp>
+      <p:cxnSp>
+        <p:nvCxnSpPr>
+          <p:cNvPr id="128" name="직선 화살표 연결선 127"/>
+          <p:cNvCxnSpPr>
+            <a:stCxn id="109" idx="3"/>
+            <a:endCxn id="35" idx="1"/>
+          </p:cNvCxnSpPr>
+          <p:nvPr/>
+        </p:nvCxnSpPr>
+        <p:spPr>
+          <a:xfrm flipV="1">
+            <a:off x="4572000" y="2207566"/>
+            <a:ext cx="1270620" cy="573362"/>
+          </a:xfrm>
+          <a:prstGeom prst="straightConnector1">
+            <a:avLst/>
+          </a:prstGeom>
+          <a:ln w="12700">
+            <a:tailEnd type="arrow"/>
+          </a:ln>
+        </p:spPr>
+        <p:style>
+          <a:lnRef idx="1">
+            <a:schemeClr val="accent1"/>
+          </a:lnRef>
+          <a:fillRef idx="0">
+            <a:schemeClr val="accent1"/>
+          </a:fillRef>
+          <a:effectRef idx="0">
+            <a:schemeClr val="accent1"/>
+          </a:effectRef>
+          <a:fontRef idx="minor">
+            <a:schemeClr val="tx1"/>
+          </a:fontRef>
+        </p:style>
+      </p:cxnSp>
+      <p:cxnSp>
+        <p:nvCxnSpPr>
+          <p:cNvPr id="129" name="직선 화살표 연결선 128"/>
+          <p:cNvCxnSpPr>
+            <a:stCxn id="109" idx="3"/>
+            <a:endCxn id="39" idx="1"/>
+          </p:cNvCxnSpPr>
+          <p:nvPr/>
+        </p:nvCxnSpPr>
+        <p:spPr>
+          <a:xfrm flipV="1">
+            <a:off x="4572000" y="2628496"/>
+            <a:ext cx="1270620" cy="152432"/>
+          </a:xfrm>
+          <a:prstGeom prst="straightConnector1">
+            <a:avLst/>
+          </a:prstGeom>
+          <a:ln w="12700">
+            <a:tailEnd type="arrow"/>
+          </a:ln>
+        </p:spPr>
+        <p:style>
+          <a:lnRef idx="1">
+            <a:schemeClr val="accent1"/>
+          </a:lnRef>
+          <a:fillRef idx="0">
+            <a:schemeClr val="accent1"/>
+          </a:fillRef>
+          <a:effectRef idx="0">
+            <a:schemeClr val="accent1"/>
+          </a:effectRef>
+          <a:fontRef idx="minor">
+            <a:schemeClr val="tx1"/>
+          </a:fontRef>
+        </p:style>
+      </p:cxnSp>
+      <p:cxnSp>
+        <p:nvCxnSpPr>
+          <p:cNvPr id="132" name="직선 화살표 연결선 131"/>
+          <p:cNvCxnSpPr>
+            <a:stCxn id="109" idx="3"/>
+          </p:cNvCxnSpPr>
+          <p:nvPr/>
+        </p:nvCxnSpPr>
+        <p:spPr>
+          <a:xfrm>
+            <a:off x="4572000" y="2780928"/>
+            <a:ext cx="1291433" cy="269935"/>
+          </a:xfrm>
+          <a:prstGeom prst="straightConnector1">
+            <a:avLst/>
+          </a:prstGeom>
+          <a:ln w="12700">
+            <a:tailEnd type="arrow"/>
+          </a:ln>
+        </p:spPr>
+        <p:style>
+          <a:lnRef idx="1">
+            <a:schemeClr val="accent1"/>
+          </a:lnRef>
+          <a:fillRef idx="0">
+            <a:schemeClr val="accent1"/>
+          </a:fillRef>
+          <a:effectRef idx="0">
+            <a:schemeClr val="accent1"/>
+          </a:effectRef>
+          <a:fontRef idx="minor">
+            <a:schemeClr val="tx1"/>
+          </a:fontRef>
+        </p:style>
+      </p:cxnSp>
+      <p:cxnSp>
+        <p:nvCxnSpPr>
+          <p:cNvPr id="135" name="직선 화살표 연결선 134"/>
+          <p:cNvCxnSpPr>
+            <a:stCxn id="109" idx="3"/>
+          </p:cNvCxnSpPr>
+          <p:nvPr/>
+        </p:nvCxnSpPr>
+        <p:spPr>
+          <a:xfrm>
+            <a:off x="4572000" y="2780928"/>
+            <a:ext cx="1291433" cy="657999"/>
+          </a:xfrm>
+          <a:prstGeom prst="straightConnector1">
+            <a:avLst/>
+          </a:prstGeom>
+          <a:ln w="12700">
+            <a:tailEnd type="arrow"/>
+          </a:ln>
+        </p:spPr>
+        <p:style>
+          <a:lnRef idx="1">
+            <a:schemeClr val="accent1"/>
+          </a:lnRef>
+          <a:fillRef idx="0">
+            <a:schemeClr val="accent1"/>
+          </a:fillRef>
+          <a:effectRef idx="0">
+            <a:schemeClr val="accent1"/>
+          </a:effectRef>
+          <a:fontRef idx="minor">
+            <a:schemeClr val="tx1"/>
+          </a:fontRef>
+        </p:style>
+      </p:cxnSp>
+      <p:sp>
+        <p:nvSpPr>
+          <p:cNvPr id="164" name="TextBox 163">
+            <a:extLst>
+              <a:ext uri="{FF2B5EF4-FFF2-40B4-BE49-F238E27FC236}">
+                <a16:creationId xmlns="" xmlns:a16="http://schemas.microsoft.com/office/drawing/2014/main" id="{2A9209C0-7F11-4BA2-8BD9-06DF8E0CD1CB}"/>
+              </a:ext>
+            </a:extLst>
+          </p:cNvPr>
+          <p:cNvSpPr txBox="1"/>
+          <p:nvPr/>
+        </p:nvSpPr>
+        <p:spPr>
+          <a:xfrm>
+            <a:off x="6084168" y="3731722"/>
+            <a:ext cx="1164670" cy="246221"/>
+          </a:xfrm>
+          <a:prstGeom prst="rect">
+            <a:avLst/>
+          </a:prstGeom>
+          <a:noFill/>
+        </p:spPr>
+        <p:txBody>
+          <a:bodyPr wrap="square" rtlCol="0">
+            <a:spAutoFit/>
+          </a:bodyPr>
+          <a:lstStyle/>
+          <a:p>
+            <a:r>
+              <a:rPr lang="ko-KR" altLang="en-US" sz="1000" dirty="0" err="1" smtClean="0">
+                <a:solidFill>
+                  <a:schemeClr val="tx1">
+                    <a:lumMod val="50000"/>
+                    <a:lumOff val="50000"/>
+                  </a:schemeClr>
+                </a:solidFill>
+              </a:rPr>
+              <a:t>원터치페이</a:t>
+            </a:r>
+            <a:r>
+              <a:rPr lang="ko-KR" altLang="en-US" sz="1000" dirty="0" smtClean="0">
+                <a:solidFill>
+                  <a:schemeClr val="tx1">
+                    <a:lumMod val="50000"/>
+                    <a:lumOff val="50000"/>
+                  </a:schemeClr>
+                </a:solidFill>
+              </a:rPr>
+              <a:t> </a:t>
+            </a:r>
+            <a:r>
+              <a:rPr lang="en-US" altLang="ko-KR" sz="1000" dirty="0" smtClean="0">
+                <a:solidFill>
+                  <a:schemeClr val="tx1">
+                    <a:lumMod val="50000"/>
+                    <a:lumOff val="50000"/>
+                  </a:schemeClr>
+                </a:solidFill>
+              </a:rPr>
+              <a:t>API</a:t>
+            </a:r>
+            <a:endParaRPr lang="ko-KR" altLang="en-US" sz="1000" dirty="0">
+              <a:solidFill>
+                <a:schemeClr val="tx1">
+                  <a:lumMod val="50000"/>
+                  <a:lumOff val="50000"/>
+                </a:schemeClr>
+              </a:solidFill>
+            </a:endParaRPr>
+          </a:p>
+        </p:txBody>
+      </p:sp>
+      <p:sp>
+        <p:nvSpPr>
+          <p:cNvPr id="167" name="직사각형 166">
+            <a:extLst>
+              <a:ext uri="{FF2B5EF4-FFF2-40B4-BE49-F238E27FC236}">
+                <a16:creationId xmlns="" xmlns:a16="http://schemas.microsoft.com/office/drawing/2014/main" id="{DF5EC40C-5932-47FA-8B00-59F6AB2F11F6}"/>
+              </a:ext>
+            </a:extLst>
+          </p:cNvPr>
+          <p:cNvSpPr/>
+          <p:nvPr/>
+        </p:nvSpPr>
+        <p:spPr>
+          <a:xfrm>
+            <a:off x="5842620" y="3717033"/>
+            <a:ext cx="1753716" cy="288031"/>
+          </a:xfrm>
+          <a:prstGeom prst="rect">
+            <a:avLst/>
+          </a:prstGeom>
+          <a:noFill/>
+          <a:ln w="0">
+            <a:prstDash val="sysDash"/>
+          </a:ln>
+        </p:spPr>
+        <p:style>
+          <a:lnRef idx="2">
+            <a:schemeClr val="accent1">
+              <a:shade val="50000"/>
+            </a:schemeClr>
+          </a:lnRef>
+          <a:fillRef idx="1">
+            <a:schemeClr val="accent1"/>
+          </a:fillRef>
+          <a:effectRef idx="0">
+            <a:schemeClr val="accent1"/>
+          </a:effectRef>
+          <a:fontRef idx="minor">
+            <a:schemeClr val="lt1"/>
+          </a:fontRef>
+        </p:style>
+        <p:txBody>
+          <a:bodyPr rtlCol="0" anchor="ctr"/>
+          <a:lstStyle/>
+          <a:p>
+            <a:pPr algn="ctr"/>
+            <a:endParaRPr lang="ko-KR" altLang="en-US"/>
+          </a:p>
+        </p:txBody>
+      </p:sp>
+      <p:pic>
+        <p:nvPicPr>
+          <p:cNvPr id="2" name="Picture 2" descr="C:\Users\webme\Downloads\spring cloud gateway.png"/>
+          <p:cNvPicPr>
+            <a:picLocks noChangeAspect="1" noChangeArrowheads="1"/>
+          </p:cNvPicPr>
+          <p:nvPr/>
+        </p:nvPicPr>
+        <p:blipFill>
+          <a:blip r:embed="rId23" cstate="print"/>
+          <a:srcRect/>
+          <a:stretch>
+            <a:fillRect/>
+          </a:stretch>
+        </p:blipFill>
+        <p:spPr bwMode="auto">
+          <a:xfrm>
+            <a:off x="2627784" y="2636912"/>
+            <a:ext cx="360040" cy="339778"/>
+          </a:xfrm>
+          <a:prstGeom prst="rect">
+            <a:avLst/>
+          </a:prstGeom>
+          <a:noFill/>
+        </p:spPr>
+      </p:pic>
+      <p:pic>
+        <p:nvPicPr>
+          <p:cNvPr id="184" name="Picture 2" descr="C:\Users\webme\Downloads\spring cloud gateway.png"/>
+          <p:cNvPicPr>
+            <a:picLocks noChangeAspect="1" noChangeArrowheads="1"/>
+          </p:cNvPicPr>
+          <p:nvPr/>
+        </p:nvPicPr>
+        <p:blipFill>
+          <a:blip r:embed="rId23" cstate="print"/>
+          <a:srcRect/>
+          <a:stretch>
+            <a:fillRect/>
+          </a:stretch>
+        </p:blipFill>
+        <p:spPr bwMode="auto">
+          <a:xfrm>
+            <a:off x="2627784" y="3356992"/>
+            <a:ext cx="360040" cy="339778"/>
+          </a:xfrm>
+          <a:prstGeom prst="rect">
+            <a:avLst/>
+          </a:prstGeom>
+          <a:noFill/>
+        </p:spPr>
+      </p:pic>
+      <p:pic>
+        <p:nvPicPr>
+          <p:cNvPr id="1027" name="Picture 3" descr="C:\Users\webme\Downloads\spring boot.png"/>
+          <p:cNvPicPr>
+            <a:picLocks noChangeAspect="1" noChangeArrowheads="1"/>
+          </p:cNvPicPr>
+          <p:nvPr/>
+        </p:nvPicPr>
+        <p:blipFill>
+          <a:blip r:embed="rId24" cstate="print"/>
+          <a:srcRect/>
+          <a:stretch>
+            <a:fillRect/>
+          </a:stretch>
+        </p:blipFill>
+        <p:spPr bwMode="auto">
+          <a:xfrm>
+            <a:off x="5868144" y="2077200"/>
+            <a:ext cx="252000" cy="252000"/>
+          </a:xfrm>
+          <a:prstGeom prst="rect">
+            <a:avLst/>
+          </a:prstGeom>
+          <a:noFill/>
+        </p:spPr>
+      </p:pic>
+      <p:pic>
+        <p:nvPicPr>
+          <p:cNvPr id="186" name="Picture 3" descr="C:\Users\webme\Downloads\spring boot.png"/>
+          <p:cNvPicPr>
+            <a:picLocks noChangeAspect="1" noChangeArrowheads="1"/>
+          </p:cNvPicPr>
+          <p:nvPr/>
+        </p:nvPicPr>
+        <p:blipFill>
+          <a:blip r:embed="rId24" cstate="print"/>
+          <a:srcRect/>
+          <a:stretch>
+            <a:fillRect/>
+          </a:stretch>
+        </p:blipFill>
+        <p:spPr bwMode="auto">
+          <a:xfrm>
+            <a:off x="5871970" y="2515102"/>
+            <a:ext cx="252000" cy="252000"/>
+          </a:xfrm>
+          <a:prstGeom prst="rect">
+            <a:avLst/>
+          </a:prstGeom>
+          <a:noFill/>
+        </p:spPr>
+      </p:pic>
+      <p:pic>
+        <p:nvPicPr>
+          <p:cNvPr id="189" name="Picture 3" descr="C:\Users\webme\Downloads\spring boot.png"/>
+          <p:cNvPicPr>
+            <a:picLocks noChangeAspect="1" noChangeArrowheads="1"/>
+          </p:cNvPicPr>
+          <p:nvPr/>
+        </p:nvPicPr>
+        <p:blipFill>
+          <a:blip r:embed="rId24" cstate="print"/>
+          <a:srcRect/>
+          <a:stretch>
+            <a:fillRect/>
+          </a:stretch>
+        </p:blipFill>
+        <p:spPr bwMode="auto">
+          <a:xfrm>
+            <a:off x="5871970" y="2947150"/>
+            <a:ext cx="252000" cy="252000"/>
+          </a:xfrm>
+          <a:prstGeom prst="rect">
+            <a:avLst/>
+          </a:prstGeom>
+          <a:noFill/>
+        </p:spPr>
+      </p:pic>
+      <p:pic>
+        <p:nvPicPr>
+          <p:cNvPr id="193" name="Picture 3" descr="C:\Users\webme\Downloads\spring boot.png"/>
+          <p:cNvPicPr>
+            <a:picLocks noChangeAspect="1" noChangeArrowheads="1"/>
+          </p:cNvPicPr>
+          <p:nvPr/>
+        </p:nvPicPr>
+        <p:blipFill>
+          <a:blip r:embed="rId24" cstate="print"/>
+          <a:srcRect/>
+          <a:stretch>
+            <a:fillRect/>
+          </a:stretch>
+        </p:blipFill>
+        <p:spPr bwMode="auto">
+          <a:xfrm>
+            <a:off x="5871970" y="3321016"/>
+            <a:ext cx="252000" cy="252000"/>
+          </a:xfrm>
+          <a:prstGeom prst="rect">
+            <a:avLst/>
+          </a:prstGeom>
+          <a:noFill/>
+        </p:spPr>
+      </p:pic>
+      <p:pic>
+        <p:nvPicPr>
+          <p:cNvPr id="195" name="Picture 3" descr="C:\Users\webme\Downloads\spring boot.png"/>
+          <p:cNvPicPr>
+            <a:picLocks noChangeAspect="1" noChangeArrowheads="1"/>
+          </p:cNvPicPr>
+          <p:nvPr/>
+        </p:nvPicPr>
+        <p:blipFill>
+          <a:blip r:embed="rId24" cstate="print"/>
+          <a:srcRect/>
+          <a:stretch>
+            <a:fillRect/>
+          </a:stretch>
+        </p:blipFill>
+        <p:spPr bwMode="auto">
+          <a:xfrm>
+            <a:off x="5871970" y="3741661"/>
+            <a:ext cx="252000" cy="252000"/>
+          </a:xfrm>
+          <a:prstGeom prst="rect">
+            <a:avLst/>
+          </a:prstGeom>
+          <a:noFill/>
+        </p:spPr>
+      </p:pic>
+      <p:sp>
+        <p:nvSpPr>
+          <p:cNvPr id="198" name="모서리가 둥근 직사각형 174">
+            <a:extLst>
+              <a:ext uri="{FF2B5EF4-FFF2-40B4-BE49-F238E27FC236}">
+                <a16:creationId xmlns="" xmlns:a16="http://schemas.microsoft.com/office/drawing/2014/main" id="{CEE20A76-8225-4F95-9133-622979E3E5E9}"/>
+              </a:ext>
+            </a:extLst>
+          </p:cNvPr>
+          <p:cNvSpPr/>
+          <p:nvPr/>
+        </p:nvSpPr>
+        <p:spPr>
+          <a:xfrm>
+            <a:off x="5652120" y="5229200"/>
+            <a:ext cx="2016224" cy="792088"/>
+          </a:xfrm>
+          <a:prstGeom prst="roundRect">
+            <a:avLst/>
+          </a:prstGeom>
+          <a:noFill/>
+          <a:ln w="12700">
+            <a:solidFill>
+              <a:schemeClr val="tx1"/>
+            </a:solidFill>
+            <a:prstDash val="sysDot"/>
+          </a:ln>
+        </p:spPr>
+        <p:style>
+          <a:lnRef idx="2">
+            <a:schemeClr val="accent1">
+              <a:shade val="50000"/>
+            </a:schemeClr>
+          </a:lnRef>
+          <a:fillRef idx="1">
+            <a:schemeClr val="accent1"/>
+          </a:fillRef>
+          <a:effectRef idx="0">
+            <a:schemeClr val="accent1"/>
+          </a:effectRef>
+          <a:fontRef idx="minor">
+            <a:schemeClr val="lt1"/>
+          </a:fontRef>
+        </p:style>
+        <p:txBody>
+          <a:bodyPr rtlCol="0" anchor="ctr"/>
+          <a:lstStyle/>
+          <a:p>
+            <a:pPr algn="ctr"/>
+            <a:endParaRPr lang="ko-KR" altLang="en-US" dirty="0"/>
+          </a:p>
+        </p:txBody>
+      </p:sp>
+      <p:pic>
+        <p:nvPicPr>
+          <p:cNvPr id="199" name="Picture 2"/>
+          <p:cNvPicPr>
+            <a:picLocks noChangeAspect="1" noChangeArrowheads="1"/>
+          </p:cNvPicPr>
+          <p:nvPr/>
+        </p:nvPicPr>
+        <p:blipFill>
+          <a:blip r:embed="rId25" cstate="print"/>
+          <a:srcRect/>
+          <a:stretch>
+            <a:fillRect/>
+          </a:stretch>
+        </p:blipFill>
+        <p:spPr bwMode="auto">
+          <a:xfrm>
+            <a:off x="6096372" y="5373216"/>
+            <a:ext cx="378989" cy="432048"/>
+          </a:xfrm>
+          <a:prstGeom prst="rect">
+            <a:avLst/>
+          </a:prstGeom>
+          <a:noFill/>
+          <a:ln w="9525">
+            <a:noFill/>
+            <a:miter lim="800000"/>
+            <a:headEnd/>
+            <a:tailEnd/>
+          </a:ln>
+        </p:spPr>
+      </p:pic>
+      <p:pic>
+        <p:nvPicPr>
+          <p:cNvPr id="200" name="Picture 3"/>
+          <p:cNvPicPr>
+            <a:picLocks noChangeAspect="1" noChangeArrowheads="1"/>
+          </p:cNvPicPr>
+          <p:nvPr/>
+        </p:nvPicPr>
+        <p:blipFill>
+          <a:blip r:embed="rId26" cstate="print"/>
+          <a:srcRect/>
+          <a:stretch>
+            <a:fillRect/>
+          </a:stretch>
+        </p:blipFill>
+        <p:spPr bwMode="auto">
+          <a:xfrm>
+            <a:off x="6839642" y="5373216"/>
+            <a:ext cx="468662" cy="432048"/>
+          </a:xfrm>
+          <a:prstGeom prst="rect">
+            <a:avLst/>
+          </a:prstGeom>
+          <a:noFill/>
+          <a:ln w="9525">
+            <a:noFill/>
+            <a:miter lim="800000"/>
+            <a:headEnd/>
+            <a:tailEnd/>
+          </a:ln>
+        </p:spPr>
+      </p:pic>
+      <p:cxnSp>
+        <p:nvCxnSpPr>
+          <p:cNvPr id="205" name="직선 화살표 연결선 204"/>
+          <p:cNvCxnSpPr/>
+          <p:nvPr/>
+        </p:nvCxnSpPr>
+        <p:spPr>
+          <a:xfrm>
+            <a:off x="7020272" y="4797152"/>
+            <a:ext cx="0" cy="360040"/>
+          </a:xfrm>
+          <a:prstGeom prst="straightConnector1">
+            <a:avLst/>
+          </a:prstGeom>
+          <a:ln>
+            <a:headEnd type="arrow"/>
+            <a:tailEnd type="arrow"/>
+          </a:ln>
+        </p:spPr>
+        <p:style>
+          <a:lnRef idx="1">
+            <a:schemeClr val="accent1"/>
+          </a:lnRef>
+          <a:fillRef idx="0">
+            <a:schemeClr val="accent1"/>
+          </a:fillRef>
+          <a:effectRef idx="0">
+            <a:schemeClr val="accent1"/>
+          </a:effectRef>
+          <a:fontRef idx="minor">
+            <a:schemeClr val="tx1"/>
+          </a:fontRef>
+        </p:style>
+      </p:cxnSp>
     </p:spTree>
   </p:cSld>
   <p:clrMapOvr>
